--- a/Programovací-jazyk-C.pptx
+++ b/Programovací-jazyk-C.pptx
@@ -4,6 +4,9 @@
   <p:sldMasterIdLst>
     <p:sldMasterId id="2147483722" r:id="rId1"/>
   </p:sldMasterIdLst>
+  <p:notesMasterIdLst>
+    <p:notesMasterId r:id="rId4"/>
+  </p:notesMasterIdLst>
   <p:sldIdLst>
     <p:sldId id="256" r:id="rId2"/>
     <p:sldId id="257" r:id="rId3"/>
@@ -105,7 +108,525 @@
       </a:defRPr>
     </a:lvl9pPr>
   </p:defaultTextStyle>
+  <p:extLst>
+    <p:ext uri="{EFAFB233-063F-42B5-8137-9DF3F51BA10A}">
+      <p15:sldGuideLst xmlns:p15="http://schemas.microsoft.com/office/powerpoint/2012/main"/>
+    </p:ext>
+  </p:extLst>
 </p:presentation>
+</file>
+
+<file path=ppt/notesMasters/notesMaster1.xml><?xml version="1.0" encoding="utf-8"?>
+<p:notesMaster xmlns:a="http://schemas.openxmlformats.org/drawingml/2006/main" xmlns:r="http://schemas.openxmlformats.org/officeDocument/2006/relationships" xmlns:p="http://schemas.openxmlformats.org/presentationml/2006/main">
+  <p:cSld>
+    <p:bg>
+      <p:bgRef idx="1001">
+        <a:schemeClr val="bg1"/>
+      </p:bgRef>
+    </p:bg>
+    <p:spTree>
+      <p:nvGrpSpPr>
+        <p:cNvPr id="1" name=""/>
+        <p:cNvGrpSpPr/>
+        <p:nvPr/>
+      </p:nvGrpSpPr>
+      <p:grpSpPr>
+        <a:xfrm>
+          <a:off x="0" y="0"/>
+          <a:ext cx="0" cy="0"/>
+          <a:chOff x="0" y="0"/>
+          <a:chExt cx="0" cy="0"/>
+        </a:xfrm>
+      </p:grpSpPr>
+      <p:sp>
+        <p:nvSpPr>
+          <p:cNvPr id="2" name="Zástupný symbol pro záhlaví 1"/>
+          <p:cNvSpPr>
+            <a:spLocks noGrp="1"/>
+          </p:cNvSpPr>
+          <p:nvPr>
+            <p:ph type="hdr" sz="quarter"/>
+          </p:nvPr>
+        </p:nvSpPr>
+        <p:spPr>
+          <a:xfrm>
+            <a:off x="0" y="0"/>
+            <a:ext cx="2971800" cy="458788"/>
+          </a:xfrm>
+          <a:prstGeom prst="rect">
+            <a:avLst/>
+          </a:prstGeom>
+        </p:spPr>
+        <p:txBody>
+          <a:bodyPr vert="horz" lIns="91440" tIns="45720" rIns="91440" bIns="45720" rtlCol="0"/>
+          <a:lstStyle>
+            <a:lvl1pPr algn="l">
+              <a:defRPr sz="1200"/>
+            </a:lvl1pPr>
+          </a:lstStyle>
+          <a:p>
+            <a:endParaRPr lang="cs-CZ"/>
+          </a:p>
+        </p:txBody>
+      </p:sp>
+      <p:sp>
+        <p:nvSpPr>
+          <p:cNvPr id="3" name="Zástupný symbol pro datum 2"/>
+          <p:cNvSpPr>
+            <a:spLocks noGrp="1"/>
+          </p:cNvSpPr>
+          <p:nvPr>
+            <p:ph type="dt" idx="1"/>
+          </p:nvPr>
+        </p:nvSpPr>
+        <p:spPr>
+          <a:xfrm>
+            <a:off x="3884613" y="0"/>
+            <a:ext cx="2971800" cy="458788"/>
+          </a:xfrm>
+          <a:prstGeom prst="rect">
+            <a:avLst/>
+          </a:prstGeom>
+        </p:spPr>
+        <p:txBody>
+          <a:bodyPr vert="horz" lIns="91440" tIns="45720" rIns="91440" bIns="45720" rtlCol="0"/>
+          <a:lstStyle>
+            <a:lvl1pPr algn="r">
+              <a:defRPr sz="1200"/>
+            </a:lvl1pPr>
+          </a:lstStyle>
+          <a:p>
+            <a:fld id="{BFBFF3A5-F03F-4D2A-9CE2-11F1765DBB33}" type="datetimeFigureOut">
+              <a:rPr lang="cs-CZ" smtClean="0"/>
+              <a:t>17.01.2023</a:t>
+            </a:fld>
+            <a:endParaRPr lang="cs-CZ"/>
+          </a:p>
+        </p:txBody>
+      </p:sp>
+      <p:sp>
+        <p:nvSpPr>
+          <p:cNvPr id="4" name="Zástupný symbol pro obrázek snímku 3"/>
+          <p:cNvSpPr>
+            <a:spLocks noGrp="1" noRot="1" noChangeAspect="1"/>
+          </p:cNvSpPr>
+          <p:nvPr>
+            <p:ph type="sldImg" idx="2"/>
+          </p:nvPr>
+        </p:nvSpPr>
+        <p:spPr>
+          <a:xfrm>
+            <a:off x="685800" y="1143000"/>
+            <a:ext cx="5486400" cy="3086100"/>
+          </a:xfrm>
+          <a:prstGeom prst="rect">
+            <a:avLst/>
+          </a:prstGeom>
+          <a:noFill/>
+          <a:ln w="12700">
+            <a:solidFill>
+              <a:prstClr val="black"/>
+            </a:solidFill>
+          </a:ln>
+        </p:spPr>
+        <p:txBody>
+          <a:bodyPr vert="horz" lIns="91440" tIns="45720" rIns="91440" bIns="45720" rtlCol="0" anchor="ctr"/>
+          <a:lstStyle/>
+          <a:p>
+            <a:endParaRPr lang="cs-CZ"/>
+          </a:p>
+        </p:txBody>
+      </p:sp>
+      <p:sp>
+        <p:nvSpPr>
+          <p:cNvPr id="5" name="Zástupný symbol pro poznámky 4"/>
+          <p:cNvSpPr>
+            <a:spLocks noGrp="1"/>
+          </p:cNvSpPr>
+          <p:nvPr>
+            <p:ph type="body" sz="quarter" idx="3"/>
+          </p:nvPr>
+        </p:nvSpPr>
+        <p:spPr>
+          <a:xfrm>
+            <a:off x="685800" y="4400550"/>
+            <a:ext cx="5486400" cy="3600450"/>
+          </a:xfrm>
+          <a:prstGeom prst="rect">
+            <a:avLst/>
+          </a:prstGeom>
+        </p:spPr>
+        <p:txBody>
+          <a:bodyPr vert="horz" lIns="91440" tIns="45720" rIns="91440" bIns="45720" rtlCol="0"/>
+          <a:lstStyle/>
+          <a:p>
+            <a:pPr lvl="0"/>
+            <a:r>
+              <a:rPr lang="cs-CZ"/>
+              <a:t>Po kliknutí můžete upravovat styly textu v předloze.</a:t>
+            </a:r>
+          </a:p>
+          <a:p>
+            <a:pPr lvl="1"/>
+            <a:r>
+              <a:rPr lang="cs-CZ"/>
+              <a:t>Druhá úroveň</a:t>
+            </a:r>
+          </a:p>
+          <a:p>
+            <a:pPr lvl="2"/>
+            <a:r>
+              <a:rPr lang="cs-CZ"/>
+              <a:t>Třetí úroveň</a:t>
+            </a:r>
+          </a:p>
+          <a:p>
+            <a:pPr lvl="3"/>
+            <a:r>
+              <a:rPr lang="cs-CZ"/>
+              <a:t>Čtvrtá úroveň</a:t>
+            </a:r>
+          </a:p>
+          <a:p>
+            <a:pPr lvl="4"/>
+            <a:r>
+              <a:rPr lang="cs-CZ"/>
+              <a:t>Pátá úroveň</a:t>
+            </a:r>
+          </a:p>
+        </p:txBody>
+      </p:sp>
+      <p:sp>
+        <p:nvSpPr>
+          <p:cNvPr id="6" name="Zástupný symbol pro zápatí 5"/>
+          <p:cNvSpPr>
+            <a:spLocks noGrp="1"/>
+          </p:cNvSpPr>
+          <p:nvPr>
+            <p:ph type="ftr" sz="quarter" idx="4"/>
+          </p:nvPr>
+        </p:nvSpPr>
+        <p:spPr>
+          <a:xfrm>
+            <a:off x="0" y="8685213"/>
+            <a:ext cx="2971800" cy="458787"/>
+          </a:xfrm>
+          <a:prstGeom prst="rect">
+            <a:avLst/>
+          </a:prstGeom>
+        </p:spPr>
+        <p:txBody>
+          <a:bodyPr vert="horz" lIns="91440" tIns="45720" rIns="91440" bIns="45720" rtlCol="0" anchor="b"/>
+          <a:lstStyle>
+            <a:lvl1pPr algn="l">
+              <a:defRPr sz="1200"/>
+            </a:lvl1pPr>
+          </a:lstStyle>
+          <a:p>
+            <a:endParaRPr lang="cs-CZ"/>
+          </a:p>
+        </p:txBody>
+      </p:sp>
+      <p:sp>
+        <p:nvSpPr>
+          <p:cNvPr id="7" name="Zástupný symbol pro číslo snímku 6"/>
+          <p:cNvSpPr>
+            <a:spLocks noGrp="1"/>
+          </p:cNvSpPr>
+          <p:nvPr>
+            <p:ph type="sldNum" sz="quarter" idx="5"/>
+          </p:nvPr>
+        </p:nvSpPr>
+        <p:spPr>
+          <a:xfrm>
+            <a:off x="3884613" y="8685213"/>
+            <a:ext cx="2971800" cy="458787"/>
+          </a:xfrm>
+          <a:prstGeom prst="rect">
+            <a:avLst/>
+          </a:prstGeom>
+        </p:spPr>
+        <p:txBody>
+          <a:bodyPr vert="horz" lIns="91440" tIns="45720" rIns="91440" bIns="45720" rtlCol="0" anchor="b"/>
+          <a:lstStyle>
+            <a:lvl1pPr algn="r">
+              <a:defRPr sz="1200"/>
+            </a:lvl1pPr>
+          </a:lstStyle>
+          <a:p>
+            <a:fld id="{E51DB58B-49B6-457D-9CBD-FB4E7093B0E9}" type="slidenum">
+              <a:rPr lang="cs-CZ" smtClean="0"/>
+              <a:t>‹#›</a:t>
+            </a:fld>
+            <a:endParaRPr lang="cs-CZ"/>
+          </a:p>
+        </p:txBody>
+      </p:sp>
+    </p:spTree>
+    <p:extLst>
+      <p:ext uri="{BB962C8B-B14F-4D97-AF65-F5344CB8AC3E}">
+        <p14:creationId xmlns:p14="http://schemas.microsoft.com/office/powerpoint/2010/main" val="846094619"/>
+      </p:ext>
+    </p:extLst>
+  </p:cSld>
+  <p:clrMap bg1="lt1" tx1="dk1" bg2="lt2" tx2="dk2" accent1="accent1" accent2="accent2" accent3="accent3" accent4="accent4" accent5="accent5" accent6="accent6" hlink="hlink" folHlink="folHlink"/>
+  <p:notesStyle>
+    <a:lvl1pPr marL="0" algn="l" defTabSz="914400" rtl="0" eaLnBrk="1" latinLnBrk="0" hangingPunct="1">
+      <a:defRPr sz="1200" kern="1200">
+        <a:solidFill>
+          <a:schemeClr val="tx1"/>
+        </a:solidFill>
+        <a:latin typeface="+mn-lt"/>
+        <a:ea typeface="+mn-ea"/>
+        <a:cs typeface="+mn-cs"/>
+      </a:defRPr>
+    </a:lvl1pPr>
+    <a:lvl2pPr marL="457200" algn="l" defTabSz="914400" rtl="0" eaLnBrk="1" latinLnBrk="0" hangingPunct="1">
+      <a:defRPr sz="1200" kern="1200">
+        <a:solidFill>
+          <a:schemeClr val="tx1"/>
+        </a:solidFill>
+        <a:latin typeface="+mn-lt"/>
+        <a:ea typeface="+mn-ea"/>
+        <a:cs typeface="+mn-cs"/>
+      </a:defRPr>
+    </a:lvl2pPr>
+    <a:lvl3pPr marL="914400" algn="l" defTabSz="914400" rtl="0" eaLnBrk="1" latinLnBrk="0" hangingPunct="1">
+      <a:defRPr sz="1200" kern="1200">
+        <a:solidFill>
+          <a:schemeClr val="tx1"/>
+        </a:solidFill>
+        <a:latin typeface="+mn-lt"/>
+        <a:ea typeface="+mn-ea"/>
+        <a:cs typeface="+mn-cs"/>
+      </a:defRPr>
+    </a:lvl3pPr>
+    <a:lvl4pPr marL="1371600" algn="l" defTabSz="914400" rtl="0" eaLnBrk="1" latinLnBrk="0" hangingPunct="1">
+      <a:defRPr sz="1200" kern="1200">
+        <a:solidFill>
+          <a:schemeClr val="tx1"/>
+        </a:solidFill>
+        <a:latin typeface="+mn-lt"/>
+        <a:ea typeface="+mn-ea"/>
+        <a:cs typeface="+mn-cs"/>
+      </a:defRPr>
+    </a:lvl4pPr>
+    <a:lvl5pPr marL="1828800" algn="l" defTabSz="914400" rtl="0" eaLnBrk="1" latinLnBrk="0" hangingPunct="1">
+      <a:defRPr sz="1200" kern="1200">
+        <a:solidFill>
+          <a:schemeClr val="tx1"/>
+        </a:solidFill>
+        <a:latin typeface="+mn-lt"/>
+        <a:ea typeface="+mn-ea"/>
+        <a:cs typeface="+mn-cs"/>
+      </a:defRPr>
+    </a:lvl5pPr>
+    <a:lvl6pPr marL="2286000" algn="l" defTabSz="914400" rtl="0" eaLnBrk="1" latinLnBrk="0" hangingPunct="1">
+      <a:defRPr sz="1200" kern="1200">
+        <a:solidFill>
+          <a:schemeClr val="tx1"/>
+        </a:solidFill>
+        <a:latin typeface="+mn-lt"/>
+        <a:ea typeface="+mn-ea"/>
+        <a:cs typeface="+mn-cs"/>
+      </a:defRPr>
+    </a:lvl6pPr>
+    <a:lvl7pPr marL="2743200" algn="l" defTabSz="914400" rtl="0" eaLnBrk="1" latinLnBrk="0" hangingPunct="1">
+      <a:defRPr sz="1200" kern="1200">
+        <a:solidFill>
+          <a:schemeClr val="tx1"/>
+        </a:solidFill>
+        <a:latin typeface="+mn-lt"/>
+        <a:ea typeface="+mn-ea"/>
+        <a:cs typeface="+mn-cs"/>
+      </a:defRPr>
+    </a:lvl7pPr>
+    <a:lvl8pPr marL="3200400" algn="l" defTabSz="914400" rtl="0" eaLnBrk="1" latinLnBrk="0" hangingPunct="1">
+      <a:defRPr sz="1200" kern="1200">
+        <a:solidFill>
+          <a:schemeClr val="tx1"/>
+        </a:solidFill>
+        <a:latin typeface="+mn-lt"/>
+        <a:ea typeface="+mn-ea"/>
+        <a:cs typeface="+mn-cs"/>
+      </a:defRPr>
+    </a:lvl8pPr>
+    <a:lvl9pPr marL="3657600" algn="l" defTabSz="914400" rtl="0" eaLnBrk="1" latinLnBrk="0" hangingPunct="1">
+      <a:defRPr sz="1200" kern="1200">
+        <a:solidFill>
+          <a:schemeClr val="tx1"/>
+        </a:solidFill>
+        <a:latin typeface="+mn-lt"/>
+        <a:ea typeface="+mn-ea"/>
+        <a:cs typeface="+mn-cs"/>
+      </a:defRPr>
+    </a:lvl9pPr>
+  </p:notesStyle>
+</p:notesMaster>
+</file>
+
+<file path=ppt/notesSlides/notesSlide1.xml><?xml version="1.0" encoding="utf-8"?>
+<p:notes xmlns:a="http://schemas.openxmlformats.org/drawingml/2006/main" xmlns:r="http://schemas.openxmlformats.org/officeDocument/2006/relationships" xmlns:p="http://schemas.openxmlformats.org/presentationml/2006/main">
+  <p:cSld>
+    <p:spTree>
+      <p:nvGrpSpPr>
+        <p:cNvPr id="1" name=""/>
+        <p:cNvGrpSpPr/>
+        <p:nvPr/>
+      </p:nvGrpSpPr>
+      <p:grpSpPr>
+        <a:xfrm>
+          <a:off x="0" y="0"/>
+          <a:ext cx="0" cy="0"/>
+          <a:chOff x="0" y="0"/>
+          <a:chExt cx="0" cy="0"/>
+        </a:xfrm>
+      </p:grpSpPr>
+      <p:sp>
+        <p:nvSpPr>
+          <p:cNvPr id="2" name="Zástupný symbol pro obrázek snímku 1"/>
+          <p:cNvSpPr>
+            <a:spLocks noGrp="1" noRot="1" noChangeAspect="1"/>
+          </p:cNvSpPr>
+          <p:nvPr>
+            <p:ph type="sldImg"/>
+          </p:nvPr>
+        </p:nvSpPr>
+        <p:spPr/>
+      </p:sp>
+      <p:sp>
+        <p:nvSpPr>
+          <p:cNvPr id="3" name="Zástupný symbol pro poznámky 2"/>
+          <p:cNvSpPr>
+            <a:spLocks noGrp="1"/>
+          </p:cNvSpPr>
+          <p:nvPr>
+            <p:ph type="body" idx="1"/>
+          </p:nvPr>
+        </p:nvSpPr>
+        <p:spPr/>
+        <p:txBody>
+          <a:bodyPr/>
+          <a:lstStyle/>
+          <a:p>
+            <a:r>
+              <a:rPr lang="pt-BR" b="0" i="0" dirty="0">
+                <a:solidFill>
+                  <a:srgbClr val="202122"/>
+                </a:solidFill>
+                <a:effectLst/>
+                <a:latin typeface="Arial" panose="020B0604020202020204" pitchFamily="34" charset="0"/>
+              </a:rPr>
+              <a:t> </a:t>
+            </a:r>
+            <a:r>
+              <a:rPr lang="pt-BR" b="0" i="0" u="none" strike="noStrike" dirty="0">
+                <a:solidFill>
+                  <a:srgbClr val="0645AD"/>
+                </a:solidFill>
+                <a:effectLst/>
+                <a:latin typeface="Arial" panose="020B0604020202020204" pitchFamily="34" charset="0"/>
+              </a:rPr>
+              <a:t>inline assembler</a:t>
+            </a:r>
+            <a:r>
+              <a:rPr lang="cs-CZ" b="0" i="0" u="none" strike="noStrike" dirty="0">
+                <a:solidFill>
+                  <a:srgbClr val="0645AD"/>
+                </a:solidFill>
+                <a:effectLst/>
+                <a:latin typeface="Arial" panose="020B0604020202020204" pitchFamily="34" charset="0"/>
+              </a:rPr>
+              <a:t>=</a:t>
+            </a:r>
+            <a:r>
+              <a:rPr lang="pt-BR" b="0" i="0" dirty="0">
+                <a:solidFill>
+                  <a:srgbClr val="202122"/>
+                </a:solidFill>
+                <a:effectLst/>
+                <a:latin typeface="Arial" panose="020B0604020202020204" pitchFamily="34" charset="0"/>
+              </a:rPr>
+              <a:t>metod</a:t>
+            </a:r>
+            <a:r>
+              <a:rPr lang="cs-CZ" b="0" i="0" dirty="0">
+                <a:solidFill>
+                  <a:srgbClr val="202122"/>
+                </a:solidFill>
+                <a:effectLst/>
+                <a:latin typeface="Arial" panose="020B0604020202020204" pitchFamily="34" charset="0"/>
+              </a:rPr>
+              <a:t>a</a:t>
+            </a:r>
+            <a:r>
+              <a:rPr lang="pt-BR" b="0" i="0" dirty="0">
+                <a:solidFill>
+                  <a:srgbClr val="202122"/>
+                </a:solidFill>
+                <a:effectLst/>
+                <a:latin typeface="Arial" panose="020B0604020202020204" pitchFamily="34" charset="0"/>
+              </a:rPr>
+              <a:t> zápisu </a:t>
+            </a:r>
+            <a:r>
+              <a:rPr lang="pt-BR" b="0" i="0" u="none" strike="noStrike" dirty="0">
+                <a:solidFill>
+                  <a:srgbClr val="0645AD"/>
+                </a:solidFill>
+                <a:effectLst/>
+                <a:latin typeface="Arial" panose="020B0604020202020204" pitchFamily="34" charset="0"/>
+              </a:rPr>
+              <a:t>assembleru</a:t>
+            </a:r>
+            <a:r>
+              <a:rPr lang="pt-BR" b="0" i="0" dirty="0">
+                <a:solidFill>
+                  <a:srgbClr val="202122"/>
+                </a:solidFill>
+                <a:effectLst/>
+                <a:latin typeface="Arial" panose="020B0604020202020204" pitchFamily="34" charset="0"/>
+              </a:rPr>
+              <a:t> přímo do kódu</a:t>
+            </a:r>
+            <a:endParaRPr lang="cs-CZ" dirty="0"/>
+          </a:p>
+        </p:txBody>
+      </p:sp>
+      <p:sp>
+        <p:nvSpPr>
+          <p:cNvPr id="4" name="Zástupný symbol pro číslo snímku 3"/>
+          <p:cNvSpPr>
+            <a:spLocks noGrp="1"/>
+          </p:cNvSpPr>
+          <p:nvPr>
+            <p:ph type="sldNum" sz="quarter" idx="5"/>
+          </p:nvPr>
+        </p:nvSpPr>
+        <p:spPr/>
+        <p:txBody>
+          <a:bodyPr/>
+          <a:lstStyle/>
+          <a:p>
+            <a:fld id="{E51DB58B-49B6-457D-9CBD-FB4E7093B0E9}" type="slidenum">
+              <a:rPr lang="cs-CZ" smtClean="0"/>
+              <a:t>2</a:t>
+            </a:fld>
+            <a:endParaRPr lang="cs-CZ"/>
+          </a:p>
+        </p:txBody>
+      </p:sp>
+    </p:spTree>
+    <p:extLst>
+      <p:ext uri="{BB962C8B-B14F-4D97-AF65-F5344CB8AC3E}">
+        <p14:creationId xmlns:p14="http://schemas.microsoft.com/office/powerpoint/2010/main" val="2659588454"/>
+      </p:ext>
+    </p:extLst>
+  </p:cSld>
+  <p:clrMapOvr>
+    <a:masterClrMapping/>
+  </p:clrMapOvr>
+</p:notes>
 </file>
 
 <file path=ppt/slideLayouts/slideLayout1.xml><?xml version="1.0" encoding="utf-8"?>
@@ -273,7 +794,7 @@
           <a:p>
             <a:fld id="{72EA7947-E287-4738-8C82-07CE4F01EF03}" type="datetime2">
               <a:rPr lang="en-US" smtClean="0"/>
-              <a:t>Sunday, January 15, 2023</a:t>
+              <a:t>Tuesday, January 17, 2023</a:t>
             </a:fld>
             <a:endParaRPr lang="en-US" dirty="0"/>
           </a:p>
@@ -1309,7 +1830,7 @@
           <a:p>
             <a:fld id="{EE2EBD84-71F4-4271-8C46-0D47C0A9B12E}" type="datetime2">
               <a:rPr lang="en-US" smtClean="0"/>
-              <a:t>Sunday, January 15, 2023</a:t>
+              <a:t>Tuesday, January 17, 2023</a:t>
             </a:fld>
             <a:endParaRPr lang="en-US"/>
           </a:p>
@@ -1520,7 +2041,7 @@
           <a:p>
             <a:fld id="{ABAE0CE1-F450-4107-B2CB-17B18F8A3F4A}" type="datetime2">
               <a:rPr lang="en-US" smtClean="0"/>
-              <a:t>Sunday, January 15, 2023</a:t>
+              <a:t>Tuesday, January 17, 2023</a:t>
             </a:fld>
             <a:endParaRPr lang="en-US"/>
           </a:p>
@@ -2185,7 +2706,7 @@
           <a:p>
             <a:fld id="{6FE8C025-CD7A-4966-867E-81CF82B15267}" type="datetime2">
               <a:rPr lang="en-US" smtClean="0"/>
-              <a:t>Sunday, January 15, 2023</a:t>
+              <a:t>Tuesday, January 17, 2023</a:t>
             </a:fld>
             <a:endParaRPr lang="en-US"/>
           </a:p>
@@ -2805,7 +3326,7 @@
           <a:p>
             <a:fld id="{FE809929-0719-4517-94D6-FDF7F99E70F6}" type="datetime2">
               <a:rPr lang="en-US" smtClean="0"/>
-              <a:t>Sunday, January 15, 2023</a:t>
+              <a:t>Tuesday, January 17, 2023</a:t>
             </a:fld>
             <a:endParaRPr lang="en-US"/>
           </a:p>
@@ -3923,7 +4444,7 @@
           <a:p>
             <a:fld id="{20E95673-5512-4AAA-9AEB-E00C61EC65D5}" type="datetime2">
               <a:rPr lang="en-US" smtClean="0"/>
-              <a:t>Sunday, January 15, 2023</a:t>
+              <a:t>Tuesday, January 17, 2023</a:t>
             </a:fld>
             <a:endParaRPr lang="en-US"/>
           </a:p>
@@ -4470,7 +4991,7 @@
           <a:p>
             <a:fld id="{C13138FA-2E87-4873-8BBA-13E447C9A99A}" type="datetime2">
               <a:rPr lang="en-US" smtClean="0"/>
-              <a:t>Sunday, January 15, 2023</a:t>
+              <a:t>Tuesday, January 17, 2023</a:t>
             </a:fld>
             <a:endParaRPr lang="en-US"/>
           </a:p>
@@ -4631,7 +5152,7 @@
           <a:p>
             <a:fld id="{D75BB40A-97BD-4BFB-B639-0BFF95FDE8B7}" type="datetime2">
               <a:rPr lang="en-US" smtClean="0"/>
-              <a:t>Sunday, January 15, 2023</a:t>
+              <a:t>Tuesday, January 17, 2023</a:t>
             </a:fld>
             <a:endParaRPr lang="en-US"/>
           </a:p>
@@ -5666,7 +6187,7 @@
           <a:p>
             <a:fld id="{9EE9E0E3-ECF6-4CFE-8698-AEFEBCECC3C0}" type="datetime2">
               <a:rPr lang="en-US" smtClean="0"/>
-              <a:t>Sunday, January 15, 2023</a:t>
+              <a:t>Tuesday, January 17, 2023</a:t>
             </a:fld>
             <a:endParaRPr lang="en-US"/>
           </a:p>
@@ -6312,7 +6833,7 @@
           <a:p>
             <a:fld id="{251462FC-960E-4740-921F-B36862979F21}" type="datetime2">
               <a:rPr lang="en-US" smtClean="0"/>
-              <a:t>Sunday, January 15, 2023</a:t>
+              <a:t>Tuesday, January 17, 2023</a:t>
             </a:fld>
             <a:endParaRPr lang="en-US"/>
           </a:p>
@@ -7076,7 +7597,7 @@
           <a:p>
             <a:fld id="{E50BC9E2-CB44-4C05-9BB5-496C18A241E0}" type="datetime2">
               <a:rPr lang="en-US" smtClean="0"/>
-              <a:t>Sunday, January 15, 2023</a:t>
+              <a:t>Tuesday, January 17, 2023</a:t>
             </a:fld>
             <a:endParaRPr lang="en-US"/>
           </a:p>
@@ -7329,7 +7850,7 @@
           <a:p>
             <a:fld id="{246CB39B-5F4C-4A7E-9BE3-AAFD45576D16}" type="datetime2">
               <a:rPr lang="en-US" smtClean="0"/>
-              <a:t>Sunday, January 15, 2023</a:t>
+              <a:t>Tuesday, January 17, 2023</a:t>
             </a:fld>
             <a:endParaRPr lang="en-US" dirty="0"/>
           </a:p>
@@ -8119,7 +8640,10 @@
           <a:bodyPr/>
           <a:lstStyle/>
           <a:p>
-            <a:endParaRPr lang="cs-CZ"/>
+            <a:r>
+              <a:rPr lang="cs-CZ" dirty="0"/>
+              <a:t>Základní vlastnosti</a:t>
+            </a:r>
           </a:p>
         </p:txBody>
       </p:sp>
@@ -8144,7 +8668,74 @@
           <a:bodyPr/>
           <a:lstStyle/>
           <a:p>
-            <a:endParaRPr lang="cs-CZ"/>
+            <a:r>
+              <a:rPr lang="cs-CZ" dirty="0"/>
+              <a:t>Jeden z nejpopulárnějších jazyků</a:t>
+            </a:r>
+          </a:p>
+          <a:p>
+            <a:r>
+              <a:rPr lang="cs-CZ" dirty="0"/>
+              <a:t>Je </a:t>
+            </a:r>
+            <a:r>
+              <a:rPr lang="cs-CZ" dirty="0" err="1"/>
+              <a:t>nízkoúrovňový</a:t>
+            </a:r>
+            <a:r>
+              <a:rPr lang="cs-CZ" dirty="0"/>
+              <a:t> a </a:t>
+            </a:r>
+            <a:r>
+              <a:rPr lang="cs-CZ" dirty="0" err="1"/>
+              <a:t>kopilovaný</a:t>
+            </a:r>
+            <a:r>
+              <a:rPr lang="cs-CZ" dirty="0"/>
+              <a:t> jazyk</a:t>
+            </a:r>
+          </a:p>
+          <a:p>
+            <a:r>
+              <a:rPr lang="cs-CZ" dirty="0"/>
+              <a:t>Používá </a:t>
+            </a:r>
+            <a:r>
+              <a:rPr lang="cs-CZ"/>
+              <a:t>inline assembler</a:t>
+            </a:r>
+            <a:endParaRPr lang="cs-CZ" dirty="0"/>
+          </a:p>
+          <a:p>
+            <a:r>
+              <a:rPr lang="cs-CZ" dirty="0"/>
+              <a:t>Zápis mnohem čitelnější než v </a:t>
+            </a:r>
+            <a:r>
+              <a:rPr lang="cs-CZ" dirty="0" err="1"/>
+              <a:t>Assembly</a:t>
+            </a:r>
+            <a:endParaRPr lang="cs-CZ" dirty="0"/>
+          </a:p>
+          <a:p>
+            <a:r>
+              <a:rPr lang="cs-CZ" dirty="0"/>
+              <a:t>Hodně moderních </a:t>
+            </a:r>
+            <a:r>
+              <a:rPr lang="cs-CZ" dirty="0" err="1"/>
+              <a:t>programovácích</a:t>
+            </a:r>
+            <a:r>
+              <a:rPr lang="cs-CZ" dirty="0"/>
+              <a:t> přebralo způsob zápisů</a:t>
+            </a:r>
+          </a:p>
+          <a:p>
+            <a:r>
+              <a:rPr lang="cs-CZ" dirty="0"/>
+              <a:t>Např. C++, Java, PHP</a:t>
+            </a:r>
           </a:p>
         </p:txBody>
       </p:sp>
@@ -8360,4 +8951,299 @@
     </a:ext>
   </a:extLst>
 </a:theme>
+</file>
+
+<file path=ppt/theme/theme2.xml><?xml version="1.0" encoding="utf-8"?>
+<a:theme xmlns:a="http://schemas.openxmlformats.org/drawingml/2006/main" name="Motiv Office">
+  <a:themeElements>
+    <a:clrScheme name="Office">
+      <a:dk1>
+        <a:sysClr val="windowText" lastClr="000000"/>
+      </a:dk1>
+      <a:lt1>
+        <a:sysClr val="window" lastClr="FFFFFF"/>
+      </a:lt1>
+      <a:dk2>
+        <a:srgbClr val="44546A"/>
+      </a:dk2>
+      <a:lt2>
+        <a:srgbClr val="E7E6E6"/>
+      </a:lt2>
+      <a:accent1>
+        <a:srgbClr val="4472C4"/>
+      </a:accent1>
+      <a:accent2>
+        <a:srgbClr val="ED7D31"/>
+      </a:accent2>
+      <a:accent3>
+        <a:srgbClr val="A5A5A5"/>
+      </a:accent3>
+      <a:accent4>
+        <a:srgbClr val="FFC000"/>
+      </a:accent4>
+      <a:accent5>
+        <a:srgbClr val="5B9BD5"/>
+      </a:accent5>
+      <a:accent6>
+        <a:srgbClr val="70AD47"/>
+      </a:accent6>
+      <a:hlink>
+        <a:srgbClr val="0563C1"/>
+      </a:hlink>
+      <a:folHlink>
+        <a:srgbClr val="954F72"/>
+      </a:folHlink>
+    </a:clrScheme>
+    <a:fontScheme name="Office">
+      <a:majorFont>
+        <a:latin typeface="Calibri Light" panose="020F0302020204030204"/>
+        <a:ea typeface=""/>
+        <a:cs typeface=""/>
+        <a:font script="Jpan" typeface="游ゴシック Light"/>
+        <a:font script="Hang" typeface="맑은 고딕"/>
+        <a:font script="Hans" typeface="等线 Light"/>
+        <a:font script="Hant" typeface="新細明體"/>
+        <a:font script="Arab" typeface="Times New Roman"/>
+        <a:font script="Hebr" typeface="Times New Roman"/>
+        <a:font script="Thai" typeface="Angsana New"/>
+        <a:font script="Ethi" typeface="Nyala"/>
+        <a:font script="Beng" typeface="Vrinda"/>
+        <a:font script="Gujr" typeface="Shruti"/>
+        <a:font script="Khmr" typeface="MoolBoran"/>
+        <a:font script="Knda" typeface="Tunga"/>
+        <a:font script="Guru" typeface="Raavi"/>
+        <a:font script="Cans" typeface="Euphemia"/>
+        <a:font script="Cher" typeface="Plantagenet Cherokee"/>
+        <a:font script="Yiii" typeface="Microsoft Yi Baiti"/>
+        <a:font script="Tibt" typeface="Microsoft Himalaya"/>
+        <a:font script="Thaa" typeface="MV Boli"/>
+        <a:font script="Deva" typeface="Mangal"/>
+        <a:font script="Telu" typeface="Gautami"/>
+        <a:font script="Taml" typeface="Latha"/>
+        <a:font script="Syrc" typeface="Estrangelo Edessa"/>
+        <a:font script="Orya" typeface="Kalinga"/>
+        <a:font script="Mlym" typeface="Kartika"/>
+        <a:font script="Laoo" typeface="DokChampa"/>
+        <a:font script="Sinh" typeface="Iskoola Pota"/>
+        <a:font script="Mong" typeface="Mongolian Baiti"/>
+        <a:font script="Viet" typeface="Times New Roman"/>
+        <a:font script="Uigh" typeface="Microsoft Uighur"/>
+        <a:font script="Geor" typeface="Sylfaen"/>
+        <a:font script="Armn" typeface="Arial"/>
+        <a:font script="Bugi" typeface="Leelawadee UI"/>
+        <a:font script="Bopo" typeface="Microsoft JhengHei"/>
+        <a:font script="Java" typeface="Javanese Text"/>
+        <a:font script="Lisu" typeface="Segoe UI"/>
+        <a:font script="Mymr" typeface="Myanmar Text"/>
+        <a:font script="Nkoo" typeface="Ebrima"/>
+        <a:font script="Olck" typeface="Nirmala UI"/>
+        <a:font script="Osma" typeface="Ebrima"/>
+        <a:font script="Phag" typeface="Phagspa"/>
+        <a:font script="Syrn" typeface="Estrangelo Edessa"/>
+        <a:font script="Syrj" typeface="Estrangelo Edessa"/>
+        <a:font script="Syre" typeface="Estrangelo Edessa"/>
+        <a:font script="Sora" typeface="Nirmala UI"/>
+        <a:font script="Tale" typeface="Microsoft Tai Le"/>
+        <a:font script="Talu" typeface="Microsoft New Tai Lue"/>
+        <a:font script="Tfng" typeface="Ebrima"/>
+      </a:majorFont>
+      <a:minorFont>
+        <a:latin typeface="Calibri" panose="020F0502020204030204"/>
+        <a:ea typeface=""/>
+        <a:cs typeface=""/>
+        <a:font script="Jpan" typeface="游ゴシック"/>
+        <a:font script="Hang" typeface="맑은 고딕"/>
+        <a:font script="Hans" typeface="等线"/>
+        <a:font script="Hant" typeface="新細明體"/>
+        <a:font script="Arab" typeface="Arial"/>
+        <a:font script="Hebr" typeface="Arial"/>
+        <a:font script="Thai" typeface="Cordia New"/>
+        <a:font script="Ethi" typeface="Nyala"/>
+        <a:font script="Beng" typeface="Vrinda"/>
+        <a:font script="Gujr" typeface="Shruti"/>
+        <a:font script="Khmr" typeface="DaunPenh"/>
+        <a:font script="Knda" typeface="Tunga"/>
+        <a:font script="Guru" typeface="Raavi"/>
+        <a:font script="Cans" typeface="Euphemia"/>
+        <a:font script="Cher" typeface="Plantagenet Cherokee"/>
+        <a:font script="Yiii" typeface="Microsoft Yi Baiti"/>
+        <a:font script="Tibt" typeface="Microsoft Himalaya"/>
+        <a:font script="Thaa" typeface="MV Boli"/>
+        <a:font script="Deva" typeface="Mangal"/>
+        <a:font script="Telu" typeface="Gautami"/>
+        <a:font script="Taml" typeface="Latha"/>
+        <a:font script="Syrc" typeface="Estrangelo Edessa"/>
+        <a:font script="Orya" typeface="Kalinga"/>
+        <a:font script="Mlym" typeface="Kartika"/>
+        <a:font script="Laoo" typeface="DokChampa"/>
+        <a:font script="Sinh" typeface="Iskoola Pota"/>
+        <a:font script="Mong" typeface="Mongolian Baiti"/>
+        <a:font script="Viet" typeface="Arial"/>
+        <a:font script="Uigh" typeface="Microsoft Uighur"/>
+        <a:font script="Geor" typeface="Sylfaen"/>
+        <a:font script="Armn" typeface="Arial"/>
+        <a:font script="Bugi" typeface="Leelawadee UI"/>
+        <a:font script="Bopo" typeface="Microsoft JhengHei"/>
+        <a:font script="Java" typeface="Javanese Text"/>
+        <a:font script="Lisu" typeface="Segoe UI"/>
+        <a:font script="Mymr" typeface="Myanmar Text"/>
+        <a:font script="Nkoo" typeface="Ebrima"/>
+        <a:font script="Olck" typeface="Nirmala UI"/>
+        <a:font script="Osma" typeface="Ebrima"/>
+        <a:font script="Phag" typeface="Phagspa"/>
+        <a:font script="Syrn" typeface="Estrangelo Edessa"/>
+        <a:font script="Syrj" typeface="Estrangelo Edessa"/>
+        <a:font script="Syre" typeface="Estrangelo Edessa"/>
+        <a:font script="Sora" typeface="Nirmala UI"/>
+        <a:font script="Tale" typeface="Microsoft Tai Le"/>
+        <a:font script="Talu" typeface="Microsoft New Tai Lue"/>
+        <a:font script="Tfng" typeface="Ebrima"/>
+      </a:minorFont>
+    </a:fontScheme>
+    <a:fmtScheme name="Office">
+      <a:fillStyleLst>
+        <a:solidFill>
+          <a:schemeClr val="phClr"/>
+        </a:solidFill>
+        <a:gradFill rotWithShape="1">
+          <a:gsLst>
+            <a:gs pos="0">
+              <a:schemeClr val="phClr">
+                <a:lumMod val="110000"/>
+                <a:satMod val="105000"/>
+                <a:tint val="67000"/>
+              </a:schemeClr>
+            </a:gs>
+            <a:gs pos="50000">
+              <a:schemeClr val="phClr">
+                <a:lumMod val="105000"/>
+                <a:satMod val="103000"/>
+                <a:tint val="73000"/>
+              </a:schemeClr>
+            </a:gs>
+            <a:gs pos="100000">
+              <a:schemeClr val="phClr">
+                <a:lumMod val="105000"/>
+                <a:satMod val="109000"/>
+                <a:tint val="81000"/>
+              </a:schemeClr>
+            </a:gs>
+          </a:gsLst>
+          <a:lin ang="5400000" scaled="0"/>
+        </a:gradFill>
+        <a:gradFill rotWithShape="1">
+          <a:gsLst>
+            <a:gs pos="0">
+              <a:schemeClr val="phClr">
+                <a:satMod val="103000"/>
+                <a:lumMod val="102000"/>
+                <a:tint val="94000"/>
+              </a:schemeClr>
+            </a:gs>
+            <a:gs pos="50000">
+              <a:schemeClr val="phClr">
+                <a:satMod val="110000"/>
+                <a:lumMod val="100000"/>
+                <a:shade val="100000"/>
+              </a:schemeClr>
+            </a:gs>
+            <a:gs pos="100000">
+              <a:schemeClr val="phClr">
+                <a:lumMod val="99000"/>
+                <a:satMod val="120000"/>
+                <a:shade val="78000"/>
+              </a:schemeClr>
+            </a:gs>
+          </a:gsLst>
+          <a:lin ang="5400000" scaled="0"/>
+        </a:gradFill>
+      </a:fillStyleLst>
+      <a:lnStyleLst>
+        <a:ln w="6350" cap="flat" cmpd="sng" algn="ctr">
+          <a:solidFill>
+            <a:schemeClr val="phClr"/>
+          </a:solidFill>
+          <a:prstDash val="solid"/>
+          <a:miter lim="800000"/>
+        </a:ln>
+        <a:ln w="12700" cap="flat" cmpd="sng" algn="ctr">
+          <a:solidFill>
+            <a:schemeClr val="phClr"/>
+          </a:solidFill>
+          <a:prstDash val="solid"/>
+          <a:miter lim="800000"/>
+        </a:ln>
+        <a:ln w="19050" cap="flat" cmpd="sng" algn="ctr">
+          <a:solidFill>
+            <a:schemeClr val="phClr"/>
+          </a:solidFill>
+          <a:prstDash val="solid"/>
+          <a:miter lim="800000"/>
+        </a:ln>
+      </a:lnStyleLst>
+      <a:effectStyleLst>
+        <a:effectStyle>
+          <a:effectLst/>
+        </a:effectStyle>
+        <a:effectStyle>
+          <a:effectLst/>
+        </a:effectStyle>
+        <a:effectStyle>
+          <a:effectLst>
+            <a:outerShdw blurRad="57150" dist="19050" dir="5400000" algn="ctr" rotWithShape="0">
+              <a:srgbClr val="000000">
+                <a:alpha val="63000"/>
+              </a:srgbClr>
+            </a:outerShdw>
+          </a:effectLst>
+        </a:effectStyle>
+      </a:effectStyleLst>
+      <a:bgFillStyleLst>
+        <a:solidFill>
+          <a:schemeClr val="phClr"/>
+        </a:solidFill>
+        <a:solidFill>
+          <a:schemeClr val="phClr">
+            <a:tint val="95000"/>
+            <a:satMod val="170000"/>
+          </a:schemeClr>
+        </a:solidFill>
+        <a:gradFill rotWithShape="1">
+          <a:gsLst>
+            <a:gs pos="0">
+              <a:schemeClr val="phClr">
+                <a:tint val="93000"/>
+                <a:satMod val="150000"/>
+                <a:shade val="98000"/>
+                <a:lumMod val="102000"/>
+              </a:schemeClr>
+            </a:gs>
+            <a:gs pos="50000">
+              <a:schemeClr val="phClr">
+                <a:tint val="98000"/>
+                <a:satMod val="130000"/>
+                <a:shade val="90000"/>
+                <a:lumMod val="103000"/>
+              </a:schemeClr>
+            </a:gs>
+            <a:gs pos="100000">
+              <a:schemeClr val="phClr">
+                <a:shade val="63000"/>
+                <a:satMod val="120000"/>
+              </a:schemeClr>
+            </a:gs>
+          </a:gsLst>
+          <a:lin ang="5400000" scaled="0"/>
+        </a:gradFill>
+      </a:bgFillStyleLst>
+    </a:fmtScheme>
+  </a:themeElements>
+  <a:objectDefaults/>
+  <a:extraClrSchemeLst/>
+  <a:extLst>
+    <a:ext uri="{05A4C25C-085E-4340-85A3-A5531E510DB2}">
+      <thm15:themeFamily xmlns:thm15="http://schemas.microsoft.com/office/thememl/2012/main" name="Office Theme" id="{62F939B6-93AF-4DB8-9C6B-D6C7DFDC589F}" vid="{4A3C46E8-61CC-4603-A589-7422A47A8E4A}"/>
+    </a:ext>
+  </a:extLst>
+</a:theme>
 </file>
--- a/Programovací-jazyk-C.pptx
+++ b/Programovací-jazyk-C.pptx
@@ -5,11 +5,12 @@
     <p:sldMasterId id="2147483722" r:id="rId1"/>
   </p:sldMasterIdLst>
   <p:notesMasterIdLst>
-    <p:notesMasterId r:id="rId4"/>
+    <p:notesMasterId r:id="rId5"/>
   </p:notesMasterIdLst>
   <p:sldIdLst>
     <p:sldId id="256" r:id="rId2"/>
     <p:sldId id="257" r:id="rId3"/>
+    <p:sldId id="258" r:id="rId4"/>
   </p:sldIdLst>
   <p:sldSz cx="12192000" cy="6858000"/>
   <p:notesSz cx="6858000" cy="9144000"/>
@@ -198,7 +199,7 @@
           <a:p>
             <a:fld id="{BFBFF3A5-F03F-4D2A-9CE2-11F1765DBB33}" type="datetimeFigureOut">
               <a:rPr lang="cs-CZ" smtClean="0"/>
-              <a:t>17.01.2023</a:t>
+              <a:t>18.01.2023</a:t>
             </a:fld>
             <a:endParaRPr lang="cs-CZ"/>
           </a:p>
@@ -629,6 +630,145 @@
 </p:notes>
 </file>
 
+<file path=ppt/notesSlides/notesSlide2.xml><?xml version="1.0" encoding="utf-8"?>
+<p:notes xmlns:a="http://schemas.openxmlformats.org/drawingml/2006/main" xmlns:r="http://schemas.openxmlformats.org/officeDocument/2006/relationships" xmlns:p="http://schemas.openxmlformats.org/presentationml/2006/main">
+  <p:cSld>
+    <p:spTree>
+      <p:nvGrpSpPr>
+        <p:cNvPr id="1" name=""/>
+        <p:cNvGrpSpPr/>
+        <p:nvPr/>
+      </p:nvGrpSpPr>
+      <p:grpSpPr>
+        <a:xfrm>
+          <a:off x="0" y="0"/>
+          <a:ext cx="0" cy="0"/>
+          <a:chOff x="0" y="0"/>
+          <a:chExt cx="0" cy="0"/>
+        </a:xfrm>
+      </p:grpSpPr>
+      <p:sp>
+        <p:nvSpPr>
+          <p:cNvPr id="2" name="Zástupný symbol pro obrázek snímku 1"/>
+          <p:cNvSpPr>
+            <a:spLocks noGrp="1" noRot="1" noChangeAspect="1"/>
+          </p:cNvSpPr>
+          <p:nvPr>
+            <p:ph type="sldImg"/>
+          </p:nvPr>
+        </p:nvSpPr>
+        <p:spPr/>
+      </p:sp>
+      <p:sp>
+        <p:nvSpPr>
+          <p:cNvPr id="3" name="Zástupný symbol pro poznámky 2"/>
+          <p:cNvSpPr>
+            <a:spLocks noGrp="1"/>
+          </p:cNvSpPr>
+          <p:nvPr>
+            <p:ph type="body" idx="1"/>
+          </p:nvPr>
+        </p:nvSpPr>
+        <p:spPr/>
+        <p:txBody>
+          <a:bodyPr/>
+          <a:lstStyle/>
+          <a:p>
+            <a:r>
+              <a:rPr lang="cs-CZ" dirty="0"/>
+              <a:t>ANSI – </a:t>
+            </a:r>
+            <a:r>
+              <a:rPr lang="cs-CZ" dirty="0" err="1"/>
+              <a:t>American</a:t>
+            </a:r>
+            <a:r>
+              <a:rPr lang="cs-CZ" dirty="0"/>
+              <a:t> </a:t>
+            </a:r>
+            <a:r>
+              <a:rPr lang="cs-CZ" dirty="0" err="1"/>
+              <a:t>National</a:t>
+            </a:r>
+            <a:r>
+              <a:rPr lang="cs-CZ" dirty="0"/>
+              <a:t> </a:t>
+            </a:r>
+            <a:r>
+              <a:rPr lang="cs-CZ" dirty="0" err="1"/>
+              <a:t>Standarts</a:t>
+            </a:r>
+            <a:r>
+              <a:rPr lang="cs-CZ" dirty="0"/>
+              <a:t> Institute</a:t>
+            </a:r>
+            <a:br>
+              <a:rPr lang="cs-CZ" dirty="0"/>
+            </a:br>
+            <a:r>
+              <a:rPr lang="cs-CZ" dirty="0"/>
+              <a:t>ISO – International </a:t>
+            </a:r>
+            <a:r>
+              <a:rPr lang="cs-CZ" dirty="0" err="1"/>
+              <a:t>organization</a:t>
+            </a:r>
+            <a:r>
+              <a:rPr lang="cs-CZ" dirty="0"/>
+              <a:t> </a:t>
+            </a:r>
+            <a:r>
+              <a:rPr lang="cs-CZ" dirty="0" err="1"/>
+              <a:t>for</a:t>
+            </a:r>
+            <a:r>
+              <a:rPr lang="cs-CZ" dirty="0"/>
+              <a:t> </a:t>
+            </a:r>
+            <a:r>
+              <a:rPr lang="cs-CZ" dirty="0" err="1"/>
+              <a:t>standartization</a:t>
+            </a:r>
+            <a:endParaRPr lang="cs-CZ" dirty="0"/>
+          </a:p>
+        </p:txBody>
+      </p:sp>
+      <p:sp>
+        <p:nvSpPr>
+          <p:cNvPr id="4" name="Zástupný symbol pro číslo snímku 3"/>
+          <p:cNvSpPr>
+            <a:spLocks noGrp="1"/>
+          </p:cNvSpPr>
+          <p:nvPr>
+            <p:ph type="sldNum" sz="quarter" idx="5"/>
+          </p:nvPr>
+        </p:nvSpPr>
+        <p:spPr/>
+        <p:txBody>
+          <a:bodyPr/>
+          <a:lstStyle/>
+          <a:p>
+            <a:fld id="{E51DB58B-49B6-457D-9CBD-FB4E7093B0E9}" type="slidenum">
+              <a:rPr lang="cs-CZ" smtClean="0"/>
+              <a:t>3</a:t>
+            </a:fld>
+            <a:endParaRPr lang="cs-CZ"/>
+          </a:p>
+        </p:txBody>
+      </p:sp>
+    </p:spTree>
+    <p:extLst>
+      <p:ext uri="{BB962C8B-B14F-4D97-AF65-F5344CB8AC3E}">
+        <p14:creationId xmlns:p14="http://schemas.microsoft.com/office/powerpoint/2010/main" val="2949701933"/>
+      </p:ext>
+    </p:extLst>
+  </p:cSld>
+  <p:clrMapOvr>
+    <a:masterClrMapping/>
+  </p:clrMapOvr>
+</p:notes>
+</file>
+
 <file path=ppt/slideLayouts/slideLayout1.xml><?xml version="1.0" encoding="utf-8"?>
 <p:sldLayout xmlns:a="http://schemas.openxmlformats.org/drawingml/2006/main" xmlns:r="http://schemas.openxmlformats.org/officeDocument/2006/relationships" xmlns:p="http://schemas.openxmlformats.org/presentationml/2006/main" type="title" preserve="1">
   <p:cSld name="Title Slide">
@@ -794,7 +934,7 @@
           <a:p>
             <a:fld id="{72EA7947-E287-4738-8C82-07CE4F01EF03}" type="datetime2">
               <a:rPr lang="en-US" smtClean="0"/>
-              <a:t>Tuesday, January 17, 2023</a:t>
+              <a:t>Wednesday, January 18, 2023</a:t>
             </a:fld>
             <a:endParaRPr lang="en-US" dirty="0"/>
           </a:p>
@@ -1830,7 +1970,7 @@
           <a:p>
             <a:fld id="{EE2EBD84-71F4-4271-8C46-0D47C0A9B12E}" type="datetime2">
               <a:rPr lang="en-US" smtClean="0"/>
-              <a:t>Tuesday, January 17, 2023</a:t>
+              <a:t>Wednesday, January 18, 2023</a:t>
             </a:fld>
             <a:endParaRPr lang="en-US"/>
           </a:p>
@@ -2041,7 +2181,7 @@
           <a:p>
             <a:fld id="{ABAE0CE1-F450-4107-B2CB-17B18F8A3F4A}" type="datetime2">
               <a:rPr lang="en-US" smtClean="0"/>
-              <a:t>Tuesday, January 17, 2023</a:t>
+              <a:t>Wednesday, January 18, 2023</a:t>
             </a:fld>
             <a:endParaRPr lang="en-US"/>
           </a:p>
@@ -2706,7 +2846,7 @@
           <a:p>
             <a:fld id="{6FE8C025-CD7A-4966-867E-81CF82B15267}" type="datetime2">
               <a:rPr lang="en-US" smtClean="0"/>
-              <a:t>Tuesday, January 17, 2023</a:t>
+              <a:t>Wednesday, January 18, 2023</a:t>
             </a:fld>
             <a:endParaRPr lang="en-US"/>
           </a:p>
@@ -3326,7 +3466,7 @@
           <a:p>
             <a:fld id="{FE809929-0719-4517-94D6-FDF7F99E70F6}" type="datetime2">
               <a:rPr lang="en-US" smtClean="0"/>
-              <a:t>Tuesday, January 17, 2023</a:t>
+              <a:t>Wednesday, January 18, 2023</a:t>
             </a:fld>
             <a:endParaRPr lang="en-US"/>
           </a:p>
@@ -4444,7 +4584,7 @@
           <a:p>
             <a:fld id="{20E95673-5512-4AAA-9AEB-E00C61EC65D5}" type="datetime2">
               <a:rPr lang="en-US" smtClean="0"/>
-              <a:t>Tuesday, January 17, 2023</a:t>
+              <a:t>Wednesday, January 18, 2023</a:t>
             </a:fld>
             <a:endParaRPr lang="en-US"/>
           </a:p>
@@ -4991,7 +5131,7 @@
           <a:p>
             <a:fld id="{C13138FA-2E87-4873-8BBA-13E447C9A99A}" type="datetime2">
               <a:rPr lang="en-US" smtClean="0"/>
-              <a:t>Tuesday, January 17, 2023</a:t>
+              <a:t>Wednesday, January 18, 2023</a:t>
             </a:fld>
             <a:endParaRPr lang="en-US"/>
           </a:p>
@@ -5152,7 +5292,7 @@
           <a:p>
             <a:fld id="{D75BB40A-97BD-4BFB-B639-0BFF95FDE8B7}" type="datetime2">
               <a:rPr lang="en-US" smtClean="0"/>
-              <a:t>Tuesday, January 17, 2023</a:t>
+              <a:t>Wednesday, January 18, 2023</a:t>
             </a:fld>
             <a:endParaRPr lang="en-US"/>
           </a:p>
@@ -6187,7 +6327,7 @@
           <a:p>
             <a:fld id="{9EE9E0E3-ECF6-4CFE-8698-AEFEBCECC3C0}" type="datetime2">
               <a:rPr lang="en-US" smtClean="0"/>
-              <a:t>Tuesday, January 17, 2023</a:t>
+              <a:t>Wednesday, January 18, 2023</a:t>
             </a:fld>
             <a:endParaRPr lang="en-US"/>
           </a:p>
@@ -6833,7 +6973,7 @@
           <a:p>
             <a:fld id="{251462FC-960E-4740-921F-B36862979F21}" type="datetime2">
               <a:rPr lang="en-US" smtClean="0"/>
-              <a:t>Tuesday, January 17, 2023</a:t>
+              <a:t>Wednesday, January 18, 2023</a:t>
             </a:fld>
             <a:endParaRPr lang="en-US"/>
           </a:p>
@@ -7597,7 +7737,7 @@
           <a:p>
             <a:fld id="{E50BC9E2-CB44-4C05-9BB5-496C18A241E0}" type="datetime2">
               <a:rPr lang="en-US" smtClean="0"/>
-              <a:t>Tuesday, January 17, 2023</a:t>
+              <a:t>Wednesday, January 18, 2023</a:t>
             </a:fld>
             <a:endParaRPr lang="en-US"/>
           </a:p>
@@ -7850,7 +7990,7 @@
           <a:p>
             <a:fld id="{246CB39B-5F4C-4A7E-9BE3-AAFD45576D16}" type="datetime2">
               <a:rPr lang="en-US" smtClean="0"/>
-              <a:t>Tuesday, January 17, 2023</a:t>
+              <a:t>Wednesday, January 18, 2023</a:t>
             </a:fld>
             <a:endParaRPr lang="en-US" dirty="0"/>
           </a:p>
@@ -8743,6 +8883,207 @@
     <p:extLst>
       <p:ext uri="{BB962C8B-B14F-4D97-AF65-F5344CB8AC3E}">
         <p14:creationId xmlns:p14="http://schemas.microsoft.com/office/powerpoint/2010/main" val="1580779008"/>
+      </p:ext>
+    </p:extLst>
+  </p:cSld>
+  <p:clrMapOvr>
+    <a:masterClrMapping/>
+  </p:clrMapOvr>
+</p:sld>
+</file>
+
+<file path=ppt/slides/slide3.xml><?xml version="1.0" encoding="utf-8"?>
+<p:sld xmlns:a="http://schemas.openxmlformats.org/drawingml/2006/main" xmlns:r="http://schemas.openxmlformats.org/officeDocument/2006/relationships" xmlns:p="http://schemas.openxmlformats.org/presentationml/2006/main">
+  <p:cSld>
+    <p:spTree>
+      <p:nvGrpSpPr>
+        <p:cNvPr id="1" name=""/>
+        <p:cNvGrpSpPr/>
+        <p:nvPr/>
+      </p:nvGrpSpPr>
+      <p:grpSpPr>
+        <a:xfrm>
+          <a:off x="0" y="0"/>
+          <a:ext cx="0" cy="0"/>
+          <a:chOff x="0" y="0"/>
+          <a:chExt cx="0" cy="0"/>
+        </a:xfrm>
+      </p:grpSpPr>
+      <p:sp>
+        <p:nvSpPr>
+          <p:cNvPr id="2" name="Nadpis 1">
+            <a:extLst>
+              <a:ext uri="{FF2B5EF4-FFF2-40B4-BE49-F238E27FC236}">
+                <a16:creationId xmlns:a16="http://schemas.microsoft.com/office/drawing/2014/main" id="{27160C1C-FB47-7A2C-5BE8-2B74182FD6EE}"/>
+              </a:ext>
+            </a:extLst>
+          </p:cNvPr>
+          <p:cNvSpPr>
+            <a:spLocks noGrp="1"/>
+          </p:cNvSpPr>
+          <p:nvPr>
+            <p:ph type="title"/>
+          </p:nvPr>
+        </p:nvSpPr>
+        <p:spPr/>
+        <p:txBody>
+          <a:bodyPr/>
+          <a:lstStyle/>
+          <a:p>
+            <a:r>
+              <a:rPr lang="cs-CZ" dirty="0"/>
+              <a:t>Historie</a:t>
+            </a:r>
+          </a:p>
+        </p:txBody>
+      </p:sp>
+      <p:sp>
+        <p:nvSpPr>
+          <p:cNvPr id="3" name="Zástupný obsah 2">
+            <a:extLst>
+              <a:ext uri="{FF2B5EF4-FFF2-40B4-BE49-F238E27FC236}">
+                <a16:creationId xmlns:a16="http://schemas.microsoft.com/office/drawing/2014/main" id="{6AD80F0B-C910-8166-8C51-FBDFCD6D0798}"/>
+              </a:ext>
+            </a:extLst>
+          </p:cNvPr>
+          <p:cNvSpPr>
+            <a:spLocks noGrp="1"/>
+          </p:cNvSpPr>
+          <p:nvPr>
+            <p:ph idx="1"/>
+          </p:nvPr>
+        </p:nvSpPr>
+        <p:spPr/>
+        <p:txBody>
+          <a:bodyPr/>
+          <a:lstStyle/>
+          <a:p>
+            <a:r>
+              <a:rPr lang="cs-CZ" dirty="0"/>
+              <a:t>Vyvinut v Bellových laboratořích</a:t>
+            </a:r>
+          </a:p>
+          <a:p>
+            <a:r>
+              <a:rPr lang="cs-CZ" dirty="0"/>
+              <a:t>1972-1973</a:t>
+            </a:r>
+          </a:p>
+          <a:p>
+            <a:r>
+              <a:rPr lang="cs-CZ" dirty="0"/>
+              <a:t>Dennis </a:t>
+            </a:r>
+            <a:r>
+              <a:rPr lang="cs-CZ" dirty="0" err="1"/>
+              <a:t>Ritchie</a:t>
+            </a:r>
+            <a:r>
+              <a:rPr lang="cs-CZ" dirty="0"/>
+              <a:t> </a:t>
+            </a:r>
+          </a:p>
+          <a:p>
+            <a:r>
+              <a:rPr lang="cs-CZ" dirty="0"/>
+              <a:t>Použit pro jádro Unixu aby mohl být použit na více PC – </a:t>
+            </a:r>
+            <a:r>
+              <a:rPr lang="cs-CZ" dirty="0" err="1"/>
+              <a:t>Ken</a:t>
+            </a:r>
+            <a:r>
+              <a:rPr lang="cs-CZ" dirty="0"/>
+              <a:t> Thompson</a:t>
+            </a:r>
+          </a:p>
+          <a:p>
+            <a:r>
+              <a:rPr lang="cs-CZ" dirty="0"/>
+              <a:t>V 80. letech se stal nejpopulárnějším jazykem pro programování</a:t>
+            </a:r>
+          </a:p>
+          <a:p>
+            <a:r>
+              <a:rPr lang="cs-CZ" dirty="0"/>
+              <a:t>Měl překladače pro skoro všechny architektury PC</a:t>
+            </a:r>
+          </a:p>
+          <a:p>
+            <a:r>
+              <a:rPr lang="cs-CZ" dirty="0"/>
+              <a:t>1989 – Jazyk </a:t>
+            </a:r>
+            <a:r>
+              <a:rPr lang="cs-CZ" dirty="0" err="1"/>
+              <a:t>standartizován</a:t>
+            </a:r>
+            <a:r>
+              <a:rPr lang="cs-CZ" dirty="0"/>
+              <a:t> společnostmi ANSI a ISO</a:t>
+            </a:r>
+          </a:p>
+        </p:txBody>
+      </p:sp>
+      <p:sp>
+        <p:nvSpPr>
+          <p:cNvPr id="4" name="Zástupný text 3">
+            <a:extLst>
+              <a:ext uri="{FF2B5EF4-FFF2-40B4-BE49-F238E27FC236}">
+                <a16:creationId xmlns:a16="http://schemas.microsoft.com/office/drawing/2014/main" id="{51B58E47-71A8-76C3-C51B-4A32BE11B9A2}"/>
+              </a:ext>
+            </a:extLst>
+          </p:cNvPr>
+          <p:cNvSpPr>
+            <a:spLocks noGrp="1"/>
+          </p:cNvSpPr>
+          <p:nvPr>
+            <p:ph type="body" sz="half" idx="2"/>
+          </p:nvPr>
+        </p:nvSpPr>
+        <p:spPr/>
+        <p:txBody>
+          <a:bodyPr/>
+          <a:lstStyle/>
+          <a:p>
+            <a:r>
+              <a:rPr lang="cs-CZ" dirty="0"/>
+              <a:t>Byl vyvinut pro vývoj nástrojů pro OS Unix</a:t>
+            </a:r>
+          </a:p>
+          <a:p>
+            <a:r>
+              <a:rPr lang="cs-CZ" dirty="0"/>
+              <a:t>V roce 1978 vyšla kniha </a:t>
+            </a:r>
+            <a:r>
+              <a:rPr lang="cs-CZ" dirty="0" err="1"/>
+              <a:t>The</a:t>
+            </a:r>
+            <a:r>
+              <a:rPr lang="cs-CZ" dirty="0"/>
+              <a:t> C </a:t>
+            </a:r>
+            <a:r>
+              <a:rPr lang="cs-CZ" dirty="0" err="1"/>
+              <a:t>Programming</a:t>
+            </a:r>
+            <a:r>
+              <a:rPr lang="cs-CZ" dirty="0"/>
+              <a:t> </a:t>
+            </a:r>
+            <a:r>
+              <a:rPr lang="cs-CZ"/>
+              <a:t>Language</a:t>
+            </a:r>
+            <a:endParaRPr lang="cs-CZ" dirty="0"/>
+          </a:p>
+        </p:txBody>
+      </p:sp>
+    </p:spTree>
+    <p:extLst>
+      <p:ext uri="{BB962C8B-B14F-4D97-AF65-F5344CB8AC3E}">
+        <p14:creationId xmlns:p14="http://schemas.microsoft.com/office/powerpoint/2010/main" val="1289516787"/>
       </p:ext>
     </p:extLst>
   </p:cSld>

--- a/Programovací-jazyk-C.pptx
+++ b/Programovací-jazyk-C.pptx
@@ -5,12 +5,15 @@
     <p:sldMasterId id="2147483722" r:id="rId1"/>
   </p:sldMasterIdLst>
   <p:notesMasterIdLst>
-    <p:notesMasterId r:id="rId5"/>
+    <p:notesMasterId r:id="rId8"/>
   </p:notesMasterIdLst>
   <p:sldIdLst>
     <p:sldId id="256" r:id="rId2"/>
     <p:sldId id="257" r:id="rId3"/>
     <p:sldId id="258" r:id="rId4"/>
+    <p:sldId id="260" r:id="rId5"/>
+    <p:sldId id="259" r:id="rId6"/>
+    <p:sldId id="261" r:id="rId7"/>
   </p:sldIdLst>
   <p:sldSz cx="12192000" cy="6858000"/>
   <p:notesSz cx="6858000" cy="9144000"/>
@@ -199,7 +202,7 @@
           <a:p>
             <a:fld id="{BFBFF3A5-F03F-4D2A-9CE2-11F1765DBB33}" type="datetimeFigureOut">
               <a:rPr lang="cs-CZ" smtClean="0"/>
-              <a:t>18.01.2023</a:t>
+              <a:t>19.01.2023</a:t>
             </a:fld>
             <a:endParaRPr lang="cs-CZ"/>
           </a:p>
@@ -769,6 +772,185 @@
 </p:notes>
 </file>
 
+<file path=ppt/notesSlides/notesSlide3.xml><?xml version="1.0" encoding="utf-8"?>
+<p:notes xmlns:a="http://schemas.openxmlformats.org/drawingml/2006/main" xmlns:r="http://schemas.openxmlformats.org/officeDocument/2006/relationships" xmlns:p="http://schemas.openxmlformats.org/presentationml/2006/main">
+  <p:cSld>
+    <p:spTree>
+      <p:nvGrpSpPr>
+        <p:cNvPr id="1" name=""/>
+        <p:cNvGrpSpPr/>
+        <p:nvPr/>
+      </p:nvGrpSpPr>
+      <p:grpSpPr>
+        <a:xfrm>
+          <a:off x="0" y="0"/>
+          <a:ext cx="0" cy="0"/>
+          <a:chOff x="0" y="0"/>
+          <a:chExt cx="0" cy="0"/>
+        </a:xfrm>
+      </p:grpSpPr>
+      <p:sp>
+        <p:nvSpPr>
+          <p:cNvPr id="2" name="Zástupný symbol pro obrázek snímku 1"/>
+          <p:cNvSpPr>
+            <a:spLocks noGrp="1" noRot="1" noChangeAspect="1"/>
+          </p:cNvSpPr>
+          <p:nvPr>
+            <p:ph type="sldImg"/>
+          </p:nvPr>
+        </p:nvSpPr>
+        <p:spPr/>
+      </p:sp>
+      <p:sp>
+        <p:nvSpPr>
+          <p:cNvPr id="3" name="Zástupný symbol pro poznámky 2"/>
+          <p:cNvSpPr>
+            <a:spLocks noGrp="1"/>
+          </p:cNvSpPr>
+          <p:nvPr>
+            <p:ph type="body" idx="1"/>
+          </p:nvPr>
+        </p:nvSpPr>
+        <p:spPr/>
+        <p:txBody>
+          <a:bodyPr/>
+          <a:lstStyle/>
+          <a:p>
+            <a:endParaRPr lang="cs-CZ" dirty="0"/>
+          </a:p>
+        </p:txBody>
+      </p:sp>
+      <p:sp>
+        <p:nvSpPr>
+          <p:cNvPr id="4" name="Zástupný symbol pro číslo snímku 3"/>
+          <p:cNvSpPr>
+            <a:spLocks noGrp="1"/>
+          </p:cNvSpPr>
+          <p:nvPr>
+            <p:ph type="sldNum" sz="quarter" idx="5"/>
+          </p:nvPr>
+        </p:nvSpPr>
+        <p:spPr/>
+        <p:txBody>
+          <a:bodyPr/>
+          <a:lstStyle/>
+          <a:p>
+            <a:fld id="{E51DB58B-49B6-457D-9CBD-FB4E7093B0E9}" type="slidenum">
+              <a:rPr lang="cs-CZ" smtClean="0"/>
+              <a:t>4</a:t>
+            </a:fld>
+            <a:endParaRPr lang="cs-CZ"/>
+          </a:p>
+        </p:txBody>
+      </p:sp>
+    </p:spTree>
+    <p:extLst>
+      <p:ext uri="{BB962C8B-B14F-4D97-AF65-F5344CB8AC3E}">
+        <p14:creationId xmlns:p14="http://schemas.microsoft.com/office/powerpoint/2010/main" val="2982336112"/>
+      </p:ext>
+    </p:extLst>
+  </p:cSld>
+  <p:clrMapOvr>
+    <a:masterClrMapping/>
+  </p:clrMapOvr>
+</p:notes>
+</file>
+
+<file path=ppt/notesSlides/notesSlide4.xml><?xml version="1.0" encoding="utf-8"?>
+<p:notes xmlns:a="http://schemas.openxmlformats.org/drawingml/2006/main" xmlns:r="http://schemas.openxmlformats.org/officeDocument/2006/relationships" xmlns:p="http://schemas.openxmlformats.org/presentationml/2006/main">
+  <p:cSld>
+    <p:spTree>
+      <p:nvGrpSpPr>
+        <p:cNvPr id="1" name=""/>
+        <p:cNvGrpSpPr/>
+        <p:nvPr/>
+      </p:nvGrpSpPr>
+      <p:grpSpPr>
+        <a:xfrm>
+          <a:off x="0" y="0"/>
+          <a:ext cx="0" cy="0"/>
+          <a:chOff x="0" y="0"/>
+          <a:chExt cx="0" cy="0"/>
+        </a:xfrm>
+      </p:grpSpPr>
+      <p:sp>
+        <p:nvSpPr>
+          <p:cNvPr id="2" name="Zástupný symbol pro obrázek snímku 1"/>
+          <p:cNvSpPr>
+            <a:spLocks noGrp="1" noRot="1" noChangeAspect="1"/>
+          </p:cNvSpPr>
+          <p:nvPr>
+            <p:ph type="sldImg"/>
+          </p:nvPr>
+        </p:nvSpPr>
+        <p:spPr/>
+      </p:sp>
+      <p:sp>
+        <p:nvSpPr>
+          <p:cNvPr id="3" name="Zástupný symbol pro poznámky 2"/>
+          <p:cNvSpPr>
+            <a:spLocks noGrp="1"/>
+          </p:cNvSpPr>
+          <p:nvPr>
+            <p:ph type="body" idx="1"/>
+          </p:nvPr>
+        </p:nvSpPr>
+        <p:spPr/>
+        <p:txBody>
+          <a:bodyPr/>
+          <a:lstStyle/>
+          <a:p>
+            <a:r>
+              <a:rPr lang="cs-CZ" dirty="0"/>
+              <a:t>IDE – </a:t>
+            </a:r>
+            <a:r>
+              <a:rPr lang="cs-CZ" dirty="0" err="1"/>
+              <a:t>Integrated</a:t>
+            </a:r>
+            <a:r>
+              <a:rPr lang="cs-CZ" dirty="0"/>
+              <a:t> development environment</a:t>
+            </a:r>
+          </a:p>
+        </p:txBody>
+      </p:sp>
+      <p:sp>
+        <p:nvSpPr>
+          <p:cNvPr id="4" name="Zástupný symbol pro číslo snímku 3"/>
+          <p:cNvSpPr>
+            <a:spLocks noGrp="1"/>
+          </p:cNvSpPr>
+          <p:nvPr>
+            <p:ph type="sldNum" sz="quarter" idx="5"/>
+          </p:nvPr>
+        </p:nvSpPr>
+        <p:spPr/>
+        <p:txBody>
+          <a:bodyPr/>
+          <a:lstStyle/>
+          <a:p>
+            <a:fld id="{E51DB58B-49B6-457D-9CBD-FB4E7093B0E9}" type="slidenum">
+              <a:rPr lang="cs-CZ" smtClean="0"/>
+              <a:t>5</a:t>
+            </a:fld>
+            <a:endParaRPr lang="cs-CZ"/>
+          </a:p>
+        </p:txBody>
+      </p:sp>
+    </p:spTree>
+    <p:extLst>
+      <p:ext uri="{BB962C8B-B14F-4D97-AF65-F5344CB8AC3E}">
+        <p14:creationId xmlns:p14="http://schemas.microsoft.com/office/powerpoint/2010/main" val="1729810695"/>
+      </p:ext>
+    </p:extLst>
+  </p:cSld>
+  <p:clrMapOvr>
+    <a:masterClrMapping/>
+  </p:clrMapOvr>
+</p:notes>
+</file>
+
 <file path=ppt/slideLayouts/slideLayout1.xml><?xml version="1.0" encoding="utf-8"?>
 <p:sldLayout xmlns:a="http://schemas.openxmlformats.org/drawingml/2006/main" xmlns:r="http://schemas.openxmlformats.org/officeDocument/2006/relationships" xmlns:p="http://schemas.openxmlformats.org/presentationml/2006/main" type="title" preserve="1">
   <p:cSld name="Title Slide">
@@ -934,7 +1116,7 @@
           <a:p>
             <a:fld id="{72EA7947-E287-4738-8C82-07CE4F01EF03}" type="datetime2">
               <a:rPr lang="en-US" smtClean="0"/>
-              <a:t>Wednesday, January 18, 2023</a:t>
+              <a:t>Thursday, January 19, 2023</a:t>
             </a:fld>
             <a:endParaRPr lang="en-US" dirty="0"/>
           </a:p>
@@ -1970,7 +2152,7 @@
           <a:p>
             <a:fld id="{EE2EBD84-71F4-4271-8C46-0D47C0A9B12E}" type="datetime2">
               <a:rPr lang="en-US" smtClean="0"/>
-              <a:t>Wednesday, January 18, 2023</a:t>
+              <a:t>Thursday, January 19, 2023</a:t>
             </a:fld>
             <a:endParaRPr lang="en-US"/>
           </a:p>
@@ -2181,7 +2363,7 @@
           <a:p>
             <a:fld id="{ABAE0CE1-F450-4107-B2CB-17B18F8A3F4A}" type="datetime2">
               <a:rPr lang="en-US" smtClean="0"/>
-              <a:t>Wednesday, January 18, 2023</a:t>
+              <a:t>Thursday, January 19, 2023</a:t>
             </a:fld>
             <a:endParaRPr lang="en-US"/>
           </a:p>
@@ -2846,7 +3028,7 @@
           <a:p>
             <a:fld id="{6FE8C025-CD7A-4966-867E-81CF82B15267}" type="datetime2">
               <a:rPr lang="en-US" smtClean="0"/>
-              <a:t>Wednesday, January 18, 2023</a:t>
+              <a:t>Thursday, January 19, 2023</a:t>
             </a:fld>
             <a:endParaRPr lang="en-US"/>
           </a:p>
@@ -3466,7 +3648,7 @@
           <a:p>
             <a:fld id="{FE809929-0719-4517-94D6-FDF7F99E70F6}" type="datetime2">
               <a:rPr lang="en-US" smtClean="0"/>
-              <a:t>Wednesday, January 18, 2023</a:t>
+              <a:t>Thursday, January 19, 2023</a:t>
             </a:fld>
             <a:endParaRPr lang="en-US"/>
           </a:p>
@@ -4584,7 +4766,7 @@
           <a:p>
             <a:fld id="{20E95673-5512-4AAA-9AEB-E00C61EC65D5}" type="datetime2">
               <a:rPr lang="en-US" smtClean="0"/>
-              <a:t>Wednesday, January 18, 2023</a:t>
+              <a:t>Thursday, January 19, 2023</a:t>
             </a:fld>
             <a:endParaRPr lang="en-US"/>
           </a:p>
@@ -5131,7 +5313,7 @@
           <a:p>
             <a:fld id="{C13138FA-2E87-4873-8BBA-13E447C9A99A}" type="datetime2">
               <a:rPr lang="en-US" smtClean="0"/>
-              <a:t>Wednesday, January 18, 2023</a:t>
+              <a:t>Thursday, January 19, 2023</a:t>
             </a:fld>
             <a:endParaRPr lang="en-US"/>
           </a:p>
@@ -5292,7 +5474,7 @@
           <a:p>
             <a:fld id="{D75BB40A-97BD-4BFB-B639-0BFF95FDE8B7}" type="datetime2">
               <a:rPr lang="en-US" smtClean="0"/>
-              <a:t>Wednesday, January 18, 2023</a:t>
+              <a:t>Thursday, January 19, 2023</a:t>
             </a:fld>
             <a:endParaRPr lang="en-US"/>
           </a:p>
@@ -6327,7 +6509,7 @@
           <a:p>
             <a:fld id="{9EE9E0E3-ECF6-4CFE-8698-AEFEBCECC3C0}" type="datetime2">
               <a:rPr lang="en-US" smtClean="0"/>
-              <a:t>Wednesday, January 18, 2023</a:t>
+              <a:t>Thursday, January 19, 2023</a:t>
             </a:fld>
             <a:endParaRPr lang="en-US"/>
           </a:p>
@@ -6973,7 +7155,7 @@
           <a:p>
             <a:fld id="{251462FC-960E-4740-921F-B36862979F21}" type="datetime2">
               <a:rPr lang="en-US" smtClean="0"/>
-              <a:t>Wednesday, January 18, 2023</a:t>
+              <a:t>Thursday, January 19, 2023</a:t>
             </a:fld>
             <a:endParaRPr lang="en-US"/>
           </a:p>
@@ -7737,7 +7919,7 @@
           <a:p>
             <a:fld id="{E50BC9E2-CB44-4C05-9BB5-496C18A241E0}" type="datetime2">
               <a:rPr lang="en-US" smtClean="0"/>
-              <a:t>Wednesday, January 18, 2023</a:t>
+              <a:t>Thursday, January 19, 2023</a:t>
             </a:fld>
             <a:endParaRPr lang="en-US"/>
           </a:p>
@@ -7990,7 +8172,7 @@
           <a:p>
             <a:fld id="{246CB39B-5F4C-4A7E-9BE3-AAFD45576D16}" type="datetime2">
               <a:rPr lang="en-US" smtClean="0"/>
-              <a:t>Wednesday, January 18, 2023</a:t>
+              <a:t>Thursday, January 19, 2023</a:t>
             </a:fld>
             <a:endParaRPr lang="en-US" dirty="0"/>
           </a:p>
@@ -9084,6 +9266,1029 @@
     <p:extLst>
       <p:ext uri="{BB962C8B-B14F-4D97-AF65-F5344CB8AC3E}">
         <p14:creationId xmlns:p14="http://schemas.microsoft.com/office/powerpoint/2010/main" val="1289516787"/>
+      </p:ext>
+    </p:extLst>
+  </p:cSld>
+  <p:clrMapOvr>
+    <a:masterClrMapping/>
+  </p:clrMapOvr>
+</p:sld>
+</file>
+
+<file path=ppt/slides/slide4.xml><?xml version="1.0" encoding="utf-8"?>
+<p:sld xmlns:a="http://schemas.openxmlformats.org/drawingml/2006/main" xmlns:r="http://schemas.openxmlformats.org/officeDocument/2006/relationships" xmlns:p="http://schemas.openxmlformats.org/presentationml/2006/main">
+  <p:cSld>
+    <p:spTree>
+      <p:nvGrpSpPr>
+        <p:cNvPr id="1" name=""/>
+        <p:cNvGrpSpPr/>
+        <p:nvPr/>
+      </p:nvGrpSpPr>
+      <p:grpSpPr>
+        <a:xfrm>
+          <a:off x="0" y="0"/>
+          <a:ext cx="0" cy="0"/>
+          <a:chOff x="0" y="0"/>
+          <a:chExt cx="0" cy="0"/>
+        </a:xfrm>
+      </p:grpSpPr>
+      <p:sp>
+        <p:nvSpPr>
+          <p:cNvPr id="2" name="Nadpis 1">
+            <a:extLst>
+              <a:ext uri="{FF2B5EF4-FFF2-40B4-BE49-F238E27FC236}">
+                <a16:creationId xmlns:a16="http://schemas.microsoft.com/office/drawing/2014/main" id="{11B2835D-87F6-6641-2FA7-7A7A9D5490E6}"/>
+              </a:ext>
+            </a:extLst>
+          </p:cNvPr>
+          <p:cNvSpPr>
+            <a:spLocks noGrp="1"/>
+          </p:cNvSpPr>
+          <p:nvPr>
+            <p:ph type="title"/>
+          </p:nvPr>
+        </p:nvSpPr>
+        <p:spPr/>
+        <p:txBody>
+          <a:bodyPr/>
+          <a:lstStyle/>
+          <a:p>
+            <a:r>
+              <a:rPr lang="cs-CZ" dirty="0"/>
+              <a:t>Základní datové typy</a:t>
+            </a:r>
+          </a:p>
+        </p:txBody>
+      </p:sp>
+      <p:sp>
+        <p:nvSpPr>
+          <p:cNvPr id="3" name="Zástupný obsah 2">
+            <a:extLst>
+              <a:ext uri="{FF2B5EF4-FFF2-40B4-BE49-F238E27FC236}">
+                <a16:creationId xmlns:a16="http://schemas.microsoft.com/office/drawing/2014/main" id="{7216869B-DAC8-5752-65E7-521108AD03F4}"/>
+              </a:ext>
+            </a:extLst>
+          </p:cNvPr>
+          <p:cNvSpPr>
+            <a:spLocks noGrp="1"/>
+          </p:cNvSpPr>
+          <p:nvPr>
+            <p:ph idx="1"/>
+          </p:nvPr>
+        </p:nvSpPr>
+        <p:spPr/>
+        <p:txBody>
+          <a:bodyPr/>
+          <a:lstStyle/>
+          <a:p>
+            <a:r>
+              <a:rPr lang="cs-CZ" dirty="0" err="1"/>
+              <a:t>Int</a:t>
+            </a:r>
+            <a:r>
+              <a:rPr lang="cs-CZ" dirty="0"/>
+              <a:t> – skladuje pouze celá čísla </a:t>
+            </a:r>
+          </a:p>
+          <a:p>
+            <a:r>
+              <a:rPr lang="cs-CZ" dirty="0" err="1"/>
+              <a:t>Float</a:t>
+            </a:r>
+            <a:r>
+              <a:rPr lang="cs-CZ" dirty="0"/>
+              <a:t> – skladuje i desetinná čísla až po 7 desetinných míst</a:t>
+            </a:r>
+          </a:p>
+          <a:p>
+            <a:r>
+              <a:rPr lang="cs-CZ" dirty="0"/>
+              <a:t>Double – skladuje i desetinná čísla až po 15 desetinných míst</a:t>
+            </a:r>
+          </a:p>
+          <a:p>
+            <a:r>
+              <a:rPr lang="cs-CZ" dirty="0" err="1"/>
+              <a:t>Char</a:t>
+            </a:r>
+            <a:r>
+              <a:rPr lang="cs-CZ" dirty="0"/>
+              <a:t>  - ukládá jeden symbol či ASCII hodnotu</a:t>
+            </a:r>
+          </a:p>
+        </p:txBody>
+      </p:sp>
+      <p:sp>
+        <p:nvSpPr>
+          <p:cNvPr id="4" name="Zástupný text 3">
+            <a:extLst>
+              <a:ext uri="{FF2B5EF4-FFF2-40B4-BE49-F238E27FC236}">
+                <a16:creationId xmlns:a16="http://schemas.microsoft.com/office/drawing/2014/main" id="{70B274EF-73CC-9F76-389A-D546AF4824D6}"/>
+              </a:ext>
+            </a:extLst>
+          </p:cNvPr>
+          <p:cNvSpPr>
+            <a:spLocks noGrp="1"/>
+          </p:cNvSpPr>
+          <p:nvPr>
+            <p:ph type="body" sz="half" idx="2"/>
+          </p:nvPr>
+        </p:nvSpPr>
+        <p:spPr/>
+        <p:txBody>
+          <a:bodyPr/>
+          <a:lstStyle/>
+          <a:p>
+            <a:r>
+              <a:rPr lang="cs-CZ" dirty="0"/>
+              <a:t>Data typy </a:t>
+            </a:r>
+            <a:r>
+              <a:rPr lang="cs-CZ" dirty="0" err="1"/>
+              <a:t>specifikujou</a:t>
+            </a:r>
+            <a:r>
+              <a:rPr lang="cs-CZ" dirty="0"/>
+              <a:t> velikost (1-8 bytů) a typ informace uloženou</a:t>
+            </a:r>
+          </a:p>
+        </p:txBody>
+      </p:sp>
+    </p:spTree>
+    <p:extLst>
+      <p:ext uri="{BB962C8B-B14F-4D97-AF65-F5344CB8AC3E}">
+        <p14:creationId xmlns:p14="http://schemas.microsoft.com/office/powerpoint/2010/main" val="698567050"/>
+      </p:ext>
+    </p:extLst>
+  </p:cSld>
+  <p:clrMapOvr>
+    <a:masterClrMapping/>
+  </p:clrMapOvr>
+</p:sld>
+</file>
+
+<file path=ppt/slides/slide5.xml><?xml version="1.0" encoding="utf-8"?>
+<p:sld xmlns:a="http://schemas.openxmlformats.org/drawingml/2006/main" xmlns:r="http://schemas.openxmlformats.org/officeDocument/2006/relationships" xmlns:p="http://schemas.openxmlformats.org/presentationml/2006/main">
+  <p:cSld>
+    <p:spTree>
+      <p:nvGrpSpPr>
+        <p:cNvPr id="1" name=""/>
+        <p:cNvGrpSpPr/>
+        <p:nvPr/>
+      </p:nvGrpSpPr>
+      <p:grpSpPr>
+        <a:xfrm>
+          <a:off x="0" y="0"/>
+          <a:ext cx="0" cy="0"/>
+          <a:chOff x="0" y="0"/>
+          <a:chExt cx="0" cy="0"/>
+        </a:xfrm>
+      </p:grpSpPr>
+      <p:sp>
+        <p:nvSpPr>
+          <p:cNvPr id="2" name="Nadpis 1">
+            <a:extLst>
+              <a:ext uri="{FF2B5EF4-FFF2-40B4-BE49-F238E27FC236}">
+                <a16:creationId xmlns:a16="http://schemas.microsoft.com/office/drawing/2014/main" id="{4397D431-CF69-E870-1340-D96B8B4F8E19}"/>
+              </a:ext>
+            </a:extLst>
+          </p:cNvPr>
+          <p:cNvSpPr>
+            <a:spLocks noGrp="1"/>
+          </p:cNvSpPr>
+          <p:nvPr>
+            <p:ph type="title"/>
+          </p:nvPr>
+        </p:nvSpPr>
+        <p:spPr/>
+        <p:txBody>
+          <a:bodyPr/>
+          <a:lstStyle/>
+          <a:p>
+            <a:r>
+              <a:rPr lang="cs-CZ" dirty="0"/>
+              <a:t>V čem se dá programovat?</a:t>
+            </a:r>
+          </a:p>
+        </p:txBody>
+      </p:sp>
+      <p:sp>
+        <p:nvSpPr>
+          <p:cNvPr id="3" name="Zástupný obsah 2">
+            <a:extLst>
+              <a:ext uri="{FF2B5EF4-FFF2-40B4-BE49-F238E27FC236}">
+                <a16:creationId xmlns:a16="http://schemas.microsoft.com/office/drawing/2014/main" id="{99BB823C-A0B7-E116-5346-40913E56961F}"/>
+              </a:ext>
+            </a:extLst>
+          </p:cNvPr>
+          <p:cNvSpPr>
+            <a:spLocks noGrp="1"/>
+          </p:cNvSpPr>
+          <p:nvPr>
+            <p:ph idx="1"/>
+          </p:nvPr>
+        </p:nvSpPr>
+        <p:spPr/>
+        <p:txBody>
+          <a:bodyPr/>
+          <a:lstStyle/>
+          <a:p>
+            <a:pPr marL="0" indent="0">
+              <a:buNone/>
+            </a:pPr>
+            <a:endParaRPr lang="cs-CZ" dirty="0"/>
+          </a:p>
+          <a:p>
+            <a:r>
+              <a:rPr lang="cs-CZ" dirty="0"/>
+              <a:t>V takzvaných IDE se programuje </a:t>
+            </a:r>
+          </a:p>
+          <a:p>
+            <a:r>
+              <a:rPr lang="cs-CZ" dirty="0"/>
+              <a:t>Jeden z nejpopulárnějších IDE je </a:t>
+            </a:r>
+            <a:r>
+              <a:rPr lang="cs-CZ" dirty="0" err="1"/>
+              <a:t>Visual</a:t>
+            </a:r>
+            <a:r>
+              <a:rPr lang="cs-CZ" dirty="0"/>
+              <a:t> Studio od Microsoftu</a:t>
+            </a:r>
+          </a:p>
+          <a:p>
+            <a:r>
+              <a:rPr lang="cs-CZ" dirty="0"/>
+              <a:t>Je několik set IDE pro hodně jazyků</a:t>
+            </a:r>
+          </a:p>
+        </p:txBody>
+      </p:sp>
+    </p:spTree>
+    <p:extLst>
+      <p:ext uri="{BB962C8B-B14F-4D97-AF65-F5344CB8AC3E}">
+        <p14:creationId xmlns:p14="http://schemas.microsoft.com/office/powerpoint/2010/main" val="1354889336"/>
+      </p:ext>
+    </p:extLst>
+  </p:cSld>
+  <p:clrMapOvr>
+    <a:masterClrMapping/>
+  </p:clrMapOvr>
+</p:sld>
+</file>
+
+<file path=ppt/slides/slide6.xml><?xml version="1.0" encoding="utf-8"?>
+<p:sld xmlns:a="http://schemas.openxmlformats.org/drawingml/2006/main" xmlns:r="http://schemas.openxmlformats.org/officeDocument/2006/relationships" xmlns:p="http://schemas.openxmlformats.org/presentationml/2006/main">
+  <p:cSld>
+    <p:bg>
+      <p:bgPr>
+        <a:solidFill>
+          <a:schemeClr val="bg2"/>
+        </a:solidFill>
+        <a:effectLst/>
+      </p:bgPr>
+    </p:bg>
+    <p:spTree>
+      <p:nvGrpSpPr>
+        <p:cNvPr id="1" name=""/>
+        <p:cNvGrpSpPr/>
+        <p:nvPr/>
+      </p:nvGrpSpPr>
+      <p:grpSpPr>
+        <a:xfrm>
+          <a:off x="0" y="0"/>
+          <a:ext cx="0" cy="0"/>
+          <a:chOff x="0" y="0"/>
+          <a:chExt cx="0" cy="0"/>
+        </a:xfrm>
+      </p:grpSpPr>
+      <p:sp useBgFill="1">
+        <p:nvSpPr>
+          <p:cNvPr id="12" name="Rectangle 11">
+            <a:extLst>
+              <a:ext uri="{FF2B5EF4-FFF2-40B4-BE49-F238E27FC236}">
+                <a16:creationId xmlns:a16="http://schemas.microsoft.com/office/drawing/2014/main" id="{A5931BE0-4B93-4D6C-878E-ACC59D6B4587}"/>
+              </a:ext>
+              <a:ext uri="{C183D7F6-B498-43B3-948B-1728B52AA6E4}">
+                <adec:decorative xmlns:adec="http://schemas.microsoft.com/office/drawing/2017/decorative" val="1"/>
+              </a:ext>
+            </a:extLst>
+          </p:cNvPr>
+          <p:cNvSpPr>
+            <a:spLocks noGrp="1" noRot="1" noChangeAspect="1" noMove="1" noResize="1" noEditPoints="1" noAdjustHandles="1" noChangeArrowheads="1" noChangeShapeType="1" noTextEdit="1"/>
+          </p:cNvSpPr>
+          <p:nvPr>
+            <p:extLst>
+              <p:ext uri="{386F3935-93C4-4BCD-93E2-E3B085C9AB24}">
+                <p16:designElem xmlns:p16="http://schemas.microsoft.com/office/powerpoint/2015/main" val="1"/>
+              </p:ext>
+            </p:extLst>
+          </p:nvPr>
+        </p:nvSpPr>
+        <p:spPr>
+          <a:xfrm>
+            <a:off x="0" y="0"/>
+            <a:ext cx="12192000" cy="6858000"/>
+          </a:xfrm>
+          <a:prstGeom prst="rect">
+            <a:avLst/>
+          </a:prstGeom>
+          <a:ln w="12700" cap="flat" cmpd="sng" algn="ctr">
+            <a:noFill/>
+            <a:prstDash val="solid"/>
+            <a:miter lim="800000"/>
+          </a:ln>
+          <a:effectLst/>
+          <a:extLst>
+            <a:ext uri="{91240B29-F687-4F45-9708-019B960494DF}">
+              <a14:hiddenLine xmlns:a14="http://schemas.microsoft.com/office/drawing/2010/main" w="12700" cap="flat" cmpd="sng" algn="ctr">
+                <a:solidFill>
+                  <a:schemeClr val="accent1">
+                    <a:shade val="50000"/>
+                  </a:schemeClr>
+                </a:solidFill>
+                <a:prstDash val="solid"/>
+                <a:miter lim="800000"/>
+              </a14:hiddenLine>
+            </a:ext>
+          </a:extLst>
+        </p:spPr>
+        <p:style>
+          <a:lnRef idx="2">
+            <a:schemeClr val="accent1">
+              <a:shade val="50000"/>
+            </a:schemeClr>
+          </a:lnRef>
+          <a:fillRef idx="1">
+            <a:schemeClr val="accent1"/>
+          </a:fillRef>
+          <a:effectRef idx="0">
+            <a:schemeClr val="accent1"/>
+          </a:effectRef>
+          <a:fontRef idx="minor">
+            <a:schemeClr val="lt1"/>
+          </a:fontRef>
+        </p:style>
+        <p:txBody>
+          <a:bodyPr rtlCol="0" anchor="ctr"/>
+          <a:lstStyle/>
+          <a:p>
+            <a:pPr algn="ctr"/>
+            <a:endParaRPr lang="en-US"/>
+          </a:p>
+        </p:txBody>
+      </p:sp>
+      <p:sp>
+        <p:nvSpPr>
+          <p:cNvPr id="2" name="Nadpis 1">
+            <a:extLst>
+              <a:ext uri="{FF2B5EF4-FFF2-40B4-BE49-F238E27FC236}">
+                <a16:creationId xmlns:a16="http://schemas.microsoft.com/office/drawing/2014/main" id="{AB75A077-5BFE-9BCC-809E-28F386E8ED54}"/>
+              </a:ext>
+            </a:extLst>
+          </p:cNvPr>
+          <p:cNvSpPr>
+            <a:spLocks noGrp="1"/>
+          </p:cNvSpPr>
+          <p:nvPr>
+            <p:ph type="title"/>
+          </p:nvPr>
+        </p:nvSpPr>
+        <p:spPr>
+          <a:xfrm>
+            <a:off x="550862" y="580363"/>
+            <a:ext cx="5437188" cy="1333055"/>
+          </a:xfrm>
+        </p:spPr>
+        <p:txBody>
+          <a:bodyPr wrap="square" anchor="t">
+            <a:normAutofit/>
+          </a:bodyPr>
+          <a:lstStyle/>
+          <a:p>
+            <a:pPr>
+              <a:lnSpc>
+                <a:spcPct val="90000"/>
+              </a:lnSpc>
+            </a:pPr>
+            <a:r>
+              <a:rPr lang="cs-CZ" sz="4400" dirty="0"/>
+              <a:t>Takto vypadá prostředí </a:t>
+            </a:r>
+            <a:r>
+              <a:rPr lang="cs-CZ" sz="4400" dirty="0" err="1"/>
+              <a:t>Visual</a:t>
+            </a:r>
+            <a:r>
+              <a:rPr lang="cs-CZ" sz="4400" dirty="0"/>
+              <a:t> Studio </a:t>
+            </a:r>
+            <a:r>
+              <a:rPr lang="cs-CZ" sz="4400" dirty="0" err="1"/>
+              <a:t>Code</a:t>
+            </a:r>
+            <a:endParaRPr lang="cs-CZ" sz="4400" dirty="0"/>
+          </a:p>
+        </p:txBody>
+      </p:sp>
+      <p:grpSp>
+        <p:nvGrpSpPr>
+          <p:cNvPr id="14" name="Group 13">
+            <a:extLst>
+              <a:ext uri="{FF2B5EF4-FFF2-40B4-BE49-F238E27FC236}">
+                <a16:creationId xmlns:a16="http://schemas.microsoft.com/office/drawing/2014/main" id="{D0342557-9691-41B1-9FFF-027845ED041F}"/>
+              </a:ext>
+              <a:ext uri="{C183D7F6-B498-43B3-948B-1728B52AA6E4}">
+                <adec:decorative xmlns:adec="http://schemas.microsoft.com/office/drawing/2017/decorative" val="1"/>
+              </a:ext>
+            </a:extLst>
+          </p:cNvPr>
+          <p:cNvGrpSpPr>
+            <a:grpSpLocks noGrp="1" noUngrp="1" noRot="1" noChangeAspect="1" noMove="1" noResize="1"/>
+          </p:cNvGrpSpPr>
+          <p:nvPr>
+            <p:extLst>
+              <p:ext uri="{386F3935-93C4-4BCD-93E2-E3B085C9AB24}">
+                <p16:designElem xmlns:p16="http://schemas.microsoft.com/office/powerpoint/2015/main" val="1"/>
+              </p:ext>
+            </p:extLst>
+          </p:nvPr>
+        </p:nvGrpSpPr>
+        <p:grpSpPr>
+          <a:xfrm>
+            <a:off x="940971" y="1982786"/>
+            <a:ext cx="734257" cy="760506"/>
+            <a:chOff x="5243759" y="1363788"/>
+            <a:chExt cx="734257" cy="760506"/>
+          </a:xfrm>
+        </p:grpSpPr>
+        <p:sp>
+          <p:nvSpPr>
+            <p:cNvPr id="15" name="Freeform 5">
+              <a:extLst>
+                <a:ext uri="{FF2B5EF4-FFF2-40B4-BE49-F238E27FC236}">
+                  <a16:creationId xmlns:a16="http://schemas.microsoft.com/office/drawing/2014/main" id="{086D6FFF-B330-42B3-9F1F-607CECF8D90F}"/>
+                </a:ext>
+                <a:ext uri="{C183D7F6-B498-43B3-948B-1728B52AA6E4}">
+                  <adec:decorative xmlns:adec="http://schemas.microsoft.com/office/drawing/2017/decorative" val="1"/>
+                </a:ext>
+              </a:extLst>
+            </p:cNvPr>
+            <p:cNvSpPr>
+              <a:spLocks/>
+            </p:cNvSpPr>
+            <p:nvPr>
+              <p:extLst>
+                <p:ext uri="{386F3935-93C4-4BCD-93E2-E3B085C9AB24}">
+                  <p16:designElem xmlns:p16="http://schemas.microsoft.com/office/powerpoint/2015/main" val="1"/>
+                </p:ext>
+              </p:extLst>
+            </p:nvPr>
+          </p:nvSpPr>
+          <p:spPr bwMode="auto">
+            <a:xfrm rot="1800000">
+              <a:off x="5356930" y="1363788"/>
+              <a:ext cx="621086" cy="364601"/>
+            </a:xfrm>
+            <a:custGeom>
+              <a:avLst/>
+              <a:gdLst>
+                <a:gd name="T0" fmla="*/ 266 w 540"/>
+                <a:gd name="T1" fmla="*/ 0 h 317"/>
+                <a:gd name="T2" fmla="*/ 0 w 540"/>
+                <a:gd name="T3" fmla="*/ 158 h 317"/>
+                <a:gd name="T4" fmla="*/ 266 w 540"/>
+                <a:gd name="T5" fmla="*/ 317 h 317"/>
+                <a:gd name="T6" fmla="*/ 540 w 540"/>
+                <a:gd name="T7" fmla="*/ 158 h 317"/>
+                <a:gd name="T8" fmla="*/ 266 w 540"/>
+                <a:gd name="T9" fmla="*/ 0 h 317"/>
+              </a:gdLst>
+              <a:ahLst/>
+              <a:cxnLst>
+                <a:cxn ang="0">
+                  <a:pos x="T0" y="T1"/>
+                </a:cxn>
+                <a:cxn ang="0">
+                  <a:pos x="T2" y="T3"/>
+                </a:cxn>
+                <a:cxn ang="0">
+                  <a:pos x="T4" y="T5"/>
+                </a:cxn>
+                <a:cxn ang="0">
+                  <a:pos x="T6" y="T7"/>
+                </a:cxn>
+                <a:cxn ang="0">
+                  <a:pos x="T8" y="T9"/>
+                </a:cxn>
+              </a:cxnLst>
+              <a:rect l="0" t="0" r="r" b="b"/>
+              <a:pathLst>
+                <a:path w="540" h="317">
+                  <a:moveTo>
+                    <a:pt x="266" y="0"/>
+                  </a:moveTo>
+                  <a:lnTo>
+                    <a:pt x="0" y="158"/>
+                  </a:lnTo>
+                  <a:lnTo>
+                    <a:pt x="266" y="317"/>
+                  </a:lnTo>
+                  <a:lnTo>
+                    <a:pt x="540" y="158"/>
+                  </a:lnTo>
+                  <a:lnTo>
+                    <a:pt x="266" y="0"/>
+                  </a:lnTo>
+                  <a:close/>
+                </a:path>
+              </a:pathLst>
+            </a:custGeom>
+            <a:gradFill flip="none" rotWithShape="1">
+              <a:gsLst>
+                <a:gs pos="20000">
+                  <a:schemeClr val="bg2">
+                    <a:lumMod val="90000"/>
+                    <a:lumOff val="10000"/>
+                    <a:alpha val="20000"/>
+                  </a:schemeClr>
+                </a:gs>
+                <a:gs pos="100000">
+                  <a:schemeClr val="accent1">
+                    <a:lumMod val="60000"/>
+                    <a:lumOff val="40000"/>
+                    <a:alpha val="20000"/>
+                  </a:schemeClr>
+                </a:gs>
+              </a:gsLst>
+              <a:lin ang="0" scaled="0"/>
+              <a:tileRect/>
+            </a:gradFill>
+            <a:ln>
+              <a:noFill/>
+            </a:ln>
+            <a:effectLst>
+              <a:innerShdw blurRad="254000">
+                <a:schemeClr val="bg2">
+                  <a:lumMod val="90000"/>
+                  <a:lumOff val="10000"/>
+                </a:schemeClr>
+              </a:innerShdw>
+            </a:effectLst>
+          </p:spPr>
+          <p:style>
+            <a:lnRef idx="2">
+              <a:schemeClr val="accent1">
+                <a:shade val="50000"/>
+              </a:schemeClr>
+            </a:lnRef>
+            <a:fillRef idx="1">
+              <a:schemeClr val="accent1"/>
+            </a:fillRef>
+            <a:effectRef idx="0">
+              <a:schemeClr val="accent1"/>
+            </a:effectRef>
+            <a:fontRef idx="minor">
+              <a:schemeClr val="lt1"/>
+            </a:fontRef>
+          </p:style>
+          <p:txBody>
+            <a:bodyPr rot="0" spcFirstLastPara="0" vertOverflow="overflow" horzOverflow="overflow" vert="horz" wrap="square" lIns="91440" tIns="45720" rIns="91440" bIns="45720" numCol="1" spcCol="0" rtlCol="0" fromWordArt="0" anchor="ctr" anchorCtr="0" forceAA="0" compatLnSpc="1">
+              <a:prstTxWarp prst="textNoShape">
+                <a:avLst/>
+              </a:prstTxWarp>
+              <a:noAutofit/>
+            </a:bodyPr>
+            <a:lstStyle/>
+            <a:p>
+              <a:pPr algn="ctr"/>
+              <a:endParaRPr lang="en-US"/>
+            </a:p>
+          </p:txBody>
+        </p:sp>
+        <p:sp>
+          <p:nvSpPr>
+            <p:cNvPr id="16" name="Freeform 6">
+              <a:extLst>
+                <a:ext uri="{FF2B5EF4-FFF2-40B4-BE49-F238E27FC236}">
+                  <a16:creationId xmlns:a16="http://schemas.microsoft.com/office/drawing/2014/main" id="{8D054D43-E740-4CA9-8197-85FBE2ECCE38}"/>
+                </a:ext>
+                <a:ext uri="{C183D7F6-B498-43B3-948B-1728B52AA6E4}">
+                  <adec:decorative xmlns:adec="http://schemas.microsoft.com/office/drawing/2017/decorative" val="1"/>
+                </a:ext>
+              </a:extLst>
+            </p:cNvPr>
+            <p:cNvSpPr>
+              <a:spLocks/>
+            </p:cNvSpPr>
+            <p:nvPr>
+              <p:extLst>
+                <p:ext uri="{386F3935-93C4-4BCD-93E2-E3B085C9AB24}">
+                  <p16:designElem xmlns:p16="http://schemas.microsoft.com/office/powerpoint/2015/main" val="1"/>
+                </p:ext>
+              </p:extLst>
+            </p:nvPr>
+          </p:nvSpPr>
+          <p:spPr bwMode="auto">
+            <a:xfrm rot="1800000">
+              <a:off x="5243759" y="1430747"/>
+              <a:ext cx="305942" cy="538275"/>
+            </a:xfrm>
+            <a:custGeom>
+              <a:avLst/>
+              <a:gdLst>
+                <a:gd name="T0" fmla="*/ 266 w 266"/>
+                <a:gd name="T1" fmla="*/ 468 h 468"/>
+                <a:gd name="T2" fmla="*/ 0 w 266"/>
+                <a:gd name="T3" fmla="*/ 310 h 468"/>
+                <a:gd name="T4" fmla="*/ 0 w 266"/>
+                <a:gd name="T5" fmla="*/ 310 h 468"/>
+                <a:gd name="T6" fmla="*/ 0 w 266"/>
+                <a:gd name="T7" fmla="*/ 0 h 468"/>
+                <a:gd name="T8" fmla="*/ 0 w 266"/>
+                <a:gd name="T9" fmla="*/ 0 h 468"/>
+                <a:gd name="T10" fmla="*/ 266 w 266"/>
+                <a:gd name="T11" fmla="*/ 159 h 468"/>
+                <a:gd name="T12" fmla="*/ 266 w 266"/>
+                <a:gd name="T13" fmla="*/ 468 h 468"/>
+              </a:gdLst>
+              <a:ahLst/>
+              <a:cxnLst>
+                <a:cxn ang="0">
+                  <a:pos x="T0" y="T1"/>
+                </a:cxn>
+                <a:cxn ang="0">
+                  <a:pos x="T2" y="T3"/>
+                </a:cxn>
+                <a:cxn ang="0">
+                  <a:pos x="T4" y="T5"/>
+                </a:cxn>
+                <a:cxn ang="0">
+                  <a:pos x="T6" y="T7"/>
+                </a:cxn>
+                <a:cxn ang="0">
+                  <a:pos x="T8" y="T9"/>
+                </a:cxn>
+                <a:cxn ang="0">
+                  <a:pos x="T10" y="T11"/>
+                </a:cxn>
+                <a:cxn ang="0">
+                  <a:pos x="T12" y="T13"/>
+                </a:cxn>
+              </a:cxnLst>
+              <a:rect l="0" t="0" r="r" b="b"/>
+              <a:pathLst>
+                <a:path w="266" h="468">
+                  <a:moveTo>
+                    <a:pt x="266" y="468"/>
+                  </a:moveTo>
+                  <a:lnTo>
+                    <a:pt x="0" y="310"/>
+                  </a:lnTo>
+                  <a:lnTo>
+                    <a:pt x="0" y="310"/>
+                  </a:lnTo>
+                  <a:lnTo>
+                    <a:pt x="0" y="0"/>
+                  </a:lnTo>
+                  <a:lnTo>
+                    <a:pt x="0" y="0"/>
+                  </a:lnTo>
+                  <a:lnTo>
+                    <a:pt x="266" y="159"/>
+                  </a:lnTo>
+                  <a:lnTo>
+                    <a:pt x="266" y="468"/>
+                  </a:lnTo>
+                  <a:close/>
+                </a:path>
+              </a:pathLst>
+            </a:custGeom>
+            <a:gradFill flip="none" rotWithShape="1">
+              <a:gsLst>
+                <a:gs pos="20000">
+                  <a:schemeClr val="bg2">
+                    <a:lumMod val="90000"/>
+                    <a:lumOff val="10000"/>
+                    <a:alpha val="20000"/>
+                  </a:schemeClr>
+                </a:gs>
+                <a:gs pos="100000">
+                  <a:schemeClr val="accent1">
+                    <a:lumMod val="60000"/>
+                    <a:lumOff val="40000"/>
+                    <a:alpha val="20000"/>
+                  </a:schemeClr>
+                </a:gs>
+              </a:gsLst>
+              <a:lin ang="19800000" scaled="0"/>
+              <a:tileRect/>
+            </a:gradFill>
+            <a:ln>
+              <a:noFill/>
+            </a:ln>
+            <a:effectLst>
+              <a:innerShdw blurRad="254000">
+                <a:schemeClr val="bg2">
+                  <a:lumMod val="90000"/>
+                  <a:lumOff val="10000"/>
+                </a:schemeClr>
+              </a:innerShdw>
+            </a:effectLst>
+          </p:spPr>
+          <p:style>
+            <a:lnRef idx="2">
+              <a:schemeClr val="accent1">
+                <a:shade val="50000"/>
+              </a:schemeClr>
+            </a:lnRef>
+            <a:fillRef idx="1">
+              <a:schemeClr val="accent1"/>
+            </a:fillRef>
+            <a:effectRef idx="0">
+              <a:schemeClr val="accent1"/>
+            </a:effectRef>
+            <a:fontRef idx="minor">
+              <a:schemeClr val="lt1"/>
+            </a:fontRef>
+          </p:style>
+          <p:txBody>
+            <a:bodyPr rot="0" spcFirstLastPara="0" vertOverflow="overflow" horzOverflow="overflow" vert="horz" wrap="square" lIns="91440" tIns="45720" rIns="91440" bIns="45720" numCol="1" spcCol="0" rtlCol="0" fromWordArt="0" anchor="ctr" anchorCtr="0" forceAA="0" compatLnSpc="1">
+              <a:prstTxWarp prst="textNoShape">
+                <a:avLst/>
+              </a:prstTxWarp>
+              <a:noAutofit/>
+            </a:bodyPr>
+            <a:lstStyle/>
+            <a:p>
+              <a:pPr algn="ctr"/>
+              <a:endParaRPr lang="en-US"/>
+            </a:p>
+          </p:txBody>
+        </p:sp>
+        <p:sp>
+          <p:nvSpPr>
+            <p:cNvPr id="17" name="Freeform 8">
+              <a:extLst>
+                <a:ext uri="{FF2B5EF4-FFF2-40B4-BE49-F238E27FC236}">
+                  <a16:creationId xmlns:a16="http://schemas.microsoft.com/office/drawing/2014/main" id="{CB5EB56C-B805-41B2-88BA-B198E68E6927}"/>
+                </a:ext>
+                <a:ext uri="{C183D7F6-B498-43B3-948B-1728B52AA6E4}">
+                  <adec:decorative xmlns:adec="http://schemas.microsoft.com/office/drawing/2017/decorative" val="1"/>
+                </a:ext>
+              </a:extLst>
+            </p:cNvPr>
+            <p:cNvSpPr>
+              <a:spLocks/>
+            </p:cNvSpPr>
+            <p:nvPr>
+              <p:extLst>
+                <p:ext uri="{386F3935-93C4-4BCD-93E2-E3B085C9AB24}">
+                  <p16:designElem xmlns:p16="http://schemas.microsoft.com/office/powerpoint/2015/main" val="1"/>
+                </p:ext>
+              </p:extLst>
+            </p:nvPr>
+          </p:nvSpPr>
+          <p:spPr bwMode="auto">
+            <a:xfrm rot="1800000">
+              <a:off x="5508097" y="1586019"/>
+              <a:ext cx="315144" cy="538275"/>
+            </a:xfrm>
+            <a:custGeom>
+              <a:avLst/>
+              <a:gdLst>
+                <a:gd name="T0" fmla="*/ 274 w 274"/>
+                <a:gd name="T1" fmla="*/ 0 h 468"/>
+                <a:gd name="T2" fmla="*/ 274 w 274"/>
+                <a:gd name="T3" fmla="*/ 310 h 468"/>
+                <a:gd name="T4" fmla="*/ 274 w 274"/>
+                <a:gd name="T5" fmla="*/ 310 h 468"/>
+                <a:gd name="T6" fmla="*/ 0 w 274"/>
+                <a:gd name="T7" fmla="*/ 468 h 468"/>
+                <a:gd name="T8" fmla="*/ 0 w 274"/>
+                <a:gd name="T9" fmla="*/ 159 h 468"/>
+                <a:gd name="T10" fmla="*/ 274 w 274"/>
+                <a:gd name="T11" fmla="*/ 0 h 468"/>
+                <a:gd name="T12" fmla="*/ 274 w 274"/>
+                <a:gd name="T13" fmla="*/ 0 h 468"/>
+              </a:gdLst>
+              <a:ahLst/>
+              <a:cxnLst>
+                <a:cxn ang="0">
+                  <a:pos x="T0" y="T1"/>
+                </a:cxn>
+                <a:cxn ang="0">
+                  <a:pos x="T2" y="T3"/>
+                </a:cxn>
+                <a:cxn ang="0">
+                  <a:pos x="T4" y="T5"/>
+                </a:cxn>
+                <a:cxn ang="0">
+                  <a:pos x="T6" y="T7"/>
+                </a:cxn>
+                <a:cxn ang="0">
+                  <a:pos x="T8" y="T9"/>
+                </a:cxn>
+                <a:cxn ang="0">
+                  <a:pos x="T10" y="T11"/>
+                </a:cxn>
+                <a:cxn ang="0">
+                  <a:pos x="T12" y="T13"/>
+                </a:cxn>
+              </a:cxnLst>
+              <a:rect l="0" t="0" r="r" b="b"/>
+              <a:pathLst>
+                <a:path w="274" h="468">
+                  <a:moveTo>
+                    <a:pt x="274" y="0"/>
+                  </a:moveTo>
+                  <a:lnTo>
+                    <a:pt x="274" y="310"/>
+                  </a:lnTo>
+                  <a:lnTo>
+                    <a:pt x="274" y="310"/>
+                  </a:lnTo>
+                  <a:lnTo>
+                    <a:pt x="0" y="468"/>
+                  </a:lnTo>
+                  <a:lnTo>
+                    <a:pt x="0" y="159"/>
+                  </a:lnTo>
+                  <a:lnTo>
+                    <a:pt x="274" y="0"/>
+                  </a:lnTo>
+                  <a:lnTo>
+                    <a:pt x="274" y="0"/>
+                  </a:lnTo>
+                  <a:close/>
+                </a:path>
+              </a:pathLst>
+            </a:custGeom>
+            <a:gradFill flip="none" rotWithShape="1">
+              <a:gsLst>
+                <a:gs pos="20000">
+                  <a:schemeClr val="bg2">
+                    <a:lumMod val="90000"/>
+                    <a:lumOff val="10000"/>
+                    <a:alpha val="20000"/>
+                  </a:schemeClr>
+                </a:gs>
+                <a:gs pos="100000">
+                  <a:schemeClr val="accent1">
+                    <a:lumMod val="60000"/>
+                    <a:lumOff val="40000"/>
+                    <a:alpha val="20000"/>
+                  </a:schemeClr>
+                </a:gs>
+              </a:gsLst>
+              <a:lin ang="18000000" scaled="0"/>
+              <a:tileRect/>
+            </a:gradFill>
+            <a:ln>
+              <a:noFill/>
+            </a:ln>
+            <a:effectLst>
+              <a:innerShdw blurRad="254000">
+                <a:schemeClr val="accent1">
+                  <a:lumMod val="60000"/>
+                  <a:lumOff val="40000"/>
+                  <a:alpha val="60000"/>
+                </a:schemeClr>
+              </a:innerShdw>
+            </a:effectLst>
+          </p:spPr>
+          <p:style>
+            <a:lnRef idx="2">
+              <a:schemeClr val="accent1">
+                <a:shade val="50000"/>
+              </a:schemeClr>
+            </a:lnRef>
+            <a:fillRef idx="1">
+              <a:schemeClr val="accent1"/>
+            </a:fillRef>
+            <a:effectRef idx="0">
+              <a:schemeClr val="accent1"/>
+            </a:effectRef>
+            <a:fontRef idx="minor">
+              <a:schemeClr val="lt1"/>
+            </a:fontRef>
+          </p:style>
+          <p:txBody>
+            <a:bodyPr rot="0" spcFirstLastPara="0" vertOverflow="overflow" horzOverflow="overflow" vert="horz" wrap="square" lIns="91440" tIns="45720" rIns="91440" bIns="45720" numCol="1" spcCol="0" rtlCol="0" fromWordArt="0" anchor="ctr" anchorCtr="0" forceAA="0" compatLnSpc="1">
+              <a:prstTxWarp prst="textNoShape">
+                <a:avLst/>
+              </a:prstTxWarp>
+              <a:noAutofit/>
+            </a:bodyPr>
+            <a:lstStyle/>
+            <a:p>
+              <a:pPr algn="ctr"/>
+              <a:endParaRPr lang="en-US"/>
+            </a:p>
+          </p:txBody>
+        </p:sp>
+      </p:grpSp>
+      <p:pic>
+        <p:nvPicPr>
+          <p:cNvPr id="5" name="Zástupný obsah 4">
+            <a:extLst>
+              <a:ext uri="{FF2B5EF4-FFF2-40B4-BE49-F238E27FC236}">
+                <a16:creationId xmlns:a16="http://schemas.microsoft.com/office/drawing/2014/main" id="{BEDA4564-AB81-08EA-CDBF-B4D92400A6FA}"/>
+              </a:ext>
+            </a:extLst>
+          </p:cNvPr>
+          <p:cNvPicPr>
+            <a:picLocks noChangeAspect="1"/>
+          </p:cNvPicPr>
+          <p:nvPr/>
+        </p:nvPicPr>
+        <p:blipFill>
+          <a:blip r:embed="rId2"/>
+          <a:stretch>
+            <a:fillRect/>
+          </a:stretch>
+        </p:blipFill>
+        <p:spPr>
+          <a:xfrm>
+            <a:off x="550863" y="2854267"/>
+            <a:ext cx="5773738" cy="3132251"/>
+          </a:xfrm>
+          <a:custGeom>
+            <a:avLst/>
+            <a:gdLst/>
+            <a:ahLst/>
+            <a:cxnLst/>
+            <a:rect l="l" t="t" r="r" b="b"/>
+            <a:pathLst>
+              <a:path w="5773738" h="3779838">
+                <a:moveTo>
+                  <a:pt x="0" y="0"/>
+                </a:moveTo>
+                <a:lnTo>
+                  <a:pt x="5773738" y="0"/>
+                </a:lnTo>
+                <a:lnTo>
+                  <a:pt x="5773738" y="3779838"/>
+                </a:lnTo>
+                <a:lnTo>
+                  <a:pt x="0" y="3779838"/>
+                </a:lnTo>
+                <a:close/>
+              </a:path>
+            </a:pathLst>
+          </a:custGeom>
+        </p:spPr>
+      </p:pic>
+      <p:sp>
+        <p:nvSpPr>
+          <p:cNvPr id="9" name="Content Placeholder 8">
+            <a:extLst>
+              <a:ext uri="{FF2B5EF4-FFF2-40B4-BE49-F238E27FC236}">
+                <a16:creationId xmlns:a16="http://schemas.microsoft.com/office/drawing/2014/main" id="{FC5C98D1-28DA-A5D6-47E7-A6E7DC11CF87}"/>
+              </a:ext>
+            </a:extLst>
+          </p:cNvPr>
+          <p:cNvSpPr>
+            <a:spLocks noGrp="1"/>
+          </p:cNvSpPr>
+          <p:nvPr>
+            <p:ph idx="1"/>
+          </p:nvPr>
+        </p:nvSpPr>
+        <p:spPr>
+          <a:xfrm>
+            <a:off x="7140575" y="1520825"/>
+            <a:ext cx="4500562" cy="4572000"/>
+          </a:xfrm>
+        </p:spPr>
+        <p:txBody>
+          <a:bodyPr anchor="t">
+            <a:normAutofit/>
+          </a:bodyPr>
+          <a:lstStyle/>
+          <a:p>
+            <a:r>
+              <a:rPr lang="cs-CZ" dirty="0"/>
+              <a:t>V prostředí můžeme vidět kód, který když se zkompiluje, tak nám vyhodí Hello </a:t>
+            </a:r>
+            <a:r>
+              <a:rPr lang="cs-CZ" dirty="0" err="1"/>
+              <a:t>World</a:t>
+            </a:r>
+            <a:r>
+              <a:rPr lang="cs-CZ" dirty="0"/>
+              <a:t>! a vrátí hodnotu 0</a:t>
+            </a:r>
+            <a:endParaRPr lang="en-US" dirty="0"/>
+          </a:p>
+        </p:txBody>
+      </p:sp>
+    </p:spTree>
+    <p:extLst>
+      <p:ext uri="{BB962C8B-B14F-4D97-AF65-F5344CB8AC3E}">
+        <p14:creationId xmlns:p14="http://schemas.microsoft.com/office/powerpoint/2010/main" val="3729121148"/>
       </p:ext>
     </p:extLst>
   </p:cSld>

--- a/Programovací-jazyk-C.pptx
+++ b/Programovací-jazyk-C.pptx
@@ -5,7 +5,7 @@
     <p:sldMasterId id="2147483722" r:id="rId1"/>
   </p:sldMasterIdLst>
   <p:notesMasterIdLst>
-    <p:notesMasterId r:id="rId8"/>
+    <p:notesMasterId r:id="rId13"/>
   </p:notesMasterIdLst>
   <p:sldIdLst>
     <p:sldId id="256" r:id="rId2"/>
@@ -14,6 +14,11 @@
     <p:sldId id="260" r:id="rId5"/>
     <p:sldId id="259" r:id="rId6"/>
     <p:sldId id="261" r:id="rId7"/>
+    <p:sldId id="262" r:id="rId8"/>
+    <p:sldId id="263" r:id="rId9"/>
+    <p:sldId id="264" r:id="rId10"/>
+    <p:sldId id="265" r:id="rId11"/>
+    <p:sldId id="266" r:id="rId12"/>
   </p:sldIdLst>
   <p:sldSz cx="12192000" cy="6858000"/>
   <p:notesSz cx="6858000" cy="9144000"/>
@@ -8924,6 +8929,195 @@
 </p:sld>
 </file>
 
+<file path=ppt/slides/slide10.xml><?xml version="1.0" encoding="utf-8"?>
+<p:sld xmlns:a="http://schemas.openxmlformats.org/drawingml/2006/main" xmlns:r="http://schemas.openxmlformats.org/officeDocument/2006/relationships" xmlns:p="http://schemas.openxmlformats.org/presentationml/2006/main">
+  <p:cSld>
+    <p:spTree>
+      <p:nvGrpSpPr>
+        <p:cNvPr id="1" name=""/>
+        <p:cNvGrpSpPr/>
+        <p:nvPr/>
+      </p:nvGrpSpPr>
+      <p:grpSpPr>
+        <a:xfrm>
+          <a:off x="0" y="0"/>
+          <a:ext cx="0" cy="0"/>
+          <a:chOff x="0" y="0"/>
+          <a:chExt cx="0" cy="0"/>
+        </a:xfrm>
+      </p:grpSpPr>
+      <p:sp>
+        <p:nvSpPr>
+          <p:cNvPr id="2" name="Nadpis 1">
+            <a:extLst>
+              <a:ext uri="{FF2B5EF4-FFF2-40B4-BE49-F238E27FC236}">
+                <a16:creationId xmlns:a16="http://schemas.microsoft.com/office/drawing/2014/main" id="{FDEB3CA5-18CE-41AA-8C26-7C120525CDCF}"/>
+              </a:ext>
+            </a:extLst>
+          </p:cNvPr>
+          <p:cNvSpPr>
+            <a:spLocks noGrp="1"/>
+          </p:cNvSpPr>
+          <p:nvPr>
+            <p:ph type="title"/>
+          </p:nvPr>
+        </p:nvSpPr>
+        <p:spPr/>
+        <p:txBody>
+          <a:bodyPr/>
+          <a:lstStyle/>
+          <a:p>
+            <a:r>
+              <a:rPr lang="cs-CZ" dirty="0"/>
+              <a:t>Řídící příkazy - cykly</a:t>
+            </a:r>
+          </a:p>
+        </p:txBody>
+      </p:sp>
+      <p:sp>
+        <p:nvSpPr>
+          <p:cNvPr id="3" name="Zástupný obsah 2">
+            <a:extLst>
+              <a:ext uri="{FF2B5EF4-FFF2-40B4-BE49-F238E27FC236}">
+                <a16:creationId xmlns:a16="http://schemas.microsoft.com/office/drawing/2014/main" id="{4EFF99A7-BE13-43A0-8454-BF6C19A1E5D2}"/>
+              </a:ext>
+            </a:extLst>
+          </p:cNvPr>
+          <p:cNvSpPr>
+            <a:spLocks noGrp="1"/>
+          </p:cNvSpPr>
+          <p:nvPr>
+            <p:ph idx="1"/>
+          </p:nvPr>
+        </p:nvSpPr>
+        <p:spPr/>
+        <p:txBody>
+          <a:bodyPr/>
+          <a:lstStyle/>
+          <a:p>
+            <a:r>
+              <a:rPr lang="cs-CZ" dirty="0" err="1"/>
+              <a:t>For</a:t>
+            </a:r>
+            <a:endParaRPr lang="cs-CZ" dirty="0"/>
+          </a:p>
+          <a:p>
+            <a:r>
+              <a:rPr lang="cs-CZ" dirty="0" err="1"/>
+              <a:t>While</a:t>
+            </a:r>
+            <a:endParaRPr lang="cs-CZ" dirty="0"/>
+          </a:p>
+          <a:p>
+            <a:r>
+              <a:rPr lang="cs-CZ" dirty="0"/>
+              <a:t>Do-</a:t>
+            </a:r>
+            <a:r>
+              <a:rPr lang="cs-CZ" dirty="0" err="1"/>
+              <a:t>while</a:t>
+            </a:r>
+            <a:endParaRPr lang="cs-CZ" dirty="0"/>
+          </a:p>
+        </p:txBody>
+      </p:sp>
+    </p:spTree>
+    <p:extLst>
+      <p:ext uri="{BB962C8B-B14F-4D97-AF65-F5344CB8AC3E}">
+        <p14:creationId xmlns:p14="http://schemas.microsoft.com/office/powerpoint/2010/main" val="3013974935"/>
+      </p:ext>
+    </p:extLst>
+  </p:cSld>
+  <p:clrMapOvr>
+    <a:masterClrMapping/>
+  </p:clrMapOvr>
+</p:sld>
+</file>
+
+<file path=ppt/slides/slide11.xml><?xml version="1.0" encoding="utf-8"?>
+<p:sld xmlns:a="http://schemas.openxmlformats.org/drawingml/2006/main" xmlns:r="http://schemas.openxmlformats.org/officeDocument/2006/relationships" xmlns:p="http://schemas.openxmlformats.org/presentationml/2006/main">
+  <p:cSld>
+    <p:spTree>
+      <p:nvGrpSpPr>
+        <p:cNvPr id="1" name=""/>
+        <p:cNvGrpSpPr/>
+        <p:nvPr/>
+      </p:nvGrpSpPr>
+      <p:grpSpPr>
+        <a:xfrm>
+          <a:off x="0" y="0"/>
+          <a:ext cx="0" cy="0"/>
+          <a:chOff x="0" y="0"/>
+          <a:chExt cx="0" cy="0"/>
+        </a:xfrm>
+      </p:grpSpPr>
+      <p:sp>
+        <p:nvSpPr>
+          <p:cNvPr id="2" name="Nadpis 1">
+            <a:extLst>
+              <a:ext uri="{FF2B5EF4-FFF2-40B4-BE49-F238E27FC236}">
+                <a16:creationId xmlns:a16="http://schemas.microsoft.com/office/drawing/2014/main" id="{55D7CE36-A6CE-4A7D-BDBD-903BF24BE302}"/>
+              </a:ext>
+            </a:extLst>
+          </p:cNvPr>
+          <p:cNvSpPr>
+            <a:spLocks noGrp="1"/>
+          </p:cNvSpPr>
+          <p:nvPr>
+            <p:ph type="title"/>
+          </p:nvPr>
+        </p:nvSpPr>
+        <p:spPr/>
+        <p:txBody>
+          <a:bodyPr/>
+          <a:lstStyle/>
+          <a:p>
+            <a:r>
+              <a:rPr lang="cs-CZ"/>
+              <a:t>Příbuzné jazyky</a:t>
+            </a:r>
+            <a:endParaRPr lang="cs-CZ" dirty="0"/>
+          </a:p>
+        </p:txBody>
+      </p:sp>
+      <p:sp>
+        <p:nvSpPr>
+          <p:cNvPr id="3" name="Zástupný obsah 2">
+            <a:extLst>
+              <a:ext uri="{FF2B5EF4-FFF2-40B4-BE49-F238E27FC236}">
+                <a16:creationId xmlns:a16="http://schemas.microsoft.com/office/drawing/2014/main" id="{5B37F092-5C23-492A-A89C-723A5E0B63F8}"/>
+              </a:ext>
+            </a:extLst>
+          </p:cNvPr>
+          <p:cNvSpPr>
+            <a:spLocks noGrp="1"/>
+          </p:cNvSpPr>
+          <p:nvPr>
+            <p:ph idx="1"/>
+          </p:nvPr>
+        </p:nvSpPr>
+        <p:spPr/>
+        <p:txBody>
+          <a:bodyPr/>
+          <a:lstStyle/>
+          <a:p>
+            <a:endParaRPr lang="cs-CZ"/>
+          </a:p>
+        </p:txBody>
+      </p:sp>
+    </p:spTree>
+    <p:extLst>
+      <p:ext uri="{BB962C8B-B14F-4D97-AF65-F5344CB8AC3E}">
+        <p14:creationId xmlns:p14="http://schemas.microsoft.com/office/powerpoint/2010/main" val="268631612"/>
+      </p:ext>
+    </p:extLst>
+  </p:cSld>
+  <p:clrMapOvr>
+    <a:masterClrMapping/>
+  </p:clrMapOvr>
+</p:sld>
+</file>
+
 <file path=ppt/slides/slide2.xml><?xml version="1.0" encoding="utf-8"?>
 <p:sld xmlns:a="http://schemas.openxmlformats.org/drawingml/2006/main" xmlns:r="http://schemas.openxmlformats.org/officeDocument/2006/relationships" xmlns:p="http://schemas.openxmlformats.org/presentationml/2006/main">
   <p:cSld>
@@ -9020,13 +9214,8 @@
           <a:p>
             <a:r>
               <a:rPr lang="cs-CZ" dirty="0"/>
-              <a:t>Používá </a:t>
-            </a:r>
-            <a:r>
-              <a:rPr lang="cs-CZ"/>
-              <a:t>inline assembler</a:t>
-            </a:r>
-            <a:endParaRPr lang="cs-CZ" dirty="0"/>
+              <a:t>Používá inline assembler</a:t>
+            </a:r>
           </a:p>
           <a:p>
             <a:r>
@@ -9230,6 +9419,20 @@
           <a:p>
             <a:r>
               <a:rPr lang="cs-CZ" dirty="0"/>
+              <a:t>Vychází z </a:t>
+            </a:r>
+            <a:r>
+              <a:rPr lang="cs-CZ" dirty="0" err="1"/>
+              <a:t>jayka</a:t>
+            </a:r>
+            <a:r>
+              <a:rPr lang="cs-CZ" dirty="0"/>
+              <a:t> B</a:t>
+            </a:r>
+          </a:p>
+          <a:p>
+            <a:r>
+              <a:rPr lang="cs-CZ" dirty="0"/>
               <a:t>Byl vyvinut pro vývoj nástrojů pro OS Unix</a:t>
             </a:r>
           </a:p>
@@ -9255,7 +9458,7 @@
               <a:t> </a:t>
             </a:r>
             <a:r>
-              <a:rPr lang="cs-CZ"/>
+              <a:rPr lang="cs-CZ" dirty="0" err="1"/>
               <a:t>Language</a:t>
             </a:r>
             <a:endParaRPr lang="cs-CZ" dirty="0"/>
@@ -10289,6 +10492,427 @@
     <p:extLst>
       <p:ext uri="{BB962C8B-B14F-4D97-AF65-F5344CB8AC3E}">
         <p14:creationId xmlns:p14="http://schemas.microsoft.com/office/powerpoint/2010/main" val="3729121148"/>
+      </p:ext>
+    </p:extLst>
+  </p:cSld>
+  <p:clrMapOvr>
+    <a:masterClrMapping/>
+  </p:clrMapOvr>
+</p:sld>
+</file>
+
+<file path=ppt/slides/slide7.xml><?xml version="1.0" encoding="utf-8"?>
+<p:sld xmlns:a="http://schemas.openxmlformats.org/drawingml/2006/main" xmlns:r="http://schemas.openxmlformats.org/officeDocument/2006/relationships" xmlns:p="http://schemas.openxmlformats.org/presentationml/2006/main">
+  <p:cSld>
+    <p:spTree>
+      <p:nvGrpSpPr>
+        <p:cNvPr id="1" name=""/>
+        <p:cNvGrpSpPr/>
+        <p:nvPr/>
+      </p:nvGrpSpPr>
+      <p:grpSpPr>
+        <a:xfrm>
+          <a:off x="0" y="0"/>
+          <a:ext cx="0" cy="0"/>
+          <a:chOff x="0" y="0"/>
+          <a:chExt cx="0" cy="0"/>
+        </a:xfrm>
+      </p:grpSpPr>
+      <p:sp>
+        <p:nvSpPr>
+          <p:cNvPr id="2" name="Nadpis 1">
+            <a:extLst>
+              <a:ext uri="{FF2B5EF4-FFF2-40B4-BE49-F238E27FC236}">
+                <a16:creationId xmlns:a16="http://schemas.microsoft.com/office/drawing/2014/main" id="{D12A39F9-F94B-42F7-8B7C-76D87F6206B3}"/>
+              </a:ext>
+            </a:extLst>
+          </p:cNvPr>
+          <p:cNvSpPr>
+            <a:spLocks noGrp="1"/>
+          </p:cNvSpPr>
+          <p:nvPr>
+            <p:ph type="title"/>
+          </p:nvPr>
+        </p:nvSpPr>
+        <p:spPr/>
+        <p:txBody>
+          <a:bodyPr/>
+          <a:lstStyle/>
+          <a:p>
+            <a:r>
+              <a:rPr lang="cs-CZ" dirty="0"/>
+              <a:t>Matematické operátory</a:t>
+            </a:r>
+          </a:p>
+        </p:txBody>
+      </p:sp>
+      <p:sp>
+        <p:nvSpPr>
+          <p:cNvPr id="3" name="Zástupný obsah 2">
+            <a:extLst>
+              <a:ext uri="{FF2B5EF4-FFF2-40B4-BE49-F238E27FC236}">
+                <a16:creationId xmlns:a16="http://schemas.microsoft.com/office/drawing/2014/main" id="{DB06D3D5-492A-4620-B468-62BA5776F847}"/>
+              </a:ext>
+            </a:extLst>
+          </p:cNvPr>
+          <p:cNvSpPr>
+            <a:spLocks noGrp="1"/>
+          </p:cNvSpPr>
+          <p:nvPr>
+            <p:ph idx="1"/>
+          </p:nvPr>
+        </p:nvSpPr>
+        <p:spPr/>
+        <p:txBody>
+          <a:bodyPr/>
+          <a:lstStyle/>
+          <a:p>
+            <a:r>
+              <a:rPr lang="cs-CZ" dirty="0"/>
+              <a:t>+  (sčítání)</a:t>
+            </a:r>
+          </a:p>
+          <a:p>
+            <a:r>
+              <a:rPr lang="cs-CZ" dirty="0"/>
+              <a:t>++ (zvýší hodnotu o jedna)</a:t>
+            </a:r>
+          </a:p>
+          <a:p>
+            <a:r>
+              <a:rPr lang="cs-CZ" dirty="0"/>
+              <a:t>- (odčítání)</a:t>
+            </a:r>
+          </a:p>
+          <a:p>
+            <a:r>
+              <a:rPr lang="cs-CZ" dirty="0"/>
+              <a:t>-- (zmenší hodnotu o jedna)</a:t>
+            </a:r>
+          </a:p>
+          <a:p>
+            <a:r>
+              <a:rPr lang="cs-CZ" dirty="0"/>
+              <a:t>* (násobení)</a:t>
+            </a:r>
+          </a:p>
+          <a:p>
+            <a:r>
+              <a:rPr lang="cs-CZ" dirty="0"/>
+              <a:t>/ (dělení)</a:t>
+            </a:r>
+          </a:p>
+          <a:p>
+            <a:r>
+              <a:rPr lang="cs-CZ" dirty="0"/>
+              <a:t>% (zbytek po celočíselném dělení)</a:t>
+            </a:r>
+          </a:p>
+        </p:txBody>
+      </p:sp>
+    </p:spTree>
+    <p:extLst>
+      <p:ext uri="{BB962C8B-B14F-4D97-AF65-F5344CB8AC3E}">
+        <p14:creationId xmlns:p14="http://schemas.microsoft.com/office/powerpoint/2010/main" val="735842697"/>
+      </p:ext>
+    </p:extLst>
+  </p:cSld>
+  <p:clrMapOvr>
+    <a:masterClrMapping/>
+  </p:clrMapOvr>
+</p:sld>
+</file>
+
+<file path=ppt/slides/slide8.xml><?xml version="1.0" encoding="utf-8"?>
+<p:sld xmlns:a="http://schemas.openxmlformats.org/drawingml/2006/main" xmlns:r="http://schemas.openxmlformats.org/officeDocument/2006/relationships" xmlns:p="http://schemas.openxmlformats.org/presentationml/2006/main">
+  <p:cSld>
+    <p:spTree>
+      <p:nvGrpSpPr>
+        <p:cNvPr id="1" name=""/>
+        <p:cNvGrpSpPr/>
+        <p:nvPr/>
+      </p:nvGrpSpPr>
+      <p:grpSpPr>
+        <a:xfrm>
+          <a:off x="0" y="0"/>
+          <a:ext cx="0" cy="0"/>
+          <a:chOff x="0" y="0"/>
+          <a:chExt cx="0" cy="0"/>
+        </a:xfrm>
+      </p:grpSpPr>
+      <p:sp>
+        <p:nvSpPr>
+          <p:cNvPr id="2" name="Nadpis 1">
+            <a:extLst>
+              <a:ext uri="{FF2B5EF4-FFF2-40B4-BE49-F238E27FC236}">
+                <a16:creationId xmlns:a16="http://schemas.microsoft.com/office/drawing/2014/main" id="{414F90D9-AB0C-477A-B74E-6FFB7D667A0D}"/>
+              </a:ext>
+            </a:extLst>
+          </p:cNvPr>
+          <p:cNvSpPr>
+            <a:spLocks noGrp="1"/>
+          </p:cNvSpPr>
+          <p:nvPr>
+            <p:ph type="title"/>
+          </p:nvPr>
+        </p:nvSpPr>
+        <p:spPr/>
+        <p:txBody>
+          <a:bodyPr/>
+          <a:lstStyle/>
+          <a:p>
+            <a:r>
+              <a:rPr lang="cs-CZ" dirty="0"/>
+              <a:t>Operátory porovnání</a:t>
+            </a:r>
+          </a:p>
+        </p:txBody>
+      </p:sp>
+      <p:sp>
+        <p:nvSpPr>
+          <p:cNvPr id="3" name="Zástupný obsah 2">
+            <a:extLst>
+              <a:ext uri="{FF2B5EF4-FFF2-40B4-BE49-F238E27FC236}">
+                <a16:creationId xmlns:a16="http://schemas.microsoft.com/office/drawing/2014/main" id="{6628915E-E4FC-4B3C-A85D-6A9D18AE4DBE}"/>
+              </a:ext>
+            </a:extLst>
+          </p:cNvPr>
+          <p:cNvSpPr>
+            <a:spLocks noGrp="1"/>
+          </p:cNvSpPr>
+          <p:nvPr>
+            <p:ph idx="1"/>
+          </p:nvPr>
+        </p:nvSpPr>
+        <p:spPr/>
+        <p:txBody>
+          <a:bodyPr/>
+          <a:lstStyle/>
+          <a:p>
+            <a:r>
+              <a:rPr lang="en-US" dirty="0"/>
+              <a:t>&gt; , &gt;= </a:t>
+            </a:r>
+            <a:r>
+              <a:rPr lang="cs-CZ" dirty="0"/>
+              <a:t>(větší, či rovno)</a:t>
+            </a:r>
+            <a:endParaRPr lang="en-US" dirty="0"/>
+          </a:p>
+          <a:p>
+            <a:r>
+              <a:rPr lang="en-US" dirty="0"/>
+              <a:t>&lt; , &lt;=</a:t>
+            </a:r>
+            <a:r>
+              <a:rPr lang="cs-CZ" dirty="0"/>
+              <a:t> (menší, či rovno)</a:t>
+            </a:r>
+            <a:endParaRPr lang="en-US" dirty="0"/>
+          </a:p>
+          <a:p>
+            <a:r>
+              <a:rPr lang="en-US" dirty="0"/>
+              <a:t>==</a:t>
+            </a:r>
+            <a:r>
+              <a:rPr lang="cs-CZ" dirty="0"/>
+              <a:t> (rovno)</a:t>
+            </a:r>
+            <a:endParaRPr lang="en-US" dirty="0"/>
+          </a:p>
+          <a:p>
+            <a:r>
+              <a:rPr lang="en-US" dirty="0"/>
+              <a:t>!=</a:t>
+            </a:r>
+            <a:r>
+              <a:rPr lang="cs-CZ" dirty="0"/>
+              <a:t> (</a:t>
+            </a:r>
+            <a:r>
+              <a:rPr lang="cs-CZ" dirty="0" err="1"/>
+              <a:t>nerovno</a:t>
+            </a:r>
+            <a:r>
+              <a:rPr lang="cs-CZ" dirty="0"/>
+              <a:t>)</a:t>
+            </a:r>
+            <a:endParaRPr lang="en-US" dirty="0"/>
+          </a:p>
+          <a:p>
+            <a:r>
+              <a:rPr lang="en-US" dirty="0"/>
+              <a:t>&amp;&amp;</a:t>
+            </a:r>
+            <a:r>
+              <a:rPr lang="cs-CZ" dirty="0"/>
+              <a:t> (logické AND)</a:t>
+            </a:r>
+            <a:endParaRPr lang="en-US" dirty="0"/>
+          </a:p>
+          <a:p>
+            <a:r>
+              <a:rPr lang="en-US" dirty="0"/>
+              <a:t>II</a:t>
+            </a:r>
+            <a:r>
+              <a:rPr lang="cs-CZ" dirty="0"/>
+              <a:t> (logické OR)</a:t>
+            </a:r>
+            <a:endParaRPr lang="en-US" dirty="0"/>
+          </a:p>
+          <a:p>
+            <a:r>
+              <a:rPr lang="en-US" dirty="0"/>
+              <a:t>!</a:t>
+            </a:r>
+            <a:r>
+              <a:rPr lang="cs-CZ" dirty="0"/>
+              <a:t> (logické NOT)</a:t>
+            </a:r>
+            <a:endParaRPr lang="en-US" dirty="0"/>
+          </a:p>
+        </p:txBody>
+      </p:sp>
+    </p:spTree>
+    <p:extLst>
+      <p:ext uri="{BB962C8B-B14F-4D97-AF65-F5344CB8AC3E}">
+        <p14:creationId xmlns:p14="http://schemas.microsoft.com/office/powerpoint/2010/main" val="2667914074"/>
+      </p:ext>
+    </p:extLst>
+  </p:cSld>
+  <p:clrMapOvr>
+    <a:masterClrMapping/>
+  </p:clrMapOvr>
+</p:sld>
+</file>
+
+<file path=ppt/slides/slide9.xml><?xml version="1.0" encoding="utf-8"?>
+<p:sld xmlns:a="http://schemas.openxmlformats.org/drawingml/2006/main" xmlns:r="http://schemas.openxmlformats.org/officeDocument/2006/relationships" xmlns:p="http://schemas.openxmlformats.org/presentationml/2006/main">
+  <p:cSld>
+    <p:spTree>
+      <p:nvGrpSpPr>
+        <p:cNvPr id="1" name=""/>
+        <p:cNvGrpSpPr/>
+        <p:nvPr/>
+      </p:nvGrpSpPr>
+      <p:grpSpPr>
+        <a:xfrm>
+          <a:off x="0" y="0"/>
+          <a:ext cx="0" cy="0"/>
+          <a:chOff x="0" y="0"/>
+          <a:chExt cx="0" cy="0"/>
+        </a:xfrm>
+      </p:grpSpPr>
+      <p:sp>
+        <p:nvSpPr>
+          <p:cNvPr id="2" name="Nadpis 1">
+            <a:extLst>
+              <a:ext uri="{FF2B5EF4-FFF2-40B4-BE49-F238E27FC236}">
+                <a16:creationId xmlns:a16="http://schemas.microsoft.com/office/drawing/2014/main" id="{F50DC4A9-917A-40A9-ACA4-F45C09C35C9D}"/>
+              </a:ext>
+            </a:extLst>
+          </p:cNvPr>
+          <p:cNvSpPr>
+            <a:spLocks noGrp="1"/>
+          </p:cNvSpPr>
+          <p:nvPr>
+            <p:ph type="title"/>
+          </p:nvPr>
+        </p:nvSpPr>
+        <p:spPr/>
+        <p:txBody>
+          <a:bodyPr/>
+          <a:lstStyle/>
+          <a:p>
+            <a:r>
+              <a:rPr lang="cs-CZ" dirty="0"/>
+              <a:t>Řídící příkazy</a:t>
+            </a:r>
+          </a:p>
+        </p:txBody>
+      </p:sp>
+      <p:sp>
+        <p:nvSpPr>
+          <p:cNvPr id="3" name="Zástupný obsah 2">
+            <a:extLst>
+              <a:ext uri="{FF2B5EF4-FFF2-40B4-BE49-F238E27FC236}">
+                <a16:creationId xmlns:a16="http://schemas.microsoft.com/office/drawing/2014/main" id="{38505BAD-3071-474B-B2C3-A4256EBCF17E}"/>
+              </a:ext>
+            </a:extLst>
+          </p:cNvPr>
+          <p:cNvSpPr>
+            <a:spLocks noGrp="1"/>
+          </p:cNvSpPr>
+          <p:nvPr>
+            <p:ph idx="1"/>
+          </p:nvPr>
+        </p:nvSpPr>
+        <p:spPr/>
+        <p:txBody>
+          <a:bodyPr/>
+          <a:lstStyle/>
+          <a:p>
+            <a:r>
+              <a:rPr lang="cs-CZ" dirty="0" err="1"/>
+              <a:t>If</a:t>
+            </a:r>
+            <a:r>
+              <a:rPr lang="cs-CZ" dirty="0"/>
+              <a:t> – pokud</a:t>
+            </a:r>
+          </a:p>
+          <a:p>
+            <a:r>
+              <a:rPr lang="cs-CZ" dirty="0" err="1"/>
+              <a:t>If</a:t>
+            </a:r>
+            <a:r>
+              <a:rPr lang="cs-CZ" dirty="0"/>
+              <a:t> </a:t>
+            </a:r>
+            <a:r>
+              <a:rPr lang="cs-CZ" dirty="0" err="1"/>
+              <a:t>else</a:t>
+            </a:r>
+            <a:r>
+              <a:rPr lang="cs-CZ" dirty="0"/>
+              <a:t> – pokud jinak</a:t>
+            </a:r>
+          </a:p>
+          <a:p>
+            <a:r>
+              <a:rPr lang="cs-CZ" dirty="0"/>
+              <a:t>Switch – výběr z několika větví programu</a:t>
+            </a:r>
+          </a:p>
+          <a:p>
+            <a:r>
+              <a:rPr lang="cs-CZ" dirty="0" err="1"/>
+              <a:t>Break</a:t>
+            </a:r>
+            <a:endParaRPr lang="cs-CZ" dirty="0"/>
+          </a:p>
+          <a:p>
+            <a:r>
+              <a:rPr lang="cs-CZ" dirty="0" err="1"/>
+              <a:t>Continue</a:t>
+            </a:r>
+            <a:endParaRPr lang="cs-CZ" dirty="0"/>
+          </a:p>
+          <a:p>
+            <a:pPr marL="0" indent="0">
+              <a:buNone/>
+            </a:pPr>
+            <a:endParaRPr lang="cs-CZ" dirty="0"/>
+          </a:p>
+        </p:txBody>
+      </p:sp>
+    </p:spTree>
+    <p:extLst>
+      <p:ext uri="{BB962C8B-B14F-4D97-AF65-F5344CB8AC3E}">
+        <p14:creationId xmlns:p14="http://schemas.microsoft.com/office/powerpoint/2010/main" val="3684947238"/>
       </p:ext>
     </p:extLst>
   </p:cSld>

--- a/Programovací-jazyk-C.pptx
+++ b/Programovací-jazyk-C.pptx
@@ -5,7 +5,7 @@
     <p:sldMasterId id="2147483722" r:id="rId1"/>
   </p:sldMasterIdLst>
   <p:notesMasterIdLst>
-    <p:notesMasterId r:id="rId13"/>
+    <p:notesMasterId r:id="rId14"/>
   </p:notesMasterIdLst>
   <p:sldIdLst>
     <p:sldId id="256" r:id="rId2"/>
@@ -19,6 +19,7 @@
     <p:sldId id="264" r:id="rId10"/>
     <p:sldId id="265" r:id="rId11"/>
     <p:sldId id="266" r:id="rId12"/>
+    <p:sldId id="267" r:id="rId13"/>
   </p:sldIdLst>
   <p:sldSz cx="12192000" cy="6858000"/>
   <p:notesSz cx="6858000" cy="9144000"/>
@@ -9019,6 +9020,29 @@
             </a:r>
             <a:endParaRPr lang="cs-CZ" dirty="0"/>
           </a:p>
+          <a:p>
+            <a:r>
+              <a:rPr lang="cs-CZ" dirty="0" err="1"/>
+              <a:t>Break</a:t>
+            </a:r>
+            <a:r>
+              <a:rPr lang="cs-CZ" dirty="0"/>
+              <a:t> – okamžité opuštění cyklu</a:t>
+            </a:r>
+          </a:p>
+          <a:p>
+            <a:r>
+              <a:rPr lang="cs-CZ" dirty="0" err="1"/>
+              <a:t>Continue</a:t>
+            </a:r>
+            <a:r>
+              <a:rPr lang="cs-CZ" dirty="0"/>
+              <a:t> – skok ke konci cyklu</a:t>
+            </a:r>
+          </a:p>
+          <a:p>
+            <a:endParaRPr lang="cs-CZ" dirty="0"/>
+          </a:p>
         </p:txBody>
       </p:sp>
     </p:spTree>
@@ -9056,7 +9080,7 @@
           <p:cNvPr id="2" name="Nadpis 1">
             <a:extLst>
               <a:ext uri="{FF2B5EF4-FFF2-40B4-BE49-F238E27FC236}">
-                <a16:creationId xmlns:a16="http://schemas.microsoft.com/office/drawing/2014/main" id="{55D7CE36-A6CE-4A7D-BDBD-903BF24BE302}"/>
+                <a16:creationId xmlns:a16="http://schemas.microsoft.com/office/drawing/2014/main" id="{AED25A99-F937-41BB-BB47-6F3D585C1A73}"/>
               </a:ext>
             </a:extLst>
           </p:cNvPr>
@@ -9072,11 +9096,7 @@
           <a:bodyPr/>
           <a:lstStyle/>
           <a:p>
-            <a:r>
-              <a:rPr lang="cs-CZ"/>
-              <a:t>Příbuzné jazyky</a:t>
-            </a:r>
-            <a:endParaRPr lang="cs-CZ" dirty="0"/>
+            <a:endParaRPr lang="cs-CZ"/>
           </a:p>
         </p:txBody>
       </p:sp>
@@ -9085,7 +9105,7 @@
           <p:cNvPr id="3" name="Zástupný obsah 2">
             <a:extLst>
               <a:ext uri="{FF2B5EF4-FFF2-40B4-BE49-F238E27FC236}">
-                <a16:creationId xmlns:a16="http://schemas.microsoft.com/office/drawing/2014/main" id="{5B37F092-5C23-492A-A89C-723A5E0B63F8}"/>
+                <a16:creationId xmlns:a16="http://schemas.microsoft.com/office/drawing/2014/main" id="{9C881725-1622-47FD-A067-A22A87EE2BDD}"/>
               </a:ext>
             </a:extLst>
           </p:cNvPr>
@@ -9108,7 +9128,162 @@
     </p:spTree>
     <p:extLst>
       <p:ext uri="{BB962C8B-B14F-4D97-AF65-F5344CB8AC3E}">
-        <p14:creationId xmlns:p14="http://schemas.microsoft.com/office/powerpoint/2010/main" val="268631612"/>
+        <p14:creationId xmlns:p14="http://schemas.microsoft.com/office/powerpoint/2010/main" val="3283540428"/>
+      </p:ext>
+    </p:extLst>
+  </p:cSld>
+  <p:clrMapOvr>
+    <a:masterClrMapping/>
+  </p:clrMapOvr>
+</p:sld>
+</file>
+
+<file path=ppt/slides/slide12.xml><?xml version="1.0" encoding="utf-8"?>
+<p:sld xmlns:a="http://schemas.openxmlformats.org/drawingml/2006/main" xmlns:r="http://schemas.openxmlformats.org/officeDocument/2006/relationships" xmlns:p="http://schemas.openxmlformats.org/presentationml/2006/main">
+  <p:cSld>
+    <p:spTree>
+      <p:nvGrpSpPr>
+        <p:cNvPr id="1" name=""/>
+        <p:cNvGrpSpPr/>
+        <p:nvPr/>
+      </p:nvGrpSpPr>
+      <p:grpSpPr>
+        <a:xfrm>
+          <a:off x="0" y="0"/>
+          <a:ext cx="0" cy="0"/>
+          <a:chOff x="0" y="0"/>
+          <a:chExt cx="0" cy="0"/>
+        </a:xfrm>
+      </p:grpSpPr>
+      <p:sp>
+        <p:nvSpPr>
+          <p:cNvPr id="2" name="Nadpis 1">
+            <a:extLst>
+              <a:ext uri="{FF2B5EF4-FFF2-40B4-BE49-F238E27FC236}">
+                <a16:creationId xmlns:a16="http://schemas.microsoft.com/office/drawing/2014/main" id="{9EF39216-B6CB-48FD-AE08-F1BA0570104A}"/>
+              </a:ext>
+            </a:extLst>
+          </p:cNvPr>
+          <p:cNvSpPr>
+            <a:spLocks noGrp="1"/>
+          </p:cNvSpPr>
+          <p:nvPr>
+            <p:ph type="title"/>
+          </p:nvPr>
+        </p:nvSpPr>
+        <p:spPr/>
+        <p:txBody>
+          <a:bodyPr/>
+          <a:lstStyle/>
+          <a:p>
+            <a:r>
+              <a:rPr lang="cs-CZ" dirty="0"/>
+              <a:t>Příbuzné jazyky</a:t>
+            </a:r>
+          </a:p>
+        </p:txBody>
+      </p:sp>
+      <p:sp>
+        <p:nvSpPr>
+          <p:cNvPr id="3" name="Zástupný obsah 2">
+            <a:extLst>
+              <a:ext uri="{FF2B5EF4-FFF2-40B4-BE49-F238E27FC236}">
+                <a16:creationId xmlns:a16="http://schemas.microsoft.com/office/drawing/2014/main" id="{9A3AAA21-1C5D-4A31-A174-2DD1625950D6}"/>
+              </a:ext>
+            </a:extLst>
+          </p:cNvPr>
+          <p:cNvSpPr>
+            <a:spLocks noGrp="1"/>
+          </p:cNvSpPr>
+          <p:nvPr>
+            <p:ph idx="1"/>
+          </p:nvPr>
+        </p:nvSpPr>
+        <p:spPr/>
+        <p:txBody>
+          <a:bodyPr/>
+          <a:lstStyle/>
+          <a:p>
+            <a:r>
+              <a:rPr lang="cs-CZ" dirty="0"/>
+              <a:t>C++</a:t>
+            </a:r>
+          </a:p>
+          <a:p>
+            <a:r>
+              <a:rPr lang="cs-CZ" dirty="0" err="1"/>
+              <a:t>Objective</a:t>
+            </a:r>
+            <a:r>
+              <a:rPr lang="cs-CZ" dirty="0"/>
+              <a:t>-C</a:t>
+            </a:r>
+          </a:p>
+          <a:p>
+            <a:r>
+              <a:rPr lang="cs-CZ" dirty="0"/>
+              <a:t>OOP – </a:t>
+            </a:r>
+            <a:r>
+              <a:rPr lang="cs-CZ" dirty="0" err="1"/>
+              <a:t>Object</a:t>
+            </a:r>
+            <a:r>
+              <a:rPr lang="cs-CZ" dirty="0"/>
+              <a:t> </a:t>
+            </a:r>
+            <a:r>
+              <a:rPr lang="cs-CZ" dirty="0" err="1"/>
+              <a:t>oriented</a:t>
+            </a:r>
+            <a:r>
+              <a:rPr lang="cs-CZ" dirty="0"/>
+              <a:t> </a:t>
+            </a:r>
+            <a:r>
+              <a:rPr lang="cs-CZ" dirty="0" err="1"/>
+              <a:t>programming</a:t>
+            </a:r>
+            <a:endParaRPr lang="cs-CZ" dirty="0"/>
+          </a:p>
+        </p:txBody>
+      </p:sp>
+      <p:sp>
+        <p:nvSpPr>
+          <p:cNvPr id="4" name="Zástupný text 3">
+            <a:extLst>
+              <a:ext uri="{FF2B5EF4-FFF2-40B4-BE49-F238E27FC236}">
+                <a16:creationId xmlns:a16="http://schemas.microsoft.com/office/drawing/2014/main" id="{7FB291A0-FCDA-45E8-BCD1-BB3962F53859}"/>
+              </a:ext>
+            </a:extLst>
+          </p:cNvPr>
+          <p:cNvSpPr>
+            <a:spLocks noGrp="1"/>
+          </p:cNvSpPr>
+          <p:nvPr>
+            <p:ph type="body" sz="half" idx="2"/>
+          </p:nvPr>
+        </p:nvSpPr>
+        <p:spPr/>
+        <p:txBody>
+          <a:bodyPr/>
+          <a:lstStyle/>
+          <a:p>
+            <a:r>
+              <a:rPr lang="cs-CZ" dirty="0"/>
+              <a:t>Vznikly v 80.letech 20. století.</a:t>
+            </a:r>
+            <a:br>
+              <a:rPr lang="cs-CZ" dirty="0"/>
+            </a:br>
+            <a:endParaRPr lang="cs-CZ" dirty="0"/>
+          </a:p>
+        </p:txBody>
+      </p:sp>
+    </p:spTree>
+    <p:extLst>
+      <p:ext uri="{BB962C8B-B14F-4D97-AF65-F5344CB8AC3E}">
+        <p14:creationId xmlns:p14="http://schemas.microsoft.com/office/powerpoint/2010/main" val="2339557914"/>
       </p:ext>
     </p:extLst>
   </p:cSld>
@@ -10886,20 +11061,6 @@
               <a:rPr lang="cs-CZ" dirty="0"/>
               <a:t>Switch – výběr z několika větví programu</a:t>
             </a:r>
-          </a:p>
-          <a:p>
-            <a:r>
-              <a:rPr lang="cs-CZ" dirty="0" err="1"/>
-              <a:t>Break</a:t>
-            </a:r>
-            <a:endParaRPr lang="cs-CZ" dirty="0"/>
-          </a:p>
-          <a:p>
-            <a:r>
-              <a:rPr lang="cs-CZ" dirty="0" err="1"/>
-              <a:t>Continue</a:t>
-            </a:r>
-            <a:endParaRPr lang="cs-CZ" dirty="0"/>
           </a:p>
           <a:p>
             <a:pPr marL="0" indent="0">

--- a/Programovací-jazyk-C.pptx
+++ b/Programovací-jazyk-C.pptx
@@ -5,7 +5,7 @@
     <p:sldMasterId id="2147483722" r:id="rId1"/>
   </p:sldMasterIdLst>
   <p:notesMasterIdLst>
-    <p:notesMasterId r:id="rId14"/>
+    <p:notesMasterId r:id="rId15"/>
   </p:notesMasterIdLst>
   <p:sldIdLst>
     <p:sldId id="256" r:id="rId2"/>
@@ -18,8 +18,9 @@
     <p:sldId id="263" r:id="rId9"/>
     <p:sldId id="264" r:id="rId10"/>
     <p:sldId id="265" r:id="rId11"/>
-    <p:sldId id="266" r:id="rId12"/>
-    <p:sldId id="267" r:id="rId13"/>
+    <p:sldId id="267" r:id="rId12"/>
+    <p:sldId id="268" r:id="rId13"/>
+    <p:sldId id="269" r:id="rId14"/>
   </p:sldIdLst>
   <p:sldSz cx="12192000" cy="6858000"/>
   <p:notesSz cx="6858000" cy="9144000"/>
@@ -948,6 +949,93 @@
     <p:extLst>
       <p:ext uri="{BB962C8B-B14F-4D97-AF65-F5344CB8AC3E}">
         <p14:creationId xmlns:p14="http://schemas.microsoft.com/office/powerpoint/2010/main" val="1729810695"/>
+      </p:ext>
+    </p:extLst>
+  </p:cSld>
+  <p:clrMapOvr>
+    <a:masterClrMapping/>
+  </p:clrMapOvr>
+</p:notes>
+</file>
+
+<file path=ppt/notesSlides/notesSlide5.xml><?xml version="1.0" encoding="utf-8"?>
+<p:notes xmlns:a="http://schemas.openxmlformats.org/drawingml/2006/main" xmlns:r="http://schemas.openxmlformats.org/officeDocument/2006/relationships" xmlns:p="http://schemas.openxmlformats.org/presentationml/2006/main">
+  <p:cSld>
+    <p:spTree>
+      <p:nvGrpSpPr>
+        <p:cNvPr id="1" name=""/>
+        <p:cNvGrpSpPr/>
+        <p:nvPr/>
+      </p:nvGrpSpPr>
+      <p:grpSpPr>
+        <a:xfrm>
+          <a:off x="0" y="0"/>
+          <a:ext cx="0" cy="0"/>
+          <a:chOff x="0" y="0"/>
+          <a:chExt cx="0" cy="0"/>
+        </a:xfrm>
+      </p:grpSpPr>
+      <p:sp>
+        <p:nvSpPr>
+          <p:cNvPr id="2" name="Zástupný symbol pro obrázek snímku 1"/>
+          <p:cNvSpPr>
+            <a:spLocks noGrp="1" noRot="1" noChangeAspect="1"/>
+          </p:cNvSpPr>
+          <p:nvPr>
+            <p:ph type="sldImg"/>
+          </p:nvPr>
+        </p:nvSpPr>
+        <p:spPr/>
+      </p:sp>
+      <p:sp>
+        <p:nvSpPr>
+          <p:cNvPr id="3" name="Zástupný symbol pro poznámky 2"/>
+          <p:cNvSpPr>
+            <a:spLocks noGrp="1"/>
+          </p:cNvSpPr>
+          <p:nvPr>
+            <p:ph type="body" idx="1"/>
+          </p:nvPr>
+        </p:nvSpPr>
+        <p:spPr/>
+        <p:txBody>
+          <a:bodyPr/>
+          <a:lstStyle/>
+          <a:p>
+            <a:r>
+              <a:rPr lang="cs-CZ" dirty="0"/>
+              <a:t>Z kódu vysvětlit jak to funguje</a:t>
+            </a:r>
+          </a:p>
+        </p:txBody>
+      </p:sp>
+      <p:sp>
+        <p:nvSpPr>
+          <p:cNvPr id="4" name="Zástupný symbol pro číslo snímku 3"/>
+          <p:cNvSpPr>
+            <a:spLocks noGrp="1"/>
+          </p:cNvSpPr>
+          <p:nvPr>
+            <p:ph type="sldNum" sz="quarter" idx="5"/>
+          </p:nvPr>
+        </p:nvSpPr>
+        <p:spPr/>
+        <p:txBody>
+          <a:bodyPr/>
+          <a:lstStyle/>
+          <a:p>
+            <a:fld id="{E51DB58B-49B6-457D-9CBD-FB4E7093B0E9}" type="slidenum">
+              <a:rPr lang="cs-CZ" smtClean="0"/>
+              <a:t>13</a:t>
+            </a:fld>
+            <a:endParaRPr lang="cs-CZ"/>
+          </a:p>
+        </p:txBody>
+      </p:sp>
+    </p:spTree>
+    <p:extLst>
+      <p:ext uri="{BB962C8B-B14F-4D97-AF65-F5344CB8AC3E}">
+        <p14:creationId xmlns:p14="http://schemas.microsoft.com/office/powerpoint/2010/main" val="2203625111"/>
       </p:ext>
     </p:extLst>
   </p:cSld>
@@ -9000,14 +9088,20 @@
               <a:rPr lang="cs-CZ" dirty="0" err="1"/>
               <a:t>For</a:t>
             </a:r>
-            <a:endParaRPr lang="cs-CZ" dirty="0"/>
+            <a:r>
+              <a:rPr lang="cs-CZ" dirty="0"/>
+              <a:t> - pro</a:t>
+            </a:r>
           </a:p>
           <a:p>
             <a:r>
               <a:rPr lang="cs-CZ" dirty="0" err="1"/>
               <a:t>While</a:t>
             </a:r>
-            <a:endParaRPr lang="cs-CZ" dirty="0"/>
+            <a:r>
+              <a:rPr lang="cs-CZ" dirty="0"/>
+              <a:t> - mezitím</a:t>
+            </a:r>
           </a:p>
           <a:p>
             <a:r>
@@ -9018,7 +9112,10 @@
               <a:rPr lang="cs-CZ" dirty="0" err="1"/>
               <a:t>while</a:t>
             </a:r>
-            <a:endParaRPr lang="cs-CZ" dirty="0"/>
+            <a:r>
+              <a:rPr lang="cs-CZ" dirty="0"/>
+              <a:t> – dělej mezitím</a:t>
+            </a:r>
           </a:p>
           <a:p>
             <a:r>
@@ -9080,7 +9177,7 @@
           <p:cNvPr id="2" name="Nadpis 1">
             <a:extLst>
               <a:ext uri="{FF2B5EF4-FFF2-40B4-BE49-F238E27FC236}">
-                <a16:creationId xmlns:a16="http://schemas.microsoft.com/office/drawing/2014/main" id="{AED25A99-F937-41BB-BB47-6F3D585C1A73}"/>
+                <a16:creationId xmlns:a16="http://schemas.microsoft.com/office/drawing/2014/main" id="{9EF39216-B6CB-48FD-AE08-F1BA0570104A}"/>
               </a:ext>
             </a:extLst>
           </p:cNvPr>
@@ -9096,7 +9193,10 @@
           <a:bodyPr/>
           <a:lstStyle/>
           <a:p>
-            <a:endParaRPr lang="cs-CZ"/>
+            <a:r>
+              <a:rPr lang="cs-CZ" dirty="0"/>
+              <a:t>Příbuzné jazyky</a:t>
+            </a:r>
           </a:p>
         </p:txBody>
       </p:sp>
@@ -9105,7 +9205,7 @@
           <p:cNvPr id="3" name="Zástupný obsah 2">
             <a:extLst>
               <a:ext uri="{FF2B5EF4-FFF2-40B4-BE49-F238E27FC236}">
-                <a16:creationId xmlns:a16="http://schemas.microsoft.com/office/drawing/2014/main" id="{9C881725-1622-47FD-A067-A22A87EE2BDD}"/>
+                <a16:creationId xmlns:a16="http://schemas.microsoft.com/office/drawing/2014/main" id="{9A3AAA21-1C5D-4A31-A174-2DD1625950D6}"/>
               </a:ext>
             </a:extLst>
           </p:cNvPr>
@@ -9121,14 +9221,93 @@
           <a:bodyPr/>
           <a:lstStyle/>
           <a:p>
-            <a:endParaRPr lang="cs-CZ"/>
+            <a:r>
+              <a:rPr lang="cs-CZ" dirty="0"/>
+              <a:t>C++</a:t>
+            </a:r>
+          </a:p>
+          <a:p>
+            <a:r>
+              <a:rPr lang="cs-CZ" dirty="0" err="1"/>
+              <a:t>Objective</a:t>
+            </a:r>
+            <a:r>
+              <a:rPr lang="cs-CZ" dirty="0"/>
+              <a:t>-C</a:t>
+            </a:r>
+          </a:p>
+          <a:p>
+            <a:r>
+              <a:rPr lang="cs-CZ" dirty="0"/>
+              <a:t>OOP – </a:t>
+            </a:r>
+            <a:r>
+              <a:rPr lang="cs-CZ" dirty="0" err="1"/>
+              <a:t>Object</a:t>
+            </a:r>
+            <a:r>
+              <a:rPr lang="cs-CZ" dirty="0"/>
+              <a:t> </a:t>
+            </a:r>
+            <a:r>
+              <a:rPr lang="cs-CZ" dirty="0" err="1"/>
+              <a:t>oriented</a:t>
+            </a:r>
+            <a:r>
+              <a:rPr lang="cs-CZ" dirty="0"/>
+              <a:t> </a:t>
+            </a:r>
+            <a:r>
+              <a:rPr lang="cs-CZ" dirty="0" err="1"/>
+              <a:t>programming</a:t>
+            </a:r>
+            <a:endParaRPr lang="cs-CZ" dirty="0"/>
+          </a:p>
+        </p:txBody>
+      </p:sp>
+      <p:sp>
+        <p:nvSpPr>
+          <p:cNvPr id="4" name="Zástupný text 3">
+            <a:extLst>
+              <a:ext uri="{FF2B5EF4-FFF2-40B4-BE49-F238E27FC236}">
+                <a16:creationId xmlns:a16="http://schemas.microsoft.com/office/drawing/2014/main" id="{7FB291A0-FCDA-45E8-BCD1-BB3962F53859}"/>
+              </a:ext>
+            </a:extLst>
+          </p:cNvPr>
+          <p:cNvSpPr>
+            <a:spLocks noGrp="1"/>
+          </p:cNvSpPr>
+          <p:nvPr>
+            <p:ph type="body" sz="half" idx="2"/>
+          </p:nvPr>
+        </p:nvSpPr>
+        <p:spPr/>
+        <p:txBody>
+          <a:bodyPr/>
+          <a:lstStyle/>
+          <a:p>
+            <a:r>
+              <a:rPr lang="cs-CZ" dirty="0"/>
+              <a:t>Vznikly v 80.letech 20. století.</a:t>
+            </a:r>
+            <a:br>
+              <a:rPr lang="cs-CZ" dirty="0"/>
+            </a:br>
+            <a:r>
+              <a:rPr lang="cs-CZ" dirty="0"/>
+              <a:t>V této době bylo velmi populární OOP, proto také vznikly.</a:t>
+            </a:r>
+            <a:br>
+              <a:rPr lang="cs-CZ" dirty="0"/>
+            </a:br>
+            <a:endParaRPr lang="cs-CZ" dirty="0"/>
           </a:p>
         </p:txBody>
       </p:sp>
     </p:spTree>
     <p:extLst>
       <p:ext uri="{BB962C8B-B14F-4D97-AF65-F5344CB8AC3E}">
-        <p14:creationId xmlns:p14="http://schemas.microsoft.com/office/powerpoint/2010/main" val="3283540428"/>
+        <p14:creationId xmlns:p14="http://schemas.microsoft.com/office/powerpoint/2010/main" val="2339557914"/>
       </p:ext>
     </p:extLst>
   </p:cSld>
@@ -9160,7 +9339,7 @@
           <p:cNvPr id="2" name="Nadpis 1">
             <a:extLst>
               <a:ext uri="{FF2B5EF4-FFF2-40B4-BE49-F238E27FC236}">
-                <a16:creationId xmlns:a16="http://schemas.microsoft.com/office/drawing/2014/main" id="{9EF39216-B6CB-48FD-AE08-F1BA0570104A}"/>
+                <a16:creationId xmlns:a16="http://schemas.microsoft.com/office/drawing/2014/main" id="{5B82CD7B-E16E-AE09-D2EE-44494A304636}"/>
               </a:ext>
             </a:extLst>
           </p:cNvPr>
@@ -9178,104 +9357,79 @@
           <a:p>
             <a:r>
               <a:rPr lang="cs-CZ" dirty="0"/>
-              <a:t>Příbuzné jazyky</a:t>
-            </a:r>
-          </a:p>
-        </p:txBody>
-      </p:sp>
-      <p:sp>
-        <p:nvSpPr>
-          <p:cNvPr id="3" name="Zástupný obsah 2">
-            <a:extLst>
-              <a:ext uri="{FF2B5EF4-FFF2-40B4-BE49-F238E27FC236}">
-                <a16:creationId xmlns:a16="http://schemas.microsoft.com/office/drawing/2014/main" id="{9A3AAA21-1C5D-4A31-A174-2DD1625950D6}"/>
-              </a:ext>
-            </a:extLst>
-          </p:cNvPr>
-          <p:cNvSpPr>
-            <a:spLocks noGrp="1"/>
-          </p:cNvSpPr>
-          <p:nvPr>
-            <p:ph idx="1"/>
-          </p:nvPr>
-        </p:nvSpPr>
-        <p:spPr/>
-        <p:txBody>
-          <a:bodyPr/>
-          <a:lstStyle/>
-          <a:p>
-            <a:r>
-              <a:rPr lang="cs-CZ" dirty="0"/>
-              <a:t>C++</a:t>
-            </a:r>
-          </a:p>
-          <a:p>
-            <a:r>
-              <a:rPr lang="cs-CZ" dirty="0" err="1"/>
-              <a:t>Objective</a:t>
-            </a:r>
-            <a:r>
-              <a:rPr lang="cs-CZ" dirty="0"/>
-              <a:t>-C</a:t>
-            </a:r>
-          </a:p>
-          <a:p>
-            <a:r>
-              <a:rPr lang="cs-CZ" dirty="0"/>
-              <a:t>OOP – </a:t>
-            </a:r>
-            <a:r>
-              <a:rPr lang="cs-CZ" dirty="0" err="1"/>
-              <a:t>Object</a:t>
-            </a:r>
-            <a:r>
-              <a:rPr lang="cs-CZ" dirty="0"/>
-              <a:t> </a:t>
-            </a:r>
-            <a:r>
-              <a:rPr lang="cs-CZ" dirty="0" err="1"/>
-              <a:t>oriented</a:t>
-            </a:r>
-            <a:r>
-              <a:rPr lang="cs-CZ" dirty="0"/>
-              <a:t> </a:t>
-            </a:r>
-            <a:r>
-              <a:rPr lang="cs-CZ" dirty="0" err="1"/>
-              <a:t>programming</a:t>
-            </a:r>
-            <a:endParaRPr lang="cs-CZ" dirty="0"/>
-          </a:p>
-        </p:txBody>
-      </p:sp>
-      <p:sp>
-        <p:nvSpPr>
-          <p:cNvPr id="4" name="Zástupný text 3">
-            <a:extLst>
-              <a:ext uri="{FF2B5EF4-FFF2-40B4-BE49-F238E27FC236}">
-                <a16:creationId xmlns:a16="http://schemas.microsoft.com/office/drawing/2014/main" id="{7FB291A0-FCDA-45E8-BCD1-BB3962F53859}"/>
-              </a:ext>
-            </a:extLst>
-          </p:cNvPr>
-          <p:cNvSpPr>
-            <a:spLocks noGrp="1"/>
-          </p:cNvSpPr>
-          <p:nvPr>
-            <p:ph type="body" sz="half" idx="2"/>
-          </p:nvPr>
-        </p:nvSpPr>
-        <p:spPr/>
-        <p:txBody>
-          <a:bodyPr/>
-          <a:lstStyle/>
-          <a:p>
-            <a:r>
-              <a:rPr lang="cs-CZ" dirty="0"/>
-              <a:t>Vznikly v 80.letech 20. století.</a:t>
+              <a:t>BMI kalkulačka v C</a:t>
             </a:r>
             <a:br>
               <a:rPr lang="cs-CZ" dirty="0"/>
             </a:br>
+            <a:r>
+              <a:rPr lang="cs-CZ" sz="2800" dirty="0"/>
+              <a:t>zdroj </a:t>
+            </a:r>
+            <a:r>
+              <a:rPr lang="cs-CZ" sz="2800" dirty="0" err="1"/>
+              <a:t>kódu:</a:t>
+            </a:r>
+            <a:r>
+              <a:rPr lang="cs-CZ" sz="2800" dirty="0" err="1">
+                <a:hlinkClick r:id="rId2"/>
+              </a:rPr>
+              <a:t>https</a:t>
+            </a:r>
+            <a:r>
+              <a:rPr lang="cs-CZ" sz="2800" dirty="0">
+                <a:hlinkClick r:id="rId2"/>
+              </a:rPr>
+              <a:t>://technotip.com/7218/c-program-to-</a:t>
+            </a:r>
+            <a:r>
+              <a:rPr lang="cs-CZ" sz="2800" dirty="0" err="1">
+                <a:hlinkClick r:id="rId2"/>
+              </a:rPr>
+              <a:t>calculate</a:t>
+            </a:r>
+            <a:r>
+              <a:rPr lang="cs-CZ" sz="2800" dirty="0">
+                <a:hlinkClick r:id="rId2"/>
+              </a:rPr>
+              <a:t>-</a:t>
+            </a:r>
+            <a:r>
+              <a:rPr lang="cs-CZ" sz="2800" dirty="0" err="1">
+                <a:hlinkClick r:id="rId2"/>
+              </a:rPr>
+              <a:t>bmi</a:t>
+            </a:r>
+            <a:r>
+              <a:rPr lang="cs-CZ" sz="2800" dirty="0">
+                <a:hlinkClick r:id="rId2"/>
+              </a:rPr>
+              <a:t>-and-</a:t>
+            </a:r>
+            <a:r>
+              <a:rPr lang="cs-CZ" sz="2800" dirty="0" err="1">
+                <a:hlinkClick r:id="rId2"/>
+              </a:rPr>
+              <a:t>bmi</a:t>
+            </a:r>
+            <a:r>
+              <a:rPr lang="cs-CZ" sz="2800" dirty="0">
+                <a:hlinkClick r:id="rId2"/>
+              </a:rPr>
+              <a:t>-</a:t>
+            </a:r>
+            <a:r>
+              <a:rPr lang="cs-CZ" sz="2800" dirty="0" err="1">
+                <a:hlinkClick r:id="rId2"/>
+              </a:rPr>
+              <a:t>category</a:t>
+            </a:r>
+            <a:r>
+              <a:rPr lang="cs-CZ" sz="2800" dirty="0">
+                <a:hlinkClick r:id="rId2"/>
+              </a:rPr>
+              <a:t>/</a:t>
+            </a:r>
             <a:endParaRPr lang="cs-CZ" dirty="0"/>
           </a:p>
         </p:txBody>
@@ -9283,7 +9437,73 @@
     </p:spTree>
     <p:extLst>
       <p:ext uri="{BB962C8B-B14F-4D97-AF65-F5344CB8AC3E}">
-        <p14:creationId xmlns:p14="http://schemas.microsoft.com/office/powerpoint/2010/main" val="2339557914"/>
+        <p14:creationId xmlns:p14="http://schemas.microsoft.com/office/powerpoint/2010/main" val="1046442933"/>
+      </p:ext>
+    </p:extLst>
+  </p:cSld>
+  <p:clrMapOvr>
+    <a:masterClrMapping/>
+  </p:clrMapOvr>
+</p:sld>
+</file>
+
+<file path=ppt/slides/slide13.xml><?xml version="1.0" encoding="utf-8"?>
+<p:sld xmlns:a="http://schemas.openxmlformats.org/drawingml/2006/main" xmlns:r="http://schemas.openxmlformats.org/officeDocument/2006/relationships" xmlns:p="http://schemas.openxmlformats.org/presentationml/2006/main">
+  <p:cSld>
+    <p:spTree>
+      <p:nvGrpSpPr>
+        <p:cNvPr id="1" name=""/>
+        <p:cNvGrpSpPr/>
+        <p:nvPr/>
+      </p:nvGrpSpPr>
+      <p:grpSpPr>
+        <a:xfrm>
+          <a:off x="0" y="0"/>
+          <a:ext cx="0" cy="0"/>
+          <a:chOff x="0" y="0"/>
+          <a:chExt cx="0" cy="0"/>
+        </a:xfrm>
+      </p:grpSpPr>
+      <p:pic>
+        <p:nvPicPr>
+          <p:cNvPr id="3" name="Obrázek 2">
+            <a:extLst>
+              <a:ext uri="{FF2B5EF4-FFF2-40B4-BE49-F238E27FC236}">
+                <a16:creationId xmlns:a16="http://schemas.microsoft.com/office/drawing/2014/main" id="{E0BEADC5-D45F-4B2F-3E5C-E5CD0BBC7E2E}"/>
+              </a:ext>
+            </a:extLst>
+          </p:cNvPr>
+          <p:cNvPicPr>
+            <a:picLocks noChangeAspect="1"/>
+          </p:cNvPicPr>
+          <p:nvPr/>
+        </p:nvPicPr>
+        <p:blipFill>
+          <a:blip r:embed="rId3">
+            <a:extLst>
+              <a:ext uri="{28A0092B-C50C-407E-A947-70E740481C1C}">
+                <a14:useLocalDpi xmlns:a14="http://schemas.microsoft.com/office/drawing/2010/main" val="0"/>
+              </a:ext>
+            </a:extLst>
+          </a:blip>
+          <a:stretch>
+            <a:fillRect/>
+          </a:stretch>
+        </p:blipFill>
+        <p:spPr>
+          <a:xfrm>
+            <a:off x="0" y="127000"/>
+            <a:ext cx="12192000" cy="6604000"/>
+          </a:xfrm>
+          <a:prstGeom prst="rect">
+            <a:avLst/>
+          </a:prstGeom>
+        </p:spPr>
+      </p:pic>
+    </p:spTree>
+    <p:extLst>
+      <p:ext uri="{BB962C8B-B14F-4D97-AF65-F5344CB8AC3E}">
+        <p14:creationId xmlns:p14="http://schemas.microsoft.com/office/powerpoint/2010/main" val="1472013523"/>
       </p:ext>
     </p:extLst>
   </p:cSld>

--- a/Programovací-jazyk-C.pptx
+++ b/Programovací-jazyk-C.pptx
@@ -5,24 +5,26 @@
     <p:sldMasterId id="2147483722" r:id="rId1"/>
   </p:sldMasterIdLst>
   <p:notesMasterIdLst>
-    <p:notesMasterId r:id="rId17"/>
+    <p:notesMasterId r:id="rId19"/>
   </p:notesMasterIdLst>
   <p:sldIdLst>
     <p:sldId id="256" r:id="rId2"/>
     <p:sldId id="257" r:id="rId3"/>
     <p:sldId id="258" r:id="rId4"/>
     <p:sldId id="260" r:id="rId5"/>
-    <p:sldId id="259" r:id="rId6"/>
-    <p:sldId id="261" r:id="rId7"/>
-    <p:sldId id="262" r:id="rId8"/>
-    <p:sldId id="263" r:id="rId9"/>
-    <p:sldId id="264" r:id="rId10"/>
-    <p:sldId id="265" r:id="rId11"/>
-    <p:sldId id="267" r:id="rId12"/>
-    <p:sldId id="268" r:id="rId13"/>
-    <p:sldId id="269" r:id="rId14"/>
-    <p:sldId id="270" r:id="rId15"/>
-    <p:sldId id="271" r:id="rId16"/>
+    <p:sldId id="272" r:id="rId6"/>
+    <p:sldId id="274" r:id="rId7"/>
+    <p:sldId id="259" r:id="rId8"/>
+    <p:sldId id="261" r:id="rId9"/>
+    <p:sldId id="262" r:id="rId10"/>
+    <p:sldId id="263" r:id="rId11"/>
+    <p:sldId id="264" r:id="rId12"/>
+    <p:sldId id="265" r:id="rId13"/>
+    <p:sldId id="267" r:id="rId14"/>
+    <p:sldId id="268" r:id="rId15"/>
+    <p:sldId id="269" r:id="rId16"/>
+    <p:sldId id="270" r:id="rId17"/>
+    <p:sldId id="271" r:id="rId18"/>
   </p:sldIdLst>
   <p:sldSz cx="12192000" cy="6858000"/>
   <p:notesSz cx="6858000" cy="9144000"/>
@@ -1659,6 +1661,753 @@
 </file>
 
 <file path=ppt/diagrams/colors3.xml><?xml version="1.0" encoding="utf-8"?>
+<dgm:colorsDef xmlns:dgm="http://schemas.openxmlformats.org/drawingml/2006/diagram" xmlns:a="http://schemas.openxmlformats.org/drawingml/2006/main" uniqueId="urn:microsoft.com/office/officeart/2005/8/colors/accent1_2">
+  <dgm:title val=""/>
+  <dgm:desc val=""/>
+  <dgm:catLst>
+    <dgm:cat type="accent1" pri="11200"/>
+  </dgm:catLst>
+  <dgm:styleLbl name="node0">
+    <dgm:fillClrLst meth="repeat">
+      <a:schemeClr val="accent1"/>
+    </dgm:fillClrLst>
+    <dgm:linClrLst meth="repeat">
+      <a:schemeClr val="lt1"/>
+    </dgm:linClrLst>
+    <dgm:effectClrLst/>
+    <dgm:txLinClrLst/>
+    <dgm:txFillClrLst/>
+    <dgm:txEffectClrLst/>
+  </dgm:styleLbl>
+  <dgm:styleLbl name="alignNode1">
+    <dgm:fillClrLst meth="repeat">
+      <a:schemeClr val="accent1"/>
+    </dgm:fillClrLst>
+    <dgm:linClrLst meth="repeat">
+      <a:schemeClr val="accent1"/>
+    </dgm:linClrLst>
+    <dgm:effectClrLst/>
+    <dgm:txLinClrLst/>
+    <dgm:txFillClrLst/>
+    <dgm:txEffectClrLst/>
+  </dgm:styleLbl>
+  <dgm:styleLbl name="node1">
+    <dgm:fillClrLst meth="repeat">
+      <a:schemeClr val="accent1"/>
+    </dgm:fillClrLst>
+    <dgm:linClrLst meth="repeat">
+      <a:schemeClr val="lt1"/>
+    </dgm:linClrLst>
+    <dgm:effectClrLst/>
+    <dgm:txLinClrLst/>
+    <dgm:txFillClrLst/>
+    <dgm:txEffectClrLst/>
+  </dgm:styleLbl>
+  <dgm:styleLbl name="lnNode1">
+    <dgm:fillClrLst meth="repeat">
+      <a:schemeClr val="accent1"/>
+    </dgm:fillClrLst>
+    <dgm:linClrLst meth="repeat">
+      <a:schemeClr val="lt1"/>
+    </dgm:linClrLst>
+    <dgm:effectClrLst/>
+    <dgm:txLinClrLst/>
+    <dgm:txFillClrLst/>
+    <dgm:txEffectClrLst/>
+  </dgm:styleLbl>
+  <dgm:styleLbl name="vennNode1">
+    <dgm:fillClrLst meth="repeat">
+      <a:schemeClr val="accent1">
+        <a:alpha val="50000"/>
+      </a:schemeClr>
+    </dgm:fillClrLst>
+    <dgm:linClrLst meth="repeat">
+      <a:schemeClr val="lt1"/>
+    </dgm:linClrLst>
+    <dgm:effectClrLst/>
+    <dgm:txLinClrLst/>
+    <dgm:txFillClrLst/>
+    <dgm:txEffectClrLst/>
+  </dgm:styleLbl>
+  <dgm:styleLbl name="node2">
+    <dgm:fillClrLst meth="repeat">
+      <a:schemeClr val="accent1"/>
+    </dgm:fillClrLst>
+    <dgm:linClrLst meth="repeat">
+      <a:schemeClr val="lt1"/>
+    </dgm:linClrLst>
+    <dgm:effectClrLst/>
+    <dgm:txLinClrLst/>
+    <dgm:txFillClrLst/>
+    <dgm:txEffectClrLst/>
+  </dgm:styleLbl>
+  <dgm:styleLbl name="node3">
+    <dgm:fillClrLst meth="repeat">
+      <a:schemeClr val="accent1"/>
+    </dgm:fillClrLst>
+    <dgm:linClrLst meth="repeat">
+      <a:schemeClr val="lt1"/>
+    </dgm:linClrLst>
+    <dgm:effectClrLst/>
+    <dgm:txLinClrLst/>
+    <dgm:txFillClrLst/>
+    <dgm:txEffectClrLst/>
+  </dgm:styleLbl>
+  <dgm:styleLbl name="node4">
+    <dgm:fillClrLst meth="repeat">
+      <a:schemeClr val="accent1"/>
+    </dgm:fillClrLst>
+    <dgm:linClrLst meth="repeat">
+      <a:schemeClr val="lt1"/>
+    </dgm:linClrLst>
+    <dgm:effectClrLst/>
+    <dgm:txLinClrLst/>
+    <dgm:txFillClrLst/>
+    <dgm:txEffectClrLst/>
+  </dgm:styleLbl>
+  <dgm:styleLbl name="fgImgPlace1">
+    <dgm:fillClrLst meth="repeat">
+      <a:schemeClr val="accent1">
+        <a:tint val="50000"/>
+      </a:schemeClr>
+    </dgm:fillClrLst>
+    <dgm:linClrLst meth="repeat">
+      <a:schemeClr val="lt1"/>
+    </dgm:linClrLst>
+    <dgm:effectClrLst/>
+    <dgm:txLinClrLst/>
+    <dgm:txFillClrLst meth="repeat">
+      <a:schemeClr val="lt1"/>
+    </dgm:txFillClrLst>
+    <dgm:txEffectClrLst/>
+  </dgm:styleLbl>
+  <dgm:styleLbl name="alignImgPlace1">
+    <dgm:fillClrLst meth="repeat">
+      <a:schemeClr val="accent1">
+        <a:tint val="50000"/>
+      </a:schemeClr>
+    </dgm:fillClrLst>
+    <dgm:linClrLst meth="repeat">
+      <a:schemeClr val="lt1"/>
+    </dgm:linClrLst>
+    <dgm:effectClrLst/>
+    <dgm:txLinClrLst/>
+    <dgm:txFillClrLst meth="repeat">
+      <a:schemeClr val="lt1"/>
+    </dgm:txFillClrLst>
+    <dgm:txEffectClrLst/>
+  </dgm:styleLbl>
+  <dgm:styleLbl name="bgImgPlace1">
+    <dgm:fillClrLst meth="repeat">
+      <a:schemeClr val="accent1">
+        <a:tint val="50000"/>
+      </a:schemeClr>
+    </dgm:fillClrLst>
+    <dgm:linClrLst meth="repeat">
+      <a:schemeClr val="lt1"/>
+    </dgm:linClrLst>
+    <dgm:effectClrLst/>
+    <dgm:txLinClrLst/>
+    <dgm:txFillClrLst meth="repeat">
+      <a:schemeClr val="lt1"/>
+    </dgm:txFillClrLst>
+    <dgm:txEffectClrLst/>
+  </dgm:styleLbl>
+  <dgm:styleLbl name="sibTrans2D1">
+    <dgm:fillClrLst meth="repeat">
+      <a:schemeClr val="accent1">
+        <a:tint val="60000"/>
+      </a:schemeClr>
+    </dgm:fillClrLst>
+    <dgm:linClrLst meth="repeat">
+      <a:schemeClr val="accent1">
+        <a:tint val="60000"/>
+      </a:schemeClr>
+    </dgm:linClrLst>
+    <dgm:effectClrLst/>
+    <dgm:txLinClrLst/>
+    <dgm:txFillClrLst/>
+    <dgm:txEffectClrLst/>
+  </dgm:styleLbl>
+  <dgm:styleLbl name="fgSibTrans2D1">
+    <dgm:fillClrLst meth="repeat">
+      <a:schemeClr val="accent1">
+        <a:tint val="60000"/>
+      </a:schemeClr>
+    </dgm:fillClrLst>
+    <dgm:linClrLst meth="repeat">
+      <a:schemeClr val="accent1">
+        <a:tint val="60000"/>
+      </a:schemeClr>
+    </dgm:linClrLst>
+    <dgm:effectClrLst/>
+    <dgm:txLinClrLst/>
+    <dgm:txFillClrLst/>
+    <dgm:txEffectClrLst/>
+  </dgm:styleLbl>
+  <dgm:styleLbl name="bgSibTrans2D1">
+    <dgm:fillClrLst meth="repeat">
+      <a:schemeClr val="accent1">
+        <a:tint val="60000"/>
+      </a:schemeClr>
+    </dgm:fillClrLst>
+    <dgm:linClrLst meth="repeat">
+      <a:schemeClr val="accent1">
+        <a:tint val="60000"/>
+      </a:schemeClr>
+    </dgm:linClrLst>
+    <dgm:effectClrLst/>
+    <dgm:txLinClrLst/>
+    <dgm:txFillClrLst/>
+    <dgm:txEffectClrLst/>
+  </dgm:styleLbl>
+  <dgm:styleLbl name="sibTrans1D1">
+    <dgm:fillClrLst meth="repeat">
+      <a:schemeClr val="accent1"/>
+    </dgm:fillClrLst>
+    <dgm:linClrLst meth="repeat">
+      <a:schemeClr val="accent1"/>
+    </dgm:linClrLst>
+    <dgm:effectClrLst/>
+    <dgm:txLinClrLst/>
+    <dgm:txFillClrLst meth="repeat">
+      <a:schemeClr val="tx1"/>
+    </dgm:txFillClrLst>
+    <dgm:txEffectClrLst/>
+  </dgm:styleLbl>
+  <dgm:styleLbl name="callout">
+    <dgm:fillClrLst meth="repeat">
+      <a:schemeClr val="accent1"/>
+    </dgm:fillClrLst>
+    <dgm:linClrLst meth="repeat">
+      <a:schemeClr val="accent1">
+        <a:tint val="50000"/>
+      </a:schemeClr>
+    </dgm:linClrLst>
+    <dgm:effectClrLst/>
+    <dgm:txLinClrLst/>
+    <dgm:txFillClrLst meth="repeat">
+      <a:schemeClr val="tx1"/>
+    </dgm:txFillClrLst>
+    <dgm:txEffectClrLst/>
+  </dgm:styleLbl>
+  <dgm:styleLbl name="asst0">
+    <dgm:fillClrLst meth="repeat">
+      <a:schemeClr val="accent1"/>
+    </dgm:fillClrLst>
+    <dgm:linClrLst meth="repeat">
+      <a:schemeClr val="lt1"/>
+    </dgm:linClrLst>
+    <dgm:effectClrLst/>
+    <dgm:txLinClrLst/>
+    <dgm:txFillClrLst/>
+    <dgm:txEffectClrLst/>
+  </dgm:styleLbl>
+  <dgm:styleLbl name="asst1">
+    <dgm:fillClrLst meth="repeat">
+      <a:schemeClr val="accent1"/>
+    </dgm:fillClrLst>
+    <dgm:linClrLst meth="repeat">
+      <a:schemeClr val="lt1"/>
+    </dgm:linClrLst>
+    <dgm:effectClrLst/>
+    <dgm:txLinClrLst/>
+    <dgm:txFillClrLst/>
+    <dgm:txEffectClrLst/>
+  </dgm:styleLbl>
+  <dgm:styleLbl name="asst2">
+    <dgm:fillClrLst meth="repeat">
+      <a:schemeClr val="accent1"/>
+    </dgm:fillClrLst>
+    <dgm:linClrLst meth="repeat">
+      <a:schemeClr val="lt1"/>
+    </dgm:linClrLst>
+    <dgm:effectClrLst/>
+    <dgm:txLinClrLst/>
+    <dgm:txFillClrLst/>
+    <dgm:txEffectClrLst/>
+  </dgm:styleLbl>
+  <dgm:styleLbl name="asst3">
+    <dgm:fillClrLst meth="repeat">
+      <a:schemeClr val="accent1"/>
+    </dgm:fillClrLst>
+    <dgm:linClrLst meth="repeat">
+      <a:schemeClr val="lt1"/>
+    </dgm:linClrLst>
+    <dgm:effectClrLst/>
+    <dgm:txLinClrLst/>
+    <dgm:txFillClrLst/>
+    <dgm:txEffectClrLst/>
+  </dgm:styleLbl>
+  <dgm:styleLbl name="asst4">
+    <dgm:fillClrLst meth="repeat">
+      <a:schemeClr val="accent1"/>
+    </dgm:fillClrLst>
+    <dgm:linClrLst meth="repeat">
+      <a:schemeClr val="lt1"/>
+    </dgm:linClrLst>
+    <dgm:effectClrLst/>
+    <dgm:txLinClrLst/>
+    <dgm:txFillClrLst/>
+    <dgm:txEffectClrLst/>
+  </dgm:styleLbl>
+  <dgm:styleLbl name="parChTrans2D1">
+    <dgm:fillClrLst meth="repeat">
+      <a:schemeClr val="accent1">
+        <a:tint val="60000"/>
+      </a:schemeClr>
+    </dgm:fillClrLst>
+    <dgm:linClrLst meth="repeat">
+      <a:schemeClr val="accent1">
+        <a:tint val="60000"/>
+      </a:schemeClr>
+    </dgm:linClrLst>
+    <dgm:effectClrLst/>
+    <dgm:txLinClrLst/>
+    <dgm:txFillClrLst meth="repeat">
+      <a:schemeClr val="lt1"/>
+    </dgm:txFillClrLst>
+    <dgm:txEffectClrLst/>
+  </dgm:styleLbl>
+  <dgm:styleLbl name="parChTrans2D2">
+    <dgm:fillClrLst meth="repeat">
+      <a:schemeClr val="accent1"/>
+    </dgm:fillClrLst>
+    <dgm:linClrLst meth="repeat">
+      <a:schemeClr val="accent1"/>
+    </dgm:linClrLst>
+    <dgm:effectClrLst/>
+    <dgm:txLinClrLst/>
+    <dgm:txFillClrLst meth="repeat">
+      <a:schemeClr val="lt1"/>
+    </dgm:txFillClrLst>
+    <dgm:txEffectClrLst/>
+  </dgm:styleLbl>
+  <dgm:styleLbl name="parChTrans2D3">
+    <dgm:fillClrLst meth="repeat">
+      <a:schemeClr val="accent1"/>
+    </dgm:fillClrLst>
+    <dgm:linClrLst meth="repeat">
+      <a:schemeClr val="accent1"/>
+    </dgm:linClrLst>
+    <dgm:effectClrLst/>
+    <dgm:txLinClrLst/>
+    <dgm:txFillClrLst meth="repeat">
+      <a:schemeClr val="lt1"/>
+    </dgm:txFillClrLst>
+    <dgm:txEffectClrLst/>
+  </dgm:styleLbl>
+  <dgm:styleLbl name="parChTrans2D4">
+    <dgm:fillClrLst meth="repeat">
+      <a:schemeClr val="accent1"/>
+    </dgm:fillClrLst>
+    <dgm:linClrLst meth="repeat">
+      <a:schemeClr val="accent1"/>
+    </dgm:linClrLst>
+    <dgm:effectClrLst/>
+    <dgm:txLinClrLst/>
+    <dgm:txFillClrLst meth="repeat">
+      <a:schemeClr val="lt1"/>
+    </dgm:txFillClrLst>
+    <dgm:txEffectClrLst/>
+  </dgm:styleLbl>
+  <dgm:styleLbl name="parChTrans1D1">
+    <dgm:fillClrLst meth="repeat">
+      <a:schemeClr val="accent1"/>
+    </dgm:fillClrLst>
+    <dgm:linClrLst meth="repeat">
+      <a:schemeClr val="accent1">
+        <a:shade val="60000"/>
+      </a:schemeClr>
+    </dgm:linClrLst>
+    <dgm:effectClrLst/>
+    <dgm:txLinClrLst/>
+    <dgm:txFillClrLst meth="repeat">
+      <a:schemeClr val="tx1"/>
+    </dgm:txFillClrLst>
+    <dgm:txEffectClrLst/>
+  </dgm:styleLbl>
+  <dgm:styleLbl name="parChTrans1D2">
+    <dgm:fillClrLst meth="repeat">
+      <a:schemeClr val="accent1"/>
+    </dgm:fillClrLst>
+    <dgm:linClrLst meth="repeat">
+      <a:schemeClr val="accent1">
+        <a:shade val="60000"/>
+      </a:schemeClr>
+    </dgm:linClrLst>
+    <dgm:effectClrLst/>
+    <dgm:txLinClrLst/>
+    <dgm:txFillClrLst meth="repeat">
+      <a:schemeClr val="tx1"/>
+    </dgm:txFillClrLst>
+    <dgm:txEffectClrLst/>
+  </dgm:styleLbl>
+  <dgm:styleLbl name="parChTrans1D3">
+    <dgm:fillClrLst meth="repeat">
+      <a:schemeClr val="accent1"/>
+    </dgm:fillClrLst>
+    <dgm:linClrLst meth="repeat">
+      <a:schemeClr val="accent1">
+        <a:shade val="80000"/>
+      </a:schemeClr>
+    </dgm:linClrLst>
+    <dgm:effectClrLst/>
+    <dgm:txLinClrLst/>
+    <dgm:txFillClrLst meth="repeat">
+      <a:schemeClr val="tx1"/>
+    </dgm:txFillClrLst>
+    <dgm:txEffectClrLst/>
+  </dgm:styleLbl>
+  <dgm:styleLbl name="parChTrans1D4">
+    <dgm:fillClrLst meth="repeat">
+      <a:schemeClr val="accent1"/>
+    </dgm:fillClrLst>
+    <dgm:linClrLst meth="repeat">
+      <a:schemeClr val="accent1">
+        <a:shade val="80000"/>
+      </a:schemeClr>
+    </dgm:linClrLst>
+    <dgm:effectClrLst/>
+    <dgm:txLinClrLst/>
+    <dgm:txFillClrLst meth="repeat">
+      <a:schemeClr val="tx1"/>
+    </dgm:txFillClrLst>
+    <dgm:txEffectClrLst/>
+  </dgm:styleLbl>
+  <dgm:styleLbl name="fgAcc1">
+    <dgm:fillClrLst meth="repeat">
+      <a:schemeClr val="lt1">
+        <a:alpha val="90000"/>
+      </a:schemeClr>
+    </dgm:fillClrLst>
+    <dgm:linClrLst meth="repeat">
+      <a:schemeClr val="accent1"/>
+    </dgm:linClrLst>
+    <dgm:effectClrLst/>
+    <dgm:txLinClrLst/>
+    <dgm:txFillClrLst meth="repeat">
+      <a:schemeClr val="dk1"/>
+    </dgm:txFillClrLst>
+    <dgm:txEffectClrLst/>
+  </dgm:styleLbl>
+  <dgm:styleLbl name="conFgAcc1">
+    <dgm:fillClrLst meth="repeat">
+      <a:schemeClr val="lt1">
+        <a:alpha val="90000"/>
+      </a:schemeClr>
+    </dgm:fillClrLst>
+    <dgm:linClrLst meth="repeat">
+      <a:schemeClr val="accent1"/>
+    </dgm:linClrLst>
+    <dgm:effectClrLst/>
+    <dgm:txLinClrLst/>
+    <dgm:txFillClrLst meth="repeat">
+      <a:schemeClr val="dk1"/>
+    </dgm:txFillClrLst>
+    <dgm:txEffectClrLst/>
+  </dgm:styleLbl>
+  <dgm:styleLbl name="alignAcc1">
+    <dgm:fillClrLst meth="repeat">
+      <a:schemeClr val="lt1">
+        <a:alpha val="90000"/>
+      </a:schemeClr>
+    </dgm:fillClrLst>
+    <dgm:linClrLst meth="repeat">
+      <a:schemeClr val="accent1"/>
+    </dgm:linClrLst>
+    <dgm:effectClrLst/>
+    <dgm:txLinClrLst/>
+    <dgm:txFillClrLst meth="repeat">
+      <a:schemeClr val="dk1"/>
+    </dgm:txFillClrLst>
+    <dgm:txEffectClrLst/>
+  </dgm:styleLbl>
+  <dgm:styleLbl name="trAlignAcc1">
+    <dgm:fillClrLst meth="repeat">
+      <a:schemeClr val="lt1">
+        <a:alpha val="40000"/>
+      </a:schemeClr>
+    </dgm:fillClrLst>
+    <dgm:linClrLst meth="repeat">
+      <a:schemeClr val="accent1"/>
+    </dgm:linClrLst>
+    <dgm:effectClrLst/>
+    <dgm:txLinClrLst/>
+    <dgm:txFillClrLst meth="repeat">
+      <a:schemeClr val="dk1"/>
+    </dgm:txFillClrLst>
+    <dgm:txEffectClrLst/>
+  </dgm:styleLbl>
+  <dgm:styleLbl name="bgAcc1">
+    <dgm:fillClrLst meth="repeat">
+      <a:schemeClr val="lt1">
+        <a:alpha val="90000"/>
+      </a:schemeClr>
+    </dgm:fillClrLst>
+    <dgm:linClrLst meth="repeat">
+      <a:schemeClr val="accent1"/>
+    </dgm:linClrLst>
+    <dgm:effectClrLst/>
+    <dgm:txLinClrLst/>
+    <dgm:txFillClrLst meth="repeat">
+      <a:schemeClr val="dk1"/>
+    </dgm:txFillClrLst>
+    <dgm:txEffectClrLst/>
+  </dgm:styleLbl>
+  <dgm:styleLbl name="solidFgAcc1">
+    <dgm:fillClrLst meth="repeat">
+      <a:schemeClr val="lt1"/>
+    </dgm:fillClrLst>
+    <dgm:linClrLst meth="repeat">
+      <a:schemeClr val="accent1"/>
+    </dgm:linClrLst>
+    <dgm:effectClrLst/>
+    <dgm:txLinClrLst/>
+    <dgm:txFillClrLst meth="repeat">
+      <a:schemeClr val="dk1"/>
+    </dgm:txFillClrLst>
+    <dgm:txEffectClrLst/>
+  </dgm:styleLbl>
+  <dgm:styleLbl name="solidAlignAcc1">
+    <dgm:fillClrLst meth="repeat">
+      <a:schemeClr val="lt1"/>
+    </dgm:fillClrLst>
+    <dgm:linClrLst meth="repeat">
+      <a:schemeClr val="accent1"/>
+    </dgm:linClrLst>
+    <dgm:effectClrLst/>
+    <dgm:txLinClrLst/>
+    <dgm:txFillClrLst meth="repeat">
+      <a:schemeClr val="dk1"/>
+    </dgm:txFillClrLst>
+    <dgm:txEffectClrLst/>
+  </dgm:styleLbl>
+  <dgm:styleLbl name="solidBgAcc1">
+    <dgm:fillClrLst meth="repeat">
+      <a:schemeClr val="lt1"/>
+    </dgm:fillClrLst>
+    <dgm:linClrLst meth="repeat">
+      <a:schemeClr val="accent1"/>
+    </dgm:linClrLst>
+    <dgm:effectClrLst/>
+    <dgm:txLinClrLst/>
+    <dgm:txFillClrLst meth="repeat">
+      <a:schemeClr val="dk1"/>
+    </dgm:txFillClrLst>
+    <dgm:txEffectClrLst/>
+  </dgm:styleLbl>
+  <dgm:styleLbl name="fgAccFollowNode1">
+    <dgm:fillClrLst meth="repeat">
+      <a:schemeClr val="accent1">
+        <a:alpha val="90000"/>
+        <a:tint val="40000"/>
+      </a:schemeClr>
+    </dgm:fillClrLst>
+    <dgm:linClrLst meth="repeat">
+      <a:schemeClr val="accent1">
+        <a:alpha val="90000"/>
+        <a:tint val="40000"/>
+      </a:schemeClr>
+    </dgm:linClrLst>
+    <dgm:effectClrLst/>
+    <dgm:txLinClrLst/>
+    <dgm:txFillClrLst meth="repeat">
+      <a:schemeClr val="dk1"/>
+    </dgm:txFillClrLst>
+    <dgm:txEffectClrLst/>
+  </dgm:styleLbl>
+  <dgm:styleLbl name="alignAccFollowNode1">
+    <dgm:fillClrLst meth="repeat">
+      <a:schemeClr val="accent1">
+        <a:alpha val="90000"/>
+        <a:tint val="40000"/>
+      </a:schemeClr>
+    </dgm:fillClrLst>
+    <dgm:linClrLst meth="repeat">
+      <a:schemeClr val="accent1">
+        <a:alpha val="90000"/>
+        <a:tint val="40000"/>
+      </a:schemeClr>
+    </dgm:linClrLst>
+    <dgm:effectClrLst/>
+    <dgm:txLinClrLst/>
+    <dgm:txFillClrLst meth="repeat">
+      <a:schemeClr val="dk1"/>
+    </dgm:txFillClrLst>
+    <dgm:txEffectClrLst/>
+  </dgm:styleLbl>
+  <dgm:styleLbl name="bgAccFollowNode1">
+    <dgm:fillClrLst meth="repeat">
+      <a:schemeClr val="accent1">
+        <a:alpha val="90000"/>
+        <a:tint val="40000"/>
+      </a:schemeClr>
+    </dgm:fillClrLst>
+    <dgm:linClrLst meth="repeat">
+      <a:schemeClr val="accent1">
+        <a:alpha val="90000"/>
+        <a:tint val="40000"/>
+      </a:schemeClr>
+    </dgm:linClrLst>
+    <dgm:effectClrLst/>
+    <dgm:txLinClrLst/>
+    <dgm:txFillClrLst meth="repeat">
+      <a:schemeClr val="dk1"/>
+    </dgm:txFillClrLst>
+    <dgm:txEffectClrLst/>
+  </dgm:styleLbl>
+  <dgm:styleLbl name="fgAcc0">
+    <dgm:fillClrLst meth="repeat">
+      <a:schemeClr val="lt1">
+        <a:alpha val="90000"/>
+      </a:schemeClr>
+    </dgm:fillClrLst>
+    <dgm:linClrLst meth="repeat">
+      <a:schemeClr val="accent1"/>
+    </dgm:linClrLst>
+    <dgm:effectClrLst/>
+    <dgm:txLinClrLst/>
+    <dgm:txFillClrLst meth="repeat">
+      <a:schemeClr val="dk1"/>
+    </dgm:txFillClrLst>
+    <dgm:txEffectClrLst/>
+  </dgm:styleLbl>
+  <dgm:styleLbl name="fgAcc2">
+    <dgm:fillClrLst meth="repeat">
+      <a:schemeClr val="lt1">
+        <a:alpha val="90000"/>
+      </a:schemeClr>
+    </dgm:fillClrLst>
+    <dgm:linClrLst meth="repeat">
+      <a:schemeClr val="accent1"/>
+    </dgm:linClrLst>
+    <dgm:effectClrLst/>
+    <dgm:txLinClrLst/>
+    <dgm:txFillClrLst meth="repeat">
+      <a:schemeClr val="dk1"/>
+    </dgm:txFillClrLst>
+    <dgm:txEffectClrLst/>
+  </dgm:styleLbl>
+  <dgm:styleLbl name="fgAcc3">
+    <dgm:fillClrLst meth="repeat">
+      <a:schemeClr val="lt1">
+        <a:alpha val="90000"/>
+      </a:schemeClr>
+    </dgm:fillClrLst>
+    <dgm:linClrLst meth="repeat">
+      <a:schemeClr val="accent1"/>
+    </dgm:linClrLst>
+    <dgm:effectClrLst/>
+    <dgm:txLinClrLst/>
+    <dgm:txFillClrLst meth="repeat">
+      <a:schemeClr val="dk1"/>
+    </dgm:txFillClrLst>
+    <dgm:txEffectClrLst/>
+  </dgm:styleLbl>
+  <dgm:styleLbl name="fgAcc4">
+    <dgm:fillClrLst meth="repeat">
+      <a:schemeClr val="lt1">
+        <a:alpha val="90000"/>
+      </a:schemeClr>
+    </dgm:fillClrLst>
+    <dgm:linClrLst meth="repeat">
+      <a:schemeClr val="accent1"/>
+    </dgm:linClrLst>
+    <dgm:effectClrLst/>
+    <dgm:txLinClrLst/>
+    <dgm:txFillClrLst meth="repeat">
+      <a:schemeClr val="dk1"/>
+    </dgm:txFillClrLst>
+    <dgm:txEffectClrLst/>
+  </dgm:styleLbl>
+  <dgm:styleLbl name="bgShp">
+    <dgm:fillClrLst meth="repeat">
+      <a:schemeClr val="accent1">
+        <a:tint val="40000"/>
+      </a:schemeClr>
+    </dgm:fillClrLst>
+    <dgm:linClrLst meth="repeat">
+      <a:schemeClr val="accent1"/>
+    </dgm:linClrLst>
+    <dgm:effectClrLst/>
+    <dgm:txLinClrLst/>
+    <dgm:txFillClrLst meth="repeat">
+      <a:schemeClr val="dk1"/>
+    </dgm:txFillClrLst>
+    <dgm:txEffectClrLst/>
+  </dgm:styleLbl>
+  <dgm:styleLbl name="dkBgShp">
+    <dgm:fillClrLst meth="repeat">
+      <a:schemeClr val="accent1">
+        <a:shade val="80000"/>
+      </a:schemeClr>
+    </dgm:fillClrLst>
+    <dgm:linClrLst meth="repeat">
+      <a:schemeClr val="accent1"/>
+    </dgm:linClrLst>
+    <dgm:effectClrLst/>
+    <dgm:txLinClrLst/>
+    <dgm:txFillClrLst meth="repeat">
+      <a:schemeClr val="lt1"/>
+    </dgm:txFillClrLst>
+    <dgm:txEffectClrLst/>
+  </dgm:styleLbl>
+  <dgm:styleLbl name="trBgShp">
+    <dgm:fillClrLst meth="repeat">
+      <a:schemeClr val="accent1">
+        <a:tint val="50000"/>
+        <a:alpha val="40000"/>
+      </a:schemeClr>
+    </dgm:fillClrLst>
+    <dgm:linClrLst meth="repeat">
+      <a:schemeClr val="accent1"/>
+    </dgm:linClrLst>
+    <dgm:effectClrLst/>
+    <dgm:txLinClrLst/>
+    <dgm:txFillClrLst meth="repeat">
+      <a:schemeClr val="lt1"/>
+    </dgm:txFillClrLst>
+    <dgm:txEffectClrLst/>
+  </dgm:styleLbl>
+  <dgm:styleLbl name="fgShp">
+    <dgm:fillClrLst meth="repeat">
+      <a:schemeClr val="accent1">
+        <a:tint val="60000"/>
+      </a:schemeClr>
+    </dgm:fillClrLst>
+    <dgm:linClrLst meth="repeat">
+      <a:schemeClr val="lt1"/>
+    </dgm:linClrLst>
+    <dgm:effectClrLst/>
+    <dgm:txLinClrLst/>
+    <dgm:txFillClrLst meth="repeat">
+      <a:schemeClr val="dk1"/>
+    </dgm:txFillClrLst>
+    <dgm:txEffectClrLst/>
+  </dgm:styleLbl>
+  <dgm:styleLbl name="revTx">
+    <dgm:fillClrLst meth="repeat">
+      <a:schemeClr val="lt1">
+        <a:alpha val="0"/>
+      </a:schemeClr>
+    </dgm:fillClrLst>
+    <dgm:linClrLst meth="repeat">
+      <a:schemeClr val="dk1">
+        <a:alpha val="0"/>
+      </a:schemeClr>
+    </dgm:linClrLst>
+    <dgm:effectClrLst/>
+    <dgm:txLinClrLst/>
+    <dgm:txFillClrLst meth="repeat">
+      <a:schemeClr val="tx1"/>
+    </dgm:txFillClrLst>
+    <dgm:txEffectClrLst/>
+  </dgm:styleLbl>
+</dgm:colorsDef>
+</file>
+
+<file path=ppt/diagrams/colors4.xml><?xml version="1.0" encoding="utf-8"?>
 <dgm:colorsDef xmlns:dgm="http://schemas.openxmlformats.org/drawingml/2006/diagram" xmlns:a="http://schemas.openxmlformats.org/drawingml/2006/main" uniqueId="urn:microsoft.com/office/officeart/2005/8/colors/accent1_2">
   <dgm:title val=""/>
   <dgm:desc val=""/>
@@ -3252,7 +4001,7 @@
 <dgm:dataModel xmlns:dgm="http://schemas.openxmlformats.org/drawingml/2006/diagram" xmlns:a="http://schemas.openxmlformats.org/drawingml/2006/main">
   <dgm:ptLst>
     <dgm:pt modelId="{035739F2-D94E-414C-A61F-415D8101947E}" type="doc">
-      <dgm:prSet loTypeId="urn:microsoft.com/office/officeart/2005/8/layout/vList2" loCatId="list" qsTypeId="urn:microsoft.com/office/officeart/2005/8/quickstyle/simple1" qsCatId="simple" csTypeId="urn:microsoft.com/office/officeart/2005/8/colors/accent1_2" csCatId="accent1"/>
+      <dgm:prSet loTypeId="urn:microsoft.com/office/officeart/2008/layout/LinedList" loCatId="list" qsTypeId="urn:microsoft.com/office/officeart/2005/8/quickstyle/simple1" qsCatId="simple" csTypeId="urn:microsoft.com/office/officeart/2005/8/colors/accent1_2" csCatId="accent1"/>
       <dgm:spPr/>
       <dgm:t>
         <a:bodyPr/>
@@ -3410,87 +4159,387 @@
         </a:p>
       </dgm:t>
     </dgm:pt>
-    <dgm:pt modelId="{FF3248F4-919A-420F-9BB2-A094EEECB889}" type="pres">
-      <dgm:prSet presAssocID="{035739F2-D94E-414C-A61F-415D8101947E}" presName="linear" presStyleCnt="0">
+    <dgm:pt modelId="{87E84B36-B3ED-4346-A4D9-9ECE9231BD11}" type="pres">
+      <dgm:prSet presAssocID="{035739F2-D94E-414C-A61F-415D8101947E}" presName="vert0" presStyleCnt="0">
         <dgm:presLayoutVars>
+          <dgm:dir/>
+          <dgm:animOne val="branch"/>
           <dgm:animLvl val="lvl"/>
-          <dgm:resizeHandles val="exact"/>
         </dgm:presLayoutVars>
       </dgm:prSet>
       <dgm:spPr/>
     </dgm:pt>
-    <dgm:pt modelId="{9FF67C9A-929C-47AE-A6F1-E527ED073BDC}" type="pres">
-      <dgm:prSet presAssocID="{512339C3-81BF-43AE-B778-FEE83640F5FA}" presName="parentText" presStyleLbl="node1" presStyleIdx="0" presStyleCnt="4">
-        <dgm:presLayoutVars>
-          <dgm:chMax val="0"/>
-          <dgm:bulletEnabled val="1"/>
-        </dgm:presLayoutVars>
-      </dgm:prSet>
+    <dgm:pt modelId="{DCFD0904-4CA5-43D8-BB57-C5B0E191F2B3}" type="pres">
+      <dgm:prSet presAssocID="{512339C3-81BF-43AE-B778-FEE83640F5FA}" presName="thickLine" presStyleLbl="alignNode1" presStyleIdx="0" presStyleCnt="4"/>
       <dgm:spPr/>
     </dgm:pt>
-    <dgm:pt modelId="{0B2F23C6-DA55-43A7-8611-694AA4840D2B}" type="pres">
-      <dgm:prSet presAssocID="{F4F36CA2-0EB0-41DA-9BD2-ADE6680D8615}" presName="spacer" presStyleCnt="0"/>
+    <dgm:pt modelId="{F3FC65D0-92D2-48B8-90D0-D8B4EFE93481}" type="pres">
+      <dgm:prSet presAssocID="{512339C3-81BF-43AE-B778-FEE83640F5FA}" presName="horz1" presStyleCnt="0"/>
       <dgm:spPr/>
     </dgm:pt>
-    <dgm:pt modelId="{226B0D95-4299-4198-B5EE-37FF69719AB2}" type="pres">
-      <dgm:prSet presAssocID="{8783D090-CFD6-4476-B0CA-5EA376810925}" presName="parentText" presStyleLbl="node1" presStyleIdx="1" presStyleCnt="4">
-        <dgm:presLayoutVars>
-          <dgm:chMax val="0"/>
-          <dgm:bulletEnabled val="1"/>
-        </dgm:presLayoutVars>
-      </dgm:prSet>
+    <dgm:pt modelId="{71789107-742C-4C20-AD5F-A5DBBEFB472B}" type="pres">
+      <dgm:prSet presAssocID="{512339C3-81BF-43AE-B778-FEE83640F5FA}" presName="tx1" presStyleLbl="revTx" presStyleIdx="0" presStyleCnt="4"/>
       <dgm:spPr/>
     </dgm:pt>
-    <dgm:pt modelId="{37887273-DE55-4EA2-BBC8-C6259ACD1F2A}" type="pres">
-      <dgm:prSet presAssocID="{11D72609-55FE-4000-AF9F-3CC7EAD55F3D}" presName="spacer" presStyleCnt="0"/>
+    <dgm:pt modelId="{FCF3B4DA-F5FF-4013-BFC1-8FB820697611}" type="pres">
+      <dgm:prSet presAssocID="{512339C3-81BF-43AE-B778-FEE83640F5FA}" presName="vert1" presStyleCnt="0"/>
       <dgm:spPr/>
     </dgm:pt>
-    <dgm:pt modelId="{8C8C75F4-DA85-4A4D-AE71-1E776F1EB4E5}" type="pres">
-      <dgm:prSet presAssocID="{F9937AED-EFA7-4379-A383-9EB68D254142}" presName="parentText" presStyleLbl="node1" presStyleIdx="2" presStyleCnt="4">
-        <dgm:presLayoutVars>
-          <dgm:chMax val="0"/>
-          <dgm:bulletEnabled val="1"/>
-        </dgm:presLayoutVars>
-      </dgm:prSet>
+    <dgm:pt modelId="{D727558D-40EE-4DAA-A5E3-B4CF3E2DDC4A}" type="pres">
+      <dgm:prSet presAssocID="{8783D090-CFD6-4476-B0CA-5EA376810925}" presName="thickLine" presStyleLbl="alignNode1" presStyleIdx="1" presStyleCnt="4"/>
       <dgm:spPr/>
     </dgm:pt>
-    <dgm:pt modelId="{C8822CD8-933C-438F-93C2-A18DBD8218F5}" type="pres">
-      <dgm:prSet presAssocID="{FC78A884-4E22-434D-B5A2-23C6F9B4ECEF}" presName="spacer" presStyleCnt="0"/>
+    <dgm:pt modelId="{D142F2D3-1D2A-44FE-8A4C-82CEB7C3CFB8}" type="pres">
+      <dgm:prSet presAssocID="{8783D090-CFD6-4476-B0CA-5EA376810925}" presName="horz1" presStyleCnt="0"/>
       <dgm:spPr/>
     </dgm:pt>
-    <dgm:pt modelId="{FB6CBF6C-BB74-49ED-BDA0-82B24AA15E7B}" type="pres">
-      <dgm:prSet presAssocID="{94FCFFCF-3364-479F-BDF4-9BA9404479EE}" presName="parentText" presStyleLbl="node1" presStyleIdx="3" presStyleCnt="4">
-        <dgm:presLayoutVars>
-          <dgm:chMax val="0"/>
-          <dgm:bulletEnabled val="1"/>
-        </dgm:presLayoutVars>
-      </dgm:prSet>
+    <dgm:pt modelId="{2F077E27-EBB5-4696-9D91-08A6A12563BC}" type="pres">
+      <dgm:prSet presAssocID="{8783D090-CFD6-4476-B0CA-5EA376810925}" presName="tx1" presStyleLbl="revTx" presStyleIdx="1" presStyleCnt="4"/>
+      <dgm:spPr/>
+    </dgm:pt>
+    <dgm:pt modelId="{F05DA178-45A2-47F3-9D69-1AB96909870A}" type="pres">
+      <dgm:prSet presAssocID="{8783D090-CFD6-4476-B0CA-5EA376810925}" presName="vert1" presStyleCnt="0"/>
+      <dgm:spPr/>
+    </dgm:pt>
+    <dgm:pt modelId="{B9EE75F8-B707-4946-9F68-6FE938526B2E}" type="pres">
+      <dgm:prSet presAssocID="{F9937AED-EFA7-4379-A383-9EB68D254142}" presName="thickLine" presStyleLbl="alignNode1" presStyleIdx="2" presStyleCnt="4"/>
+      <dgm:spPr/>
+    </dgm:pt>
+    <dgm:pt modelId="{CBF33134-2889-4BE6-8928-E9C887C4680B}" type="pres">
+      <dgm:prSet presAssocID="{F9937AED-EFA7-4379-A383-9EB68D254142}" presName="horz1" presStyleCnt="0"/>
+      <dgm:spPr/>
+    </dgm:pt>
+    <dgm:pt modelId="{851123C1-8D17-4557-9CCA-E24DEE4FEA15}" type="pres">
+      <dgm:prSet presAssocID="{F9937AED-EFA7-4379-A383-9EB68D254142}" presName="tx1" presStyleLbl="revTx" presStyleIdx="2" presStyleCnt="4"/>
+      <dgm:spPr/>
+    </dgm:pt>
+    <dgm:pt modelId="{153C39F0-6265-4BE4-BFDB-FE84E8E7F873}" type="pres">
+      <dgm:prSet presAssocID="{F9937AED-EFA7-4379-A383-9EB68D254142}" presName="vert1" presStyleCnt="0"/>
+      <dgm:spPr/>
+    </dgm:pt>
+    <dgm:pt modelId="{20C28B72-D504-4BFE-A6A7-DB230F599FEF}" type="pres">
+      <dgm:prSet presAssocID="{94FCFFCF-3364-479F-BDF4-9BA9404479EE}" presName="thickLine" presStyleLbl="alignNode1" presStyleIdx="3" presStyleCnt="4"/>
+      <dgm:spPr/>
+    </dgm:pt>
+    <dgm:pt modelId="{66C3738B-CB58-4CE1-AEA0-EDED2AED6D54}" type="pres">
+      <dgm:prSet presAssocID="{94FCFFCF-3364-479F-BDF4-9BA9404479EE}" presName="horz1" presStyleCnt="0"/>
+      <dgm:spPr/>
+    </dgm:pt>
+    <dgm:pt modelId="{905B42CE-2404-4A60-9DA7-5BD4DDA26C9E}" type="pres">
+      <dgm:prSet presAssocID="{94FCFFCF-3364-479F-BDF4-9BA9404479EE}" presName="tx1" presStyleLbl="revTx" presStyleIdx="3" presStyleCnt="4"/>
+      <dgm:spPr/>
+    </dgm:pt>
+    <dgm:pt modelId="{539B5986-7480-4421-8DE4-F3ED6A669A1D}" type="pres">
+      <dgm:prSet presAssocID="{94FCFFCF-3364-479F-BDF4-9BA9404479EE}" presName="vert1" presStyleCnt="0"/>
       <dgm:spPr/>
     </dgm:pt>
   </dgm:ptLst>
   <dgm:cxnLst>
+    <dgm:cxn modelId="{8AB46222-0F3D-4480-A18D-9ACEDFBF79E9}" type="presOf" srcId="{512339C3-81BF-43AE-B778-FEE83640F5FA}" destId="{71789107-742C-4C20-AD5F-A5DBBEFB472B}" srcOrd="0" destOrd="0" presId="urn:microsoft.com/office/officeart/2008/layout/LinedList"/>
     <dgm:cxn modelId="{24592833-A224-42FC-A488-F248F5A29CBF}" srcId="{035739F2-D94E-414C-A61F-415D8101947E}" destId="{8783D090-CFD6-4476-B0CA-5EA376810925}" srcOrd="1" destOrd="0" parTransId="{E221D34D-C4C2-41FA-91B3-E81447E0EF8C}" sibTransId="{11D72609-55FE-4000-AF9F-3CC7EAD55F3D}"/>
+    <dgm:cxn modelId="{B3F9EA36-A80E-4134-9CA0-BCF46D7E6C35}" type="presOf" srcId="{94FCFFCF-3364-479F-BDF4-9BA9404479EE}" destId="{905B42CE-2404-4A60-9DA7-5BD4DDA26C9E}" srcOrd="0" destOrd="0" presId="urn:microsoft.com/office/officeart/2008/layout/LinedList"/>
     <dgm:cxn modelId="{26CA8A53-3336-47E5-B073-56D77B3759A7}" srcId="{035739F2-D94E-414C-A61F-415D8101947E}" destId="{512339C3-81BF-43AE-B778-FEE83640F5FA}" srcOrd="0" destOrd="0" parTransId="{0E41E188-B5F1-4F72-9E1E-CA68CA673CB5}" sibTransId="{F4F36CA2-0EB0-41DA-9BD2-ADE6680D8615}"/>
     <dgm:cxn modelId="{DC903577-3A46-4A1A-99B7-D8A57EE359B1}" srcId="{035739F2-D94E-414C-A61F-415D8101947E}" destId="{94FCFFCF-3364-479F-BDF4-9BA9404479EE}" srcOrd="3" destOrd="0" parTransId="{446386D9-902C-4294-909E-F7FFB736CC54}" sibTransId="{C0D30E8D-0D92-4F3F-B37E-BCA06375F048}"/>
     <dgm:cxn modelId="{0C077D59-2248-47D0-9277-D10DF46D0A30}" srcId="{035739F2-D94E-414C-A61F-415D8101947E}" destId="{F9937AED-EFA7-4379-A383-9EB68D254142}" srcOrd="2" destOrd="0" parTransId="{0A237CC7-68B0-43AC-AD97-598FC61D567D}" sibTransId="{FC78A884-4E22-434D-B5A2-23C6F9B4ECEF}"/>
-    <dgm:cxn modelId="{82BEA2AD-87EF-45FA-939E-278F8EADE4C1}" type="presOf" srcId="{035739F2-D94E-414C-A61F-415D8101947E}" destId="{FF3248F4-919A-420F-9BB2-A094EEECB889}" srcOrd="0" destOrd="0" presId="urn:microsoft.com/office/officeart/2005/8/layout/vList2"/>
-    <dgm:cxn modelId="{8F4D61C3-1129-4796-A077-6EBA16873211}" type="presOf" srcId="{F9937AED-EFA7-4379-A383-9EB68D254142}" destId="{8C8C75F4-DA85-4A4D-AE71-1E776F1EB4E5}" srcOrd="0" destOrd="0" presId="urn:microsoft.com/office/officeart/2005/8/layout/vList2"/>
-    <dgm:cxn modelId="{871FBFD3-FC3B-4A6C-8892-58DC50716B7A}" type="presOf" srcId="{94FCFFCF-3364-479F-BDF4-9BA9404479EE}" destId="{FB6CBF6C-BB74-49ED-BDA0-82B24AA15E7B}" srcOrd="0" destOrd="0" presId="urn:microsoft.com/office/officeart/2005/8/layout/vList2"/>
-    <dgm:cxn modelId="{041786EF-2B69-40FB-8B06-5A66B48E5AEE}" type="presOf" srcId="{512339C3-81BF-43AE-B778-FEE83640F5FA}" destId="{9FF67C9A-929C-47AE-A6F1-E527ED073BDC}" srcOrd="0" destOrd="0" presId="urn:microsoft.com/office/officeart/2005/8/layout/vList2"/>
-    <dgm:cxn modelId="{2B7132F4-DC1D-4825-8DB6-6B3B63736609}" type="presOf" srcId="{8783D090-CFD6-4476-B0CA-5EA376810925}" destId="{226B0D95-4299-4198-B5EE-37FF69719AB2}" srcOrd="0" destOrd="0" presId="urn:microsoft.com/office/officeart/2005/8/layout/vList2"/>
-    <dgm:cxn modelId="{98B1F489-199F-46DA-BEB2-0177EFDA5E53}" type="presParOf" srcId="{FF3248F4-919A-420F-9BB2-A094EEECB889}" destId="{9FF67C9A-929C-47AE-A6F1-E527ED073BDC}" srcOrd="0" destOrd="0" presId="urn:microsoft.com/office/officeart/2005/8/layout/vList2"/>
-    <dgm:cxn modelId="{CFAFE50F-4387-44B2-A49B-A91CEF81502B}" type="presParOf" srcId="{FF3248F4-919A-420F-9BB2-A094EEECB889}" destId="{0B2F23C6-DA55-43A7-8611-694AA4840D2B}" srcOrd="1" destOrd="0" presId="urn:microsoft.com/office/officeart/2005/8/layout/vList2"/>
-    <dgm:cxn modelId="{B46C8753-6304-4676-8E73-15329CC56734}" type="presParOf" srcId="{FF3248F4-919A-420F-9BB2-A094EEECB889}" destId="{226B0D95-4299-4198-B5EE-37FF69719AB2}" srcOrd="2" destOrd="0" presId="urn:microsoft.com/office/officeart/2005/8/layout/vList2"/>
-    <dgm:cxn modelId="{7B9589A8-55A9-4D8A-A979-C794AC3671A4}" type="presParOf" srcId="{FF3248F4-919A-420F-9BB2-A094EEECB889}" destId="{37887273-DE55-4EA2-BBC8-C6259ACD1F2A}" srcOrd="3" destOrd="0" presId="urn:microsoft.com/office/officeart/2005/8/layout/vList2"/>
-    <dgm:cxn modelId="{8B7F60B8-A0FB-4D31-97D7-821DFCC54740}" type="presParOf" srcId="{FF3248F4-919A-420F-9BB2-A094EEECB889}" destId="{8C8C75F4-DA85-4A4D-AE71-1E776F1EB4E5}" srcOrd="4" destOrd="0" presId="urn:microsoft.com/office/officeart/2005/8/layout/vList2"/>
-    <dgm:cxn modelId="{33F78B9C-36C6-4815-BF48-A2BE306A2928}" type="presParOf" srcId="{FF3248F4-919A-420F-9BB2-A094EEECB889}" destId="{C8822CD8-933C-438F-93C2-A18DBD8218F5}" srcOrd="5" destOrd="0" presId="urn:microsoft.com/office/officeart/2005/8/layout/vList2"/>
-    <dgm:cxn modelId="{8BF51ABC-7662-4DD6-AF60-F6EDDE015D27}" type="presParOf" srcId="{FF3248F4-919A-420F-9BB2-A094EEECB889}" destId="{FB6CBF6C-BB74-49ED-BDA0-82B24AA15E7B}" srcOrd="6" destOrd="0" presId="urn:microsoft.com/office/officeart/2005/8/layout/vList2"/>
+    <dgm:cxn modelId="{014FE79A-946D-4BC9-B240-9750746D9F62}" type="presOf" srcId="{035739F2-D94E-414C-A61F-415D8101947E}" destId="{87E84B36-B3ED-4346-A4D9-9ECE9231BD11}" srcOrd="0" destOrd="0" presId="urn:microsoft.com/office/officeart/2008/layout/LinedList"/>
+    <dgm:cxn modelId="{DD796FDB-8EDA-4D56-8191-2D044BEF8124}" type="presOf" srcId="{8783D090-CFD6-4476-B0CA-5EA376810925}" destId="{2F077E27-EBB5-4696-9D91-08A6A12563BC}" srcOrd="0" destOrd="0" presId="urn:microsoft.com/office/officeart/2008/layout/LinedList"/>
+    <dgm:cxn modelId="{3CF256EE-87AF-4BC0-BA22-71E52BECBCE8}" type="presOf" srcId="{F9937AED-EFA7-4379-A383-9EB68D254142}" destId="{851123C1-8D17-4557-9CCA-E24DEE4FEA15}" srcOrd="0" destOrd="0" presId="urn:microsoft.com/office/officeart/2008/layout/LinedList"/>
+    <dgm:cxn modelId="{FEC9E388-2BE7-4A54-8D04-6CED4AF53906}" type="presParOf" srcId="{87E84B36-B3ED-4346-A4D9-9ECE9231BD11}" destId="{DCFD0904-4CA5-43D8-BB57-C5B0E191F2B3}" srcOrd="0" destOrd="0" presId="urn:microsoft.com/office/officeart/2008/layout/LinedList"/>
+    <dgm:cxn modelId="{3C30E985-B1B3-4D5D-B80B-BA82C9B764D4}" type="presParOf" srcId="{87E84B36-B3ED-4346-A4D9-9ECE9231BD11}" destId="{F3FC65D0-92D2-48B8-90D0-D8B4EFE93481}" srcOrd="1" destOrd="0" presId="urn:microsoft.com/office/officeart/2008/layout/LinedList"/>
+    <dgm:cxn modelId="{8CFA75D1-05E5-409D-B65B-2C8D2F12D894}" type="presParOf" srcId="{F3FC65D0-92D2-48B8-90D0-D8B4EFE93481}" destId="{71789107-742C-4C20-AD5F-A5DBBEFB472B}" srcOrd="0" destOrd="0" presId="urn:microsoft.com/office/officeart/2008/layout/LinedList"/>
+    <dgm:cxn modelId="{8BD307C1-CF08-4965-898D-4F4994A44F78}" type="presParOf" srcId="{F3FC65D0-92D2-48B8-90D0-D8B4EFE93481}" destId="{FCF3B4DA-F5FF-4013-BFC1-8FB820697611}" srcOrd="1" destOrd="0" presId="urn:microsoft.com/office/officeart/2008/layout/LinedList"/>
+    <dgm:cxn modelId="{5EF4484B-5D64-4F8D-B4A8-262DDBC2442A}" type="presParOf" srcId="{87E84B36-B3ED-4346-A4D9-9ECE9231BD11}" destId="{D727558D-40EE-4DAA-A5E3-B4CF3E2DDC4A}" srcOrd="2" destOrd="0" presId="urn:microsoft.com/office/officeart/2008/layout/LinedList"/>
+    <dgm:cxn modelId="{B289402F-C7DD-40C3-AEF2-1B9982BA3452}" type="presParOf" srcId="{87E84B36-B3ED-4346-A4D9-9ECE9231BD11}" destId="{D142F2D3-1D2A-44FE-8A4C-82CEB7C3CFB8}" srcOrd="3" destOrd="0" presId="urn:microsoft.com/office/officeart/2008/layout/LinedList"/>
+    <dgm:cxn modelId="{A46C1102-5CD8-4F44-A7D4-0F7FF377D423}" type="presParOf" srcId="{D142F2D3-1D2A-44FE-8A4C-82CEB7C3CFB8}" destId="{2F077E27-EBB5-4696-9D91-08A6A12563BC}" srcOrd="0" destOrd="0" presId="urn:microsoft.com/office/officeart/2008/layout/LinedList"/>
+    <dgm:cxn modelId="{A3B6ABA0-4B53-47EC-85E8-3E20682E1867}" type="presParOf" srcId="{D142F2D3-1D2A-44FE-8A4C-82CEB7C3CFB8}" destId="{F05DA178-45A2-47F3-9D69-1AB96909870A}" srcOrd="1" destOrd="0" presId="urn:microsoft.com/office/officeart/2008/layout/LinedList"/>
+    <dgm:cxn modelId="{59F07F0A-834E-4559-8894-CF2C2E8BB03D}" type="presParOf" srcId="{87E84B36-B3ED-4346-A4D9-9ECE9231BD11}" destId="{B9EE75F8-B707-4946-9F68-6FE938526B2E}" srcOrd="4" destOrd="0" presId="urn:microsoft.com/office/officeart/2008/layout/LinedList"/>
+    <dgm:cxn modelId="{348A4D9D-1392-4998-ABAD-54B1764F4DA7}" type="presParOf" srcId="{87E84B36-B3ED-4346-A4D9-9ECE9231BD11}" destId="{CBF33134-2889-4BE6-8928-E9C887C4680B}" srcOrd="5" destOrd="0" presId="urn:microsoft.com/office/officeart/2008/layout/LinedList"/>
+    <dgm:cxn modelId="{3F113C5A-B9AB-48FE-82B3-4D667589F91E}" type="presParOf" srcId="{CBF33134-2889-4BE6-8928-E9C887C4680B}" destId="{851123C1-8D17-4557-9CCA-E24DEE4FEA15}" srcOrd="0" destOrd="0" presId="urn:microsoft.com/office/officeart/2008/layout/LinedList"/>
+    <dgm:cxn modelId="{ADDFCC37-68A9-4819-B419-6212CAA7CEFC}" type="presParOf" srcId="{CBF33134-2889-4BE6-8928-E9C887C4680B}" destId="{153C39F0-6265-4BE4-BFDB-FE84E8E7F873}" srcOrd="1" destOrd="0" presId="urn:microsoft.com/office/officeart/2008/layout/LinedList"/>
+    <dgm:cxn modelId="{C05D2B4B-C6E5-47DD-9950-82999697A444}" type="presParOf" srcId="{87E84B36-B3ED-4346-A4D9-9ECE9231BD11}" destId="{20C28B72-D504-4BFE-A6A7-DB230F599FEF}" srcOrd="6" destOrd="0" presId="urn:microsoft.com/office/officeart/2008/layout/LinedList"/>
+    <dgm:cxn modelId="{FFEC7E75-D528-4738-B467-CAFD2E943F24}" type="presParOf" srcId="{87E84B36-B3ED-4346-A4D9-9ECE9231BD11}" destId="{66C3738B-CB58-4CE1-AEA0-EDED2AED6D54}" srcOrd="7" destOrd="0" presId="urn:microsoft.com/office/officeart/2008/layout/LinedList"/>
+    <dgm:cxn modelId="{E427BED1-5036-4B60-AB2F-48B7155E0B2E}" type="presParOf" srcId="{66C3738B-CB58-4CE1-AEA0-EDED2AED6D54}" destId="{905B42CE-2404-4A60-9DA7-5BD4DDA26C9E}" srcOrd="0" destOrd="0" presId="urn:microsoft.com/office/officeart/2008/layout/LinedList"/>
+    <dgm:cxn modelId="{4578893C-E9D9-4203-A2DE-7FD96BC46D0D}" type="presParOf" srcId="{66C3738B-CB58-4CE1-AEA0-EDED2AED6D54}" destId="{539B5986-7480-4421-8DE4-F3ED6A669A1D}" srcOrd="1" destOrd="0" presId="urn:microsoft.com/office/officeart/2008/layout/LinedList"/>
   </dgm:cxnLst>
   <dgm:bg/>
   <dgm:whole/>
   <dgm:extLst>
     <a:ext uri="http://schemas.microsoft.com/office/drawing/2008/diagram">
       <dsp:dataModelExt xmlns:dsp="http://schemas.microsoft.com/office/drawing/2008/diagram" relId="rId7" minVer="http://schemas.openxmlformats.org/drawingml/2006/diagram"/>
+    </a:ext>
+  </dgm:extLst>
+</dgm:dataModel>
+</file>
+
+<file path=ppt/diagrams/data4.xml><?xml version="1.0" encoding="utf-8"?>
+<dgm:dataModel xmlns:dgm="http://schemas.openxmlformats.org/drawingml/2006/diagram" xmlns:a="http://schemas.openxmlformats.org/drawingml/2006/main">
+  <dgm:ptLst>
+    <dgm:pt modelId="{C13C2A8F-3F5C-476B-8AC9-533864BFAA77}" type="doc">
+      <dgm:prSet loTypeId="urn:microsoft.com/office/officeart/2008/layout/LinedList" loCatId="list" qsTypeId="urn:microsoft.com/office/officeart/2005/8/quickstyle/simple1" qsCatId="simple" csTypeId="urn:microsoft.com/office/officeart/2005/8/colors/accent1_2" csCatId="accent1"/>
+      <dgm:spPr/>
+      <dgm:t>
+        <a:bodyPr/>
+        <a:lstStyle/>
+        <a:p>
+          <a:endParaRPr lang="en-US"/>
+        </a:p>
+      </dgm:t>
+    </dgm:pt>
+    <dgm:pt modelId="{B0D10C9A-A4CB-4302-8D9D-3F5ACE210271}">
+      <dgm:prSet/>
+      <dgm:spPr/>
+      <dgm:t>
+        <a:bodyPr/>
+        <a:lstStyle/>
+        <a:p>
+          <a:r>
+            <a:rPr lang="cs-CZ"/>
+            <a:t>Velmi dobrý jazyk pro programátory sofistikovaných software systémů</a:t>
+          </a:r>
+          <a:endParaRPr lang="en-US"/>
+        </a:p>
+      </dgm:t>
+    </dgm:pt>
+    <dgm:pt modelId="{D537446A-073B-4440-A1D2-023FA71FA3F2}" type="parTrans" cxnId="{5BDCE77A-A2F9-4C03-80F9-431DC283E4A9}">
+      <dgm:prSet/>
+      <dgm:spPr/>
+      <dgm:t>
+        <a:bodyPr/>
+        <a:lstStyle/>
+        <a:p>
+          <a:endParaRPr lang="en-US"/>
+        </a:p>
+      </dgm:t>
+    </dgm:pt>
+    <dgm:pt modelId="{5A9777AD-FB0C-403C-96D0-27CC6F1C4064}" type="sibTrans" cxnId="{5BDCE77A-A2F9-4C03-80F9-431DC283E4A9}">
+      <dgm:prSet/>
+      <dgm:spPr/>
+      <dgm:t>
+        <a:bodyPr/>
+        <a:lstStyle/>
+        <a:p>
+          <a:endParaRPr lang="en-US"/>
+        </a:p>
+      </dgm:t>
+    </dgm:pt>
+    <dgm:pt modelId="{ADF2D388-45D8-423E-94FD-4116EE1040EA}">
+      <dgm:prSet/>
+      <dgm:spPr/>
+      <dgm:t>
+        <a:bodyPr/>
+        <a:lstStyle/>
+        <a:p>
+          <a:r>
+            <a:rPr lang="cs-CZ"/>
+            <a:t>Je velmi čitelný a lehký na naučení</a:t>
+          </a:r>
+          <a:endParaRPr lang="en-US"/>
+        </a:p>
+      </dgm:t>
+    </dgm:pt>
+    <dgm:pt modelId="{4702A1EC-22D8-42F8-8571-E3BBB611AD46}" type="parTrans" cxnId="{36ED627E-667E-41A8-8006-33CE449C307C}">
+      <dgm:prSet/>
+      <dgm:spPr/>
+      <dgm:t>
+        <a:bodyPr/>
+        <a:lstStyle/>
+        <a:p>
+          <a:endParaRPr lang="en-US"/>
+        </a:p>
+      </dgm:t>
+    </dgm:pt>
+    <dgm:pt modelId="{3EFFDCD0-226D-438A-B623-A2E1CF34A1A7}" type="sibTrans" cxnId="{36ED627E-667E-41A8-8006-33CE449C307C}">
+      <dgm:prSet/>
+      <dgm:spPr/>
+      <dgm:t>
+        <a:bodyPr/>
+        <a:lstStyle/>
+        <a:p>
+          <a:endParaRPr lang="en-US"/>
+        </a:p>
+      </dgm:t>
+    </dgm:pt>
+    <dgm:pt modelId="{D1DD9A3D-8445-4DCC-9EE8-B5F532C7FCA1}">
+      <dgm:prSet/>
+      <dgm:spPr/>
+      <dgm:t>
+        <a:bodyPr/>
+        <a:lstStyle/>
+        <a:p>
+          <a:r>
+            <a:rPr lang="cs-CZ"/>
+            <a:t>Je rychlý a účinný</a:t>
+          </a:r>
+          <a:endParaRPr lang="en-US"/>
+        </a:p>
+      </dgm:t>
+    </dgm:pt>
+    <dgm:pt modelId="{BDBB39E7-F794-48DB-A9C9-5C3FA9FD723D}" type="parTrans" cxnId="{30D3013C-16C9-4C7F-A9B4-9478E3E327D1}">
+      <dgm:prSet/>
+      <dgm:spPr/>
+      <dgm:t>
+        <a:bodyPr/>
+        <a:lstStyle/>
+        <a:p>
+          <a:endParaRPr lang="en-US"/>
+        </a:p>
+      </dgm:t>
+    </dgm:pt>
+    <dgm:pt modelId="{708EC954-949D-4CEB-AC2E-1340D3524CE7}" type="sibTrans" cxnId="{30D3013C-16C9-4C7F-A9B4-9478E3E327D1}">
+      <dgm:prSet/>
+      <dgm:spPr/>
+      <dgm:t>
+        <a:bodyPr/>
+        <a:lstStyle/>
+        <a:p>
+          <a:endParaRPr lang="en-US"/>
+        </a:p>
+      </dgm:t>
+    </dgm:pt>
+    <dgm:pt modelId="{D202FABA-0E44-414D-8460-153A065ED1F9}">
+      <dgm:prSet/>
+      <dgm:spPr/>
+      <dgm:t>
+        <a:bodyPr/>
+        <a:lstStyle/>
+        <a:p>
+          <a:r>
+            <a:rPr lang="cs-CZ"/>
+            <a:t>Je přenosný</a:t>
+          </a:r>
+          <a:endParaRPr lang="en-US"/>
+        </a:p>
+      </dgm:t>
+    </dgm:pt>
+    <dgm:pt modelId="{61E68734-24F9-4680-A56C-439E5B67A644}" type="parTrans" cxnId="{71212A5D-CC4D-45D0-88C8-F3F89069225D}">
+      <dgm:prSet/>
+      <dgm:spPr/>
+      <dgm:t>
+        <a:bodyPr/>
+        <a:lstStyle/>
+        <a:p>
+          <a:endParaRPr lang="en-US"/>
+        </a:p>
+      </dgm:t>
+    </dgm:pt>
+    <dgm:pt modelId="{6E2E72A1-BCB9-44D8-874B-D3C4091C5972}" type="sibTrans" cxnId="{71212A5D-CC4D-45D0-88C8-F3F89069225D}">
+      <dgm:prSet/>
+      <dgm:spPr/>
+      <dgm:t>
+        <a:bodyPr/>
+        <a:lstStyle/>
+        <a:p>
+          <a:endParaRPr lang="en-US"/>
+        </a:p>
+      </dgm:t>
+    </dgm:pt>
+    <dgm:pt modelId="{4BE056CB-90AE-4E41-8FBB-45473AF42737}" type="pres">
+      <dgm:prSet presAssocID="{C13C2A8F-3F5C-476B-8AC9-533864BFAA77}" presName="vert0" presStyleCnt="0">
+        <dgm:presLayoutVars>
+          <dgm:dir/>
+          <dgm:animOne val="branch"/>
+          <dgm:animLvl val="lvl"/>
+        </dgm:presLayoutVars>
+      </dgm:prSet>
+      <dgm:spPr/>
+    </dgm:pt>
+    <dgm:pt modelId="{2D2EF8E3-A643-4FBB-AE79-0385F3700C80}" type="pres">
+      <dgm:prSet presAssocID="{B0D10C9A-A4CB-4302-8D9D-3F5ACE210271}" presName="thickLine" presStyleLbl="alignNode1" presStyleIdx="0" presStyleCnt="4"/>
+      <dgm:spPr/>
+    </dgm:pt>
+    <dgm:pt modelId="{9BF0CE60-F1D9-4147-B70E-6037593612D6}" type="pres">
+      <dgm:prSet presAssocID="{B0D10C9A-A4CB-4302-8D9D-3F5ACE210271}" presName="horz1" presStyleCnt="0"/>
+      <dgm:spPr/>
+    </dgm:pt>
+    <dgm:pt modelId="{31AEF5FE-9DB7-44F4-A1F4-B3FD6307EE08}" type="pres">
+      <dgm:prSet presAssocID="{B0D10C9A-A4CB-4302-8D9D-3F5ACE210271}" presName="tx1" presStyleLbl="revTx" presStyleIdx="0" presStyleCnt="4"/>
+      <dgm:spPr/>
+    </dgm:pt>
+    <dgm:pt modelId="{FAE95AD4-442C-4F30-BB35-C88AE5CCC7D2}" type="pres">
+      <dgm:prSet presAssocID="{B0D10C9A-A4CB-4302-8D9D-3F5ACE210271}" presName="vert1" presStyleCnt="0"/>
+      <dgm:spPr/>
+    </dgm:pt>
+    <dgm:pt modelId="{4E4D36BB-FC1D-4906-ABE7-86FFA2D9D619}" type="pres">
+      <dgm:prSet presAssocID="{ADF2D388-45D8-423E-94FD-4116EE1040EA}" presName="thickLine" presStyleLbl="alignNode1" presStyleIdx="1" presStyleCnt="4"/>
+      <dgm:spPr/>
+    </dgm:pt>
+    <dgm:pt modelId="{6600E0F1-F069-4173-B959-60F595BDB504}" type="pres">
+      <dgm:prSet presAssocID="{ADF2D388-45D8-423E-94FD-4116EE1040EA}" presName="horz1" presStyleCnt="0"/>
+      <dgm:spPr/>
+    </dgm:pt>
+    <dgm:pt modelId="{69D5A59A-8F32-49F4-9C6D-EF5D9B00F56D}" type="pres">
+      <dgm:prSet presAssocID="{ADF2D388-45D8-423E-94FD-4116EE1040EA}" presName="tx1" presStyleLbl="revTx" presStyleIdx="1" presStyleCnt="4"/>
+      <dgm:spPr/>
+    </dgm:pt>
+    <dgm:pt modelId="{D42BB65A-0A69-4A88-BD5A-28E77C132892}" type="pres">
+      <dgm:prSet presAssocID="{ADF2D388-45D8-423E-94FD-4116EE1040EA}" presName="vert1" presStyleCnt="0"/>
+      <dgm:spPr/>
+    </dgm:pt>
+    <dgm:pt modelId="{1387FBDF-40A4-4565-A75A-793F686E5E31}" type="pres">
+      <dgm:prSet presAssocID="{D1DD9A3D-8445-4DCC-9EE8-B5F532C7FCA1}" presName="thickLine" presStyleLbl="alignNode1" presStyleIdx="2" presStyleCnt="4"/>
+      <dgm:spPr/>
+    </dgm:pt>
+    <dgm:pt modelId="{0B6C4DB9-F8B0-41EF-8393-4C68F88814EF}" type="pres">
+      <dgm:prSet presAssocID="{D1DD9A3D-8445-4DCC-9EE8-B5F532C7FCA1}" presName="horz1" presStyleCnt="0"/>
+      <dgm:spPr/>
+    </dgm:pt>
+    <dgm:pt modelId="{6BCBF440-1193-45BA-AD15-47A255E971EF}" type="pres">
+      <dgm:prSet presAssocID="{D1DD9A3D-8445-4DCC-9EE8-B5F532C7FCA1}" presName="tx1" presStyleLbl="revTx" presStyleIdx="2" presStyleCnt="4"/>
+      <dgm:spPr/>
+    </dgm:pt>
+    <dgm:pt modelId="{7A88FABE-6320-4ED3-9174-9E38538E02C9}" type="pres">
+      <dgm:prSet presAssocID="{D1DD9A3D-8445-4DCC-9EE8-B5F532C7FCA1}" presName="vert1" presStyleCnt="0"/>
+      <dgm:spPr/>
+    </dgm:pt>
+    <dgm:pt modelId="{16166C92-6AC4-4A3D-9AA1-ADD32C55614C}" type="pres">
+      <dgm:prSet presAssocID="{D202FABA-0E44-414D-8460-153A065ED1F9}" presName="thickLine" presStyleLbl="alignNode1" presStyleIdx="3" presStyleCnt="4"/>
+      <dgm:spPr/>
+    </dgm:pt>
+    <dgm:pt modelId="{70D48B9C-8354-45F8-A425-403EFAF71ECA}" type="pres">
+      <dgm:prSet presAssocID="{D202FABA-0E44-414D-8460-153A065ED1F9}" presName="horz1" presStyleCnt="0"/>
+      <dgm:spPr/>
+    </dgm:pt>
+    <dgm:pt modelId="{0CD52AAA-8C59-407E-9118-156C0555611E}" type="pres">
+      <dgm:prSet presAssocID="{D202FABA-0E44-414D-8460-153A065ED1F9}" presName="tx1" presStyleLbl="revTx" presStyleIdx="3" presStyleCnt="4"/>
+      <dgm:spPr/>
+    </dgm:pt>
+    <dgm:pt modelId="{18A731B7-C7CC-4AAD-9462-E947A6130B4A}" type="pres">
+      <dgm:prSet presAssocID="{D202FABA-0E44-414D-8460-153A065ED1F9}" presName="vert1" presStyleCnt="0"/>
+      <dgm:spPr/>
+    </dgm:pt>
+  </dgm:ptLst>
+  <dgm:cxnLst>
+    <dgm:cxn modelId="{30D3013C-16C9-4C7F-A9B4-9478E3E327D1}" srcId="{C13C2A8F-3F5C-476B-8AC9-533864BFAA77}" destId="{D1DD9A3D-8445-4DCC-9EE8-B5F532C7FCA1}" srcOrd="2" destOrd="0" parTransId="{BDBB39E7-F794-48DB-A9C9-5C3FA9FD723D}" sibTransId="{708EC954-949D-4CEB-AC2E-1340D3524CE7}"/>
+    <dgm:cxn modelId="{71212A5D-CC4D-45D0-88C8-F3F89069225D}" srcId="{C13C2A8F-3F5C-476B-8AC9-533864BFAA77}" destId="{D202FABA-0E44-414D-8460-153A065ED1F9}" srcOrd="3" destOrd="0" parTransId="{61E68734-24F9-4680-A56C-439E5B67A644}" sibTransId="{6E2E72A1-BCB9-44D8-874B-D3C4091C5972}"/>
+    <dgm:cxn modelId="{A1557877-D351-4170-A2B6-831F9AE667D5}" type="presOf" srcId="{C13C2A8F-3F5C-476B-8AC9-533864BFAA77}" destId="{4BE056CB-90AE-4E41-8FBB-45473AF42737}" srcOrd="0" destOrd="0" presId="urn:microsoft.com/office/officeart/2008/layout/LinedList"/>
+    <dgm:cxn modelId="{5BDCE77A-A2F9-4C03-80F9-431DC283E4A9}" srcId="{C13C2A8F-3F5C-476B-8AC9-533864BFAA77}" destId="{B0D10C9A-A4CB-4302-8D9D-3F5ACE210271}" srcOrd="0" destOrd="0" parTransId="{D537446A-073B-4440-A1D2-023FA71FA3F2}" sibTransId="{5A9777AD-FB0C-403C-96D0-27CC6F1C4064}"/>
+    <dgm:cxn modelId="{7E20707D-4125-4F49-A1D9-65A0736BA747}" type="presOf" srcId="{D202FABA-0E44-414D-8460-153A065ED1F9}" destId="{0CD52AAA-8C59-407E-9118-156C0555611E}" srcOrd="0" destOrd="0" presId="urn:microsoft.com/office/officeart/2008/layout/LinedList"/>
+    <dgm:cxn modelId="{36ED627E-667E-41A8-8006-33CE449C307C}" srcId="{C13C2A8F-3F5C-476B-8AC9-533864BFAA77}" destId="{ADF2D388-45D8-423E-94FD-4116EE1040EA}" srcOrd="1" destOrd="0" parTransId="{4702A1EC-22D8-42F8-8571-E3BBB611AD46}" sibTransId="{3EFFDCD0-226D-438A-B623-A2E1CF34A1A7}"/>
+    <dgm:cxn modelId="{59E05887-2619-4859-8B57-F71CB6F18E00}" type="presOf" srcId="{D1DD9A3D-8445-4DCC-9EE8-B5F532C7FCA1}" destId="{6BCBF440-1193-45BA-AD15-47A255E971EF}" srcOrd="0" destOrd="0" presId="urn:microsoft.com/office/officeart/2008/layout/LinedList"/>
+    <dgm:cxn modelId="{F3D34BBB-9ED6-4A17-919D-05A77510195C}" type="presOf" srcId="{B0D10C9A-A4CB-4302-8D9D-3F5ACE210271}" destId="{31AEF5FE-9DB7-44F4-A1F4-B3FD6307EE08}" srcOrd="0" destOrd="0" presId="urn:microsoft.com/office/officeart/2008/layout/LinedList"/>
+    <dgm:cxn modelId="{70983BD0-20C2-456C-BB2F-9E8A92A21506}" type="presOf" srcId="{ADF2D388-45D8-423E-94FD-4116EE1040EA}" destId="{69D5A59A-8F32-49F4-9C6D-EF5D9B00F56D}" srcOrd="0" destOrd="0" presId="urn:microsoft.com/office/officeart/2008/layout/LinedList"/>
+    <dgm:cxn modelId="{A7133B74-7C27-4287-B868-542C32598019}" type="presParOf" srcId="{4BE056CB-90AE-4E41-8FBB-45473AF42737}" destId="{2D2EF8E3-A643-4FBB-AE79-0385F3700C80}" srcOrd="0" destOrd="0" presId="urn:microsoft.com/office/officeart/2008/layout/LinedList"/>
+    <dgm:cxn modelId="{CDBA02A9-AEB6-40FF-931A-70779C6A5708}" type="presParOf" srcId="{4BE056CB-90AE-4E41-8FBB-45473AF42737}" destId="{9BF0CE60-F1D9-4147-B70E-6037593612D6}" srcOrd="1" destOrd="0" presId="urn:microsoft.com/office/officeart/2008/layout/LinedList"/>
+    <dgm:cxn modelId="{CFE7A56E-803E-4D4B-93A5-EC28D6E00748}" type="presParOf" srcId="{9BF0CE60-F1D9-4147-B70E-6037593612D6}" destId="{31AEF5FE-9DB7-44F4-A1F4-B3FD6307EE08}" srcOrd="0" destOrd="0" presId="urn:microsoft.com/office/officeart/2008/layout/LinedList"/>
+    <dgm:cxn modelId="{983BE1EE-3164-442A-BA7C-4BA926C3CC2F}" type="presParOf" srcId="{9BF0CE60-F1D9-4147-B70E-6037593612D6}" destId="{FAE95AD4-442C-4F30-BB35-C88AE5CCC7D2}" srcOrd="1" destOrd="0" presId="urn:microsoft.com/office/officeart/2008/layout/LinedList"/>
+    <dgm:cxn modelId="{03A5AC2A-1F57-4B1A-B2F8-4AEBA68A9E4E}" type="presParOf" srcId="{4BE056CB-90AE-4E41-8FBB-45473AF42737}" destId="{4E4D36BB-FC1D-4906-ABE7-86FFA2D9D619}" srcOrd="2" destOrd="0" presId="urn:microsoft.com/office/officeart/2008/layout/LinedList"/>
+    <dgm:cxn modelId="{86DC9CF5-10C8-4165-ADDC-D2DB40FFCAC3}" type="presParOf" srcId="{4BE056CB-90AE-4E41-8FBB-45473AF42737}" destId="{6600E0F1-F069-4173-B959-60F595BDB504}" srcOrd="3" destOrd="0" presId="urn:microsoft.com/office/officeart/2008/layout/LinedList"/>
+    <dgm:cxn modelId="{B23223EB-BD85-48E2-A319-533E81BA567D}" type="presParOf" srcId="{6600E0F1-F069-4173-B959-60F595BDB504}" destId="{69D5A59A-8F32-49F4-9C6D-EF5D9B00F56D}" srcOrd="0" destOrd="0" presId="urn:microsoft.com/office/officeart/2008/layout/LinedList"/>
+    <dgm:cxn modelId="{21A089A2-DEE2-4B65-8356-40C2EFD53722}" type="presParOf" srcId="{6600E0F1-F069-4173-B959-60F595BDB504}" destId="{D42BB65A-0A69-4A88-BD5A-28E77C132892}" srcOrd="1" destOrd="0" presId="urn:microsoft.com/office/officeart/2008/layout/LinedList"/>
+    <dgm:cxn modelId="{68F816FD-43FC-4A70-9EC0-CB7E6A4D83F2}" type="presParOf" srcId="{4BE056CB-90AE-4E41-8FBB-45473AF42737}" destId="{1387FBDF-40A4-4565-A75A-793F686E5E31}" srcOrd="4" destOrd="0" presId="urn:microsoft.com/office/officeart/2008/layout/LinedList"/>
+    <dgm:cxn modelId="{B0C421B0-C32A-4C4B-9141-3FADAF213B81}" type="presParOf" srcId="{4BE056CB-90AE-4E41-8FBB-45473AF42737}" destId="{0B6C4DB9-F8B0-41EF-8393-4C68F88814EF}" srcOrd="5" destOrd="0" presId="urn:microsoft.com/office/officeart/2008/layout/LinedList"/>
+    <dgm:cxn modelId="{84FE427E-0EAA-42E1-BCDA-93B33B1C9A71}" type="presParOf" srcId="{0B6C4DB9-F8B0-41EF-8393-4C68F88814EF}" destId="{6BCBF440-1193-45BA-AD15-47A255E971EF}" srcOrd="0" destOrd="0" presId="urn:microsoft.com/office/officeart/2008/layout/LinedList"/>
+    <dgm:cxn modelId="{A90C40A4-4346-4B9B-B491-0B818AE0E5CC}" type="presParOf" srcId="{0B6C4DB9-F8B0-41EF-8393-4C68F88814EF}" destId="{7A88FABE-6320-4ED3-9174-9E38538E02C9}" srcOrd="1" destOrd="0" presId="urn:microsoft.com/office/officeart/2008/layout/LinedList"/>
+    <dgm:cxn modelId="{AA03ECE0-7C5D-4940-990D-7146BD688238}" type="presParOf" srcId="{4BE056CB-90AE-4E41-8FBB-45473AF42737}" destId="{16166C92-6AC4-4A3D-9AA1-ADD32C55614C}" srcOrd="6" destOrd="0" presId="urn:microsoft.com/office/officeart/2008/layout/LinedList"/>
+    <dgm:cxn modelId="{1A269AAC-BDB5-4BA1-B839-9C336A557DCD}" type="presParOf" srcId="{4BE056CB-90AE-4E41-8FBB-45473AF42737}" destId="{70D48B9C-8354-45F8-A425-403EFAF71ECA}" srcOrd="7" destOrd="0" presId="urn:microsoft.com/office/officeart/2008/layout/LinedList"/>
+    <dgm:cxn modelId="{CAEF86A2-4803-4588-B25E-523C3D2DECB0}" type="presParOf" srcId="{70D48B9C-8354-45F8-A425-403EFAF71ECA}" destId="{0CD52AAA-8C59-407E-9118-156C0555611E}" srcOrd="0" destOrd="0" presId="urn:microsoft.com/office/officeart/2008/layout/LinedList"/>
+    <dgm:cxn modelId="{8C3E3243-14B5-49DA-B2BC-CE757E6CED91}" type="presParOf" srcId="{70D48B9C-8354-45F8-A425-403EFAF71ECA}" destId="{18A731B7-C7CC-4AAD-9462-E947A6130B4A}" srcOrd="1" destOrd="0" presId="urn:microsoft.com/office/officeart/2008/layout/LinedList"/>
+  </dgm:cxnLst>
+  <dgm:bg/>
+  <dgm:whole/>
+  <dgm:extLst>
+    <a:ext uri="http://schemas.microsoft.com/office/drawing/2008/diagram">
+      <dsp:dataModelExt xmlns:dsp="http://schemas.microsoft.com/office/drawing/2008/diagram" relId="rId6" minVer="http://schemas.openxmlformats.org/drawingml/2006/diagram"/>
     </a:ext>
   </dgm:extLst>
 </dgm:dataModel>
@@ -4971,17 +6020,17 @@
       <dsp:cNvGrpSpPr/>
     </dsp:nvGrpSpPr>
     <dsp:grpSpPr/>
-    <dsp:sp modelId="{9FF67C9A-929C-47AE-A6F1-E527ED073BDC}">
+    <dsp:sp modelId="{DCFD0904-4CA5-43D8-BB57-C5B0E191F2B3}">
       <dsp:nvSpPr>
         <dsp:cNvPr id="0" name=""/>
         <dsp:cNvSpPr/>
       </dsp:nvSpPr>
       <dsp:spPr>
         <a:xfrm>
-          <a:off x="0" y="28679"/>
-          <a:ext cx="7345362" cy="1017351"/>
+          <a:off x="0" y="0"/>
+          <a:ext cx="7345362" cy="0"/>
         </a:xfrm>
-        <a:prstGeom prst="roundRect">
+        <a:prstGeom prst="line">
           <a:avLst/>
         </a:prstGeom>
         <a:solidFill>
@@ -4994,7 +6043,7 @@
         </a:solidFill>
         <a:ln w="12700" cap="flat" cmpd="sng" algn="ctr">
           <a:solidFill>
-            <a:schemeClr val="lt1">
+            <a:schemeClr val="accent1">
               <a:hueOff val="0"/>
               <a:satOff val="0"/>
               <a:lumOff val="0"/>
@@ -5020,13 +6069,45 @@
           <a:schemeClr val="lt1"/>
         </a:fontRef>
       </dsp:style>
+    </dsp:sp>
+    <dsp:sp modelId="{71789107-742C-4C20-AD5F-A5DBBEFB472B}">
+      <dsp:nvSpPr>
+        <dsp:cNvPr id="0" name=""/>
+        <dsp:cNvSpPr/>
+      </dsp:nvSpPr>
+      <dsp:spPr>
+        <a:xfrm>
+          <a:off x="0" y="0"/>
+          <a:ext cx="7345362" cy="1085691"/>
+        </a:xfrm>
+        <a:prstGeom prst="rect">
+          <a:avLst/>
+        </a:prstGeom>
+        <a:noFill/>
+        <a:ln>
+          <a:noFill/>
+        </a:ln>
+        <a:effectLst/>
+      </dsp:spPr>
+      <dsp:style>
+        <a:lnRef idx="0">
+          <a:scrgbClr r="0" g="0" b="0"/>
+        </a:lnRef>
+        <a:fillRef idx="0">
+          <a:scrgbClr r="0" g="0" b="0"/>
+        </a:fillRef>
+        <a:effectRef idx="0">
+          <a:scrgbClr r="0" g="0" b="0"/>
+        </a:effectRef>
+        <a:fontRef idx="minor"/>
+      </dsp:style>
       <dsp:txBody>
-        <a:bodyPr spcFirstLastPara="0" vert="horz" wrap="square" lIns="95250" tIns="95250" rIns="95250" bIns="95250" numCol="1" spcCol="1270" anchor="ctr" anchorCtr="0">
+        <a:bodyPr spcFirstLastPara="0" vert="horz" wrap="square" lIns="110490" tIns="110490" rIns="110490" bIns="110490" numCol="1" spcCol="1270" anchor="t" anchorCtr="0">
           <a:noAutofit/>
         </a:bodyPr>
         <a:lstStyle/>
         <a:p>
-          <a:pPr marL="0" lvl="0" indent="0" algn="l" defTabSz="1111250">
+          <a:pPr marL="0" lvl="0" indent="0" algn="l" defTabSz="1289050">
             <a:lnSpc>
               <a:spcPct val="90000"/>
             </a:lnSpc>
@@ -5039,28 +6120,28 @@
             <a:buNone/>
           </a:pPr>
           <a:r>
-            <a:rPr lang="cs-CZ" sz="2500" kern="1200"/>
+            <a:rPr lang="cs-CZ" sz="2900" kern="1200"/>
             <a:t>Int – skladuje pouze celá čísla </a:t>
           </a:r>
-          <a:endParaRPr lang="en-US" sz="2500" kern="1200"/>
+          <a:endParaRPr lang="en-US" sz="2900" kern="1200"/>
         </a:p>
       </dsp:txBody>
       <dsp:txXfrm>
-        <a:off x="49663" y="78342"/>
-        <a:ext cx="7246036" cy="918025"/>
+        <a:off x="0" y="0"/>
+        <a:ext cx="7345362" cy="1085691"/>
       </dsp:txXfrm>
     </dsp:sp>
-    <dsp:sp modelId="{226B0D95-4299-4198-B5EE-37FF69719AB2}">
+    <dsp:sp modelId="{D727558D-40EE-4DAA-A5E3-B4CF3E2DDC4A}">
       <dsp:nvSpPr>
         <dsp:cNvPr id="0" name=""/>
         <dsp:cNvSpPr/>
       </dsp:nvSpPr>
       <dsp:spPr>
         <a:xfrm>
-          <a:off x="0" y="1118030"/>
-          <a:ext cx="7345362" cy="1017351"/>
+          <a:off x="0" y="1085691"/>
+          <a:ext cx="7345362" cy="0"/>
         </a:xfrm>
-        <a:prstGeom prst="roundRect">
+        <a:prstGeom prst="line">
           <a:avLst/>
         </a:prstGeom>
         <a:solidFill>
@@ -5073,7 +6154,7 @@
         </a:solidFill>
         <a:ln w="12700" cap="flat" cmpd="sng" algn="ctr">
           <a:solidFill>
-            <a:schemeClr val="lt1">
+            <a:schemeClr val="accent1">
               <a:hueOff val="0"/>
               <a:satOff val="0"/>
               <a:lumOff val="0"/>
@@ -5099,13 +6180,45 @@
           <a:schemeClr val="lt1"/>
         </a:fontRef>
       </dsp:style>
+    </dsp:sp>
+    <dsp:sp modelId="{2F077E27-EBB5-4696-9D91-08A6A12563BC}">
+      <dsp:nvSpPr>
+        <dsp:cNvPr id="0" name=""/>
+        <dsp:cNvSpPr/>
+      </dsp:nvSpPr>
+      <dsp:spPr>
+        <a:xfrm>
+          <a:off x="0" y="1085691"/>
+          <a:ext cx="7345362" cy="1085691"/>
+        </a:xfrm>
+        <a:prstGeom prst="rect">
+          <a:avLst/>
+        </a:prstGeom>
+        <a:noFill/>
+        <a:ln>
+          <a:noFill/>
+        </a:ln>
+        <a:effectLst/>
+      </dsp:spPr>
+      <dsp:style>
+        <a:lnRef idx="0">
+          <a:scrgbClr r="0" g="0" b="0"/>
+        </a:lnRef>
+        <a:fillRef idx="0">
+          <a:scrgbClr r="0" g="0" b="0"/>
+        </a:fillRef>
+        <a:effectRef idx="0">
+          <a:scrgbClr r="0" g="0" b="0"/>
+        </a:effectRef>
+        <a:fontRef idx="minor"/>
+      </dsp:style>
       <dsp:txBody>
-        <a:bodyPr spcFirstLastPara="0" vert="horz" wrap="square" lIns="95250" tIns="95250" rIns="95250" bIns="95250" numCol="1" spcCol="1270" anchor="ctr" anchorCtr="0">
+        <a:bodyPr spcFirstLastPara="0" vert="horz" wrap="square" lIns="110490" tIns="110490" rIns="110490" bIns="110490" numCol="1" spcCol="1270" anchor="t" anchorCtr="0">
           <a:noAutofit/>
         </a:bodyPr>
         <a:lstStyle/>
         <a:p>
-          <a:pPr marL="0" lvl="0" indent="0" algn="l" defTabSz="1111250">
+          <a:pPr marL="0" lvl="0" indent="0" algn="l" defTabSz="1289050">
             <a:lnSpc>
               <a:spcPct val="90000"/>
             </a:lnSpc>
@@ -5118,28 +6231,28 @@
             <a:buNone/>
           </a:pPr>
           <a:r>
-            <a:rPr lang="cs-CZ" sz="2500" kern="1200"/>
+            <a:rPr lang="cs-CZ" sz="2900" kern="1200"/>
             <a:t>Float – skladuje i desetinná čísla až po 7 desetinných míst</a:t>
           </a:r>
-          <a:endParaRPr lang="en-US" sz="2500" kern="1200"/>
+          <a:endParaRPr lang="en-US" sz="2900" kern="1200"/>
         </a:p>
       </dsp:txBody>
       <dsp:txXfrm>
-        <a:off x="49663" y="1167693"/>
-        <a:ext cx="7246036" cy="918025"/>
+        <a:off x="0" y="1085691"/>
+        <a:ext cx="7345362" cy="1085691"/>
       </dsp:txXfrm>
     </dsp:sp>
-    <dsp:sp modelId="{8C8C75F4-DA85-4A4D-AE71-1E776F1EB4E5}">
+    <dsp:sp modelId="{B9EE75F8-B707-4946-9F68-6FE938526B2E}">
       <dsp:nvSpPr>
         <dsp:cNvPr id="0" name=""/>
         <dsp:cNvSpPr/>
       </dsp:nvSpPr>
       <dsp:spPr>
         <a:xfrm>
-          <a:off x="0" y="2207382"/>
-          <a:ext cx="7345362" cy="1017351"/>
+          <a:off x="0" y="2171382"/>
+          <a:ext cx="7345362" cy="0"/>
         </a:xfrm>
-        <a:prstGeom prst="roundRect">
+        <a:prstGeom prst="line">
           <a:avLst/>
         </a:prstGeom>
         <a:solidFill>
@@ -5152,7 +6265,7 @@
         </a:solidFill>
         <a:ln w="12700" cap="flat" cmpd="sng" algn="ctr">
           <a:solidFill>
-            <a:schemeClr val="lt1">
+            <a:schemeClr val="accent1">
               <a:hueOff val="0"/>
               <a:satOff val="0"/>
               <a:lumOff val="0"/>
@@ -5178,13 +6291,45 @@
           <a:schemeClr val="lt1"/>
         </a:fontRef>
       </dsp:style>
+    </dsp:sp>
+    <dsp:sp modelId="{851123C1-8D17-4557-9CCA-E24DEE4FEA15}">
+      <dsp:nvSpPr>
+        <dsp:cNvPr id="0" name=""/>
+        <dsp:cNvSpPr/>
+      </dsp:nvSpPr>
+      <dsp:spPr>
+        <a:xfrm>
+          <a:off x="0" y="2171382"/>
+          <a:ext cx="7345362" cy="1085691"/>
+        </a:xfrm>
+        <a:prstGeom prst="rect">
+          <a:avLst/>
+        </a:prstGeom>
+        <a:noFill/>
+        <a:ln>
+          <a:noFill/>
+        </a:ln>
+        <a:effectLst/>
+      </dsp:spPr>
+      <dsp:style>
+        <a:lnRef idx="0">
+          <a:scrgbClr r="0" g="0" b="0"/>
+        </a:lnRef>
+        <a:fillRef idx="0">
+          <a:scrgbClr r="0" g="0" b="0"/>
+        </a:fillRef>
+        <a:effectRef idx="0">
+          <a:scrgbClr r="0" g="0" b="0"/>
+        </a:effectRef>
+        <a:fontRef idx="minor"/>
+      </dsp:style>
       <dsp:txBody>
-        <a:bodyPr spcFirstLastPara="0" vert="horz" wrap="square" lIns="95250" tIns="95250" rIns="95250" bIns="95250" numCol="1" spcCol="1270" anchor="ctr" anchorCtr="0">
+        <a:bodyPr spcFirstLastPara="0" vert="horz" wrap="square" lIns="110490" tIns="110490" rIns="110490" bIns="110490" numCol="1" spcCol="1270" anchor="t" anchorCtr="0">
           <a:noAutofit/>
         </a:bodyPr>
         <a:lstStyle/>
         <a:p>
-          <a:pPr marL="0" lvl="0" indent="0" algn="l" defTabSz="1111250">
+          <a:pPr marL="0" lvl="0" indent="0" algn="l" defTabSz="1289050">
             <a:lnSpc>
               <a:spcPct val="90000"/>
             </a:lnSpc>
@@ -5197,28 +6342,28 @@
             <a:buNone/>
           </a:pPr>
           <a:r>
-            <a:rPr lang="cs-CZ" sz="2500" kern="1200"/>
+            <a:rPr lang="cs-CZ" sz="2900" kern="1200"/>
             <a:t>Double – skladuje i desetinná čísla až po 15 desetinných míst</a:t>
           </a:r>
-          <a:endParaRPr lang="en-US" sz="2500" kern="1200"/>
+          <a:endParaRPr lang="en-US" sz="2900" kern="1200"/>
         </a:p>
       </dsp:txBody>
       <dsp:txXfrm>
-        <a:off x="49663" y="2257045"/>
-        <a:ext cx="7246036" cy="918025"/>
+        <a:off x="0" y="2171382"/>
+        <a:ext cx="7345362" cy="1085691"/>
       </dsp:txXfrm>
     </dsp:sp>
-    <dsp:sp modelId="{FB6CBF6C-BB74-49ED-BDA0-82B24AA15E7B}">
+    <dsp:sp modelId="{20C28B72-D504-4BFE-A6A7-DB230F599FEF}">
       <dsp:nvSpPr>
         <dsp:cNvPr id="0" name=""/>
         <dsp:cNvSpPr/>
       </dsp:nvSpPr>
       <dsp:spPr>
         <a:xfrm>
-          <a:off x="0" y="3296734"/>
-          <a:ext cx="7345362" cy="1017351"/>
+          <a:off x="0" y="3257073"/>
+          <a:ext cx="7345362" cy="0"/>
         </a:xfrm>
-        <a:prstGeom prst="roundRect">
+        <a:prstGeom prst="line">
           <a:avLst/>
         </a:prstGeom>
         <a:solidFill>
@@ -5231,7 +6376,7 @@
         </a:solidFill>
         <a:ln w="12700" cap="flat" cmpd="sng" algn="ctr">
           <a:solidFill>
-            <a:schemeClr val="lt1">
+            <a:schemeClr val="accent1">
               <a:hueOff val="0"/>
               <a:satOff val="0"/>
               <a:lumOff val="0"/>
@@ -5257,13 +6402,45 @@
           <a:schemeClr val="lt1"/>
         </a:fontRef>
       </dsp:style>
+    </dsp:sp>
+    <dsp:sp modelId="{905B42CE-2404-4A60-9DA7-5BD4DDA26C9E}">
+      <dsp:nvSpPr>
+        <dsp:cNvPr id="0" name=""/>
+        <dsp:cNvSpPr/>
+      </dsp:nvSpPr>
+      <dsp:spPr>
+        <a:xfrm>
+          <a:off x="0" y="3257073"/>
+          <a:ext cx="7345362" cy="1085691"/>
+        </a:xfrm>
+        <a:prstGeom prst="rect">
+          <a:avLst/>
+        </a:prstGeom>
+        <a:noFill/>
+        <a:ln>
+          <a:noFill/>
+        </a:ln>
+        <a:effectLst/>
+      </dsp:spPr>
+      <dsp:style>
+        <a:lnRef idx="0">
+          <a:scrgbClr r="0" g="0" b="0"/>
+        </a:lnRef>
+        <a:fillRef idx="0">
+          <a:scrgbClr r="0" g="0" b="0"/>
+        </a:fillRef>
+        <a:effectRef idx="0">
+          <a:scrgbClr r="0" g="0" b="0"/>
+        </a:effectRef>
+        <a:fontRef idx="minor"/>
+      </dsp:style>
       <dsp:txBody>
-        <a:bodyPr spcFirstLastPara="0" vert="horz" wrap="square" lIns="95250" tIns="95250" rIns="95250" bIns="95250" numCol="1" spcCol="1270" anchor="ctr" anchorCtr="0">
+        <a:bodyPr spcFirstLastPara="0" vert="horz" wrap="square" lIns="110490" tIns="110490" rIns="110490" bIns="110490" numCol="1" spcCol="1270" anchor="t" anchorCtr="0">
           <a:noAutofit/>
         </a:bodyPr>
         <a:lstStyle/>
         <a:p>
-          <a:pPr marL="0" lvl="0" indent="0" algn="l" defTabSz="1111250">
+          <a:pPr marL="0" lvl="0" indent="0" algn="l" defTabSz="1289050">
             <a:lnSpc>
               <a:spcPct val="90000"/>
             </a:lnSpc>
@@ -5276,15 +6453,471 @@
             <a:buNone/>
           </a:pPr>
           <a:r>
-            <a:rPr lang="cs-CZ" sz="2500" kern="1200"/>
+            <a:rPr lang="cs-CZ" sz="2900" kern="1200"/>
             <a:t>Char  - ukládá jeden symbol či ASCII hodnotu</a:t>
           </a:r>
-          <a:endParaRPr lang="en-US" sz="2500" kern="1200"/>
+          <a:endParaRPr lang="en-US" sz="2900" kern="1200"/>
         </a:p>
       </dsp:txBody>
       <dsp:txXfrm>
-        <a:off x="49663" y="3346397"/>
-        <a:ext cx="7246036" cy="918025"/>
+        <a:off x="0" y="3257073"/>
+        <a:ext cx="7345362" cy="1085691"/>
+      </dsp:txXfrm>
+    </dsp:sp>
+  </dsp:spTree>
+</dsp:drawing>
+</file>
+
+<file path=ppt/diagrams/drawing4.xml><?xml version="1.0" encoding="utf-8"?>
+<dsp:drawing xmlns:dgm="http://schemas.openxmlformats.org/drawingml/2006/diagram" xmlns:dsp="http://schemas.microsoft.com/office/drawing/2008/diagram" xmlns:a="http://schemas.openxmlformats.org/drawingml/2006/main">
+  <dsp:spTree>
+    <dsp:nvGrpSpPr>
+      <dsp:cNvPr id="0" name=""/>
+      <dsp:cNvGrpSpPr/>
+    </dsp:nvGrpSpPr>
+    <dsp:grpSpPr/>
+    <dsp:sp modelId="{2D2EF8E3-A643-4FBB-AE79-0385F3700C80}">
+      <dsp:nvSpPr>
+        <dsp:cNvPr id="0" name=""/>
+        <dsp:cNvSpPr/>
+      </dsp:nvSpPr>
+      <dsp:spPr>
+        <a:xfrm>
+          <a:off x="0" y="0"/>
+          <a:ext cx="11090274" cy="0"/>
+        </a:xfrm>
+        <a:prstGeom prst="line">
+          <a:avLst/>
+        </a:prstGeom>
+        <a:solidFill>
+          <a:schemeClr val="accent1">
+            <a:hueOff val="0"/>
+            <a:satOff val="0"/>
+            <a:lumOff val="0"/>
+            <a:alphaOff val="0"/>
+          </a:schemeClr>
+        </a:solidFill>
+        <a:ln w="12700" cap="flat" cmpd="sng" algn="ctr">
+          <a:solidFill>
+            <a:schemeClr val="accent1">
+              <a:hueOff val="0"/>
+              <a:satOff val="0"/>
+              <a:lumOff val="0"/>
+              <a:alphaOff val="0"/>
+            </a:schemeClr>
+          </a:solidFill>
+          <a:prstDash val="solid"/>
+          <a:miter lim="800000"/>
+        </a:ln>
+        <a:effectLst/>
+      </dsp:spPr>
+      <dsp:style>
+        <a:lnRef idx="2">
+          <a:scrgbClr r="0" g="0" b="0"/>
+        </a:lnRef>
+        <a:fillRef idx="1">
+          <a:scrgbClr r="0" g="0" b="0"/>
+        </a:fillRef>
+        <a:effectRef idx="0">
+          <a:scrgbClr r="0" g="0" b="0"/>
+        </a:effectRef>
+        <a:fontRef idx="minor">
+          <a:schemeClr val="lt1"/>
+        </a:fontRef>
+      </dsp:style>
+    </dsp:sp>
+    <dsp:sp modelId="{31AEF5FE-9DB7-44F4-A1F4-B3FD6307EE08}">
+      <dsp:nvSpPr>
+        <dsp:cNvPr id="0" name=""/>
+        <dsp:cNvSpPr/>
+      </dsp:nvSpPr>
+      <dsp:spPr>
+        <a:xfrm>
+          <a:off x="0" y="0"/>
+          <a:ext cx="11090274" cy="994906"/>
+        </a:xfrm>
+        <a:prstGeom prst="rect">
+          <a:avLst/>
+        </a:prstGeom>
+        <a:noFill/>
+        <a:ln>
+          <a:noFill/>
+        </a:ln>
+        <a:effectLst/>
+      </dsp:spPr>
+      <dsp:style>
+        <a:lnRef idx="0">
+          <a:scrgbClr r="0" g="0" b="0"/>
+        </a:lnRef>
+        <a:fillRef idx="0">
+          <a:scrgbClr r="0" g="0" b="0"/>
+        </a:fillRef>
+        <a:effectRef idx="0">
+          <a:scrgbClr r="0" g="0" b="0"/>
+        </a:effectRef>
+        <a:fontRef idx="minor"/>
+      </dsp:style>
+      <dsp:txBody>
+        <a:bodyPr spcFirstLastPara="0" vert="horz" wrap="square" lIns="110490" tIns="110490" rIns="110490" bIns="110490" numCol="1" spcCol="1270" anchor="t" anchorCtr="0">
+          <a:noAutofit/>
+        </a:bodyPr>
+        <a:lstStyle/>
+        <a:p>
+          <a:pPr marL="0" lvl="0" indent="0" algn="l" defTabSz="1289050">
+            <a:lnSpc>
+              <a:spcPct val="90000"/>
+            </a:lnSpc>
+            <a:spcBef>
+              <a:spcPct val="0"/>
+            </a:spcBef>
+            <a:spcAft>
+              <a:spcPct val="35000"/>
+            </a:spcAft>
+            <a:buNone/>
+          </a:pPr>
+          <a:r>
+            <a:rPr lang="cs-CZ" sz="2900" kern="1200"/>
+            <a:t>Velmi dobrý jazyk pro programátory sofistikovaných software systémů</a:t>
+          </a:r>
+          <a:endParaRPr lang="en-US" sz="2900" kern="1200"/>
+        </a:p>
+      </dsp:txBody>
+      <dsp:txXfrm>
+        <a:off x="0" y="0"/>
+        <a:ext cx="11090274" cy="994906"/>
+      </dsp:txXfrm>
+    </dsp:sp>
+    <dsp:sp modelId="{4E4D36BB-FC1D-4906-ABE7-86FFA2D9D619}">
+      <dsp:nvSpPr>
+        <dsp:cNvPr id="0" name=""/>
+        <dsp:cNvSpPr/>
+      </dsp:nvSpPr>
+      <dsp:spPr>
+        <a:xfrm>
+          <a:off x="0" y="994906"/>
+          <a:ext cx="11090274" cy="0"/>
+        </a:xfrm>
+        <a:prstGeom prst="line">
+          <a:avLst/>
+        </a:prstGeom>
+        <a:solidFill>
+          <a:schemeClr val="accent1">
+            <a:hueOff val="0"/>
+            <a:satOff val="0"/>
+            <a:lumOff val="0"/>
+            <a:alphaOff val="0"/>
+          </a:schemeClr>
+        </a:solidFill>
+        <a:ln w="12700" cap="flat" cmpd="sng" algn="ctr">
+          <a:solidFill>
+            <a:schemeClr val="accent1">
+              <a:hueOff val="0"/>
+              <a:satOff val="0"/>
+              <a:lumOff val="0"/>
+              <a:alphaOff val="0"/>
+            </a:schemeClr>
+          </a:solidFill>
+          <a:prstDash val="solid"/>
+          <a:miter lim="800000"/>
+        </a:ln>
+        <a:effectLst/>
+      </dsp:spPr>
+      <dsp:style>
+        <a:lnRef idx="2">
+          <a:scrgbClr r="0" g="0" b="0"/>
+        </a:lnRef>
+        <a:fillRef idx="1">
+          <a:scrgbClr r="0" g="0" b="0"/>
+        </a:fillRef>
+        <a:effectRef idx="0">
+          <a:scrgbClr r="0" g="0" b="0"/>
+        </a:effectRef>
+        <a:fontRef idx="minor">
+          <a:schemeClr val="lt1"/>
+        </a:fontRef>
+      </dsp:style>
+    </dsp:sp>
+    <dsp:sp modelId="{69D5A59A-8F32-49F4-9C6D-EF5D9B00F56D}">
+      <dsp:nvSpPr>
+        <dsp:cNvPr id="0" name=""/>
+        <dsp:cNvSpPr/>
+      </dsp:nvSpPr>
+      <dsp:spPr>
+        <a:xfrm>
+          <a:off x="0" y="994906"/>
+          <a:ext cx="11090274" cy="994906"/>
+        </a:xfrm>
+        <a:prstGeom prst="rect">
+          <a:avLst/>
+        </a:prstGeom>
+        <a:noFill/>
+        <a:ln>
+          <a:noFill/>
+        </a:ln>
+        <a:effectLst/>
+      </dsp:spPr>
+      <dsp:style>
+        <a:lnRef idx="0">
+          <a:scrgbClr r="0" g="0" b="0"/>
+        </a:lnRef>
+        <a:fillRef idx="0">
+          <a:scrgbClr r="0" g="0" b="0"/>
+        </a:fillRef>
+        <a:effectRef idx="0">
+          <a:scrgbClr r="0" g="0" b="0"/>
+        </a:effectRef>
+        <a:fontRef idx="minor"/>
+      </dsp:style>
+      <dsp:txBody>
+        <a:bodyPr spcFirstLastPara="0" vert="horz" wrap="square" lIns="110490" tIns="110490" rIns="110490" bIns="110490" numCol="1" spcCol="1270" anchor="t" anchorCtr="0">
+          <a:noAutofit/>
+        </a:bodyPr>
+        <a:lstStyle/>
+        <a:p>
+          <a:pPr marL="0" lvl="0" indent="0" algn="l" defTabSz="1289050">
+            <a:lnSpc>
+              <a:spcPct val="90000"/>
+            </a:lnSpc>
+            <a:spcBef>
+              <a:spcPct val="0"/>
+            </a:spcBef>
+            <a:spcAft>
+              <a:spcPct val="35000"/>
+            </a:spcAft>
+            <a:buNone/>
+          </a:pPr>
+          <a:r>
+            <a:rPr lang="cs-CZ" sz="2900" kern="1200"/>
+            <a:t>Je velmi čitelný a lehký na naučení</a:t>
+          </a:r>
+          <a:endParaRPr lang="en-US" sz="2900" kern="1200"/>
+        </a:p>
+      </dsp:txBody>
+      <dsp:txXfrm>
+        <a:off x="0" y="994906"/>
+        <a:ext cx="11090274" cy="994906"/>
+      </dsp:txXfrm>
+    </dsp:sp>
+    <dsp:sp modelId="{1387FBDF-40A4-4565-A75A-793F686E5E31}">
+      <dsp:nvSpPr>
+        <dsp:cNvPr id="0" name=""/>
+        <dsp:cNvSpPr/>
+      </dsp:nvSpPr>
+      <dsp:spPr>
+        <a:xfrm>
+          <a:off x="0" y="1989812"/>
+          <a:ext cx="11090274" cy="0"/>
+        </a:xfrm>
+        <a:prstGeom prst="line">
+          <a:avLst/>
+        </a:prstGeom>
+        <a:solidFill>
+          <a:schemeClr val="accent1">
+            <a:hueOff val="0"/>
+            <a:satOff val="0"/>
+            <a:lumOff val="0"/>
+            <a:alphaOff val="0"/>
+          </a:schemeClr>
+        </a:solidFill>
+        <a:ln w="12700" cap="flat" cmpd="sng" algn="ctr">
+          <a:solidFill>
+            <a:schemeClr val="accent1">
+              <a:hueOff val="0"/>
+              <a:satOff val="0"/>
+              <a:lumOff val="0"/>
+              <a:alphaOff val="0"/>
+            </a:schemeClr>
+          </a:solidFill>
+          <a:prstDash val="solid"/>
+          <a:miter lim="800000"/>
+        </a:ln>
+        <a:effectLst/>
+      </dsp:spPr>
+      <dsp:style>
+        <a:lnRef idx="2">
+          <a:scrgbClr r="0" g="0" b="0"/>
+        </a:lnRef>
+        <a:fillRef idx="1">
+          <a:scrgbClr r="0" g="0" b="0"/>
+        </a:fillRef>
+        <a:effectRef idx="0">
+          <a:scrgbClr r="0" g="0" b="0"/>
+        </a:effectRef>
+        <a:fontRef idx="minor">
+          <a:schemeClr val="lt1"/>
+        </a:fontRef>
+      </dsp:style>
+    </dsp:sp>
+    <dsp:sp modelId="{6BCBF440-1193-45BA-AD15-47A255E971EF}">
+      <dsp:nvSpPr>
+        <dsp:cNvPr id="0" name=""/>
+        <dsp:cNvSpPr/>
+      </dsp:nvSpPr>
+      <dsp:spPr>
+        <a:xfrm>
+          <a:off x="0" y="1989812"/>
+          <a:ext cx="11090274" cy="994906"/>
+        </a:xfrm>
+        <a:prstGeom prst="rect">
+          <a:avLst/>
+        </a:prstGeom>
+        <a:noFill/>
+        <a:ln>
+          <a:noFill/>
+        </a:ln>
+        <a:effectLst/>
+      </dsp:spPr>
+      <dsp:style>
+        <a:lnRef idx="0">
+          <a:scrgbClr r="0" g="0" b="0"/>
+        </a:lnRef>
+        <a:fillRef idx="0">
+          <a:scrgbClr r="0" g="0" b="0"/>
+        </a:fillRef>
+        <a:effectRef idx="0">
+          <a:scrgbClr r="0" g="0" b="0"/>
+        </a:effectRef>
+        <a:fontRef idx="minor"/>
+      </dsp:style>
+      <dsp:txBody>
+        <a:bodyPr spcFirstLastPara="0" vert="horz" wrap="square" lIns="110490" tIns="110490" rIns="110490" bIns="110490" numCol="1" spcCol="1270" anchor="t" anchorCtr="0">
+          <a:noAutofit/>
+        </a:bodyPr>
+        <a:lstStyle/>
+        <a:p>
+          <a:pPr marL="0" lvl="0" indent="0" algn="l" defTabSz="1289050">
+            <a:lnSpc>
+              <a:spcPct val="90000"/>
+            </a:lnSpc>
+            <a:spcBef>
+              <a:spcPct val="0"/>
+            </a:spcBef>
+            <a:spcAft>
+              <a:spcPct val="35000"/>
+            </a:spcAft>
+            <a:buNone/>
+          </a:pPr>
+          <a:r>
+            <a:rPr lang="cs-CZ" sz="2900" kern="1200"/>
+            <a:t>Je rychlý a účinný</a:t>
+          </a:r>
+          <a:endParaRPr lang="en-US" sz="2900" kern="1200"/>
+        </a:p>
+      </dsp:txBody>
+      <dsp:txXfrm>
+        <a:off x="0" y="1989812"/>
+        <a:ext cx="11090274" cy="994906"/>
+      </dsp:txXfrm>
+    </dsp:sp>
+    <dsp:sp modelId="{16166C92-6AC4-4A3D-9AA1-ADD32C55614C}">
+      <dsp:nvSpPr>
+        <dsp:cNvPr id="0" name=""/>
+        <dsp:cNvSpPr/>
+      </dsp:nvSpPr>
+      <dsp:spPr>
+        <a:xfrm>
+          <a:off x="0" y="2984718"/>
+          <a:ext cx="11090274" cy="0"/>
+        </a:xfrm>
+        <a:prstGeom prst="line">
+          <a:avLst/>
+        </a:prstGeom>
+        <a:solidFill>
+          <a:schemeClr val="accent1">
+            <a:hueOff val="0"/>
+            <a:satOff val="0"/>
+            <a:lumOff val="0"/>
+            <a:alphaOff val="0"/>
+          </a:schemeClr>
+        </a:solidFill>
+        <a:ln w="12700" cap="flat" cmpd="sng" algn="ctr">
+          <a:solidFill>
+            <a:schemeClr val="accent1">
+              <a:hueOff val="0"/>
+              <a:satOff val="0"/>
+              <a:lumOff val="0"/>
+              <a:alphaOff val="0"/>
+            </a:schemeClr>
+          </a:solidFill>
+          <a:prstDash val="solid"/>
+          <a:miter lim="800000"/>
+        </a:ln>
+        <a:effectLst/>
+      </dsp:spPr>
+      <dsp:style>
+        <a:lnRef idx="2">
+          <a:scrgbClr r="0" g="0" b="0"/>
+        </a:lnRef>
+        <a:fillRef idx="1">
+          <a:scrgbClr r="0" g="0" b="0"/>
+        </a:fillRef>
+        <a:effectRef idx="0">
+          <a:scrgbClr r="0" g="0" b="0"/>
+        </a:effectRef>
+        <a:fontRef idx="minor">
+          <a:schemeClr val="lt1"/>
+        </a:fontRef>
+      </dsp:style>
+    </dsp:sp>
+    <dsp:sp modelId="{0CD52AAA-8C59-407E-9118-156C0555611E}">
+      <dsp:nvSpPr>
+        <dsp:cNvPr id="0" name=""/>
+        <dsp:cNvSpPr/>
+      </dsp:nvSpPr>
+      <dsp:spPr>
+        <a:xfrm>
+          <a:off x="0" y="2984718"/>
+          <a:ext cx="11090274" cy="994906"/>
+        </a:xfrm>
+        <a:prstGeom prst="rect">
+          <a:avLst/>
+        </a:prstGeom>
+        <a:noFill/>
+        <a:ln>
+          <a:noFill/>
+        </a:ln>
+        <a:effectLst/>
+      </dsp:spPr>
+      <dsp:style>
+        <a:lnRef idx="0">
+          <a:scrgbClr r="0" g="0" b="0"/>
+        </a:lnRef>
+        <a:fillRef idx="0">
+          <a:scrgbClr r="0" g="0" b="0"/>
+        </a:fillRef>
+        <a:effectRef idx="0">
+          <a:scrgbClr r="0" g="0" b="0"/>
+        </a:effectRef>
+        <a:fontRef idx="minor"/>
+      </dsp:style>
+      <dsp:txBody>
+        <a:bodyPr spcFirstLastPara="0" vert="horz" wrap="square" lIns="110490" tIns="110490" rIns="110490" bIns="110490" numCol="1" spcCol="1270" anchor="t" anchorCtr="0">
+          <a:noAutofit/>
+        </a:bodyPr>
+        <a:lstStyle/>
+        <a:p>
+          <a:pPr marL="0" lvl="0" indent="0" algn="l" defTabSz="1289050">
+            <a:lnSpc>
+              <a:spcPct val="90000"/>
+            </a:lnSpc>
+            <a:spcBef>
+              <a:spcPct val="0"/>
+            </a:spcBef>
+            <a:spcAft>
+              <a:spcPct val="35000"/>
+            </a:spcAft>
+            <a:buNone/>
+          </a:pPr>
+          <a:r>
+            <a:rPr lang="cs-CZ" sz="2900" kern="1200"/>
+            <a:t>Je přenosný</a:t>
+          </a:r>
+          <a:endParaRPr lang="en-US" sz="2900" kern="1200"/>
+        </a:p>
+      </dsp:txBody>
+      <dsp:txXfrm>
+        <a:off x="0" y="2984718"/>
+        <a:ext cx="11090274" cy="994906"/>
       </dsp:txXfrm>
     </dsp:sp>
   </dsp:spTree>
@@ -6224,12 +7857,12 @@
 </file>
 
 <file path=ppt/diagrams/layout3.xml><?xml version="1.0" encoding="utf-8"?>
-<dgm:layoutDef xmlns:dgm="http://schemas.openxmlformats.org/drawingml/2006/diagram" xmlns:a="http://schemas.openxmlformats.org/drawingml/2006/main" uniqueId="urn:microsoft.com/office/officeart/2005/8/layout/vList2">
+<dgm:layoutDef xmlns:dgm="http://schemas.openxmlformats.org/drawingml/2006/diagram" xmlns:a="http://schemas.openxmlformats.org/drawingml/2006/main" uniqueId="urn:microsoft.com/office/officeart/2008/layout/LinedList">
   <dgm:title val=""/>
   <dgm:desc val=""/>
   <dgm:catLst>
-    <dgm:cat type="list" pri="3000"/>
-    <dgm:cat type="convert" pri="1000"/>
+    <dgm:cat type="hierarchy" pri="8000"/>
+    <dgm:cat type="list" pri="2500"/>
   </dgm:catLst>
   <dgm:sampData>
     <dgm:dataModel>
@@ -6241,18 +7874,18 @@
         <dgm:pt modelId="11">
           <dgm:prSet phldr="1"/>
         </dgm:pt>
-        <dgm:pt modelId="2">
+        <dgm:pt modelId="12">
           <dgm:prSet phldr="1"/>
         </dgm:pt>
-        <dgm:pt modelId="21">
+        <dgm:pt modelId="13">
           <dgm:prSet phldr="1"/>
         </dgm:pt>
       </dgm:ptLst>
       <dgm:cxnLst>
-        <dgm:cxn modelId="4" srcId="0" destId="1" srcOrd="0" destOrd="0"/>
-        <dgm:cxn modelId="5" srcId="0" destId="2" srcOrd="1" destOrd="0"/>
-        <dgm:cxn modelId="12" srcId="1" destId="11" srcOrd="0" destOrd="0"/>
-        <dgm:cxn modelId="23" srcId="2" destId="21" srcOrd="0" destOrd="0"/>
+        <dgm:cxn modelId="2" srcId="0" destId="1" srcOrd="0" destOrd="0"/>
+        <dgm:cxn modelId="3" srcId="1" destId="11" srcOrd="0" destOrd="0"/>
+        <dgm:cxn modelId="4" srcId="1" destId="12" srcOrd="1" destOrd="0"/>
+        <dgm:cxn modelId="5" srcId="1" destId="13" srcOrd="2" destOrd="0"/>
       </dgm:cxnLst>
       <dgm:bg/>
       <dgm:whole/>
@@ -6262,12 +7895,20 @@
     <dgm:dataModel>
       <dgm:ptLst>
         <dgm:pt modelId="0" type="doc"/>
-        <dgm:pt modelId="1"/>
-        <dgm:pt modelId="2"/>
+        <dgm:pt modelId="1">
+          <dgm:prSet phldr="1"/>
+        </dgm:pt>
+        <dgm:pt modelId="11">
+          <dgm:prSet phldr="1"/>
+        </dgm:pt>
+        <dgm:pt modelId="12">
+          <dgm:prSet phldr="1"/>
+        </dgm:pt>
       </dgm:ptLst>
       <dgm:cxnLst>
-        <dgm:cxn modelId="3" srcId="0" destId="1" srcOrd="0" destOrd="0"/>
-        <dgm:cxn modelId="4" srcId="0" destId="2" srcOrd="1" destOrd="0"/>
+        <dgm:cxn modelId="2" srcId="0" destId="1" srcOrd="0" destOrd="0"/>
+        <dgm:cxn modelId="3" srcId="1" destId="11" srcOrd="0" destOrd="0"/>
+        <dgm:cxn modelId="4" srcId="1" destId="12" srcOrd="1" destOrd="0"/>
       </dgm:cxnLst>
       <dgm:bg/>
       <dgm:whole/>
@@ -6277,114 +7918,871 @@
     <dgm:dataModel>
       <dgm:ptLst>
         <dgm:pt modelId="0" type="doc"/>
-        <dgm:pt modelId="1"/>
-        <dgm:pt modelId="2"/>
-        <dgm:pt modelId="3"/>
-        <dgm:pt modelId="4"/>
+        <dgm:pt modelId="1">
+          <dgm:prSet phldr="1"/>
+        </dgm:pt>
+        <dgm:pt modelId="11">
+          <dgm:prSet phldr="1"/>
+        </dgm:pt>
+        <dgm:pt modelId="12">
+          <dgm:prSet phldr="1"/>
+        </dgm:pt>
       </dgm:ptLst>
       <dgm:cxnLst>
-        <dgm:cxn modelId="5" srcId="0" destId="1" srcOrd="0" destOrd="0"/>
-        <dgm:cxn modelId="6" srcId="0" destId="2" srcOrd="1" destOrd="0"/>
-        <dgm:cxn modelId="7" srcId="0" destId="3" srcOrd="2" destOrd="0"/>
-        <dgm:cxn modelId="8" srcId="0" destId="4" srcOrd="3" destOrd="0"/>
+        <dgm:cxn modelId="2" srcId="0" destId="1" srcOrd="0" destOrd="0"/>
+        <dgm:cxn modelId="3" srcId="1" destId="11" srcOrd="0" destOrd="0"/>
+        <dgm:cxn modelId="4" srcId="1" destId="12" srcOrd="1" destOrd="0"/>
       </dgm:cxnLst>
       <dgm:bg/>
       <dgm:whole/>
     </dgm:dataModel>
   </dgm:clrData>
-  <dgm:layoutNode name="linear">
+  <dgm:layoutNode name="vert0">
     <dgm:varLst>
+      <dgm:dir/>
+      <dgm:animOne val="branch"/>
       <dgm:animLvl val="lvl"/>
-      <dgm:resizeHandles val="exact"/>
     </dgm:varLst>
-    <dgm:alg type="lin">
-      <dgm:param type="linDir" val="fromT"/>
-      <dgm:param type="vertAlign" val="mid"/>
-    </dgm:alg>
+    <dgm:choose name="Name0">
+      <dgm:if name="Name1" func="var" arg="dir" op="equ" val="norm">
+        <dgm:alg type="lin">
+          <dgm:param type="linDir" val="fromT"/>
+          <dgm:param type="nodeHorzAlign" val="l"/>
+        </dgm:alg>
+      </dgm:if>
+      <dgm:else name="Name2">
+        <dgm:alg type="lin">
+          <dgm:param type="linDir" val="fromT"/>
+          <dgm:param type="nodeHorzAlign" val="r"/>
+        </dgm:alg>
+      </dgm:else>
+    </dgm:choose>
     <dgm:shape xmlns:r="http://schemas.openxmlformats.org/officeDocument/2006/relationships" r:blip="">
       <dgm:adjLst/>
     </dgm:shape>
     <dgm:presOf/>
     <dgm:constrLst>
-      <dgm:constr type="w" for="ch" forName="parentText" refType="w"/>
-      <dgm:constr type="h" for="ch" forName="parentText" refType="primFontSz" refFor="ch" refForName="parentText" fact="0.52"/>
-      <dgm:constr type="w" for="ch" forName="childText" refType="w"/>
-      <dgm:constr type="h" for="ch" forName="childText" refType="primFontSz" refFor="ch" refForName="parentText" fact="0.46"/>
-      <dgm:constr type="h" for="ch" forName="parentText" op="equ"/>
-      <dgm:constr type="primFontSz" for="ch" forName="parentText" op="equ" val="65"/>
-      <dgm:constr type="primFontSz" for="ch" forName="childText" refType="primFontSz" refFor="ch" refForName="parentText" op="equ"/>
-      <dgm:constr type="h" for="ch" forName="spacer" refType="primFontSz" refFor="ch" refForName="parentText" fact="0.08"/>
+      <dgm:constr type="w" for="ch" forName="horz1" refType="w"/>
+      <dgm:constr type="h" for="ch" forName="horz1" refType="h"/>
+      <dgm:constr type="h" for="des" forName="vert1" refType="h"/>
+      <dgm:constr type="h" for="des" forName="tx1" refType="h"/>
+      <dgm:constr type="h" for="des" forName="horz2" refType="h"/>
+      <dgm:constr type="h" for="des" forName="vert2" refType="h"/>
+      <dgm:constr type="h" for="des" forName="horz3" refType="h"/>
+      <dgm:constr type="h" for="des" forName="vert3" refType="h"/>
+      <dgm:constr type="h" for="des" forName="horz4" refType="h"/>
+      <dgm:constr type="h" for="des" ptType="node" refType="h"/>
+      <dgm:constr type="primFontSz" for="des" forName="tx1" op="equ" val="65"/>
+      <dgm:constr type="primFontSz" for="des" forName="tx2" op="equ" val="65"/>
+      <dgm:constr type="primFontSz" for="des" forName="tx3" op="equ" val="65"/>
+      <dgm:constr type="primFontSz" for="des" forName="tx4" op="equ" val="65"/>
+      <dgm:constr type="w" for="des" forName="thickLine" refType="w"/>
+      <dgm:constr type="h" for="des" forName="thickLine"/>
+      <dgm:constr type="h" for="des" forName="thinLine1"/>
+      <dgm:constr type="h" for="des" forName="thinLine2b"/>
+      <dgm:constr type="h" for="des" forName="thinLine3"/>
+      <dgm:constr type="h" for="des" forName="vertSpace2a" refType="h" fact="0.05"/>
+      <dgm:constr type="h" for="des" forName="vertSpace2b" refType="h" refFor="des" refForName="vertSpace2a"/>
     </dgm:constrLst>
-    <dgm:ruleLst>
-      <dgm:rule type="primFontSz" for="ch" forName="parentText" val="5" fact="NaN" max="NaN"/>
-    </dgm:ruleLst>
-    <dgm:forEach name="Name0" axis="ch" ptType="node">
-      <dgm:layoutNode name="parentText" styleLbl="node1">
-        <dgm:varLst>
-          <dgm:chMax val="0"/>
-          <dgm:bulletEnabled val="1"/>
-        </dgm:varLst>
-        <dgm:alg type="tx">
-          <dgm:param type="parTxLTRAlign" val="l"/>
-          <dgm:param type="parTxRTLAlign" val="r"/>
-        </dgm:alg>
-        <dgm:shape xmlns:r="http://schemas.openxmlformats.org/officeDocument/2006/relationships" type="roundRect" r:blip="">
+    <dgm:forEach name="Name3" axis="ch" ptType="node">
+      <dgm:layoutNode name="thickLine" styleLbl="alignNode1">
+        <dgm:alg type="sp"/>
+        <dgm:shape xmlns:r="http://schemas.openxmlformats.org/officeDocument/2006/relationships" type="line" r:blip="">
           <dgm:adjLst/>
         </dgm:shape>
-        <dgm:presOf axis="self"/>
-        <dgm:constrLst>
-          <dgm:constr type="tMarg" refType="primFontSz" fact="0.3"/>
-          <dgm:constr type="bMarg" refType="primFontSz" fact="0.3"/>
-          <dgm:constr type="lMarg" refType="primFontSz" fact="0.3"/>
-          <dgm:constr type="rMarg" refType="primFontSz" fact="0.3"/>
-        </dgm:constrLst>
-        <dgm:ruleLst>
-          <dgm:rule type="h" val="INF" fact="NaN" max="NaN"/>
-        </dgm:ruleLst>
+        <dgm:presOf/>
       </dgm:layoutNode>
-      <dgm:choose name="Name1">
-        <dgm:if name="Name2" axis="ch" ptType="node" func="cnt" op="gte" val="1">
-          <dgm:layoutNode name="childText" styleLbl="revTx">
-            <dgm:varLst>
-              <dgm:bulletEnabled val="1"/>
-            </dgm:varLst>
-            <dgm:alg type="tx">
-              <dgm:param type="stBulletLvl" val="1"/>
-              <dgm:param type="lnSpAfChP" val="20"/>
+      <dgm:layoutNode name="horz1">
+        <dgm:choose name="Name4">
+          <dgm:if name="Name5" func="var" arg="dir" op="equ" val="norm">
+            <dgm:alg type="lin">
+              <dgm:param type="linDir" val="fromL"/>
+              <dgm:param type="nodeVertAlign" val="t"/>
             </dgm:alg>
-            <dgm:shape xmlns:r="http://schemas.openxmlformats.org/officeDocument/2006/relationships" type="rect" r:blip="">
-              <dgm:adjLst/>
-            </dgm:shape>
-            <dgm:presOf axis="des" ptType="node"/>
+          </dgm:if>
+          <dgm:else name="Name6">
+            <dgm:alg type="lin">
+              <dgm:param type="linDir" val="fromR"/>
+              <dgm:param type="nodeVertAlign" val="t"/>
+            </dgm:alg>
+          </dgm:else>
+        </dgm:choose>
+        <dgm:shape xmlns:r="http://schemas.openxmlformats.org/officeDocument/2006/relationships" r:blip="">
+          <dgm:adjLst/>
+        </dgm:shape>
+        <dgm:presOf/>
+        <dgm:choose name="Name7">
+          <dgm:if name="Name8" axis="root des" func="maxDepth" op="equ" val="1">
             <dgm:constrLst>
-              <dgm:constr type="tMarg" refType="primFontSz" fact="0.1"/>
-              <dgm:constr type="bMarg" refType="primFontSz" fact="0.1"/>
-              <dgm:constr type="lMarg" refType="w" fact="0.09"/>
+              <dgm:constr type="w" for="ch" forName="tx1" refType="w"/>
             </dgm:constrLst>
-            <dgm:ruleLst>
-              <dgm:rule type="h" val="INF" fact="NaN" max="NaN"/>
-            </dgm:ruleLst>
-          </dgm:layoutNode>
-        </dgm:if>
-        <dgm:else name="Name3">
-          <dgm:choose name="Name4">
-            <dgm:if name="Name5" axis="par ch" ptType="doc node" func="cnt" op="gte" val="2">
-              <dgm:forEach name="Name6" axis="followSib" ptType="sibTrans" cnt="1">
-                <dgm:layoutNode name="spacer">
+          </dgm:if>
+          <dgm:if name="Name9" axis="root des" func="maxDepth" op="equ" val="2">
+            <dgm:constrLst>
+              <dgm:constr type="w" for="ch" forName="tx1" refType="w" fact="0.2"/>
+              <dgm:constr type="w" for="des" forName="tx2" refType="w" fact="0.785"/>
+              <dgm:constr type="w" for="des" forName="horzSpace2" refType="w" fact="0.015"/>
+              <dgm:constr type="w" for="des" forName="thinLine2b" refType="w" fact="0.8"/>
+            </dgm:constrLst>
+          </dgm:if>
+          <dgm:if name="Name10" axis="root des" func="maxDepth" op="equ" val="3">
+            <dgm:constrLst>
+              <dgm:constr type="w" for="ch" forName="tx1" refType="w" fact="0.2"/>
+              <dgm:constr type="w" for="des" forName="tx2" refType="w" fact="0.385"/>
+              <dgm:constr type="w" for="des" forName="tx3" refType="w" fact="0.385"/>
+              <dgm:constr type="w" for="des" forName="horzSpace2" refType="w" fact="0.015"/>
+              <dgm:constr type="w" for="des" forName="horzSpace3" refType="w" fact="0.015"/>
+              <dgm:constr type="w" for="des" forName="thinLine2b" refType="w" fact="0.8"/>
+              <dgm:constr type="w" for="des" forName="thinLine3" refType="w" fact="0.385"/>
+            </dgm:constrLst>
+          </dgm:if>
+          <dgm:if name="Name11" axis="root des" func="maxDepth" op="gte" val="4">
+            <dgm:constrLst>
+              <dgm:constr type="w" for="ch" forName="tx1" refType="w" fact="0.2"/>
+              <dgm:constr type="w" for="des" forName="tx2" refType="w" fact="0.2516"/>
+              <dgm:constr type="w" for="des" forName="tx3" refType="w" fact="0.2516"/>
+              <dgm:constr type="w" for="des" forName="tx4" refType="w" fact="0.2516"/>
+              <dgm:constr type="w" for="des" forName="horzSpace2" refType="w" fact="0.015"/>
+              <dgm:constr type="w" for="des" forName="horzSpace3" refType="w" fact="0.015"/>
+              <dgm:constr type="w" for="des" forName="horzSpace4" refType="w" fact="0.015"/>
+              <dgm:constr type="w" for="des" forName="thinLine2b" refType="w" fact="0.8"/>
+              <dgm:constr type="w" for="des" forName="thinLine3" refType="w" fact="0.5332"/>
+            </dgm:constrLst>
+          </dgm:if>
+          <dgm:else name="Name12"/>
+        </dgm:choose>
+        <dgm:layoutNode name="tx1" styleLbl="revTx">
+          <dgm:alg type="tx">
+            <dgm:param type="parTxLTRAlign" val="l"/>
+            <dgm:param type="parTxRTLAlign" val="r"/>
+            <dgm:param type="txAnchorVert" val="t"/>
+          </dgm:alg>
+          <dgm:shape xmlns:r="http://schemas.openxmlformats.org/officeDocument/2006/relationships" type="rect" r:blip="">
+            <dgm:adjLst/>
+          </dgm:shape>
+          <dgm:presOf axis="self"/>
+          <dgm:constrLst>
+            <dgm:constr type="tMarg" refType="primFontSz" fact="0.3"/>
+            <dgm:constr type="bMarg" refType="primFontSz" fact="0.3"/>
+            <dgm:constr type="lMarg" refType="primFontSz" fact="0.3"/>
+            <dgm:constr type="rMarg" refType="primFontSz" fact="0.3"/>
+          </dgm:constrLst>
+          <dgm:ruleLst>
+            <dgm:rule type="primFontSz" val="5" fact="NaN" max="NaN"/>
+          </dgm:ruleLst>
+        </dgm:layoutNode>
+        <dgm:layoutNode name="vert1">
+          <dgm:choose name="Name13">
+            <dgm:if name="Name14" func="var" arg="dir" op="equ" val="norm">
+              <dgm:alg type="lin">
+                <dgm:param type="linDir" val="fromT"/>
+                <dgm:param type="nodeHorzAlign" val="l"/>
+              </dgm:alg>
+            </dgm:if>
+            <dgm:else name="Name15">
+              <dgm:alg type="lin">
+                <dgm:param type="linDir" val="fromT"/>
+                <dgm:param type="nodeHorzAlign" val="r"/>
+              </dgm:alg>
+            </dgm:else>
+          </dgm:choose>
+          <dgm:shape xmlns:r="http://schemas.openxmlformats.org/officeDocument/2006/relationships" r:blip="">
+            <dgm:adjLst/>
+          </dgm:shape>
+          <dgm:presOf/>
+          <dgm:forEach name="Name16" axis="ch" ptType="node">
+            <dgm:choose name="Name17">
+              <dgm:if name="Name18" axis="self" ptType="node" func="pos" op="equ" val="1">
+                <dgm:layoutNode name="vertSpace2a">
                   <dgm:alg type="sp"/>
                   <dgm:shape xmlns:r="http://schemas.openxmlformats.org/officeDocument/2006/relationships" r:blip="">
                     <dgm:adjLst/>
                   </dgm:shape>
                   <dgm:presOf/>
-                  <dgm:constrLst/>
-                  <dgm:ruleLst/>
                 </dgm:layoutNode>
-              </dgm:forEach>
+              </dgm:if>
+              <dgm:else name="Name19"/>
+            </dgm:choose>
+            <dgm:layoutNode name="horz2">
+              <dgm:choose name="Name20">
+                <dgm:if name="Name21" func="var" arg="dir" op="equ" val="norm">
+                  <dgm:alg type="lin">
+                    <dgm:param type="linDir" val="fromL"/>
+                    <dgm:param type="nodeVertAlign" val="t"/>
+                  </dgm:alg>
+                </dgm:if>
+                <dgm:else name="Name22">
+                  <dgm:alg type="lin">
+                    <dgm:param type="linDir" val="fromR"/>
+                    <dgm:param type="nodeVertAlign" val="t"/>
+                  </dgm:alg>
+                </dgm:else>
+              </dgm:choose>
+              <dgm:shape xmlns:r="http://schemas.openxmlformats.org/officeDocument/2006/relationships" r:blip="">
+                <dgm:adjLst/>
+              </dgm:shape>
+              <dgm:presOf/>
+              <dgm:layoutNode name="horzSpace2">
+                <dgm:alg type="sp"/>
+                <dgm:shape xmlns:r="http://schemas.openxmlformats.org/officeDocument/2006/relationships" r:blip="">
+                  <dgm:adjLst/>
+                </dgm:shape>
+                <dgm:presOf/>
+              </dgm:layoutNode>
+              <dgm:layoutNode name="tx2" styleLbl="revTx">
+                <dgm:alg type="tx">
+                  <dgm:param type="parTxLTRAlign" val="l"/>
+                  <dgm:param type="parTxRTLAlign" val="r"/>
+                  <dgm:param type="txAnchorVert" val="t"/>
+                </dgm:alg>
+                <dgm:shape xmlns:r="http://schemas.openxmlformats.org/officeDocument/2006/relationships" type="rect" r:blip="">
+                  <dgm:adjLst/>
+                </dgm:shape>
+                <dgm:presOf axis="self"/>
+                <dgm:constrLst>
+                  <dgm:constr type="tMarg" refType="primFontSz" fact="0.3"/>
+                  <dgm:constr type="bMarg" refType="primFontSz" fact="0.3"/>
+                  <dgm:constr type="lMarg" refType="primFontSz" fact="0.3"/>
+                  <dgm:constr type="rMarg" refType="primFontSz" fact="0.3"/>
+                </dgm:constrLst>
+                <dgm:ruleLst>
+                  <dgm:rule type="primFontSz" val="5" fact="NaN" max="NaN"/>
+                </dgm:ruleLst>
+              </dgm:layoutNode>
+              <dgm:layoutNode name="vert2">
+                <dgm:choose name="Name23">
+                  <dgm:if name="Name24" func="var" arg="dir" op="equ" val="norm">
+                    <dgm:alg type="lin">
+                      <dgm:param type="linDir" val="fromT"/>
+                      <dgm:param type="nodeHorzAlign" val="l"/>
+                    </dgm:alg>
+                  </dgm:if>
+                  <dgm:else name="Name25">
+                    <dgm:alg type="lin">
+                      <dgm:param type="linDir" val="fromT"/>
+                      <dgm:param type="nodeHorzAlign" val="r"/>
+                    </dgm:alg>
+                  </dgm:else>
+                </dgm:choose>
+                <dgm:shape xmlns:r="http://schemas.openxmlformats.org/officeDocument/2006/relationships" r:blip="">
+                  <dgm:adjLst/>
+                </dgm:shape>
+                <dgm:presOf/>
+                <dgm:forEach name="Name26" axis="ch" ptType="node">
+                  <dgm:layoutNode name="horz3">
+                    <dgm:choose name="Name27">
+                      <dgm:if name="Name28" func="var" arg="dir" op="equ" val="norm">
+                        <dgm:alg type="lin">
+                          <dgm:param type="linDir" val="fromL"/>
+                          <dgm:param type="nodeVertAlign" val="t"/>
+                        </dgm:alg>
+                      </dgm:if>
+                      <dgm:else name="Name29">
+                        <dgm:alg type="lin">
+                          <dgm:param type="linDir" val="fromR"/>
+                          <dgm:param type="nodeVertAlign" val="t"/>
+                        </dgm:alg>
+                      </dgm:else>
+                    </dgm:choose>
+                    <dgm:shape xmlns:r="http://schemas.openxmlformats.org/officeDocument/2006/relationships" r:blip="">
+                      <dgm:adjLst/>
+                    </dgm:shape>
+                    <dgm:presOf/>
+                    <dgm:layoutNode name="horzSpace3">
+                      <dgm:alg type="sp"/>
+                      <dgm:shape xmlns:r="http://schemas.openxmlformats.org/officeDocument/2006/relationships" r:blip="">
+                        <dgm:adjLst/>
+                      </dgm:shape>
+                      <dgm:presOf/>
+                    </dgm:layoutNode>
+                    <dgm:layoutNode name="tx3" styleLbl="revTx">
+                      <dgm:alg type="tx">
+                        <dgm:param type="parTxLTRAlign" val="l"/>
+                        <dgm:param type="parTxRTLAlign" val="r"/>
+                        <dgm:param type="txAnchorVert" val="t"/>
+                      </dgm:alg>
+                      <dgm:shape xmlns:r="http://schemas.openxmlformats.org/officeDocument/2006/relationships" type="rect" r:blip="">
+                        <dgm:adjLst/>
+                      </dgm:shape>
+                      <dgm:presOf axis="self"/>
+                      <dgm:constrLst>
+                        <dgm:constr type="tMarg" refType="primFontSz" fact="0.3"/>
+                        <dgm:constr type="bMarg" refType="primFontSz" fact="0.3"/>
+                        <dgm:constr type="lMarg" refType="primFontSz" fact="0.3"/>
+                        <dgm:constr type="rMarg" refType="primFontSz" fact="0.3"/>
+                      </dgm:constrLst>
+                      <dgm:ruleLst>
+                        <dgm:rule type="primFontSz" val="5" fact="NaN" max="NaN"/>
+                      </dgm:ruleLst>
+                    </dgm:layoutNode>
+                    <dgm:layoutNode name="vert3">
+                      <dgm:choose name="Name30">
+                        <dgm:if name="Name31" func="var" arg="dir" op="equ" val="norm">
+                          <dgm:alg type="lin">
+                            <dgm:param type="linDir" val="fromT"/>
+                            <dgm:param type="nodeHorzAlign" val="l"/>
+                          </dgm:alg>
+                        </dgm:if>
+                        <dgm:else name="Name32">
+                          <dgm:alg type="lin">
+                            <dgm:param type="linDir" val="fromT"/>
+                            <dgm:param type="nodeHorzAlign" val="r"/>
+                          </dgm:alg>
+                        </dgm:else>
+                      </dgm:choose>
+                      <dgm:shape xmlns:r="http://schemas.openxmlformats.org/officeDocument/2006/relationships" r:blip="">
+                        <dgm:adjLst/>
+                      </dgm:shape>
+                      <dgm:presOf/>
+                      <dgm:forEach name="Name33" axis="ch" ptType="node">
+                        <dgm:layoutNode name="horz4">
+                          <dgm:choose name="Name34">
+                            <dgm:if name="Name35" func="var" arg="dir" op="equ" val="norm">
+                              <dgm:alg type="lin">
+                                <dgm:param type="linDir" val="fromL"/>
+                                <dgm:param type="nodeVertAlign" val="t"/>
+                              </dgm:alg>
+                            </dgm:if>
+                            <dgm:else name="Name36">
+                              <dgm:alg type="lin">
+                                <dgm:param type="linDir" val="fromR"/>
+                                <dgm:param type="nodeVertAlign" val="t"/>
+                              </dgm:alg>
+                            </dgm:else>
+                          </dgm:choose>
+                          <dgm:shape xmlns:r="http://schemas.openxmlformats.org/officeDocument/2006/relationships" r:blip="">
+                            <dgm:adjLst/>
+                          </dgm:shape>
+                          <dgm:presOf/>
+                          <dgm:layoutNode name="horzSpace4">
+                            <dgm:alg type="sp"/>
+                            <dgm:shape xmlns:r="http://schemas.openxmlformats.org/officeDocument/2006/relationships" r:blip="">
+                              <dgm:adjLst/>
+                            </dgm:shape>
+                            <dgm:presOf/>
+                          </dgm:layoutNode>
+                          <dgm:layoutNode name="tx4" styleLbl="revTx">
+                            <dgm:varLst>
+                              <dgm:bulletEnabled val="1"/>
+                            </dgm:varLst>
+                            <dgm:alg type="tx">
+                              <dgm:param type="parTxLTRAlign" val="l"/>
+                              <dgm:param type="parTxRTLAlign" val="r"/>
+                              <dgm:param type="txAnchorVert" val="t"/>
+                            </dgm:alg>
+                            <dgm:shape xmlns:r="http://schemas.openxmlformats.org/officeDocument/2006/relationships" type="rect" r:blip="">
+                              <dgm:adjLst/>
+                            </dgm:shape>
+                            <dgm:presOf axis="desOrSelf" ptType="node"/>
+                            <dgm:constrLst>
+                              <dgm:constr type="tMarg" refType="primFontSz" fact="0.3"/>
+                              <dgm:constr type="bMarg" refType="primFontSz" fact="0.3"/>
+                              <dgm:constr type="lMarg" refType="primFontSz" fact="0.3"/>
+                              <dgm:constr type="rMarg" refType="primFontSz" fact="0.3"/>
+                            </dgm:constrLst>
+                            <dgm:ruleLst>
+                              <dgm:rule type="primFontSz" val="5" fact="NaN" max="NaN"/>
+                            </dgm:ruleLst>
+                          </dgm:layoutNode>
+                        </dgm:layoutNode>
+                      </dgm:forEach>
+                    </dgm:layoutNode>
+                  </dgm:layoutNode>
+                  <dgm:forEach name="Name37" axis="followSib" ptType="sibTrans" cnt="1">
+                    <dgm:layoutNode name="thinLine3" styleLbl="callout">
+                      <dgm:alg type="sp"/>
+                      <dgm:shape xmlns:r="http://schemas.openxmlformats.org/officeDocument/2006/relationships" type="line" r:blip="">
+                        <dgm:adjLst/>
+                      </dgm:shape>
+                      <dgm:presOf/>
+                    </dgm:layoutNode>
+                  </dgm:forEach>
+                </dgm:forEach>
+              </dgm:layoutNode>
+            </dgm:layoutNode>
+            <dgm:layoutNode name="thinLine2b" styleLbl="callout">
+              <dgm:alg type="sp"/>
+              <dgm:shape xmlns:r="http://schemas.openxmlformats.org/officeDocument/2006/relationships" type="line" r:blip="">
+                <dgm:adjLst/>
+              </dgm:shape>
+              <dgm:presOf/>
+            </dgm:layoutNode>
+            <dgm:layoutNode name="vertSpace2b">
+              <dgm:alg type="sp"/>
+              <dgm:shape xmlns:r="http://schemas.openxmlformats.org/officeDocument/2006/relationships" r:blip="">
+                <dgm:adjLst/>
+              </dgm:shape>
+              <dgm:presOf/>
+            </dgm:layoutNode>
+          </dgm:forEach>
+        </dgm:layoutNode>
+      </dgm:layoutNode>
+    </dgm:forEach>
+  </dgm:layoutNode>
+</dgm:layoutDef>
+</file>
+
+<file path=ppt/diagrams/layout4.xml><?xml version="1.0" encoding="utf-8"?>
+<dgm:layoutDef xmlns:dgm="http://schemas.openxmlformats.org/drawingml/2006/diagram" xmlns:a="http://schemas.openxmlformats.org/drawingml/2006/main" uniqueId="urn:microsoft.com/office/officeart/2008/layout/LinedList">
+  <dgm:title val=""/>
+  <dgm:desc val=""/>
+  <dgm:catLst>
+    <dgm:cat type="hierarchy" pri="8000"/>
+    <dgm:cat type="list" pri="2500"/>
+  </dgm:catLst>
+  <dgm:sampData>
+    <dgm:dataModel>
+      <dgm:ptLst>
+        <dgm:pt modelId="0" type="doc"/>
+        <dgm:pt modelId="1">
+          <dgm:prSet phldr="1"/>
+        </dgm:pt>
+        <dgm:pt modelId="11">
+          <dgm:prSet phldr="1"/>
+        </dgm:pt>
+        <dgm:pt modelId="12">
+          <dgm:prSet phldr="1"/>
+        </dgm:pt>
+        <dgm:pt modelId="13">
+          <dgm:prSet phldr="1"/>
+        </dgm:pt>
+      </dgm:ptLst>
+      <dgm:cxnLst>
+        <dgm:cxn modelId="2" srcId="0" destId="1" srcOrd="0" destOrd="0"/>
+        <dgm:cxn modelId="3" srcId="1" destId="11" srcOrd="0" destOrd="0"/>
+        <dgm:cxn modelId="4" srcId="1" destId="12" srcOrd="1" destOrd="0"/>
+        <dgm:cxn modelId="5" srcId="1" destId="13" srcOrd="2" destOrd="0"/>
+      </dgm:cxnLst>
+      <dgm:bg/>
+      <dgm:whole/>
+    </dgm:dataModel>
+  </dgm:sampData>
+  <dgm:styleData>
+    <dgm:dataModel>
+      <dgm:ptLst>
+        <dgm:pt modelId="0" type="doc"/>
+        <dgm:pt modelId="1">
+          <dgm:prSet phldr="1"/>
+        </dgm:pt>
+        <dgm:pt modelId="11">
+          <dgm:prSet phldr="1"/>
+        </dgm:pt>
+        <dgm:pt modelId="12">
+          <dgm:prSet phldr="1"/>
+        </dgm:pt>
+      </dgm:ptLst>
+      <dgm:cxnLst>
+        <dgm:cxn modelId="2" srcId="0" destId="1" srcOrd="0" destOrd="0"/>
+        <dgm:cxn modelId="3" srcId="1" destId="11" srcOrd="0" destOrd="0"/>
+        <dgm:cxn modelId="4" srcId="1" destId="12" srcOrd="1" destOrd="0"/>
+      </dgm:cxnLst>
+      <dgm:bg/>
+      <dgm:whole/>
+    </dgm:dataModel>
+  </dgm:styleData>
+  <dgm:clrData>
+    <dgm:dataModel>
+      <dgm:ptLst>
+        <dgm:pt modelId="0" type="doc"/>
+        <dgm:pt modelId="1">
+          <dgm:prSet phldr="1"/>
+        </dgm:pt>
+        <dgm:pt modelId="11">
+          <dgm:prSet phldr="1"/>
+        </dgm:pt>
+        <dgm:pt modelId="12">
+          <dgm:prSet phldr="1"/>
+        </dgm:pt>
+      </dgm:ptLst>
+      <dgm:cxnLst>
+        <dgm:cxn modelId="2" srcId="0" destId="1" srcOrd="0" destOrd="0"/>
+        <dgm:cxn modelId="3" srcId="1" destId="11" srcOrd="0" destOrd="0"/>
+        <dgm:cxn modelId="4" srcId="1" destId="12" srcOrd="1" destOrd="0"/>
+      </dgm:cxnLst>
+      <dgm:bg/>
+      <dgm:whole/>
+    </dgm:dataModel>
+  </dgm:clrData>
+  <dgm:layoutNode name="vert0">
+    <dgm:varLst>
+      <dgm:dir/>
+      <dgm:animOne val="branch"/>
+      <dgm:animLvl val="lvl"/>
+    </dgm:varLst>
+    <dgm:choose name="Name0">
+      <dgm:if name="Name1" func="var" arg="dir" op="equ" val="norm">
+        <dgm:alg type="lin">
+          <dgm:param type="linDir" val="fromT"/>
+          <dgm:param type="nodeHorzAlign" val="l"/>
+        </dgm:alg>
+      </dgm:if>
+      <dgm:else name="Name2">
+        <dgm:alg type="lin">
+          <dgm:param type="linDir" val="fromT"/>
+          <dgm:param type="nodeHorzAlign" val="r"/>
+        </dgm:alg>
+      </dgm:else>
+    </dgm:choose>
+    <dgm:shape xmlns:r="http://schemas.openxmlformats.org/officeDocument/2006/relationships" r:blip="">
+      <dgm:adjLst/>
+    </dgm:shape>
+    <dgm:presOf/>
+    <dgm:constrLst>
+      <dgm:constr type="w" for="ch" forName="horz1" refType="w"/>
+      <dgm:constr type="h" for="ch" forName="horz1" refType="h"/>
+      <dgm:constr type="h" for="des" forName="vert1" refType="h"/>
+      <dgm:constr type="h" for="des" forName="tx1" refType="h"/>
+      <dgm:constr type="h" for="des" forName="horz2" refType="h"/>
+      <dgm:constr type="h" for="des" forName="vert2" refType="h"/>
+      <dgm:constr type="h" for="des" forName="horz3" refType="h"/>
+      <dgm:constr type="h" for="des" forName="vert3" refType="h"/>
+      <dgm:constr type="h" for="des" forName="horz4" refType="h"/>
+      <dgm:constr type="h" for="des" ptType="node" refType="h"/>
+      <dgm:constr type="primFontSz" for="des" forName="tx1" op="equ" val="65"/>
+      <dgm:constr type="primFontSz" for="des" forName="tx2" op="equ" val="65"/>
+      <dgm:constr type="primFontSz" for="des" forName="tx3" op="equ" val="65"/>
+      <dgm:constr type="primFontSz" for="des" forName="tx4" op="equ" val="65"/>
+      <dgm:constr type="w" for="des" forName="thickLine" refType="w"/>
+      <dgm:constr type="h" for="des" forName="thickLine"/>
+      <dgm:constr type="h" for="des" forName="thinLine1"/>
+      <dgm:constr type="h" for="des" forName="thinLine2b"/>
+      <dgm:constr type="h" for="des" forName="thinLine3"/>
+      <dgm:constr type="h" for="des" forName="vertSpace2a" refType="h" fact="0.05"/>
+      <dgm:constr type="h" for="des" forName="vertSpace2b" refType="h" refFor="des" refForName="vertSpace2a"/>
+    </dgm:constrLst>
+    <dgm:forEach name="Name3" axis="ch" ptType="node">
+      <dgm:layoutNode name="thickLine" styleLbl="alignNode1">
+        <dgm:alg type="sp"/>
+        <dgm:shape xmlns:r="http://schemas.openxmlformats.org/officeDocument/2006/relationships" type="line" r:blip="">
+          <dgm:adjLst/>
+        </dgm:shape>
+        <dgm:presOf/>
+      </dgm:layoutNode>
+      <dgm:layoutNode name="horz1">
+        <dgm:choose name="Name4">
+          <dgm:if name="Name5" func="var" arg="dir" op="equ" val="norm">
+            <dgm:alg type="lin">
+              <dgm:param type="linDir" val="fromL"/>
+              <dgm:param type="nodeVertAlign" val="t"/>
+            </dgm:alg>
+          </dgm:if>
+          <dgm:else name="Name6">
+            <dgm:alg type="lin">
+              <dgm:param type="linDir" val="fromR"/>
+              <dgm:param type="nodeVertAlign" val="t"/>
+            </dgm:alg>
+          </dgm:else>
+        </dgm:choose>
+        <dgm:shape xmlns:r="http://schemas.openxmlformats.org/officeDocument/2006/relationships" r:blip="">
+          <dgm:adjLst/>
+        </dgm:shape>
+        <dgm:presOf/>
+        <dgm:choose name="Name7">
+          <dgm:if name="Name8" axis="root des" func="maxDepth" op="equ" val="1">
+            <dgm:constrLst>
+              <dgm:constr type="w" for="ch" forName="tx1" refType="w"/>
+            </dgm:constrLst>
+          </dgm:if>
+          <dgm:if name="Name9" axis="root des" func="maxDepth" op="equ" val="2">
+            <dgm:constrLst>
+              <dgm:constr type="w" for="ch" forName="tx1" refType="w" fact="0.2"/>
+              <dgm:constr type="w" for="des" forName="tx2" refType="w" fact="0.785"/>
+              <dgm:constr type="w" for="des" forName="horzSpace2" refType="w" fact="0.015"/>
+              <dgm:constr type="w" for="des" forName="thinLine2b" refType="w" fact="0.8"/>
+            </dgm:constrLst>
+          </dgm:if>
+          <dgm:if name="Name10" axis="root des" func="maxDepth" op="equ" val="3">
+            <dgm:constrLst>
+              <dgm:constr type="w" for="ch" forName="tx1" refType="w" fact="0.2"/>
+              <dgm:constr type="w" for="des" forName="tx2" refType="w" fact="0.385"/>
+              <dgm:constr type="w" for="des" forName="tx3" refType="w" fact="0.385"/>
+              <dgm:constr type="w" for="des" forName="horzSpace2" refType="w" fact="0.015"/>
+              <dgm:constr type="w" for="des" forName="horzSpace3" refType="w" fact="0.015"/>
+              <dgm:constr type="w" for="des" forName="thinLine2b" refType="w" fact="0.8"/>
+              <dgm:constr type="w" for="des" forName="thinLine3" refType="w" fact="0.385"/>
+            </dgm:constrLst>
+          </dgm:if>
+          <dgm:if name="Name11" axis="root des" func="maxDepth" op="gte" val="4">
+            <dgm:constrLst>
+              <dgm:constr type="w" for="ch" forName="tx1" refType="w" fact="0.2"/>
+              <dgm:constr type="w" for="des" forName="tx2" refType="w" fact="0.2516"/>
+              <dgm:constr type="w" for="des" forName="tx3" refType="w" fact="0.2516"/>
+              <dgm:constr type="w" for="des" forName="tx4" refType="w" fact="0.2516"/>
+              <dgm:constr type="w" for="des" forName="horzSpace2" refType="w" fact="0.015"/>
+              <dgm:constr type="w" for="des" forName="horzSpace3" refType="w" fact="0.015"/>
+              <dgm:constr type="w" for="des" forName="horzSpace4" refType="w" fact="0.015"/>
+              <dgm:constr type="w" for="des" forName="thinLine2b" refType="w" fact="0.8"/>
+              <dgm:constr type="w" for="des" forName="thinLine3" refType="w" fact="0.5332"/>
+            </dgm:constrLst>
+          </dgm:if>
+          <dgm:else name="Name12"/>
+        </dgm:choose>
+        <dgm:layoutNode name="tx1" styleLbl="revTx">
+          <dgm:alg type="tx">
+            <dgm:param type="parTxLTRAlign" val="l"/>
+            <dgm:param type="parTxRTLAlign" val="r"/>
+            <dgm:param type="txAnchorVert" val="t"/>
+          </dgm:alg>
+          <dgm:shape xmlns:r="http://schemas.openxmlformats.org/officeDocument/2006/relationships" type="rect" r:blip="">
+            <dgm:adjLst/>
+          </dgm:shape>
+          <dgm:presOf axis="self"/>
+          <dgm:constrLst>
+            <dgm:constr type="tMarg" refType="primFontSz" fact="0.3"/>
+            <dgm:constr type="bMarg" refType="primFontSz" fact="0.3"/>
+            <dgm:constr type="lMarg" refType="primFontSz" fact="0.3"/>
+            <dgm:constr type="rMarg" refType="primFontSz" fact="0.3"/>
+          </dgm:constrLst>
+          <dgm:ruleLst>
+            <dgm:rule type="primFontSz" val="5" fact="NaN" max="NaN"/>
+          </dgm:ruleLst>
+        </dgm:layoutNode>
+        <dgm:layoutNode name="vert1">
+          <dgm:choose name="Name13">
+            <dgm:if name="Name14" func="var" arg="dir" op="equ" val="norm">
+              <dgm:alg type="lin">
+                <dgm:param type="linDir" val="fromT"/>
+                <dgm:param type="nodeHorzAlign" val="l"/>
+              </dgm:alg>
             </dgm:if>
-            <dgm:else name="Name7"/>
+            <dgm:else name="Name15">
+              <dgm:alg type="lin">
+                <dgm:param type="linDir" val="fromT"/>
+                <dgm:param type="nodeHorzAlign" val="r"/>
+              </dgm:alg>
+            </dgm:else>
           </dgm:choose>
-        </dgm:else>
-      </dgm:choose>
+          <dgm:shape xmlns:r="http://schemas.openxmlformats.org/officeDocument/2006/relationships" r:blip="">
+            <dgm:adjLst/>
+          </dgm:shape>
+          <dgm:presOf/>
+          <dgm:forEach name="Name16" axis="ch" ptType="node">
+            <dgm:choose name="Name17">
+              <dgm:if name="Name18" axis="self" ptType="node" func="pos" op="equ" val="1">
+                <dgm:layoutNode name="vertSpace2a">
+                  <dgm:alg type="sp"/>
+                  <dgm:shape xmlns:r="http://schemas.openxmlformats.org/officeDocument/2006/relationships" r:blip="">
+                    <dgm:adjLst/>
+                  </dgm:shape>
+                  <dgm:presOf/>
+                </dgm:layoutNode>
+              </dgm:if>
+              <dgm:else name="Name19"/>
+            </dgm:choose>
+            <dgm:layoutNode name="horz2">
+              <dgm:choose name="Name20">
+                <dgm:if name="Name21" func="var" arg="dir" op="equ" val="norm">
+                  <dgm:alg type="lin">
+                    <dgm:param type="linDir" val="fromL"/>
+                    <dgm:param type="nodeVertAlign" val="t"/>
+                  </dgm:alg>
+                </dgm:if>
+                <dgm:else name="Name22">
+                  <dgm:alg type="lin">
+                    <dgm:param type="linDir" val="fromR"/>
+                    <dgm:param type="nodeVertAlign" val="t"/>
+                  </dgm:alg>
+                </dgm:else>
+              </dgm:choose>
+              <dgm:shape xmlns:r="http://schemas.openxmlformats.org/officeDocument/2006/relationships" r:blip="">
+                <dgm:adjLst/>
+              </dgm:shape>
+              <dgm:presOf/>
+              <dgm:layoutNode name="horzSpace2">
+                <dgm:alg type="sp"/>
+                <dgm:shape xmlns:r="http://schemas.openxmlformats.org/officeDocument/2006/relationships" r:blip="">
+                  <dgm:adjLst/>
+                </dgm:shape>
+                <dgm:presOf/>
+              </dgm:layoutNode>
+              <dgm:layoutNode name="tx2" styleLbl="revTx">
+                <dgm:alg type="tx">
+                  <dgm:param type="parTxLTRAlign" val="l"/>
+                  <dgm:param type="parTxRTLAlign" val="r"/>
+                  <dgm:param type="txAnchorVert" val="t"/>
+                </dgm:alg>
+                <dgm:shape xmlns:r="http://schemas.openxmlformats.org/officeDocument/2006/relationships" type="rect" r:blip="">
+                  <dgm:adjLst/>
+                </dgm:shape>
+                <dgm:presOf axis="self"/>
+                <dgm:constrLst>
+                  <dgm:constr type="tMarg" refType="primFontSz" fact="0.3"/>
+                  <dgm:constr type="bMarg" refType="primFontSz" fact="0.3"/>
+                  <dgm:constr type="lMarg" refType="primFontSz" fact="0.3"/>
+                  <dgm:constr type="rMarg" refType="primFontSz" fact="0.3"/>
+                </dgm:constrLst>
+                <dgm:ruleLst>
+                  <dgm:rule type="primFontSz" val="5" fact="NaN" max="NaN"/>
+                </dgm:ruleLst>
+              </dgm:layoutNode>
+              <dgm:layoutNode name="vert2">
+                <dgm:choose name="Name23">
+                  <dgm:if name="Name24" func="var" arg="dir" op="equ" val="norm">
+                    <dgm:alg type="lin">
+                      <dgm:param type="linDir" val="fromT"/>
+                      <dgm:param type="nodeHorzAlign" val="l"/>
+                    </dgm:alg>
+                  </dgm:if>
+                  <dgm:else name="Name25">
+                    <dgm:alg type="lin">
+                      <dgm:param type="linDir" val="fromT"/>
+                      <dgm:param type="nodeHorzAlign" val="r"/>
+                    </dgm:alg>
+                  </dgm:else>
+                </dgm:choose>
+                <dgm:shape xmlns:r="http://schemas.openxmlformats.org/officeDocument/2006/relationships" r:blip="">
+                  <dgm:adjLst/>
+                </dgm:shape>
+                <dgm:presOf/>
+                <dgm:forEach name="Name26" axis="ch" ptType="node">
+                  <dgm:layoutNode name="horz3">
+                    <dgm:choose name="Name27">
+                      <dgm:if name="Name28" func="var" arg="dir" op="equ" val="norm">
+                        <dgm:alg type="lin">
+                          <dgm:param type="linDir" val="fromL"/>
+                          <dgm:param type="nodeVertAlign" val="t"/>
+                        </dgm:alg>
+                      </dgm:if>
+                      <dgm:else name="Name29">
+                        <dgm:alg type="lin">
+                          <dgm:param type="linDir" val="fromR"/>
+                          <dgm:param type="nodeVertAlign" val="t"/>
+                        </dgm:alg>
+                      </dgm:else>
+                    </dgm:choose>
+                    <dgm:shape xmlns:r="http://schemas.openxmlformats.org/officeDocument/2006/relationships" r:blip="">
+                      <dgm:adjLst/>
+                    </dgm:shape>
+                    <dgm:presOf/>
+                    <dgm:layoutNode name="horzSpace3">
+                      <dgm:alg type="sp"/>
+                      <dgm:shape xmlns:r="http://schemas.openxmlformats.org/officeDocument/2006/relationships" r:blip="">
+                        <dgm:adjLst/>
+                      </dgm:shape>
+                      <dgm:presOf/>
+                    </dgm:layoutNode>
+                    <dgm:layoutNode name="tx3" styleLbl="revTx">
+                      <dgm:alg type="tx">
+                        <dgm:param type="parTxLTRAlign" val="l"/>
+                        <dgm:param type="parTxRTLAlign" val="r"/>
+                        <dgm:param type="txAnchorVert" val="t"/>
+                      </dgm:alg>
+                      <dgm:shape xmlns:r="http://schemas.openxmlformats.org/officeDocument/2006/relationships" type="rect" r:blip="">
+                        <dgm:adjLst/>
+                      </dgm:shape>
+                      <dgm:presOf axis="self"/>
+                      <dgm:constrLst>
+                        <dgm:constr type="tMarg" refType="primFontSz" fact="0.3"/>
+                        <dgm:constr type="bMarg" refType="primFontSz" fact="0.3"/>
+                        <dgm:constr type="lMarg" refType="primFontSz" fact="0.3"/>
+                        <dgm:constr type="rMarg" refType="primFontSz" fact="0.3"/>
+                      </dgm:constrLst>
+                      <dgm:ruleLst>
+                        <dgm:rule type="primFontSz" val="5" fact="NaN" max="NaN"/>
+                      </dgm:ruleLst>
+                    </dgm:layoutNode>
+                    <dgm:layoutNode name="vert3">
+                      <dgm:choose name="Name30">
+                        <dgm:if name="Name31" func="var" arg="dir" op="equ" val="norm">
+                          <dgm:alg type="lin">
+                            <dgm:param type="linDir" val="fromT"/>
+                            <dgm:param type="nodeHorzAlign" val="l"/>
+                          </dgm:alg>
+                        </dgm:if>
+                        <dgm:else name="Name32">
+                          <dgm:alg type="lin">
+                            <dgm:param type="linDir" val="fromT"/>
+                            <dgm:param type="nodeHorzAlign" val="r"/>
+                          </dgm:alg>
+                        </dgm:else>
+                      </dgm:choose>
+                      <dgm:shape xmlns:r="http://schemas.openxmlformats.org/officeDocument/2006/relationships" r:blip="">
+                        <dgm:adjLst/>
+                      </dgm:shape>
+                      <dgm:presOf/>
+                      <dgm:forEach name="Name33" axis="ch" ptType="node">
+                        <dgm:layoutNode name="horz4">
+                          <dgm:choose name="Name34">
+                            <dgm:if name="Name35" func="var" arg="dir" op="equ" val="norm">
+                              <dgm:alg type="lin">
+                                <dgm:param type="linDir" val="fromL"/>
+                                <dgm:param type="nodeVertAlign" val="t"/>
+                              </dgm:alg>
+                            </dgm:if>
+                            <dgm:else name="Name36">
+                              <dgm:alg type="lin">
+                                <dgm:param type="linDir" val="fromR"/>
+                                <dgm:param type="nodeVertAlign" val="t"/>
+                              </dgm:alg>
+                            </dgm:else>
+                          </dgm:choose>
+                          <dgm:shape xmlns:r="http://schemas.openxmlformats.org/officeDocument/2006/relationships" r:blip="">
+                            <dgm:adjLst/>
+                          </dgm:shape>
+                          <dgm:presOf/>
+                          <dgm:layoutNode name="horzSpace4">
+                            <dgm:alg type="sp"/>
+                            <dgm:shape xmlns:r="http://schemas.openxmlformats.org/officeDocument/2006/relationships" r:blip="">
+                              <dgm:adjLst/>
+                            </dgm:shape>
+                            <dgm:presOf/>
+                          </dgm:layoutNode>
+                          <dgm:layoutNode name="tx4" styleLbl="revTx">
+                            <dgm:varLst>
+                              <dgm:bulletEnabled val="1"/>
+                            </dgm:varLst>
+                            <dgm:alg type="tx">
+                              <dgm:param type="parTxLTRAlign" val="l"/>
+                              <dgm:param type="parTxRTLAlign" val="r"/>
+                              <dgm:param type="txAnchorVert" val="t"/>
+                            </dgm:alg>
+                            <dgm:shape xmlns:r="http://schemas.openxmlformats.org/officeDocument/2006/relationships" type="rect" r:blip="">
+                              <dgm:adjLst/>
+                            </dgm:shape>
+                            <dgm:presOf axis="desOrSelf" ptType="node"/>
+                            <dgm:constrLst>
+                              <dgm:constr type="tMarg" refType="primFontSz" fact="0.3"/>
+                              <dgm:constr type="bMarg" refType="primFontSz" fact="0.3"/>
+                              <dgm:constr type="lMarg" refType="primFontSz" fact="0.3"/>
+                              <dgm:constr type="rMarg" refType="primFontSz" fact="0.3"/>
+                            </dgm:constrLst>
+                            <dgm:ruleLst>
+                              <dgm:rule type="primFontSz" val="5" fact="NaN" max="NaN"/>
+                            </dgm:ruleLst>
+                          </dgm:layoutNode>
+                        </dgm:layoutNode>
+                      </dgm:forEach>
+                    </dgm:layoutNode>
+                  </dgm:layoutNode>
+                  <dgm:forEach name="Name37" axis="followSib" ptType="sibTrans" cnt="1">
+                    <dgm:layoutNode name="thinLine3" styleLbl="callout">
+                      <dgm:alg type="sp"/>
+                      <dgm:shape xmlns:r="http://schemas.openxmlformats.org/officeDocument/2006/relationships" type="line" r:blip="">
+                        <dgm:adjLst/>
+                      </dgm:shape>
+                      <dgm:presOf/>
+                    </dgm:layoutNode>
+                  </dgm:forEach>
+                </dgm:forEach>
+              </dgm:layoutNode>
+            </dgm:layoutNode>
+            <dgm:layoutNode name="thinLine2b" styleLbl="callout">
+              <dgm:alg type="sp"/>
+              <dgm:shape xmlns:r="http://schemas.openxmlformats.org/officeDocument/2006/relationships" type="line" r:blip="">
+                <dgm:adjLst/>
+              </dgm:shape>
+              <dgm:presOf/>
+            </dgm:layoutNode>
+            <dgm:layoutNode name="vertSpace2b">
+              <dgm:alg type="sp"/>
+              <dgm:shape xmlns:r="http://schemas.openxmlformats.org/officeDocument/2006/relationships" r:blip="">
+                <dgm:adjLst/>
+              </dgm:shape>
+              <dgm:presOf/>
+            </dgm:layoutNode>
+          </dgm:forEach>
+        </dgm:layoutNode>
+      </dgm:layoutNode>
     </dgm:forEach>
   </dgm:layoutNode>
 </dgm:layoutDef>
@@ -8459,6 +10857,1040 @@
 </file>
 
 <file path=ppt/diagrams/quickStyle3.xml><?xml version="1.0" encoding="utf-8"?>
+<dgm:styleDef xmlns:dgm="http://schemas.openxmlformats.org/drawingml/2006/diagram" xmlns:a="http://schemas.openxmlformats.org/drawingml/2006/main" uniqueId="urn:microsoft.com/office/officeart/2005/8/quickstyle/simple1">
+  <dgm:title val=""/>
+  <dgm:desc val=""/>
+  <dgm:catLst>
+    <dgm:cat type="simple" pri="10100"/>
+  </dgm:catLst>
+  <dgm:scene3d>
+    <a:camera prst="orthographicFront"/>
+    <a:lightRig rig="threePt" dir="t"/>
+  </dgm:scene3d>
+  <dgm:styleLbl name="node0">
+    <dgm:scene3d>
+      <a:camera prst="orthographicFront"/>
+      <a:lightRig rig="threePt" dir="t"/>
+    </dgm:scene3d>
+    <dgm:sp3d/>
+    <dgm:txPr/>
+    <dgm:style>
+      <a:lnRef idx="2">
+        <a:scrgbClr r="0" g="0" b="0"/>
+      </a:lnRef>
+      <a:fillRef idx="1">
+        <a:scrgbClr r="0" g="0" b="0"/>
+      </a:fillRef>
+      <a:effectRef idx="0">
+        <a:scrgbClr r="0" g="0" b="0"/>
+      </a:effectRef>
+      <a:fontRef idx="minor">
+        <a:schemeClr val="lt1"/>
+      </a:fontRef>
+    </dgm:style>
+  </dgm:styleLbl>
+  <dgm:styleLbl name="lnNode1">
+    <dgm:scene3d>
+      <a:camera prst="orthographicFront"/>
+      <a:lightRig rig="threePt" dir="t"/>
+    </dgm:scene3d>
+    <dgm:sp3d/>
+    <dgm:txPr/>
+    <dgm:style>
+      <a:lnRef idx="2">
+        <a:scrgbClr r="0" g="0" b="0"/>
+      </a:lnRef>
+      <a:fillRef idx="1">
+        <a:scrgbClr r="0" g="0" b="0"/>
+      </a:fillRef>
+      <a:effectRef idx="0">
+        <a:scrgbClr r="0" g="0" b="0"/>
+      </a:effectRef>
+      <a:fontRef idx="minor">
+        <a:schemeClr val="lt1"/>
+      </a:fontRef>
+    </dgm:style>
+  </dgm:styleLbl>
+  <dgm:styleLbl name="vennNode1">
+    <dgm:scene3d>
+      <a:camera prst="orthographicFront"/>
+      <a:lightRig rig="threePt" dir="t"/>
+    </dgm:scene3d>
+    <dgm:sp3d/>
+    <dgm:txPr/>
+    <dgm:style>
+      <a:lnRef idx="2">
+        <a:scrgbClr r="0" g="0" b="0"/>
+      </a:lnRef>
+      <a:fillRef idx="1">
+        <a:scrgbClr r="0" g="0" b="0"/>
+      </a:fillRef>
+      <a:effectRef idx="0">
+        <a:scrgbClr r="0" g="0" b="0"/>
+      </a:effectRef>
+      <a:fontRef idx="minor">
+        <a:schemeClr val="tx1"/>
+      </a:fontRef>
+    </dgm:style>
+  </dgm:styleLbl>
+  <dgm:styleLbl name="alignNode1">
+    <dgm:scene3d>
+      <a:camera prst="orthographicFront"/>
+      <a:lightRig rig="threePt" dir="t"/>
+    </dgm:scene3d>
+    <dgm:sp3d/>
+    <dgm:txPr/>
+    <dgm:style>
+      <a:lnRef idx="2">
+        <a:scrgbClr r="0" g="0" b="0"/>
+      </a:lnRef>
+      <a:fillRef idx="1">
+        <a:scrgbClr r="0" g="0" b="0"/>
+      </a:fillRef>
+      <a:effectRef idx="0">
+        <a:scrgbClr r="0" g="0" b="0"/>
+      </a:effectRef>
+      <a:fontRef idx="minor">
+        <a:schemeClr val="lt1"/>
+      </a:fontRef>
+    </dgm:style>
+  </dgm:styleLbl>
+  <dgm:styleLbl name="node1">
+    <dgm:scene3d>
+      <a:camera prst="orthographicFront"/>
+      <a:lightRig rig="threePt" dir="t"/>
+    </dgm:scene3d>
+    <dgm:sp3d/>
+    <dgm:txPr/>
+    <dgm:style>
+      <a:lnRef idx="2">
+        <a:scrgbClr r="0" g="0" b="0"/>
+      </a:lnRef>
+      <a:fillRef idx="1">
+        <a:scrgbClr r="0" g="0" b="0"/>
+      </a:fillRef>
+      <a:effectRef idx="0">
+        <a:scrgbClr r="0" g="0" b="0"/>
+      </a:effectRef>
+      <a:fontRef idx="minor">
+        <a:schemeClr val="lt1"/>
+      </a:fontRef>
+    </dgm:style>
+  </dgm:styleLbl>
+  <dgm:styleLbl name="node2">
+    <dgm:scene3d>
+      <a:camera prst="orthographicFront"/>
+      <a:lightRig rig="threePt" dir="t"/>
+    </dgm:scene3d>
+    <dgm:sp3d/>
+    <dgm:txPr/>
+    <dgm:style>
+      <a:lnRef idx="2">
+        <a:scrgbClr r="0" g="0" b="0"/>
+      </a:lnRef>
+      <a:fillRef idx="1">
+        <a:scrgbClr r="0" g="0" b="0"/>
+      </a:fillRef>
+      <a:effectRef idx="0">
+        <a:scrgbClr r="0" g="0" b="0"/>
+      </a:effectRef>
+      <a:fontRef idx="minor">
+        <a:schemeClr val="lt1"/>
+      </a:fontRef>
+    </dgm:style>
+  </dgm:styleLbl>
+  <dgm:styleLbl name="node3">
+    <dgm:scene3d>
+      <a:camera prst="orthographicFront"/>
+      <a:lightRig rig="threePt" dir="t"/>
+    </dgm:scene3d>
+    <dgm:sp3d/>
+    <dgm:txPr/>
+    <dgm:style>
+      <a:lnRef idx="2">
+        <a:scrgbClr r="0" g="0" b="0"/>
+      </a:lnRef>
+      <a:fillRef idx="1">
+        <a:scrgbClr r="0" g="0" b="0"/>
+      </a:fillRef>
+      <a:effectRef idx="0">
+        <a:scrgbClr r="0" g="0" b="0"/>
+      </a:effectRef>
+      <a:fontRef idx="minor">
+        <a:schemeClr val="lt1"/>
+      </a:fontRef>
+    </dgm:style>
+  </dgm:styleLbl>
+  <dgm:styleLbl name="node4">
+    <dgm:scene3d>
+      <a:camera prst="orthographicFront"/>
+      <a:lightRig rig="threePt" dir="t"/>
+    </dgm:scene3d>
+    <dgm:sp3d/>
+    <dgm:txPr/>
+    <dgm:style>
+      <a:lnRef idx="2">
+        <a:scrgbClr r="0" g="0" b="0"/>
+      </a:lnRef>
+      <a:fillRef idx="1">
+        <a:scrgbClr r="0" g="0" b="0"/>
+      </a:fillRef>
+      <a:effectRef idx="0">
+        <a:scrgbClr r="0" g="0" b="0"/>
+      </a:effectRef>
+      <a:fontRef idx="minor">
+        <a:schemeClr val="lt1"/>
+      </a:fontRef>
+    </dgm:style>
+  </dgm:styleLbl>
+  <dgm:styleLbl name="fgImgPlace1">
+    <dgm:scene3d>
+      <a:camera prst="orthographicFront"/>
+      <a:lightRig rig="threePt" dir="t"/>
+    </dgm:scene3d>
+    <dgm:sp3d/>
+    <dgm:txPr/>
+    <dgm:style>
+      <a:lnRef idx="2">
+        <a:scrgbClr r="0" g="0" b="0"/>
+      </a:lnRef>
+      <a:fillRef idx="1">
+        <a:scrgbClr r="0" g="0" b="0"/>
+      </a:fillRef>
+      <a:effectRef idx="0">
+        <a:scrgbClr r="0" g="0" b="0"/>
+      </a:effectRef>
+      <a:fontRef idx="minor"/>
+    </dgm:style>
+  </dgm:styleLbl>
+  <dgm:styleLbl name="alignImgPlace1">
+    <dgm:scene3d>
+      <a:camera prst="orthographicFront"/>
+      <a:lightRig rig="threePt" dir="t"/>
+    </dgm:scene3d>
+    <dgm:sp3d/>
+    <dgm:txPr/>
+    <dgm:style>
+      <a:lnRef idx="2">
+        <a:scrgbClr r="0" g="0" b="0"/>
+      </a:lnRef>
+      <a:fillRef idx="1">
+        <a:scrgbClr r="0" g="0" b="0"/>
+      </a:fillRef>
+      <a:effectRef idx="0">
+        <a:scrgbClr r="0" g="0" b="0"/>
+      </a:effectRef>
+      <a:fontRef idx="minor"/>
+    </dgm:style>
+  </dgm:styleLbl>
+  <dgm:styleLbl name="bgImgPlace1">
+    <dgm:scene3d>
+      <a:camera prst="orthographicFront"/>
+      <a:lightRig rig="threePt" dir="t"/>
+    </dgm:scene3d>
+    <dgm:sp3d/>
+    <dgm:txPr/>
+    <dgm:style>
+      <a:lnRef idx="2">
+        <a:scrgbClr r="0" g="0" b="0"/>
+      </a:lnRef>
+      <a:fillRef idx="1">
+        <a:scrgbClr r="0" g="0" b="0"/>
+      </a:fillRef>
+      <a:effectRef idx="0">
+        <a:scrgbClr r="0" g="0" b="0"/>
+      </a:effectRef>
+      <a:fontRef idx="minor"/>
+    </dgm:style>
+  </dgm:styleLbl>
+  <dgm:styleLbl name="sibTrans2D1">
+    <dgm:scene3d>
+      <a:camera prst="orthographicFront"/>
+      <a:lightRig rig="threePt" dir="t"/>
+    </dgm:scene3d>
+    <dgm:sp3d/>
+    <dgm:txPr/>
+    <dgm:style>
+      <a:lnRef idx="0">
+        <a:scrgbClr r="0" g="0" b="0"/>
+      </a:lnRef>
+      <a:fillRef idx="1">
+        <a:scrgbClr r="0" g="0" b="0"/>
+      </a:fillRef>
+      <a:effectRef idx="0">
+        <a:scrgbClr r="0" g="0" b="0"/>
+      </a:effectRef>
+      <a:fontRef idx="minor">
+        <a:schemeClr val="lt1"/>
+      </a:fontRef>
+    </dgm:style>
+  </dgm:styleLbl>
+  <dgm:styleLbl name="fgSibTrans2D1">
+    <dgm:scene3d>
+      <a:camera prst="orthographicFront"/>
+      <a:lightRig rig="threePt" dir="t"/>
+    </dgm:scene3d>
+    <dgm:sp3d/>
+    <dgm:txPr/>
+    <dgm:style>
+      <a:lnRef idx="0">
+        <a:scrgbClr r="0" g="0" b="0"/>
+      </a:lnRef>
+      <a:fillRef idx="1">
+        <a:scrgbClr r="0" g="0" b="0"/>
+      </a:fillRef>
+      <a:effectRef idx="0">
+        <a:scrgbClr r="0" g="0" b="0"/>
+      </a:effectRef>
+      <a:fontRef idx="minor">
+        <a:schemeClr val="lt1"/>
+      </a:fontRef>
+    </dgm:style>
+  </dgm:styleLbl>
+  <dgm:styleLbl name="bgSibTrans2D1">
+    <dgm:scene3d>
+      <a:camera prst="orthographicFront"/>
+      <a:lightRig rig="threePt" dir="t"/>
+    </dgm:scene3d>
+    <dgm:sp3d/>
+    <dgm:txPr/>
+    <dgm:style>
+      <a:lnRef idx="0">
+        <a:scrgbClr r="0" g="0" b="0"/>
+      </a:lnRef>
+      <a:fillRef idx="1">
+        <a:scrgbClr r="0" g="0" b="0"/>
+      </a:fillRef>
+      <a:effectRef idx="0">
+        <a:scrgbClr r="0" g="0" b="0"/>
+      </a:effectRef>
+      <a:fontRef idx="minor">
+        <a:schemeClr val="lt1"/>
+      </a:fontRef>
+    </dgm:style>
+  </dgm:styleLbl>
+  <dgm:styleLbl name="sibTrans1D1">
+    <dgm:scene3d>
+      <a:camera prst="orthographicFront"/>
+      <a:lightRig rig="threePt" dir="t"/>
+    </dgm:scene3d>
+    <dgm:sp3d/>
+    <dgm:txPr/>
+    <dgm:style>
+      <a:lnRef idx="1">
+        <a:scrgbClr r="0" g="0" b="0"/>
+      </a:lnRef>
+      <a:fillRef idx="0">
+        <a:scrgbClr r="0" g="0" b="0"/>
+      </a:fillRef>
+      <a:effectRef idx="0">
+        <a:scrgbClr r="0" g="0" b="0"/>
+      </a:effectRef>
+      <a:fontRef idx="minor"/>
+    </dgm:style>
+  </dgm:styleLbl>
+  <dgm:styleLbl name="callout">
+    <dgm:scene3d>
+      <a:camera prst="orthographicFront"/>
+      <a:lightRig rig="threePt" dir="t"/>
+    </dgm:scene3d>
+    <dgm:sp3d/>
+    <dgm:txPr/>
+    <dgm:style>
+      <a:lnRef idx="2">
+        <a:scrgbClr r="0" g="0" b="0"/>
+      </a:lnRef>
+      <a:fillRef idx="1">
+        <a:scrgbClr r="0" g="0" b="0"/>
+      </a:fillRef>
+      <a:effectRef idx="0">
+        <a:scrgbClr r="0" g="0" b="0"/>
+      </a:effectRef>
+      <a:fontRef idx="minor"/>
+    </dgm:style>
+  </dgm:styleLbl>
+  <dgm:styleLbl name="asst0">
+    <dgm:scene3d>
+      <a:camera prst="orthographicFront"/>
+      <a:lightRig rig="threePt" dir="t"/>
+    </dgm:scene3d>
+    <dgm:sp3d/>
+    <dgm:txPr/>
+    <dgm:style>
+      <a:lnRef idx="2">
+        <a:scrgbClr r="0" g="0" b="0"/>
+      </a:lnRef>
+      <a:fillRef idx="1">
+        <a:scrgbClr r="0" g="0" b="0"/>
+      </a:fillRef>
+      <a:effectRef idx="0">
+        <a:scrgbClr r="0" g="0" b="0"/>
+      </a:effectRef>
+      <a:fontRef idx="minor">
+        <a:schemeClr val="lt1"/>
+      </a:fontRef>
+    </dgm:style>
+  </dgm:styleLbl>
+  <dgm:styleLbl name="asst1">
+    <dgm:scene3d>
+      <a:camera prst="orthographicFront"/>
+      <a:lightRig rig="threePt" dir="t"/>
+    </dgm:scene3d>
+    <dgm:sp3d/>
+    <dgm:txPr/>
+    <dgm:style>
+      <a:lnRef idx="2">
+        <a:scrgbClr r="0" g="0" b="0"/>
+      </a:lnRef>
+      <a:fillRef idx="1">
+        <a:scrgbClr r="0" g="0" b="0"/>
+      </a:fillRef>
+      <a:effectRef idx="0">
+        <a:scrgbClr r="0" g="0" b="0"/>
+      </a:effectRef>
+      <a:fontRef idx="minor">
+        <a:schemeClr val="lt1"/>
+      </a:fontRef>
+    </dgm:style>
+  </dgm:styleLbl>
+  <dgm:styleLbl name="asst2">
+    <dgm:scene3d>
+      <a:camera prst="orthographicFront"/>
+      <a:lightRig rig="threePt" dir="t"/>
+    </dgm:scene3d>
+    <dgm:sp3d/>
+    <dgm:txPr/>
+    <dgm:style>
+      <a:lnRef idx="2">
+        <a:scrgbClr r="0" g="0" b="0"/>
+      </a:lnRef>
+      <a:fillRef idx="1">
+        <a:scrgbClr r="0" g="0" b="0"/>
+      </a:fillRef>
+      <a:effectRef idx="0">
+        <a:scrgbClr r="0" g="0" b="0"/>
+      </a:effectRef>
+      <a:fontRef idx="minor">
+        <a:schemeClr val="lt1"/>
+      </a:fontRef>
+    </dgm:style>
+  </dgm:styleLbl>
+  <dgm:styleLbl name="asst3">
+    <dgm:scene3d>
+      <a:camera prst="orthographicFront"/>
+      <a:lightRig rig="threePt" dir="t"/>
+    </dgm:scene3d>
+    <dgm:sp3d/>
+    <dgm:txPr/>
+    <dgm:style>
+      <a:lnRef idx="2">
+        <a:scrgbClr r="0" g="0" b="0"/>
+      </a:lnRef>
+      <a:fillRef idx="1">
+        <a:scrgbClr r="0" g="0" b="0"/>
+      </a:fillRef>
+      <a:effectRef idx="0">
+        <a:scrgbClr r="0" g="0" b="0"/>
+      </a:effectRef>
+      <a:fontRef idx="minor">
+        <a:schemeClr val="lt1"/>
+      </a:fontRef>
+    </dgm:style>
+  </dgm:styleLbl>
+  <dgm:styleLbl name="asst4">
+    <dgm:scene3d>
+      <a:camera prst="orthographicFront"/>
+      <a:lightRig rig="threePt" dir="t"/>
+    </dgm:scene3d>
+    <dgm:sp3d/>
+    <dgm:txPr/>
+    <dgm:style>
+      <a:lnRef idx="2">
+        <a:scrgbClr r="0" g="0" b="0"/>
+      </a:lnRef>
+      <a:fillRef idx="1">
+        <a:scrgbClr r="0" g="0" b="0"/>
+      </a:fillRef>
+      <a:effectRef idx="0">
+        <a:scrgbClr r="0" g="0" b="0"/>
+      </a:effectRef>
+      <a:fontRef idx="minor">
+        <a:schemeClr val="lt1"/>
+      </a:fontRef>
+    </dgm:style>
+  </dgm:styleLbl>
+  <dgm:styleLbl name="parChTrans2D1">
+    <dgm:scene3d>
+      <a:camera prst="orthographicFront"/>
+      <a:lightRig rig="threePt" dir="t"/>
+    </dgm:scene3d>
+    <dgm:sp3d/>
+    <dgm:txPr/>
+    <dgm:style>
+      <a:lnRef idx="2">
+        <a:scrgbClr r="0" g="0" b="0"/>
+      </a:lnRef>
+      <a:fillRef idx="1">
+        <a:scrgbClr r="0" g="0" b="0"/>
+      </a:fillRef>
+      <a:effectRef idx="0">
+        <a:scrgbClr r="0" g="0" b="0"/>
+      </a:effectRef>
+      <a:fontRef idx="minor">
+        <a:schemeClr val="lt1"/>
+      </a:fontRef>
+    </dgm:style>
+  </dgm:styleLbl>
+  <dgm:styleLbl name="parChTrans2D2">
+    <dgm:scene3d>
+      <a:camera prst="orthographicFront"/>
+      <a:lightRig rig="threePt" dir="t"/>
+    </dgm:scene3d>
+    <dgm:sp3d/>
+    <dgm:txPr/>
+    <dgm:style>
+      <a:lnRef idx="2">
+        <a:scrgbClr r="0" g="0" b="0"/>
+      </a:lnRef>
+      <a:fillRef idx="1">
+        <a:scrgbClr r="0" g="0" b="0"/>
+      </a:fillRef>
+      <a:effectRef idx="0">
+        <a:scrgbClr r="0" g="0" b="0"/>
+      </a:effectRef>
+      <a:fontRef idx="minor">
+        <a:schemeClr val="lt1"/>
+      </a:fontRef>
+    </dgm:style>
+  </dgm:styleLbl>
+  <dgm:styleLbl name="parChTrans2D3">
+    <dgm:scene3d>
+      <a:camera prst="orthographicFront"/>
+      <a:lightRig rig="threePt" dir="t"/>
+    </dgm:scene3d>
+    <dgm:sp3d/>
+    <dgm:txPr/>
+    <dgm:style>
+      <a:lnRef idx="2">
+        <a:scrgbClr r="0" g="0" b="0"/>
+      </a:lnRef>
+      <a:fillRef idx="1">
+        <a:scrgbClr r="0" g="0" b="0"/>
+      </a:fillRef>
+      <a:effectRef idx="0">
+        <a:scrgbClr r="0" g="0" b="0"/>
+      </a:effectRef>
+      <a:fontRef idx="minor">
+        <a:schemeClr val="lt1"/>
+      </a:fontRef>
+    </dgm:style>
+  </dgm:styleLbl>
+  <dgm:styleLbl name="parChTrans2D4">
+    <dgm:scene3d>
+      <a:camera prst="orthographicFront"/>
+      <a:lightRig rig="threePt" dir="t"/>
+    </dgm:scene3d>
+    <dgm:sp3d/>
+    <dgm:txPr/>
+    <dgm:style>
+      <a:lnRef idx="2">
+        <a:scrgbClr r="0" g="0" b="0"/>
+      </a:lnRef>
+      <a:fillRef idx="1">
+        <a:scrgbClr r="0" g="0" b="0"/>
+      </a:fillRef>
+      <a:effectRef idx="0">
+        <a:scrgbClr r="0" g="0" b="0"/>
+      </a:effectRef>
+      <a:fontRef idx="minor">
+        <a:schemeClr val="lt1"/>
+      </a:fontRef>
+    </dgm:style>
+  </dgm:styleLbl>
+  <dgm:styleLbl name="parChTrans1D1">
+    <dgm:scene3d>
+      <a:camera prst="orthographicFront"/>
+      <a:lightRig rig="threePt" dir="t"/>
+    </dgm:scene3d>
+    <dgm:sp3d/>
+    <dgm:txPr/>
+    <dgm:style>
+      <a:lnRef idx="2">
+        <a:scrgbClr r="0" g="0" b="0"/>
+      </a:lnRef>
+      <a:fillRef idx="0">
+        <a:scrgbClr r="0" g="0" b="0"/>
+      </a:fillRef>
+      <a:effectRef idx="0">
+        <a:scrgbClr r="0" g="0" b="0"/>
+      </a:effectRef>
+      <a:fontRef idx="minor"/>
+    </dgm:style>
+  </dgm:styleLbl>
+  <dgm:styleLbl name="parChTrans1D2">
+    <dgm:scene3d>
+      <a:camera prst="orthographicFront"/>
+      <a:lightRig rig="threePt" dir="t"/>
+    </dgm:scene3d>
+    <dgm:sp3d/>
+    <dgm:txPr/>
+    <dgm:style>
+      <a:lnRef idx="2">
+        <a:scrgbClr r="0" g="0" b="0"/>
+      </a:lnRef>
+      <a:fillRef idx="0">
+        <a:scrgbClr r="0" g="0" b="0"/>
+      </a:fillRef>
+      <a:effectRef idx="0">
+        <a:scrgbClr r="0" g="0" b="0"/>
+      </a:effectRef>
+      <a:fontRef idx="minor"/>
+    </dgm:style>
+  </dgm:styleLbl>
+  <dgm:styleLbl name="parChTrans1D3">
+    <dgm:scene3d>
+      <a:camera prst="orthographicFront"/>
+      <a:lightRig rig="threePt" dir="t"/>
+    </dgm:scene3d>
+    <dgm:sp3d/>
+    <dgm:txPr/>
+    <dgm:style>
+      <a:lnRef idx="2">
+        <a:scrgbClr r="0" g="0" b="0"/>
+      </a:lnRef>
+      <a:fillRef idx="0">
+        <a:scrgbClr r="0" g="0" b="0"/>
+      </a:fillRef>
+      <a:effectRef idx="0">
+        <a:scrgbClr r="0" g="0" b="0"/>
+      </a:effectRef>
+      <a:fontRef idx="minor"/>
+    </dgm:style>
+  </dgm:styleLbl>
+  <dgm:styleLbl name="parChTrans1D4">
+    <dgm:scene3d>
+      <a:camera prst="orthographicFront"/>
+      <a:lightRig rig="threePt" dir="t"/>
+    </dgm:scene3d>
+    <dgm:sp3d/>
+    <dgm:txPr/>
+    <dgm:style>
+      <a:lnRef idx="2">
+        <a:scrgbClr r="0" g="0" b="0"/>
+      </a:lnRef>
+      <a:fillRef idx="0">
+        <a:scrgbClr r="0" g="0" b="0"/>
+      </a:fillRef>
+      <a:effectRef idx="0">
+        <a:scrgbClr r="0" g="0" b="0"/>
+      </a:effectRef>
+      <a:fontRef idx="minor"/>
+    </dgm:style>
+  </dgm:styleLbl>
+  <dgm:styleLbl name="fgAcc1">
+    <dgm:scene3d>
+      <a:camera prst="orthographicFront"/>
+      <a:lightRig rig="threePt" dir="t"/>
+    </dgm:scene3d>
+    <dgm:sp3d/>
+    <dgm:txPr/>
+    <dgm:style>
+      <a:lnRef idx="2">
+        <a:scrgbClr r="0" g="0" b="0"/>
+      </a:lnRef>
+      <a:fillRef idx="1">
+        <a:scrgbClr r="0" g="0" b="0"/>
+      </a:fillRef>
+      <a:effectRef idx="0">
+        <a:scrgbClr r="0" g="0" b="0"/>
+      </a:effectRef>
+      <a:fontRef idx="minor"/>
+    </dgm:style>
+  </dgm:styleLbl>
+  <dgm:styleLbl name="conFgAcc1">
+    <dgm:scene3d>
+      <a:camera prst="orthographicFront"/>
+      <a:lightRig rig="threePt" dir="t"/>
+    </dgm:scene3d>
+    <dgm:sp3d/>
+    <dgm:txPr/>
+    <dgm:style>
+      <a:lnRef idx="2">
+        <a:scrgbClr r="0" g="0" b="0"/>
+      </a:lnRef>
+      <a:fillRef idx="1">
+        <a:scrgbClr r="0" g="0" b="0"/>
+      </a:fillRef>
+      <a:effectRef idx="0">
+        <a:scrgbClr r="0" g="0" b="0"/>
+      </a:effectRef>
+      <a:fontRef idx="minor"/>
+    </dgm:style>
+  </dgm:styleLbl>
+  <dgm:styleLbl name="alignAcc1">
+    <dgm:scene3d>
+      <a:camera prst="orthographicFront"/>
+      <a:lightRig rig="threePt" dir="t"/>
+    </dgm:scene3d>
+    <dgm:sp3d/>
+    <dgm:txPr/>
+    <dgm:style>
+      <a:lnRef idx="2">
+        <a:scrgbClr r="0" g="0" b="0"/>
+      </a:lnRef>
+      <a:fillRef idx="1">
+        <a:scrgbClr r="0" g="0" b="0"/>
+      </a:fillRef>
+      <a:effectRef idx="0">
+        <a:scrgbClr r="0" g="0" b="0"/>
+      </a:effectRef>
+      <a:fontRef idx="minor"/>
+    </dgm:style>
+  </dgm:styleLbl>
+  <dgm:styleLbl name="trAlignAcc1">
+    <dgm:scene3d>
+      <a:camera prst="orthographicFront"/>
+      <a:lightRig rig="threePt" dir="t"/>
+    </dgm:scene3d>
+    <dgm:sp3d/>
+    <dgm:txPr/>
+    <dgm:style>
+      <a:lnRef idx="1">
+        <a:scrgbClr r="0" g="0" b="0"/>
+      </a:lnRef>
+      <a:fillRef idx="1">
+        <a:scrgbClr r="0" g="0" b="0"/>
+      </a:fillRef>
+      <a:effectRef idx="0">
+        <a:scrgbClr r="0" g="0" b="0"/>
+      </a:effectRef>
+      <a:fontRef idx="minor"/>
+    </dgm:style>
+  </dgm:styleLbl>
+  <dgm:styleLbl name="bgAcc1">
+    <dgm:scene3d>
+      <a:camera prst="orthographicFront"/>
+      <a:lightRig rig="threePt" dir="t"/>
+    </dgm:scene3d>
+    <dgm:sp3d/>
+    <dgm:txPr/>
+    <dgm:style>
+      <a:lnRef idx="2">
+        <a:scrgbClr r="0" g="0" b="0"/>
+      </a:lnRef>
+      <a:fillRef idx="1">
+        <a:scrgbClr r="0" g="0" b="0"/>
+      </a:fillRef>
+      <a:effectRef idx="0">
+        <a:scrgbClr r="0" g="0" b="0"/>
+      </a:effectRef>
+      <a:fontRef idx="minor"/>
+    </dgm:style>
+  </dgm:styleLbl>
+  <dgm:styleLbl name="solidFgAcc1">
+    <dgm:scene3d>
+      <a:camera prst="orthographicFront"/>
+      <a:lightRig rig="threePt" dir="t"/>
+    </dgm:scene3d>
+    <dgm:sp3d/>
+    <dgm:txPr/>
+    <dgm:style>
+      <a:lnRef idx="2">
+        <a:scrgbClr r="0" g="0" b="0"/>
+      </a:lnRef>
+      <a:fillRef idx="1">
+        <a:scrgbClr r="0" g="0" b="0"/>
+      </a:fillRef>
+      <a:effectRef idx="0">
+        <a:scrgbClr r="0" g="0" b="0"/>
+      </a:effectRef>
+      <a:fontRef idx="minor"/>
+    </dgm:style>
+  </dgm:styleLbl>
+  <dgm:styleLbl name="solidAlignAcc1">
+    <dgm:scene3d>
+      <a:camera prst="orthographicFront"/>
+      <a:lightRig rig="threePt" dir="t"/>
+    </dgm:scene3d>
+    <dgm:sp3d/>
+    <dgm:txPr/>
+    <dgm:style>
+      <a:lnRef idx="2">
+        <a:scrgbClr r="0" g="0" b="0"/>
+      </a:lnRef>
+      <a:fillRef idx="1">
+        <a:scrgbClr r="0" g="0" b="0"/>
+      </a:fillRef>
+      <a:effectRef idx="0">
+        <a:scrgbClr r="0" g="0" b="0"/>
+      </a:effectRef>
+      <a:fontRef idx="minor"/>
+    </dgm:style>
+  </dgm:styleLbl>
+  <dgm:styleLbl name="solidBgAcc1">
+    <dgm:scene3d>
+      <a:camera prst="orthographicFront"/>
+      <a:lightRig rig="threePt" dir="t"/>
+    </dgm:scene3d>
+    <dgm:sp3d/>
+    <dgm:txPr/>
+    <dgm:style>
+      <a:lnRef idx="2">
+        <a:scrgbClr r="0" g="0" b="0"/>
+      </a:lnRef>
+      <a:fillRef idx="1">
+        <a:scrgbClr r="0" g="0" b="0"/>
+      </a:fillRef>
+      <a:effectRef idx="0">
+        <a:scrgbClr r="0" g="0" b="0"/>
+      </a:effectRef>
+      <a:fontRef idx="minor"/>
+    </dgm:style>
+  </dgm:styleLbl>
+  <dgm:styleLbl name="fgAccFollowNode1">
+    <dgm:scene3d>
+      <a:camera prst="orthographicFront"/>
+      <a:lightRig rig="threePt" dir="t"/>
+    </dgm:scene3d>
+    <dgm:sp3d/>
+    <dgm:txPr/>
+    <dgm:style>
+      <a:lnRef idx="2">
+        <a:scrgbClr r="0" g="0" b="0"/>
+      </a:lnRef>
+      <a:fillRef idx="1">
+        <a:scrgbClr r="0" g="0" b="0"/>
+      </a:fillRef>
+      <a:effectRef idx="0">
+        <a:scrgbClr r="0" g="0" b="0"/>
+      </a:effectRef>
+      <a:fontRef idx="minor"/>
+    </dgm:style>
+  </dgm:styleLbl>
+  <dgm:styleLbl name="alignAccFollowNode1">
+    <dgm:scene3d>
+      <a:camera prst="orthographicFront"/>
+      <a:lightRig rig="threePt" dir="t"/>
+    </dgm:scene3d>
+    <dgm:sp3d/>
+    <dgm:txPr/>
+    <dgm:style>
+      <a:lnRef idx="2">
+        <a:scrgbClr r="0" g="0" b="0"/>
+      </a:lnRef>
+      <a:fillRef idx="1">
+        <a:scrgbClr r="0" g="0" b="0"/>
+      </a:fillRef>
+      <a:effectRef idx="0">
+        <a:scrgbClr r="0" g="0" b="0"/>
+      </a:effectRef>
+      <a:fontRef idx="minor"/>
+    </dgm:style>
+  </dgm:styleLbl>
+  <dgm:styleLbl name="bgAccFollowNode1">
+    <dgm:scene3d>
+      <a:camera prst="orthographicFront"/>
+      <a:lightRig rig="threePt" dir="t"/>
+    </dgm:scene3d>
+    <dgm:sp3d/>
+    <dgm:txPr/>
+    <dgm:style>
+      <a:lnRef idx="2">
+        <a:scrgbClr r="0" g="0" b="0"/>
+      </a:lnRef>
+      <a:fillRef idx="1">
+        <a:scrgbClr r="0" g="0" b="0"/>
+      </a:fillRef>
+      <a:effectRef idx="0">
+        <a:scrgbClr r="0" g="0" b="0"/>
+      </a:effectRef>
+      <a:fontRef idx="minor"/>
+    </dgm:style>
+  </dgm:styleLbl>
+  <dgm:styleLbl name="fgAcc0">
+    <dgm:scene3d>
+      <a:camera prst="orthographicFront"/>
+      <a:lightRig rig="threePt" dir="t"/>
+    </dgm:scene3d>
+    <dgm:sp3d/>
+    <dgm:txPr/>
+    <dgm:style>
+      <a:lnRef idx="2">
+        <a:scrgbClr r="0" g="0" b="0"/>
+      </a:lnRef>
+      <a:fillRef idx="1">
+        <a:scrgbClr r="0" g="0" b="0"/>
+      </a:fillRef>
+      <a:effectRef idx="0">
+        <a:scrgbClr r="0" g="0" b="0"/>
+      </a:effectRef>
+      <a:fontRef idx="minor"/>
+    </dgm:style>
+  </dgm:styleLbl>
+  <dgm:styleLbl name="fgAcc2">
+    <dgm:scene3d>
+      <a:camera prst="orthographicFront"/>
+      <a:lightRig rig="threePt" dir="t"/>
+    </dgm:scene3d>
+    <dgm:sp3d/>
+    <dgm:txPr/>
+    <dgm:style>
+      <a:lnRef idx="2">
+        <a:scrgbClr r="0" g="0" b="0"/>
+      </a:lnRef>
+      <a:fillRef idx="1">
+        <a:scrgbClr r="0" g="0" b="0"/>
+      </a:fillRef>
+      <a:effectRef idx="0">
+        <a:scrgbClr r="0" g="0" b="0"/>
+      </a:effectRef>
+      <a:fontRef idx="minor"/>
+    </dgm:style>
+  </dgm:styleLbl>
+  <dgm:styleLbl name="fgAcc3">
+    <dgm:scene3d>
+      <a:camera prst="orthographicFront"/>
+      <a:lightRig rig="threePt" dir="t"/>
+    </dgm:scene3d>
+    <dgm:sp3d/>
+    <dgm:txPr/>
+    <dgm:style>
+      <a:lnRef idx="2">
+        <a:scrgbClr r="0" g="0" b="0"/>
+      </a:lnRef>
+      <a:fillRef idx="1">
+        <a:scrgbClr r="0" g="0" b="0"/>
+      </a:fillRef>
+      <a:effectRef idx="0">
+        <a:scrgbClr r="0" g="0" b="0"/>
+      </a:effectRef>
+      <a:fontRef idx="minor"/>
+    </dgm:style>
+  </dgm:styleLbl>
+  <dgm:styleLbl name="fgAcc4">
+    <dgm:scene3d>
+      <a:camera prst="orthographicFront"/>
+      <a:lightRig rig="threePt" dir="t"/>
+    </dgm:scene3d>
+    <dgm:sp3d/>
+    <dgm:txPr/>
+    <dgm:style>
+      <a:lnRef idx="2">
+        <a:scrgbClr r="0" g="0" b="0"/>
+      </a:lnRef>
+      <a:fillRef idx="1">
+        <a:scrgbClr r="0" g="0" b="0"/>
+      </a:fillRef>
+      <a:effectRef idx="0">
+        <a:scrgbClr r="0" g="0" b="0"/>
+      </a:effectRef>
+      <a:fontRef idx="minor"/>
+    </dgm:style>
+  </dgm:styleLbl>
+  <dgm:styleLbl name="bgShp">
+    <dgm:scene3d>
+      <a:camera prst="orthographicFront"/>
+      <a:lightRig rig="threePt" dir="t"/>
+    </dgm:scene3d>
+    <dgm:sp3d/>
+    <dgm:txPr/>
+    <dgm:style>
+      <a:lnRef idx="0">
+        <a:scrgbClr r="0" g="0" b="0"/>
+      </a:lnRef>
+      <a:fillRef idx="1">
+        <a:scrgbClr r="0" g="0" b="0"/>
+      </a:fillRef>
+      <a:effectRef idx="0">
+        <a:scrgbClr r="0" g="0" b="0"/>
+      </a:effectRef>
+      <a:fontRef idx="minor"/>
+    </dgm:style>
+  </dgm:styleLbl>
+  <dgm:styleLbl name="dkBgShp">
+    <dgm:scene3d>
+      <a:camera prst="orthographicFront"/>
+      <a:lightRig rig="threePt" dir="t"/>
+    </dgm:scene3d>
+    <dgm:sp3d/>
+    <dgm:txPr/>
+    <dgm:style>
+      <a:lnRef idx="0">
+        <a:scrgbClr r="0" g="0" b="0"/>
+      </a:lnRef>
+      <a:fillRef idx="1">
+        <a:scrgbClr r="0" g="0" b="0"/>
+      </a:fillRef>
+      <a:effectRef idx="0">
+        <a:scrgbClr r="0" g="0" b="0"/>
+      </a:effectRef>
+      <a:fontRef idx="minor"/>
+    </dgm:style>
+  </dgm:styleLbl>
+  <dgm:styleLbl name="trBgShp">
+    <dgm:scene3d>
+      <a:camera prst="orthographicFront"/>
+      <a:lightRig rig="threePt" dir="t"/>
+    </dgm:scene3d>
+    <dgm:sp3d/>
+    <dgm:txPr/>
+    <dgm:style>
+      <a:lnRef idx="0">
+        <a:scrgbClr r="0" g="0" b="0"/>
+      </a:lnRef>
+      <a:fillRef idx="1">
+        <a:scrgbClr r="0" g="0" b="0"/>
+      </a:fillRef>
+      <a:effectRef idx="0">
+        <a:scrgbClr r="0" g="0" b="0"/>
+      </a:effectRef>
+      <a:fontRef idx="minor"/>
+    </dgm:style>
+  </dgm:styleLbl>
+  <dgm:styleLbl name="fgShp">
+    <dgm:scene3d>
+      <a:camera prst="orthographicFront"/>
+      <a:lightRig rig="threePt" dir="t"/>
+    </dgm:scene3d>
+    <dgm:sp3d/>
+    <dgm:txPr/>
+    <dgm:style>
+      <a:lnRef idx="2">
+        <a:scrgbClr r="0" g="0" b="0"/>
+      </a:lnRef>
+      <a:fillRef idx="1">
+        <a:scrgbClr r="0" g="0" b="0"/>
+      </a:fillRef>
+      <a:effectRef idx="0">
+        <a:scrgbClr r="0" g="0" b="0"/>
+      </a:effectRef>
+      <a:fontRef idx="minor"/>
+    </dgm:style>
+  </dgm:styleLbl>
+  <dgm:styleLbl name="revTx">
+    <dgm:scene3d>
+      <a:camera prst="orthographicFront"/>
+      <a:lightRig rig="threePt" dir="t"/>
+    </dgm:scene3d>
+    <dgm:sp3d/>
+    <dgm:txPr/>
+    <dgm:style>
+      <a:lnRef idx="0">
+        <a:scrgbClr r="0" g="0" b="0"/>
+      </a:lnRef>
+      <a:fillRef idx="0">
+        <a:scrgbClr r="0" g="0" b="0"/>
+      </a:fillRef>
+      <a:effectRef idx="0">
+        <a:scrgbClr r="0" g="0" b="0"/>
+      </a:effectRef>
+      <a:fontRef idx="minor"/>
+    </dgm:style>
+  </dgm:styleLbl>
+</dgm:styleDef>
+</file>
+
+<file path=ppt/diagrams/quickStyle4.xml><?xml version="1.0" encoding="utf-8"?>
 <dgm:styleDef xmlns:dgm="http://schemas.openxmlformats.org/drawingml/2006/diagram" xmlns:a="http://schemas.openxmlformats.org/drawingml/2006/main" uniqueId="urn:microsoft.com/office/officeart/2005/8/quickstyle/simple1">
   <dgm:title val=""/>
   <dgm:desc val=""/>
@@ -10051,6 +13483,93 @@
           <a:p>
             <a:r>
               <a:rPr lang="cs-CZ" dirty="0"/>
+              <a:t>Logické příkazy cykly</a:t>
+            </a:r>
+          </a:p>
+        </p:txBody>
+      </p:sp>
+      <p:sp>
+        <p:nvSpPr>
+          <p:cNvPr id="4" name="Zástupný symbol pro číslo snímku 3"/>
+          <p:cNvSpPr>
+            <a:spLocks noGrp="1"/>
+          </p:cNvSpPr>
+          <p:nvPr>
+            <p:ph type="sldNum" sz="quarter" idx="5"/>
+          </p:nvPr>
+        </p:nvSpPr>
+        <p:spPr/>
+        <p:txBody>
+          <a:bodyPr/>
+          <a:lstStyle/>
+          <a:p>
+            <a:fld id="{E51DB58B-49B6-457D-9CBD-FB4E7093B0E9}" type="slidenum">
+              <a:rPr lang="cs-CZ" smtClean="0"/>
+              <a:t>12</a:t>
+            </a:fld>
+            <a:endParaRPr lang="cs-CZ"/>
+          </a:p>
+        </p:txBody>
+      </p:sp>
+    </p:spTree>
+    <p:extLst>
+      <p:ext uri="{BB962C8B-B14F-4D97-AF65-F5344CB8AC3E}">
+        <p14:creationId xmlns:p14="http://schemas.microsoft.com/office/powerpoint/2010/main" val="1658340042"/>
+      </p:ext>
+    </p:extLst>
+  </p:cSld>
+  <p:clrMapOvr>
+    <a:masterClrMapping/>
+  </p:clrMapOvr>
+</p:notes>
+</file>
+
+<file path=ppt/notesSlides/notesSlide11.xml><?xml version="1.0" encoding="utf-8"?>
+<p:notes xmlns:a="http://schemas.openxmlformats.org/drawingml/2006/main" xmlns:r="http://schemas.openxmlformats.org/officeDocument/2006/relationships" xmlns:p="http://schemas.openxmlformats.org/presentationml/2006/main">
+  <p:cSld>
+    <p:spTree>
+      <p:nvGrpSpPr>
+        <p:cNvPr id="1" name=""/>
+        <p:cNvGrpSpPr/>
+        <p:nvPr/>
+      </p:nvGrpSpPr>
+      <p:grpSpPr>
+        <a:xfrm>
+          <a:off x="0" y="0"/>
+          <a:ext cx="0" cy="0"/>
+          <a:chOff x="0" y="0"/>
+          <a:chExt cx="0" cy="0"/>
+        </a:xfrm>
+      </p:grpSpPr>
+      <p:sp>
+        <p:nvSpPr>
+          <p:cNvPr id="2" name="Zástupný symbol pro obrázek snímku 1"/>
+          <p:cNvSpPr>
+            <a:spLocks noGrp="1" noRot="1" noChangeAspect="1"/>
+          </p:cNvSpPr>
+          <p:nvPr>
+            <p:ph type="sldImg"/>
+          </p:nvPr>
+        </p:nvSpPr>
+        <p:spPr/>
+      </p:sp>
+      <p:sp>
+        <p:nvSpPr>
+          <p:cNvPr id="3" name="Zástupný symbol pro poznámky 2"/>
+          <p:cNvSpPr>
+            <a:spLocks noGrp="1"/>
+          </p:cNvSpPr>
+          <p:nvPr>
+            <p:ph type="body" idx="1"/>
+          </p:nvPr>
+        </p:nvSpPr>
+        <p:spPr/>
+        <p:txBody>
+          <a:bodyPr/>
+          <a:lstStyle/>
+          <a:p>
+            <a:r>
+              <a:rPr lang="cs-CZ" dirty="0"/>
               <a:t>Z kódu vysvětlit jak to funguje</a:t>
             </a:r>
           </a:p>
@@ -10073,7 +13592,7 @@
           <a:p>
             <a:fld id="{E51DB58B-49B6-457D-9CBD-FB4E7093B0E9}" type="slidenum">
               <a:rPr lang="cs-CZ" smtClean="0"/>
-              <a:t>13</a:t>
+              <a:t>15</a:t>
             </a:fld>
             <a:endParaRPr lang="cs-CZ"/>
           </a:p>
@@ -10092,7 +13611,7 @@
 </p:notes>
 </file>
 
-<file path=ppt/notesSlides/notesSlide11.xml><?xml version="1.0" encoding="utf-8"?>
+<file path=ppt/notesSlides/notesSlide12.xml><?xml version="1.0" encoding="utf-8"?>
 <p:notes xmlns:a="http://schemas.openxmlformats.org/drawingml/2006/main" xmlns:r="http://schemas.openxmlformats.org/officeDocument/2006/relationships" xmlns:p="http://schemas.openxmlformats.org/presentationml/2006/main">
   <p:cSld>
     <p:spTree>
@@ -10157,7 +13676,7 @@
           <a:p>
             <a:fld id="{E51DB58B-49B6-457D-9CBD-FB4E7093B0E9}" type="slidenum">
               <a:rPr lang="cs-CZ" smtClean="0"/>
-              <a:t>14</a:t>
+              <a:t>16</a:t>
             </a:fld>
             <a:endParaRPr lang="cs-CZ"/>
           </a:p>
@@ -10445,6 +13964,93 @@
           <a:p>
             <a:r>
               <a:rPr lang="cs-CZ" dirty="0"/>
+              <a:t>Vysvětlit stručně jak program funguje</a:t>
+            </a:r>
+          </a:p>
+        </p:txBody>
+      </p:sp>
+      <p:sp>
+        <p:nvSpPr>
+          <p:cNvPr id="4" name="Zástupný symbol pro číslo snímku 3"/>
+          <p:cNvSpPr>
+            <a:spLocks noGrp="1"/>
+          </p:cNvSpPr>
+          <p:nvPr>
+            <p:ph type="sldNum" sz="quarter" idx="5"/>
+          </p:nvPr>
+        </p:nvSpPr>
+        <p:spPr/>
+        <p:txBody>
+          <a:bodyPr/>
+          <a:lstStyle/>
+          <a:p>
+            <a:fld id="{E51DB58B-49B6-457D-9CBD-FB4E7093B0E9}" type="slidenum">
+              <a:rPr lang="cs-CZ" smtClean="0"/>
+              <a:t>6</a:t>
+            </a:fld>
+            <a:endParaRPr lang="cs-CZ"/>
+          </a:p>
+        </p:txBody>
+      </p:sp>
+    </p:spTree>
+    <p:extLst>
+      <p:ext uri="{BB962C8B-B14F-4D97-AF65-F5344CB8AC3E}">
+        <p14:creationId xmlns:p14="http://schemas.microsoft.com/office/powerpoint/2010/main" val="1516021807"/>
+      </p:ext>
+    </p:extLst>
+  </p:cSld>
+  <p:clrMapOvr>
+    <a:masterClrMapping/>
+  </p:clrMapOvr>
+</p:notes>
+</file>
+
+<file path=ppt/notesSlides/notesSlide5.xml><?xml version="1.0" encoding="utf-8"?>
+<p:notes xmlns:a="http://schemas.openxmlformats.org/drawingml/2006/main" xmlns:r="http://schemas.openxmlformats.org/officeDocument/2006/relationships" xmlns:p="http://schemas.openxmlformats.org/presentationml/2006/main">
+  <p:cSld>
+    <p:spTree>
+      <p:nvGrpSpPr>
+        <p:cNvPr id="1" name=""/>
+        <p:cNvGrpSpPr/>
+        <p:nvPr/>
+      </p:nvGrpSpPr>
+      <p:grpSpPr>
+        <a:xfrm>
+          <a:off x="0" y="0"/>
+          <a:ext cx="0" cy="0"/>
+          <a:chOff x="0" y="0"/>
+          <a:chExt cx="0" cy="0"/>
+        </a:xfrm>
+      </p:grpSpPr>
+      <p:sp>
+        <p:nvSpPr>
+          <p:cNvPr id="2" name="Zástupný symbol pro obrázek snímku 1"/>
+          <p:cNvSpPr>
+            <a:spLocks noGrp="1" noRot="1" noChangeAspect="1"/>
+          </p:cNvSpPr>
+          <p:nvPr>
+            <p:ph type="sldImg"/>
+          </p:nvPr>
+        </p:nvSpPr>
+        <p:spPr/>
+      </p:sp>
+      <p:sp>
+        <p:nvSpPr>
+          <p:cNvPr id="3" name="Zástupný symbol pro poznámky 2"/>
+          <p:cNvSpPr>
+            <a:spLocks noGrp="1"/>
+          </p:cNvSpPr>
+          <p:nvPr>
+            <p:ph type="body" idx="1"/>
+          </p:nvPr>
+        </p:nvSpPr>
+        <p:spPr/>
+        <p:txBody>
+          <a:bodyPr/>
+          <a:lstStyle/>
+          <a:p>
+            <a:r>
+              <a:rPr lang="cs-CZ" dirty="0"/>
               <a:t>IDE – </a:t>
             </a:r>
             <a:r>
@@ -10475,7 +14081,7 @@
           <a:p>
             <a:fld id="{E51DB58B-49B6-457D-9CBD-FB4E7093B0E9}" type="slidenum">
               <a:rPr lang="cs-CZ" smtClean="0"/>
-              <a:t>5</a:t>
+              <a:t>7</a:t>
             </a:fld>
             <a:endParaRPr lang="cs-CZ"/>
           </a:p>
@@ -10494,7 +14100,7 @@
 </p:notes>
 </file>
 
-<file path=ppt/notesSlides/notesSlide5.xml><?xml version="1.0" encoding="utf-8"?>
+<file path=ppt/notesSlides/notesSlide6.xml><?xml version="1.0" encoding="utf-8"?>
 <p:notes xmlns:a="http://schemas.openxmlformats.org/drawingml/2006/main" xmlns:r="http://schemas.openxmlformats.org/officeDocument/2006/relationships" xmlns:p="http://schemas.openxmlformats.org/presentationml/2006/main">
   <p:cSld>
     <p:spTree>
@@ -10574,7 +14180,7 @@
           <a:p>
             <a:fld id="{E51DB58B-49B6-457D-9CBD-FB4E7093B0E9}" type="slidenum">
               <a:rPr lang="cs-CZ" smtClean="0"/>
-              <a:t>6</a:t>
+              <a:t>8</a:t>
             </a:fld>
             <a:endParaRPr lang="cs-CZ"/>
           </a:p>
@@ -10593,7 +14199,7 @@
 </p:notes>
 </file>
 
-<file path=ppt/notesSlides/notesSlide6.xml><?xml version="1.0" encoding="utf-8"?>
+<file path=ppt/notesSlides/notesSlide7.xml><?xml version="1.0" encoding="utf-8"?>
 <p:notes xmlns:a="http://schemas.openxmlformats.org/drawingml/2006/main" xmlns:r="http://schemas.openxmlformats.org/officeDocument/2006/relationships" xmlns:p="http://schemas.openxmlformats.org/presentationml/2006/main">
   <p:cSld>
     <p:spTree>
@@ -10661,7 +14267,7 @@
           <a:p>
             <a:fld id="{E51DB58B-49B6-457D-9CBD-FB4E7093B0E9}" type="slidenum">
               <a:rPr lang="cs-CZ" smtClean="0"/>
-              <a:t>7</a:t>
+              <a:t>9</a:t>
             </a:fld>
             <a:endParaRPr lang="cs-CZ"/>
           </a:p>
@@ -10680,7 +14286,7 @@
 </p:notes>
 </file>
 
-<file path=ppt/notesSlides/notesSlide7.xml><?xml version="1.0" encoding="utf-8"?>
+<file path=ppt/notesSlides/notesSlide8.xml><?xml version="1.0" encoding="utf-8"?>
 <p:notes xmlns:a="http://schemas.openxmlformats.org/drawingml/2006/main" xmlns:r="http://schemas.openxmlformats.org/officeDocument/2006/relationships" xmlns:p="http://schemas.openxmlformats.org/presentationml/2006/main">
   <p:cSld>
     <p:spTree>
@@ -10748,7 +14354,7 @@
           <a:p>
             <a:fld id="{E51DB58B-49B6-457D-9CBD-FB4E7093B0E9}" type="slidenum">
               <a:rPr lang="cs-CZ" smtClean="0"/>
-              <a:t>8</a:t>
+              <a:t>10</a:t>
             </a:fld>
             <a:endParaRPr lang="cs-CZ"/>
           </a:p>
@@ -10767,7 +14373,7 @@
 </p:notes>
 </file>
 
-<file path=ppt/notesSlides/notesSlide8.xml><?xml version="1.0" encoding="utf-8"?>
+<file path=ppt/notesSlides/notesSlide9.xml><?xml version="1.0" encoding="utf-8"?>
 <p:notes xmlns:a="http://schemas.openxmlformats.org/drawingml/2006/main" xmlns:r="http://schemas.openxmlformats.org/officeDocument/2006/relationships" xmlns:p="http://schemas.openxmlformats.org/presentationml/2006/main">
   <p:cSld>
     <p:spTree>
@@ -10835,7 +14441,7 @@
           <a:p>
             <a:fld id="{E51DB58B-49B6-457D-9CBD-FB4E7093B0E9}" type="slidenum">
               <a:rPr lang="cs-CZ" smtClean="0"/>
-              <a:t>9</a:t>
+              <a:t>11</a:t>
             </a:fld>
             <a:endParaRPr lang="cs-CZ"/>
           </a:p>
@@ -10845,93 +14451,6 @@
     <p:extLst>
       <p:ext uri="{BB962C8B-B14F-4D97-AF65-F5344CB8AC3E}">
         <p14:creationId xmlns:p14="http://schemas.microsoft.com/office/powerpoint/2010/main" val="4067521047"/>
-      </p:ext>
-    </p:extLst>
-  </p:cSld>
-  <p:clrMapOvr>
-    <a:masterClrMapping/>
-  </p:clrMapOvr>
-</p:notes>
-</file>
-
-<file path=ppt/notesSlides/notesSlide9.xml><?xml version="1.0" encoding="utf-8"?>
-<p:notes xmlns:a="http://schemas.openxmlformats.org/drawingml/2006/main" xmlns:r="http://schemas.openxmlformats.org/officeDocument/2006/relationships" xmlns:p="http://schemas.openxmlformats.org/presentationml/2006/main">
-  <p:cSld>
-    <p:spTree>
-      <p:nvGrpSpPr>
-        <p:cNvPr id="1" name=""/>
-        <p:cNvGrpSpPr/>
-        <p:nvPr/>
-      </p:nvGrpSpPr>
-      <p:grpSpPr>
-        <a:xfrm>
-          <a:off x="0" y="0"/>
-          <a:ext cx="0" cy="0"/>
-          <a:chOff x="0" y="0"/>
-          <a:chExt cx="0" cy="0"/>
-        </a:xfrm>
-      </p:grpSpPr>
-      <p:sp>
-        <p:nvSpPr>
-          <p:cNvPr id="2" name="Zástupný symbol pro obrázek snímku 1"/>
-          <p:cNvSpPr>
-            <a:spLocks noGrp="1" noRot="1" noChangeAspect="1"/>
-          </p:cNvSpPr>
-          <p:nvPr>
-            <p:ph type="sldImg"/>
-          </p:nvPr>
-        </p:nvSpPr>
-        <p:spPr/>
-      </p:sp>
-      <p:sp>
-        <p:nvSpPr>
-          <p:cNvPr id="3" name="Zástupný symbol pro poznámky 2"/>
-          <p:cNvSpPr>
-            <a:spLocks noGrp="1"/>
-          </p:cNvSpPr>
-          <p:nvPr>
-            <p:ph type="body" idx="1"/>
-          </p:nvPr>
-        </p:nvSpPr>
-        <p:spPr/>
-        <p:txBody>
-          <a:bodyPr/>
-          <a:lstStyle/>
-          <a:p>
-            <a:r>
-              <a:rPr lang="cs-CZ" dirty="0"/>
-              <a:t>Logické příkazy cykly</a:t>
-            </a:r>
-          </a:p>
-        </p:txBody>
-      </p:sp>
-      <p:sp>
-        <p:nvSpPr>
-          <p:cNvPr id="4" name="Zástupný symbol pro číslo snímku 3"/>
-          <p:cNvSpPr>
-            <a:spLocks noGrp="1"/>
-          </p:cNvSpPr>
-          <p:nvPr>
-            <p:ph type="sldNum" sz="quarter" idx="5"/>
-          </p:nvPr>
-        </p:nvSpPr>
-        <p:spPr/>
-        <p:txBody>
-          <a:bodyPr/>
-          <a:lstStyle/>
-          <a:p>
-            <a:fld id="{E51DB58B-49B6-457D-9CBD-FB4E7093B0E9}" type="slidenum">
-              <a:rPr lang="cs-CZ" smtClean="0"/>
-              <a:t>10</a:t>
-            </a:fld>
-            <a:endParaRPr lang="cs-CZ"/>
-          </a:p>
-        </p:txBody>
-      </p:sp>
-    </p:spTree>
-    <p:extLst>
-      <p:ext uri="{BB962C8B-B14F-4D97-AF65-F5344CB8AC3E}">
-        <p14:creationId xmlns:p14="http://schemas.microsoft.com/office/powerpoint/2010/main" val="1658340042"/>
       </p:ext>
     </p:extLst>
   </p:cSld>
@@ -19286,6 +22805,432 @@
 <file path=ppt/slides/slide10.xml><?xml version="1.0" encoding="utf-8"?>
 <p:sld xmlns:a="http://schemas.openxmlformats.org/drawingml/2006/main" xmlns:r="http://schemas.openxmlformats.org/officeDocument/2006/relationships" xmlns:p="http://schemas.openxmlformats.org/presentationml/2006/main">
   <p:cSld>
+    <p:bg>
+      <p:bgPr>
+        <a:solidFill>
+          <a:schemeClr val="bg2"/>
+        </a:solidFill>
+        <a:effectLst/>
+      </p:bgPr>
+    </p:bg>
+    <p:spTree>
+      <p:nvGrpSpPr>
+        <p:cNvPr id="1" name=""/>
+        <p:cNvGrpSpPr/>
+        <p:nvPr/>
+      </p:nvGrpSpPr>
+      <p:grpSpPr>
+        <a:xfrm>
+          <a:off x="0" y="0"/>
+          <a:ext cx="0" cy="0"/>
+          <a:chOff x="0" y="0"/>
+          <a:chExt cx="0" cy="0"/>
+        </a:xfrm>
+      </p:grpSpPr>
+      <p:sp useBgFill="1">
+        <p:nvSpPr>
+          <p:cNvPr id="13" name="Rectangle 12">
+            <a:extLst>
+              <a:ext uri="{FF2B5EF4-FFF2-40B4-BE49-F238E27FC236}">
+                <a16:creationId xmlns:a16="http://schemas.microsoft.com/office/drawing/2014/main" id="{A5931BE0-4B93-4D6C-878E-ACC59D6B4587}"/>
+              </a:ext>
+              <a:ext uri="{C183D7F6-B498-43B3-948B-1728B52AA6E4}">
+                <adec:decorative xmlns:adec="http://schemas.microsoft.com/office/drawing/2017/decorative" val="1"/>
+              </a:ext>
+            </a:extLst>
+          </p:cNvPr>
+          <p:cNvSpPr>
+            <a:spLocks noGrp="1" noRot="1" noChangeAspect="1" noMove="1" noResize="1" noEditPoints="1" noAdjustHandles="1" noChangeArrowheads="1" noChangeShapeType="1" noTextEdit="1"/>
+          </p:cNvSpPr>
+          <p:nvPr>
+            <p:extLst>
+              <p:ext uri="{386F3935-93C4-4BCD-93E2-E3B085C9AB24}">
+                <p16:designElem xmlns:p16="http://schemas.microsoft.com/office/powerpoint/2015/main" val="1"/>
+              </p:ext>
+            </p:extLst>
+          </p:nvPr>
+        </p:nvSpPr>
+        <p:spPr>
+          <a:xfrm>
+            <a:off x="0" y="0"/>
+            <a:ext cx="12192000" cy="6858000"/>
+          </a:xfrm>
+          <a:prstGeom prst="rect">
+            <a:avLst/>
+          </a:prstGeom>
+          <a:ln w="12700" cap="flat" cmpd="sng" algn="ctr">
+            <a:noFill/>
+            <a:prstDash val="solid"/>
+            <a:miter lim="800000"/>
+          </a:ln>
+          <a:effectLst/>
+          <a:extLst>
+            <a:ext uri="{91240B29-F687-4F45-9708-019B960494DF}">
+              <a14:hiddenLine xmlns:a14="http://schemas.microsoft.com/office/drawing/2010/main" w="12700" cap="flat" cmpd="sng" algn="ctr">
+                <a:solidFill>
+                  <a:schemeClr val="accent1">
+                    <a:shade val="50000"/>
+                  </a:schemeClr>
+                </a:solidFill>
+                <a:prstDash val="solid"/>
+                <a:miter lim="800000"/>
+              </a14:hiddenLine>
+            </a:ext>
+          </a:extLst>
+        </p:spPr>
+        <p:style>
+          <a:lnRef idx="2">
+            <a:schemeClr val="accent1">
+              <a:shade val="50000"/>
+            </a:schemeClr>
+          </a:lnRef>
+          <a:fillRef idx="1">
+            <a:schemeClr val="accent1"/>
+          </a:fillRef>
+          <a:effectRef idx="0">
+            <a:schemeClr val="accent1"/>
+          </a:effectRef>
+          <a:fontRef idx="minor">
+            <a:schemeClr val="lt1"/>
+          </a:fontRef>
+        </p:style>
+        <p:txBody>
+          <a:bodyPr rtlCol="0" anchor="ctr"/>
+          <a:lstStyle/>
+          <a:p>
+            <a:pPr algn="ctr"/>
+            <a:endParaRPr lang="en-US"/>
+          </a:p>
+        </p:txBody>
+      </p:sp>
+      <p:sp>
+        <p:nvSpPr>
+          <p:cNvPr id="2" name="Nadpis 1">
+            <a:extLst>
+              <a:ext uri="{FF2B5EF4-FFF2-40B4-BE49-F238E27FC236}">
+                <a16:creationId xmlns:a16="http://schemas.microsoft.com/office/drawing/2014/main" id="{414F90D9-AB0C-477A-B74E-6FFB7D667A0D}"/>
+              </a:ext>
+            </a:extLst>
+          </p:cNvPr>
+          <p:cNvSpPr>
+            <a:spLocks noGrp="1"/>
+          </p:cNvSpPr>
+          <p:nvPr>
+            <p:ph type="title"/>
+          </p:nvPr>
+        </p:nvSpPr>
+        <p:spPr>
+          <a:xfrm>
+            <a:off x="550864" y="549275"/>
+            <a:ext cx="3565524" cy="1997855"/>
+          </a:xfrm>
+        </p:spPr>
+        <p:txBody>
+          <a:bodyPr wrap="square" anchor="b">
+            <a:normAutofit/>
+          </a:bodyPr>
+          <a:lstStyle/>
+          <a:p>
+            <a:r>
+              <a:rPr lang="cs-CZ"/>
+              <a:t>Operátory porovnání</a:t>
+            </a:r>
+            <a:endParaRPr lang="cs-CZ" dirty="0"/>
+          </a:p>
+        </p:txBody>
+      </p:sp>
+      <p:sp>
+        <p:nvSpPr>
+          <p:cNvPr id="3" name="Zástupný obsah 2">
+            <a:extLst>
+              <a:ext uri="{FF2B5EF4-FFF2-40B4-BE49-F238E27FC236}">
+                <a16:creationId xmlns:a16="http://schemas.microsoft.com/office/drawing/2014/main" id="{6628915E-E4FC-4B3C-A85D-6A9D18AE4DBE}"/>
+              </a:ext>
+            </a:extLst>
+          </p:cNvPr>
+          <p:cNvSpPr>
+            <a:spLocks noGrp="1"/>
+          </p:cNvSpPr>
+          <p:nvPr>
+            <p:ph idx="1"/>
+          </p:nvPr>
+        </p:nvSpPr>
+        <p:spPr>
+          <a:xfrm>
+            <a:off x="550863" y="2678400"/>
+            <a:ext cx="3565525" cy="3414425"/>
+          </a:xfrm>
+        </p:spPr>
+        <p:txBody>
+          <a:bodyPr anchor="t">
+            <a:normAutofit/>
+          </a:bodyPr>
+          <a:lstStyle/>
+          <a:p>
+            <a:r>
+              <a:rPr lang="en-US" sz="1600"/>
+              <a:t>&gt; , &gt;= </a:t>
+            </a:r>
+            <a:r>
+              <a:rPr lang="cs-CZ" sz="1600"/>
+              <a:t>(větší, či rovno)</a:t>
+            </a:r>
+            <a:endParaRPr lang="en-US" sz="1600"/>
+          </a:p>
+          <a:p>
+            <a:r>
+              <a:rPr lang="en-US" sz="1600"/>
+              <a:t>&lt; , &lt;=</a:t>
+            </a:r>
+            <a:r>
+              <a:rPr lang="cs-CZ" sz="1600"/>
+              <a:t> (menší, či rovno)</a:t>
+            </a:r>
+            <a:endParaRPr lang="en-US" sz="1600"/>
+          </a:p>
+          <a:p>
+            <a:r>
+              <a:rPr lang="en-US" sz="1600"/>
+              <a:t>==</a:t>
+            </a:r>
+            <a:r>
+              <a:rPr lang="cs-CZ" sz="1600"/>
+              <a:t> (rovno)</a:t>
+            </a:r>
+            <a:endParaRPr lang="en-US" sz="1600"/>
+          </a:p>
+          <a:p>
+            <a:r>
+              <a:rPr lang="en-US" sz="1600"/>
+              <a:t>!=</a:t>
+            </a:r>
+            <a:r>
+              <a:rPr lang="cs-CZ" sz="1600"/>
+              <a:t> (nerovno)</a:t>
+            </a:r>
+            <a:endParaRPr lang="en-US" sz="1600"/>
+          </a:p>
+          <a:p>
+            <a:r>
+              <a:rPr lang="en-US" sz="1600"/>
+              <a:t>&amp;&amp;</a:t>
+            </a:r>
+            <a:r>
+              <a:rPr lang="cs-CZ" sz="1600"/>
+              <a:t> (logické AND)</a:t>
+            </a:r>
+            <a:endParaRPr lang="en-US" sz="1600"/>
+          </a:p>
+          <a:p>
+            <a:r>
+              <a:rPr lang="en-US" sz="1600"/>
+              <a:t>II</a:t>
+            </a:r>
+            <a:r>
+              <a:rPr lang="cs-CZ" sz="1600"/>
+              <a:t> (logické OR)</a:t>
+            </a:r>
+            <a:endParaRPr lang="en-US" sz="1600"/>
+          </a:p>
+          <a:p>
+            <a:r>
+              <a:rPr lang="en-US" sz="1600"/>
+              <a:t>!</a:t>
+            </a:r>
+            <a:r>
+              <a:rPr lang="cs-CZ" sz="1600"/>
+              <a:t> (logické NOT)</a:t>
+            </a:r>
+            <a:endParaRPr lang="en-US" sz="1600"/>
+          </a:p>
+        </p:txBody>
+      </p:sp>
+      <p:pic>
+        <p:nvPicPr>
+          <p:cNvPr id="5" name="Picture 4" descr="Vzorce napsané na tabuli">
+            <a:extLst>
+              <a:ext uri="{FF2B5EF4-FFF2-40B4-BE49-F238E27FC236}">
+                <a16:creationId xmlns:a16="http://schemas.microsoft.com/office/drawing/2014/main" id="{412ED09A-A5CC-B75E-79DA-8CA80416DFFA}"/>
+              </a:ext>
+            </a:extLst>
+          </p:cNvPr>
+          <p:cNvPicPr>
+            <a:picLocks noChangeAspect="1"/>
+          </p:cNvPicPr>
+          <p:nvPr/>
+        </p:nvPicPr>
+        <p:blipFill rotWithShape="1">
+          <a:blip r:embed="rId3"/>
+          <a:srcRect r="20058"/>
+          <a:stretch/>
+        </p:blipFill>
+        <p:spPr>
+          <a:xfrm>
+            <a:off x="4743451" y="549275"/>
+            <a:ext cx="6897687" cy="5759451"/>
+          </a:xfrm>
+          <a:custGeom>
+            <a:avLst/>
+            <a:gdLst/>
+            <a:ahLst/>
+            <a:cxnLst/>
+            <a:rect l="l" t="t" r="r" b="b"/>
+            <a:pathLst>
+              <a:path w="6897687" h="5759451">
+                <a:moveTo>
+                  <a:pt x="0" y="0"/>
+                </a:moveTo>
+                <a:lnTo>
+                  <a:pt x="6897687" y="0"/>
+                </a:lnTo>
+                <a:lnTo>
+                  <a:pt x="6897687" y="5759451"/>
+                </a:lnTo>
+                <a:lnTo>
+                  <a:pt x="0" y="5759451"/>
+                </a:lnTo>
+                <a:close/>
+              </a:path>
+            </a:pathLst>
+          </a:custGeom>
+        </p:spPr>
+      </p:pic>
+    </p:spTree>
+    <p:extLst>
+      <p:ext uri="{BB962C8B-B14F-4D97-AF65-F5344CB8AC3E}">
+        <p14:creationId xmlns:p14="http://schemas.microsoft.com/office/powerpoint/2010/main" val="2667914074"/>
+      </p:ext>
+    </p:extLst>
+  </p:cSld>
+  <p:clrMapOvr>
+    <a:masterClrMapping/>
+  </p:clrMapOvr>
+</p:sld>
+</file>
+
+<file path=ppt/slides/slide11.xml><?xml version="1.0" encoding="utf-8"?>
+<p:sld xmlns:a="http://schemas.openxmlformats.org/drawingml/2006/main" xmlns:r="http://schemas.openxmlformats.org/officeDocument/2006/relationships" xmlns:p="http://schemas.openxmlformats.org/presentationml/2006/main">
+  <p:cSld>
+    <p:spTree>
+      <p:nvGrpSpPr>
+        <p:cNvPr id="1" name=""/>
+        <p:cNvGrpSpPr/>
+        <p:nvPr/>
+      </p:nvGrpSpPr>
+      <p:grpSpPr>
+        <a:xfrm>
+          <a:off x="0" y="0"/>
+          <a:ext cx="0" cy="0"/>
+          <a:chOff x="0" y="0"/>
+          <a:chExt cx="0" cy="0"/>
+        </a:xfrm>
+      </p:grpSpPr>
+      <p:sp>
+        <p:nvSpPr>
+          <p:cNvPr id="2" name="Nadpis 1">
+            <a:extLst>
+              <a:ext uri="{FF2B5EF4-FFF2-40B4-BE49-F238E27FC236}">
+                <a16:creationId xmlns:a16="http://schemas.microsoft.com/office/drawing/2014/main" id="{F50DC4A9-917A-40A9-ACA4-F45C09C35C9D}"/>
+              </a:ext>
+            </a:extLst>
+          </p:cNvPr>
+          <p:cNvSpPr>
+            <a:spLocks noGrp="1"/>
+          </p:cNvSpPr>
+          <p:nvPr>
+            <p:ph type="title"/>
+          </p:nvPr>
+        </p:nvSpPr>
+        <p:spPr/>
+        <p:txBody>
+          <a:bodyPr/>
+          <a:lstStyle/>
+          <a:p>
+            <a:r>
+              <a:rPr lang="cs-CZ" dirty="0"/>
+              <a:t>Řídící příkazy</a:t>
+            </a:r>
+          </a:p>
+        </p:txBody>
+      </p:sp>
+      <p:sp>
+        <p:nvSpPr>
+          <p:cNvPr id="3" name="Zástupný obsah 2">
+            <a:extLst>
+              <a:ext uri="{FF2B5EF4-FFF2-40B4-BE49-F238E27FC236}">
+                <a16:creationId xmlns:a16="http://schemas.microsoft.com/office/drawing/2014/main" id="{38505BAD-3071-474B-B2C3-A4256EBCF17E}"/>
+              </a:ext>
+            </a:extLst>
+          </p:cNvPr>
+          <p:cNvSpPr>
+            <a:spLocks noGrp="1"/>
+          </p:cNvSpPr>
+          <p:nvPr>
+            <p:ph idx="1"/>
+          </p:nvPr>
+        </p:nvSpPr>
+        <p:spPr/>
+        <p:txBody>
+          <a:bodyPr/>
+          <a:lstStyle/>
+          <a:p>
+            <a:r>
+              <a:rPr lang="cs-CZ" dirty="0" err="1"/>
+              <a:t>If</a:t>
+            </a:r>
+            <a:r>
+              <a:rPr lang="cs-CZ" dirty="0"/>
+              <a:t> – pokud</a:t>
+            </a:r>
+          </a:p>
+          <a:p>
+            <a:r>
+              <a:rPr lang="cs-CZ" dirty="0" err="1"/>
+              <a:t>If</a:t>
+            </a:r>
+            <a:r>
+              <a:rPr lang="cs-CZ" dirty="0"/>
+              <a:t> </a:t>
+            </a:r>
+            <a:r>
+              <a:rPr lang="cs-CZ" dirty="0" err="1"/>
+              <a:t>else</a:t>
+            </a:r>
+            <a:r>
+              <a:rPr lang="cs-CZ" dirty="0"/>
+              <a:t> – pokud jinak</a:t>
+            </a:r>
+          </a:p>
+          <a:p>
+            <a:r>
+              <a:rPr lang="cs-CZ" dirty="0"/>
+              <a:t>Switch – výběr z několika větví programu</a:t>
+            </a:r>
+          </a:p>
+          <a:p>
+            <a:pPr marL="0" indent="0">
+              <a:buNone/>
+            </a:pPr>
+            <a:endParaRPr lang="cs-CZ" dirty="0"/>
+          </a:p>
+        </p:txBody>
+      </p:sp>
+    </p:spTree>
+    <p:extLst>
+      <p:ext uri="{BB962C8B-B14F-4D97-AF65-F5344CB8AC3E}">
+        <p14:creationId xmlns:p14="http://schemas.microsoft.com/office/powerpoint/2010/main" val="3684947238"/>
+      </p:ext>
+    </p:extLst>
+  </p:cSld>
+  <p:clrMapOvr>
+    <a:masterClrMapping/>
+  </p:clrMapOvr>
+</p:sld>
+</file>
+
+<file path=ppt/slides/slide12.xml><?xml version="1.0" encoding="utf-8"?>
+<p:sld xmlns:a="http://schemas.openxmlformats.org/drawingml/2006/main" xmlns:r="http://schemas.openxmlformats.org/officeDocument/2006/relationships" xmlns:p="http://schemas.openxmlformats.org/presentationml/2006/main">
+  <p:cSld>
     <p:spTree>
       <p:nvGrpSpPr>
         <p:cNvPr id="1" name=""/>
@@ -19396,7 +23341,7 @@
 </p:sld>
 </file>
 
-<file path=ppt/slides/slide11.xml><?xml version="1.0" encoding="utf-8"?>
+<file path=ppt/slides/slide13.xml><?xml version="1.0" encoding="utf-8"?>
 <p:sld xmlns:a="http://schemas.openxmlformats.org/drawingml/2006/main" xmlns:r="http://schemas.openxmlformats.org/officeDocument/2006/relationships" xmlns:p="http://schemas.openxmlformats.org/presentationml/2006/main">
   <p:cSld>
     <p:spTree>
@@ -19558,7 +23503,7 @@
 </p:sld>
 </file>
 
-<file path=ppt/slides/slide12.xml><?xml version="1.0" encoding="utf-8"?>
+<file path=ppt/slides/slide14.xml><?xml version="1.0" encoding="utf-8"?>
 <p:sld xmlns:a="http://schemas.openxmlformats.org/drawingml/2006/main" xmlns:r="http://schemas.openxmlformats.org/officeDocument/2006/relationships" xmlns:p="http://schemas.openxmlformats.org/presentationml/2006/main">
   <p:cSld>
     <p:spTree>
@@ -19630,7 +23575,7 @@
 </p:sld>
 </file>
 
-<file path=ppt/slides/slide13.xml><?xml version="1.0" encoding="utf-8"?>
+<file path=ppt/slides/slide15.xml><?xml version="1.0" encoding="utf-8"?>
 <p:sld xmlns:a="http://schemas.openxmlformats.org/drawingml/2006/main" xmlns:r="http://schemas.openxmlformats.org/officeDocument/2006/relationships" xmlns:p="http://schemas.openxmlformats.org/presentationml/2006/main">
   <p:cSld>
     <p:spTree>
@@ -19696,7 +23641,7 @@
 </p:sld>
 </file>
 
-<file path=ppt/slides/slide14.xml><?xml version="1.0" encoding="utf-8"?>
+<file path=ppt/slides/slide16.xml><?xml version="1.0" encoding="utf-8"?>
 <p:sld xmlns:a="http://schemas.openxmlformats.org/drawingml/2006/main" xmlns:r="http://schemas.openxmlformats.org/officeDocument/2006/relationships" xmlns:p="http://schemas.openxmlformats.org/presentationml/2006/main">
   <p:cSld>
     <p:spTree>
@@ -19794,7 +23739,7 @@
 </p:sld>
 </file>
 
-<file path=ppt/slides/slide15.xml><?xml version="1.0" encoding="utf-8"?>
+<file path=ppt/slides/slide17.xml><?xml version="1.0" encoding="utf-8"?>
 <p:sld xmlns:a="http://schemas.openxmlformats.org/drawingml/2006/main" xmlns:r="http://schemas.openxmlformats.org/officeDocument/2006/relationships" xmlns:p="http://schemas.openxmlformats.org/presentationml/2006/main">
   <p:cSld>
     <p:spTree>
@@ -20388,6 +24333,11 @@
           </p:cNvGraphicFramePr>
           <p:nvPr>
             <p:ph idx="1"/>
+            <p:extLst>
+              <p:ext uri="{D42A27DB-BD31-4B8C-83A1-F6EECF244321}">
+                <p14:modId xmlns:p14="http://schemas.microsoft.com/office/powerpoint/2010/main" val="2118472972"/>
+              </p:ext>
+            </p:extLst>
           </p:nvPr>
         </p:nvGraphicFramePr>
         <p:xfrm>
@@ -20454,6 +24404,1826 @@
 <file path=ppt/slides/slide5.xml><?xml version="1.0" encoding="utf-8"?>
 <p:sld xmlns:a="http://schemas.openxmlformats.org/drawingml/2006/main" xmlns:r="http://schemas.openxmlformats.org/officeDocument/2006/relationships" xmlns:p="http://schemas.openxmlformats.org/presentationml/2006/main">
   <p:cSld>
+    <p:spTree>
+      <p:nvGrpSpPr>
+        <p:cNvPr id="1" name=""/>
+        <p:cNvGrpSpPr/>
+        <p:nvPr/>
+      </p:nvGrpSpPr>
+      <p:grpSpPr>
+        <a:xfrm>
+          <a:off x="0" y="0"/>
+          <a:ext cx="0" cy="0"/>
+          <a:chOff x="0" y="0"/>
+          <a:chExt cx="0" cy="0"/>
+        </a:xfrm>
+      </p:grpSpPr>
+      <p:sp>
+        <p:nvSpPr>
+          <p:cNvPr id="2" name="Nadpis 1">
+            <a:extLst>
+              <a:ext uri="{FF2B5EF4-FFF2-40B4-BE49-F238E27FC236}">
+                <a16:creationId xmlns:a16="http://schemas.microsoft.com/office/drawing/2014/main" id="{469F66CA-FA87-8634-25A5-0125470EDDC8}"/>
+              </a:ext>
+            </a:extLst>
+          </p:cNvPr>
+          <p:cNvSpPr>
+            <a:spLocks noGrp="1"/>
+          </p:cNvSpPr>
+          <p:nvPr>
+            <p:ph type="title"/>
+          </p:nvPr>
+        </p:nvSpPr>
+        <p:spPr/>
+        <p:txBody>
+          <a:bodyPr/>
+          <a:lstStyle/>
+          <a:p>
+            <a:r>
+              <a:rPr lang="cs-CZ"/>
+              <a:t>Užití a výhody jazyka C</a:t>
+            </a:r>
+            <a:endParaRPr lang="cs-CZ" dirty="0"/>
+          </a:p>
+        </p:txBody>
+      </p:sp>
+      <p:graphicFrame>
+        <p:nvGraphicFramePr>
+          <p:cNvPr id="7" name="Zástupný obsah 2">
+            <a:extLst>
+              <a:ext uri="{FF2B5EF4-FFF2-40B4-BE49-F238E27FC236}">
+                <a16:creationId xmlns:a16="http://schemas.microsoft.com/office/drawing/2014/main" id="{D196EA76-AA5A-70E6-76C6-977AB26EFD47}"/>
+              </a:ext>
+            </a:extLst>
+          </p:cNvPr>
+          <p:cNvGraphicFramePr>
+            <a:graphicFrameLocks noGrp="1"/>
+          </p:cNvGraphicFramePr>
+          <p:nvPr>
+            <p:ph idx="1"/>
+          </p:nvPr>
+        </p:nvGraphicFramePr>
+        <p:xfrm>
+          <a:off x="550863" y="2113199"/>
+          <a:ext cx="11090274" cy="3979625"/>
+        </p:xfrm>
+        <a:graphic>
+          <a:graphicData uri="http://schemas.openxmlformats.org/drawingml/2006/diagram">
+            <dgm:relIds xmlns:dgm="http://schemas.openxmlformats.org/drawingml/2006/diagram" xmlns:r="http://schemas.openxmlformats.org/officeDocument/2006/relationships" r:dm="rId2" r:lo="rId3" r:qs="rId4" r:cs="rId5"/>
+          </a:graphicData>
+        </a:graphic>
+      </p:graphicFrame>
+    </p:spTree>
+    <p:extLst>
+      <p:ext uri="{BB962C8B-B14F-4D97-AF65-F5344CB8AC3E}">
+        <p14:creationId xmlns:p14="http://schemas.microsoft.com/office/powerpoint/2010/main" val="2999670165"/>
+      </p:ext>
+    </p:extLst>
+  </p:cSld>
+  <p:clrMapOvr>
+    <a:masterClrMapping/>
+  </p:clrMapOvr>
+</p:sld>
+</file>
+
+<file path=ppt/slides/slide6.xml><?xml version="1.0" encoding="utf-8"?>
+<p:sld xmlns:a="http://schemas.openxmlformats.org/drawingml/2006/main" xmlns:r="http://schemas.openxmlformats.org/officeDocument/2006/relationships" xmlns:p="http://schemas.openxmlformats.org/presentationml/2006/main">
+  <p:cSld>
+    <p:bg>
+      <p:bgPr>
+        <a:solidFill>
+          <a:schemeClr val="bg2"/>
+        </a:solidFill>
+        <a:effectLst/>
+      </p:bgPr>
+    </p:bg>
+    <p:spTree>
+      <p:nvGrpSpPr>
+        <p:cNvPr id="1" name=""/>
+        <p:cNvGrpSpPr/>
+        <p:nvPr/>
+      </p:nvGrpSpPr>
+      <p:grpSpPr>
+        <a:xfrm>
+          <a:off x="0" y="0"/>
+          <a:ext cx="0" cy="0"/>
+          <a:chOff x="0" y="0"/>
+          <a:chExt cx="0" cy="0"/>
+        </a:xfrm>
+      </p:grpSpPr>
+      <p:grpSp>
+        <p:nvGrpSpPr>
+          <p:cNvPr id="11" name="Group 10">
+            <a:extLst>
+              <a:ext uri="{FF2B5EF4-FFF2-40B4-BE49-F238E27FC236}">
+                <a16:creationId xmlns:a16="http://schemas.microsoft.com/office/drawing/2014/main" id="{3BDBC526-6DCD-4FF6-8395-D8C22E46E527}"/>
+              </a:ext>
+              <a:ext uri="{C183D7F6-B498-43B3-948B-1728B52AA6E4}">
+                <adec:decorative xmlns:adec="http://schemas.microsoft.com/office/drawing/2017/decorative" val="1"/>
+              </a:ext>
+            </a:extLst>
+          </p:cNvPr>
+          <p:cNvGrpSpPr>
+            <a:grpSpLocks noGrp="1" noUngrp="1" noRot="1" noChangeAspect="1" noMove="1" noResize="1"/>
+          </p:cNvGrpSpPr>
+          <p:nvPr>
+            <p:extLst>
+              <p:ext uri="{386F3935-93C4-4BCD-93E2-E3B085C9AB24}">
+                <p16:designElem xmlns:p16="http://schemas.microsoft.com/office/powerpoint/2015/main" val="1"/>
+              </p:ext>
+            </p:extLst>
+          </p:nvPr>
+        </p:nvGrpSpPr>
+        <p:grpSpPr>
+          <a:xfrm>
+            <a:off x="613998" y="5334748"/>
+            <a:ext cx="678135" cy="990000"/>
+            <a:chOff x="10490969" y="1448827"/>
+            <a:chExt cx="678135" cy="990000"/>
+          </a:xfrm>
+        </p:grpSpPr>
+        <p:sp>
+          <p:nvSpPr>
+            <p:cNvPr id="12" name="Freeform: Shape 11">
+              <a:extLst>
+                <a:ext uri="{FF2B5EF4-FFF2-40B4-BE49-F238E27FC236}">
+                  <a16:creationId xmlns:a16="http://schemas.microsoft.com/office/drawing/2014/main" id="{02ECB475-568C-47AC-B16D-2E202DEB2DE0}"/>
+                </a:ext>
+                <a:ext uri="{C183D7F6-B498-43B3-948B-1728B52AA6E4}">
+                  <adec:decorative xmlns:adec="http://schemas.microsoft.com/office/drawing/2017/decorative" val="1"/>
+                </a:ext>
+              </a:extLst>
+            </p:cNvPr>
+            <p:cNvSpPr>
+              <a:spLocks noChangeAspect="1"/>
+            </p:cNvSpPr>
+            <p:nvPr>
+              <p:extLst>
+                <p:ext uri="{386F3935-93C4-4BCD-93E2-E3B085C9AB24}">
+                  <p16:designElem xmlns:p16="http://schemas.microsoft.com/office/powerpoint/2015/main" val="1"/>
+                </p:ext>
+              </p:extLst>
+            </p:nvPr>
+          </p:nvSpPr>
+          <p:spPr>
+            <a:xfrm rot="2700000" flipH="1" flipV="1">
+              <a:off x="10268976" y="1743588"/>
+              <a:ext cx="926985" cy="463493"/>
+            </a:xfrm>
+            <a:custGeom>
+              <a:avLst/>
+              <a:gdLst>
+                <a:gd name="connsiteX0" fmla="*/ 1329373 w 2658746"/>
+                <a:gd name="connsiteY0" fmla="*/ 0 h 1329373"/>
+                <a:gd name="connsiteX1" fmla="*/ 2658746 w 2658746"/>
+                <a:gd name="connsiteY1" fmla="*/ 1329373 h 1329373"/>
+                <a:gd name="connsiteX2" fmla="*/ 1994059 w 2658746"/>
+                <a:gd name="connsiteY2" fmla="*/ 1329373 h 1329373"/>
+                <a:gd name="connsiteX3" fmla="*/ 1329373 w 2658746"/>
+                <a:gd name="connsiteY3" fmla="*/ 664687 h 1329373"/>
+                <a:gd name="connsiteX4" fmla="*/ 664687 w 2658746"/>
+                <a:gd name="connsiteY4" fmla="*/ 1329373 h 1329373"/>
+                <a:gd name="connsiteX5" fmla="*/ 0 w 2658746"/>
+                <a:gd name="connsiteY5" fmla="*/ 1329373 h 1329373"/>
+                <a:gd name="connsiteX6" fmla="*/ 1329373 w 2658746"/>
+                <a:gd name="connsiteY6" fmla="*/ 0 h 1329373"/>
+              </a:gdLst>
+              <a:ahLst/>
+              <a:cxnLst>
+                <a:cxn ang="0">
+                  <a:pos x="connsiteX0" y="connsiteY0"/>
+                </a:cxn>
+                <a:cxn ang="0">
+                  <a:pos x="connsiteX1" y="connsiteY1"/>
+                </a:cxn>
+                <a:cxn ang="0">
+                  <a:pos x="connsiteX2" y="connsiteY2"/>
+                </a:cxn>
+                <a:cxn ang="0">
+                  <a:pos x="connsiteX3" y="connsiteY3"/>
+                </a:cxn>
+                <a:cxn ang="0">
+                  <a:pos x="connsiteX4" y="connsiteY4"/>
+                </a:cxn>
+                <a:cxn ang="0">
+                  <a:pos x="connsiteX5" y="connsiteY5"/>
+                </a:cxn>
+                <a:cxn ang="0">
+                  <a:pos x="connsiteX6" y="connsiteY6"/>
+                </a:cxn>
+              </a:cxnLst>
+              <a:rect l="l" t="t" r="r" b="b"/>
+              <a:pathLst>
+                <a:path w="2658746" h="1329373">
+                  <a:moveTo>
+                    <a:pt x="1329373" y="0"/>
+                  </a:moveTo>
+                  <a:cubicBezTo>
+                    <a:pt x="2063565" y="0"/>
+                    <a:pt x="2658746" y="595181"/>
+                    <a:pt x="2658746" y="1329373"/>
+                  </a:cubicBezTo>
+                  <a:lnTo>
+                    <a:pt x="1994059" y="1329373"/>
+                  </a:lnTo>
+                  <a:cubicBezTo>
+                    <a:pt x="1994059" y="962277"/>
+                    <a:pt x="1696469" y="664687"/>
+                    <a:pt x="1329373" y="664687"/>
+                  </a:cubicBezTo>
+                  <a:cubicBezTo>
+                    <a:pt x="962277" y="664687"/>
+                    <a:pt x="664687" y="962277"/>
+                    <a:pt x="664687" y="1329373"/>
+                  </a:cubicBezTo>
+                  <a:lnTo>
+                    <a:pt x="0" y="1329373"/>
+                  </a:lnTo>
+                  <a:cubicBezTo>
+                    <a:pt x="0" y="595181"/>
+                    <a:pt x="595181" y="0"/>
+                    <a:pt x="1329373" y="0"/>
+                  </a:cubicBezTo>
+                  <a:close/>
+                </a:path>
+              </a:pathLst>
+            </a:custGeom>
+            <a:solidFill>
+              <a:schemeClr val="bg2"/>
+            </a:solidFill>
+            <a:ln>
+              <a:noFill/>
+            </a:ln>
+            <a:effectLst>
+              <a:innerShdw blurRad="127000" dist="50800" dir="13500000">
+                <a:schemeClr val="accent1">
+                  <a:lumMod val="40000"/>
+                  <a:lumOff val="60000"/>
+                  <a:alpha val="20000"/>
+                </a:schemeClr>
+              </a:innerShdw>
+            </a:effectLst>
+          </p:spPr>
+          <p:style>
+            <a:lnRef idx="2">
+              <a:schemeClr val="accent1">
+                <a:shade val="50000"/>
+              </a:schemeClr>
+            </a:lnRef>
+            <a:fillRef idx="1">
+              <a:schemeClr val="accent1"/>
+            </a:fillRef>
+            <a:effectRef idx="0">
+              <a:schemeClr val="accent1"/>
+            </a:effectRef>
+            <a:fontRef idx="minor">
+              <a:schemeClr val="lt1"/>
+            </a:fontRef>
+          </p:style>
+          <p:txBody>
+            <a:bodyPr rtlCol="0" anchor="ctr"/>
+            <a:lstStyle/>
+            <a:p>
+              <a:pPr algn="ctr"/>
+              <a:endParaRPr lang="en-US">
+                <a:solidFill>
+                  <a:schemeClr val="tx1"/>
+                </a:solidFill>
+              </a:endParaRPr>
+            </a:p>
+          </p:txBody>
+        </p:sp>
+        <p:sp>
+          <p:nvSpPr>
+            <p:cNvPr id="13" name="Oval 12">
+              <a:extLst>
+                <a:ext uri="{FF2B5EF4-FFF2-40B4-BE49-F238E27FC236}">
+                  <a16:creationId xmlns:a16="http://schemas.microsoft.com/office/drawing/2014/main" id="{080D8764-525A-441E-B58F-068E82F09714}"/>
+                </a:ext>
+                <a:ext uri="{C183D7F6-B498-43B3-948B-1728B52AA6E4}">
+                  <adec:decorative xmlns:adec="http://schemas.microsoft.com/office/drawing/2017/decorative" val="1"/>
+                </a:ext>
+              </a:extLst>
+            </p:cNvPr>
+            <p:cNvSpPr/>
+            <p:nvPr>
+              <p:extLst>
+                <p:ext uri="{386F3935-93C4-4BCD-93E2-E3B085C9AB24}">
+                  <p16:designElem xmlns:p16="http://schemas.microsoft.com/office/powerpoint/2015/main" val="1"/>
+                </p:ext>
+              </p:extLst>
+            </p:nvPr>
+          </p:nvSpPr>
+          <p:spPr>
+            <a:xfrm rot="8100000" flipH="1" flipV="1">
+              <a:off x="11115555" y="1939340"/>
+              <a:ext cx="53549" cy="233295"/>
+            </a:xfrm>
+            <a:prstGeom prst="ellipse">
+              <a:avLst/>
+            </a:prstGeom>
+            <a:solidFill>
+              <a:schemeClr val="bg2">
+                <a:lumMod val="90000"/>
+                <a:lumOff val="10000"/>
+              </a:schemeClr>
+            </a:solidFill>
+            <a:ln>
+              <a:noFill/>
+            </a:ln>
+            <a:effectLst>
+              <a:innerShdw blurRad="63500" dist="2540000">
+                <a:schemeClr val="accent1">
+                  <a:lumMod val="60000"/>
+                  <a:lumOff val="40000"/>
+                  <a:alpha val="0"/>
+                </a:schemeClr>
+              </a:innerShdw>
+            </a:effectLst>
+          </p:spPr>
+          <p:style>
+            <a:lnRef idx="2">
+              <a:schemeClr val="accent1">
+                <a:shade val="50000"/>
+              </a:schemeClr>
+            </a:lnRef>
+            <a:fillRef idx="1">
+              <a:schemeClr val="accent1"/>
+            </a:fillRef>
+            <a:effectRef idx="0">
+              <a:schemeClr val="accent1"/>
+            </a:effectRef>
+            <a:fontRef idx="minor">
+              <a:schemeClr val="lt1"/>
+            </a:fontRef>
+          </p:style>
+          <p:txBody>
+            <a:bodyPr rot="0" spcFirstLastPara="0" vertOverflow="overflow" horzOverflow="overflow" vert="horz" wrap="square" lIns="91440" tIns="45720" rIns="91440" bIns="45720" numCol="1" spcCol="0" rtlCol="0" fromWordArt="0" anchor="ctr" anchorCtr="0" forceAA="0" compatLnSpc="1">
+              <a:prstTxWarp prst="textNoShape">
+                <a:avLst/>
+              </a:prstTxWarp>
+              <a:noAutofit/>
+            </a:bodyPr>
+            <a:lstStyle/>
+            <a:p>
+              <a:pPr algn="ctr"/>
+              <a:endParaRPr lang="en-US"/>
+            </a:p>
+          </p:txBody>
+        </p:sp>
+        <p:sp>
+          <p:nvSpPr>
+            <p:cNvPr id="14" name="Oval 13">
+              <a:extLst>
+                <a:ext uri="{FF2B5EF4-FFF2-40B4-BE49-F238E27FC236}">
+                  <a16:creationId xmlns:a16="http://schemas.microsoft.com/office/drawing/2014/main" id="{11196109-6F2B-4738-B2FC-2CCC753AABD4}"/>
+                </a:ext>
+                <a:ext uri="{C183D7F6-B498-43B3-948B-1728B52AA6E4}">
+                  <adec:decorative xmlns:adec="http://schemas.microsoft.com/office/drawing/2017/decorative" val="1"/>
+                </a:ext>
+              </a:extLst>
+            </p:cNvPr>
+            <p:cNvSpPr/>
+            <p:nvPr>
+              <p:extLst>
+                <p:ext uri="{386F3935-93C4-4BCD-93E2-E3B085C9AB24}">
+                  <p16:designElem xmlns:p16="http://schemas.microsoft.com/office/powerpoint/2015/main" val="1"/>
+                </p:ext>
+              </p:extLst>
+            </p:nvPr>
+          </p:nvSpPr>
+          <p:spPr>
+            <a:xfrm rot="8100000" flipH="1" flipV="1">
+              <a:off x="10625042" y="1448827"/>
+              <a:ext cx="53549" cy="233295"/>
+            </a:xfrm>
+            <a:prstGeom prst="ellipse">
+              <a:avLst/>
+            </a:prstGeom>
+            <a:solidFill>
+              <a:schemeClr val="bg2">
+                <a:lumMod val="90000"/>
+                <a:lumOff val="10000"/>
+              </a:schemeClr>
+            </a:solidFill>
+            <a:ln>
+              <a:noFill/>
+            </a:ln>
+            <a:effectLst>
+              <a:innerShdw blurRad="63500" dist="2540000">
+                <a:schemeClr val="accent1">
+                  <a:lumMod val="60000"/>
+                  <a:lumOff val="40000"/>
+                  <a:alpha val="0"/>
+                </a:schemeClr>
+              </a:innerShdw>
+            </a:effectLst>
+          </p:spPr>
+          <p:style>
+            <a:lnRef idx="2">
+              <a:schemeClr val="accent1">
+                <a:shade val="50000"/>
+              </a:schemeClr>
+            </a:lnRef>
+            <a:fillRef idx="1">
+              <a:schemeClr val="accent1"/>
+            </a:fillRef>
+            <a:effectRef idx="0">
+              <a:schemeClr val="accent1"/>
+            </a:effectRef>
+            <a:fontRef idx="minor">
+              <a:schemeClr val="lt1"/>
+            </a:fontRef>
+          </p:style>
+          <p:txBody>
+            <a:bodyPr rot="0" spcFirstLastPara="0" vertOverflow="overflow" horzOverflow="overflow" vert="horz" wrap="square" lIns="91440" tIns="45720" rIns="91440" bIns="45720" numCol="1" spcCol="0" rtlCol="0" fromWordArt="0" anchor="ctr" anchorCtr="0" forceAA="0" compatLnSpc="1">
+              <a:prstTxWarp prst="textNoShape">
+                <a:avLst/>
+              </a:prstTxWarp>
+              <a:noAutofit/>
+            </a:bodyPr>
+            <a:lstStyle/>
+            <a:p>
+              <a:pPr algn="ctr"/>
+              <a:endParaRPr lang="en-US"/>
+            </a:p>
+          </p:txBody>
+        </p:sp>
+        <p:sp>
+          <p:nvSpPr>
+            <p:cNvPr id="15" name="Freeform: Shape 14">
+              <a:extLst>
+                <a:ext uri="{FF2B5EF4-FFF2-40B4-BE49-F238E27FC236}">
+                  <a16:creationId xmlns:a16="http://schemas.microsoft.com/office/drawing/2014/main" id="{F7E468C2-69B8-470B-85E3-801A3CB1D7E2}"/>
+                </a:ext>
+                <a:ext uri="{C183D7F6-B498-43B3-948B-1728B52AA6E4}">
+                  <adec:decorative xmlns:adec="http://schemas.microsoft.com/office/drawing/2017/decorative" val="1"/>
+                </a:ext>
+              </a:extLst>
+            </p:cNvPr>
+            <p:cNvSpPr>
+              <a:spLocks noChangeAspect="1"/>
+            </p:cNvSpPr>
+            <p:nvPr>
+              <p:extLst>
+                <p:ext uri="{386F3935-93C4-4BCD-93E2-E3B085C9AB24}">
+                  <p16:designElem xmlns:p16="http://schemas.microsoft.com/office/powerpoint/2015/main" val="1"/>
+                </p:ext>
+              </p:extLst>
+            </p:nvPr>
+          </p:nvSpPr>
+          <p:spPr>
+            <a:xfrm rot="2700000" flipH="1" flipV="1">
+              <a:off x="10292519" y="1686748"/>
+              <a:ext cx="926985" cy="530086"/>
+            </a:xfrm>
+            <a:custGeom>
+              <a:avLst/>
+              <a:gdLst>
+                <a:gd name="connsiteX0" fmla="*/ 1329373 w 2658746"/>
+                <a:gd name="connsiteY0" fmla="*/ 0 h 1329373"/>
+                <a:gd name="connsiteX1" fmla="*/ 2658746 w 2658746"/>
+                <a:gd name="connsiteY1" fmla="*/ 1329373 h 1329373"/>
+                <a:gd name="connsiteX2" fmla="*/ 1994059 w 2658746"/>
+                <a:gd name="connsiteY2" fmla="*/ 1329373 h 1329373"/>
+                <a:gd name="connsiteX3" fmla="*/ 1329373 w 2658746"/>
+                <a:gd name="connsiteY3" fmla="*/ 664687 h 1329373"/>
+                <a:gd name="connsiteX4" fmla="*/ 664687 w 2658746"/>
+                <a:gd name="connsiteY4" fmla="*/ 1329373 h 1329373"/>
+                <a:gd name="connsiteX5" fmla="*/ 0 w 2658746"/>
+                <a:gd name="connsiteY5" fmla="*/ 1329373 h 1329373"/>
+                <a:gd name="connsiteX6" fmla="*/ 1329373 w 2658746"/>
+                <a:gd name="connsiteY6" fmla="*/ 0 h 1329373"/>
+              </a:gdLst>
+              <a:ahLst/>
+              <a:cxnLst>
+                <a:cxn ang="0">
+                  <a:pos x="connsiteX0" y="connsiteY0"/>
+                </a:cxn>
+                <a:cxn ang="0">
+                  <a:pos x="connsiteX1" y="connsiteY1"/>
+                </a:cxn>
+                <a:cxn ang="0">
+                  <a:pos x="connsiteX2" y="connsiteY2"/>
+                </a:cxn>
+                <a:cxn ang="0">
+                  <a:pos x="connsiteX3" y="connsiteY3"/>
+                </a:cxn>
+                <a:cxn ang="0">
+                  <a:pos x="connsiteX4" y="connsiteY4"/>
+                </a:cxn>
+                <a:cxn ang="0">
+                  <a:pos x="connsiteX5" y="connsiteY5"/>
+                </a:cxn>
+                <a:cxn ang="0">
+                  <a:pos x="connsiteX6" y="connsiteY6"/>
+                </a:cxn>
+              </a:cxnLst>
+              <a:rect l="l" t="t" r="r" b="b"/>
+              <a:pathLst>
+                <a:path w="2658746" h="1329373">
+                  <a:moveTo>
+                    <a:pt x="1329373" y="0"/>
+                  </a:moveTo>
+                  <a:cubicBezTo>
+                    <a:pt x="2063565" y="0"/>
+                    <a:pt x="2658746" y="595181"/>
+                    <a:pt x="2658746" y="1329373"/>
+                  </a:cubicBezTo>
+                  <a:lnTo>
+                    <a:pt x="1994059" y="1329373"/>
+                  </a:lnTo>
+                  <a:cubicBezTo>
+                    <a:pt x="1994059" y="962277"/>
+                    <a:pt x="1696469" y="664687"/>
+                    <a:pt x="1329373" y="664687"/>
+                  </a:cubicBezTo>
+                  <a:cubicBezTo>
+                    <a:pt x="962277" y="664687"/>
+                    <a:pt x="664687" y="962277"/>
+                    <a:pt x="664687" y="1329373"/>
+                  </a:cubicBezTo>
+                  <a:lnTo>
+                    <a:pt x="0" y="1329373"/>
+                  </a:lnTo>
+                  <a:cubicBezTo>
+                    <a:pt x="0" y="595181"/>
+                    <a:pt x="595181" y="0"/>
+                    <a:pt x="1329373" y="0"/>
+                  </a:cubicBezTo>
+                  <a:close/>
+                </a:path>
+              </a:pathLst>
+            </a:custGeom>
+            <a:solidFill>
+              <a:schemeClr val="bg2">
+                <a:lumMod val="50000"/>
+                <a:lumOff val="50000"/>
+                <a:alpha val="20000"/>
+              </a:schemeClr>
+            </a:solidFill>
+            <a:ln>
+              <a:noFill/>
+            </a:ln>
+            <a:effectLst>
+              <a:softEdge rad="101600"/>
+            </a:effectLst>
+          </p:spPr>
+          <p:style>
+            <a:lnRef idx="2">
+              <a:schemeClr val="accent1">
+                <a:shade val="50000"/>
+              </a:schemeClr>
+            </a:lnRef>
+            <a:fillRef idx="1">
+              <a:schemeClr val="accent1"/>
+            </a:fillRef>
+            <a:effectRef idx="0">
+              <a:schemeClr val="accent1"/>
+            </a:effectRef>
+            <a:fontRef idx="minor">
+              <a:schemeClr val="lt1"/>
+            </a:fontRef>
+          </p:style>
+          <p:txBody>
+            <a:bodyPr rtlCol="0" anchor="ctr"/>
+            <a:lstStyle/>
+            <a:p>
+              <a:pPr algn="ctr"/>
+              <a:endParaRPr lang="en-US">
+                <a:solidFill>
+                  <a:schemeClr val="tx1"/>
+                </a:solidFill>
+              </a:endParaRPr>
+            </a:p>
+          </p:txBody>
+        </p:sp>
+      </p:grpSp>
+      <p:sp useBgFill="1">
+        <p:nvSpPr>
+          <p:cNvPr id="17" name="Rectangle 16">
+            <a:extLst>
+              <a:ext uri="{FF2B5EF4-FFF2-40B4-BE49-F238E27FC236}">
+                <a16:creationId xmlns:a16="http://schemas.microsoft.com/office/drawing/2014/main" id="{A5931BE0-4B93-4D6C-878E-ACC59D6B4587}"/>
+              </a:ext>
+              <a:ext uri="{C183D7F6-B498-43B3-948B-1728B52AA6E4}">
+                <adec:decorative xmlns:adec="http://schemas.microsoft.com/office/drawing/2017/decorative" val="1"/>
+              </a:ext>
+            </a:extLst>
+          </p:cNvPr>
+          <p:cNvSpPr>
+            <a:spLocks noGrp="1" noRot="1" noChangeAspect="1" noMove="1" noResize="1" noEditPoints="1" noAdjustHandles="1" noChangeArrowheads="1" noChangeShapeType="1" noTextEdit="1"/>
+          </p:cNvSpPr>
+          <p:nvPr>
+            <p:extLst>
+              <p:ext uri="{386F3935-93C4-4BCD-93E2-E3B085C9AB24}">
+                <p16:designElem xmlns:p16="http://schemas.microsoft.com/office/powerpoint/2015/main" val="1"/>
+              </p:ext>
+            </p:extLst>
+          </p:nvPr>
+        </p:nvSpPr>
+        <p:spPr>
+          <a:xfrm>
+            <a:off x="0" y="0"/>
+            <a:ext cx="12192000" cy="6858000"/>
+          </a:xfrm>
+          <a:prstGeom prst="rect">
+            <a:avLst/>
+          </a:prstGeom>
+          <a:ln w="12700" cap="flat" cmpd="sng" algn="ctr">
+            <a:noFill/>
+            <a:prstDash val="solid"/>
+            <a:miter lim="800000"/>
+          </a:ln>
+          <a:effectLst/>
+          <a:extLst>
+            <a:ext uri="{91240B29-F687-4F45-9708-019B960494DF}">
+              <a14:hiddenLine xmlns:a14="http://schemas.microsoft.com/office/drawing/2010/main" w="12700" cap="flat" cmpd="sng" algn="ctr">
+                <a:solidFill>
+                  <a:schemeClr val="accent1">
+                    <a:shade val="50000"/>
+                  </a:schemeClr>
+                </a:solidFill>
+                <a:prstDash val="solid"/>
+                <a:miter lim="800000"/>
+              </a14:hiddenLine>
+            </a:ext>
+          </a:extLst>
+        </p:spPr>
+        <p:style>
+          <a:lnRef idx="2">
+            <a:schemeClr val="accent1">
+              <a:shade val="50000"/>
+            </a:schemeClr>
+          </a:lnRef>
+          <a:fillRef idx="1">
+            <a:schemeClr val="accent1"/>
+          </a:fillRef>
+          <a:effectRef idx="0">
+            <a:schemeClr val="accent1"/>
+          </a:effectRef>
+          <a:fontRef idx="minor">
+            <a:schemeClr val="lt1"/>
+          </a:fontRef>
+        </p:style>
+        <p:txBody>
+          <a:bodyPr rtlCol="0" anchor="ctr"/>
+          <a:lstStyle/>
+          <a:p>
+            <a:pPr algn="ctr"/>
+            <a:endParaRPr lang="en-US"/>
+          </a:p>
+        </p:txBody>
+      </p:sp>
+      <p:sp>
+        <p:nvSpPr>
+          <p:cNvPr id="2" name="Nadpis 1">
+            <a:extLst>
+              <a:ext uri="{FF2B5EF4-FFF2-40B4-BE49-F238E27FC236}">
+                <a16:creationId xmlns:a16="http://schemas.microsoft.com/office/drawing/2014/main" id="{763A61B1-4455-3906-B95F-E526DD7CB618}"/>
+              </a:ext>
+            </a:extLst>
+          </p:cNvPr>
+          <p:cNvSpPr>
+            <a:spLocks noGrp="1"/>
+          </p:cNvSpPr>
+          <p:nvPr>
+            <p:ph type="title"/>
+          </p:nvPr>
+        </p:nvSpPr>
+        <p:spPr>
+          <a:xfrm>
+            <a:off x="550862" y="580363"/>
+            <a:ext cx="6379210" cy="1333057"/>
+          </a:xfrm>
+        </p:spPr>
+        <p:txBody>
+          <a:bodyPr vert="horz" wrap="square" lIns="0" tIns="0" rIns="0" bIns="0" rtlCol="0" anchor="t" anchorCtr="0">
+            <a:normAutofit/>
+          </a:bodyPr>
+          <a:lstStyle/>
+          <a:p>
+            <a:r>
+              <a:rPr lang="en-US" sz="4800" kern="1200" dirty="0">
+                <a:solidFill>
+                  <a:schemeClr val="tx1"/>
+                </a:solidFill>
+                <a:latin typeface="+mj-lt"/>
+                <a:ea typeface="+mj-ea"/>
+                <a:cs typeface="+mj-cs"/>
+              </a:rPr>
+              <a:t>Struktura jazyka C</a:t>
+            </a:r>
+          </a:p>
+        </p:txBody>
+      </p:sp>
+      <p:sp>
+        <p:nvSpPr>
+          <p:cNvPr id="19" name="Oval 18">
+            <a:extLst>
+              <a:ext uri="{FF2B5EF4-FFF2-40B4-BE49-F238E27FC236}">
+                <a16:creationId xmlns:a16="http://schemas.microsoft.com/office/drawing/2014/main" id="{6B425BBD-042F-4CF8-A9EE-42CC14D252C9}"/>
+              </a:ext>
+              <a:ext uri="{C183D7F6-B498-43B3-948B-1728B52AA6E4}">
+                <adec:decorative xmlns:adec="http://schemas.microsoft.com/office/drawing/2017/decorative" val="1"/>
+              </a:ext>
+            </a:extLst>
+          </p:cNvPr>
+          <p:cNvSpPr>
+            <a:spLocks noGrp="1" noRot="1" noChangeAspect="1" noMove="1" noResize="1" noEditPoints="1" noAdjustHandles="1" noChangeArrowheads="1" noChangeShapeType="1" noTextEdit="1"/>
+          </p:cNvSpPr>
+          <p:nvPr>
+            <p:extLst>
+              <p:ext uri="{386F3935-93C4-4BCD-93E2-E3B085C9AB24}">
+                <p16:designElem xmlns:p16="http://schemas.microsoft.com/office/powerpoint/2015/main" val="1"/>
+              </p:ext>
+            </p:extLst>
+          </p:nvPr>
+        </p:nvSpPr>
+        <p:spPr>
+          <a:xfrm>
+            <a:off x="6960575" y="549275"/>
+            <a:ext cx="360000" cy="360000"/>
+          </a:xfrm>
+          <a:prstGeom prst="ellipse">
+            <a:avLst/>
+          </a:prstGeom>
+          <a:gradFill flip="none" rotWithShape="1">
+            <a:gsLst>
+              <a:gs pos="100000">
+                <a:schemeClr val="bg2">
+                  <a:lumMod val="50000"/>
+                  <a:lumOff val="50000"/>
+                </a:schemeClr>
+              </a:gs>
+              <a:gs pos="60000">
+                <a:schemeClr val="bg2"/>
+              </a:gs>
+            </a:gsLst>
+            <a:path path="circle">
+              <a:fillToRect l="100000" b="100000"/>
+            </a:path>
+            <a:tileRect t="-100000" r="-100000"/>
+          </a:gradFill>
+          <a:ln>
+            <a:noFill/>
+          </a:ln>
+          <a:effectLst>
+            <a:innerShdw blurRad="127000" dist="63500" dir="2700000">
+              <a:schemeClr val="accent1">
+                <a:lumMod val="60000"/>
+                <a:lumOff val="40000"/>
+                <a:alpha val="20000"/>
+              </a:schemeClr>
+            </a:innerShdw>
+            <a:softEdge rad="0"/>
+          </a:effectLst>
+        </p:spPr>
+        <p:style>
+          <a:lnRef idx="2">
+            <a:schemeClr val="accent1">
+              <a:shade val="50000"/>
+            </a:schemeClr>
+          </a:lnRef>
+          <a:fillRef idx="1">
+            <a:schemeClr val="accent1"/>
+          </a:fillRef>
+          <a:effectRef idx="0">
+            <a:schemeClr val="accent1"/>
+          </a:effectRef>
+          <a:fontRef idx="minor">
+            <a:schemeClr val="lt1"/>
+          </a:fontRef>
+        </p:style>
+        <p:txBody>
+          <a:bodyPr rot="0" spcFirstLastPara="0" vertOverflow="overflow" horzOverflow="overflow" vert="horz" wrap="square" lIns="91440" tIns="45720" rIns="91440" bIns="45720" numCol="1" spcCol="0" rtlCol="0" fromWordArt="0" anchor="ctr" anchorCtr="0" forceAA="0" compatLnSpc="1">
+            <a:prstTxWarp prst="textNoShape">
+              <a:avLst/>
+            </a:prstTxWarp>
+            <a:noAutofit/>
+          </a:bodyPr>
+          <a:lstStyle/>
+          <a:p>
+            <a:pPr algn="ctr"/>
+            <a:endParaRPr lang="en-US"/>
+          </a:p>
+        </p:txBody>
+      </p:sp>
+      <p:pic>
+        <p:nvPicPr>
+          <p:cNvPr id="6" name="Zástupný obsah 5" descr="Kódování programu na obrazovce počítače">
+            <a:extLst>
+              <a:ext uri="{FF2B5EF4-FFF2-40B4-BE49-F238E27FC236}">
+                <a16:creationId xmlns:a16="http://schemas.microsoft.com/office/drawing/2014/main" id="{AF0269F7-78E8-1792-0E02-A710CDA4160C}"/>
+              </a:ext>
+            </a:extLst>
+          </p:cNvPr>
+          <p:cNvPicPr>
+            <a:picLocks noGrp="1" noChangeAspect="1"/>
+          </p:cNvPicPr>
+          <p:nvPr>
+            <p:ph idx="1"/>
+          </p:nvPr>
+        </p:nvPicPr>
+        <p:blipFill rotWithShape="1">
+          <a:blip r:embed="rId3">
+            <a:extLst>
+              <a:ext uri="{28A0092B-C50C-407E-A947-70E740481C1C}">
+                <a14:useLocalDpi xmlns:a14="http://schemas.microsoft.com/office/drawing/2010/main" val="0"/>
+              </a:ext>
+            </a:extLst>
+          </a:blip>
+          <a:srcRect r="-2" b="1921"/>
+          <a:stretch/>
+        </p:blipFill>
+        <p:spPr>
+          <a:xfrm>
+            <a:off x="550863" y="2530474"/>
+            <a:ext cx="5773738" cy="3779838"/>
+          </a:xfrm>
+          <a:custGeom>
+            <a:avLst/>
+            <a:gdLst/>
+            <a:ahLst/>
+            <a:cxnLst/>
+            <a:rect l="l" t="t" r="r" b="b"/>
+            <a:pathLst>
+              <a:path w="5773738" h="3779838">
+                <a:moveTo>
+                  <a:pt x="0" y="0"/>
+                </a:moveTo>
+                <a:lnTo>
+                  <a:pt x="5773738" y="0"/>
+                </a:lnTo>
+                <a:lnTo>
+                  <a:pt x="5773738" y="3779838"/>
+                </a:lnTo>
+                <a:lnTo>
+                  <a:pt x="0" y="3779838"/>
+                </a:lnTo>
+                <a:close/>
+              </a:path>
+            </a:pathLst>
+          </a:custGeom>
+        </p:spPr>
+      </p:pic>
+      <p:grpSp>
+        <p:nvGrpSpPr>
+          <p:cNvPr id="21" name="Group 20">
+            <a:extLst>
+              <a:ext uri="{FF2B5EF4-FFF2-40B4-BE49-F238E27FC236}">
+                <a16:creationId xmlns:a16="http://schemas.microsoft.com/office/drawing/2014/main" id="{F8ED97E8-4320-4F9F-8AB2-2EC6D9FC971E}"/>
+              </a:ext>
+              <a:ext uri="{C183D7F6-B498-43B3-948B-1728B52AA6E4}">
+                <adec:decorative xmlns:adec="http://schemas.microsoft.com/office/drawing/2017/decorative" val="1"/>
+              </a:ext>
+            </a:extLst>
+          </p:cNvPr>
+          <p:cNvGrpSpPr>
+            <a:grpSpLocks noGrp="1" noUngrp="1" noRot="1" noChangeAspect="1" noMove="1" noResize="1"/>
+          </p:cNvGrpSpPr>
+          <p:nvPr>
+            <p:extLst>
+              <p:ext uri="{386F3935-93C4-4BCD-93E2-E3B085C9AB24}">
+                <p16:designElem xmlns:p16="http://schemas.microsoft.com/office/powerpoint/2015/main" val="1"/>
+              </p:ext>
+            </p:extLst>
+          </p:nvPr>
+        </p:nvGrpSpPr>
+        <p:grpSpPr>
+          <a:xfrm>
+            <a:off x="980191" y="1665774"/>
+            <a:ext cx="1262947" cy="1335600"/>
+            <a:chOff x="2678417" y="2427951"/>
+            <a:chExt cx="1262947" cy="1335600"/>
+          </a:xfrm>
+        </p:grpSpPr>
+        <p:sp>
+          <p:nvSpPr>
+            <p:cNvPr id="22" name="Freeform: Shape 21">
+              <a:extLst>
+                <a:ext uri="{FF2B5EF4-FFF2-40B4-BE49-F238E27FC236}">
+                  <a16:creationId xmlns:a16="http://schemas.microsoft.com/office/drawing/2014/main" id="{DDAE1E3F-711D-4F2E-AF4B-0A3CF77C56E8}"/>
+                </a:ext>
+                <a:ext uri="{C183D7F6-B498-43B3-948B-1728B52AA6E4}">
+                  <adec:decorative xmlns:adec="http://schemas.microsoft.com/office/drawing/2017/decorative" val="1"/>
+                </a:ext>
+              </a:extLst>
+            </p:cNvPr>
+            <p:cNvSpPr>
+              <a:spLocks noChangeAspect="1"/>
+            </p:cNvSpPr>
+            <p:nvPr>
+              <p:extLst>
+                <p:ext uri="{386F3935-93C4-4BCD-93E2-E3B085C9AB24}">
+                  <p16:designElem xmlns:p16="http://schemas.microsoft.com/office/powerpoint/2015/main" val="1"/>
+                </p:ext>
+              </p:extLst>
+            </p:nvPr>
+          </p:nvSpPr>
+          <p:spPr>
+            <a:xfrm rot="2700000">
+              <a:off x="2769891" y="2336477"/>
+              <a:ext cx="1080000" cy="1262947"/>
+            </a:xfrm>
+            <a:custGeom>
+              <a:avLst/>
+              <a:gdLst>
+                <a:gd name="connsiteX0" fmla="*/ 540000 w 1080000"/>
+                <a:gd name="connsiteY0" fmla="*/ 0 h 1262947"/>
+                <a:gd name="connsiteX1" fmla="*/ 1080000 w 1080000"/>
+                <a:gd name="connsiteY1" fmla="*/ 931034 h 1262947"/>
+                <a:gd name="connsiteX2" fmla="*/ 1064374 w 1080000"/>
+                <a:gd name="connsiteY2" fmla="*/ 931034 h 1262947"/>
+                <a:gd name="connsiteX3" fmla="*/ 1069029 w 1080000"/>
+                <a:gd name="connsiteY3" fmla="*/ 938533 h 1262947"/>
+                <a:gd name="connsiteX4" fmla="*/ 1080000 w 1080000"/>
+                <a:gd name="connsiteY4" fmla="*/ 992947 h 1262947"/>
+                <a:gd name="connsiteX5" fmla="*/ 540000 w 1080000"/>
+                <a:gd name="connsiteY5" fmla="*/ 1262947 h 1262947"/>
+                <a:gd name="connsiteX6" fmla="*/ 0 w 1080000"/>
+                <a:gd name="connsiteY6" fmla="*/ 992947 h 1262947"/>
+                <a:gd name="connsiteX7" fmla="*/ 10971 w 1080000"/>
+                <a:gd name="connsiteY7" fmla="*/ 938533 h 1262947"/>
+                <a:gd name="connsiteX8" fmla="*/ 15626 w 1080000"/>
+                <a:gd name="connsiteY8" fmla="*/ 931034 h 1262947"/>
+                <a:gd name="connsiteX9" fmla="*/ 0 w 1080000"/>
+                <a:gd name="connsiteY9" fmla="*/ 931034 h 1262947"/>
+                <a:gd name="connsiteX0" fmla="*/ 540000 w 1080000"/>
+                <a:gd name="connsiteY0" fmla="*/ 0 h 1262947"/>
+                <a:gd name="connsiteX1" fmla="*/ 1080000 w 1080000"/>
+                <a:gd name="connsiteY1" fmla="*/ 931034 h 1262947"/>
+                <a:gd name="connsiteX2" fmla="*/ 1064374 w 1080000"/>
+                <a:gd name="connsiteY2" fmla="*/ 931034 h 1262947"/>
+                <a:gd name="connsiteX3" fmla="*/ 1069029 w 1080000"/>
+                <a:gd name="connsiteY3" fmla="*/ 938533 h 1262947"/>
+                <a:gd name="connsiteX4" fmla="*/ 1080000 w 1080000"/>
+                <a:gd name="connsiteY4" fmla="*/ 992947 h 1262947"/>
+                <a:gd name="connsiteX5" fmla="*/ 540000 w 1080000"/>
+                <a:gd name="connsiteY5" fmla="*/ 1262947 h 1262947"/>
+                <a:gd name="connsiteX6" fmla="*/ 0 w 1080000"/>
+                <a:gd name="connsiteY6" fmla="*/ 992947 h 1262947"/>
+                <a:gd name="connsiteX7" fmla="*/ 10971 w 1080000"/>
+                <a:gd name="connsiteY7" fmla="*/ 938533 h 1262947"/>
+                <a:gd name="connsiteX8" fmla="*/ 15626 w 1080000"/>
+                <a:gd name="connsiteY8" fmla="*/ 931034 h 1262947"/>
+                <a:gd name="connsiteX9" fmla="*/ 540000 w 1080000"/>
+                <a:gd name="connsiteY9" fmla="*/ 0 h 1262947"/>
+                <a:gd name="connsiteX0" fmla="*/ 540000 w 1080000"/>
+                <a:gd name="connsiteY0" fmla="*/ 0 h 1262947"/>
+                <a:gd name="connsiteX1" fmla="*/ 1064374 w 1080000"/>
+                <a:gd name="connsiteY1" fmla="*/ 931034 h 1262947"/>
+                <a:gd name="connsiteX2" fmla="*/ 1069029 w 1080000"/>
+                <a:gd name="connsiteY2" fmla="*/ 938533 h 1262947"/>
+                <a:gd name="connsiteX3" fmla="*/ 1080000 w 1080000"/>
+                <a:gd name="connsiteY3" fmla="*/ 992947 h 1262947"/>
+                <a:gd name="connsiteX4" fmla="*/ 540000 w 1080000"/>
+                <a:gd name="connsiteY4" fmla="*/ 1262947 h 1262947"/>
+                <a:gd name="connsiteX5" fmla="*/ 0 w 1080000"/>
+                <a:gd name="connsiteY5" fmla="*/ 992947 h 1262947"/>
+                <a:gd name="connsiteX6" fmla="*/ 10971 w 1080000"/>
+                <a:gd name="connsiteY6" fmla="*/ 938533 h 1262947"/>
+                <a:gd name="connsiteX7" fmla="*/ 15626 w 1080000"/>
+                <a:gd name="connsiteY7" fmla="*/ 931034 h 1262947"/>
+                <a:gd name="connsiteX8" fmla="*/ 540000 w 1080000"/>
+                <a:gd name="connsiteY8" fmla="*/ 0 h 1262947"/>
+              </a:gdLst>
+              <a:ahLst/>
+              <a:cxnLst>
+                <a:cxn ang="0">
+                  <a:pos x="connsiteX0" y="connsiteY0"/>
+                </a:cxn>
+                <a:cxn ang="0">
+                  <a:pos x="connsiteX1" y="connsiteY1"/>
+                </a:cxn>
+                <a:cxn ang="0">
+                  <a:pos x="connsiteX2" y="connsiteY2"/>
+                </a:cxn>
+                <a:cxn ang="0">
+                  <a:pos x="connsiteX3" y="connsiteY3"/>
+                </a:cxn>
+                <a:cxn ang="0">
+                  <a:pos x="connsiteX4" y="connsiteY4"/>
+                </a:cxn>
+                <a:cxn ang="0">
+                  <a:pos x="connsiteX5" y="connsiteY5"/>
+                </a:cxn>
+                <a:cxn ang="0">
+                  <a:pos x="connsiteX6" y="connsiteY6"/>
+                </a:cxn>
+                <a:cxn ang="0">
+                  <a:pos x="connsiteX7" y="connsiteY7"/>
+                </a:cxn>
+                <a:cxn ang="0">
+                  <a:pos x="connsiteX8" y="connsiteY8"/>
+                </a:cxn>
+              </a:cxnLst>
+              <a:rect l="l" t="t" r="r" b="b"/>
+              <a:pathLst>
+                <a:path w="1080000" h="1262947">
+                  <a:moveTo>
+                    <a:pt x="540000" y="0"/>
+                  </a:moveTo>
+                  <a:lnTo>
+                    <a:pt x="1064374" y="931034"/>
+                  </a:lnTo>
+                  <a:lnTo>
+                    <a:pt x="1069029" y="938533"/>
+                  </a:lnTo>
+                  <a:cubicBezTo>
+                    <a:pt x="1076223" y="956109"/>
+                    <a:pt x="1080000" y="974307"/>
+                    <a:pt x="1080000" y="992947"/>
+                  </a:cubicBezTo>
+                  <a:cubicBezTo>
+                    <a:pt x="1080000" y="1142064"/>
+                    <a:pt x="838234" y="1262947"/>
+                    <a:pt x="540000" y="1262947"/>
+                  </a:cubicBezTo>
+                  <a:cubicBezTo>
+                    <a:pt x="241766" y="1262947"/>
+                    <a:pt x="0" y="1142064"/>
+                    <a:pt x="0" y="992947"/>
+                  </a:cubicBezTo>
+                  <a:cubicBezTo>
+                    <a:pt x="0" y="974307"/>
+                    <a:pt x="3778" y="956109"/>
+                    <a:pt x="10971" y="938533"/>
+                  </a:cubicBezTo>
+                  <a:lnTo>
+                    <a:pt x="15626" y="931034"/>
+                  </a:lnTo>
+                  <a:lnTo>
+                    <a:pt x="540000" y="0"/>
+                  </a:lnTo>
+                  <a:close/>
+                </a:path>
+              </a:pathLst>
+            </a:custGeom>
+            <a:gradFill>
+              <a:gsLst>
+                <a:gs pos="60000">
+                  <a:schemeClr val="bg2">
+                    <a:lumMod val="90000"/>
+                    <a:lumOff val="10000"/>
+                  </a:schemeClr>
+                </a:gs>
+                <a:gs pos="30000">
+                  <a:schemeClr val="bg2">
+                    <a:lumMod val="90000"/>
+                    <a:lumOff val="10000"/>
+                  </a:schemeClr>
+                </a:gs>
+                <a:gs pos="40000">
+                  <a:schemeClr val="bg2">
+                    <a:lumMod val="75000"/>
+                    <a:lumOff val="25000"/>
+                  </a:schemeClr>
+                </a:gs>
+                <a:gs pos="100000">
+                  <a:schemeClr val="bg2"/>
+                </a:gs>
+              </a:gsLst>
+              <a:lin ang="600000" scaled="0"/>
+            </a:gradFill>
+            <a:ln>
+              <a:noFill/>
+            </a:ln>
+            <a:effectLst>
+              <a:innerShdw blurRad="254000" dist="101600" dir="2700000">
+                <a:schemeClr val="accent1">
+                  <a:lumMod val="60000"/>
+                  <a:lumOff val="40000"/>
+                  <a:alpha val="40000"/>
+                </a:schemeClr>
+              </a:innerShdw>
+            </a:effectLst>
+          </p:spPr>
+          <p:style>
+            <a:lnRef idx="2">
+              <a:schemeClr val="accent1">
+                <a:shade val="50000"/>
+              </a:schemeClr>
+            </a:lnRef>
+            <a:fillRef idx="1">
+              <a:schemeClr val="accent1"/>
+            </a:fillRef>
+            <a:effectRef idx="0">
+              <a:schemeClr val="accent1"/>
+            </a:effectRef>
+            <a:fontRef idx="minor">
+              <a:schemeClr val="lt1"/>
+            </a:fontRef>
+          </p:style>
+          <p:txBody>
+            <a:bodyPr rot="0" spcFirstLastPara="0" vertOverflow="overflow" horzOverflow="overflow" vert="horz" wrap="square" lIns="91440" tIns="45720" rIns="91440" bIns="45720" numCol="1" spcCol="0" rtlCol="0" fromWordArt="0" anchor="ctr" anchorCtr="0" forceAA="0" compatLnSpc="1">
+              <a:prstTxWarp prst="textNoShape">
+                <a:avLst/>
+              </a:prstTxWarp>
+              <a:noAutofit/>
+            </a:bodyPr>
+            <a:lstStyle/>
+            <a:p>
+              <a:pPr algn="ctr"/>
+              <a:endParaRPr lang="en-US"/>
+            </a:p>
+          </p:txBody>
+        </p:sp>
+        <p:sp>
+          <p:nvSpPr>
+            <p:cNvPr id="23" name="Oval 22">
+              <a:extLst>
+                <a:ext uri="{FF2B5EF4-FFF2-40B4-BE49-F238E27FC236}">
+                  <a16:creationId xmlns:a16="http://schemas.microsoft.com/office/drawing/2014/main" id="{717A35D9-9F09-4A9F-AD47-CF21151009AD}"/>
+                </a:ext>
+                <a:ext uri="{C183D7F6-B498-43B3-948B-1728B52AA6E4}">
+                  <adec:decorative xmlns:adec="http://schemas.microsoft.com/office/drawing/2017/decorative" val="1"/>
+                </a:ext>
+              </a:extLst>
+            </p:cNvPr>
+            <p:cNvSpPr/>
+            <p:nvPr>
+              <p:extLst>
+                <p:ext uri="{386F3935-93C4-4BCD-93E2-E3B085C9AB24}">
+                  <p16:designElem xmlns:p16="http://schemas.microsoft.com/office/powerpoint/2015/main" val="1"/>
+                </p:ext>
+              </p:extLst>
+            </p:nvPr>
+          </p:nvSpPr>
+          <p:spPr>
+            <a:xfrm rot="8100000">
+              <a:off x="2784291" y="2683551"/>
+              <a:ext cx="540000" cy="1080000"/>
+            </a:xfrm>
+            <a:prstGeom prst="ellipse">
+              <a:avLst/>
+            </a:prstGeom>
+            <a:gradFill>
+              <a:gsLst>
+                <a:gs pos="100000">
+                  <a:schemeClr val="bg2">
+                    <a:lumMod val="90000"/>
+                    <a:lumOff val="10000"/>
+                  </a:schemeClr>
+                </a:gs>
+                <a:gs pos="50000">
+                  <a:schemeClr val="bg2">
+                    <a:lumMod val="95000"/>
+                    <a:lumOff val="5000"/>
+                  </a:schemeClr>
+                </a:gs>
+              </a:gsLst>
+              <a:lin ang="5400000" scaled="0"/>
+            </a:gradFill>
+            <a:ln>
+              <a:noFill/>
+            </a:ln>
+            <a:effectLst>
+              <a:innerShdw blurRad="1270000" dist="2540000">
+                <a:schemeClr val="accent1">
+                  <a:lumMod val="60000"/>
+                  <a:lumOff val="40000"/>
+                  <a:alpha val="0"/>
+                </a:schemeClr>
+              </a:innerShdw>
+            </a:effectLst>
+          </p:spPr>
+          <p:style>
+            <a:lnRef idx="2">
+              <a:schemeClr val="accent1">
+                <a:shade val="50000"/>
+              </a:schemeClr>
+            </a:lnRef>
+            <a:fillRef idx="1">
+              <a:schemeClr val="accent1"/>
+            </a:fillRef>
+            <a:effectRef idx="0">
+              <a:schemeClr val="accent1"/>
+            </a:effectRef>
+            <a:fontRef idx="minor">
+              <a:schemeClr val="lt1"/>
+            </a:fontRef>
+          </p:style>
+          <p:txBody>
+            <a:bodyPr rot="0" spcFirstLastPara="0" vertOverflow="overflow" horzOverflow="overflow" vert="horz" wrap="square" lIns="91440" tIns="45720" rIns="91440" bIns="45720" numCol="1" spcCol="0" rtlCol="0" fromWordArt="0" anchor="ctr" anchorCtr="0" forceAA="0" compatLnSpc="1">
+              <a:prstTxWarp prst="textNoShape">
+                <a:avLst/>
+              </a:prstTxWarp>
+              <a:noAutofit/>
+            </a:bodyPr>
+            <a:lstStyle/>
+            <a:p>
+              <a:pPr algn="ctr"/>
+              <a:endParaRPr lang="en-US"/>
+            </a:p>
+          </p:txBody>
+        </p:sp>
+      </p:grpSp>
+      <p:sp>
+        <p:nvSpPr>
+          <p:cNvPr id="4" name="Zástupný text 3">
+            <a:extLst>
+              <a:ext uri="{FF2B5EF4-FFF2-40B4-BE49-F238E27FC236}">
+                <a16:creationId xmlns:a16="http://schemas.microsoft.com/office/drawing/2014/main" id="{92B3D11E-B8CE-2207-860D-81C959BC93B4}"/>
+              </a:ext>
+            </a:extLst>
+          </p:cNvPr>
+          <p:cNvSpPr>
+            <a:spLocks noGrp="1"/>
+          </p:cNvSpPr>
+          <p:nvPr>
+            <p:ph type="body" sz="half" idx="2"/>
+          </p:nvPr>
+        </p:nvSpPr>
+        <p:spPr>
+          <a:xfrm>
+            <a:off x="7140575" y="1520825"/>
+            <a:ext cx="4500562" cy="2808288"/>
+          </a:xfrm>
+        </p:spPr>
+        <p:txBody>
+          <a:bodyPr vert="horz" wrap="square" lIns="0" tIns="0" rIns="0" bIns="0" rtlCol="0" anchor="t">
+            <a:normAutofit/>
+          </a:bodyPr>
+          <a:lstStyle/>
+          <a:p>
+            <a:pPr indent="-228600">
+              <a:lnSpc>
+                <a:spcPct val="100000"/>
+              </a:lnSpc>
+              <a:buFont typeface="Arial" panose="020B0604020202020204" pitchFamily="34" charset="0"/>
+              <a:buChar char="•"/>
+            </a:pPr>
+            <a:r>
+              <a:rPr lang="en-US" sz="1700"/>
+              <a:t>Header - #include &lt;stdio.h&gt;</a:t>
+            </a:r>
+          </a:p>
+          <a:p>
+            <a:pPr indent="-228600">
+              <a:lnSpc>
+                <a:spcPct val="100000"/>
+              </a:lnSpc>
+              <a:buFont typeface="Arial" panose="020B0604020202020204" pitchFamily="34" charset="0"/>
+              <a:buChar char="•"/>
+            </a:pPr>
+            <a:r>
+              <a:rPr lang="en-US" sz="1700"/>
+              <a:t>main() – int main () {</a:t>
+            </a:r>
+          </a:p>
+          <a:p>
+            <a:pPr indent="-228600">
+              <a:lnSpc>
+                <a:spcPct val="100000"/>
+              </a:lnSpc>
+              <a:buFont typeface="Arial" panose="020B0604020202020204" pitchFamily="34" charset="0"/>
+              <a:buChar char="•"/>
+            </a:pPr>
+            <a:r>
+              <a:rPr lang="en-US" sz="1700"/>
+              <a:t>deklarace variable – int cislo = 67 </a:t>
+            </a:r>
+          </a:p>
+          <a:p>
+            <a:pPr indent="-228600">
+              <a:lnSpc>
+                <a:spcPct val="100000"/>
+              </a:lnSpc>
+              <a:buFont typeface="Arial" panose="020B0604020202020204" pitchFamily="34" charset="0"/>
+              <a:buChar char="•"/>
+            </a:pPr>
+            <a:r>
+              <a:rPr lang="en-US" sz="1700"/>
+              <a:t>body – printf ()</a:t>
+            </a:r>
+          </a:p>
+          <a:p>
+            <a:pPr indent="-228600">
+              <a:lnSpc>
+                <a:spcPct val="100000"/>
+              </a:lnSpc>
+              <a:buFont typeface="Arial" panose="020B0604020202020204" pitchFamily="34" charset="0"/>
+              <a:buChar char="•"/>
+            </a:pPr>
+            <a:r>
+              <a:rPr lang="en-US" sz="1700"/>
+              <a:t>return -  return 0;</a:t>
+            </a:r>
+          </a:p>
+          <a:p>
+            <a:pPr indent="-228600">
+              <a:lnSpc>
+                <a:spcPct val="100000"/>
+              </a:lnSpc>
+              <a:buFont typeface="Arial" panose="020B0604020202020204" pitchFamily="34" charset="0"/>
+              <a:buChar char="•"/>
+            </a:pPr>
+            <a:r>
+              <a:rPr lang="en-US" sz="1700"/>
+              <a:t>}</a:t>
+            </a:r>
+          </a:p>
+        </p:txBody>
+      </p:sp>
+      <p:grpSp>
+        <p:nvGrpSpPr>
+          <p:cNvPr id="25" name="Group 24">
+            <a:extLst>
+              <a:ext uri="{FF2B5EF4-FFF2-40B4-BE49-F238E27FC236}">
+                <a16:creationId xmlns:a16="http://schemas.microsoft.com/office/drawing/2014/main" id="{3F071BFC-FCD5-404E-90E6-D59655774776}"/>
+              </a:ext>
+              <a:ext uri="{C183D7F6-B498-43B3-948B-1728B52AA6E4}">
+                <adec:decorative xmlns:adec="http://schemas.microsoft.com/office/drawing/2017/decorative" val="1"/>
+              </a:ext>
+            </a:extLst>
+          </p:cNvPr>
+          <p:cNvGrpSpPr>
+            <a:grpSpLocks noGrp="1" noUngrp="1" noRot="1" noChangeAspect="1" noMove="1" noResize="1"/>
+          </p:cNvGrpSpPr>
+          <p:nvPr>
+            <p:extLst>
+              <p:ext uri="{386F3935-93C4-4BCD-93E2-E3B085C9AB24}">
+                <p16:designElem xmlns:p16="http://schemas.microsoft.com/office/powerpoint/2015/main" val="1"/>
+              </p:ext>
+            </p:extLst>
+          </p:nvPr>
+        </p:nvGrpSpPr>
+        <p:grpSpPr>
+          <a:xfrm>
+            <a:off x="8724513" y="5071998"/>
+            <a:ext cx="1980000" cy="1336764"/>
+            <a:chOff x="7285270" y="3781428"/>
+            <a:chExt cx="1980000" cy="1336764"/>
+          </a:xfrm>
+        </p:grpSpPr>
+        <p:sp>
+          <p:nvSpPr>
+            <p:cNvPr id="26" name="Freeform: Shape 25">
+              <a:extLst>
+                <a:ext uri="{FF2B5EF4-FFF2-40B4-BE49-F238E27FC236}">
+                  <a16:creationId xmlns:a16="http://schemas.microsoft.com/office/drawing/2014/main" id="{BA0B934F-9437-4904-A573-FD6F8B81F334}"/>
+                </a:ext>
+                <a:ext uri="{C183D7F6-B498-43B3-948B-1728B52AA6E4}">
+                  <adec:decorative xmlns:adec="http://schemas.microsoft.com/office/drawing/2017/decorative" val="1"/>
+                </a:ext>
+              </a:extLst>
+            </p:cNvPr>
+            <p:cNvSpPr>
+              <a:spLocks noChangeAspect="1"/>
+            </p:cNvSpPr>
+            <p:nvPr>
+              <p:extLst>
+                <p:ext uri="{386F3935-93C4-4BCD-93E2-E3B085C9AB24}">
+                  <p16:designElem xmlns:p16="http://schemas.microsoft.com/office/powerpoint/2015/main" val="1"/>
+                </p:ext>
+              </p:extLst>
+            </p:nvPr>
+          </p:nvSpPr>
+          <p:spPr>
+            <a:xfrm rot="18900000">
+              <a:off x="7285270" y="3781428"/>
+              <a:ext cx="1853969" cy="926985"/>
+            </a:xfrm>
+            <a:custGeom>
+              <a:avLst/>
+              <a:gdLst>
+                <a:gd name="connsiteX0" fmla="*/ 1329373 w 2658746"/>
+                <a:gd name="connsiteY0" fmla="*/ 0 h 1329373"/>
+                <a:gd name="connsiteX1" fmla="*/ 2658746 w 2658746"/>
+                <a:gd name="connsiteY1" fmla="*/ 1329373 h 1329373"/>
+                <a:gd name="connsiteX2" fmla="*/ 1994059 w 2658746"/>
+                <a:gd name="connsiteY2" fmla="*/ 1329373 h 1329373"/>
+                <a:gd name="connsiteX3" fmla="*/ 1329373 w 2658746"/>
+                <a:gd name="connsiteY3" fmla="*/ 664687 h 1329373"/>
+                <a:gd name="connsiteX4" fmla="*/ 664687 w 2658746"/>
+                <a:gd name="connsiteY4" fmla="*/ 1329373 h 1329373"/>
+                <a:gd name="connsiteX5" fmla="*/ 0 w 2658746"/>
+                <a:gd name="connsiteY5" fmla="*/ 1329373 h 1329373"/>
+                <a:gd name="connsiteX6" fmla="*/ 1329373 w 2658746"/>
+                <a:gd name="connsiteY6" fmla="*/ 0 h 1329373"/>
+              </a:gdLst>
+              <a:ahLst/>
+              <a:cxnLst>
+                <a:cxn ang="0">
+                  <a:pos x="connsiteX0" y="connsiteY0"/>
+                </a:cxn>
+                <a:cxn ang="0">
+                  <a:pos x="connsiteX1" y="connsiteY1"/>
+                </a:cxn>
+                <a:cxn ang="0">
+                  <a:pos x="connsiteX2" y="connsiteY2"/>
+                </a:cxn>
+                <a:cxn ang="0">
+                  <a:pos x="connsiteX3" y="connsiteY3"/>
+                </a:cxn>
+                <a:cxn ang="0">
+                  <a:pos x="connsiteX4" y="connsiteY4"/>
+                </a:cxn>
+                <a:cxn ang="0">
+                  <a:pos x="connsiteX5" y="connsiteY5"/>
+                </a:cxn>
+                <a:cxn ang="0">
+                  <a:pos x="connsiteX6" y="connsiteY6"/>
+                </a:cxn>
+              </a:cxnLst>
+              <a:rect l="l" t="t" r="r" b="b"/>
+              <a:pathLst>
+                <a:path w="2658746" h="1329373">
+                  <a:moveTo>
+                    <a:pt x="1329373" y="0"/>
+                  </a:moveTo>
+                  <a:cubicBezTo>
+                    <a:pt x="2063565" y="0"/>
+                    <a:pt x="2658746" y="595181"/>
+                    <a:pt x="2658746" y="1329373"/>
+                  </a:cubicBezTo>
+                  <a:lnTo>
+                    <a:pt x="1994059" y="1329373"/>
+                  </a:lnTo>
+                  <a:cubicBezTo>
+                    <a:pt x="1994059" y="962277"/>
+                    <a:pt x="1696469" y="664687"/>
+                    <a:pt x="1329373" y="664687"/>
+                  </a:cubicBezTo>
+                  <a:cubicBezTo>
+                    <a:pt x="962277" y="664687"/>
+                    <a:pt x="664687" y="962277"/>
+                    <a:pt x="664687" y="1329373"/>
+                  </a:cubicBezTo>
+                  <a:lnTo>
+                    <a:pt x="0" y="1329373"/>
+                  </a:lnTo>
+                  <a:cubicBezTo>
+                    <a:pt x="0" y="595181"/>
+                    <a:pt x="595181" y="0"/>
+                    <a:pt x="1329373" y="0"/>
+                  </a:cubicBezTo>
+                  <a:close/>
+                </a:path>
+              </a:pathLst>
+            </a:custGeom>
+            <a:solidFill>
+              <a:schemeClr val="bg2"/>
+            </a:solidFill>
+            <a:ln>
+              <a:noFill/>
+            </a:ln>
+            <a:effectLst>
+              <a:innerShdw blurRad="254000" dist="50800" dir="5400000">
+                <a:schemeClr val="accent1">
+                  <a:lumMod val="40000"/>
+                  <a:lumOff val="60000"/>
+                  <a:alpha val="40000"/>
+                </a:schemeClr>
+              </a:innerShdw>
+            </a:effectLst>
+          </p:spPr>
+          <p:style>
+            <a:lnRef idx="2">
+              <a:schemeClr val="accent1">
+                <a:shade val="50000"/>
+              </a:schemeClr>
+            </a:lnRef>
+            <a:fillRef idx="1">
+              <a:schemeClr val="accent1"/>
+            </a:fillRef>
+            <a:effectRef idx="0">
+              <a:schemeClr val="accent1"/>
+            </a:effectRef>
+            <a:fontRef idx="minor">
+              <a:schemeClr val="lt1"/>
+            </a:fontRef>
+          </p:style>
+          <p:txBody>
+            <a:bodyPr rtlCol="0" anchor="ctr"/>
+            <a:lstStyle/>
+            <a:p>
+              <a:pPr algn="ctr"/>
+              <a:endParaRPr lang="en-US">
+                <a:solidFill>
+                  <a:schemeClr val="tx1"/>
+                </a:solidFill>
+              </a:endParaRPr>
+            </a:p>
+          </p:txBody>
+        </p:sp>
+        <p:sp>
+          <p:nvSpPr>
+            <p:cNvPr id="27" name="Freeform: Shape 26">
+              <a:extLst>
+                <a:ext uri="{FF2B5EF4-FFF2-40B4-BE49-F238E27FC236}">
+                  <a16:creationId xmlns:a16="http://schemas.microsoft.com/office/drawing/2014/main" id="{E0204A86-ED4C-4DD3-9013-C7A4EFF920E7}"/>
+                </a:ext>
+                <a:ext uri="{C183D7F6-B498-43B3-948B-1728B52AA6E4}">
+                  <adec:decorative xmlns:adec="http://schemas.microsoft.com/office/drawing/2017/decorative" val="1"/>
+                </a:ext>
+              </a:extLst>
+            </p:cNvPr>
+            <p:cNvSpPr>
+              <a:spLocks noChangeAspect="1"/>
+            </p:cNvSpPr>
+            <p:nvPr>
+              <p:extLst>
+                <p:ext uri="{386F3935-93C4-4BCD-93E2-E3B085C9AB24}">
+                  <p16:designElem xmlns:p16="http://schemas.microsoft.com/office/powerpoint/2015/main" val="1"/>
+                </p:ext>
+              </p:extLst>
+            </p:nvPr>
+          </p:nvSpPr>
+          <p:spPr>
+            <a:xfrm rot="18900000">
+              <a:off x="7351895" y="3784117"/>
+              <a:ext cx="1853969" cy="1042921"/>
+            </a:xfrm>
+            <a:custGeom>
+              <a:avLst/>
+              <a:gdLst>
+                <a:gd name="connsiteX0" fmla="*/ 1329373 w 2658746"/>
+                <a:gd name="connsiteY0" fmla="*/ 0 h 1329373"/>
+                <a:gd name="connsiteX1" fmla="*/ 2658746 w 2658746"/>
+                <a:gd name="connsiteY1" fmla="*/ 1329373 h 1329373"/>
+                <a:gd name="connsiteX2" fmla="*/ 1994059 w 2658746"/>
+                <a:gd name="connsiteY2" fmla="*/ 1329373 h 1329373"/>
+                <a:gd name="connsiteX3" fmla="*/ 1329373 w 2658746"/>
+                <a:gd name="connsiteY3" fmla="*/ 664687 h 1329373"/>
+                <a:gd name="connsiteX4" fmla="*/ 664687 w 2658746"/>
+                <a:gd name="connsiteY4" fmla="*/ 1329373 h 1329373"/>
+                <a:gd name="connsiteX5" fmla="*/ 0 w 2658746"/>
+                <a:gd name="connsiteY5" fmla="*/ 1329373 h 1329373"/>
+                <a:gd name="connsiteX6" fmla="*/ 1329373 w 2658746"/>
+                <a:gd name="connsiteY6" fmla="*/ 0 h 1329373"/>
+              </a:gdLst>
+              <a:ahLst/>
+              <a:cxnLst>
+                <a:cxn ang="0">
+                  <a:pos x="connsiteX0" y="connsiteY0"/>
+                </a:cxn>
+                <a:cxn ang="0">
+                  <a:pos x="connsiteX1" y="connsiteY1"/>
+                </a:cxn>
+                <a:cxn ang="0">
+                  <a:pos x="connsiteX2" y="connsiteY2"/>
+                </a:cxn>
+                <a:cxn ang="0">
+                  <a:pos x="connsiteX3" y="connsiteY3"/>
+                </a:cxn>
+                <a:cxn ang="0">
+                  <a:pos x="connsiteX4" y="connsiteY4"/>
+                </a:cxn>
+                <a:cxn ang="0">
+                  <a:pos x="connsiteX5" y="connsiteY5"/>
+                </a:cxn>
+                <a:cxn ang="0">
+                  <a:pos x="connsiteX6" y="connsiteY6"/>
+                </a:cxn>
+              </a:cxnLst>
+              <a:rect l="l" t="t" r="r" b="b"/>
+              <a:pathLst>
+                <a:path w="2658746" h="1329373">
+                  <a:moveTo>
+                    <a:pt x="1329373" y="0"/>
+                  </a:moveTo>
+                  <a:cubicBezTo>
+                    <a:pt x="2063565" y="0"/>
+                    <a:pt x="2658746" y="595181"/>
+                    <a:pt x="2658746" y="1329373"/>
+                  </a:cubicBezTo>
+                  <a:lnTo>
+                    <a:pt x="1994059" y="1329373"/>
+                  </a:lnTo>
+                  <a:cubicBezTo>
+                    <a:pt x="1994059" y="962277"/>
+                    <a:pt x="1696469" y="664687"/>
+                    <a:pt x="1329373" y="664687"/>
+                  </a:cubicBezTo>
+                  <a:cubicBezTo>
+                    <a:pt x="962277" y="664687"/>
+                    <a:pt x="664687" y="962277"/>
+                    <a:pt x="664687" y="1329373"/>
+                  </a:cubicBezTo>
+                  <a:lnTo>
+                    <a:pt x="0" y="1329373"/>
+                  </a:lnTo>
+                  <a:cubicBezTo>
+                    <a:pt x="0" y="595181"/>
+                    <a:pt x="595181" y="0"/>
+                    <a:pt x="1329373" y="0"/>
+                  </a:cubicBezTo>
+                  <a:close/>
+                </a:path>
+              </a:pathLst>
+            </a:custGeom>
+            <a:solidFill>
+              <a:schemeClr val="bg2">
+                <a:lumMod val="50000"/>
+                <a:lumOff val="50000"/>
+                <a:alpha val="40000"/>
+              </a:schemeClr>
+            </a:solidFill>
+            <a:ln>
+              <a:noFill/>
+            </a:ln>
+            <a:effectLst>
+              <a:softEdge rad="190500"/>
+            </a:effectLst>
+          </p:spPr>
+          <p:style>
+            <a:lnRef idx="2">
+              <a:schemeClr val="accent1">
+                <a:shade val="50000"/>
+              </a:schemeClr>
+            </a:lnRef>
+            <a:fillRef idx="1">
+              <a:schemeClr val="accent1"/>
+            </a:fillRef>
+            <a:effectRef idx="0">
+              <a:schemeClr val="accent1"/>
+            </a:effectRef>
+            <a:fontRef idx="minor">
+              <a:schemeClr val="lt1"/>
+            </a:fontRef>
+          </p:style>
+          <p:txBody>
+            <a:bodyPr rtlCol="0" anchor="ctr"/>
+            <a:lstStyle/>
+            <a:p>
+              <a:pPr algn="ctr"/>
+              <a:endParaRPr lang="en-US">
+                <a:solidFill>
+                  <a:schemeClr val="tx1"/>
+                </a:solidFill>
+              </a:endParaRPr>
+            </a:p>
+          </p:txBody>
+        </p:sp>
+        <p:sp>
+          <p:nvSpPr>
+            <p:cNvPr id="28" name="Oval 27">
+              <a:extLst>
+                <a:ext uri="{FF2B5EF4-FFF2-40B4-BE49-F238E27FC236}">
+                  <a16:creationId xmlns:a16="http://schemas.microsoft.com/office/drawing/2014/main" id="{69EEA625-9D71-403F-B693-78E333447C00}"/>
+                </a:ext>
+                <a:ext uri="{C183D7F6-B498-43B3-948B-1728B52AA6E4}">
+                  <adec:decorative xmlns:adec="http://schemas.microsoft.com/office/drawing/2017/decorative" val="1"/>
+                </a:ext>
+              </a:extLst>
+            </p:cNvPr>
+            <p:cNvSpPr/>
+            <p:nvPr>
+              <p:extLst>
+                <p:ext uri="{386F3935-93C4-4BCD-93E2-E3B085C9AB24}">
+                  <p16:designElem xmlns:p16="http://schemas.microsoft.com/office/powerpoint/2015/main" val="1"/>
+                </p:ext>
+              </p:extLst>
+            </p:nvPr>
+          </p:nvSpPr>
+          <p:spPr>
+            <a:xfrm rot="2700000">
+              <a:off x="7997401" y="4831348"/>
+              <a:ext cx="107098" cy="466589"/>
+            </a:xfrm>
+            <a:prstGeom prst="ellipse">
+              <a:avLst/>
+            </a:prstGeom>
+            <a:solidFill>
+              <a:schemeClr val="bg2"/>
+            </a:solidFill>
+            <a:ln>
+              <a:noFill/>
+            </a:ln>
+            <a:effectLst>
+              <a:innerShdw blurRad="63500" dist="2540000">
+                <a:schemeClr val="accent1">
+                  <a:lumMod val="40000"/>
+                  <a:lumOff val="60000"/>
+                  <a:alpha val="20000"/>
+                </a:schemeClr>
+              </a:innerShdw>
+            </a:effectLst>
+          </p:spPr>
+          <p:style>
+            <a:lnRef idx="2">
+              <a:schemeClr val="accent1">
+                <a:shade val="50000"/>
+              </a:schemeClr>
+            </a:lnRef>
+            <a:fillRef idx="1">
+              <a:schemeClr val="accent1"/>
+            </a:fillRef>
+            <a:effectRef idx="0">
+              <a:schemeClr val="accent1"/>
+            </a:effectRef>
+            <a:fontRef idx="minor">
+              <a:schemeClr val="lt1"/>
+            </a:fontRef>
+          </p:style>
+          <p:txBody>
+            <a:bodyPr rot="0" spcFirstLastPara="0" vertOverflow="overflow" horzOverflow="overflow" vert="horz" wrap="square" lIns="91440" tIns="45720" rIns="91440" bIns="45720" numCol="1" spcCol="0" rtlCol="0" fromWordArt="0" anchor="ctr" anchorCtr="0" forceAA="0" compatLnSpc="1">
+              <a:prstTxWarp prst="textNoShape">
+                <a:avLst/>
+              </a:prstTxWarp>
+              <a:noAutofit/>
+            </a:bodyPr>
+            <a:lstStyle/>
+            <a:p>
+              <a:pPr algn="ctr"/>
+              <a:endParaRPr lang="en-US"/>
+            </a:p>
+          </p:txBody>
+        </p:sp>
+        <p:sp>
+          <p:nvSpPr>
+            <p:cNvPr id="29" name="Oval 28">
+              <a:extLst>
+                <a:ext uri="{FF2B5EF4-FFF2-40B4-BE49-F238E27FC236}">
+                  <a16:creationId xmlns:a16="http://schemas.microsoft.com/office/drawing/2014/main" id="{425D8F7F-021F-459C-87EB-5AF697DC3B11}"/>
+                </a:ext>
+                <a:ext uri="{C183D7F6-B498-43B3-948B-1728B52AA6E4}">
+                  <adec:decorative xmlns:adec="http://schemas.microsoft.com/office/drawing/2017/decorative" val="1"/>
+                </a:ext>
+              </a:extLst>
+            </p:cNvPr>
+            <p:cNvSpPr/>
+            <p:nvPr>
+              <p:extLst>
+                <p:ext uri="{386F3935-93C4-4BCD-93E2-E3B085C9AB24}">
+                  <p16:designElem xmlns:p16="http://schemas.microsoft.com/office/powerpoint/2015/main" val="1"/>
+                </p:ext>
+              </p:extLst>
+            </p:nvPr>
+          </p:nvSpPr>
+          <p:spPr>
+            <a:xfrm rot="2700000">
+              <a:off x="8978427" y="3850321"/>
+              <a:ext cx="107098" cy="466589"/>
+            </a:xfrm>
+            <a:prstGeom prst="ellipse">
+              <a:avLst/>
+            </a:prstGeom>
+            <a:solidFill>
+              <a:schemeClr val="bg2"/>
+            </a:solidFill>
+            <a:ln>
+              <a:noFill/>
+            </a:ln>
+            <a:effectLst>
+              <a:innerShdw blurRad="63500" dist="2540000">
+                <a:schemeClr val="accent1">
+                  <a:lumMod val="40000"/>
+                  <a:lumOff val="60000"/>
+                  <a:alpha val="20000"/>
+                </a:schemeClr>
+              </a:innerShdw>
+            </a:effectLst>
+          </p:spPr>
+          <p:style>
+            <a:lnRef idx="2">
+              <a:schemeClr val="accent1">
+                <a:shade val="50000"/>
+              </a:schemeClr>
+            </a:lnRef>
+            <a:fillRef idx="1">
+              <a:schemeClr val="accent1"/>
+            </a:fillRef>
+            <a:effectRef idx="0">
+              <a:schemeClr val="accent1"/>
+            </a:effectRef>
+            <a:fontRef idx="minor">
+              <a:schemeClr val="lt1"/>
+            </a:fontRef>
+          </p:style>
+          <p:txBody>
+            <a:bodyPr rot="0" spcFirstLastPara="0" vertOverflow="overflow" horzOverflow="overflow" vert="horz" wrap="square" lIns="91440" tIns="45720" rIns="91440" bIns="45720" numCol="1" spcCol="0" rtlCol="0" fromWordArt="0" anchor="ctr" anchorCtr="0" forceAA="0" compatLnSpc="1">
+              <a:prstTxWarp prst="textNoShape">
+                <a:avLst/>
+              </a:prstTxWarp>
+              <a:noAutofit/>
+            </a:bodyPr>
+            <a:lstStyle/>
+            <a:p>
+              <a:pPr algn="ctr"/>
+              <a:endParaRPr lang="en-US"/>
+            </a:p>
+          </p:txBody>
+        </p:sp>
+      </p:grpSp>
+    </p:spTree>
+    <p:extLst>
+      <p:ext uri="{BB962C8B-B14F-4D97-AF65-F5344CB8AC3E}">
+        <p14:creationId xmlns:p14="http://schemas.microsoft.com/office/powerpoint/2010/main" val="2785745260"/>
+      </p:ext>
+    </p:extLst>
+  </p:cSld>
+  <p:clrMapOvr>
+    <a:masterClrMapping/>
+  </p:clrMapOvr>
+</p:sld>
+</file>
+
+<file path=ppt/slides/slide7.xml><?xml version="1.0" encoding="utf-8"?>
+<p:sld xmlns:a="http://schemas.openxmlformats.org/drawingml/2006/main" xmlns:r="http://schemas.openxmlformats.org/officeDocument/2006/relationships" xmlns:p="http://schemas.openxmlformats.org/presentationml/2006/main">
+  <p:cSld>
     <p:bg>
       <p:bgPr>
         <a:solidFill>
@@ -20478,7 +26248,7 @@
       </p:grpSpPr>
       <p:sp useBgFill="1">
         <p:nvSpPr>
-          <p:cNvPr id="9" name="Rectangle 8">
+          <p:cNvPr id="16" name="Rectangle 15">
             <a:extLst>
               <a:ext uri="{FF2B5EF4-FFF2-40B4-BE49-F238E27FC236}">
                 <a16:creationId xmlns:a16="http://schemas.microsoft.com/office/drawing/2014/main" id="{A5931BE0-4B93-4D6C-878E-ACC59D6B4587}"/>
@@ -20570,12 +26340,12 @@
         </p:nvSpPr>
         <p:spPr>
           <a:xfrm>
-            <a:off x="550863" y="4508500"/>
-            <a:ext cx="4500562" cy="1562959"/>
+            <a:off x="550864" y="549275"/>
+            <a:ext cx="3565524" cy="1997855"/>
           </a:xfrm>
         </p:spPr>
         <p:txBody>
-          <a:bodyPr wrap="square" anchor="t">
+          <a:bodyPr wrap="square" anchor="b">
             <a:normAutofit/>
           </a:bodyPr>
           <a:lstStyle/>
@@ -20583,6 +26353,59 @@
             <a:r>
               <a:rPr lang="cs-CZ" dirty="0"/>
               <a:t>V čem se dá programovat?</a:t>
+            </a:r>
+          </a:p>
+        </p:txBody>
+      </p:sp>
+      <p:sp>
+        <p:nvSpPr>
+          <p:cNvPr id="3" name="Zástupný obsah 2">
+            <a:extLst>
+              <a:ext uri="{FF2B5EF4-FFF2-40B4-BE49-F238E27FC236}">
+                <a16:creationId xmlns:a16="http://schemas.microsoft.com/office/drawing/2014/main" id="{99BB823C-A0B7-E116-5346-40913E56961F}"/>
+              </a:ext>
+            </a:extLst>
+          </p:cNvPr>
+          <p:cNvSpPr>
+            <a:spLocks noGrp="1"/>
+          </p:cNvSpPr>
+          <p:nvPr>
+            <p:ph idx="1"/>
+          </p:nvPr>
+        </p:nvSpPr>
+        <p:spPr>
+          <a:xfrm>
+            <a:off x="550863" y="2678400"/>
+            <a:ext cx="3565525" cy="3414425"/>
+          </a:xfrm>
+        </p:spPr>
+        <p:txBody>
+          <a:bodyPr anchor="t">
+            <a:normAutofit/>
+          </a:bodyPr>
+          <a:lstStyle/>
+          <a:p>
+            <a:pPr marL="0" indent="0">
+              <a:buNone/>
+            </a:pPr>
+            <a:endParaRPr lang="cs-CZ" sz="1600"/>
+          </a:p>
+          <a:p>
+            <a:r>
+              <a:rPr lang="cs-CZ" sz="1600"/>
+              <a:t>V takzvaných IDE se programuje </a:t>
+            </a:r>
+          </a:p>
+          <a:p>
+            <a:r>
+              <a:rPr lang="cs-CZ" sz="1600"/>
+              <a:t>Jeden z nejpopulárnějších IDE je Visual Studio od Microsoftu</a:t>
+            </a:r>
+          </a:p>
+          <a:p>
+            <a:r>
+              <a:rPr lang="cs-CZ" sz="1600"/>
+              <a:t>Je několik set IDE pro hodně jazyků</a:t>
             </a:r>
           </a:p>
         </p:txBody>
@@ -20603,13 +26426,13 @@
         </p:nvPicPr>
         <p:blipFill rotWithShape="1">
           <a:blip r:embed="rId3"/>
-          <a:srcRect t="33675" b="11248"/>
+          <a:srcRect l="20843" r="22908" b="2"/>
           <a:stretch/>
         </p:blipFill>
         <p:spPr>
           <a:xfrm>
-            <a:off x="20" y="1"/>
-            <a:ext cx="12191980" cy="3777175"/>
+            <a:off x="5588000" y="862806"/>
+            <a:ext cx="5132388" cy="5132388"/>
           </a:xfrm>
           <a:custGeom>
             <a:avLst/>
@@ -20618,31 +26441,539 @@
             <a:cxnLst/>
             <a:rect l="l" t="t" r="r" b="b"/>
             <a:pathLst>
-              <a:path w="12192000" h="3777175">
+              <a:path w="5132388" h="5132388">
                 <a:moveTo>
-                  <a:pt x="0" y="0"/>
+                  <a:pt x="2566194" y="0"/>
                 </a:moveTo>
-                <a:lnTo>
-                  <a:pt x="12192000" y="0"/>
-                </a:lnTo>
-                <a:lnTo>
-                  <a:pt x="12192000" y="3777175"/>
-                </a:lnTo>
-                <a:lnTo>
-                  <a:pt x="0" y="3777175"/>
-                </a:lnTo>
+                <a:cubicBezTo>
+                  <a:pt x="3983464" y="0"/>
+                  <a:pt x="5132388" y="1148924"/>
+                  <a:pt x="5132388" y="2566194"/>
+                </a:cubicBezTo>
+                <a:cubicBezTo>
+                  <a:pt x="5132388" y="3983464"/>
+                  <a:pt x="3983464" y="5132388"/>
+                  <a:pt x="2566194" y="5132388"/>
+                </a:cubicBezTo>
+                <a:cubicBezTo>
+                  <a:pt x="1148924" y="5132388"/>
+                  <a:pt x="0" y="3983464"/>
+                  <a:pt x="0" y="2566194"/>
+                </a:cubicBezTo>
+                <a:cubicBezTo>
+                  <a:pt x="0" y="1148924"/>
+                  <a:pt x="1148924" y="0"/>
+                  <a:pt x="2566194" y="0"/>
+                </a:cubicBezTo>
                 <a:close/>
               </a:path>
             </a:pathLst>
           </a:custGeom>
         </p:spPr>
       </p:pic>
+      <p:grpSp>
+        <p:nvGrpSpPr>
+          <p:cNvPr id="18" name="Group 17">
+            <a:extLst>
+              <a:ext uri="{FF2B5EF4-FFF2-40B4-BE49-F238E27FC236}">
+                <a16:creationId xmlns:a16="http://schemas.microsoft.com/office/drawing/2014/main" id="{183B29DA-9BB8-4BA8-B8E1-8C2B544078C7}"/>
+              </a:ext>
+              <a:ext uri="{C183D7F6-B498-43B3-948B-1728B52AA6E4}">
+                <adec:decorative xmlns:adec="http://schemas.microsoft.com/office/drawing/2017/decorative" val="1"/>
+              </a:ext>
+            </a:extLst>
+          </p:cNvPr>
+          <p:cNvGrpSpPr>
+            <a:grpSpLocks noGrp="1" noUngrp="1" noRot="1" noChangeAspect="1" noMove="1" noResize="1"/>
+          </p:cNvGrpSpPr>
+          <p:nvPr>
+            <p:extLst>
+              <p:ext uri="{386F3935-93C4-4BCD-93E2-E3B085C9AB24}">
+                <p16:designElem xmlns:p16="http://schemas.microsoft.com/office/powerpoint/2015/main" val="1"/>
+              </p:ext>
+            </p:extLst>
+          </p:nvPr>
+        </p:nvGrpSpPr>
+        <p:grpSpPr>
+          <a:xfrm>
+            <a:off x="10822156" y="4143453"/>
+            <a:ext cx="734257" cy="760506"/>
+            <a:chOff x="5243759" y="1363788"/>
+            <a:chExt cx="734257" cy="760506"/>
+          </a:xfrm>
+        </p:grpSpPr>
+        <p:sp>
+          <p:nvSpPr>
+            <p:cNvPr id="19" name="Freeform 5">
+              <a:extLst>
+                <a:ext uri="{FF2B5EF4-FFF2-40B4-BE49-F238E27FC236}">
+                  <a16:creationId xmlns:a16="http://schemas.microsoft.com/office/drawing/2014/main" id="{D02496F8-166D-469A-8040-08608013BF72}"/>
+                </a:ext>
+                <a:ext uri="{C183D7F6-B498-43B3-948B-1728B52AA6E4}">
+                  <adec:decorative xmlns:adec="http://schemas.microsoft.com/office/drawing/2017/decorative" val="1"/>
+                </a:ext>
+              </a:extLst>
+            </p:cNvPr>
+            <p:cNvSpPr>
+              <a:spLocks/>
+            </p:cNvSpPr>
+            <p:nvPr>
+              <p:extLst>
+                <p:ext uri="{386F3935-93C4-4BCD-93E2-E3B085C9AB24}">
+                  <p16:designElem xmlns:p16="http://schemas.microsoft.com/office/powerpoint/2015/main" val="1"/>
+                </p:ext>
+              </p:extLst>
+            </p:nvPr>
+          </p:nvSpPr>
+          <p:spPr bwMode="auto">
+            <a:xfrm rot="1800000">
+              <a:off x="5356930" y="1363788"/>
+              <a:ext cx="621086" cy="364601"/>
+            </a:xfrm>
+            <a:custGeom>
+              <a:avLst/>
+              <a:gdLst>
+                <a:gd name="T0" fmla="*/ 266 w 540"/>
+                <a:gd name="T1" fmla="*/ 0 h 317"/>
+                <a:gd name="T2" fmla="*/ 0 w 540"/>
+                <a:gd name="T3" fmla="*/ 158 h 317"/>
+                <a:gd name="T4" fmla="*/ 266 w 540"/>
+                <a:gd name="T5" fmla="*/ 317 h 317"/>
+                <a:gd name="T6" fmla="*/ 540 w 540"/>
+                <a:gd name="T7" fmla="*/ 158 h 317"/>
+                <a:gd name="T8" fmla="*/ 266 w 540"/>
+                <a:gd name="T9" fmla="*/ 0 h 317"/>
+              </a:gdLst>
+              <a:ahLst/>
+              <a:cxnLst>
+                <a:cxn ang="0">
+                  <a:pos x="T0" y="T1"/>
+                </a:cxn>
+                <a:cxn ang="0">
+                  <a:pos x="T2" y="T3"/>
+                </a:cxn>
+                <a:cxn ang="0">
+                  <a:pos x="T4" y="T5"/>
+                </a:cxn>
+                <a:cxn ang="0">
+                  <a:pos x="T6" y="T7"/>
+                </a:cxn>
+                <a:cxn ang="0">
+                  <a:pos x="T8" y="T9"/>
+                </a:cxn>
+              </a:cxnLst>
+              <a:rect l="0" t="0" r="r" b="b"/>
+              <a:pathLst>
+                <a:path w="540" h="317">
+                  <a:moveTo>
+                    <a:pt x="266" y="0"/>
+                  </a:moveTo>
+                  <a:lnTo>
+                    <a:pt x="0" y="158"/>
+                  </a:lnTo>
+                  <a:lnTo>
+                    <a:pt x="266" y="317"/>
+                  </a:lnTo>
+                  <a:lnTo>
+                    <a:pt x="540" y="158"/>
+                  </a:lnTo>
+                  <a:lnTo>
+                    <a:pt x="266" y="0"/>
+                  </a:lnTo>
+                  <a:close/>
+                </a:path>
+              </a:pathLst>
+            </a:custGeom>
+            <a:gradFill flip="none" rotWithShape="1">
+              <a:gsLst>
+                <a:gs pos="20000">
+                  <a:schemeClr val="bg2">
+                    <a:lumMod val="90000"/>
+                    <a:lumOff val="10000"/>
+                    <a:alpha val="20000"/>
+                  </a:schemeClr>
+                </a:gs>
+                <a:gs pos="100000">
+                  <a:schemeClr val="accent1">
+                    <a:lumMod val="60000"/>
+                    <a:lumOff val="40000"/>
+                    <a:alpha val="20000"/>
+                  </a:schemeClr>
+                </a:gs>
+              </a:gsLst>
+              <a:lin ang="0" scaled="0"/>
+              <a:tileRect/>
+            </a:gradFill>
+            <a:ln>
+              <a:noFill/>
+            </a:ln>
+            <a:effectLst>
+              <a:innerShdw blurRad="254000">
+                <a:schemeClr val="bg2">
+                  <a:lumMod val="90000"/>
+                  <a:lumOff val="10000"/>
+                </a:schemeClr>
+              </a:innerShdw>
+            </a:effectLst>
+          </p:spPr>
+          <p:style>
+            <a:lnRef idx="2">
+              <a:schemeClr val="accent1">
+                <a:shade val="50000"/>
+              </a:schemeClr>
+            </a:lnRef>
+            <a:fillRef idx="1">
+              <a:schemeClr val="accent1"/>
+            </a:fillRef>
+            <a:effectRef idx="0">
+              <a:schemeClr val="accent1"/>
+            </a:effectRef>
+            <a:fontRef idx="minor">
+              <a:schemeClr val="lt1"/>
+            </a:fontRef>
+          </p:style>
+          <p:txBody>
+            <a:bodyPr rot="0" spcFirstLastPara="0" vertOverflow="overflow" horzOverflow="overflow" vert="horz" wrap="square" lIns="91440" tIns="45720" rIns="91440" bIns="45720" numCol="1" spcCol="0" rtlCol="0" fromWordArt="0" anchor="ctr" anchorCtr="0" forceAA="0" compatLnSpc="1">
+              <a:prstTxWarp prst="textNoShape">
+                <a:avLst/>
+              </a:prstTxWarp>
+              <a:noAutofit/>
+            </a:bodyPr>
+            <a:lstStyle/>
+            <a:p>
+              <a:pPr algn="ctr"/>
+              <a:endParaRPr lang="en-US"/>
+            </a:p>
+          </p:txBody>
+        </p:sp>
+        <p:sp>
+          <p:nvSpPr>
+            <p:cNvPr id="20" name="Freeform 6">
+              <a:extLst>
+                <a:ext uri="{FF2B5EF4-FFF2-40B4-BE49-F238E27FC236}">
+                  <a16:creationId xmlns:a16="http://schemas.microsoft.com/office/drawing/2014/main" id="{23E648A7-A02A-4DC7-9FEC-489F1BA6F77F}"/>
+                </a:ext>
+                <a:ext uri="{C183D7F6-B498-43B3-948B-1728B52AA6E4}">
+                  <adec:decorative xmlns:adec="http://schemas.microsoft.com/office/drawing/2017/decorative" val="1"/>
+                </a:ext>
+              </a:extLst>
+            </p:cNvPr>
+            <p:cNvSpPr>
+              <a:spLocks/>
+            </p:cNvSpPr>
+            <p:nvPr>
+              <p:extLst>
+                <p:ext uri="{386F3935-93C4-4BCD-93E2-E3B085C9AB24}">
+                  <p16:designElem xmlns:p16="http://schemas.microsoft.com/office/powerpoint/2015/main" val="1"/>
+                </p:ext>
+              </p:extLst>
+            </p:nvPr>
+          </p:nvSpPr>
+          <p:spPr bwMode="auto">
+            <a:xfrm rot="1800000">
+              <a:off x="5243759" y="1430747"/>
+              <a:ext cx="305942" cy="538275"/>
+            </a:xfrm>
+            <a:custGeom>
+              <a:avLst/>
+              <a:gdLst>
+                <a:gd name="T0" fmla="*/ 266 w 266"/>
+                <a:gd name="T1" fmla="*/ 468 h 468"/>
+                <a:gd name="T2" fmla="*/ 0 w 266"/>
+                <a:gd name="T3" fmla="*/ 310 h 468"/>
+                <a:gd name="T4" fmla="*/ 0 w 266"/>
+                <a:gd name="T5" fmla="*/ 310 h 468"/>
+                <a:gd name="T6" fmla="*/ 0 w 266"/>
+                <a:gd name="T7" fmla="*/ 0 h 468"/>
+                <a:gd name="T8" fmla="*/ 0 w 266"/>
+                <a:gd name="T9" fmla="*/ 0 h 468"/>
+                <a:gd name="T10" fmla="*/ 266 w 266"/>
+                <a:gd name="T11" fmla="*/ 159 h 468"/>
+                <a:gd name="T12" fmla="*/ 266 w 266"/>
+                <a:gd name="T13" fmla="*/ 468 h 468"/>
+              </a:gdLst>
+              <a:ahLst/>
+              <a:cxnLst>
+                <a:cxn ang="0">
+                  <a:pos x="T0" y="T1"/>
+                </a:cxn>
+                <a:cxn ang="0">
+                  <a:pos x="T2" y="T3"/>
+                </a:cxn>
+                <a:cxn ang="0">
+                  <a:pos x="T4" y="T5"/>
+                </a:cxn>
+                <a:cxn ang="0">
+                  <a:pos x="T6" y="T7"/>
+                </a:cxn>
+                <a:cxn ang="0">
+                  <a:pos x="T8" y="T9"/>
+                </a:cxn>
+                <a:cxn ang="0">
+                  <a:pos x="T10" y="T11"/>
+                </a:cxn>
+                <a:cxn ang="0">
+                  <a:pos x="T12" y="T13"/>
+                </a:cxn>
+              </a:cxnLst>
+              <a:rect l="0" t="0" r="r" b="b"/>
+              <a:pathLst>
+                <a:path w="266" h="468">
+                  <a:moveTo>
+                    <a:pt x="266" y="468"/>
+                  </a:moveTo>
+                  <a:lnTo>
+                    <a:pt x="0" y="310"/>
+                  </a:lnTo>
+                  <a:lnTo>
+                    <a:pt x="0" y="310"/>
+                  </a:lnTo>
+                  <a:lnTo>
+                    <a:pt x="0" y="0"/>
+                  </a:lnTo>
+                  <a:lnTo>
+                    <a:pt x="0" y="0"/>
+                  </a:lnTo>
+                  <a:lnTo>
+                    <a:pt x="266" y="159"/>
+                  </a:lnTo>
+                  <a:lnTo>
+                    <a:pt x="266" y="468"/>
+                  </a:lnTo>
+                  <a:close/>
+                </a:path>
+              </a:pathLst>
+            </a:custGeom>
+            <a:gradFill flip="none" rotWithShape="1">
+              <a:gsLst>
+                <a:gs pos="20000">
+                  <a:schemeClr val="bg2">
+                    <a:lumMod val="90000"/>
+                    <a:lumOff val="10000"/>
+                    <a:alpha val="20000"/>
+                  </a:schemeClr>
+                </a:gs>
+                <a:gs pos="100000">
+                  <a:schemeClr val="accent1">
+                    <a:lumMod val="60000"/>
+                    <a:lumOff val="40000"/>
+                    <a:alpha val="20000"/>
+                  </a:schemeClr>
+                </a:gs>
+              </a:gsLst>
+              <a:lin ang="19800000" scaled="0"/>
+              <a:tileRect/>
+            </a:gradFill>
+            <a:ln>
+              <a:noFill/>
+            </a:ln>
+            <a:effectLst>
+              <a:innerShdw blurRad="254000">
+                <a:schemeClr val="bg2">
+                  <a:lumMod val="90000"/>
+                  <a:lumOff val="10000"/>
+                </a:schemeClr>
+              </a:innerShdw>
+            </a:effectLst>
+          </p:spPr>
+          <p:style>
+            <a:lnRef idx="2">
+              <a:schemeClr val="accent1">
+                <a:shade val="50000"/>
+              </a:schemeClr>
+            </a:lnRef>
+            <a:fillRef idx="1">
+              <a:schemeClr val="accent1"/>
+            </a:fillRef>
+            <a:effectRef idx="0">
+              <a:schemeClr val="accent1"/>
+            </a:effectRef>
+            <a:fontRef idx="minor">
+              <a:schemeClr val="lt1"/>
+            </a:fontRef>
+          </p:style>
+          <p:txBody>
+            <a:bodyPr rot="0" spcFirstLastPara="0" vertOverflow="overflow" horzOverflow="overflow" vert="horz" wrap="square" lIns="91440" tIns="45720" rIns="91440" bIns="45720" numCol="1" spcCol="0" rtlCol="0" fromWordArt="0" anchor="ctr" anchorCtr="0" forceAA="0" compatLnSpc="1">
+              <a:prstTxWarp prst="textNoShape">
+                <a:avLst/>
+              </a:prstTxWarp>
+              <a:noAutofit/>
+            </a:bodyPr>
+            <a:lstStyle/>
+            <a:p>
+              <a:pPr algn="ctr"/>
+              <a:endParaRPr lang="en-US"/>
+            </a:p>
+          </p:txBody>
+        </p:sp>
+        <p:sp>
+          <p:nvSpPr>
+            <p:cNvPr id="21" name="Freeform 8">
+              <a:extLst>
+                <a:ext uri="{FF2B5EF4-FFF2-40B4-BE49-F238E27FC236}">
+                  <a16:creationId xmlns:a16="http://schemas.microsoft.com/office/drawing/2014/main" id="{4EF573B1-38BC-4C7B-894C-BE3864A04ADD}"/>
+                </a:ext>
+                <a:ext uri="{C183D7F6-B498-43B3-948B-1728B52AA6E4}">
+                  <adec:decorative xmlns:adec="http://schemas.microsoft.com/office/drawing/2017/decorative" val="1"/>
+                </a:ext>
+              </a:extLst>
+            </p:cNvPr>
+            <p:cNvSpPr>
+              <a:spLocks/>
+            </p:cNvSpPr>
+            <p:nvPr>
+              <p:extLst>
+                <p:ext uri="{386F3935-93C4-4BCD-93E2-E3B085C9AB24}">
+                  <p16:designElem xmlns:p16="http://schemas.microsoft.com/office/powerpoint/2015/main" val="1"/>
+                </p:ext>
+              </p:extLst>
+            </p:nvPr>
+          </p:nvSpPr>
+          <p:spPr bwMode="auto">
+            <a:xfrm rot="1800000">
+              <a:off x="5508097" y="1586019"/>
+              <a:ext cx="315144" cy="538275"/>
+            </a:xfrm>
+            <a:custGeom>
+              <a:avLst/>
+              <a:gdLst>
+                <a:gd name="T0" fmla="*/ 274 w 274"/>
+                <a:gd name="T1" fmla="*/ 0 h 468"/>
+                <a:gd name="T2" fmla="*/ 274 w 274"/>
+                <a:gd name="T3" fmla="*/ 310 h 468"/>
+                <a:gd name="T4" fmla="*/ 274 w 274"/>
+                <a:gd name="T5" fmla="*/ 310 h 468"/>
+                <a:gd name="T6" fmla="*/ 0 w 274"/>
+                <a:gd name="T7" fmla="*/ 468 h 468"/>
+                <a:gd name="T8" fmla="*/ 0 w 274"/>
+                <a:gd name="T9" fmla="*/ 159 h 468"/>
+                <a:gd name="T10" fmla="*/ 274 w 274"/>
+                <a:gd name="T11" fmla="*/ 0 h 468"/>
+                <a:gd name="T12" fmla="*/ 274 w 274"/>
+                <a:gd name="T13" fmla="*/ 0 h 468"/>
+              </a:gdLst>
+              <a:ahLst/>
+              <a:cxnLst>
+                <a:cxn ang="0">
+                  <a:pos x="T0" y="T1"/>
+                </a:cxn>
+                <a:cxn ang="0">
+                  <a:pos x="T2" y="T3"/>
+                </a:cxn>
+                <a:cxn ang="0">
+                  <a:pos x="T4" y="T5"/>
+                </a:cxn>
+                <a:cxn ang="0">
+                  <a:pos x="T6" y="T7"/>
+                </a:cxn>
+                <a:cxn ang="0">
+                  <a:pos x="T8" y="T9"/>
+                </a:cxn>
+                <a:cxn ang="0">
+                  <a:pos x="T10" y="T11"/>
+                </a:cxn>
+                <a:cxn ang="0">
+                  <a:pos x="T12" y="T13"/>
+                </a:cxn>
+              </a:cxnLst>
+              <a:rect l="0" t="0" r="r" b="b"/>
+              <a:pathLst>
+                <a:path w="274" h="468">
+                  <a:moveTo>
+                    <a:pt x="274" y="0"/>
+                  </a:moveTo>
+                  <a:lnTo>
+                    <a:pt x="274" y="310"/>
+                  </a:lnTo>
+                  <a:lnTo>
+                    <a:pt x="274" y="310"/>
+                  </a:lnTo>
+                  <a:lnTo>
+                    <a:pt x="0" y="468"/>
+                  </a:lnTo>
+                  <a:lnTo>
+                    <a:pt x="0" y="159"/>
+                  </a:lnTo>
+                  <a:lnTo>
+                    <a:pt x="274" y="0"/>
+                  </a:lnTo>
+                  <a:lnTo>
+                    <a:pt x="274" y="0"/>
+                  </a:lnTo>
+                  <a:close/>
+                </a:path>
+              </a:pathLst>
+            </a:custGeom>
+            <a:gradFill flip="none" rotWithShape="1">
+              <a:gsLst>
+                <a:gs pos="20000">
+                  <a:schemeClr val="bg2">
+                    <a:lumMod val="90000"/>
+                    <a:lumOff val="10000"/>
+                    <a:alpha val="20000"/>
+                  </a:schemeClr>
+                </a:gs>
+                <a:gs pos="100000">
+                  <a:schemeClr val="accent1">
+                    <a:lumMod val="60000"/>
+                    <a:lumOff val="40000"/>
+                    <a:alpha val="20000"/>
+                  </a:schemeClr>
+                </a:gs>
+              </a:gsLst>
+              <a:lin ang="18000000" scaled="0"/>
+              <a:tileRect/>
+            </a:gradFill>
+            <a:ln>
+              <a:noFill/>
+            </a:ln>
+            <a:effectLst>
+              <a:innerShdw blurRad="254000">
+                <a:schemeClr val="accent1">
+                  <a:lumMod val="60000"/>
+                  <a:lumOff val="40000"/>
+                  <a:alpha val="60000"/>
+                </a:schemeClr>
+              </a:innerShdw>
+            </a:effectLst>
+          </p:spPr>
+          <p:style>
+            <a:lnRef idx="2">
+              <a:schemeClr val="accent1">
+                <a:shade val="50000"/>
+              </a:schemeClr>
+            </a:lnRef>
+            <a:fillRef idx="1">
+              <a:schemeClr val="accent1"/>
+            </a:fillRef>
+            <a:effectRef idx="0">
+              <a:schemeClr val="accent1"/>
+            </a:effectRef>
+            <a:fontRef idx="minor">
+              <a:schemeClr val="lt1"/>
+            </a:fontRef>
+          </p:style>
+          <p:txBody>
+            <a:bodyPr rot="0" spcFirstLastPara="0" vertOverflow="overflow" horzOverflow="overflow" vert="horz" wrap="square" lIns="91440" tIns="45720" rIns="91440" bIns="45720" numCol="1" spcCol="0" rtlCol="0" fromWordArt="0" anchor="ctr" anchorCtr="0" forceAA="0" compatLnSpc="1">
+              <a:prstTxWarp prst="textNoShape">
+                <a:avLst/>
+              </a:prstTxWarp>
+              <a:noAutofit/>
+            </a:bodyPr>
+            <a:lstStyle/>
+            <a:p>
+              <a:pPr algn="ctr"/>
+              <a:endParaRPr lang="en-US"/>
+            </a:p>
+          </p:txBody>
+        </p:sp>
+      </p:grpSp>
       <p:sp>
         <p:nvSpPr>
-          <p:cNvPr id="11" name="Oval 10">
+          <p:cNvPr id="23" name="Oval 22">
             <a:extLst>
               <a:ext uri="{FF2B5EF4-FFF2-40B4-BE49-F238E27FC236}">
-                <a16:creationId xmlns:a16="http://schemas.microsoft.com/office/drawing/2014/main" id="{C5D31EF7-7A67-43B2-8B5E-B4A6241B1A83}"/>
+                <a16:creationId xmlns:a16="http://schemas.microsoft.com/office/drawing/2014/main" id="{647A77D8-817B-4A9F-86AA-FE781E813DBC}"/>
               </a:ext>
               <a:ext uri="{C183D7F6-B498-43B3-948B-1728B52AA6E4}">
                 <adec:decorative xmlns:adec="http://schemas.microsoft.com/office/drawing/2017/decorative" val="1"/>
@@ -20662,8 +26993,8 @@
         </p:nvSpPr>
         <p:spPr>
           <a:xfrm>
-            <a:off x="783613" y="3602837"/>
-            <a:ext cx="360000" cy="360000"/>
+            <a:off x="5668780" y="5059009"/>
+            <a:ext cx="1080000" cy="1080000"/>
           </a:xfrm>
           <a:prstGeom prst="ellipse">
             <a:avLst/>
@@ -20677,7 +27008,9 @@
                 </a:schemeClr>
               </a:gs>
               <a:gs pos="60000">
-                <a:schemeClr val="bg2"/>
+                <a:schemeClr val="bg2">
+                  <a:lumMod val="100000"/>
+                </a:schemeClr>
               </a:gs>
             </a:gsLst>
             <a:path path="circle">
@@ -20689,11 +27022,11 @@
             <a:noFill/>
           </a:ln>
           <a:effectLst>
-            <a:innerShdw blurRad="127000" dist="63500" dir="2700000">
+            <a:innerShdw blurRad="254000" dist="127000" dir="2700000">
               <a:schemeClr val="accent1">
                 <a:lumMod val="60000"/>
                 <a:lumOff val="40000"/>
-                <a:alpha val="20000"/>
+                <a:alpha val="40000"/>
               </a:schemeClr>
             </a:innerShdw>
             <a:softEdge rad="0"/>
@@ -20729,77 +27062,6 @@
           </a:p>
         </p:txBody>
       </p:sp>
-      <p:sp>
-        <p:nvSpPr>
-          <p:cNvPr id="3" name="Zástupný obsah 2">
-            <a:extLst>
-              <a:ext uri="{FF2B5EF4-FFF2-40B4-BE49-F238E27FC236}">
-                <a16:creationId xmlns:a16="http://schemas.microsoft.com/office/drawing/2014/main" id="{99BB823C-A0B7-E116-5346-40913E56961F}"/>
-              </a:ext>
-            </a:extLst>
-          </p:cNvPr>
-          <p:cNvSpPr>
-            <a:spLocks noGrp="1"/>
-          </p:cNvSpPr>
-          <p:nvPr>
-            <p:ph idx="1"/>
-          </p:nvPr>
-        </p:nvSpPr>
-        <p:spPr>
-          <a:xfrm>
-            <a:off x="5267325" y="4508500"/>
-            <a:ext cx="6373813" cy="1562959"/>
-          </a:xfrm>
-        </p:spPr>
-        <p:txBody>
-          <a:bodyPr anchor="t">
-            <a:normAutofit/>
-          </a:bodyPr>
-          <a:lstStyle/>
-          <a:p>
-            <a:pPr marL="0" indent="0">
-              <a:lnSpc>
-                <a:spcPct val="100000"/>
-              </a:lnSpc>
-              <a:buNone/>
-            </a:pPr>
-            <a:endParaRPr lang="cs-CZ" sz="1400"/>
-          </a:p>
-          <a:p>
-            <a:pPr>
-              <a:lnSpc>
-                <a:spcPct val="100000"/>
-              </a:lnSpc>
-            </a:pPr>
-            <a:r>
-              <a:rPr lang="cs-CZ" sz="1400"/>
-              <a:t>V takzvaných IDE se programuje </a:t>
-            </a:r>
-          </a:p>
-          <a:p>
-            <a:pPr>
-              <a:lnSpc>
-                <a:spcPct val="100000"/>
-              </a:lnSpc>
-            </a:pPr>
-            <a:r>
-              <a:rPr lang="cs-CZ" sz="1400"/>
-              <a:t>Jeden z nejpopulárnějších IDE je Visual Studio od Microsoftu</a:t>
-            </a:r>
-          </a:p>
-          <a:p>
-            <a:pPr>
-              <a:lnSpc>
-                <a:spcPct val="100000"/>
-              </a:lnSpc>
-            </a:pPr>
-            <a:r>
-              <a:rPr lang="cs-CZ" sz="1400"/>
-              <a:t>Je několik set IDE pro hodně jazyků</a:t>
-            </a:r>
-          </a:p>
-        </p:txBody>
-      </p:sp>
     </p:spTree>
     <p:extLst>
       <p:ext uri="{BB962C8B-B14F-4D97-AF65-F5344CB8AC3E}">
@@ -20813,7 +27075,7 @@
 </p:sld>
 </file>
 
-<file path=ppt/slides/slide6.xml><?xml version="1.0" encoding="utf-8"?>
+<file path=ppt/slides/slide8.xml><?xml version="1.0" encoding="utf-8"?>
 <p:sld xmlns:a="http://schemas.openxmlformats.org/drawingml/2006/main" xmlns:r="http://schemas.openxmlformats.org/officeDocument/2006/relationships" xmlns:p="http://schemas.openxmlformats.org/presentationml/2006/main">
   <p:cSld>
     <p:bg>
@@ -21572,7 +27834,7 @@
 </p:sld>
 </file>
 
-<file path=ppt/slides/slide7.xml><?xml version="1.0" encoding="utf-8"?>
+<file path=ppt/slides/slide9.xml><?xml version="1.0" encoding="utf-8"?>
 <p:sld xmlns:a="http://schemas.openxmlformats.org/drawingml/2006/main" xmlns:r="http://schemas.openxmlformats.org/officeDocument/2006/relationships" xmlns:p="http://schemas.openxmlformats.org/presentationml/2006/main">
   <p:cSld>
     <p:bg>
@@ -21909,432 +28171,6 @@
     <p:extLst>
       <p:ext uri="{BB962C8B-B14F-4D97-AF65-F5344CB8AC3E}">
         <p14:creationId xmlns:p14="http://schemas.microsoft.com/office/powerpoint/2010/main" val="735842697"/>
-      </p:ext>
-    </p:extLst>
-  </p:cSld>
-  <p:clrMapOvr>
-    <a:masterClrMapping/>
-  </p:clrMapOvr>
-</p:sld>
-</file>
-
-<file path=ppt/slides/slide8.xml><?xml version="1.0" encoding="utf-8"?>
-<p:sld xmlns:a="http://schemas.openxmlformats.org/drawingml/2006/main" xmlns:r="http://schemas.openxmlformats.org/officeDocument/2006/relationships" xmlns:p="http://schemas.openxmlformats.org/presentationml/2006/main">
-  <p:cSld>
-    <p:bg>
-      <p:bgPr>
-        <a:solidFill>
-          <a:schemeClr val="bg2"/>
-        </a:solidFill>
-        <a:effectLst/>
-      </p:bgPr>
-    </p:bg>
-    <p:spTree>
-      <p:nvGrpSpPr>
-        <p:cNvPr id="1" name=""/>
-        <p:cNvGrpSpPr/>
-        <p:nvPr/>
-      </p:nvGrpSpPr>
-      <p:grpSpPr>
-        <a:xfrm>
-          <a:off x="0" y="0"/>
-          <a:ext cx="0" cy="0"/>
-          <a:chOff x="0" y="0"/>
-          <a:chExt cx="0" cy="0"/>
-        </a:xfrm>
-      </p:grpSpPr>
-      <p:sp useBgFill="1">
-        <p:nvSpPr>
-          <p:cNvPr id="13" name="Rectangle 12">
-            <a:extLst>
-              <a:ext uri="{FF2B5EF4-FFF2-40B4-BE49-F238E27FC236}">
-                <a16:creationId xmlns:a16="http://schemas.microsoft.com/office/drawing/2014/main" id="{A5931BE0-4B93-4D6C-878E-ACC59D6B4587}"/>
-              </a:ext>
-              <a:ext uri="{C183D7F6-B498-43B3-948B-1728B52AA6E4}">
-                <adec:decorative xmlns:adec="http://schemas.microsoft.com/office/drawing/2017/decorative" val="1"/>
-              </a:ext>
-            </a:extLst>
-          </p:cNvPr>
-          <p:cNvSpPr>
-            <a:spLocks noGrp="1" noRot="1" noChangeAspect="1" noMove="1" noResize="1" noEditPoints="1" noAdjustHandles="1" noChangeArrowheads="1" noChangeShapeType="1" noTextEdit="1"/>
-          </p:cNvSpPr>
-          <p:nvPr>
-            <p:extLst>
-              <p:ext uri="{386F3935-93C4-4BCD-93E2-E3B085C9AB24}">
-                <p16:designElem xmlns:p16="http://schemas.microsoft.com/office/powerpoint/2015/main" val="1"/>
-              </p:ext>
-            </p:extLst>
-          </p:nvPr>
-        </p:nvSpPr>
-        <p:spPr>
-          <a:xfrm>
-            <a:off x="0" y="0"/>
-            <a:ext cx="12192000" cy="6858000"/>
-          </a:xfrm>
-          <a:prstGeom prst="rect">
-            <a:avLst/>
-          </a:prstGeom>
-          <a:ln w="12700" cap="flat" cmpd="sng" algn="ctr">
-            <a:noFill/>
-            <a:prstDash val="solid"/>
-            <a:miter lim="800000"/>
-          </a:ln>
-          <a:effectLst/>
-          <a:extLst>
-            <a:ext uri="{91240B29-F687-4F45-9708-019B960494DF}">
-              <a14:hiddenLine xmlns:a14="http://schemas.microsoft.com/office/drawing/2010/main" w="12700" cap="flat" cmpd="sng" algn="ctr">
-                <a:solidFill>
-                  <a:schemeClr val="accent1">
-                    <a:shade val="50000"/>
-                  </a:schemeClr>
-                </a:solidFill>
-                <a:prstDash val="solid"/>
-                <a:miter lim="800000"/>
-              </a14:hiddenLine>
-            </a:ext>
-          </a:extLst>
-        </p:spPr>
-        <p:style>
-          <a:lnRef idx="2">
-            <a:schemeClr val="accent1">
-              <a:shade val="50000"/>
-            </a:schemeClr>
-          </a:lnRef>
-          <a:fillRef idx="1">
-            <a:schemeClr val="accent1"/>
-          </a:fillRef>
-          <a:effectRef idx="0">
-            <a:schemeClr val="accent1"/>
-          </a:effectRef>
-          <a:fontRef idx="minor">
-            <a:schemeClr val="lt1"/>
-          </a:fontRef>
-        </p:style>
-        <p:txBody>
-          <a:bodyPr rtlCol="0" anchor="ctr"/>
-          <a:lstStyle/>
-          <a:p>
-            <a:pPr algn="ctr"/>
-            <a:endParaRPr lang="en-US"/>
-          </a:p>
-        </p:txBody>
-      </p:sp>
-      <p:sp>
-        <p:nvSpPr>
-          <p:cNvPr id="2" name="Nadpis 1">
-            <a:extLst>
-              <a:ext uri="{FF2B5EF4-FFF2-40B4-BE49-F238E27FC236}">
-                <a16:creationId xmlns:a16="http://schemas.microsoft.com/office/drawing/2014/main" id="{414F90D9-AB0C-477A-B74E-6FFB7D667A0D}"/>
-              </a:ext>
-            </a:extLst>
-          </p:cNvPr>
-          <p:cNvSpPr>
-            <a:spLocks noGrp="1"/>
-          </p:cNvSpPr>
-          <p:nvPr>
-            <p:ph type="title"/>
-          </p:nvPr>
-        </p:nvSpPr>
-        <p:spPr>
-          <a:xfrm>
-            <a:off x="550864" y="549275"/>
-            <a:ext cx="3565524" cy="1997855"/>
-          </a:xfrm>
-        </p:spPr>
-        <p:txBody>
-          <a:bodyPr wrap="square" anchor="b">
-            <a:normAutofit/>
-          </a:bodyPr>
-          <a:lstStyle/>
-          <a:p>
-            <a:r>
-              <a:rPr lang="cs-CZ"/>
-              <a:t>Operátory porovnání</a:t>
-            </a:r>
-            <a:endParaRPr lang="cs-CZ" dirty="0"/>
-          </a:p>
-        </p:txBody>
-      </p:sp>
-      <p:sp>
-        <p:nvSpPr>
-          <p:cNvPr id="3" name="Zástupný obsah 2">
-            <a:extLst>
-              <a:ext uri="{FF2B5EF4-FFF2-40B4-BE49-F238E27FC236}">
-                <a16:creationId xmlns:a16="http://schemas.microsoft.com/office/drawing/2014/main" id="{6628915E-E4FC-4B3C-A85D-6A9D18AE4DBE}"/>
-              </a:ext>
-            </a:extLst>
-          </p:cNvPr>
-          <p:cNvSpPr>
-            <a:spLocks noGrp="1"/>
-          </p:cNvSpPr>
-          <p:nvPr>
-            <p:ph idx="1"/>
-          </p:nvPr>
-        </p:nvSpPr>
-        <p:spPr>
-          <a:xfrm>
-            <a:off x="550863" y="2678400"/>
-            <a:ext cx="3565525" cy="3414425"/>
-          </a:xfrm>
-        </p:spPr>
-        <p:txBody>
-          <a:bodyPr anchor="t">
-            <a:normAutofit/>
-          </a:bodyPr>
-          <a:lstStyle/>
-          <a:p>
-            <a:r>
-              <a:rPr lang="en-US" sz="1600"/>
-              <a:t>&gt; , &gt;= </a:t>
-            </a:r>
-            <a:r>
-              <a:rPr lang="cs-CZ" sz="1600"/>
-              <a:t>(větší, či rovno)</a:t>
-            </a:r>
-            <a:endParaRPr lang="en-US" sz="1600"/>
-          </a:p>
-          <a:p>
-            <a:r>
-              <a:rPr lang="en-US" sz="1600"/>
-              <a:t>&lt; , &lt;=</a:t>
-            </a:r>
-            <a:r>
-              <a:rPr lang="cs-CZ" sz="1600"/>
-              <a:t> (menší, či rovno)</a:t>
-            </a:r>
-            <a:endParaRPr lang="en-US" sz="1600"/>
-          </a:p>
-          <a:p>
-            <a:r>
-              <a:rPr lang="en-US" sz="1600"/>
-              <a:t>==</a:t>
-            </a:r>
-            <a:r>
-              <a:rPr lang="cs-CZ" sz="1600"/>
-              <a:t> (rovno)</a:t>
-            </a:r>
-            <a:endParaRPr lang="en-US" sz="1600"/>
-          </a:p>
-          <a:p>
-            <a:r>
-              <a:rPr lang="en-US" sz="1600"/>
-              <a:t>!=</a:t>
-            </a:r>
-            <a:r>
-              <a:rPr lang="cs-CZ" sz="1600"/>
-              <a:t> (nerovno)</a:t>
-            </a:r>
-            <a:endParaRPr lang="en-US" sz="1600"/>
-          </a:p>
-          <a:p>
-            <a:r>
-              <a:rPr lang="en-US" sz="1600"/>
-              <a:t>&amp;&amp;</a:t>
-            </a:r>
-            <a:r>
-              <a:rPr lang="cs-CZ" sz="1600"/>
-              <a:t> (logické AND)</a:t>
-            </a:r>
-            <a:endParaRPr lang="en-US" sz="1600"/>
-          </a:p>
-          <a:p>
-            <a:r>
-              <a:rPr lang="en-US" sz="1600"/>
-              <a:t>II</a:t>
-            </a:r>
-            <a:r>
-              <a:rPr lang="cs-CZ" sz="1600"/>
-              <a:t> (logické OR)</a:t>
-            </a:r>
-            <a:endParaRPr lang="en-US" sz="1600"/>
-          </a:p>
-          <a:p>
-            <a:r>
-              <a:rPr lang="en-US" sz="1600"/>
-              <a:t>!</a:t>
-            </a:r>
-            <a:r>
-              <a:rPr lang="cs-CZ" sz="1600"/>
-              <a:t> (logické NOT)</a:t>
-            </a:r>
-            <a:endParaRPr lang="en-US" sz="1600"/>
-          </a:p>
-        </p:txBody>
-      </p:sp>
-      <p:pic>
-        <p:nvPicPr>
-          <p:cNvPr id="5" name="Picture 4" descr="Vzorce napsané na tabuli">
-            <a:extLst>
-              <a:ext uri="{FF2B5EF4-FFF2-40B4-BE49-F238E27FC236}">
-                <a16:creationId xmlns:a16="http://schemas.microsoft.com/office/drawing/2014/main" id="{412ED09A-A5CC-B75E-79DA-8CA80416DFFA}"/>
-              </a:ext>
-            </a:extLst>
-          </p:cNvPr>
-          <p:cNvPicPr>
-            <a:picLocks noChangeAspect="1"/>
-          </p:cNvPicPr>
-          <p:nvPr/>
-        </p:nvPicPr>
-        <p:blipFill rotWithShape="1">
-          <a:blip r:embed="rId3"/>
-          <a:srcRect r="20058"/>
-          <a:stretch/>
-        </p:blipFill>
-        <p:spPr>
-          <a:xfrm>
-            <a:off x="4743451" y="549275"/>
-            <a:ext cx="6897687" cy="5759451"/>
-          </a:xfrm>
-          <a:custGeom>
-            <a:avLst/>
-            <a:gdLst/>
-            <a:ahLst/>
-            <a:cxnLst/>
-            <a:rect l="l" t="t" r="r" b="b"/>
-            <a:pathLst>
-              <a:path w="6897687" h="5759451">
-                <a:moveTo>
-                  <a:pt x="0" y="0"/>
-                </a:moveTo>
-                <a:lnTo>
-                  <a:pt x="6897687" y="0"/>
-                </a:lnTo>
-                <a:lnTo>
-                  <a:pt x="6897687" y="5759451"/>
-                </a:lnTo>
-                <a:lnTo>
-                  <a:pt x="0" y="5759451"/>
-                </a:lnTo>
-                <a:close/>
-              </a:path>
-            </a:pathLst>
-          </a:custGeom>
-        </p:spPr>
-      </p:pic>
-    </p:spTree>
-    <p:extLst>
-      <p:ext uri="{BB962C8B-B14F-4D97-AF65-F5344CB8AC3E}">
-        <p14:creationId xmlns:p14="http://schemas.microsoft.com/office/powerpoint/2010/main" val="2667914074"/>
-      </p:ext>
-    </p:extLst>
-  </p:cSld>
-  <p:clrMapOvr>
-    <a:masterClrMapping/>
-  </p:clrMapOvr>
-</p:sld>
-</file>
-
-<file path=ppt/slides/slide9.xml><?xml version="1.0" encoding="utf-8"?>
-<p:sld xmlns:a="http://schemas.openxmlformats.org/drawingml/2006/main" xmlns:r="http://schemas.openxmlformats.org/officeDocument/2006/relationships" xmlns:p="http://schemas.openxmlformats.org/presentationml/2006/main">
-  <p:cSld>
-    <p:spTree>
-      <p:nvGrpSpPr>
-        <p:cNvPr id="1" name=""/>
-        <p:cNvGrpSpPr/>
-        <p:nvPr/>
-      </p:nvGrpSpPr>
-      <p:grpSpPr>
-        <a:xfrm>
-          <a:off x="0" y="0"/>
-          <a:ext cx="0" cy="0"/>
-          <a:chOff x="0" y="0"/>
-          <a:chExt cx="0" cy="0"/>
-        </a:xfrm>
-      </p:grpSpPr>
-      <p:sp>
-        <p:nvSpPr>
-          <p:cNvPr id="2" name="Nadpis 1">
-            <a:extLst>
-              <a:ext uri="{FF2B5EF4-FFF2-40B4-BE49-F238E27FC236}">
-                <a16:creationId xmlns:a16="http://schemas.microsoft.com/office/drawing/2014/main" id="{F50DC4A9-917A-40A9-ACA4-F45C09C35C9D}"/>
-              </a:ext>
-            </a:extLst>
-          </p:cNvPr>
-          <p:cNvSpPr>
-            <a:spLocks noGrp="1"/>
-          </p:cNvSpPr>
-          <p:nvPr>
-            <p:ph type="title"/>
-          </p:nvPr>
-        </p:nvSpPr>
-        <p:spPr/>
-        <p:txBody>
-          <a:bodyPr/>
-          <a:lstStyle/>
-          <a:p>
-            <a:r>
-              <a:rPr lang="cs-CZ" dirty="0"/>
-              <a:t>Řídící příkazy</a:t>
-            </a:r>
-          </a:p>
-        </p:txBody>
-      </p:sp>
-      <p:sp>
-        <p:nvSpPr>
-          <p:cNvPr id="3" name="Zástupný obsah 2">
-            <a:extLst>
-              <a:ext uri="{FF2B5EF4-FFF2-40B4-BE49-F238E27FC236}">
-                <a16:creationId xmlns:a16="http://schemas.microsoft.com/office/drawing/2014/main" id="{38505BAD-3071-474B-B2C3-A4256EBCF17E}"/>
-              </a:ext>
-            </a:extLst>
-          </p:cNvPr>
-          <p:cNvSpPr>
-            <a:spLocks noGrp="1"/>
-          </p:cNvSpPr>
-          <p:nvPr>
-            <p:ph idx="1"/>
-          </p:nvPr>
-        </p:nvSpPr>
-        <p:spPr/>
-        <p:txBody>
-          <a:bodyPr/>
-          <a:lstStyle/>
-          <a:p>
-            <a:r>
-              <a:rPr lang="cs-CZ" dirty="0" err="1"/>
-              <a:t>If</a:t>
-            </a:r>
-            <a:r>
-              <a:rPr lang="cs-CZ" dirty="0"/>
-              <a:t> – pokud</a:t>
-            </a:r>
-          </a:p>
-          <a:p>
-            <a:r>
-              <a:rPr lang="cs-CZ" dirty="0" err="1"/>
-              <a:t>If</a:t>
-            </a:r>
-            <a:r>
-              <a:rPr lang="cs-CZ" dirty="0"/>
-              <a:t> </a:t>
-            </a:r>
-            <a:r>
-              <a:rPr lang="cs-CZ" dirty="0" err="1"/>
-              <a:t>else</a:t>
-            </a:r>
-            <a:r>
-              <a:rPr lang="cs-CZ" dirty="0"/>
-              <a:t> – pokud jinak</a:t>
-            </a:r>
-          </a:p>
-          <a:p>
-            <a:r>
-              <a:rPr lang="cs-CZ" dirty="0"/>
-              <a:t>Switch – výběr z několika větví programu</a:t>
-            </a:r>
-          </a:p>
-          <a:p>
-            <a:pPr marL="0" indent="0">
-              <a:buNone/>
-            </a:pPr>
-            <a:endParaRPr lang="cs-CZ" dirty="0"/>
-          </a:p>
-        </p:txBody>
-      </p:sp>
-    </p:spTree>
-    <p:extLst>
-      <p:ext uri="{BB962C8B-B14F-4D97-AF65-F5344CB8AC3E}">
-        <p14:creationId xmlns:p14="http://schemas.microsoft.com/office/powerpoint/2010/main" val="3684947238"/>
       </p:ext>
     </p:extLst>
   </p:cSld>

--- a/Programovací-jazyk-C.pptx
+++ b/Programovací-jazyk-C.pptx
@@ -5,7 +5,7 @@
     <p:sldMasterId id="2147483722" r:id="rId1"/>
   </p:sldMasterIdLst>
   <p:notesMasterIdLst>
-    <p:notesMasterId r:id="rId19"/>
+    <p:notesMasterId r:id="rId22"/>
   </p:notesMasterIdLst>
   <p:sldIdLst>
     <p:sldId id="256" r:id="rId2"/>
@@ -25,6 +25,9 @@
     <p:sldId id="269" r:id="rId16"/>
     <p:sldId id="270" r:id="rId17"/>
     <p:sldId id="271" r:id="rId18"/>
+    <p:sldId id="275" r:id="rId19"/>
+    <p:sldId id="276" r:id="rId20"/>
+    <p:sldId id="277" r:id="rId21"/>
   </p:sldIdLst>
   <p:sldSz cx="12192000" cy="6858000"/>
   <p:notesSz cx="6858000" cy="9144000"/>
@@ -3158,7 +3161,7 @@
 <dgm:dataModel xmlns:dgm="http://schemas.openxmlformats.org/drawingml/2006/diagram" xmlns:a="http://schemas.openxmlformats.org/drawingml/2006/main">
   <dgm:ptLst>
     <dgm:pt modelId="{7B9F34DC-F05A-4451-B50D-2A13B585A3B0}" type="doc">
-      <dgm:prSet loTypeId="urn:microsoft.com/office/officeart/2008/layout/LinedList" loCatId="list" qsTypeId="urn:microsoft.com/office/officeart/2005/8/quickstyle/simple1" qsCatId="simple" csTypeId="urn:microsoft.com/office/officeart/2005/8/colors/colorful2" csCatId="colorful"/>
+      <dgm:prSet loTypeId="urn:microsoft.com/office/officeart/2008/layout/LinedList" loCatId="list" qsTypeId="urn:microsoft.com/office/officeart/2005/8/quickstyle/simple1" qsCatId="simple" csTypeId="urn:microsoft.com/office/officeart/2005/8/colors/colorful2" csCatId="colorful" phldr="1"/>
       <dgm:spPr/>
       <dgm:t>
         <a:bodyPr/>
@@ -3176,10 +3179,10 @@
         <a:lstStyle/>
         <a:p>
           <a:r>
-            <a:rPr lang="cs-CZ"/>
+            <a:rPr lang="cs-CZ" dirty="0"/>
             <a:t>Jeden z nejpopulárnějších jazyků</a:t>
           </a:r>
-          <a:endParaRPr lang="en-US"/>
+          <a:endParaRPr lang="en-US" dirty="0"/>
         </a:p>
       </dgm:t>
     </dgm:pt>
@@ -3287,10 +3290,14 @@
         <a:lstStyle/>
         <a:p>
           <a:r>
-            <a:rPr lang="cs-CZ"/>
-            <a:t>Zápis mnohem čitelnější než v Assembly</a:t>
+            <a:rPr lang="cs-CZ" dirty="0"/>
+            <a:t>Zápis mnohem čitelnější než v </a:t>
           </a:r>
-          <a:endParaRPr lang="en-US"/>
+          <a:r>
+            <a:rPr lang="cs-CZ" dirty="0" err="1"/>
+            <a:t>Assembly</a:t>
+          </a:r>
+          <a:endParaRPr lang="en-US" dirty="0"/>
         </a:p>
       </dgm:t>
     </dgm:pt>
@@ -3324,10 +3331,26 @@
         <a:lstStyle/>
         <a:p>
           <a:r>
-            <a:rPr lang="cs-CZ"/>
-            <a:t>Hodně moderních programovácích přebralo způsob zápisů</a:t>
+            <a:rPr lang="cs-CZ" dirty="0"/>
+            <a:t>Hodně moderních </a:t>
           </a:r>
-          <a:endParaRPr lang="en-US"/>
+          <a:r>
+            <a:rPr lang="cs-CZ" dirty="0" err="1"/>
+            <a:t>programovácích</a:t>
+          </a:r>
+          <a:r>
+            <a:rPr lang="cs-CZ" dirty="0"/>
+            <a:t> </a:t>
+          </a:r>
+          <a:r>
+            <a:rPr lang="cs-CZ" dirty="0" err="1"/>
+            <a:t>jayzků</a:t>
+          </a:r>
+          <a:r>
+            <a:rPr lang="cs-CZ" dirty="0"/>
+            <a:t> přebralo způsob zápisů</a:t>
+          </a:r>
+          <a:endParaRPr lang="en-US" dirty="0"/>
         </a:p>
       </dgm:t>
     </dgm:pt>
@@ -3568,10 +3591,10 @@
         <a:lstStyle/>
         <a:p>
           <a:r>
-            <a:rPr lang="cs-CZ"/>
+            <a:rPr lang="cs-CZ" dirty="0"/>
             <a:t>Vyvinut v Bellových laboratořích</a:t>
           </a:r>
-          <a:endParaRPr lang="en-US"/>
+          <a:endParaRPr lang="en-US" dirty="0"/>
         </a:p>
       </dgm:t>
     </dgm:pt>
@@ -3679,10 +3702,18 @@
         <a:lstStyle/>
         <a:p>
           <a:r>
-            <a:rPr lang="cs-CZ"/>
-            <a:t>Použit pro jádro Unixu aby mohl být použit na více PC – Ken Thompson</a:t>
+            <a:rPr lang="cs-CZ" dirty="0"/>
+            <a:t>Použit pro jádro Unixu aby mohl být použit na více PC – </a:t>
           </a:r>
-          <a:endParaRPr lang="en-US"/>
+          <a:r>
+            <a:rPr lang="cs-CZ" dirty="0" err="1"/>
+            <a:t>Ken</a:t>
+          </a:r>
+          <a:r>
+            <a:rPr lang="cs-CZ" dirty="0"/>
+            <a:t> Thompson</a:t>
+          </a:r>
+          <a:endParaRPr lang="en-US" dirty="0"/>
         </a:p>
       </dgm:t>
     </dgm:pt>
@@ -3716,10 +3747,10 @@
         <a:lstStyle/>
         <a:p>
           <a:r>
-            <a:rPr lang="cs-CZ"/>
+            <a:rPr lang="cs-CZ" dirty="0"/>
             <a:t>V 80. letech se stal nejpopulárnějším jazykem pro programování</a:t>
           </a:r>
-          <a:endParaRPr lang="en-US"/>
+          <a:endParaRPr lang="en-US" dirty="0"/>
         </a:p>
       </dgm:t>
     </dgm:pt>
@@ -4093,10 +4124,10 @@
         <a:lstStyle/>
         <a:p>
           <a:r>
-            <a:rPr lang="cs-CZ"/>
+            <a:rPr lang="cs-CZ" dirty="0"/>
             <a:t>Double – skladuje i desetinná čísla až po 15 desetinných míst</a:t>
           </a:r>
-          <a:endParaRPr lang="en-US"/>
+          <a:endParaRPr lang="en-US" dirty="0"/>
         </a:p>
       </dgm:t>
     </dgm:pt>
@@ -4293,10 +4324,10 @@
         <a:lstStyle/>
         <a:p>
           <a:r>
-            <a:rPr lang="cs-CZ"/>
+            <a:rPr lang="cs-CZ" dirty="0"/>
             <a:t>Velmi dobrý jazyk pro programátory sofistikovaných software systémů</a:t>
           </a:r>
-          <a:endParaRPr lang="en-US"/>
+          <a:endParaRPr lang="en-US" dirty="0"/>
         </a:p>
       </dgm:t>
     </dgm:pt>
@@ -4367,10 +4398,10 @@
         <a:lstStyle/>
         <a:p>
           <a:r>
-            <a:rPr lang="cs-CZ"/>
+            <a:rPr lang="cs-CZ" dirty="0"/>
             <a:t>Je rychlý a účinný</a:t>
           </a:r>
-          <a:endParaRPr lang="en-US"/>
+          <a:endParaRPr lang="en-US" dirty="0"/>
         </a:p>
       </dgm:t>
     </dgm:pt>
@@ -4653,10 +4684,10 @@
             <a:buNone/>
           </a:pPr>
           <a:r>
-            <a:rPr lang="cs-CZ" sz="2600" kern="1200"/>
+            <a:rPr lang="cs-CZ" sz="2600" kern="1200" dirty="0"/>
             <a:t>Jeden z nejpopulárnějších jazyků</a:t>
           </a:r>
-          <a:endParaRPr lang="en-US" sz="2600" kern="1200"/>
+          <a:endParaRPr lang="en-US" sz="2600" kern="1200" dirty="0"/>
         </a:p>
       </dsp:txBody>
       <dsp:txXfrm>
@@ -4986,10 +5017,14 @@
             <a:buNone/>
           </a:pPr>
           <a:r>
-            <a:rPr lang="cs-CZ" sz="2600" kern="1200"/>
-            <a:t>Zápis mnohem čitelnější než v Assembly</a:t>
+            <a:rPr lang="cs-CZ" sz="2600" kern="1200" dirty="0"/>
+            <a:t>Zápis mnohem čitelnější než v </a:t>
           </a:r>
-          <a:endParaRPr lang="en-US" sz="2600" kern="1200"/>
+          <a:r>
+            <a:rPr lang="cs-CZ" sz="2600" kern="1200" dirty="0" err="1"/>
+            <a:t>Assembly</a:t>
+          </a:r>
+          <a:endParaRPr lang="en-US" sz="2600" kern="1200" dirty="0"/>
         </a:p>
       </dsp:txBody>
       <dsp:txXfrm>
@@ -5097,10 +5132,26 @@
             <a:buNone/>
           </a:pPr>
           <a:r>
-            <a:rPr lang="cs-CZ" sz="2600" kern="1200"/>
-            <a:t>Hodně moderních programovácích přebralo způsob zápisů</a:t>
+            <a:rPr lang="cs-CZ" sz="2600" kern="1200" dirty="0"/>
+            <a:t>Hodně moderních </a:t>
           </a:r>
-          <a:endParaRPr lang="en-US" sz="2600" kern="1200"/>
+          <a:r>
+            <a:rPr lang="cs-CZ" sz="2600" kern="1200" dirty="0" err="1"/>
+            <a:t>programovácích</a:t>
+          </a:r>
+          <a:r>
+            <a:rPr lang="cs-CZ" sz="2600" kern="1200" dirty="0"/>
+            <a:t> </a:t>
+          </a:r>
+          <a:r>
+            <a:rPr lang="cs-CZ" sz="2600" kern="1200" dirty="0" err="1"/>
+            <a:t>jayzků</a:t>
+          </a:r>
+          <a:r>
+            <a:rPr lang="cs-CZ" sz="2600" kern="1200" dirty="0"/>
+            <a:t> přebralo způsob zápisů</a:t>
+          </a:r>
+          <a:endParaRPr lang="en-US" sz="2600" kern="1200" dirty="0"/>
         </a:p>
       </dsp:txBody>
       <dsp:txXfrm>
@@ -5331,10 +5382,10 @@
             <a:buNone/>
           </a:pPr>
           <a:r>
-            <a:rPr lang="cs-CZ" sz="1900" kern="1200"/>
+            <a:rPr lang="cs-CZ" sz="1900" kern="1200" dirty="0"/>
             <a:t>Vyvinut v Bellových laboratořích</a:t>
           </a:r>
-          <a:endParaRPr lang="en-US" sz="1900" kern="1200"/>
+          <a:endParaRPr lang="en-US" sz="1900" kern="1200" dirty="0"/>
         </a:p>
       </dsp:txBody>
       <dsp:txXfrm>
@@ -5664,10 +5715,18 @@
             <a:buNone/>
           </a:pPr>
           <a:r>
-            <a:rPr lang="cs-CZ" sz="1900" kern="1200"/>
-            <a:t>Použit pro jádro Unixu aby mohl být použit na více PC – Ken Thompson</a:t>
+            <a:rPr lang="cs-CZ" sz="1900" kern="1200" dirty="0"/>
+            <a:t>Použit pro jádro Unixu aby mohl být použit na více PC – </a:t>
           </a:r>
-          <a:endParaRPr lang="en-US" sz="1900" kern="1200"/>
+          <a:r>
+            <a:rPr lang="cs-CZ" sz="1900" kern="1200" dirty="0" err="1"/>
+            <a:t>Ken</a:t>
+          </a:r>
+          <a:r>
+            <a:rPr lang="cs-CZ" sz="1900" kern="1200" dirty="0"/>
+            <a:t> Thompson</a:t>
+          </a:r>
+          <a:endParaRPr lang="en-US" sz="1900" kern="1200" dirty="0"/>
         </a:p>
       </dsp:txBody>
       <dsp:txXfrm>
@@ -5775,10 +5834,10 @@
             <a:buNone/>
           </a:pPr>
           <a:r>
-            <a:rPr lang="cs-CZ" sz="1900" kern="1200"/>
+            <a:rPr lang="cs-CZ" sz="1900" kern="1200" dirty="0"/>
             <a:t>V 80. letech se stal nejpopulárnějším jazykem pro programování</a:t>
           </a:r>
-          <a:endParaRPr lang="en-US" sz="1900" kern="1200"/>
+          <a:endParaRPr lang="en-US" sz="1900" kern="1200" dirty="0"/>
         </a:p>
       </dsp:txBody>
       <dsp:txXfrm>
@@ -6342,10 +6401,10 @@
             <a:buNone/>
           </a:pPr>
           <a:r>
-            <a:rPr lang="cs-CZ" sz="2900" kern="1200"/>
+            <a:rPr lang="cs-CZ" sz="2900" kern="1200" dirty="0"/>
             <a:t>Double – skladuje i desetinná čísla až po 15 desetinných míst</a:t>
           </a:r>
-          <a:endParaRPr lang="en-US" sz="2900" kern="1200"/>
+          <a:endParaRPr lang="en-US" sz="2900" kern="1200" dirty="0"/>
         </a:p>
       </dsp:txBody>
       <dsp:txXfrm>
@@ -6576,10 +6635,10 @@
             <a:buNone/>
           </a:pPr>
           <a:r>
-            <a:rPr lang="cs-CZ" sz="2900" kern="1200"/>
+            <a:rPr lang="cs-CZ" sz="2900" kern="1200" dirty="0"/>
             <a:t>Velmi dobrý jazyk pro programátory sofistikovaných software systémů</a:t>
           </a:r>
-          <a:endParaRPr lang="en-US" sz="2900" kern="1200"/>
+          <a:endParaRPr lang="en-US" sz="2900" kern="1200" dirty="0"/>
         </a:p>
       </dsp:txBody>
       <dsp:txXfrm>
@@ -6798,10 +6857,10 @@
             <a:buNone/>
           </a:pPr>
           <a:r>
-            <a:rPr lang="cs-CZ" sz="2900" kern="1200"/>
+            <a:rPr lang="cs-CZ" sz="2900" kern="1200" dirty="0"/>
             <a:t>Je rychlý a účinný</a:t>
           </a:r>
-          <a:endParaRPr lang="en-US" sz="2900" kern="1200"/>
+          <a:endParaRPr lang="en-US" sz="2900" kern="1200" dirty="0"/>
         </a:p>
       </dsp:txBody>
       <dsp:txXfrm>
@@ -22143,7 +22202,7 @@
       </p:grpSpPr>
       <p:sp useBgFill="1">
         <p:nvSpPr>
-          <p:cNvPr id="35" name="Rectangle 34">
+          <p:cNvPr id="46" name="Rectangle 45">
             <a:extLst>
               <a:ext uri="{FF2B5EF4-FFF2-40B4-BE49-F238E27FC236}">
                 <a16:creationId xmlns:a16="http://schemas.microsoft.com/office/drawing/2014/main" id="{1DB043B4-68C6-45B9-82AC-A5800EADB8DB}"/>
@@ -22295,10 +22354,10 @@
       </p:sp>
       <p:pic>
         <p:nvPicPr>
-          <p:cNvPr id="30" name="Picture 3" descr="Neónově 3D – grafika na kružnici">
+          <p:cNvPr id="5" name="Obrázek 4">
             <a:extLst>
               <a:ext uri="{FF2B5EF4-FFF2-40B4-BE49-F238E27FC236}">
-                <a16:creationId xmlns:a16="http://schemas.microsoft.com/office/drawing/2014/main" id="{5F6C0606-016D-B3B7-392A-2B70AEDC5F5C}"/>
+                <a16:creationId xmlns:a16="http://schemas.microsoft.com/office/drawing/2014/main" id="{19E1F4A7-249C-FA6E-B9D9-3FD977245ABB}"/>
               </a:ext>
             </a:extLst>
           </p:cNvPr>
@@ -22308,8 +22367,14 @@
           <p:nvPr/>
         </p:nvPicPr>
         <p:blipFill rotWithShape="1">
-          <a:blip r:embed="rId2"/>
-          <a:srcRect l="15391" r="13107" b="-2"/>
+          <a:blip r:embed="rId3">
+            <a:extLst>
+              <a:ext uri="{28A0092B-C50C-407E-A947-70E740481C1C}">
+                <a14:useLocalDpi xmlns:a14="http://schemas.microsoft.com/office/drawing/2010/main" val="0"/>
+              </a:ext>
+            </a:extLst>
+          </a:blip>
+          <a:srcRect r="1" b="1"/>
           <a:stretch/>
         </p:blipFill>
         <p:spPr>
@@ -22356,7 +22421,7 @@
       </p:pic>
       <p:grpSp>
         <p:nvGrpSpPr>
-          <p:cNvPr id="37" name="Group 36">
+          <p:cNvPr id="48" name="Group 47">
             <a:extLst>
               <a:ext uri="{FF2B5EF4-FFF2-40B4-BE49-F238E27FC236}">
                 <a16:creationId xmlns:a16="http://schemas.microsoft.com/office/drawing/2014/main" id="{73840CF4-F848-4FE0-AEA6-C9E806911B9E}"/>
@@ -22387,7 +22452,7 @@
         </p:grpSpPr>
         <p:sp>
           <p:nvSpPr>
-            <p:cNvPr id="38" name="Freeform: Shape 37">
+            <p:cNvPr id="49" name="Freeform: Shape 48">
               <a:extLst>
                 <a:ext uri="{FF2B5EF4-FFF2-40B4-BE49-F238E27FC236}">
                   <a16:creationId xmlns:a16="http://schemas.microsoft.com/office/drawing/2014/main" id="{F4B46153-41DB-494F-9B08-EBCCF27283DD}"/>
@@ -22618,7 +22683,7 @@
         </p:sp>
         <p:sp>
           <p:nvSpPr>
-            <p:cNvPr id="39" name="Oval 38">
+            <p:cNvPr id="50" name="Oval 49">
               <a:extLst>
                 <a:ext uri="{FF2B5EF4-FFF2-40B4-BE49-F238E27FC236}">
                   <a16:creationId xmlns:a16="http://schemas.microsoft.com/office/drawing/2014/main" id="{7B6D42DA-2D84-4A50-A359-7A5C651B1CCD}"/>
@@ -22697,7 +22762,7 @@
       </p:grpSp>
       <p:sp>
         <p:nvSpPr>
-          <p:cNvPr id="41" name="Oval 40">
+          <p:cNvPr id="52" name="Oval 51">
             <a:extLst>
               <a:ext uri="{FF2B5EF4-FFF2-40B4-BE49-F238E27FC236}">
                 <a16:creationId xmlns:a16="http://schemas.microsoft.com/office/drawing/2014/main" id="{94459D96-B947-4C7F-8BCA-915F8B07C0AA}"/>
@@ -22799,6 +22864,28 @@
   <p:clrMapOvr>
     <a:masterClrMapping/>
   </p:clrMapOvr>
+  <mc:AlternateContent xmlns:mc="http://schemas.openxmlformats.org/markup-compatibility/2006">
+    <mc:Choice xmlns:p14="http://schemas.microsoft.com/office/powerpoint/2010/main" Requires="p14">
+      <p:transition spd="slow" advTm="10000">
+        <p14:flash/>
+        <p:sndAc>
+          <p:stSnd>
+            <p:snd r:embed="rId2" name="explode.wav"/>
+          </p:stSnd>
+        </p:sndAc>
+      </p:transition>
+    </mc:Choice>
+    <mc:Fallback>
+      <p:transition spd="slow" advTm="10000">
+        <p:fade/>
+        <p:sndAc>
+          <p:stSnd>
+            <p:snd r:embed="rId2" name="explode.wav"/>
+          </p:stSnd>
+        </p:sndAc>
+      </p:transition>
+    </mc:Fallback>
+  </mc:AlternateContent>
 </p:sld>
 </file>
 
@@ -22968,80 +23055,88 @@
           <a:lstStyle/>
           <a:p>
             <a:r>
-              <a:rPr lang="en-US" sz="1600"/>
+              <a:rPr lang="en-US" sz="1600" dirty="0"/>
               <a:t>&gt; , &gt;= </a:t>
             </a:r>
             <a:r>
-              <a:rPr lang="cs-CZ" sz="1600"/>
+              <a:rPr lang="cs-CZ" sz="1600" dirty="0"/>
               <a:t>(větší, či rovno)</a:t>
             </a:r>
-            <a:endParaRPr lang="en-US" sz="1600"/>
+            <a:endParaRPr lang="en-US" sz="1600" dirty="0"/>
           </a:p>
           <a:p>
             <a:r>
-              <a:rPr lang="en-US" sz="1600"/>
+              <a:rPr lang="en-US" sz="1600" dirty="0"/>
               <a:t>&lt; , &lt;=</a:t>
             </a:r>
             <a:r>
-              <a:rPr lang="cs-CZ" sz="1600"/>
+              <a:rPr lang="cs-CZ" sz="1600" dirty="0"/>
               <a:t> (menší, či rovno)</a:t>
             </a:r>
-            <a:endParaRPr lang="en-US" sz="1600"/>
+            <a:endParaRPr lang="en-US" sz="1600" dirty="0"/>
           </a:p>
           <a:p>
             <a:r>
-              <a:rPr lang="en-US" sz="1600"/>
+              <a:rPr lang="en-US" sz="1600" dirty="0"/>
               <a:t>==</a:t>
             </a:r>
             <a:r>
-              <a:rPr lang="cs-CZ" sz="1600"/>
+              <a:rPr lang="cs-CZ" sz="1600" dirty="0"/>
               <a:t> (rovno)</a:t>
             </a:r>
-            <a:endParaRPr lang="en-US" sz="1600"/>
+            <a:endParaRPr lang="en-US" sz="1600" dirty="0"/>
           </a:p>
           <a:p>
             <a:r>
-              <a:rPr lang="en-US" sz="1600"/>
+              <a:rPr lang="en-US" sz="1600" dirty="0"/>
               <a:t>!=</a:t>
             </a:r>
             <a:r>
-              <a:rPr lang="cs-CZ" sz="1600"/>
-              <a:t> (nerovno)</a:t>
+              <a:rPr lang="cs-CZ" sz="1600" dirty="0"/>
+              <a:t> (</a:t>
             </a:r>
-            <a:endParaRPr lang="en-US" sz="1600"/>
+            <a:r>
+              <a:rPr lang="cs-CZ" sz="1600" dirty="0" err="1"/>
+              <a:t>nerovno</a:t>
+            </a:r>
+            <a:r>
+              <a:rPr lang="cs-CZ" sz="1600" dirty="0"/>
+              <a:t>)</a:t>
+            </a:r>
+            <a:endParaRPr lang="en-US" sz="1600" dirty="0"/>
           </a:p>
           <a:p>
             <a:r>
-              <a:rPr lang="en-US" sz="1600"/>
+              <a:rPr lang="en-US" sz="1600" dirty="0"/>
               <a:t>&amp;&amp;</a:t>
             </a:r>
             <a:r>
-              <a:rPr lang="cs-CZ" sz="1600"/>
+              <a:rPr lang="cs-CZ" sz="1600" dirty="0"/>
               <a:t> (logické AND)</a:t>
             </a:r>
-            <a:endParaRPr lang="en-US" sz="1600"/>
+            <a:endParaRPr lang="en-US" sz="1600" dirty="0"/>
           </a:p>
           <a:p>
             <a:r>
-              <a:rPr lang="en-US" sz="1600"/>
+              <a:rPr lang="en-US" sz="1600" dirty="0"/>
               <a:t>II</a:t>
             </a:r>
             <a:r>
-              <a:rPr lang="cs-CZ" sz="1600"/>
+              <a:rPr lang="cs-CZ" sz="1600" dirty="0"/>
               <a:t> (logické OR)</a:t>
             </a:r>
-            <a:endParaRPr lang="en-US" sz="1600"/>
+            <a:endParaRPr lang="en-US" sz="1600" dirty="0"/>
           </a:p>
           <a:p>
             <a:r>
-              <a:rPr lang="en-US" sz="1600"/>
+              <a:rPr lang="en-US" sz="1600" dirty="0"/>
               <a:t>!</a:t>
             </a:r>
             <a:r>
-              <a:rPr lang="cs-CZ" sz="1600"/>
+              <a:rPr lang="cs-CZ" sz="1600" dirty="0"/>
               <a:t> (logické NOT)</a:t>
             </a:r>
-            <a:endParaRPr lang="en-US" sz="1600"/>
+            <a:endParaRPr lang="en-US" sz="1600" dirty="0"/>
           </a:p>
         </p:txBody>
       </p:sp>
@@ -23105,12 +23200,441 @@
   <p:clrMapOvr>
     <a:masterClrMapping/>
   </p:clrMapOvr>
+  <mc:AlternateContent xmlns:mc="http://schemas.openxmlformats.org/markup-compatibility/2006">
+    <mc:Choice xmlns:p14="http://schemas.microsoft.com/office/powerpoint/2010/main" Requires="p14">
+      <p:transition spd="slow" p14:dur="2000" advTm="35000">
+        <p:push dir="u"/>
+      </p:transition>
+    </mc:Choice>
+    <mc:Fallback>
+      <p:transition spd="slow" advTm="35000">
+        <p:push dir="u"/>
+      </p:transition>
+    </mc:Fallback>
+  </mc:AlternateContent>
+  <p:timing>
+    <p:tnLst>
+      <p:par>
+        <p:cTn id="1" dur="indefinite" restart="never" nodeType="tmRoot">
+          <p:childTnLst>
+            <p:seq concurrent="1" nextAc="seek">
+              <p:cTn id="2" dur="indefinite" nodeType="mainSeq">
+                <p:childTnLst>
+                  <p:par>
+                    <p:cTn id="3" fill="hold">
+                      <p:stCondLst>
+                        <p:cond delay="indefinite"/>
+                        <p:cond evt="onBegin" delay="0">
+                          <p:tn val="2"/>
+                        </p:cond>
+                      </p:stCondLst>
+                      <p:childTnLst>
+                        <p:par>
+                          <p:cTn id="4" fill="hold">
+                            <p:stCondLst>
+                              <p:cond delay="0"/>
+                            </p:stCondLst>
+                            <p:childTnLst>
+                              <p:par>
+                                <p:cTn id="5" presetID="10" presetClass="entr" presetSubtype="0" fill="hold" grpId="0" nodeType="afterEffect">
+                                  <p:stCondLst>
+                                    <p:cond delay="0"/>
+                                  </p:stCondLst>
+                                  <p:childTnLst>
+                                    <p:set>
+                                      <p:cBhvr>
+                                        <p:cTn id="6" dur="1" fill="hold">
+                                          <p:stCondLst>
+                                            <p:cond delay="0"/>
+                                          </p:stCondLst>
+                                        </p:cTn>
+                                        <p:tgtEl>
+                                          <p:spTgt spid="3">
+                                            <p:txEl>
+                                              <p:pRg st="0" end="0"/>
+                                            </p:txEl>
+                                          </p:spTgt>
+                                        </p:tgtEl>
+                                        <p:attrNameLst>
+                                          <p:attrName>style.visibility</p:attrName>
+                                        </p:attrNameLst>
+                                      </p:cBhvr>
+                                      <p:to>
+                                        <p:strVal val="visible"/>
+                                      </p:to>
+                                    </p:set>
+                                    <p:animEffect transition="in" filter="fade">
+                                      <p:cBhvr>
+                                        <p:cTn id="7" dur="500"/>
+                                        <p:tgtEl>
+                                          <p:spTgt spid="3">
+                                            <p:txEl>
+                                              <p:pRg st="0" end="0"/>
+                                            </p:txEl>
+                                          </p:spTgt>
+                                        </p:tgtEl>
+                                      </p:cBhvr>
+                                    </p:animEffect>
+                                  </p:childTnLst>
+                                </p:cTn>
+                              </p:par>
+                            </p:childTnLst>
+                          </p:cTn>
+                        </p:par>
+                        <p:par>
+                          <p:cTn id="8" fill="hold">
+                            <p:stCondLst>
+                              <p:cond delay="500"/>
+                            </p:stCondLst>
+                            <p:childTnLst>
+                              <p:par>
+                                <p:cTn id="9" presetID="10" presetClass="entr" presetSubtype="0" fill="hold" grpId="0" nodeType="afterEffect">
+                                  <p:stCondLst>
+                                    <p:cond delay="0"/>
+                                  </p:stCondLst>
+                                  <p:childTnLst>
+                                    <p:set>
+                                      <p:cBhvr>
+                                        <p:cTn id="10" dur="1" fill="hold">
+                                          <p:stCondLst>
+                                            <p:cond delay="0"/>
+                                          </p:stCondLst>
+                                        </p:cTn>
+                                        <p:tgtEl>
+                                          <p:spTgt spid="3">
+                                            <p:txEl>
+                                              <p:pRg st="1" end="1"/>
+                                            </p:txEl>
+                                          </p:spTgt>
+                                        </p:tgtEl>
+                                        <p:attrNameLst>
+                                          <p:attrName>style.visibility</p:attrName>
+                                        </p:attrNameLst>
+                                      </p:cBhvr>
+                                      <p:to>
+                                        <p:strVal val="visible"/>
+                                      </p:to>
+                                    </p:set>
+                                    <p:animEffect transition="in" filter="fade">
+                                      <p:cBhvr>
+                                        <p:cTn id="11" dur="500"/>
+                                        <p:tgtEl>
+                                          <p:spTgt spid="3">
+                                            <p:txEl>
+                                              <p:pRg st="1" end="1"/>
+                                            </p:txEl>
+                                          </p:spTgt>
+                                        </p:tgtEl>
+                                      </p:cBhvr>
+                                    </p:animEffect>
+                                  </p:childTnLst>
+                                </p:cTn>
+                              </p:par>
+                            </p:childTnLst>
+                          </p:cTn>
+                        </p:par>
+                        <p:par>
+                          <p:cTn id="12" fill="hold">
+                            <p:stCondLst>
+                              <p:cond delay="1000"/>
+                            </p:stCondLst>
+                            <p:childTnLst>
+                              <p:par>
+                                <p:cTn id="13" presetID="10" presetClass="entr" presetSubtype="0" fill="hold" grpId="0" nodeType="afterEffect">
+                                  <p:stCondLst>
+                                    <p:cond delay="0"/>
+                                  </p:stCondLst>
+                                  <p:childTnLst>
+                                    <p:set>
+                                      <p:cBhvr>
+                                        <p:cTn id="14" dur="1" fill="hold">
+                                          <p:stCondLst>
+                                            <p:cond delay="0"/>
+                                          </p:stCondLst>
+                                        </p:cTn>
+                                        <p:tgtEl>
+                                          <p:spTgt spid="3">
+                                            <p:txEl>
+                                              <p:pRg st="2" end="2"/>
+                                            </p:txEl>
+                                          </p:spTgt>
+                                        </p:tgtEl>
+                                        <p:attrNameLst>
+                                          <p:attrName>style.visibility</p:attrName>
+                                        </p:attrNameLst>
+                                      </p:cBhvr>
+                                      <p:to>
+                                        <p:strVal val="visible"/>
+                                      </p:to>
+                                    </p:set>
+                                    <p:animEffect transition="in" filter="fade">
+                                      <p:cBhvr>
+                                        <p:cTn id="15" dur="500"/>
+                                        <p:tgtEl>
+                                          <p:spTgt spid="3">
+                                            <p:txEl>
+                                              <p:pRg st="2" end="2"/>
+                                            </p:txEl>
+                                          </p:spTgt>
+                                        </p:tgtEl>
+                                      </p:cBhvr>
+                                    </p:animEffect>
+                                  </p:childTnLst>
+                                </p:cTn>
+                              </p:par>
+                            </p:childTnLst>
+                          </p:cTn>
+                        </p:par>
+                        <p:par>
+                          <p:cTn id="16" fill="hold">
+                            <p:stCondLst>
+                              <p:cond delay="1500"/>
+                            </p:stCondLst>
+                            <p:childTnLst>
+                              <p:par>
+                                <p:cTn id="17" presetID="10" presetClass="entr" presetSubtype="0" fill="hold" grpId="0" nodeType="afterEffect">
+                                  <p:stCondLst>
+                                    <p:cond delay="0"/>
+                                  </p:stCondLst>
+                                  <p:childTnLst>
+                                    <p:set>
+                                      <p:cBhvr>
+                                        <p:cTn id="18" dur="1" fill="hold">
+                                          <p:stCondLst>
+                                            <p:cond delay="0"/>
+                                          </p:stCondLst>
+                                        </p:cTn>
+                                        <p:tgtEl>
+                                          <p:spTgt spid="3">
+                                            <p:txEl>
+                                              <p:pRg st="3" end="3"/>
+                                            </p:txEl>
+                                          </p:spTgt>
+                                        </p:tgtEl>
+                                        <p:attrNameLst>
+                                          <p:attrName>style.visibility</p:attrName>
+                                        </p:attrNameLst>
+                                      </p:cBhvr>
+                                      <p:to>
+                                        <p:strVal val="visible"/>
+                                      </p:to>
+                                    </p:set>
+                                    <p:animEffect transition="in" filter="fade">
+                                      <p:cBhvr>
+                                        <p:cTn id="19" dur="500"/>
+                                        <p:tgtEl>
+                                          <p:spTgt spid="3">
+                                            <p:txEl>
+                                              <p:pRg st="3" end="3"/>
+                                            </p:txEl>
+                                          </p:spTgt>
+                                        </p:tgtEl>
+                                      </p:cBhvr>
+                                    </p:animEffect>
+                                  </p:childTnLst>
+                                </p:cTn>
+                              </p:par>
+                            </p:childTnLst>
+                          </p:cTn>
+                        </p:par>
+                        <p:par>
+                          <p:cTn id="20" fill="hold">
+                            <p:stCondLst>
+                              <p:cond delay="2000"/>
+                            </p:stCondLst>
+                            <p:childTnLst>
+                              <p:par>
+                                <p:cTn id="21" presetID="10" presetClass="entr" presetSubtype="0" fill="hold" grpId="0" nodeType="afterEffect">
+                                  <p:stCondLst>
+                                    <p:cond delay="0"/>
+                                  </p:stCondLst>
+                                  <p:childTnLst>
+                                    <p:set>
+                                      <p:cBhvr>
+                                        <p:cTn id="22" dur="1" fill="hold">
+                                          <p:stCondLst>
+                                            <p:cond delay="0"/>
+                                          </p:stCondLst>
+                                        </p:cTn>
+                                        <p:tgtEl>
+                                          <p:spTgt spid="3">
+                                            <p:txEl>
+                                              <p:pRg st="4" end="4"/>
+                                            </p:txEl>
+                                          </p:spTgt>
+                                        </p:tgtEl>
+                                        <p:attrNameLst>
+                                          <p:attrName>style.visibility</p:attrName>
+                                        </p:attrNameLst>
+                                      </p:cBhvr>
+                                      <p:to>
+                                        <p:strVal val="visible"/>
+                                      </p:to>
+                                    </p:set>
+                                    <p:animEffect transition="in" filter="fade">
+                                      <p:cBhvr>
+                                        <p:cTn id="23" dur="500"/>
+                                        <p:tgtEl>
+                                          <p:spTgt spid="3">
+                                            <p:txEl>
+                                              <p:pRg st="4" end="4"/>
+                                            </p:txEl>
+                                          </p:spTgt>
+                                        </p:tgtEl>
+                                      </p:cBhvr>
+                                    </p:animEffect>
+                                  </p:childTnLst>
+                                </p:cTn>
+                              </p:par>
+                            </p:childTnLst>
+                          </p:cTn>
+                        </p:par>
+                        <p:par>
+                          <p:cTn id="24" fill="hold">
+                            <p:stCondLst>
+                              <p:cond delay="2500"/>
+                            </p:stCondLst>
+                            <p:childTnLst>
+                              <p:par>
+                                <p:cTn id="25" presetID="10" presetClass="entr" presetSubtype="0" fill="hold" grpId="0" nodeType="afterEffect">
+                                  <p:stCondLst>
+                                    <p:cond delay="0"/>
+                                  </p:stCondLst>
+                                  <p:childTnLst>
+                                    <p:set>
+                                      <p:cBhvr>
+                                        <p:cTn id="26" dur="1" fill="hold">
+                                          <p:stCondLst>
+                                            <p:cond delay="0"/>
+                                          </p:stCondLst>
+                                        </p:cTn>
+                                        <p:tgtEl>
+                                          <p:spTgt spid="3">
+                                            <p:txEl>
+                                              <p:pRg st="5" end="5"/>
+                                            </p:txEl>
+                                          </p:spTgt>
+                                        </p:tgtEl>
+                                        <p:attrNameLst>
+                                          <p:attrName>style.visibility</p:attrName>
+                                        </p:attrNameLst>
+                                      </p:cBhvr>
+                                      <p:to>
+                                        <p:strVal val="visible"/>
+                                      </p:to>
+                                    </p:set>
+                                    <p:animEffect transition="in" filter="fade">
+                                      <p:cBhvr>
+                                        <p:cTn id="27" dur="500"/>
+                                        <p:tgtEl>
+                                          <p:spTgt spid="3">
+                                            <p:txEl>
+                                              <p:pRg st="5" end="5"/>
+                                            </p:txEl>
+                                          </p:spTgt>
+                                        </p:tgtEl>
+                                      </p:cBhvr>
+                                    </p:animEffect>
+                                  </p:childTnLst>
+                                </p:cTn>
+                              </p:par>
+                            </p:childTnLst>
+                          </p:cTn>
+                        </p:par>
+                        <p:par>
+                          <p:cTn id="28" fill="hold">
+                            <p:stCondLst>
+                              <p:cond delay="3000"/>
+                            </p:stCondLst>
+                            <p:childTnLst>
+                              <p:par>
+                                <p:cTn id="29" presetID="10" presetClass="entr" presetSubtype="0" fill="hold" grpId="0" nodeType="afterEffect">
+                                  <p:stCondLst>
+                                    <p:cond delay="0"/>
+                                  </p:stCondLst>
+                                  <p:childTnLst>
+                                    <p:set>
+                                      <p:cBhvr>
+                                        <p:cTn id="30" dur="1" fill="hold">
+                                          <p:stCondLst>
+                                            <p:cond delay="0"/>
+                                          </p:stCondLst>
+                                        </p:cTn>
+                                        <p:tgtEl>
+                                          <p:spTgt spid="3">
+                                            <p:txEl>
+                                              <p:pRg st="6" end="6"/>
+                                            </p:txEl>
+                                          </p:spTgt>
+                                        </p:tgtEl>
+                                        <p:attrNameLst>
+                                          <p:attrName>style.visibility</p:attrName>
+                                        </p:attrNameLst>
+                                      </p:cBhvr>
+                                      <p:to>
+                                        <p:strVal val="visible"/>
+                                      </p:to>
+                                    </p:set>
+                                    <p:animEffect transition="in" filter="fade">
+                                      <p:cBhvr>
+                                        <p:cTn id="31" dur="500"/>
+                                        <p:tgtEl>
+                                          <p:spTgt spid="3">
+                                            <p:txEl>
+                                              <p:pRg st="6" end="6"/>
+                                            </p:txEl>
+                                          </p:spTgt>
+                                        </p:tgtEl>
+                                      </p:cBhvr>
+                                    </p:animEffect>
+                                  </p:childTnLst>
+                                </p:cTn>
+                              </p:par>
+                            </p:childTnLst>
+                          </p:cTn>
+                        </p:par>
+                      </p:childTnLst>
+                    </p:cTn>
+                  </p:par>
+                </p:childTnLst>
+              </p:cTn>
+              <p:prevCondLst>
+                <p:cond evt="onPrev" delay="0">
+                  <p:tgtEl>
+                    <p:sldTgt/>
+                  </p:tgtEl>
+                </p:cond>
+              </p:prevCondLst>
+              <p:nextCondLst>
+                <p:cond evt="onNext" delay="0">
+                  <p:tgtEl>
+                    <p:sldTgt/>
+                  </p:tgtEl>
+                </p:cond>
+              </p:nextCondLst>
+            </p:seq>
+          </p:childTnLst>
+        </p:cTn>
+      </p:par>
+    </p:tnLst>
+    <p:bldLst>
+      <p:bldP spid="3" grpId="0" build="p"/>
+    </p:bldLst>
+  </p:timing>
 </p:sld>
 </file>
 
 <file path=ppt/slides/slide11.xml><?xml version="1.0" encoding="utf-8"?>
 <p:sld xmlns:a="http://schemas.openxmlformats.org/drawingml/2006/main" xmlns:r="http://schemas.openxmlformats.org/officeDocument/2006/relationships" xmlns:p="http://schemas.openxmlformats.org/presentationml/2006/main">
   <p:cSld>
+    <p:bg>
+      <p:bgPr>
+        <a:solidFill>
+          <a:schemeClr val="bg2"/>
+        </a:solidFill>
+        <a:effectLst/>
+      </p:bgPr>
+    </p:bg>
     <p:spTree>
       <p:nvGrpSpPr>
         <p:cNvPr id="1" name=""/>
@@ -23125,6 +23649,82 @@
           <a:chExt cx="0" cy="0"/>
         </a:xfrm>
       </p:grpSpPr>
+      <p:sp useBgFill="1">
+        <p:nvSpPr>
+          <p:cNvPr id="24" name="Rectangle 23">
+            <a:extLst>
+              <a:ext uri="{FF2B5EF4-FFF2-40B4-BE49-F238E27FC236}">
+                <a16:creationId xmlns:a16="http://schemas.microsoft.com/office/drawing/2014/main" id="{A5931BE0-4B93-4D6C-878E-ACC59D6B4587}"/>
+              </a:ext>
+              <a:ext uri="{C183D7F6-B498-43B3-948B-1728B52AA6E4}">
+                <adec:decorative xmlns:adec="http://schemas.microsoft.com/office/drawing/2017/decorative" val="1"/>
+              </a:ext>
+            </a:extLst>
+          </p:cNvPr>
+          <p:cNvSpPr>
+            <a:spLocks noGrp="1" noRot="1" noChangeAspect="1" noMove="1" noResize="1" noEditPoints="1" noAdjustHandles="1" noChangeArrowheads="1" noChangeShapeType="1" noTextEdit="1"/>
+          </p:cNvSpPr>
+          <p:nvPr>
+            <p:extLst>
+              <p:ext uri="{386F3935-93C4-4BCD-93E2-E3B085C9AB24}">
+                <p16:designElem xmlns:p16="http://schemas.microsoft.com/office/powerpoint/2015/main" val="1"/>
+              </p:ext>
+            </p:extLst>
+          </p:nvPr>
+        </p:nvSpPr>
+        <p:spPr>
+          <a:xfrm>
+            <a:off x="0" y="0"/>
+            <a:ext cx="12192000" cy="6858000"/>
+          </a:xfrm>
+          <a:prstGeom prst="rect">
+            <a:avLst/>
+          </a:prstGeom>
+          <a:ln w="12700" cap="flat" cmpd="sng" algn="ctr">
+            <a:noFill/>
+            <a:prstDash val="solid"/>
+            <a:miter lim="800000"/>
+          </a:ln>
+          <a:effectLst/>
+          <a:extLst>
+            <a:ext uri="{91240B29-F687-4F45-9708-019B960494DF}">
+              <a14:hiddenLine xmlns:a14="http://schemas.microsoft.com/office/drawing/2010/main" w="12700" cap="flat" cmpd="sng" algn="ctr">
+                <a:solidFill>
+                  <a:schemeClr val="accent1">
+                    <a:shade val="50000"/>
+                  </a:schemeClr>
+                </a:solidFill>
+                <a:prstDash val="solid"/>
+                <a:miter lim="800000"/>
+              </a14:hiddenLine>
+            </a:ext>
+          </a:extLst>
+        </p:spPr>
+        <p:style>
+          <a:lnRef idx="2">
+            <a:schemeClr val="accent1">
+              <a:shade val="50000"/>
+            </a:schemeClr>
+          </a:lnRef>
+          <a:fillRef idx="1">
+            <a:schemeClr val="accent1"/>
+          </a:fillRef>
+          <a:effectRef idx="0">
+            <a:schemeClr val="accent1"/>
+          </a:effectRef>
+          <a:fontRef idx="minor">
+            <a:schemeClr val="lt1"/>
+          </a:fontRef>
+        </p:style>
+        <p:txBody>
+          <a:bodyPr rtlCol="0" anchor="ctr"/>
+          <a:lstStyle/>
+          <a:p>
+            <a:pPr algn="ctr"/>
+            <a:endParaRPr lang="en-US"/>
+          </a:p>
+        </p:txBody>
+      </p:sp>
       <p:sp>
         <p:nvSpPr>
           <p:cNvPr id="2" name="Nadpis 1">
@@ -23141,9 +23741,16 @@
             <p:ph type="title"/>
           </p:nvPr>
         </p:nvSpPr>
-        <p:spPr/>
+        <p:spPr>
+          <a:xfrm>
+            <a:off x="550862" y="580363"/>
+            <a:ext cx="5437188" cy="1333055"/>
+          </a:xfrm>
+        </p:spPr>
         <p:txBody>
-          <a:bodyPr/>
+          <a:bodyPr wrap="square" anchor="t">
+            <a:normAutofit/>
+          </a:bodyPr>
           <a:lstStyle/>
           <a:p>
             <a:r>
@@ -23153,6 +23760,154 @@
           </a:p>
         </p:txBody>
       </p:sp>
+      <p:sp>
+        <p:nvSpPr>
+          <p:cNvPr id="38" name="Oval 25">
+            <a:extLst>
+              <a:ext uri="{FF2B5EF4-FFF2-40B4-BE49-F238E27FC236}">
+                <a16:creationId xmlns:a16="http://schemas.microsoft.com/office/drawing/2014/main" id="{77C1D6B0-0B26-4B90-AAD1-063228CD69C7}"/>
+              </a:ext>
+              <a:ext uri="{C183D7F6-B498-43B3-948B-1728B52AA6E4}">
+                <adec:decorative xmlns:adec="http://schemas.microsoft.com/office/drawing/2017/decorative" val="1"/>
+              </a:ext>
+            </a:extLst>
+          </p:cNvPr>
+          <p:cNvSpPr>
+            <a:spLocks noGrp="1" noRot="1" noChangeAspect="1" noMove="1" noResize="1" noEditPoints="1" noAdjustHandles="1" noChangeArrowheads="1" noChangeShapeType="1" noTextEdit="1"/>
+          </p:cNvSpPr>
+          <p:nvPr>
+            <p:extLst>
+              <p:ext uri="{386F3935-93C4-4BCD-93E2-E3B085C9AB24}">
+                <p16:designElem xmlns:p16="http://schemas.microsoft.com/office/powerpoint/2015/main" val="1"/>
+              </p:ext>
+            </p:extLst>
+          </p:nvPr>
+        </p:nvSpPr>
+        <p:spPr>
+          <a:xfrm>
+            <a:off x="7499713" y="376700"/>
+            <a:ext cx="360000" cy="360000"/>
+          </a:xfrm>
+          <a:prstGeom prst="ellipse">
+            <a:avLst/>
+          </a:prstGeom>
+          <a:gradFill flip="none" rotWithShape="1">
+            <a:gsLst>
+              <a:gs pos="100000">
+                <a:schemeClr val="bg2">
+                  <a:lumMod val="50000"/>
+                  <a:lumOff val="50000"/>
+                </a:schemeClr>
+              </a:gs>
+              <a:gs pos="60000">
+                <a:schemeClr val="bg2"/>
+              </a:gs>
+            </a:gsLst>
+            <a:path path="circle">
+              <a:fillToRect l="100000" b="100000"/>
+            </a:path>
+            <a:tileRect t="-100000" r="-100000"/>
+          </a:gradFill>
+          <a:ln>
+            <a:noFill/>
+          </a:ln>
+          <a:effectLst>
+            <a:innerShdw blurRad="127000" dist="63500" dir="2700000">
+              <a:schemeClr val="accent1">
+                <a:lumMod val="60000"/>
+                <a:lumOff val="40000"/>
+                <a:alpha val="20000"/>
+              </a:schemeClr>
+            </a:innerShdw>
+            <a:softEdge rad="0"/>
+          </a:effectLst>
+        </p:spPr>
+        <p:style>
+          <a:lnRef idx="2">
+            <a:schemeClr val="accent1">
+              <a:shade val="50000"/>
+            </a:schemeClr>
+          </a:lnRef>
+          <a:fillRef idx="1">
+            <a:schemeClr val="accent1"/>
+          </a:fillRef>
+          <a:effectRef idx="0">
+            <a:schemeClr val="accent1"/>
+          </a:effectRef>
+          <a:fontRef idx="minor">
+            <a:schemeClr val="lt1"/>
+          </a:fontRef>
+        </p:style>
+        <p:txBody>
+          <a:bodyPr rot="0" spcFirstLastPara="0" vertOverflow="overflow" horzOverflow="overflow" vert="horz" wrap="square" lIns="91440" tIns="45720" rIns="91440" bIns="45720" numCol="1" spcCol="0" rtlCol="0" fromWordArt="0" anchor="ctr" anchorCtr="0" forceAA="0" compatLnSpc="1">
+            <a:prstTxWarp prst="textNoShape">
+              <a:avLst/>
+            </a:prstTxWarp>
+            <a:noAutofit/>
+          </a:bodyPr>
+          <a:lstStyle/>
+          <a:p>
+            <a:pPr algn="ctr"/>
+            <a:endParaRPr lang="en-US"/>
+          </a:p>
+        </p:txBody>
+      </p:sp>
+      <p:pic>
+        <p:nvPicPr>
+          <p:cNvPr id="9" name="Obrázek 8" descr="Obsah obrázku text&#10;&#10;Popis byl vytvořen automaticky">
+            <a:extLst>
+              <a:ext uri="{FF2B5EF4-FFF2-40B4-BE49-F238E27FC236}">
+                <a16:creationId xmlns:a16="http://schemas.microsoft.com/office/drawing/2014/main" id="{4B04BA68-9072-D398-5B61-1CC3170D62D5}"/>
+              </a:ext>
+            </a:extLst>
+          </p:cNvPr>
+          <p:cNvPicPr>
+            <a:picLocks noChangeAspect="1"/>
+          </p:cNvPicPr>
+          <p:nvPr/>
+        </p:nvPicPr>
+        <p:blipFill rotWithShape="1">
+          <a:blip r:embed="rId3">
+            <a:extLst>
+              <a:ext uri="{28A0092B-C50C-407E-A947-70E740481C1C}">
+                <a14:useLocalDpi xmlns:a14="http://schemas.microsoft.com/office/drawing/2010/main" val="0"/>
+              </a:ext>
+            </a:extLst>
+          </a:blip>
+          <a:srcRect r="13696"/>
+          <a:stretch/>
+        </p:blipFill>
+        <p:spPr>
+          <a:xfrm>
+            <a:off x="550863" y="2530474"/>
+            <a:ext cx="5773738" cy="3779838"/>
+          </a:xfrm>
+          <a:custGeom>
+            <a:avLst/>
+            <a:gdLst/>
+            <a:ahLst/>
+            <a:cxnLst/>
+            <a:rect l="l" t="t" r="r" b="b"/>
+            <a:pathLst>
+              <a:path w="5773738" h="3779838">
+                <a:moveTo>
+                  <a:pt x="0" y="0"/>
+                </a:moveTo>
+                <a:lnTo>
+                  <a:pt x="5773738" y="0"/>
+                </a:lnTo>
+                <a:lnTo>
+                  <a:pt x="5773738" y="3779838"/>
+                </a:lnTo>
+                <a:lnTo>
+                  <a:pt x="0" y="3779838"/>
+                </a:lnTo>
+                <a:close/>
+              </a:path>
+            </a:pathLst>
+          </a:custGeom>
+        </p:spPr>
+      </p:pic>
       <p:sp>
         <p:nvSpPr>
           <p:cNvPr id="3" name="Zástupný obsah 2">
@@ -23169,41 +23924,32 @@
             <p:ph idx="1"/>
           </p:nvPr>
         </p:nvSpPr>
-        <p:spPr/>
+        <p:spPr>
+          <a:xfrm>
+            <a:off x="7140576" y="1539081"/>
+            <a:ext cx="4500562" cy="1781969"/>
+          </a:xfrm>
+        </p:spPr>
         <p:txBody>
-          <a:bodyPr/>
+          <a:bodyPr anchor="t">
+            <a:normAutofit/>
+          </a:bodyPr>
           <a:lstStyle/>
           <a:p>
             <a:r>
-              <a:rPr lang="cs-CZ" dirty="0" err="1"/>
-              <a:t>If</a:t>
-            </a:r>
-            <a:r>
-              <a:rPr lang="cs-CZ" dirty="0"/>
-              <a:t> – pokud</a:t>
+              <a:rPr lang="cs-CZ" sz="1600"/>
+              <a:t>If – pokud</a:t>
             </a:r>
           </a:p>
           <a:p>
             <a:r>
-              <a:rPr lang="cs-CZ" dirty="0" err="1"/>
-              <a:t>If</a:t>
-            </a:r>
-            <a:r>
-              <a:rPr lang="cs-CZ" dirty="0"/>
-              <a:t> </a:t>
-            </a:r>
-            <a:r>
-              <a:rPr lang="cs-CZ" dirty="0" err="1"/>
-              <a:t>else</a:t>
-            </a:r>
-            <a:r>
-              <a:rPr lang="cs-CZ" dirty="0"/>
-              <a:t> – pokud jinak</a:t>
+              <a:rPr lang="cs-CZ" sz="1600"/>
+              <a:t>If else – pokud jinak</a:t>
             </a:r>
           </a:p>
           <a:p>
             <a:r>
-              <a:rPr lang="cs-CZ" dirty="0"/>
+              <a:rPr lang="cs-CZ" sz="1600"/>
               <a:t>Switch – výběr z několika větví programu</a:t>
             </a:r>
           </a:p>
@@ -23211,10 +23957,903 @@
             <a:pPr marL="0" indent="0">
               <a:buNone/>
             </a:pPr>
-            <a:endParaRPr lang="cs-CZ" dirty="0"/>
+            <a:endParaRPr lang="cs-CZ" sz="1600"/>
           </a:p>
         </p:txBody>
       </p:sp>
+      <p:grpSp>
+        <p:nvGrpSpPr>
+          <p:cNvPr id="39" name="Group 27">
+            <a:extLst>
+              <a:ext uri="{FF2B5EF4-FFF2-40B4-BE49-F238E27FC236}">
+                <a16:creationId xmlns:a16="http://schemas.microsoft.com/office/drawing/2014/main" id="{D19BE4BE-BB59-4AEF-90D9-BFAA9DE8B969}"/>
+              </a:ext>
+              <a:ext uri="{C183D7F6-B498-43B3-948B-1728B52AA6E4}">
+                <adec:decorative xmlns:adec="http://schemas.microsoft.com/office/drawing/2017/decorative" val="1"/>
+              </a:ext>
+            </a:extLst>
+          </p:cNvPr>
+          <p:cNvGrpSpPr>
+            <a:grpSpLocks noGrp="1" noUngrp="1" noRot="1" noChangeAspect="1" noMove="1" noResize="1"/>
+          </p:cNvGrpSpPr>
+          <p:nvPr>
+            <p:extLst>
+              <p:ext uri="{386F3935-93C4-4BCD-93E2-E3B085C9AB24}">
+                <p16:designElem xmlns:p16="http://schemas.microsoft.com/office/powerpoint/2015/main" val="1"/>
+              </p:ext>
+            </p:extLst>
+          </p:nvPr>
+        </p:nvGrpSpPr>
+        <p:grpSpPr>
+          <a:xfrm>
+            <a:off x="10107572" y="3204845"/>
+            <a:ext cx="2557199" cy="2525894"/>
+            <a:chOff x="10107572" y="3204845"/>
+            <a:chExt cx="2557199" cy="2525894"/>
+          </a:xfrm>
+        </p:grpSpPr>
+        <p:sp>
+          <p:nvSpPr>
+            <p:cNvPr id="40" name="Freeform: Shape 28">
+              <a:extLst>
+                <a:ext uri="{FF2B5EF4-FFF2-40B4-BE49-F238E27FC236}">
+                  <a16:creationId xmlns:a16="http://schemas.microsoft.com/office/drawing/2014/main" id="{05E94968-E2BA-4D64-97D4-F6261A7C1891}"/>
+                </a:ext>
+                <a:ext uri="{C183D7F6-B498-43B3-948B-1728B52AA6E4}">
+                  <adec:decorative xmlns:adec="http://schemas.microsoft.com/office/drawing/2017/decorative" val="1"/>
+                </a:ext>
+              </a:extLst>
+            </p:cNvPr>
+            <p:cNvSpPr>
+              <a:spLocks noChangeAspect="1"/>
+            </p:cNvSpPr>
+            <p:nvPr>
+              <p:extLst>
+                <p:ext uri="{386F3935-93C4-4BCD-93E2-E3B085C9AB24}">
+                  <p16:designElem xmlns:p16="http://schemas.microsoft.com/office/powerpoint/2015/main" val="1"/>
+                </p:ext>
+              </p:extLst>
+            </p:nvPr>
+          </p:nvSpPr>
+          <p:spPr>
+            <a:xfrm rot="18900000">
+              <a:off x="10107572" y="3204845"/>
+              <a:ext cx="2054679" cy="2525894"/>
+            </a:xfrm>
+            <a:custGeom>
+              <a:avLst/>
+              <a:gdLst>
+                <a:gd name="connsiteX0" fmla="*/ 1080000 w 2054679"/>
+                <a:gd name="connsiteY0" fmla="*/ 0 h 2525894"/>
+                <a:gd name="connsiteX1" fmla="*/ 2054679 w 2054679"/>
+                <a:gd name="connsiteY1" fmla="*/ 1730558 h 2525894"/>
+                <a:gd name="connsiteX2" fmla="*/ 1268863 w 2054679"/>
+                <a:gd name="connsiteY2" fmla="*/ 2516374 h 2525894"/>
+                <a:gd name="connsiteX3" fmla="*/ 1080000 w 2054679"/>
+                <a:gd name="connsiteY3" fmla="*/ 2525894 h 2525894"/>
+                <a:gd name="connsiteX4" fmla="*/ 0 w 2054679"/>
+                <a:gd name="connsiteY4" fmla="*/ 1985894 h 2525894"/>
+                <a:gd name="connsiteX5" fmla="*/ 21942 w 2054679"/>
+                <a:gd name="connsiteY5" fmla="*/ 1877066 h 2525894"/>
+                <a:gd name="connsiteX6" fmla="*/ 31252 w 2054679"/>
+                <a:gd name="connsiteY6" fmla="*/ 1862068 h 2525894"/>
+              </a:gdLst>
+              <a:ahLst/>
+              <a:cxnLst>
+                <a:cxn ang="0">
+                  <a:pos x="connsiteX0" y="connsiteY0"/>
+                </a:cxn>
+                <a:cxn ang="0">
+                  <a:pos x="connsiteX1" y="connsiteY1"/>
+                </a:cxn>
+                <a:cxn ang="0">
+                  <a:pos x="connsiteX2" y="connsiteY2"/>
+                </a:cxn>
+                <a:cxn ang="0">
+                  <a:pos x="connsiteX3" y="connsiteY3"/>
+                </a:cxn>
+                <a:cxn ang="0">
+                  <a:pos x="connsiteX4" y="connsiteY4"/>
+                </a:cxn>
+                <a:cxn ang="0">
+                  <a:pos x="connsiteX5" y="connsiteY5"/>
+                </a:cxn>
+                <a:cxn ang="0">
+                  <a:pos x="connsiteX6" y="connsiteY6"/>
+                </a:cxn>
+              </a:cxnLst>
+              <a:rect l="l" t="t" r="r" b="b"/>
+              <a:pathLst>
+                <a:path w="2054679" h="2525894">
+                  <a:moveTo>
+                    <a:pt x="1080000" y="0"/>
+                  </a:moveTo>
+                  <a:lnTo>
+                    <a:pt x="2054679" y="1730558"/>
+                  </a:lnTo>
+                  <a:lnTo>
+                    <a:pt x="1268863" y="2516374"/>
+                  </a:lnTo>
+                  <a:lnTo>
+                    <a:pt x="1080000" y="2525894"/>
+                  </a:lnTo>
+                  <a:cubicBezTo>
+                    <a:pt x="483532" y="2525894"/>
+                    <a:pt x="0" y="2284128"/>
+                    <a:pt x="0" y="1985894"/>
+                  </a:cubicBezTo>
+                  <a:cubicBezTo>
+                    <a:pt x="0" y="1948614"/>
+                    <a:pt x="7556" y="1912218"/>
+                    <a:pt x="21942" y="1877066"/>
+                  </a:cubicBezTo>
+                  <a:lnTo>
+                    <a:pt x="31252" y="1862068"/>
+                  </a:lnTo>
+                  <a:close/>
+                </a:path>
+              </a:pathLst>
+            </a:custGeom>
+            <a:gradFill>
+              <a:gsLst>
+                <a:gs pos="60000">
+                  <a:schemeClr val="bg2">
+                    <a:lumMod val="90000"/>
+                    <a:lumOff val="10000"/>
+                  </a:schemeClr>
+                </a:gs>
+                <a:gs pos="30000">
+                  <a:schemeClr val="bg2">
+                    <a:lumMod val="90000"/>
+                    <a:lumOff val="10000"/>
+                  </a:schemeClr>
+                </a:gs>
+                <a:gs pos="40000">
+                  <a:schemeClr val="bg2">
+                    <a:lumMod val="75000"/>
+                    <a:lumOff val="25000"/>
+                  </a:schemeClr>
+                </a:gs>
+                <a:gs pos="100000">
+                  <a:schemeClr val="bg2"/>
+                </a:gs>
+              </a:gsLst>
+              <a:lin ang="10200000" scaled="0"/>
+            </a:gradFill>
+            <a:ln>
+              <a:noFill/>
+            </a:ln>
+            <a:effectLst>
+              <a:innerShdw blurRad="444500" dist="304800" dir="4200000">
+                <a:schemeClr val="accent1">
+                  <a:lumMod val="60000"/>
+                  <a:lumOff val="40000"/>
+                </a:schemeClr>
+              </a:innerShdw>
+            </a:effectLst>
+          </p:spPr>
+          <p:style>
+            <a:lnRef idx="2">
+              <a:schemeClr val="accent1">
+                <a:shade val="50000"/>
+              </a:schemeClr>
+            </a:lnRef>
+            <a:fillRef idx="1">
+              <a:schemeClr val="accent1"/>
+            </a:fillRef>
+            <a:effectRef idx="0">
+              <a:schemeClr val="accent1"/>
+            </a:effectRef>
+            <a:fontRef idx="minor">
+              <a:schemeClr val="lt1"/>
+            </a:fontRef>
+          </p:style>
+          <p:txBody>
+            <a:bodyPr rot="0" spcFirstLastPara="0" vertOverflow="overflow" horzOverflow="overflow" vert="horz" wrap="square" lIns="91440" tIns="45720" rIns="91440" bIns="45720" numCol="1" spcCol="0" rtlCol="0" fromWordArt="0" anchor="ctr" anchorCtr="0" forceAA="0" compatLnSpc="1">
+              <a:prstTxWarp prst="textNoShape">
+                <a:avLst/>
+              </a:prstTxWarp>
+              <a:noAutofit/>
+            </a:bodyPr>
+            <a:lstStyle/>
+            <a:p>
+              <a:pPr algn="ctr"/>
+              <a:endParaRPr lang="en-US"/>
+            </a:p>
+          </p:txBody>
+        </p:sp>
+        <p:sp>
+          <p:nvSpPr>
+            <p:cNvPr id="41" name="Freeform: Shape 29">
+              <a:extLst>
+                <a:ext uri="{FF2B5EF4-FFF2-40B4-BE49-F238E27FC236}">
+                  <a16:creationId xmlns:a16="http://schemas.microsoft.com/office/drawing/2014/main" id="{FB0C3BA8-4869-488B-B041-5D11BA953A1D}"/>
+                </a:ext>
+                <a:ext uri="{C183D7F6-B498-43B3-948B-1728B52AA6E4}">
+                  <adec:decorative xmlns:adec="http://schemas.microsoft.com/office/drawing/2017/decorative" val="1"/>
+                </a:ext>
+              </a:extLst>
+            </p:cNvPr>
+            <p:cNvSpPr/>
+            <p:nvPr>
+              <p:extLst>
+                <p:ext uri="{386F3935-93C4-4BCD-93E2-E3B085C9AB24}">
+                  <p16:designElem xmlns:p16="http://schemas.microsoft.com/office/powerpoint/2015/main" val="1"/>
+                </p:ext>
+              </p:extLst>
+            </p:nvPr>
+          </p:nvSpPr>
+          <p:spPr>
+            <a:xfrm rot="2700000">
+              <a:off x="11107256" y="3976517"/>
+              <a:ext cx="1080000" cy="2035030"/>
+            </a:xfrm>
+            <a:custGeom>
+              <a:avLst/>
+              <a:gdLst>
+                <a:gd name="connsiteX0" fmla="*/ 292870 w 1080000"/>
+                <a:gd name="connsiteY0" fmla="*/ 0 h 2035030"/>
+                <a:gd name="connsiteX1" fmla="*/ 1071088 w 1080000"/>
+                <a:gd name="connsiteY1" fmla="*/ 778218 h 2035030"/>
+                <a:gd name="connsiteX2" fmla="*/ 1080000 w 1080000"/>
+                <a:gd name="connsiteY2" fmla="*/ 955030 h 2035030"/>
+                <a:gd name="connsiteX3" fmla="*/ 540000 w 1080000"/>
+                <a:gd name="connsiteY3" fmla="*/ 2035030 h 2035030"/>
+                <a:gd name="connsiteX4" fmla="*/ 0 w 1080000"/>
+                <a:gd name="connsiteY4" fmla="*/ 955030 h 2035030"/>
+                <a:gd name="connsiteX5" fmla="*/ 238080 w 1080000"/>
+                <a:gd name="connsiteY5" fmla="*/ 59477 h 2035030"/>
+              </a:gdLst>
+              <a:ahLst/>
+              <a:cxnLst>
+                <a:cxn ang="0">
+                  <a:pos x="connsiteX0" y="connsiteY0"/>
+                </a:cxn>
+                <a:cxn ang="0">
+                  <a:pos x="connsiteX1" y="connsiteY1"/>
+                </a:cxn>
+                <a:cxn ang="0">
+                  <a:pos x="connsiteX2" y="connsiteY2"/>
+                </a:cxn>
+                <a:cxn ang="0">
+                  <a:pos x="connsiteX3" y="connsiteY3"/>
+                </a:cxn>
+                <a:cxn ang="0">
+                  <a:pos x="connsiteX4" y="connsiteY4"/>
+                </a:cxn>
+                <a:cxn ang="0">
+                  <a:pos x="connsiteX5" y="connsiteY5"/>
+                </a:cxn>
+              </a:cxnLst>
+              <a:rect l="l" t="t" r="r" b="b"/>
+              <a:pathLst>
+                <a:path w="1080000" h="2035030">
+                  <a:moveTo>
+                    <a:pt x="292870" y="0"/>
+                  </a:moveTo>
+                  <a:lnTo>
+                    <a:pt x="1071088" y="778218"/>
+                  </a:lnTo>
+                  <a:lnTo>
+                    <a:pt x="1080000" y="955030"/>
+                  </a:lnTo>
+                  <a:cubicBezTo>
+                    <a:pt x="1080000" y="1551498"/>
+                    <a:pt x="838234" y="2035030"/>
+                    <a:pt x="540000" y="2035030"/>
+                  </a:cubicBezTo>
+                  <a:cubicBezTo>
+                    <a:pt x="241766" y="2035030"/>
+                    <a:pt x="0" y="1551498"/>
+                    <a:pt x="0" y="955030"/>
+                  </a:cubicBezTo>
+                  <a:cubicBezTo>
+                    <a:pt x="0" y="582238"/>
+                    <a:pt x="94440" y="253561"/>
+                    <a:pt x="238080" y="59477"/>
+                  </a:cubicBezTo>
+                  <a:close/>
+                </a:path>
+              </a:pathLst>
+            </a:custGeom>
+            <a:solidFill>
+              <a:schemeClr val="bg2">
+                <a:lumMod val="90000"/>
+                <a:lumOff val="10000"/>
+              </a:schemeClr>
+            </a:solidFill>
+            <a:ln>
+              <a:noFill/>
+            </a:ln>
+            <a:effectLst>
+              <a:innerShdw blurRad="1270000" dist="2540000">
+                <a:schemeClr val="accent1">
+                  <a:lumMod val="60000"/>
+                  <a:lumOff val="40000"/>
+                  <a:alpha val="0"/>
+                </a:schemeClr>
+              </a:innerShdw>
+            </a:effectLst>
+          </p:spPr>
+          <p:style>
+            <a:lnRef idx="2">
+              <a:schemeClr val="accent1">
+                <a:shade val="50000"/>
+              </a:schemeClr>
+            </a:lnRef>
+            <a:fillRef idx="1">
+              <a:schemeClr val="accent1"/>
+            </a:fillRef>
+            <a:effectRef idx="0">
+              <a:schemeClr val="accent1"/>
+            </a:effectRef>
+            <a:fontRef idx="minor">
+              <a:schemeClr val="lt1"/>
+            </a:fontRef>
+          </p:style>
+          <p:txBody>
+            <a:bodyPr rot="0" spcFirstLastPara="0" vertOverflow="overflow" horzOverflow="overflow" vert="horz" wrap="square" lIns="91440" tIns="45720" rIns="91440" bIns="45720" numCol="1" spcCol="0" rtlCol="0" fromWordArt="0" anchor="ctr" anchorCtr="0" forceAA="0" compatLnSpc="1">
+              <a:prstTxWarp prst="textNoShape">
+                <a:avLst/>
+              </a:prstTxWarp>
+              <a:noAutofit/>
+            </a:bodyPr>
+            <a:lstStyle/>
+            <a:p>
+              <a:pPr algn="ctr"/>
+              <a:endParaRPr lang="en-US"/>
+            </a:p>
+          </p:txBody>
+        </p:sp>
+      </p:grpSp>
+      <p:grpSp>
+        <p:nvGrpSpPr>
+          <p:cNvPr id="32" name="Group 31">
+            <a:extLst>
+              <a:ext uri="{FF2B5EF4-FFF2-40B4-BE49-F238E27FC236}">
+                <a16:creationId xmlns:a16="http://schemas.microsoft.com/office/drawing/2014/main" id="{19CF19B5-D97C-44D1-96A3-D8BB434369FD}"/>
+              </a:ext>
+              <a:ext uri="{C183D7F6-B498-43B3-948B-1728B52AA6E4}">
+                <adec:decorative xmlns:adec="http://schemas.microsoft.com/office/drawing/2017/decorative" val="1"/>
+              </a:ext>
+            </a:extLst>
+          </p:cNvPr>
+          <p:cNvGrpSpPr>
+            <a:grpSpLocks noGrp="1" noUngrp="1" noRot="1" noChangeAspect="1" noMove="1" noResize="1"/>
+          </p:cNvGrpSpPr>
+          <p:nvPr>
+            <p:extLst>
+              <p:ext uri="{386F3935-93C4-4BCD-93E2-E3B085C9AB24}">
+                <p16:designElem xmlns:p16="http://schemas.microsoft.com/office/powerpoint/2015/main" val="1"/>
+              </p:ext>
+            </p:extLst>
+          </p:nvPr>
+        </p:nvGrpSpPr>
+        <p:grpSpPr>
+          <a:xfrm>
+            <a:off x="6306926" y="4598682"/>
+            <a:ext cx="1336763" cy="1980000"/>
+            <a:chOff x="2516173" y="3459810"/>
+            <a:chExt cx="1336763" cy="1980000"/>
+          </a:xfrm>
+        </p:grpSpPr>
+        <p:sp>
+          <p:nvSpPr>
+            <p:cNvPr id="33" name="Freeform: Shape 32">
+              <a:extLst>
+                <a:ext uri="{FF2B5EF4-FFF2-40B4-BE49-F238E27FC236}">
+                  <a16:creationId xmlns:a16="http://schemas.microsoft.com/office/drawing/2014/main" id="{5CCC4CB4-177A-4B47-8F39-F27AD5BA03FB}"/>
+                </a:ext>
+                <a:ext uri="{C183D7F6-B498-43B3-948B-1728B52AA6E4}">
+                  <adec:decorative xmlns:adec="http://schemas.microsoft.com/office/drawing/2017/decorative" val="1"/>
+                </a:ext>
+              </a:extLst>
+            </p:cNvPr>
+            <p:cNvSpPr>
+              <a:spLocks noChangeAspect="1"/>
+            </p:cNvSpPr>
+            <p:nvPr>
+              <p:extLst>
+                <p:ext uri="{386F3935-93C4-4BCD-93E2-E3B085C9AB24}">
+                  <p16:designElem xmlns:p16="http://schemas.microsoft.com/office/powerpoint/2015/main" val="1"/>
+                </p:ext>
+              </p:extLst>
+            </p:nvPr>
+          </p:nvSpPr>
+          <p:spPr>
+            <a:xfrm rot="2700000">
+              <a:off x="2462459" y="3923302"/>
+              <a:ext cx="1853969" cy="926985"/>
+            </a:xfrm>
+            <a:custGeom>
+              <a:avLst/>
+              <a:gdLst>
+                <a:gd name="connsiteX0" fmla="*/ 1329373 w 2658746"/>
+                <a:gd name="connsiteY0" fmla="*/ 0 h 1329373"/>
+                <a:gd name="connsiteX1" fmla="*/ 2658746 w 2658746"/>
+                <a:gd name="connsiteY1" fmla="*/ 1329373 h 1329373"/>
+                <a:gd name="connsiteX2" fmla="*/ 1994059 w 2658746"/>
+                <a:gd name="connsiteY2" fmla="*/ 1329373 h 1329373"/>
+                <a:gd name="connsiteX3" fmla="*/ 1329373 w 2658746"/>
+                <a:gd name="connsiteY3" fmla="*/ 664687 h 1329373"/>
+                <a:gd name="connsiteX4" fmla="*/ 664687 w 2658746"/>
+                <a:gd name="connsiteY4" fmla="*/ 1329373 h 1329373"/>
+                <a:gd name="connsiteX5" fmla="*/ 0 w 2658746"/>
+                <a:gd name="connsiteY5" fmla="*/ 1329373 h 1329373"/>
+                <a:gd name="connsiteX6" fmla="*/ 1329373 w 2658746"/>
+                <a:gd name="connsiteY6" fmla="*/ 0 h 1329373"/>
+              </a:gdLst>
+              <a:ahLst/>
+              <a:cxnLst>
+                <a:cxn ang="0">
+                  <a:pos x="connsiteX0" y="connsiteY0"/>
+                </a:cxn>
+                <a:cxn ang="0">
+                  <a:pos x="connsiteX1" y="connsiteY1"/>
+                </a:cxn>
+                <a:cxn ang="0">
+                  <a:pos x="connsiteX2" y="connsiteY2"/>
+                </a:cxn>
+                <a:cxn ang="0">
+                  <a:pos x="connsiteX3" y="connsiteY3"/>
+                </a:cxn>
+                <a:cxn ang="0">
+                  <a:pos x="connsiteX4" y="connsiteY4"/>
+                </a:cxn>
+                <a:cxn ang="0">
+                  <a:pos x="connsiteX5" y="connsiteY5"/>
+                </a:cxn>
+                <a:cxn ang="0">
+                  <a:pos x="connsiteX6" y="connsiteY6"/>
+                </a:cxn>
+              </a:cxnLst>
+              <a:rect l="l" t="t" r="r" b="b"/>
+              <a:pathLst>
+                <a:path w="2658746" h="1329373">
+                  <a:moveTo>
+                    <a:pt x="1329373" y="0"/>
+                  </a:moveTo>
+                  <a:cubicBezTo>
+                    <a:pt x="2063565" y="0"/>
+                    <a:pt x="2658746" y="595181"/>
+                    <a:pt x="2658746" y="1329373"/>
+                  </a:cubicBezTo>
+                  <a:lnTo>
+                    <a:pt x="1994059" y="1329373"/>
+                  </a:lnTo>
+                  <a:cubicBezTo>
+                    <a:pt x="1994059" y="962277"/>
+                    <a:pt x="1696469" y="664687"/>
+                    <a:pt x="1329373" y="664687"/>
+                  </a:cubicBezTo>
+                  <a:cubicBezTo>
+                    <a:pt x="962277" y="664687"/>
+                    <a:pt x="664687" y="962277"/>
+                    <a:pt x="664687" y="1329373"/>
+                  </a:cubicBezTo>
+                  <a:lnTo>
+                    <a:pt x="0" y="1329373"/>
+                  </a:lnTo>
+                  <a:cubicBezTo>
+                    <a:pt x="0" y="595181"/>
+                    <a:pt x="595181" y="0"/>
+                    <a:pt x="1329373" y="0"/>
+                  </a:cubicBezTo>
+                  <a:close/>
+                </a:path>
+              </a:pathLst>
+            </a:custGeom>
+            <a:solidFill>
+              <a:schemeClr val="bg2"/>
+            </a:solidFill>
+            <a:ln>
+              <a:noFill/>
+            </a:ln>
+            <a:effectLst>
+              <a:innerShdw blurRad="203200" dist="50800" dir="2700000">
+                <a:schemeClr val="accent1">
+                  <a:lumMod val="40000"/>
+                  <a:lumOff val="60000"/>
+                  <a:alpha val="40000"/>
+                </a:schemeClr>
+              </a:innerShdw>
+            </a:effectLst>
+          </p:spPr>
+          <p:style>
+            <a:lnRef idx="2">
+              <a:schemeClr val="accent1">
+                <a:shade val="50000"/>
+              </a:schemeClr>
+            </a:lnRef>
+            <a:fillRef idx="1">
+              <a:schemeClr val="accent1"/>
+            </a:fillRef>
+            <a:effectRef idx="0">
+              <a:schemeClr val="accent1"/>
+            </a:effectRef>
+            <a:fontRef idx="minor">
+              <a:schemeClr val="lt1"/>
+            </a:fontRef>
+          </p:style>
+          <p:txBody>
+            <a:bodyPr rtlCol="0" anchor="ctr"/>
+            <a:lstStyle/>
+            <a:p>
+              <a:pPr algn="ctr"/>
+              <a:endParaRPr lang="en-US">
+                <a:solidFill>
+                  <a:schemeClr val="tx1"/>
+                </a:solidFill>
+              </a:endParaRPr>
+            </a:p>
+          </p:txBody>
+        </p:sp>
+        <p:sp>
+          <p:nvSpPr>
+            <p:cNvPr id="34" name="Freeform: Shape 33">
+              <a:extLst>
+                <a:ext uri="{FF2B5EF4-FFF2-40B4-BE49-F238E27FC236}">
+                  <a16:creationId xmlns:a16="http://schemas.microsoft.com/office/drawing/2014/main" id="{8E50928C-DE98-4CD0-A2EE-742036C314C6}"/>
+                </a:ext>
+                <a:ext uri="{C183D7F6-B498-43B3-948B-1728B52AA6E4}">
+                  <adec:decorative xmlns:adec="http://schemas.microsoft.com/office/drawing/2017/decorative" val="1"/>
+                </a:ext>
+              </a:extLst>
+            </p:cNvPr>
+            <p:cNvSpPr>
+              <a:spLocks noChangeAspect="1"/>
+            </p:cNvSpPr>
+            <p:nvPr>
+              <p:extLst>
+                <p:ext uri="{386F3935-93C4-4BCD-93E2-E3B085C9AB24}">
+                  <p16:designElem xmlns:p16="http://schemas.microsoft.com/office/powerpoint/2015/main" val="1"/>
+                </p:ext>
+              </p:extLst>
+            </p:nvPr>
+          </p:nvSpPr>
+          <p:spPr>
+            <a:xfrm rot="2700000">
+              <a:off x="2386980" y="3930808"/>
+              <a:ext cx="1853969" cy="1064309"/>
+            </a:xfrm>
+            <a:custGeom>
+              <a:avLst/>
+              <a:gdLst>
+                <a:gd name="connsiteX0" fmla="*/ 1329373 w 2658746"/>
+                <a:gd name="connsiteY0" fmla="*/ 0 h 1329373"/>
+                <a:gd name="connsiteX1" fmla="*/ 2658746 w 2658746"/>
+                <a:gd name="connsiteY1" fmla="*/ 1329373 h 1329373"/>
+                <a:gd name="connsiteX2" fmla="*/ 1994059 w 2658746"/>
+                <a:gd name="connsiteY2" fmla="*/ 1329373 h 1329373"/>
+                <a:gd name="connsiteX3" fmla="*/ 1329373 w 2658746"/>
+                <a:gd name="connsiteY3" fmla="*/ 664687 h 1329373"/>
+                <a:gd name="connsiteX4" fmla="*/ 664687 w 2658746"/>
+                <a:gd name="connsiteY4" fmla="*/ 1329373 h 1329373"/>
+                <a:gd name="connsiteX5" fmla="*/ 0 w 2658746"/>
+                <a:gd name="connsiteY5" fmla="*/ 1329373 h 1329373"/>
+                <a:gd name="connsiteX6" fmla="*/ 1329373 w 2658746"/>
+                <a:gd name="connsiteY6" fmla="*/ 0 h 1329373"/>
+              </a:gdLst>
+              <a:ahLst/>
+              <a:cxnLst>
+                <a:cxn ang="0">
+                  <a:pos x="connsiteX0" y="connsiteY0"/>
+                </a:cxn>
+                <a:cxn ang="0">
+                  <a:pos x="connsiteX1" y="connsiteY1"/>
+                </a:cxn>
+                <a:cxn ang="0">
+                  <a:pos x="connsiteX2" y="connsiteY2"/>
+                </a:cxn>
+                <a:cxn ang="0">
+                  <a:pos x="connsiteX3" y="connsiteY3"/>
+                </a:cxn>
+                <a:cxn ang="0">
+                  <a:pos x="connsiteX4" y="connsiteY4"/>
+                </a:cxn>
+                <a:cxn ang="0">
+                  <a:pos x="connsiteX5" y="connsiteY5"/>
+                </a:cxn>
+                <a:cxn ang="0">
+                  <a:pos x="connsiteX6" y="connsiteY6"/>
+                </a:cxn>
+              </a:cxnLst>
+              <a:rect l="l" t="t" r="r" b="b"/>
+              <a:pathLst>
+                <a:path w="2658746" h="1329373">
+                  <a:moveTo>
+                    <a:pt x="1329373" y="0"/>
+                  </a:moveTo>
+                  <a:cubicBezTo>
+                    <a:pt x="2063565" y="0"/>
+                    <a:pt x="2658746" y="595181"/>
+                    <a:pt x="2658746" y="1329373"/>
+                  </a:cubicBezTo>
+                  <a:lnTo>
+                    <a:pt x="1994059" y="1329373"/>
+                  </a:lnTo>
+                  <a:cubicBezTo>
+                    <a:pt x="1994059" y="962277"/>
+                    <a:pt x="1696469" y="664687"/>
+                    <a:pt x="1329373" y="664687"/>
+                  </a:cubicBezTo>
+                  <a:cubicBezTo>
+                    <a:pt x="962277" y="664687"/>
+                    <a:pt x="664687" y="962277"/>
+                    <a:pt x="664687" y="1329373"/>
+                  </a:cubicBezTo>
+                  <a:lnTo>
+                    <a:pt x="0" y="1329373"/>
+                  </a:lnTo>
+                  <a:cubicBezTo>
+                    <a:pt x="0" y="595181"/>
+                    <a:pt x="595181" y="0"/>
+                    <a:pt x="1329373" y="0"/>
+                  </a:cubicBezTo>
+                  <a:close/>
+                </a:path>
+              </a:pathLst>
+            </a:custGeom>
+            <a:solidFill>
+              <a:schemeClr val="bg2">
+                <a:lumMod val="50000"/>
+                <a:lumOff val="50000"/>
+                <a:alpha val="40000"/>
+              </a:schemeClr>
+            </a:solidFill>
+            <a:ln>
+              <a:noFill/>
+            </a:ln>
+            <a:effectLst>
+              <a:softEdge rad="190500"/>
+            </a:effectLst>
+          </p:spPr>
+          <p:style>
+            <a:lnRef idx="2">
+              <a:schemeClr val="accent1">
+                <a:shade val="50000"/>
+              </a:schemeClr>
+            </a:lnRef>
+            <a:fillRef idx="1">
+              <a:schemeClr val="accent1"/>
+            </a:fillRef>
+            <a:effectRef idx="0">
+              <a:schemeClr val="accent1"/>
+            </a:effectRef>
+            <a:fontRef idx="minor">
+              <a:schemeClr val="lt1"/>
+            </a:fontRef>
+          </p:style>
+          <p:txBody>
+            <a:bodyPr rtlCol="0" anchor="ctr"/>
+            <a:lstStyle/>
+            <a:p>
+              <a:pPr algn="ctr"/>
+              <a:endParaRPr lang="en-US">
+                <a:solidFill>
+                  <a:schemeClr val="tx1"/>
+                </a:solidFill>
+              </a:endParaRPr>
+            </a:p>
+          </p:txBody>
+        </p:sp>
+        <p:grpSp>
+          <p:nvGrpSpPr>
+            <p:cNvPr id="35" name="Group 34">
+              <a:extLst>
+                <a:ext uri="{FF2B5EF4-FFF2-40B4-BE49-F238E27FC236}">
+                  <a16:creationId xmlns:a16="http://schemas.microsoft.com/office/drawing/2014/main" id="{B927B3B6-1E3A-4FB3-B4D6-FD4FBAC69E5A}"/>
+                </a:ext>
+                <a:ext uri="{C183D7F6-B498-43B3-948B-1728B52AA6E4}">
+                  <adec:decorative xmlns:adec="http://schemas.microsoft.com/office/drawing/2017/decorative" val="1"/>
+                </a:ext>
+              </a:extLst>
+            </p:cNvPr>
+            <p:cNvGrpSpPr/>
+            <p:nvPr>
+              <p:extLst>
+                <p:ext uri="{386F3935-93C4-4BCD-93E2-E3B085C9AB24}">
+                  <p16:designElem xmlns:p16="http://schemas.microsoft.com/office/powerpoint/2015/main" val="1"/>
+                </p:ext>
+              </p:extLst>
+            </p:nvPr>
+          </p:nvGrpSpPr>
+          <p:grpSpPr>
+            <a:xfrm>
+              <a:off x="2516173" y="3992195"/>
+              <a:ext cx="1088124" cy="1447615"/>
+              <a:chOff x="2516173" y="3992195"/>
+              <a:chExt cx="1088124" cy="1447615"/>
+            </a:xfrm>
+          </p:grpSpPr>
+          <p:sp>
+            <p:nvSpPr>
+              <p:cNvPr id="36" name="Oval 35">
+                <a:extLst>
+                  <a:ext uri="{FF2B5EF4-FFF2-40B4-BE49-F238E27FC236}">
+                    <a16:creationId xmlns:a16="http://schemas.microsoft.com/office/drawing/2014/main" id="{D7CECC28-A4F8-4378-BFA3-4AC5F6392432}"/>
+                  </a:ext>
+                  <a:ext uri="{C183D7F6-B498-43B3-948B-1728B52AA6E4}">
+                    <adec:decorative xmlns:adec="http://schemas.microsoft.com/office/drawing/2017/decorative" val="1"/>
+                  </a:ext>
+                </a:extLst>
+              </p:cNvPr>
+              <p:cNvSpPr/>
+              <p:nvPr>
+                <p:extLst>
+                  <p:ext uri="{386F3935-93C4-4BCD-93E2-E3B085C9AB24}">
+                    <p16:designElem xmlns:p16="http://schemas.microsoft.com/office/powerpoint/2015/main" val="1"/>
+                  </p:ext>
+                </p:extLst>
+              </p:nvPr>
+            </p:nvSpPr>
+            <p:spPr>
+              <a:xfrm rot="8100000">
+                <a:off x="2516173" y="3992195"/>
+                <a:ext cx="107098" cy="466589"/>
+              </a:xfrm>
+              <a:prstGeom prst="ellipse">
+                <a:avLst/>
+              </a:prstGeom>
+              <a:solidFill>
+                <a:schemeClr val="bg2"/>
+              </a:solidFill>
+              <a:ln>
+                <a:noFill/>
+              </a:ln>
+              <a:effectLst>
+                <a:innerShdw blurRad="63500" dist="2540000">
+                  <a:schemeClr val="accent1">
+                    <a:lumMod val="40000"/>
+                    <a:lumOff val="60000"/>
+                    <a:alpha val="20000"/>
+                  </a:schemeClr>
+                </a:innerShdw>
+              </a:effectLst>
+            </p:spPr>
+            <p:style>
+              <a:lnRef idx="2">
+                <a:schemeClr val="accent1">
+                  <a:shade val="50000"/>
+                </a:schemeClr>
+              </a:lnRef>
+              <a:fillRef idx="1">
+                <a:schemeClr val="accent1"/>
+              </a:fillRef>
+              <a:effectRef idx="0">
+                <a:schemeClr val="accent1"/>
+              </a:effectRef>
+              <a:fontRef idx="minor">
+                <a:schemeClr val="lt1"/>
+              </a:fontRef>
+            </p:style>
+            <p:txBody>
+              <a:bodyPr rot="0" spcFirstLastPara="0" vertOverflow="overflow" horzOverflow="overflow" vert="horz" wrap="square" lIns="91440" tIns="45720" rIns="91440" bIns="45720" numCol="1" spcCol="0" rtlCol="0" fromWordArt="0" anchor="ctr" anchorCtr="0" forceAA="0" compatLnSpc="1">
+                <a:prstTxWarp prst="textNoShape">
+                  <a:avLst/>
+                </a:prstTxWarp>
+                <a:noAutofit/>
+              </a:bodyPr>
+              <a:lstStyle/>
+              <a:p>
+                <a:pPr algn="ctr"/>
+                <a:endParaRPr lang="en-US"/>
+              </a:p>
+            </p:txBody>
+          </p:sp>
+          <p:sp>
+            <p:nvSpPr>
+              <p:cNvPr id="37" name="Oval 36">
+                <a:extLst>
+                  <a:ext uri="{FF2B5EF4-FFF2-40B4-BE49-F238E27FC236}">
+                    <a16:creationId xmlns:a16="http://schemas.microsoft.com/office/drawing/2014/main" id="{CEDBDC01-85BA-4A9D-9A95-D03EB961C88D}"/>
+                  </a:ext>
+                  <a:ext uri="{C183D7F6-B498-43B3-948B-1728B52AA6E4}">
+                    <adec:decorative xmlns:adec="http://schemas.microsoft.com/office/drawing/2017/decorative" val="1"/>
+                  </a:ext>
+                </a:extLst>
+              </p:cNvPr>
+              <p:cNvSpPr/>
+              <p:nvPr>
+                <p:extLst>
+                  <p:ext uri="{386F3935-93C4-4BCD-93E2-E3B085C9AB24}">
+                    <p16:designElem xmlns:p16="http://schemas.microsoft.com/office/powerpoint/2015/main" val="1"/>
+                  </p:ext>
+                </p:extLst>
+              </p:nvPr>
+            </p:nvSpPr>
+            <p:spPr>
+              <a:xfrm rot="8100000">
+                <a:off x="3497199" y="4973221"/>
+                <a:ext cx="107098" cy="466589"/>
+              </a:xfrm>
+              <a:prstGeom prst="ellipse">
+                <a:avLst/>
+              </a:prstGeom>
+              <a:solidFill>
+                <a:schemeClr val="bg2"/>
+              </a:solidFill>
+              <a:ln>
+                <a:noFill/>
+              </a:ln>
+              <a:effectLst>
+                <a:innerShdw blurRad="63500" dist="2540000">
+                  <a:schemeClr val="accent1">
+                    <a:lumMod val="40000"/>
+                    <a:lumOff val="60000"/>
+                    <a:alpha val="20000"/>
+                  </a:schemeClr>
+                </a:innerShdw>
+              </a:effectLst>
+            </p:spPr>
+            <p:style>
+              <a:lnRef idx="2">
+                <a:schemeClr val="accent1">
+                  <a:shade val="50000"/>
+                </a:schemeClr>
+              </a:lnRef>
+              <a:fillRef idx="1">
+                <a:schemeClr val="accent1"/>
+              </a:fillRef>
+              <a:effectRef idx="0">
+                <a:schemeClr val="accent1"/>
+              </a:effectRef>
+              <a:fontRef idx="minor">
+                <a:schemeClr val="lt1"/>
+              </a:fontRef>
+            </p:style>
+            <p:txBody>
+              <a:bodyPr rot="0" spcFirstLastPara="0" vertOverflow="overflow" horzOverflow="overflow" vert="horz" wrap="square" lIns="91440" tIns="45720" rIns="91440" bIns="45720" numCol="1" spcCol="0" rtlCol="0" fromWordArt="0" anchor="ctr" anchorCtr="0" forceAA="0" compatLnSpc="1">
+                <a:prstTxWarp prst="textNoShape">
+                  <a:avLst/>
+                </a:prstTxWarp>
+                <a:noAutofit/>
+              </a:bodyPr>
+              <a:lstStyle/>
+              <a:p>
+                <a:pPr algn="ctr"/>
+                <a:endParaRPr lang="en-US"/>
+              </a:p>
+            </p:txBody>
+          </p:sp>
+        </p:grpSp>
+      </p:grpSp>
+      <p:pic>
+        <p:nvPicPr>
+          <p:cNvPr id="11" name="Obrázek 10">
+            <a:extLst>
+              <a:ext uri="{FF2B5EF4-FFF2-40B4-BE49-F238E27FC236}">
+                <a16:creationId xmlns:a16="http://schemas.microsoft.com/office/drawing/2014/main" id="{914374A4-E3F4-1282-F37B-F4D37A0887B8}"/>
+              </a:ext>
+            </a:extLst>
+          </p:cNvPr>
+          <p:cNvPicPr>
+            <a:picLocks noChangeAspect="1"/>
+          </p:cNvPicPr>
+          <p:nvPr/>
+        </p:nvPicPr>
+        <p:blipFill>
+          <a:blip r:embed="rId4">
+            <a:extLst>
+              <a:ext uri="{28A0092B-C50C-407E-A947-70E740481C1C}">
+                <a14:useLocalDpi xmlns:a14="http://schemas.microsoft.com/office/drawing/2010/main" val="0"/>
+              </a:ext>
+            </a:extLst>
+          </a:blip>
+          <a:stretch>
+            <a:fillRect/>
+          </a:stretch>
+        </p:blipFill>
+        <p:spPr>
+          <a:xfrm>
+            <a:off x="5147057" y="5829190"/>
+            <a:ext cx="1069355" cy="376795"/>
+          </a:xfrm>
+          <a:prstGeom prst="rect">
+            <a:avLst/>
+          </a:prstGeom>
+        </p:spPr>
+      </p:pic>
     </p:spTree>
     <p:extLst>
       <p:ext uri="{BB962C8B-B14F-4D97-AF65-F5344CB8AC3E}">
@@ -23225,6 +24864,345 @@
   <p:clrMapOvr>
     <a:masterClrMapping/>
   </p:clrMapOvr>
+  <mc:AlternateContent xmlns:mc="http://schemas.openxmlformats.org/markup-compatibility/2006">
+    <mc:Choice xmlns:p14="http://schemas.microsoft.com/office/powerpoint/2010/main" Requires="p14">
+      <p:transition spd="slow" p14:dur="1300" advTm="17000">
+        <p14:pan dir="u"/>
+      </p:transition>
+    </mc:Choice>
+    <mc:Fallback>
+      <p:transition spd="slow" advTm="17000">
+        <p:fade/>
+      </p:transition>
+    </mc:Fallback>
+  </mc:AlternateContent>
+  <p:timing>
+    <p:tnLst>
+      <p:par>
+        <p:cTn id="1" dur="indefinite" restart="never" nodeType="tmRoot">
+          <p:childTnLst>
+            <p:seq concurrent="1" nextAc="seek">
+              <p:cTn id="2" dur="indefinite" nodeType="mainSeq">
+                <p:childTnLst>
+                  <p:par>
+                    <p:cTn id="3" fill="hold">
+                      <p:stCondLst>
+                        <p:cond delay="indefinite"/>
+                        <p:cond evt="onBegin" delay="0">
+                          <p:tn val="2"/>
+                        </p:cond>
+                      </p:stCondLst>
+                      <p:childTnLst>
+                        <p:par>
+                          <p:cTn id="4" fill="hold">
+                            <p:stCondLst>
+                              <p:cond delay="0"/>
+                            </p:stCondLst>
+                            <p:childTnLst>
+                              <p:par>
+                                <p:cTn id="5" presetID="2" presetClass="entr" presetSubtype="4" fill="hold" grpId="0" nodeType="afterEffect">
+                                  <p:stCondLst>
+                                    <p:cond delay="0"/>
+                                  </p:stCondLst>
+                                  <p:childTnLst>
+                                    <p:set>
+                                      <p:cBhvr>
+                                        <p:cTn id="6" dur="1" fill="hold">
+                                          <p:stCondLst>
+                                            <p:cond delay="0"/>
+                                          </p:stCondLst>
+                                        </p:cTn>
+                                        <p:tgtEl>
+                                          <p:spTgt spid="3">
+                                            <p:txEl>
+                                              <p:pRg st="0" end="0"/>
+                                            </p:txEl>
+                                          </p:spTgt>
+                                        </p:tgtEl>
+                                        <p:attrNameLst>
+                                          <p:attrName>style.visibility</p:attrName>
+                                        </p:attrNameLst>
+                                      </p:cBhvr>
+                                      <p:to>
+                                        <p:strVal val="visible"/>
+                                      </p:to>
+                                    </p:set>
+                                    <p:anim calcmode="lin" valueType="num">
+                                      <p:cBhvr additive="base">
+                                        <p:cTn id="7" dur="500" fill="hold"/>
+                                        <p:tgtEl>
+                                          <p:spTgt spid="3">
+                                            <p:txEl>
+                                              <p:pRg st="0" end="0"/>
+                                            </p:txEl>
+                                          </p:spTgt>
+                                        </p:tgtEl>
+                                        <p:attrNameLst>
+                                          <p:attrName>ppt_x</p:attrName>
+                                        </p:attrNameLst>
+                                      </p:cBhvr>
+                                      <p:tavLst>
+                                        <p:tav tm="0">
+                                          <p:val>
+                                            <p:strVal val="#ppt_x"/>
+                                          </p:val>
+                                        </p:tav>
+                                        <p:tav tm="100000">
+                                          <p:val>
+                                            <p:strVal val="#ppt_x"/>
+                                          </p:val>
+                                        </p:tav>
+                                      </p:tavLst>
+                                    </p:anim>
+                                    <p:anim calcmode="lin" valueType="num">
+                                      <p:cBhvr additive="base">
+                                        <p:cTn id="8" dur="500" fill="hold"/>
+                                        <p:tgtEl>
+                                          <p:spTgt spid="3">
+                                            <p:txEl>
+                                              <p:pRg st="0" end="0"/>
+                                            </p:txEl>
+                                          </p:spTgt>
+                                        </p:tgtEl>
+                                        <p:attrNameLst>
+                                          <p:attrName>ppt_y</p:attrName>
+                                        </p:attrNameLst>
+                                      </p:cBhvr>
+                                      <p:tavLst>
+                                        <p:tav tm="0">
+                                          <p:val>
+                                            <p:strVal val="1+#ppt_h/2"/>
+                                          </p:val>
+                                        </p:tav>
+                                        <p:tav tm="100000">
+                                          <p:val>
+                                            <p:strVal val="#ppt_y"/>
+                                          </p:val>
+                                        </p:tav>
+                                      </p:tavLst>
+                                    </p:anim>
+                                  </p:childTnLst>
+                                </p:cTn>
+                              </p:par>
+                            </p:childTnLst>
+                          </p:cTn>
+                        </p:par>
+                        <p:par>
+                          <p:cTn id="9" fill="hold">
+                            <p:stCondLst>
+                              <p:cond delay="500"/>
+                            </p:stCondLst>
+                            <p:childTnLst>
+                              <p:par>
+                                <p:cTn id="10" presetID="2" presetClass="entr" presetSubtype="4" fill="hold" grpId="0" nodeType="afterEffect">
+                                  <p:stCondLst>
+                                    <p:cond delay="0"/>
+                                  </p:stCondLst>
+                                  <p:childTnLst>
+                                    <p:set>
+                                      <p:cBhvr>
+                                        <p:cTn id="11" dur="1" fill="hold">
+                                          <p:stCondLst>
+                                            <p:cond delay="0"/>
+                                          </p:stCondLst>
+                                        </p:cTn>
+                                        <p:tgtEl>
+                                          <p:spTgt spid="3">
+                                            <p:txEl>
+                                              <p:pRg st="1" end="1"/>
+                                            </p:txEl>
+                                          </p:spTgt>
+                                        </p:tgtEl>
+                                        <p:attrNameLst>
+                                          <p:attrName>style.visibility</p:attrName>
+                                        </p:attrNameLst>
+                                      </p:cBhvr>
+                                      <p:to>
+                                        <p:strVal val="visible"/>
+                                      </p:to>
+                                    </p:set>
+                                    <p:anim calcmode="lin" valueType="num">
+                                      <p:cBhvr additive="base">
+                                        <p:cTn id="12" dur="500" fill="hold"/>
+                                        <p:tgtEl>
+                                          <p:spTgt spid="3">
+                                            <p:txEl>
+                                              <p:pRg st="1" end="1"/>
+                                            </p:txEl>
+                                          </p:spTgt>
+                                        </p:tgtEl>
+                                        <p:attrNameLst>
+                                          <p:attrName>ppt_x</p:attrName>
+                                        </p:attrNameLst>
+                                      </p:cBhvr>
+                                      <p:tavLst>
+                                        <p:tav tm="0">
+                                          <p:val>
+                                            <p:strVal val="#ppt_x"/>
+                                          </p:val>
+                                        </p:tav>
+                                        <p:tav tm="100000">
+                                          <p:val>
+                                            <p:strVal val="#ppt_x"/>
+                                          </p:val>
+                                        </p:tav>
+                                      </p:tavLst>
+                                    </p:anim>
+                                    <p:anim calcmode="lin" valueType="num">
+                                      <p:cBhvr additive="base">
+                                        <p:cTn id="13" dur="500" fill="hold"/>
+                                        <p:tgtEl>
+                                          <p:spTgt spid="3">
+                                            <p:txEl>
+                                              <p:pRg st="1" end="1"/>
+                                            </p:txEl>
+                                          </p:spTgt>
+                                        </p:tgtEl>
+                                        <p:attrNameLst>
+                                          <p:attrName>ppt_y</p:attrName>
+                                        </p:attrNameLst>
+                                      </p:cBhvr>
+                                      <p:tavLst>
+                                        <p:tav tm="0">
+                                          <p:val>
+                                            <p:strVal val="1+#ppt_h/2"/>
+                                          </p:val>
+                                        </p:tav>
+                                        <p:tav tm="100000">
+                                          <p:val>
+                                            <p:strVal val="#ppt_y"/>
+                                          </p:val>
+                                        </p:tav>
+                                      </p:tavLst>
+                                    </p:anim>
+                                  </p:childTnLst>
+                                </p:cTn>
+                              </p:par>
+                            </p:childTnLst>
+                          </p:cTn>
+                        </p:par>
+                        <p:par>
+                          <p:cTn id="14" fill="hold">
+                            <p:stCondLst>
+                              <p:cond delay="1000"/>
+                            </p:stCondLst>
+                            <p:childTnLst>
+                              <p:par>
+                                <p:cTn id="15" presetID="2" presetClass="entr" presetSubtype="4" fill="hold" grpId="0" nodeType="afterEffect">
+                                  <p:stCondLst>
+                                    <p:cond delay="0"/>
+                                  </p:stCondLst>
+                                  <p:childTnLst>
+                                    <p:set>
+                                      <p:cBhvr>
+                                        <p:cTn id="16" dur="1" fill="hold">
+                                          <p:stCondLst>
+                                            <p:cond delay="0"/>
+                                          </p:stCondLst>
+                                        </p:cTn>
+                                        <p:tgtEl>
+                                          <p:spTgt spid="3">
+                                            <p:txEl>
+                                              <p:pRg st="2" end="2"/>
+                                            </p:txEl>
+                                          </p:spTgt>
+                                        </p:tgtEl>
+                                        <p:attrNameLst>
+                                          <p:attrName>style.visibility</p:attrName>
+                                        </p:attrNameLst>
+                                      </p:cBhvr>
+                                      <p:to>
+                                        <p:strVal val="visible"/>
+                                      </p:to>
+                                    </p:set>
+                                    <p:anim calcmode="lin" valueType="num">
+                                      <p:cBhvr additive="base">
+                                        <p:cTn id="17" dur="500" fill="hold"/>
+                                        <p:tgtEl>
+                                          <p:spTgt spid="3">
+                                            <p:txEl>
+                                              <p:pRg st="2" end="2"/>
+                                            </p:txEl>
+                                          </p:spTgt>
+                                        </p:tgtEl>
+                                        <p:attrNameLst>
+                                          <p:attrName>ppt_x</p:attrName>
+                                        </p:attrNameLst>
+                                      </p:cBhvr>
+                                      <p:tavLst>
+                                        <p:tav tm="0">
+                                          <p:val>
+                                            <p:strVal val="#ppt_x"/>
+                                          </p:val>
+                                        </p:tav>
+                                        <p:tav tm="100000">
+                                          <p:val>
+                                            <p:strVal val="#ppt_x"/>
+                                          </p:val>
+                                        </p:tav>
+                                      </p:tavLst>
+                                    </p:anim>
+                                    <p:anim calcmode="lin" valueType="num">
+                                      <p:cBhvr additive="base">
+                                        <p:cTn id="18" dur="500" fill="hold"/>
+                                        <p:tgtEl>
+                                          <p:spTgt spid="3">
+                                            <p:txEl>
+                                              <p:pRg st="2" end="2"/>
+                                            </p:txEl>
+                                          </p:spTgt>
+                                        </p:tgtEl>
+                                        <p:attrNameLst>
+                                          <p:attrName>ppt_y</p:attrName>
+                                        </p:attrNameLst>
+                                      </p:cBhvr>
+                                      <p:tavLst>
+                                        <p:tav tm="0">
+                                          <p:val>
+                                            <p:strVal val="1+#ppt_h/2"/>
+                                          </p:val>
+                                        </p:tav>
+                                        <p:tav tm="100000">
+                                          <p:val>
+                                            <p:strVal val="#ppt_y"/>
+                                          </p:val>
+                                        </p:tav>
+                                      </p:tavLst>
+                                    </p:anim>
+                                  </p:childTnLst>
+                                </p:cTn>
+                              </p:par>
+                            </p:childTnLst>
+                          </p:cTn>
+                        </p:par>
+                      </p:childTnLst>
+                    </p:cTn>
+                  </p:par>
+                </p:childTnLst>
+              </p:cTn>
+              <p:prevCondLst>
+                <p:cond evt="onPrev" delay="0">
+                  <p:tgtEl>
+                    <p:sldTgt/>
+                  </p:tgtEl>
+                </p:cond>
+              </p:prevCondLst>
+              <p:nextCondLst>
+                <p:cond evt="onNext" delay="0">
+                  <p:tgtEl>
+                    <p:sldTgt/>
+                  </p:tgtEl>
+                </p:cond>
+              </p:nextCondLst>
+            </p:seq>
+          </p:childTnLst>
+        </p:cTn>
+      </p:par>
+    </p:tnLst>
+    <p:bldLst>
+      <p:bldP spid="3" grpId="0" build="p"/>
+    </p:bldLst>
+  </p:timing>
 </p:sld>
 </file>
 
@@ -23295,32 +25273,56 @@
           <a:lstStyle/>
           <a:p>
             <a:r>
-              <a:rPr lang="cs-CZ"/>
-              <a:t>For - pro</a:t>
+              <a:rPr lang="cs-CZ" dirty="0" err="1"/>
+              <a:t>For</a:t>
+            </a:r>
+            <a:r>
+              <a:rPr lang="cs-CZ" dirty="0"/>
+              <a:t> - pro</a:t>
             </a:r>
           </a:p>
           <a:p>
             <a:r>
-              <a:rPr lang="cs-CZ"/>
-              <a:t>While - mezitím</a:t>
+              <a:rPr lang="cs-CZ" dirty="0" err="1"/>
+              <a:t>While</a:t>
+            </a:r>
+            <a:r>
+              <a:rPr lang="cs-CZ" dirty="0"/>
+              <a:t> - mezitím</a:t>
             </a:r>
           </a:p>
           <a:p>
             <a:r>
-              <a:rPr lang="cs-CZ"/>
-              <a:t>Do-while – dělej mezitím</a:t>
+              <a:rPr lang="cs-CZ" dirty="0"/>
+              <a:t>Do-</a:t>
+            </a:r>
+            <a:r>
+              <a:rPr lang="cs-CZ" dirty="0" err="1"/>
+              <a:t>while</a:t>
+            </a:r>
+            <a:r>
+              <a:rPr lang="cs-CZ" dirty="0"/>
+              <a:t> – dělej mezitím</a:t>
             </a:r>
           </a:p>
           <a:p>
             <a:r>
-              <a:rPr lang="cs-CZ"/>
-              <a:t>Break – okamžité opuštění cyklu</a:t>
+              <a:rPr lang="cs-CZ" dirty="0" err="1"/>
+              <a:t>Break</a:t>
+            </a:r>
+            <a:r>
+              <a:rPr lang="cs-CZ" dirty="0"/>
+              <a:t> – okamžité opuštění cyklu</a:t>
             </a:r>
           </a:p>
           <a:p>
             <a:r>
-              <a:rPr lang="cs-CZ"/>
-              <a:t>Continue – skok ke konci cyklu</a:t>
+              <a:rPr lang="cs-CZ" dirty="0" err="1"/>
+              <a:t>Continue</a:t>
+            </a:r>
+            <a:r>
+              <a:rPr lang="cs-CZ" dirty="0"/>
+              <a:t> – skok ke konci cyklu</a:t>
             </a:r>
           </a:p>
           <a:p>
@@ -23338,6 +25340,533 @@
   <p:clrMapOvr>
     <a:masterClrMapping/>
   </p:clrMapOvr>
+  <mc:AlternateContent xmlns:mc="http://schemas.openxmlformats.org/markup-compatibility/2006">
+    <mc:Choice xmlns:p14="http://schemas.microsoft.com/office/powerpoint/2010/main" Requires="p14">
+      <p:transition spd="slow" p14:dur="3400" advTm="18000">
+        <p14:reveal/>
+      </p:transition>
+    </mc:Choice>
+    <mc:Fallback>
+      <p:transition spd="slow" advTm="18000">
+        <p:fade/>
+      </p:transition>
+    </mc:Fallback>
+  </mc:AlternateContent>
+  <p:timing>
+    <p:tnLst>
+      <p:par>
+        <p:cTn id="1" dur="indefinite" restart="never" nodeType="tmRoot">
+          <p:childTnLst>
+            <p:seq concurrent="1" nextAc="seek">
+              <p:cTn id="2" dur="indefinite" nodeType="mainSeq">
+                <p:childTnLst>
+                  <p:par>
+                    <p:cTn id="3" fill="hold">
+                      <p:stCondLst>
+                        <p:cond delay="indefinite"/>
+                        <p:cond evt="onBegin" delay="0">
+                          <p:tn val="2"/>
+                        </p:cond>
+                      </p:stCondLst>
+                      <p:childTnLst>
+                        <p:par>
+                          <p:cTn id="4" fill="hold">
+                            <p:stCondLst>
+                              <p:cond delay="0"/>
+                            </p:stCondLst>
+                            <p:childTnLst>
+                              <p:par>
+                                <p:cTn id="5" presetID="2" presetClass="entr" presetSubtype="4" fill="hold" grpId="0" nodeType="afterEffect">
+                                  <p:stCondLst>
+                                    <p:cond delay="0"/>
+                                  </p:stCondLst>
+                                  <p:childTnLst>
+                                    <p:set>
+                                      <p:cBhvr>
+                                        <p:cTn id="6" dur="1" fill="hold">
+                                          <p:stCondLst>
+                                            <p:cond delay="0"/>
+                                          </p:stCondLst>
+                                        </p:cTn>
+                                        <p:tgtEl>
+                                          <p:spTgt spid="3">
+                                            <p:txEl>
+                                              <p:pRg st="0" end="0"/>
+                                            </p:txEl>
+                                          </p:spTgt>
+                                        </p:tgtEl>
+                                        <p:attrNameLst>
+                                          <p:attrName>style.visibility</p:attrName>
+                                        </p:attrNameLst>
+                                      </p:cBhvr>
+                                      <p:to>
+                                        <p:strVal val="visible"/>
+                                      </p:to>
+                                    </p:set>
+                                    <p:anim calcmode="lin" valueType="num">
+                                      <p:cBhvr additive="base">
+                                        <p:cTn id="7" dur="500" fill="hold"/>
+                                        <p:tgtEl>
+                                          <p:spTgt spid="3">
+                                            <p:txEl>
+                                              <p:pRg st="0" end="0"/>
+                                            </p:txEl>
+                                          </p:spTgt>
+                                        </p:tgtEl>
+                                        <p:attrNameLst>
+                                          <p:attrName>ppt_x</p:attrName>
+                                        </p:attrNameLst>
+                                      </p:cBhvr>
+                                      <p:tavLst>
+                                        <p:tav tm="0">
+                                          <p:val>
+                                            <p:strVal val="#ppt_x"/>
+                                          </p:val>
+                                        </p:tav>
+                                        <p:tav tm="100000">
+                                          <p:val>
+                                            <p:strVal val="#ppt_x"/>
+                                          </p:val>
+                                        </p:tav>
+                                      </p:tavLst>
+                                    </p:anim>
+                                    <p:anim calcmode="lin" valueType="num">
+                                      <p:cBhvr additive="base">
+                                        <p:cTn id="8" dur="500" fill="hold"/>
+                                        <p:tgtEl>
+                                          <p:spTgt spid="3">
+                                            <p:txEl>
+                                              <p:pRg st="0" end="0"/>
+                                            </p:txEl>
+                                          </p:spTgt>
+                                        </p:tgtEl>
+                                        <p:attrNameLst>
+                                          <p:attrName>ppt_y</p:attrName>
+                                        </p:attrNameLst>
+                                      </p:cBhvr>
+                                      <p:tavLst>
+                                        <p:tav tm="0">
+                                          <p:val>
+                                            <p:strVal val="1+#ppt_h/2"/>
+                                          </p:val>
+                                        </p:tav>
+                                        <p:tav tm="100000">
+                                          <p:val>
+                                            <p:strVal val="#ppt_y"/>
+                                          </p:val>
+                                        </p:tav>
+                                      </p:tavLst>
+                                    </p:anim>
+                                  </p:childTnLst>
+                                </p:cTn>
+                              </p:par>
+                            </p:childTnLst>
+                          </p:cTn>
+                        </p:par>
+                        <p:par>
+                          <p:cTn id="9" fill="hold">
+                            <p:stCondLst>
+                              <p:cond delay="500"/>
+                            </p:stCondLst>
+                            <p:childTnLst>
+                              <p:par>
+                                <p:cTn id="10" presetID="2" presetClass="entr" presetSubtype="4" fill="hold" grpId="0" nodeType="afterEffect">
+                                  <p:stCondLst>
+                                    <p:cond delay="0"/>
+                                  </p:stCondLst>
+                                  <p:childTnLst>
+                                    <p:set>
+                                      <p:cBhvr>
+                                        <p:cTn id="11" dur="1" fill="hold">
+                                          <p:stCondLst>
+                                            <p:cond delay="0"/>
+                                          </p:stCondLst>
+                                        </p:cTn>
+                                        <p:tgtEl>
+                                          <p:spTgt spid="3">
+                                            <p:txEl>
+                                              <p:pRg st="1" end="1"/>
+                                            </p:txEl>
+                                          </p:spTgt>
+                                        </p:tgtEl>
+                                        <p:attrNameLst>
+                                          <p:attrName>style.visibility</p:attrName>
+                                        </p:attrNameLst>
+                                      </p:cBhvr>
+                                      <p:to>
+                                        <p:strVal val="visible"/>
+                                      </p:to>
+                                    </p:set>
+                                    <p:anim calcmode="lin" valueType="num">
+                                      <p:cBhvr additive="base">
+                                        <p:cTn id="12" dur="500" fill="hold"/>
+                                        <p:tgtEl>
+                                          <p:spTgt spid="3">
+                                            <p:txEl>
+                                              <p:pRg st="1" end="1"/>
+                                            </p:txEl>
+                                          </p:spTgt>
+                                        </p:tgtEl>
+                                        <p:attrNameLst>
+                                          <p:attrName>ppt_x</p:attrName>
+                                        </p:attrNameLst>
+                                      </p:cBhvr>
+                                      <p:tavLst>
+                                        <p:tav tm="0">
+                                          <p:val>
+                                            <p:strVal val="#ppt_x"/>
+                                          </p:val>
+                                        </p:tav>
+                                        <p:tav tm="100000">
+                                          <p:val>
+                                            <p:strVal val="#ppt_x"/>
+                                          </p:val>
+                                        </p:tav>
+                                      </p:tavLst>
+                                    </p:anim>
+                                    <p:anim calcmode="lin" valueType="num">
+                                      <p:cBhvr additive="base">
+                                        <p:cTn id="13" dur="500" fill="hold"/>
+                                        <p:tgtEl>
+                                          <p:spTgt spid="3">
+                                            <p:txEl>
+                                              <p:pRg st="1" end="1"/>
+                                            </p:txEl>
+                                          </p:spTgt>
+                                        </p:tgtEl>
+                                        <p:attrNameLst>
+                                          <p:attrName>ppt_y</p:attrName>
+                                        </p:attrNameLst>
+                                      </p:cBhvr>
+                                      <p:tavLst>
+                                        <p:tav tm="0">
+                                          <p:val>
+                                            <p:strVal val="1+#ppt_h/2"/>
+                                          </p:val>
+                                        </p:tav>
+                                        <p:tav tm="100000">
+                                          <p:val>
+                                            <p:strVal val="#ppt_y"/>
+                                          </p:val>
+                                        </p:tav>
+                                      </p:tavLst>
+                                    </p:anim>
+                                  </p:childTnLst>
+                                </p:cTn>
+                              </p:par>
+                            </p:childTnLst>
+                          </p:cTn>
+                        </p:par>
+                        <p:par>
+                          <p:cTn id="14" fill="hold">
+                            <p:stCondLst>
+                              <p:cond delay="1000"/>
+                            </p:stCondLst>
+                            <p:childTnLst>
+                              <p:par>
+                                <p:cTn id="15" presetID="2" presetClass="entr" presetSubtype="4" fill="hold" grpId="0" nodeType="afterEffect">
+                                  <p:stCondLst>
+                                    <p:cond delay="0"/>
+                                  </p:stCondLst>
+                                  <p:childTnLst>
+                                    <p:set>
+                                      <p:cBhvr>
+                                        <p:cTn id="16" dur="1" fill="hold">
+                                          <p:stCondLst>
+                                            <p:cond delay="0"/>
+                                          </p:stCondLst>
+                                        </p:cTn>
+                                        <p:tgtEl>
+                                          <p:spTgt spid="3">
+                                            <p:txEl>
+                                              <p:pRg st="2" end="2"/>
+                                            </p:txEl>
+                                          </p:spTgt>
+                                        </p:tgtEl>
+                                        <p:attrNameLst>
+                                          <p:attrName>style.visibility</p:attrName>
+                                        </p:attrNameLst>
+                                      </p:cBhvr>
+                                      <p:to>
+                                        <p:strVal val="visible"/>
+                                      </p:to>
+                                    </p:set>
+                                    <p:anim calcmode="lin" valueType="num">
+                                      <p:cBhvr additive="base">
+                                        <p:cTn id="17" dur="500" fill="hold"/>
+                                        <p:tgtEl>
+                                          <p:spTgt spid="3">
+                                            <p:txEl>
+                                              <p:pRg st="2" end="2"/>
+                                            </p:txEl>
+                                          </p:spTgt>
+                                        </p:tgtEl>
+                                        <p:attrNameLst>
+                                          <p:attrName>ppt_x</p:attrName>
+                                        </p:attrNameLst>
+                                      </p:cBhvr>
+                                      <p:tavLst>
+                                        <p:tav tm="0">
+                                          <p:val>
+                                            <p:strVal val="#ppt_x"/>
+                                          </p:val>
+                                        </p:tav>
+                                        <p:tav tm="100000">
+                                          <p:val>
+                                            <p:strVal val="#ppt_x"/>
+                                          </p:val>
+                                        </p:tav>
+                                      </p:tavLst>
+                                    </p:anim>
+                                    <p:anim calcmode="lin" valueType="num">
+                                      <p:cBhvr additive="base">
+                                        <p:cTn id="18" dur="500" fill="hold"/>
+                                        <p:tgtEl>
+                                          <p:spTgt spid="3">
+                                            <p:txEl>
+                                              <p:pRg st="2" end="2"/>
+                                            </p:txEl>
+                                          </p:spTgt>
+                                        </p:tgtEl>
+                                        <p:attrNameLst>
+                                          <p:attrName>ppt_y</p:attrName>
+                                        </p:attrNameLst>
+                                      </p:cBhvr>
+                                      <p:tavLst>
+                                        <p:tav tm="0">
+                                          <p:val>
+                                            <p:strVal val="1+#ppt_h/2"/>
+                                          </p:val>
+                                        </p:tav>
+                                        <p:tav tm="100000">
+                                          <p:val>
+                                            <p:strVal val="#ppt_y"/>
+                                          </p:val>
+                                        </p:tav>
+                                      </p:tavLst>
+                                    </p:anim>
+                                  </p:childTnLst>
+                                </p:cTn>
+                              </p:par>
+                            </p:childTnLst>
+                          </p:cTn>
+                        </p:par>
+                        <p:par>
+                          <p:cTn id="19" fill="hold">
+                            <p:stCondLst>
+                              <p:cond delay="1500"/>
+                            </p:stCondLst>
+                            <p:childTnLst>
+                              <p:par>
+                                <p:cTn id="20" presetID="2" presetClass="entr" presetSubtype="4" fill="hold" grpId="0" nodeType="afterEffect">
+                                  <p:stCondLst>
+                                    <p:cond delay="0"/>
+                                  </p:stCondLst>
+                                  <p:childTnLst>
+                                    <p:set>
+                                      <p:cBhvr>
+                                        <p:cTn id="21" dur="1" fill="hold">
+                                          <p:stCondLst>
+                                            <p:cond delay="0"/>
+                                          </p:stCondLst>
+                                        </p:cTn>
+                                        <p:tgtEl>
+                                          <p:spTgt spid="3">
+                                            <p:txEl>
+                                              <p:pRg st="3" end="3"/>
+                                            </p:txEl>
+                                          </p:spTgt>
+                                        </p:tgtEl>
+                                        <p:attrNameLst>
+                                          <p:attrName>style.visibility</p:attrName>
+                                        </p:attrNameLst>
+                                      </p:cBhvr>
+                                      <p:to>
+                                        <p:strVal val="visible"/>
+                                      </p:to>
+                                    </p:set>
+                                    <p:anim calcmode="lin" valueType="num">
+                                      <p:cBhvr additive="base">
+                                        <p:cTn id="22" dur="500" fill="hold"/>
+                                        <p:tgtEl>
+                                          <p:spTgt spid="3">
+                                            <p:txEl>
+                                              <p:pRg st="3" end="3"/>
+                                            </p:txEl>
+                                          </p:spTgt>
+                                        </p:tgtEl>
+                                        <p:attrNameLst>
+                                          <p:attrName>ppt_x</p:attrName>
+                                        </p:attrNameLst>
+                                      </p:cBhvr>
+                                      <p:tavLst>
+                                        <p:tav tm="0">
+                                          <p:val>
+                                            <p:strVal val="#ppt_x"/>
+                                          </p:val>
+                                        </p:tav>
+                                        <p:tav tm="100000">
+                                          <p:val>
+                                            <p:strVal val="#ppt_x"/>
+                                          </p:val>
+                                        </p:tav>
+                                      </p:tavLst>
+                                    </p:anim>
+                                    <p:anim calcmode="lin" valueType="num">
+                                      <p:cBhvr additive="base">
+                                        <p:cTn id="23" dur="500" fill="hold"/>
+                                        <p:tgtEl>
+                                          <p:spTgt spid="3">
+                                            <p:txEl>
+                                              <p:pRg st="3" end="3"/>
+                                            </p:txEl>
+                                          </p:spTgt>
+                                        </p:tgtEl>
+                                        <p:attrNameLst>
+                                          <p:attrName>ppt_y</p:attrName>
+                                        </p:attrNameLst>
+                                      </p:cBhvr>
+                                      <p:tavLst>
+                                        <p:tav tm="0">
+                                          <p:val>
+                                            <p:strVal val="1+#ppt_h/2"/>
+                                          </p:val>
+                                        </p:tav>
+                                        <p:tav tm="100000">
+                                          <p:val>
+                                            <p:strVal val="#ppt_y"/>
+                                          </p:val>
+                                        </p:tav>
+                                      </p:tavLst>
+                                    </p:anim>
+                                  </p:childTnLst>
+                                </p:cTn>
+                              </p:par>
+                            </p:childTnLst>
+                          </p:cTn>
+                        </p:par>
+                        <p:par>
+                          <p:cTn id="24" fill="hold">
+                            <p:stCondLst>
+                              <p:cond delay="2000"/>
+                            </p:stCondLst>
+                            <p:childTnLst>
+                              <p:par>
+                                <p:cTn id="25" presetID="2" presetClass="entr" presetSubtype="4" fill="hold" grpId="0" nodeType="afterEffect">
+                                  <p:stCondLst>
+                                    <p:cond delay="0"/>
+                                  </p:stCondLst>
+                                  <p:childTnLst>
+                                    <p:set>
+                                      <p:cBhvr>
+                                        <p:cTn id="26" dur="1" fill="hold">
+                                          <p:stCondLst>
+                                            <p:cond delay="0"/>
+                                          </p:stCondLst>
+                                        </p:cTn>
+                                        <p:tgtEl>
+                                          <p:spTgt spid="3">
+                                            <p:txEl>
+                                              <p:pRg st="4" end="4"/>
+                                            </p:txEl>
+                                          </p:spTgt>
+                                        </p:tgtEl>
+                                        <p:attrNameLst>
+                                          <p:attrName>style.visibility</p:attrName>
+                                        </p:attrNameLst>
+                                      </p:cBhvr>
+                                      <p:to>
+                                        <p:strVal val="visible"/>
+                                      </p:to>
+                                    </p:set>
+                                    <p:anim calcmode="lin" valueType="num">
+                                      <p:cBhvr additive="base">
+                                        <p:cTn id="27" dur="500" fill="hold"/>
+                                        <p:tgtEl>
+                                          <p:spTgt spid="3">
+                                            <p:txEl>
+                                              <p:pRg st="4" end="4"/>
+                                            </p:txEl>
+                                          </p:spTgt>
+                                        </p:tgtEl>
+                                        <p:attrNameLst>
+                                          <p:attrName>ppt_x</p:attrName>
+                                        </p:attrNameLst>
+                                      </p:cBhvr>
+                                      <p:tavLst>
+                                        <p:tav tm="0">
+                                          <p:val>
+                                            <p:strVal val="#ppt_x"/>
+                                          </p:val>
+                                        </p:tav>
+                                        <p:tav tm="100000">
+                                          <p:val>
+                                            <p:strVal val="#ppt_x"/>
+                                          </p:val>
+                                        </p:tav>
+                                      </p:tavLst>
+                                    </p:anim>
+                                    <p:anim calcmode="lin" valueType="num">
+                                      <p:cBhvr additive="base">
+                                        <p:cTn id="28" dur="500" fill="hold"/>
+                                        <p:tgtEl>
+                                          <p:spTgt spid="3">
+                                            <p:txEl>
+                                              <p:pRg st="4" end="4"/>
+                                            </p:txEl>
+                                          </p:spTgt>
+                                        </p:tgtEl>
+                                        <p:attrNameLst>
+                                          <p:attrName>ppt_y</p:attrName>
+                                        </p:attrNameLst>
+                                      </p:cBhvr>
+                                      <p:tavLst>
+                                        <p:tav tm="0">
+                                          <p:val>
+                                            <p:strVal val="1+#ppt_h/2"/>
+                                          </p:val>
+                                        </p:tav>
+                                        <p:tav tm="100000">
+                                          <p:val>
+                                            <p:strVal val="#ppt_y"/>
+                                          </p:val>
+                                        </p:tav>
+                                      </p:tavLst>
+                                    </p:anim>
+                                  </p:childTnLst>
+                                </p:cTn>
+                              </p:par>
+                            </p:childTnLst>
+                          </p:cTn>
+                        </p:par>
+                      </p:childTnLst>
+                    </p:cTn>
+                  </p:par>
+                </p:childTnLst>
+              </p:cTn>
+              <p:prevCondLst>
+                <p:cond evt="onPrev" delay="0">
+                  <p:tgtEl>
+                    <p:sldTgt/>
+                  </p:tgtEl>
+                </p:cond>
+              </p:prevCondLst>
+              <p:nextCondLst>
+                <p:cond evt="onNext" delay="0">
+                  <p:tgtEl>
+                    <p:sldTgt/>
+                  </p:tgtEl>
+                </p:cond>
+              </p:nextCondLst>
+            </p:seq>
+          </p:childTnLst>
+        </p:cTn>
+      </p:par>
+    </p:tnLst>
+    <p:bldLst>
+      <p:bldP spid="3" grpId="0" build="p"/>
+    </p:bldLst>
+  </p:timing>
 </p:sld>
 </file>
 
@@ -23422,33 +25951,6 @@
               <a:t>-C</a:t>
             </a:r>
           </a:p>
-          <a:p>
-            <a:r>
-              <a:rPr lang="cs-CZ" dirty="0"/>
-              <a:t>OOP – </a:t>
-            </a:r>
-            <a:r>
-              <a:rPr lang="cs-CZ" dirty="0" err="1"/>
-              <a:t>Object</a:t>
-            </a:r>
-            <a:r>
-              <a:rPr lang="cs-CZ" dirty="0"/>
-              <a:t> </a:t>
-            </a:r>
-            <a:r>
-              <a:rPr lang="cs-CZ" dirty="0" err="1"/>
-              <a:t>oriented</a:t>
-            </a:r>
-            <a:r>
-              <a:rPr lang="cs-CZ" dirty="0"/>
-              <a:t> </a:t>
-            </a:r>
-            <a:r>
-              <a:rPr lang="cs-CZ" dirty="0" err="1"/>
-              <a:t>programming</a:t>
-            </a:r>
-            <a:endParaRPr lang="cs-CZ" dirty="0"/>
-          </a:p>
         </p:txBody>
       </p:sp>
       <p:sp>
@@ -23483,6 +25985,35 @@
               <a:rPr lang="cs-CZ" dirty="0"/>
               <a:t>V této době bylo velmi populární OOP, proto také vznikly.</a:t>
             </a:r>
+          </a:p>
+          <a:p>
+            <a:r>
+              <a:rPr lang="cs-CZ" dirty="0"/>
+              <a:t>OOP – </a:t>
+            </a:r>
+            <a:r>
+              <a:rPr lang="cs-CZ" dirty="0" err="1"/>
+              <a:t>Object</a:t>
+            </a:r>
+            <a:r>
+              <a:rPr lang="cs-CZ" dirty="0"/>
+              <a:t> </a:t>
+            </a:r>
+            <a:r>
+              <a:rPr lang="cs-CZ" dirty="0" err="1"/>
+              <a:t>oriented</a:t>
+            </a:r>
+            <a:r>
+              <a:rPr lang="cs-CZ" dirty="0"/>
+              <a:t> </a:t>
+            </a:r>
+            <a:r>
+              <a:rPr lang="cs-CZ" dirty="0" err="1"/>
+              <a:t>programming</a:t>
+            </a:r>
+            <a:endParaRPr lang="cs-CZ" dirty="0"/>
+          </a:p>
+          <a:p>
             <a:br>
               <a:rPr lang="cs-CZ" dirty="0"/>
             </a:br>
@@ -23490,6 +26021,42 @@
           </a:p>
         </p:txBody>
       </p:sp>
+      <p:pic>
+        <p:nvPicPr>
+          <p:cNvPr id="7" name="Obrázek 6">
+            <a:extLst>
+              <a:ext uri="{FF2B5EF4-FFF2-40B4-BE49-F238E27FC236}">
+                <a16:creationId xmlns:a16="http://schemas.microsoft.com/office/drawing/2014/main" id="{D16B3429-2C33-3F15-BFAC-571D9EFFE135}"/>
+              </a:ext>
+            </a:extLst>
+          </p:cNvPr>
+          <p:cNvPicPr>
+            <a:picLocks noChangeAspect="1"/>
+          </p:cNvPicPr>
+          <p:nvPr/>
+        </p:nvPicPr>
+        <p:blipFill>
+          <a:blip r:embed="rId2">
+            <a:extLst>
+              <a:ext uri="{28A0092B-C50C-407E-A947-70E740481C1C}">
+                <a14:useLocalDpi xmlns:a14="http://schemas.microsoft.com/office/drawing/2010/main" val="0"/>
+              </a:ext>
+            </a:extLst>
+          </a:blip>
+          <a:stretch>
+            <a:fillRect/>
+          </a:stretch>
+        </p:blipFill>
+        <p:spPr>
+          <a:xfrm>
+            <a:off x="8075614" y="765175"/>
+            <a:ext cx="3051390" cy="3428999"/>
+          </a:xfrm>
+          <a:prstGeom prst="rect">
+            <a:avLst/>
+          </a:prstGeom>
+        </p:spPr>
+      </p:pic>
     </p:spTree>
     <p:extLst>
       <p:ext uri="{BB962C8B-B14F-4D97-AF65-F5344CB8AC3E}">
@@ -23500,6 +26067,158 @@
   <p:clrMapOvr>
     <a:masterClrMapping/>
   </p:clrMapOvr>
+  <p:transition spd="slow" advTm="27000">
+    <p:cover/>
+  </p:transition>
+  <p:timing>
+    <p:tnLst>
+      <p:par>
+        <p:cTn id="1" dur="indefinite" restart="never" nodeType="tmRoot">
+          <p:childTnLst>
+            <p:seq concurrent="1" nextAc="seek">
+              <p:cTn id="2" dur="indefinite" nodeType="mainSeq">
+                <p:childTnLst>
+                  <p:par>
+                    <p:cTn id="3" fill="hold">
+                      <p:stCondLst>
+                        <p:cond delay="indefinite"/>
+                        <p:cond evt="onBegin" delay="0">
+                          <p:tn val="2"/>
+                        </p:cond>
+                      </p:stCondLst>
+                      <p:childTnLst>
+                        <p:par>
+                          <p:cTn id="4" fill="hold">
+                            <p:stCondLst>
+                              <p:cond delay="0"/>
+                            </p:stCondLst>
+                            <p:childTnLst>
+                              <p:par>
+                                <p:cTn id="5" presetID="10" presetClass="entr" presetSubtype="0" fill="hold" grpId="0" nodeType="afterEffect">
+                                  <p:stCondLst>
+                                    <p:cond delay="0"/>
+                                  </p:stCondLst>
+                                  <p:childTnLst>
+                                    <p:set>
+                                      <p:cBhvr>
+                                        <p:cTn id="6" dur="1" fill="hold">
+                                          <p:stCondLst>
+                                            <p:cond delay="0"/>
+                                          </p:stCondLst>
+                                        </p:cTn>
+                                        <p:tgtEl>
+                                          <p:spTgt spid="3">
+                                            <p:txEl>
+                                              <p:pRg st="0" end="0"/>
+                                            </p:txEl>
+                                          </p:spTgt>
+                                        </p:tgtEl>
+                                        <p:attrNameLst>
+                                          <p:attrName>style.visibility</p:attrName>
+                                        </p:attrNameLst>
+                                      </p:cBhvr>
+                                      <p:to>
+                                        <p:strVal val="visible"/>
+                                      </p:to>
+                                    </p:set>
+                                    <p:animEffect transition="in" filter="fade">
+                                      <p:cBhvr>
+                                        <p:cTn id="7" dur="500"/>
+                                        <p:tgtEl>
+                                          <p:spTgt spid="3">
+                                            <p:txEl>
+                                              <p:pRg st="0" end="0"/>
+                                            </p:txEl>
+                                          </p:spTgt>
+                                        </p:tgtEl>
+                                      </p:cBhvr>
+                                    </p:animEffect>
+                                  </p:childTnLst>
+                                </p:cTn>
+                              </p:par>
+                            </p:childTnLst>
+                          </p:cTn>
+                        </p:par>
+                        <p:par>
+                          <p:cTn id="8" fill="hold">
+                            <p:stCondLst>
+                              <p:cond delay="500"/>
+                            </p:stCondLst>
+                            <p:childTnLst>
+                              <p:par>
+                                <p:cTn id="9" presetID="10" presetClass="entr" presetSubtype="0" fill="hold" grpId="0" nodeType="afterEffect">
+                                  <p:stCondLst>
+                                    <p:cond delay="0"/>
+                                  </p:stCondLst>
+                                  <p:childTnLst>
+                                    <p:set>
+                                      <p:cBhvr>
+                                        <p:cTn id="10" dur="1" fill="hold">
+                                          <p:stCondLst>
+                                            <p:cond delay="0"/>
+                                          </p:stCondLst>
+                                        </p:cTn>
+                                        <p:tgtEl>
+                                          <p:spTgt spid="3">
+                                            <p:txEl>
+                                              <p:pRg st="1" end="1"/>
+                                            </p:txEl>
+                                          </p:spTgt>
+                                        </p:tgtEl>
+                                        <p:attrNameLst>
+                                          <p:attrName>style.visibility</p:attrName>
+                                        </p:attrNameLst>
+                                      </p:cBhvr>
+                                      <p:to>
+                                        <p:strVal val="visible"/>
+                                      </p:to>
+                                    </p:set>
+                                    <p:animEffect transition="in" filter="fade">
+                                      <p:cBhvr>
+                                        <p:cTn id="11" dur="500"/>
+                                        <p:tgtEl>
+                                          <p:spTgt spid="3">
+                                            <p:txEl>
+                                              <p:pRg st="1" end="1"/>
+                                            </p:txEl>
+                                          </p:spTgt>
+                                        </p:tgtEl>
+                                      </p:cBhvr>
+                                    </p:animEffect>
+                                  </p:childTnLst>
+                                </p:cTn>
+                              </p:par>
+                            </p:childTnLst>
+                          </p:cTn>
+                        </p:par>
+                      </p:childTnLst>
+                    </p:cTn>
+                  </p:par>
+                </p:childTnLst>
+              </p:cTn>
+              <p:prevCondLst>
+                <p:cond evt="onPrev" delay="0">
+                  <p:tgtEl>
+                    <p:sldTgt/>
+                  </p:tgtEl>
+                </p:cond>
+              </p:prevCondLst>
+              <p:nextCondLst>
+                <p:cond evt="onNext" delay="0">
+                  <p:tgtEl>
+                    <p:sldTgt/>
+                  </p:tgtEl>
+                </p:cond>
+              </p:nextCondLst>
+            </p:seq>
+          </p:childTnLst>
+        </p:cTn>
+      </p:par>
+    </p:tnLst>
+    <p:bldLst>
+      <p:bldP spid="3" grpId="0" build="p"/>
+    </p:bldLst>
+  </p:timing>
 </p:sld>
 </file>
 
@@ -23538,7 +26257,9 @@
         </p:nvSpPr>
         <p:spPr/>
         <p:txBody>
-          <a:bodyPr/>
+          <a:bodyPr>
+            <a:normAutofit/>
+          </a:bodyPr>
           <a:lstStyle/>
           <a:p>
             <a:r>
@@ -23549,12 +26270,93 @@
               <a:rPr lang="cs-CZ" dirty="0"/>
             </a:br>
             <a:r>
-              <a:rPr lang="cs-CZ" sz="2800" dirty="0"/>
-              <a:t>zdroj kódu: </a:t>
+              <a:rPr lang="cs-CZ" sz="1400" b="0" i="0" dirty="0" err="1">
+                <a:effectLst/>
+                <a:latin typeface="Roboto Slab" pitchFamily="2" charset="0"/>
+              </a:rPr>
+              <a:t>C</a:t>
             </a:r>
             <a:r>
-              <a:rPr lang="cs-CZ" sz="2800" dirty="0">
-                <a:hlinkClick r:id="rId2"/>
+              <a:rPr lang="cs-CZ" sz="1400" b="0" i="0" dirty="0">
+                <a:effectLst/>
+                <a:latin typeface="Roboto Slab" pitchFamily="2" charset="0"/>
+              </a:rPr>
+              <a:t> Program To </a:t>
+            </a:r>
+            <a:r>
+              <a:rPr lang="cs-CZ" sz="1400" b="0" i="0" dirty="0" err="1">
+                <a:effectLst/>
+                <a:latin typeface="Roboto Slab" pitchFamily="2" charset="0"/>
+              </a:rPr>
+              <a:t>Calculate</a:t>
+            </a:r>
+            <a:r>
+              <a:rPr lang="cs-CZ" sz="1400" b="0" i="0" dirty="0">
+                <a:effectLst/>
+                <a:latin typeface="Roboto Slab" pitchFamily="2" charset="0"/>
+              </a:rPr>
+              <a:t> BMI and BMI </a:t>
+            </a:r>
+            <a:r>
+              <a:rPr lang="cs-CZ" sz="1400" b="0" i="0" dirty="0" err="1">
+                <a:effectLst/>
+                <a:latin typeface="Roboto Slab" pitchFamily="2" charset="0"/>
+              </a:rPr>
+              <a:t>Category</a:t>
+            </a:r>
+            <a:r>
+              <a:rPr lang="cs-CZ" sz="1400" b="0" i="0" dirty="0">
+                <a:effectLst/>
+                <a:latin typeface="Roboto Slab" pitchFamily="2" charset="0"/>
+              </a:rPr>
+              <a:t>. </a:t>
+            </a:r>
+            <a:r>
+              <a:rPr lang="cs-CZ" sz="1400" b="0" i="1" dirty="0">
+                <a:effectLst/>
+                <a:latin typeface="Roboto Slab" pitchFamily="2" charset="0"/>
+              </a:rPr>
+              <a:t>Technotip.com | </a:t>
+            </a:r>
+            <a:r>
+              <a:rPr lang="cs-CZ" sz="1400" b="0" i="1" dirty="0" err="1">
+                <a:effectLst/>
+                <a:latin typeface="Roboto Slab" pitchFamily="2" charset="0"/>
+              </a:rPr>
+              <a:t>Programming</a:t>
+            </a:r>
+            <a:r>
+              <a:rPr lang="cs-CZ" sz="1400" b="0" i="1" dirty="0">
+                <a:effectLst/>
+                <a:latin typeface="Roboto Slab" pitchFamily="2" charset="0"/>
+              </a:rPr>
+              <a:t> Video </a:t>
+            </a:r>
+            <a:r>
+              <a:rPr lang="cs-CZ" sz="1400" b="0" i="1" dirty="0" err="1">
+                <a:effectLst/>
+                <a:latin typeface="Roboto Slab" pitchFamily="2" charset="0"/>
+              </a:rPr>
+              <a:t>Tutorials</a:t>
+            </a:r>
+            <a:r>
+              <a:rPr lang="cs-CZ" sz="1400" b="0" i="0" dirty="0">
+                <a:effectLst/>
+                <a:latin typeface="Roboto Slab" pitchFamily="2" charset="0"/>
+              </a:rPr>
+              <a:t> [online]. Dostupné z: </a:t>
+            </a:r>
+            <a:r>
+              <a:rPr lang="cs-CZ" sz="1400" b="0" i="0" u="none" strike="noStrike" dirty="0">
+                <a:effectLst/>
+                <a:latin typeface="Roboto Slab" pitchFamily="2" charset="0"/>
+                <a:hlinkClick r:id="rId2">
+                  <a:extLst>
+                    <a:ext uri="{A12FA001-AC4F-418D-AE19-62706E023703}">
+                      <ahyp:hlinkClr xmlns:ahyp="http://schemas.microsoft.com/office/drawing/2018/hyperlinkcolor" val="tx"/>
+                    </a:ext>
+                  </a:extLst>
+                </a:hlinkClick>
               </a:rPr>
               <a:t>https://technotip.com/7218/c-program-to-calculate-bmi-and-bmi-category/</a:t>
             </a:r>
@@ -23572,6 +26374,9 @@
   <p:clrMapOvr>
     <a:masterClrMapping/>
   </p:clrMapOvr>
+  <p:transition spd="med" advTm="6000">
+    <p:pull/>
+  </p:transition>
 </p:sld>
 </file>
 
@@ -23638,6 +26443,18 @@
   <p:clrMapOvr>
     <a:masterClrMapping/>
   </p:clrMapOvr>
+  <mc:AlternateContent xmlns:mc="http://schemas.openxmlformats.org/markup-compatibility/2006">
+    <mc:Choice xmlns:p159="http://schemas.microsoft.com/office/powerpoint/2015/09/main" Requires="p159">
+      <p:transition xmlns:p14="http://schemas.microsoft.com/office/powerpoint/2010/main" spd="slow" p14:dur="2000" advTm="63000">
+        <p159:morph option="byObject"/>
+      </p:transition>
+    </mc:Choice>
+    <mc:Fallback>
+      <p:transition spd="slow" advTm="63000">
+        <p:fade/>
+      </p:transition>
+    </mc:Fallback>
+  </mc:AlternateContent>
 </p:sld>
 </file>
 
@@ -23736,6 +26553,345 @@
   <p:clrMapOvr>
     <a:masterClrMapping/>
   </p:clrMapOvr>
+  <mc:AlternateContent xmlns:mc="http://schemas.openxmlformats.org/markup-compatibility/2006">
+    <mc:Choice xmlns:p159="http://schemas.microsoft.com/office/powerpoint/2015/09/main" Requires="p159">
+      <p:transition xmlns:p14="http://schemas.microsoft.com/office/powerpoint/2010/main" spd="slow" p14:dur="2000" advTm="29000">
+        <p159:morph option="byObject"/>
+      </p:transition>
+    </mc:Choice>
+    <mc:Fallback>
+      <p:transition spd="slow" advTm="29000">
+        <p:fade/>
+      </p:transition>
+    </mc:Fallback>
+  </mc:AlternateContent>
+  <p:timing>
+    <p:tnLst>
+      <p:par>
+        <p:cTn id="1" dur="indefinite" restart="never" nodeType="tmRoot">
+          <p:childTnLst>
+            <p:seq concurrent="1" nextAc="seek">
+              <p:cTn id="2" dur="indefinite" nodeType="mainSeq">
+                <p:childTnLst>
+                  <p:par>
+                    <p:cTn id="3" fill="hold">
+                      <p:stCondLst>
+                        <p:cond delay="indefinite"/>
+                        <p:cond evt="onBegin" delay="0">
+                          <p:tn val="2"/>
+                        </p:cond>
+                      </p:stCondLst>
+                      <p:childTnLst>
+                        <p:par>
+                          <p:cTn id="4" fill="hold">
+                            <p:stCondLst>
+                              <p:cond delay="0"/>
+                            </p:stCondLst>
+                            <p:childTnLst>
+                              <p:par>
+                                <p:cTn id="5" presetID="2" presetClass="entr" presetSubtype="4" fill="hold" grpId="0" nodeType="afterEffect">
+                                  <p:stCondLst>
+                                    <p:cond delay="0"/>
+                                  </p:stCondLst>
+                                  <p:childTnLst>
+                                    <p:set>
+                                      <p:cBhvr>
+                                        <p:cTn id="6" dur="1" fill="hold">
+                                          <p:stCondLst>
+                                            <p:cond delay="0"/>
+                                          </p:stCondLst>
+                                        </p:cTn>
+                                        <p:tgtEl>
+                                          <p:spTgt spid="3">
+                                            <p:txEl>
+                                              <p:pRg st="0" end="0"/>
+                                            </p:txEl>
+                                          </p:spTgt>
+                                        </p:tgtEl>
+                                        <p:attrNameLst>
+                                          <p:attrName>style.visibility</p:attrName>
+                                        </p:attrNameLst>
+                                      </p:cBhvr>
+                                      <p:to>
+                                        <p:strVal val="visible"/>
+                                      </p:to>
+                                    </p:set>
+                                    <p:anim calcmode="lin" valueType="num">
+                                      <p:cBhvr additive="base">
+                                        <p:cTn id="7" dur="500" fill="hold"/>
+                                        <p:tgtEl>
+                                          <p:spTgt spid="3">
+                                            <p:txEl>
+                                              <p:pRg st="0" end="0"/>
+                                            </p:txEl>
+                                          </p:spTgt>
+                                        </p:tgtEl>
+                                        <p:attrNameLst>
+                                          <p:attrName>ppt_x</p:attrName>
+                                        </p:attrNameLst>
+                                      </p:cBhvr>
+                                      <p:tavLst>
+                                        <p:tav tm="0">
+                                          <p:val>
+                                            <p:strVal val="#ppt_x"/>
+                                          </p:val>
+                                        </p:tav>
+                                        <p:tav tm="100000">
+                                          <p:val>
+                                            <p:strVal val="#ppt_x"/>
+                                          </p:val>
+                                        </p:tav>
+                                      </p:tavLst>
+                                    </p:anim>
+                                    <p:anim calcmode="lin" valueType="num">
+                                      <p:cBhvr additive="base">
+                                        <p:cTn id="8" dur="500" fill="hold"/>
+                                        <p:tgtEl>
+                                          <p:spTgt spid="3">
+                                            <p:txEl>
+                                              <p:pRg st="0" end="0"/>
+                                            </p:txEl>
+                                          </p:spTgt>
+                                        </p:tgtEl>
+                                        <p:attrNameLst>
+                                          <p:attrName>ppt_y</p:attrName>
+                                        </p:attrNameLst>
+                                      </p:cBhvr>
+                                      <p:tavLst>
+                                        <p:tav tm="0">
+                                          <p:val>
+                                            <p:strVal val="1+#ppt_h/2"/>
+                                          </p:val>
+                                        </p:tav>
+                                        <p:tav tm="100000">
+                                          <p:val>
+                                            <p:strVal val="#ppt_y"/>
+                                          </p:val>
+                                        </p:tav>
+                                      </p:tavLst>
+                                    </p:anim>
+                                  </p:childTnLst>
+                                </p:cTn>
+                              </p:par>
+                            </p:childTnLst>
+                          </p:cTn>
+                        </p:par>
+                        <p:par>
+                          <p:cTn id="9" fill="hold">
+                            <p:stCondLst>
+                              <p:cond delay="500"/>
+                            </p:stCondLst>
+                            <p:childTnLst>
+                              <p:par>
+                                <p:cTn id="10" presetID="2" presetClass="entr" presetSubtype="4" fill="hold" grpId="0" nodeType="afterEffect">
+                                  <p:stCondLst>
+                                    <p:cond delay="0"/>
+                                  </p:stCondLst>
+                                  <p:childTnLst>
+                                    <p:set>
+                                      <p:cBhvr>
+                                        <p:cTn id="11" dur="1" fill="hold">
+                                          <p:stCondLst>
+                                            <p:cond delay="0"/>
+                                          </p:stCondLst>
+                                        </p:cTn>
+                                        <p:tgtEl>
+                                          <p:spTgt spid="3">
+                                            <p:txEl>
+                                              <p:pRg st="1" end="1"/>
+                                            </p:txEl>
+                                          </p:spTgt>
+                                        </p:tgtEl>
+                                        <p:attrNameLst>
+                                          <p:attrName>style.visibility</p:attrName>
+                                        </p:attrNameLst>
+                                      </p:cBhvr>
+                                      <p:to>
+                                        <p:strVal val="visible"/>
+                                      </p:to>
+                                    </p:set>
+                                    <p:anim calcmode="lin" valueType="num">
+                                      <p:cBhvr additive="base">
+                                        <p:cTn id="12" dur="500" fill="hold"/>
+                                        <p:tgtEl>
+                                          <p:spTgt spid="3">
+                                            <p:txEl>
+                                              <p:pRg st="1" end="1"/>
+                                            </p:txEl>
+                                          </p:spTgt>
+                                        </p:tgtEl>
+                                        <p:attrNameLst>
+                                          <p:attrName>ppt_x</p:attrName>
+                                        </p:attrNameLst>
+                                      </p:cBhvr>
+                                      <p:tavLst>
+                                        <p:tav tm="0">
+                                          <p:val>
+                                            <p:strVal val="#ppt_x"/>
+                                          </p:val>
+                                        </p:tav>
+                                        <p:tav tm="100000">
+                                          <p:val>
+                                            <p:strVal val="#ppt_x"/>
+                                          </p:val>
+                                        </p:tav>
+                                      </p:tavLst>
+                                    </p:anim>
+                                    <p:anim calcmode="lin" valueType="num">
+                                      <p:cBhvr additive="base">
+                                        <p:cTn id="13" dur="500" fill="hold"/>
+                                        <p:tgtEl>
+                                          <p:spTgt spid="3">
+                                            <p:txEl>
+                                              <p:pRg st="1" end="1"/>
+                                            </p:txEl>
+                                          </p:spTgt>
+                                        </p:tgtEl>
+                                        <p:attrNameLst>
+                                          <p:attrName>ppt_y</p:attrName>
+                                        </p:attrNameLst>
+                                      </p:cBhvr>
+                                      <p:tavLst>
+                                        <p:tav tm="0">
+                                          <p:val>
+                                            <p:strVal val="1+#ppt_h/2"/>
+                                          </p:val>
+                                        </p:tav>
+                                        <p:tav tm="100000">
+                                          <p:val>
+                                            <p:strVal val="#ppt_y"/>
+                                          </p:val>
+                                        </p:tav>
+                                      </p:tavLst>
+                                    </p:anim>
+                                  </p:childTnLst>
+                                </p:cTn>
+                              </p:par>
+                            </p:childTnLst>
+                          </p:cTn>
+                        </p:par>
+                        <p:par>
+                          <p:cTn id="14" fill="hold">
+                            <p:stCondLst>
+                              <p:cond delay="1000"/>
+                            </p:stCondLst>
+                            <p:childTnLst>
+                              <p:par>
+                                <p:cTn id="15" presetID="2" presetClass="entr" presetSubtype="4" fill="hold" grpId="0" nodeType="afterEffect">
+                                  <p:stCondLst>
+                                    <p:cond delay="0"/>
+                                  </p:stCondLst>
+                                  <p:childTnLst>
+                                    <p:set>
+                                      <p:cBhvr>
+                                        <p:cTn id="16" dur="1" fill="hold">
+                                          <p:stCondLst>
+                                            <p:cond delay="0"/>
+                                          </p:stCondLst>
+                                        </p:cTn>
+                                        <p:tgtEl>
+                                          <p:spTgt spid="3">
+                                            <p:txEl>
+                                              <p:pRg st="2" end="2"/>
+                                            </p:txEl>
+                                          </p:spTgt>
+                                        </p:tgtEl>
+                                        <p:attrNameLst>
+                                          <p:attrName>style.visibility</p:attrName>
+                                        </p:attrNameLst>
+                                      </p:cBhvr>
+                                      <p:to>
+                                        <p:strVal val="visible"/>
+                                      </p:to>
+                                    </p:set>
+                                    <p:anim calcmode="lin" valueType="num">
+                                      <p:cBhvr additive="base">
+                                        <p:cTn id="17" dur="500" fill="hold"/>
+                                        <p:tgtEl>
+                                          <p:spTgt spid="3">
+                                            <p:txEl>
+                                              <p:pRg st="2" end="2"/>
+                                            </p:txEl>
+                                          </p:spTgt>
+                                        </p:tgtEl>
+                                        <p:attrNameLst>
+                                          <p:attrName>ppt_x</p:attrName>
+                                        </p:attrNameLst>
+                                      </p:cBhvr>
+                                      <p:tavLst>
+                                        <p:tav tm="0">
+                                          <p:val>
+                                            <p:strVal val="#ppt_x"/>
+                                          </p:val>
+                                        </p:tav>
+                                        <p:tav tm="100000">
+                                          <p:val>
+                                            <p:strVal val="#ppt_x"/>
+                                          </p:val>
+                                        </p:tav>
+                                      </p:tavLst>
+                                    </p:anim>
+                                    <p:anim calcmode="lin" valueType="num">
+                                      <p:cBhvr additive="base">
+                                        <p:cTn id="18" dur="500" fill="hold"/>
+                                        <p:tgtEl>
+                                          <p:spTgt spid="3">
+                                            <p:txEl>
+                                              <p:pRg st="2" end="2"/>
+                                            </p:txEl>
+                                          </p:spTgt>
+                                        </p:tgtEl>
+                                        <p:attrNameLst>
+                                          <p:attrName>ppt_y</p:attrName>
+                                        </p:attrNameLst>
+                                      </p:cBhvr>
+                                      <p:tavLst>
+                                        <p:tav tm="0">
+                                          <p:val>
+                                            <p:strVal val="1+#ppt_h/2"/>
+                                          </p:val>
+                                        </p:tav>
+                                        <p:tav tm="100000">
+                                          <p:val>
+                                            <p:strVal val="#ppt_y"/>
+                                          </p:val>
+                                        </p:tav>
+                                      </p:tavLst>
+                                    </p:anim>
+                                  </p:childTnLst>
+                                </p:cTn>
+                              </p:par>
+                            </p:childTnLst>
+                          </p:cTn>
+                        </p:par>
+                      </p:childTnLst>
+                    </p:cTn>
+                  </p:par>
+                </p:childTnLst>
+              </p:cTn>
+              <p:prevCondLst>
+                <p:cond evt="onPrev" delay="0">
+                  <p:tgtEl>
+                    <p:sldTgt/>
+                  </p:tgtEl>
+                </p:cond>
+              </p:prevCondLst>
+              <p:nextCondLst>
+                <p:cond evt="onNext" delay="0">
+                  <p:tgtEl>
+                    <p:sldTgt/>
+                  </p:tgtEl>
+                </p:cond>
+              </p:nextCondLst>
+            </p:seq>
+          </p:childTnLst>
+        </p:cTn>
+      </p:par>
+    </p:tnLst>
+    <p:bldLst>
+      <p:bldP spid="3" grpId="0" build="p"/>
+    </p:bldLst>
+  </p:timing>
 </p:sld>
 </file>
 
@@ -23866,6 +27022,1179 @@
   <p:clrMapOvr>
     <a:masterClrMapping/>
   </p:clrMapOvr>
+  <mc:AlternateContent xmlns:mc="http://schemas.openxmlformats.org/markup-compatibility/2006">
+    <mc:Choice xmlns:p14="http://schemas.microsoft.com/office/powerpoint/2010/main" Requires="p14">
+      <p:transition spd="slow" p14:dur="1500" advTm="30000">
+        <p:split orient="vert"/>
+      </p:transition>
+    </mc:Choice>
+    <mc:Fallback>
+      <p:transition spd="slow" advTm="30000">
+        <p:split orient="vert"/>
+      </p:transition>
+    </mc:Fallback>
+  </mc:AlternateContent>
+  <p:timing>
+    <p:tnLst>
+      <p:par>
+        <p:cTn id="1" dur="indefinite" restart="never" nodeType="tmRoot">
+          <p:childTnLst>
+            <p:seq concurrent="1" nextAc="seek">
+              <p:cTn id="2" dur="indefinite" nodeType="mainSeq">
+                <p:childTnLst>
+                  <p:par>
+                    <p:cTn id="3" fill="hold">
+                      <p:stCondLst>
+                        <p:cond delay="indefinite"/>
+                        <p:cond evt="onBegin" delay="0">
+                          <p:tn val="2"/>
+                        </p:cond>
+                      </p:stCondLst>
+                      <p:childTnLst>
+                        <p:par>
+                          <p:cTn id="4" fill="hold">
+                            <p:stCondLst>
+                              <p:cond delay="0"/>
+                            </p:stCondLst>
+                            <p:childTnLst>
+                              <p:par>
+                                <p:cTn id="5" presetID="10" presetClass="entr" presetSubtype="0" fill="hold" grpId="0" nodeType="afterEffect">
+                                  <p:stCondLst>
+                                    <p:cond delay="0"/>
+                                  </p:stCondLst>
+                                  <p:childTnLst>
+                                    <p:set>
+                                      <p:cBhvr>
+                                        <p:cTn id="6" dur="1" fill="hold">
+                                          <p:stCondLst>
+                                            <p:cond delay="0"/>
+                                          </p:stCondLst>
+                                        </p:cTn>
+                                        <p:tgtEl>
+                                          <p:spTgt spid="3">
+                                            <p:txEl>
+                                              <p:pRg st="0" end="0"/>
+                                            </p:txEl>
+                                          </p:spTgt>
+                                        </p:tgtEl>
+                                        <p:attrNameLst>
+                                          <p:attrName>style.visibility</p:attrName>
+                                        </p:attrNameLst>
+                                      </p:cBhvr>
+                                      <p:to>
+                                        <p:strVal val="visible"/>
+                                      </p:to>
+                                    </p:set>
+                                    <p:animEffect transition="in" filter="fade">
+                                      <p:cBhvr>
+                                        <p:cTn id="7" dur="500"/>
+                                        <p:tgtEl>
+                                          <p:spTgt spid="3">
+                                            <p:txEl>
+                                              <p:pRg st="0" end="0"/>
+                                            </p:txEl>
+                                          </p:spTgt>
+                                        </p:tgtEl>
+                                      </p:cBhvr>
+                                    </p:animEffect>
+                                  </p:childTnLst>
+                                </p:cTn>
+                              </p:par>
+                            </p:childTnLst>
+                          </p:cTn>
+                        </p:par>
+                        <p:par>
+                          <p:cTn id="8" fill="hold">
+                            <p:stCondLst>
+                              <p:cond delay="500"/>
+                            </p:stCondLst>
+                            <p:childTnLst>
+                              <p:par>
+                                <p:cTn id="9" presetID="10" presetClass="entr" presetSubtype="0" fill="hold" grpId="0" nodeType="afterEffect">
+                                  <p:stCondLst>
+                                    <p:cond delay="0"/>
+                                  </p:stCondLst>
+                                  <p:childTnLst>
+                                    <p:set>
+                                      <p:cBhvr>
+                                        <p:cTn id="10" dur="1" fill="hold">
+                                          <p:stCondLst>
+                                            <p:cond delay="0"/>
+                                          </p:stCondLst>
+                                        </p:cTn>
+                                        <p:tgtEl>
+                                          <p:spTgt spid="3">
+                                            <p:txEl>
+                                              <p:pRg st="1" end="1"/>
+                                            </p:txEl>
+                                          </p:spTgt>
+                                        </p:tgtEl>
+                                        <p:attrNameLst>
+                                          <p:attrName>style.visibility</p:attrName>
+                                        </p:attrNameLst>
+                                      </p:cBhvr>
+                                      <p:to>
+                                        <p:strVal val="visible"/>
+                                      </p:to>
+                                    </p:set>
+                                    <p:animEffect transition="in" filter="fade">
+                                      <p:cBhvr>
+                                        <p:cTn id="11" dur="500"/>
+                                        <p:tgtEl>
+                                          <p:spTgt spid="3">
+                                            <p:txEl>
+                                              <p:pRg st="1" end="1"/>
+                                            </p:txEl>
+                                          </p:spTgt>
+                                        </p:tgtEl>
+                                      </p:cBhvr>
+                                    </p:animEffect>
+                                  </p:childTnLst>
+                                </p:cTn>
+                              </p:par>
+                            </p:childTnLst>
+                          </p:cTn>
+                        </p:par>
+                        <p:par>
+                          <p:cTn id="12" fill="hold">
+                            <p:stCondLst>
+                              <p:cond delay="1000"/>
+                            </p:stCondLst>
+                            <p:childTnLst>
+                              <p:par>
+                                <p:cTn id="13" presetID="10" presetClass="entr" presetSubtype="0" fill="hold" grpId="0" nodeType="afterEffect">
+                                  <p:stCondLst>
+                                    <p:cond delay="0"/>
+                                  </p:stCondLst>
+                                  <p:childTnLst>
+                                    <p:set>
+                                      <p:cBhvr>
+                                        <p:cTn id="14" dur="1" fill="hold">
+                                          <p:stCondLst>
+                                            <p:cond delay="0"/>
+                                          </p:stCondLst>
+                                        </p:cTn>
+                                        <p:tgtEl>
+                                          <p:spTgt spid="3">
+                                            <p:txEl>
+                                              <p:pRg st="2" end="2"/>
+                                            </p:txEl>
+                                          </p:spTgt>
+                                        </p:tgtEl>
+                                        <p:attrNameLst>
+                                          <p:attrName>style.visibility</p:attrName>
+                                        </p:attrNameLst>
+                                      </p:cBhvr>
+                                      <p:to>
+                                        <p:strVal val="visible"/>
+                                      </p:to>
+                                    </p:set>
+                                    <p:animEffect transition="in" filter="fade">
+                                      <p:cBhvr>
+                                        <p:cTn id="15" dur="500"/>
+                                        <p:tgtEl>
+                                          <p:spTgt spid="3">
+                                            <p:txEl>
+                                              <p:pRg st="2" end="2"/>
+                                            </p:txEl>
+                                          </p:spTgt>
+                                        </p:tgtEl>
+                                      </p:cBhvr>
+                                    </p:animEffect>
+                                  </p:childTnLst>
+                                </p:cTn>
+                              </p:par>
+                            </p:childTnLst>
+                          </p:cTn>
+                        </p:par>
+                      </p:childTnLst>
+                    </p:cTn>
+                  </p:par>
+                </p:childTnLst>
+              </p:cTn>
+              <p:prevCondLst>
+                <p:cond evt="onPrev" delay="0">
+                  <p:tgtEl>
+                    <p:sldTgt/>
+                  </p:tgtEl>
+                </p:cond>
+              </p:prevCondLst>
+              <p:nextCondLst>
+                <p:cond evt="onNext" delay="0">
+                  <p:tgtEl>
+                    <p:sldTgt/>
+                  </p:tgtEl>
+                </p:cond>
+              </p:nextCondLst>
+            </p:seq>
+          </p:childTnLst>
+        </p:cTn>
+      </p:par>
+    </p:tnLst>
+    <p:bldLst>
+      <p:bldP spid="3" grpId="0" build="p"/>
+    </p:bldLst>
+  </p:timing>
+</p:sld>
+</file>
+
+<file path=ppt/slides/slide18.xml><?xml version="1.0" encoding="utf-8"?>
+<p:sld xmlns:a="http://schemas.openxmlformats.org/drawingml/2006/main" xmlns:r="http://schemas.openxmlformats.org/officeDocument/2006/relationships" xmlns:p="http://schemas.openxmlformats.org/presentationml/2006/main">
+  <p:cSld>
+    <p:spTree>
+      <p:nvGrpSpPr>
+        <p:cNvPr id="1" name=""/>
+        <p:cNvGrpSpPr/>
+        <p:nvPr/>
+      </p:nvGrpSpPr>
+      <p:grpSpPr>
+        <a:xfrm>
+          <a:off x="0" y="0"/>
+          <a:ext cx="0" cy="0"/>
+          <a:chOff x="0" y="0"/>
+          <a:chExt cx="0" cy="0"/>
+        </a:xfrm>
+      </p:grpSpPr>
+      <p:sp>
+        <p:nvSpPr>
+          <p:cNvPr id="2" name="Nadpis 1">
+            <a:extLst>
+              <a:ext uri="{FF2B5EF4-FFF2-40B4-BE49-F238E27FC236}">
+                <a16:creationId xmlns:a16="http://schemas.microsoft.com/office/drawing/2014/main" id="{D1ACF7FD-97EB-0F17-7C88-FC7909242D00}"/>
+              </a:ext>
+            </a:extLst>
+          </p:cNvPr>
+          <p:cNvSpPr>
+            <a:spLocks noGrp="1"/>
+          </p:cNvSpPr>
+          <p:nvPr>
+            <p:ph type="title"/>
+          </p:nvPr>
+        </p:nvSpPr>
+        <p:spPr/>
+        <p:txBody>
+          <a:bodyPr/>
+          <a:lstStyle/>
+          <a:p>
+            <a:r>
+              <a:rPr lang="cs-CZ" dirty="0"/>
+              <a:t>Zdroje/citace</a:t>
+            </a:r>
+          </a:p>
+        </p:txBody>
+      </p:sp>
+      <p:sp>
+        <p:nvSpPr>
+          <p:cNvPr id="3" name="Zástupný obsah 2">
+            <a:extLst>
+              <a:ext uri="{FF2B5EF4-FFF2-40B4-BE49-F238E27FC236}">
+                <a16:creationId xmlns:a16="http://schemas.microsoft.com/office/drawing/2014/main" id="{036002F4-7471-2CB4-7314-F089519D00FD}"/>
+              </a:ext>
+            </a:extLst>
+          </p:cNvPr>
+          <p:cNvSpPr>
+            <a:spLocks noGrp="1"/>
+          </p:cNvSpPr>
+          <p:nvPr>
+            <p:ph idx="1"/>
+          </p:nvPr>
+        </p:nvSpPr>
+        <p:spPr>
+          <a:xfrm>
+            <a:off x="550863" y="2113199"/>
+            <a:ext cx="11090274" cy="4601637"/>
+          </a:xfrm>
+        </p:spPr>
+        <p:txBody>
+          <a:bodyPr>
+            <a:normAutofit fontScale="92500" lnSpcReduction="10000"/>
+          </a:bodyPr>
+          <a:lstStyle/>
+          <a:p>
+            <a:pPr marL="0" indent="0">
+              <a:buNone/>
+            </a:pPr>
+            <a:r>
+              <a:rPr lang="cs-CZ" sz="1400" b="0" i="0" dirty="0">
+                <a:solidFill>
+                  <a:schemeClr val="tx1"/>
+                </a:solidFill>
+                <a:effectLst/>
+                <a:latin typeface="Roboto Slab" panose="020B0604020202020204" pitchFamily="2" charset="0"/>
+              </a:rPr>
+              <a:t>Všechny obrázky buď byly z office knihovny nebo byly </a:t>
+            </a:r>
+            <a:r>
+              <a:rPr lang="cs-CZ" sz="1400" b="0" i="0" dirty="0" err="1">
+                <a:solidFill>
+                  <a:schemeClr val="tx1"/>
+                </a:solidFill>
+                <a:effectLst/>
+                <a:latin typeface="Roboto Slab" panose="020B0604020202020204" pitchFamily="2" charset="0"/>
+              </a:rPr>
+              <a:t>splněly</a:t>
+            </a:r>
+            <a:r>
+              <a:rPr lang="cs-CZ" sz="1400" b="0" i="0" dirty="0">
+                <a:solidFill>
+                  <a:schemeClr val="tx1"/>
+                </a:solidFill>
+                <a:effectLst/>
+                <a:latin typeface="Roboto Slab" panose="020B0604020202020204" pitchFamily="2" charset="0"/>
+              </a:rPr>
+              <a:t> podmínky CC</a:t>
+            </a:r>
+          </a:p>
+          <a:p>
+            <a:pPr marL="0" indent="0">
+              <a:buNone/>
+            </a:pPr>
+            <a:r>
+              <a:rPr lang="en-US" sz="1400" b="0" i="0" dirty="0">
+                <a:solidFill>
+                  <a:schemeClr val="tx1"/>
+                </a:solidFill>
+                <a:effectLst/>
+                <a:latin typeface="Roboto Slab" panose="020B0604020202020204" pitchFamily="2" charset="0"/>
+              </a:rPr>
+              <a:t>Use of C Language: Everything You Need to Know | </a:t>
+            </a:r>
+            <a:r>
+              <a:rPr lang="en-US" sz="1400" b="0" i="0" dirty="0" err="1">
+                <a:solidFill>
+                  <a:schemeClr val="tx1"/>
+                </a:solidFill>
+                <a:effectLst/>
+                <a:latin typeface="Roboto Slab" panose="020B0604020202020204" pitchFamily="2" charset="0"/>
+              </a:rPr>
+              <a:t>Simplilearn</a:t>
+            </a:r>
+            <a:r>
+              <a:rPr lang="en-US" sz="1400" b="0" i="0" dirty="0">
+                <a:solidFill>
+                  <a:schemeClr val="tx1"/>
+                </a:solidFill>
+                <a:effectLst/>
+                <a:latin typeface="Roboto Slab" panose="020B0604020202020204" pitchFamily="2" charset="0"/>
+              </a:rPr>
+              <a:t>. </a:t>
+            </a:r>
+            <a:r>
+              <a:rPr lang="en-US" sz="1400" b="0" i="1" dirty="0" err="1">
+                <a:solidFill>
+                  <a:schemeClr val="tx1"/>
+                </a:solidFill>
+                <a:effectLst/>
+                <a:latin typeface="Roboto Slab" panose="020B0604020202020204" pitchFamily="2" charset="0"/>
+              </a:rPr>
+              <a:t>Simplilearn</a:t>
+            </a:r>
+            <a:r>
+              <a:rPr lang="en-US" sz="1400" b="0" i="1" dirty="0">
+                <a:solidFill>
+                  <a:schemeClr val="tx1"/>
+                </a:solidFill>
+                <a:effectLst/>
+                <a:latin typeface="Roboto Slab" panose="020B0604020202020204" pitchFamily="2" charset="0"/>
+              </a:rPr>
+              <a:t> | Online Courses - Bootcamp &amp; Certification Platform</a:t>
+            </a:r>
+            <a:r>
+              <a:rPr lang="en-US" sz="1400" b="0" i="0" dirty="0">
+                <a:solidFill>
+                  <a:schemeClr val="tx1"/>
+                </a:solidFill>
+                <a:effectLst/>
+                <a:latin typeface="Roboto Slab" panose="020B0604020202020204" pitchFamily="2" charset="0"/>
+              </a:rPr>
+              <a:t> [online]. Copyright © 2009 [cit. 19.01.2023]. </a:t>
+            </a:r>
+            <a:r>
+              <a:rPr lang="en-US" sz="1400" b="0" i="0" dirty="0" err="1">
+                <a:solidFill>
+                  <a:schemeClr val="tx1"/>
+                </a:solidFill>
+                <a:effectLst/>
+                <a:latin typeface="Roboto Slab" panose="020B0604020202020204" pitchFamily="2" charset="0"/>
+              </a:rPr>
+              <a:t>Dostupné</a:t>
+            </a:r>
+            <a:r>
+              <a:rPr lang="en-US" sz="1400" b="0" i="0" dirty="0">
+                <a:solidFill>
+                  <a:schemeClr val="tx1"/>
+                </a:solidFill>
+                <a:effectLst/>
+                <a:latin typeface="Roboto Slab" panose="020B0604020202020204" pitchFamily="2" charset="0"/>
+              </a:rPr>
+              <a:t> z: </a:t>
+            </a:r>
+            <a:r>
+              <a:rPr lang="en-US" sz="1400" b="0" i="0" u="none" strike="noStrike" dirty="0">
+                <a:solidFill>
+                  <a:schemeClr val="tx1"/>
+                </a:solidFill>
+                <a:effectLst/>
+                <a:latin typeface="Roboto Slab" panose="020B0604020202020204" pitchFamily="2" charset="0"/>
+                <a:hlinkClick r:id="rId2">
+                  <a:extLst>
+                    <a:ext uri="{A12FA001-AC4F-418D-AE19-62706E023703}">
+                      <ahyp:hlinkClr xmlns:ahyp="http://schemas.microsoft.com/office/drawing/2018/hyperlinkcolor" val="tx"/>
+                    </a:ext>
+                  </a:extLst>
+                </a:hlinkClick>
+              </a:rPr>
+              <a:t>https://www.simplilearn.com/tutorials/c-tutorial/use-of-c-language#:~:text=C%20is%20a%20powerful%20programming%20language%20that%20enables%20developers%20to,easily%20ported%20to%20other%20platforms.</a:t>
+            </a:r>
+            <a:endParaRPr lang="cs-CZ" sz="1400" b="0" i="0" u="none" strike="noStrike" dirty="0">
+              <a:solidFill>
+                <a:schemeClr val="tx1"/>
+              </a:solidFill>
+              <a:effectLst/>
+              <a:latin typeface="Roboto Slab" panose="020B0604020202020204" pitchFamily="2" charset="0"/>
+            </a:endParaRPr>
+          </a:p>
+          <a:p>
+            <a:pPr marL="0" indent="0">
+              <a:buNone/>
+            </a:pPr>
+            <a:r>
+              <a:rPr lang="en-US" sz="1400" b="0" i="0" dirty="0">
+                <a:solidFill>
+                  <a:schemeClr val="tx1"/>
+                </a:solidFill>
+                <a:effectLst/>
+                <a:latin typeface="Open Sans" panose="020B0604020202020204" pitchFamily="34" charset="0"/>
+              </a:rPr>
+              <a:t>In: </a:t>
+            </a:r>
+            <a:r>
+              <a:rPr lang="en-US" sz="1400" b="0" i="1" dirty="0">
+                <a:solidFill>
+                  <a:schemeClr val="tx1"/>
+                </a:solidFill>
+                <a:effectLst/>
+                <a:latin typeface="Open Sans" panose="020B0604020202020204" pitchFamily="34" charset="0"/>
+              </a:rPr>
+              <a:t>Wikipedia: the free encyclopedia</a:t>
+            </a:r>
+            <a:r>
+              <a:rPr lang="en-US" sz="1400" b="0" i="0" dirty="0">
+                <a:solidFill>
+                  <a:schemeClr val="tx1"/>
+                </a:solidFill>
+                <a:effectLst/>
+                <a:latin typeface="Open Sans" panose="020B0604020202020204" pitchFamily="34" charset="0"/>
+              </a:rPr>
+              <a:t> [online]. San Francisco (CA): Wikimedia Foundation, 2001- [cit. 2023-01-19]. </a:t>
+            </a:r>
+            <a:r>
+              <a:rPr lang="en-US" sz="1400" b="0" i="0" dirty="0" err="1">
+                <a:solidFill>
+                  <a:schemeClr val="tx1"/>
+                </a:solidFill>
+                <a:effectLst/>
+                <a:latin typeface="Open Sans" panose="020B0604020202020204" pitchFamily="34" charset="0"/>
+              </a:rPr>
+              <a:t>Dostupné</a:t>
+            </a:r>
+            <a:r>
+              <a:rPr lang="en-US" sz="1400" b="0" i="0" dirty="0">
+                <a:solidFill>
+                  <a:schemeClr val="tx1"/>
+                </a:solidFill>
+                <a:effectLst/>
+                <a:latin typeface="Open Sans" panose="020B0604020202020204" pitchFamily="34" charset="0"/>
+              </a:rPr>
+              <a:t> z: </a:t>
+            </a:r>
+            <a:r>
+              <a:rPr lang="en-US" sz="1400" b="0" i="0" dirty="0">
+                <a:solidFill>
+                  <a:schemeClr val="tx1"/>
+                </a:solidFill>
+                <a:effectLst/>
+                <a:latin typeface="Open Sans" panose="020B0604020202020204" pitchFamily="34" charset="0"/>
+                <a:hlinkClick r:id="rId3"/>
+              </a:rPr>
+              <a:t>https://en.wikipedia.org/wiki/C_(programming_language</a:t>
+            </a:r>
+            <a:r>
+              <a:rPr lang="en-US" sz="1400" b="0" i="0" dirty="0">
+                <a:solidFill>
+                  <a:srgbClr val="212529"/>
+                </a:solidFill>
+                <a:effectLst/>
+                <a:latin typeface="Open Sans" panose="020B0604020202020204" pitchFamily="34" charset="0"/>
+                <a:hlinkClick r:id="rId3"/>
+              </a:rPr>
+              <a:t>)</a:t>
+            </a:r>
+            <a:endParaRPr lang="cs-CZ" sz="1400" b="0" i="0" dirty="0">
+              <a:solidFill>
+                <a:srgbClr val="212529"/>
+              </a:solidFill>
+              <a:effectLst/>
+              <a:latin typeface="Open Sans" panose="020B0604020202020204" pitchFamily="34" charset="0"/>
+            </a:endParaRPr>
+          </a:p>
+          <a:p>
+            <a:pPr marL="0" indent="0" algn="l">
+              <a:buNone/>
+            </a:pPr>
+            <a:r>
+              <a:rPr lang="cs-CZ" sz="1400" b="0" i="0" dirty="0" err="1">
+                <a:solidFill>
+                  <a:schemeClr val="tx1"/>
+                </a:solidFill>
+                <a:effectLst/>
+                <a:latin typeface="Roboto Slab" pitchFamily="2" charset="0"/>
+              </a:rPr>
+              <a:t>Difference</a:t>
+            </a:r>
+            <a:r>
+              <a:rPr lang="cs-CZ" sz="1400" b="0" i="0" dirty="0">
+                <a:solidFill>
+                  <a:schemeClr val="tx1"/>
+                </a:solidFill>
+                <a:effectLst/>
+                <a:latin typeface="Roboto Slab" pitchFamily="2" charset="0"/>
+              </a:rPr>
+              <a:t> </a:t>
+            </a:r>
+            <a:r>
+              <a:rPr lang="cs-CZ" sz="1400" b="0" i="0" dirty="0" err="1">
+                <a:solidFill>
+                  <a:schemeClr val="tx1"/>
+                </a:solidFill>
+                <a:effectLst/>
+                <a:latin typeface="Roboto Slab" pitchFamily="2" charset="0"/>
+              </a:rPr>
+              <a:t>between</a:t>
+            </a:r>
+            <a:r>
+              <a:rPr lang="cs-CZ" sz="1400" b="0" i="0" dirty="0">
+                <a:solidFill>
+                  <a:schemeClr val="tx1"/>
+                </a:solidFill>
+                <a:effectLst/>
+                <a:latin typeface="Roboto Slab" pitchFamily="2" charset="0"/>
+              </a:rPr>
+              <a:t> C and C++ - </a:t>
+            </a:r>
+            <a:r>
+              <a:rPr lang="cs-CZ" sz="1400" b="0" i="0" dirty="0" err="1">
+                <a:solidFill>
+                  <a:schemeClr val="tx1"/>
+                </a:solidFill>
+                <a:effectLst/>
+                <a:latin typeface="Roboto Slab" pitchFamily="2" charset="0"/>
+              </a:rPr>
+              <a:t>GeeksforGeeks</a:t>
+            </a:r>
+            <a:r>
+              <a:rPr lang="cs-CZ" sz="1400" b="0" i="0" dirty="0">
+                <a:solidFill>
+                  <a:schemeClr val="tx1"/>
+                </a:solidFill>
+                <a:effectLst/>
+                <a:latin typeface="Roboto Slab" pitchFamily="2" charset="0"/>
+              </a:rPr>
+              <a:t>. </a:t>
+            </a:r>
+            <a:r>
+              <a:rPr lang="cs-CZ" sz="1400" b="0" i="1" dirty="0" err="1">
+                <a:solidFill>
+                  <a:schemeClr val="tx1"/>
+                </a:solidFill>
+                <a:effectLst/>
+                <a:latin typeface="Roboto Slab" pitchFamily="2" charset="0"/>
+              </a:rPr>
+              <a:t>GeeksforGeeks</a:t>
+            </a:r>
+            <a:r>
+              <a:rPr lang="cs-CZ" sz="1400" b="0" i="1" dirty="0">
+                <a:solidFill>
+                  <a:schemeClr val="tx1"/>
+                </a:solidFill>
+                <a:effectLst/>
+                <a:latin typeface="Roboto Slab" pitchFamily="2" charset="0"/>
+              </a:rPr>
+              <a:t> | A </a:t>
+            </a:r>
+            <a:r>
+              <a:rPr lang="cs-CZ" sz="1400" b="0" i="1" dirty="0" err="1">
+                <a:solidFill>
+                  <a:schemeClr val="tx1"/>
+                </a:solidFill>
+                <a:effectLst/>
+                <a:latin typeface="Roboto Slab" pitchFamily="2" charset="0"/>
+              </a:rPr>
+              <a:t>computer</a:t>
+            </a:r>
+            <a:r>
+              <a:rPr lang="cs-CZ" sz="1400" b="0" i="1" dirty="0">
+                <a:solidFill>
+                  <a:schemeClr val="tx1"/>
+                </a:solidFill>
+                <a:effectLst/>
+                <a:latin typeface="Roboto Slab" pitchFamily="2" charset="0"/>
+              </a:rPr>
+              <a:t> science </a:t>
+            </a:r>
+            <a:r>
+              <a:rPr lang="cs-CZ" sz="1400" b="0" i="1" dirty="0" err="1">
+                <a:solidFill>
+                  <a:schemeClr val="tx1"/>
+                </a:solidFill>
+                <a:effectLst/>
+                <a:latin typeface="Roboto Slab" pitchFamily="2" charset="0"/>
+              </a:rPr>
+              <a:t>portal</a:t>
+            </a:r>
+            <a:r>
+              <a:rPr lang="cs-CZ" sz="1400" b="0" i="1" dirty="0">
+                <a:solidFill>
+                  <a:schemeClr val="tx1"/>
+                </a:solidFill>
+                <a:effectLst/>
+                <a:latin typeface="Roboto Slab" pitchFamily="2" charset="0"/>
+              </a:rPr>
+              <a:t> </a:t>
+            </a:r>
+            <a:r>
+              <a:rPr lang="cs-CZ" sz="1400" b="0" i="1" dirty="0" err="1">
+                <a:solidFill>
+                  <a:schemeClr val="tx1"/>
+                </a:solidFill>
+                <a:effectLst/>
+                <a:latin typeface="Roboto Slab" pitchFamily="2" charset="0"/>
+              </a:rPr>
+              <a:t>for</a:t>
+            </a:r>
+            <a:r>
+              <a:rPr lang="cs-CZ" sz="1400" b="0" i="1" dirty="0">
+                <a:solidFill>
+                  <a:schemeClr val="tx1"/>
+                </a:solidFill>
+                <a:effectLst/>
+                <a:latin typeface="Roboto Slab" pitchFamily="2" charset="0"/>
+              </a:rPr>
+              <a:t> </a:t>
+            </a:r>
+            <a:r>
+              <a:rPr lang="cs-CZ" sz="1400" b="0" i="1" dirty="0" err="1">
+                <a:solidFill>
+                  <a:schemeClr val="tx1"/>
+                </a:solidFill>
+                <a:effectLst/>
+                <a:latin typeface="Roboto Slab" pitchFamily="2" charset="0"/>
+              </a:rPr>
+              <a:t>geeks</a:t>
+            </a:r>
+            <a:r>
+              <a:rPr lang="cs-CZ" sz="1400" b="0" i="0" dirty="0">
+                <a:solidFill>
+                  <a:schemeClr val="tx1"/>
+                </a:solidFill>
+                <a:effectLst/>
+                <a:latin typeface="Roboto Slab" pitchFamily="2" charset="0"/>
+              </a:rPr>
+              <a:t> [online]. Dostupné z: </a:t>
+            </a:r>
+            <a:r>
+              <a:rPr lang="cs-CZ" sz="1400" b="0" i="0" u="none" strike="noStrike" dirty="0">
+                <a:solidFill>
+                  <a:schemeClr val="tx1"/>
+                </a:solidFill>
+                <a:effectLst/>
+                <a:latin typeface="Roboto Slab" pitchFamily="2" charset="0"/>
+                <a:hlinkClick r:id="rId4">
+                  <a:extLst>
+                    <a:ext uri="{A12FA001-AC4F-418D-AE19-62706E023703}">
+                      <ahyp:hlinkClr xmlns:ahyp="http://schemas.microsoft.com/office/drawing/2018/hyperlinkcolor" val="tx"/>
+                    </a:ext>
+                  </a:extLst>
+                </a:hlinkClick>
+              </a:rPr>
+              <a:t>https://www.geeksforgeeks.org/difference-between-c-and-c/</a:t>
+            </a:r>
+            <a:endParaRPr lang="cs-CZ" sz="1400" b="0" i="0" dirty="0">
+              <a:solidFill>
+                <a:schemeClr val="tx1"/>
+              </a:solidFill>
+              <a:effectLst/>
+              <a:latin typeface="Roboto Slab" pitchFamily="2" charset="0"/>
+            </a:endParaRPr>
+          </a:p>
+          <a:p>
+            <a:pPr marL="0" indent="0" algn="l">
+              <a:buNone/>
+            </a:pPr>
+            <a:r>
+              <a:rPr lang="cs-CZ" sz="1400" b="0" i="0" dirty="0" err="1">
+                <a:solidFill>
+                  <a:schemeClr val="tx1"/>
+                </a:solidFill>
+                <a:effectLst/>
+                <a:latin typeface="Roboto Slab" pitchFamily="2" charset="0"/>
+              </a:rPr>
+              <a:t>Difference</a:t>
+            </a:r>
+            <a:r>
+              <a:rPr lang="cs-CZ" sz="1400" b="0" i="0" dirty="0">
+                <a:solidFill>
+                  <a:schemeClr val="tx1"/>
+                </a:solidFill>
+                <a:effectLst/>
+                <a:latin typeface="Roboto Slab" pitchFamily="2" charset="0"/>
+              </a:rPr>
+              <a:t> </a:t>
+            </a:r>
+            <a:r>
+              <a:rPr lang="cs-CZ" sz="1400" b="0" i="0" dirty="0" err="1">
+                <a:solidFill>
+                  <a:schemeClr val="tx1"/>
+                </a:solidFill>
+                <a:effectLst/>
+                <a:latin typeface="Roboto Slab" pitchFamily="2" charset="0"/>
+              </a:rPr>
+              <a:t>between</a:t>
+            </a:r>
+            <a:r>
+              <a:rPr lang="cs-CZ" sz="1400" b="0" i="0" dirty="0">
+                <a:solidFill>
+                  <a:schemeClr val="tx1"/>
+                </a:solidFill>
+                <a:effectLst/>
+                <a:latin typeface="Roboto Slab" pitchFamily="2" charset="0"/>
+              </a:rPr>
+              <a:t> C and </a:t>
+            </a:r>
+            <a:r>
+              <a:rPr lang="cs-CZ" sz="1400" b="0" i="0" dirty="0" err="1">
+                <a:solidFill>
+                  <a:schemeClr val="tx1"/>
+                </a:solidFill>
+                <a:effectLst/>
+                <a:latin typeface="Roboto Slab" pitchFamily="2" charset="0"/>
+              </a:rPr>
+              <a:t>Objective</a:t>
+            </a:r>
+            <a:r>
+              <a:rPr lang="cs-CZ" sz="1400" b="0" i="0" dirty="0">
+                <a:solidFill>
+                  <a:schemeClr val="tx1"/>
+                </a:solidFill>
+                <a:effectLst/>
+                <a:latin typeface="Roboto Slab" pitchFamily="2" charset="0"/>
+              </a:rPr>
+              <a:t> C - </a:t>
+            </a:r>
+            <a:r>
+              <a:rPr lang="cs-CZ" sz="1400" b="0" i="0" dirty="0" err="1">
+                <a:solidFill>
+                  <a:schemeClr val="tx1"/>
+                </a:solidFill>
+                <a:effectLst/>
+                <a:latin typeface="Roboto Slab" pitchFamily="2" charset="0"/>
+              </a:rPr>
+              <a:t>GeeksforGeeks</a:t>
+            </a:r>
+            <a:r>
+              <a:rPr lang="cs-CZ" sz="1400" b="0" i="0" dirty="0">
+                <a:solidFill>
+                  <a:schemeClr val="tx1"/>
+                </a:solidFill>
+                <a:effectLst/>
+                <a:latin typeface="Roboto Slab" pitchFamily="2" charset="0"/>
+              </a:rPr>
+              <a:t>. </a:t>
+            </a:r>
+            <a:r>
+              <a:rPr lang="cs-CZ" sz="1400" b="0" i="1" dirty="0" err="1">
+                <a:solidFill>
+                  <a:schemeClr val="tx1"/>
+                </a:solidFill>
+                <a:effectLst/>
+                <a:latin typeface="Roboto Slab" pitchFamily="2" charset="0"/>
+              </a:rPr>
+              <a:t>GeeksforGeeks</a:t>
+            </a:r>
+            <a:r>
+              <a:rPr lang="cs-CZ" sz="1400" b="0" i="1" dirty="0">
+                <a:solidFill>
+                  <a:schemeClr val="tx1"/>
+                </a:solidFill>
+                <a:effectLst/>
+                <a:latin typeface="Roboto Slab" pitchFamily="2" charset="0"/>
+              </a:rPr>
+              <a:t> | A </a:t>
+            </a:r>
+            <a:r>
+              <a:rPr lang="cs-CZ" sz="1400" b="0" i="1" dirty="0" err="1">
+                <a:solidFill>
+                  <a:schemeClr val="tx1"/>
+                </a:solidFill>
+                <a:effectLst/>
+                <a:latin typeface="Roboto Slab" pitchFamily="2" charset="0"/>
+              </a:rPr>
+              <a:t>computer</a:t>
+            </a:r>
+            <a:r>
+              <a:rPr lang="cs-CZ" sz="1400" b="0" i="1" dirty="0">
+                <a:solidFill>
+                  <a:schemeClr val="tx1"/>
+                </a:solidFill>
+                <a:effectLst/>
+                <a:latin typeface="Roboto Slab" pitchFamily="2" charset="0"/>
+              </a:rPr>
+              <a:t> science </a:t>
+            </a:r>
+            <a:r>
+              <a:rPr lang="cs-CZ" sz="1400" b="0" i="1" dirty="0" err="1">
+                <a:solidFill>
+                  <a:schemeClr val="tx1"/>
+                </a:solidFill>
+                <a:effectLst/>
+                <a:latin typeface="Roboto Slab" pitchFamily="2" charset="0"/>
+              </a:rPr>
+              <a:t>portal</a:t>
+            </a:r>
+            <a:r>
+              <a:rPr lang="cs-CZ" sz="1400" b="0" i="1" dirty="0">
+                <a:solidFill>
+                  <a:schemeClr val="tx1"/>
+                </a:solidFill>
+                <a:effectLst/>
+                <a:latin typeface="Roboto Slab" pitchFamily="2" charset="0"/>
+              </a:rPr>
+              <a:t> </a:t>
+            </a:r>
+            <a:r>
+              <a:rPr lang="cs-CZ" sz="1400" b="0" i="1" dirty="0" err="1">
+                <a:solidFill>
+                  <a:schemeClr val="tx1"/>
+                </a:solidFill>
+                <a:effectLst/>
+                <a:latin typeface="Roboto Slab" pitchFamily="2" charset="0"/>
+              </a:rPr>
+              <a:t>for</a:t>
+            </a:r>
+            <a:r>
+              <a:rPr lang="cs-CZ" sz="1400" b="0" i="1" dirty="0">
+                <a:solidFill>
+                  <a:schemeClr val="tx1"/>
+                </a:solidFill>
+                <a:effectLst/>
+                <a:latin typeface="Roboto Slab" pitchFamily="2" charset="0"/>
+              </a:rPr>
+              <a:t> </a:t>
+            </a:r>
+            <a:r>
+              <a:rPr lang="cs-CZ" sz="1400" b="0" i="1" dirty="0" err="1">
+                <a:solidFill>
+                  <a:schemeClr val="tx1"/>
+                </a:solidFill>
+                <a:effectLst/>
+                <a:latin typeface="Roboto Slab" pitchFamily="2" charset="0"/>
+              </a:rPr>
+              <a:t>geeks</a:t>
+            </a:r>
+            <a:r>
+              <a:rPr lang="cs-CZ" sz="1400" b="0" i="0" dirty="0">
+                <a:solidFill>
+                  <a:schemeClr val="tx1"/>
+                </a:solidFill>
+                <a:effectLst/>
+                <a:latin typeface="Roboto Slab" pitchFamily="2" charset="0"/>
+              </a:rPr>
+              <a:t> [online]. Dostupné z: </a:t>
+            </a:r>
+            <a:r>
+              <a:rPr lang="cs-CZ" sz="1400" b="0" i="0" u="none" strike="noStrike" dirty="0">
+                <a:solidFill>
+                  <a:schemeClr val="tx1"/>
+                </a:solidFill>
+                <a:effectLst/>
+                <a:latin typeface="Roboto Slab" pitchFamily="2" charset="0"/>
+                <a:hlinkClick r:id="rId5">
+                  <a:extLst>
+                    <a:ext uri="{A12FA001-AC4F-418D-AE19-62706E023703}">
+                      <ahyp:hlinkClr xmlns:ahyp="http://schemas.microsoft.com/office/drawing/2018/hyperlinkcolor" val="tx"/>
+                    </a:ext>
+                  </a:extLst>
+                </a:hlinkClick>
+              </a:rPr>
+              <a:t>https://www.geeksforgeeks.org/difference-between-c-and-objective-c/</a:t>
+            </a:r>
+            <a:endParaRPr lang="cs-CZ" sz="1400" b="0" i="0" u="none" strike="noStrike" dirty="0">
+              <a:solidFill>
+                <a:schemeClr val="tx1"/>
+              </a:solidFill>
+              <a:effectLst/>
+              <a:latin typeface="Roboto Slab" pitchFamily="2" charset="0"/>
+            </a:endParaRPr>
+          </a:p>
+          <a:p>
+            <a:pPr marL="0" indent="0" algn="l">
+              <a:buNone/>
+            </a:pPr>
+            <a:r>
+              <a:rPr lang="en-US" sz="1400" b="0" i="0" dirty="0">
+                <a:solidFill>
+                  <a:schemeClr val="tx1"/>
+                </a:solidFill>
+                <a:effectLst/>
+                <a:latin typeface="Roboto Slab" pitchFamily="2" charset="0"/>
+              </a:rPr>
+              <a:t>C - Operators. [online]. Copyright © Copyright 2022. All Rights Reserved. [cit. 19.01.2023]. </a:t>
+            </a:r>
+            <a:r>
+              <a:rPr lang="en-US" sz="1400" b="0" i="0" dirty="0" err="1">
+                <a:solidFill>
+                  <a:schemeClr val="tx1"/>
+                </a:solidFill>
+                <a:effectLst/>
+                <a:latin typeface="Roboto Slab" pitchFamily="2" charset="0"/>
+              </a:rPr>
+              <a:t>Dostupné</a:t>
+            </a:r>
+            <a:r>
+              <a:rPr lang="en-US" sz="1400" b="0" i="0" dirty="0">
+                <a:solidFill>
+                  <a:schemeClr val="tx1"/>
+                </a:solidFill>
+                <a:effectLst/>
+                <a:latin typeface="Roboto Slab" pitchFamily="2" charset="0"/>
+              </a:rPr>
+              <a:t> z: </a:t>
+            </a:r>
+            <a:r>
+              <a:rPr lang="en-US" sz="1400" b="0" i="0" u="none" strike="noStrike" dirty="0">
+                <a:solidFill>
+                  <a:schemeClr val="tx1"/>
+                </a:solidFill>
+                <a:effectLst/>
+                <a:latin typeface="Roboto Slab" pitchFamily="2" charset="0"/>
+                <a:hlinkClick r:id="rId6">
+                  <a:extLst>
+                    <a:ext uri="{A12FA001-AC4F-418D-AE19-62706E023703}">
+                      <ahyp:hlinkClr xmlns:ahyp="http://schemas.microsoft.com/office/drawing/2018/hyperlinkcolor" val="tx"/>
+                    </a:ext>
+                  </a:extLst>
+                </a:hlinkClick>
+              </a:rPr>
+              <a:t>https://www.tutorialspoint.com/cprogramming/c_operators.htm</a:t>
+            </a:r>
+            <a:endParaRPr lang="cs-CZ" sz="1400" b="0" i="0" dirty="0">
+              <a:solidFill>
+                <a:schemeClr val="tx1"/>
+              </a:solidFill>
+              <a:effectLst/>
+              <a:latin typeface="Roboto Slab" pitchFamily="2" charset="0"/>
+            </a:endParaRPr>
+          </a:p>
+          <a:p>
+            <a:pPr marL="0" indent="0">
+              <a:buNone/>
+            </a:pPr>
+            <a:r>
+              <a:rPr lang="cs-CZ" sz="1200" b="0" i="0" dirty="0">
+                <a:solidFill>
+                  <a:srgbClr val="FFFFFF"/>
+                </a:solidFill>
+                <a:effectLst/>
+                <a:latin typeface="Roboto Slab" pitchFamily="2" charset="0"/>
+              </a:rPr>
+              <a:t>Moje Hlava </a:t>
+            </a:r>
+            <a:r>
+              <a:rPr lang="cs-CZ" sz="1200" b="0" i="0" dirty="0">
+                <a:solidFill>
+                  <a:srgbClr val="FFFFFF"/>
+                </a:solidFill>
+                <a:effectLst/>
+                <a:latin typeface="Roboto Slab" pitchFamily="2" charset="0"/>
+                <a:sym typeface="Wingdings" panose="05000000000000000000" pitchFamily="2" charset="2"/>
+              </a:rPr>
+              <a:t></a:t>
+            </a:r>
+            <a:br>
+              <a:rPr lang="cs-CZ" sz="1200" b="0" i="0" dirty="0">
+                <a:solidFill>
+                  <a:srgbClr val="FFFFFF"/>
+                </a:solidFill>
+                <a:effectLst/>
+                <a:latin typeface="Roboto Slab" pitchFamily="2" charset="0"/>
+              </a:rPr>
+            </a:br>
+            <a:br>
+              <a:rPr lang="cs-CZ" sz="1400" b="0" i="0" dirty="0">
+                <a:solidFill>
+                  <a:srgbClr val="FFFFFF"/>
+                </a:solidFill>
+                <a:effectLst/>
+                <a:latin typeface="Roboto Slab" pitchFamily="2" charset="0"/>
+              </a:rPr>
+            </a:br>
+            <a:endParaRPr lang="cs-CZ" sz="1600" dirty="0">
+              <a:solidFill>
+                <a:schemeClr val="tx1"/>
+              </a:solidFill>
+            </a:endParaRPr>
+          </a:p>
+        </p:txBody>
+      </p:sp>
+    </p:spTree>
+    <p:extLst>
+      <p:ext uri="{BB962C8B-B14F-4D97-AF65-F5344CB8AC3E}">
+        <p14:creationId xmlns:p14="http://schemas.microsoft.com/office/powerpoint/2010/main" val="1884350711"/>
+      </p:ext>
+    </p:extLst>
+  </p:cSld>
+  <p:clrMapOvr>
+    <a:masterClrMapping/>
+  </p:clrMapOvr>
+  <mc:AlternateContent xmlns:mc="http://schemas.openxmlformats.org/markup-compatibility/2006">
+    <mc:Choice xmlns:p15="http://schemas.microsoft.com/office/powerpoint/2012/main" Requires="p15">
+      <p:transition xmlns:p14="http://schemas.microsoft.com/office/powerpoint/2010/main" spd="slow" p14:dur="6000" advTm="10000">
+        <p15:prstTrans prst="curtains"/>
+      </p:transition>
+    </mc:Choice>
+    <mc:Fallback>
+      <p:transition spd="slow" advTm="10000">
+        <p:fade/>
+      </p:transition>
+    </mc:Fallback>
+  </mc:AlternateContent>
+</p:sld>
+</file>
+
+<file path=ppt/slides/slide19.xml><?xml version="1.0" encoding="utf-8"?>
+<p:sld xmlns:a="http://schemas.openxmlformats.org/drawingml/2006/main" xmlns:r="http://schemas.openxmlformats.org/officeDocument/2006/relationships" xmlns:p="http://schemas.openxmlformats.org/presentationml/2006/main">
+  <p:cSld>
+    <p:spTree>
+      <p:nvGrpSpPr>
+        <p:cNvPr id="1" name=""/>
+        <p:cNvGrpSpPr/>
+        <p:nvPr/>
+      </p:nvGrpSpPr>
+      <p:grpSpPr>
+        <a:xfrm>
+          <a:off x="0" y="0"/>
+          <a:ext cx="0" cy="0"/>
+          <a:chOff x="0" y="0"/>
+          <a:chExt cx="0" cy="0"/>
+        </a:xfrm>
+      </p:grpSpPr>
+      <p:sp>
+        <p:nvSpPr>
+          <p:cNvPr id="2" name="Nadpis 1">
+            <a:extLst>
+              <a:ext uri="{FF2B5EF4-FFF2-40B4-BE49-F238E27FC236}">
+                <a16:creationId xmlns:a16="http://schemas.microsoft.com/office/drawing/2014/main" id="{C02F02E4-56BD-A679-B050-EFB44B6AD0FF}"/>
+              </a:ext>
+            </a:extLst>
+          </p:cNvPr>
+          <p:cNvSpPr>
+            <a:spLocks noGrp="1"/>
+          </p:cNvSpPr>
+          <p:nvPr>
+            <p:ph type="title"/>
+          </p:nvPr>
+        </p:nvSpPr>
+        <p:spPr/>
+        <p:txBody>
+          <a:bodyPr/>
+          <a:lstStyle/>
+          <a:p>
+            <a:r>
+              <a:rPr lang="cs-CZ" dirty="0" err="1"/>
+              <a:t>Github</a:t>
+            </a:r>
+            <a:r>
+              <a:rPr lang="cs-CZ" dirty="0"/>
+              <a:t> </a:t>
+            </a:r>
+          </a:p>
+        </p:txBody>
+      </p:sp>
+      <p:sp>
+        <p:nvSpPr>
+          <p:cNvPr id="3" name="Zástupný obsah 2">
+            <a:extLst>
+              <a:ext uri="{FF2B5EF4-FFF2-40B4-BE49-F238E27FC236}">
+                <a16:creationId xmlns:a16="http://schemas.microsoft.com/office/drawing/2014/main" id="{D757A515-0893-492B-2FBD-B0D6484994BF}"/>
+              </a:ext>
+            </a:extLst>
+          </p:cNvPr>
+          <p:cNvSpPr>
+            <a:spLocks noGrp="1"/>
+          </p:cNvSpPr>
+          <p:nvPr>
+            <p:ph idx="1"/>
+          </p:nvPr>
+        </p:nvSpPr>
+        <p:spPr/>
+        <p:txBody>
+          <a:bodyPr/>
+          <a:lstStyle/>
+          <a:p>
+            <a:r>
+              <a:rPr lang="cs-CZ" dirty="0">
+                <a:hlinkClick r:id="rId2"/>
+              </a:rPr>
+              <a:t>https://github.com/KokosHraje/C-VDAPrezentace.git</a:t>
+            </a:r>
+            <a:endParaRPr lang="cs-CZ" dirty="0"/>
+          </a:p>
+          <a:p>
+            <a:r>
+              <a:rPr lang="cs-CZ" dirty="0"/>
+              <a:t>Na tomto </a:t>
+            </a:r>
+            <a:r>
+              <a:rPr lang="cs-CZ" dirty="0" err="1"/>
+              <a:t>hyperlinku</a:t>
+            </a:r>
+            <a:r>
+              <a:rPr lang="cs-CZ" dirty="0"/>
+              <a:t> se </a:t>
+            </a:r>
+            <a:r>
+              <a:rPr lang="cs-CZ" dirty="0" err="1"/>
+              <a:t>nacházi</a:t>
+            </a:r>
+            <a:r>
+              <a:rPr lang="cs-CZ" dirty="0"/>
+              <a:t> historie verzí prezentace.</a:t>
+            </a:r>
+          </a:p>
+        </p:txBody>
+      </p:sp>
+    </p:spTree>
+    <p:extLst>
+      <p:ext uri="{BB962C8B-B14F-4D97-AF65-F5344CB8AC3E}">
+        <p14:creationId xmlns:p14="http://schemas.microsoft.com/office/powerpoint/2010/main" val="3124253133"/>
+      </p:ext>
+    </p:extLst>
+  </p:cSld>
+  <p:clrMapOvr>
+    <a:masterClrMapping/>
+  </p:clrMapOvr>
+  <mc:AlternateContent xmlns:mc="http://schemas.openxmlformats.org/markup-compatibility/2006">
+    <mc:Choice xmlns:p15="http://schemas.microsoft.com/office/powerpoint/2012/main" Requires="p15">
+      <p:transition xmlns:p14="http://schemas.microsoft.com/office/powerpoint/2010/main" spd="slow" p14:dur="2000" advTm="10000">
+        <p15:prstTrans prst="fallOver"/>
+      </p:transition>
+    </mc:Choice>
+    <mc:Fallback>
+      <p:transition spd="slow" advTm="10000">
+        <p:fade/>
+      </p:transition>
+    </mc:Fallback>
+  </mc:AlternateContent>
 </p:sld>
 </file>
 
@@ -24088,7 +28417,7 @@
             <p:ph idx="1"/>
             <p:extLst>
               <p:ext uri="{D42A27DB-BD31-4B8C-83A1-F6EECF244321}">
-                <p14:modId xmlns:p14="http://schemas.microsoft.com/office/powerpoint/2010/main" val="396582710"/>
+                <p14:modId xmlns:p14="http://schemas.microsoft.com/office/powerpoint/2010/main" val="710480112"/>
               </p:ext>
             </p:extLst>
           </p:nvPr>
@@ -24113,9 +28442,170 @@
   <p:clrMapOvr>
     <a:masterClrMapping/>
   </p:clrMapOvr>
-  <p:transition spd="slow">
+  <p:transition spd="slow" advTm="41000">
     <p:push dir="u"/>
   </p:transition>
+  <p:timing>
+    <p:tnLst>
+      <p:par>
+        <p:cTn id="1" dur="indefinite" restart="never" nodeType="tmRoot">
+          <p:childTnLst>
+            <p:seq concurrent="1" nextAc="seek">
+              <p:cTn id="2" dur="indefinite" nodeType="mainSeq">
+                <p:childTnLst>
+                  <p:par>
+                    <p:cTn id="3" fill="hold">
+                      <p:stCondLst>
+                        <p:cond delay="indefinite"/>
+                        <p:cond evt="onBegin" delay="0">
+                          <p:tn val="2"/>
+                        </p:cond>
+                      </p:stCondLst>
+                      <p:childTnLst>
+                        <p:par>
+                          <p:cTn id="4" fill="hold">
+                            <p:stCondLst>
+                              <p:cond delay="0"/>
+                            </p:stCondLst>
+                            <p:childTnLst>
+                              <p:par>
+                                <p:cTn id="5" presetID="10" presetClass="entr" presetSubtype="0" fill="hold" grpId="0" nodeType="afterEffect">
+                                  <p:stCondLst>
+                                    <p:cond delay="0"/>
+                                  </p:stCondLst>
+                                  <p:childTnLst>
+                                    <p:set>
+                                      <p:cBhvr>
+                                        <p:cTn id="6" dur="1" fill="hold">
+                                          <p:stCondLst>
+                                            <p:cond delay="0"/>
+                                          </p:stCondLst>
+                                        </p:cTn>
+                                        <p:tgtEl>
+                                          <p:spTgt spid="5"/>
+                                        </p:tgtEl>
+                                        <p:attrNameLst>
+                                          <p:attrName>style.visibility</p:attrName>
+                                        </p:attrNameLst>
+                                      </p:cBhvr>
+                                      <p:to>
+                                        <p:strVal val="visible"/>
+                                      </p:to>
+                                    </p:set>
+                                    <p:animEffect transition="in" filter="fade">
+                                      <p:cBhvr>
+                                        <p:cTn id="7" dur="900"/>
+                                        <p:tgtEl>
+                                          <p:spTgt spid="5"/>
+                                        </p:tgtEl>
+                                      </p:cBhvr>
+                                    </p:animEffect>
+                                  </p:childTnLst>
+                                </p:cTn>
+                              </p:par>
+                            </p:childTnLst>
+                          </p:cTn>
+                        </p:par>
+                      </p:childTnLst>
+                    </p:cTn>
+                  </p:par>
+                </p:childTnLst>
+              </p:cTn>
+              <p:prevCondLst>
+                <p:cond evt="onPrev" delay="0">
+                  <p:tgtEl>
+                    <p:sldTgt/>
+                  </p:tgtEl>
+                </p:cond>
+              </p:prevCondLst>
+              <p:nextCondLst>
+                <p:cond evt="onNext" delay="0">
+                  <p:tgtEl>
+                    <p:sldTgt/>
+                  </p:tgtEl>
+                </p:cond>
+              </p:nextCondLst>
+            </p:seq>
+          </p:childTnLst>
+        </p:cTn>
+      </p:par>
+    </p:tnLst>
+    <p:bldLst>
+      <p:bldGraphic spid="5" grpId="0">
+        <p:bldAsOne/>
+      </p:bldGraphic>
+    </p:bldLst>
+  </p:timing>
+</p:sld>
+</file>
+
+<file path=ppt/slides/slide20.xml><?xml version="1.0" encoding="utf-8"?>
+<p:sld xmlns:a="http://schemas.openxmlformats.org/drawingml/2006/main" xmlns:r="http://schemas.openxmlformats.org/officeDocument/2006/relationships" xmlns:p="http://schemas.openxmlformats.org/presentationml/2006/main">
+  <p:cSld>
+    <p:spTree>
+      <p:nvGrpSpPr>
+        <p:cNvPr id="1" name=""/>
+        <p:cNvGrpSpPr/>
+        <p:nvPr/>
+      </p:nvGrpSpPr>
+      <p:grpSpPr>
+        <a:xfrm>
+          <a:off x="0" y="0"/>
+          <a:ext cx="0" cy="0"/>
+          <a:chOff x="0" y="0"/>
+          <a:chExt cx="0" cy="0"/>
+        </a:xfrm>
+      </p:grpSpPr>
+      <p:sp>
+        <p:nvSpPr>
+          <p:cNvPr id="2" name="Nadpis 1">
+            <a:extLst>
+              <a:ext uri="{FF2B5EF4-FFF2-40B4-BE49-F238E27FC236}">
+                <a16:creationId xmlns:a16="http://schemas.microsoft.com/office/drawing/2014/main" id="{7193B138-5864-3EA6-DB5F-7C45062E9CC2}"/>
+              </a:ext>
+            </a:extLst>
+          </p:cNvPr>
+          <p:cNvSpPr>
+            <a:spLocks noGrp="1"/>
+          </p:cNvSpPr>
+          <p:nvPr>
+            <p:ph type="title"/>
+          </p:nvPr>
+        </p:nvSpPr>
+        <p:spPr/>
+        <p:txBody>
+          <a:bodyPr/>
+          <a:lstStyle/>
+          <a:p>
+            <a:r>
+              <a:rPr lang="cs-CZ" dirty="0"/>
+              <a:t>Děkuji za pozornost</a:t>
+            </a:r>
+          </a:p>
+        </p:txBody>
+      </p:sp>
+    </p:spTree>
+    <p:extLst>
+      <p:ext uri="{BB962C8B-B14F-4D97-AF65-F5344CB8AC3E}">
+        <p14:creationId xmlns:p14="http://schemas.microsoft.com/office/powerpoint/2010/main" val="2991414299"/>
+      </p:ext>
+    </p:extLst>
+  </p:cSld>
+  <p:clrMapOvr>
+    <a:masterClrMapping/>
+  </p:clrMapOvr>
+  <mc:AlternateContent xmlns:mc="http://schemas.openxmlformats.org/markup-compatibility/2006">
+    <mc:Choice xmlns:p14="http://schemas.microsoft.com/office/powerpoint/2010/main" Requires="p14">
+      <p:transition spd="med" p14:dur="700" advTm="6000">
+        <p:fade/>
+      </p:transition>
+    </mc:Choice>
+    <mc:Fallback>
+      <p:transition spd="med" advTm="6000">
+        <p:fade/>
+      </p:transition>
+    </mc:Fallback>
+  </mc:AlternateContent>
 </p:sld>
 </file>
 
@@ -24271,6 +28761,257 @@
   <p:clrMapOvr>
     <a:masterClrMapping/>
   </p:clrMapOvr>
+  <p:transition spd="slow" advTm="50000">
+    <p:wipe/>
+  </p:transition>
+  <p:timing>
+    <p:tnLst>
+      <p:par>
+        <p:cTn id="1" dur="indefinite" restart="never" nodeType="tmRoot">
+          <p:childTnLst>
+            <p:seq concurrent="1" nextAc="seek">
+              <p:cTn id="2" dur="indefinite" nodeType="mainSeq">
+                <p:childTnLst>
+                  <p:par>
+                    <p:cTn id="3" fill="hold">
+                      <p:stCondLst>
+                        <p:cond delay="indefinite"/>
+                        <p:cond evt="onBegin" delay="0">
+                          <p:tn val="2"/>
+                        </p:cond>
+                      </p:stCondLst>
+                      <p:childTnLst>
+                        <p:par>
+                          <p:cTn id="4" fill="hold">
+                            <p:stCondLst>
+                              <p:cond delay="0"/>
+                            </p:stCondLst>
+                            <p:childTnLst>
+                              <p:par>
+                                <p:cTn id="5" presetID="10" presetClass="entr" presetSubtype="0" fill="hold" grpId="0" nodeType="afterEffect">
+                                  <p:stCondLst>
+                                    <p:cond delay="0"/>
+                                  </p:stCondLst>
+                                  <p:childTnLst>
+                                    <p:set>
+                                      <p:cBhvr>
+                                        <p:cTn id="6" dur="1" fill="hold">
+                                          <p:stCondLst>
+                                            <p:cond delay="0"/>
+                                          </p:stCondLst>
+                                        </p:cTn>
+                                        <p:tgtEl>
+                                          <p:spTgt spid="4">
+                                            <p:txEl>
+                                              <p:pRg st="0" end="0"/>
+                                            </p:txEl>
+                                          </p:spTgt>
+                                        </p:tgtEl>
+                                        <p:attrNameLst>
+                                          <p:attrName>style.visibility</p:attrName>
+                                        </p:attrNameLst>
+                                      </p:cBhvr>
+                                      <p:to>
+                                        <p:strVal val="visible"/>
+                                      </p:to>
+                                    </p:set>
+                                    <p:animEffect transition="in" filter="fade">
+                                      <p:cBhvr>
+                                        <p:cTn id="7" dur="500"/>
+                                        <p:tgtEl>
+                                          <p:spTgt spid="4">
+                                            <p:txEl>
+                                              <p:pRg st="0" end="0"/>
+                                            </p:txEl>
+                                          </p:spTgt>
+                                        </p:tgtEl>
+                                      </p:cBhvr>
+                                    </p:animEffect>
+                                  </p:childTnLst>
+                                </p:cTn>
+                              </p:par>
+                            </p:childTnLst>
+                          </p:cTn>
+                        </p:par>
+                        <p:par>
+                          <p:cTn id="8" fill="hold">
+                            <p:stCondLst>
+                              <p:cond delay="500"/>
+                            </p:stCondLst>
+                            <p:childTnLst>
+                              <p:par>
+                                <p:cTn id="9" presetID="10" presetClass="entr" presetSubtype="0" fill="hold" grpId="0" nodeType="afterEffect">
+                                  <p:stCondLst>
+                                    <p:cond delay="0"/>
+                                  </p:stCondLst>
+                                  <p:childTnLst>
+                                    <p:set>
+                                      <p:cBhvr>
+                                        <p:cTn id="10" dur="1" fill="hold">
+                                          <p:stCondLst>
+                                            <p:cond delay="0"/>
+                                          </p:stCondLst>
+                                        </p:cTn>
+                                        <p:tgtEl>
+                                          <p:spTgt spid="4">
+                                            <p:txEl>
+                                              <p:pRg st="1" end="1"/>
+                                            </p:txEl>
+                                          </p:spTgt>
+                                        </p:tgtEl>
+                                        <p:attrNameLst>
+                                          <p:attrName>style.visibility</p:attrName>
+                                        </p:attrNameLst>
+                                      </p:cBhvr>
+                                      <p:to>
+                                        <p:strVal val="visible"/>
+                                      </p:to>
+                                    </p:set>
+                                    <p:animEffect transition="in" filter="fade">
+                                      <p:cBhvr>
+                                        <p:cTn id="11" dur="500"/>
+                                        <p:tgtEl>
+                                          <p:spTgt spid="4">
+                                            <p:txEl>
+                                              <p:pRg st="1" end="1"/>
+                                            </p:txEl>
+                                          </p:spTgt>
+                                        </p:tgtEl>
+                                      </p:cBhvr>
+                                    </p:animEffect>
+                                  </p:childTnLst>
+                                </p:cTn>
+                              </p:par>
+                            </p:childTnLst>
+                          </p:cTn>
+                        </p:par>
+                        <p:par>
+                          <p:cTn id="12" fill="hold">
+                            <p:stCondLst>
+                              <p:cond delay="1000"/>
+                            </p:stCondLst>
+                            <p:childTnLst>
+                              <p:par>
+                                <p:cTn id="13" presetID="10" presetClass="entr" presetSubtype="0" fill="hold" grpId="0" nodeType="afterEffect">
+                                  <p:stCondLst>
+                                    <p:cond delay="0"/>
+                                  </p:stCondLst>
+                                  <p:childTnLst>
+                                    <p:set>
+                                      <p:cBhvr>
+                                        <p:cTn id="14" dur="1" fill="hold">
+                                          <p:stCondLst>
+                                            <p:cond delay="0"/>
+                                          </p:stCondLst>
+                                        </p:cTn>
+                                        <p:tgtEl>
+                                          <p:spTgt spid="4">
+                                            <p:txEl>
+                                              <p:pRg st="2" end="2"/>
+                                            </p:txEl>
+                                          </p:spTgt>
+                                        </p:tgtEl>
+                                        <p:attrNameLst>
+                                          <p:attrName>style.visibility</p:attrName>
+                                        </p:attrNameLst>
+                                      </p:cBhvr>
+                                      <p:to>
+                                        <p:strVal val="visible"/>
+                                      </p:to>
+                                    </p:set>
+                                    <p:animEffect transition="in" filter="fade">
+                                      <p:cBhvr>
+                                        <p:cTn id="15" dur="500"/>
+                                        <p:tgtEl>
+                                          <p:spTgt spid="4">
+                                            <p:txEl>
+                                              <p:pRg st="2" end="2"/>
+                                            </p:txEl>
+                                          </p:spTgt>
+                                        </p:tgtEl>
+                                      </p:cBhvr>
+                                    </p:animEffect>
+                                  </p:childTnLst>
+                                </p:cTn>
+                              </p:par>
+                            </p:childTnLst>
+                          </p:cTn>
+                        </p:par>
+                        <p:par>
+                          <p:cTn id="16" fill="hold">
+                            <p:stCondLst>
+                              <p:cond delay="1500"/>
+                            </p:stCondLst>
+                            <p:childTnLst>
+                              <p:par>
+                                <p:cTn id="17" presetID="10" presetClass="entr" presetSubtype="0" fill="hold" grpId="0" nodeType="afterEffect">
+                                  <p:stCondLst>
+                                    <p:cond delay="0"/>
+                                  </p:stCondLst>
+                                  <p:childTnLst>
+                                    <p:set>
+                                      <p:cBhvr>
+                                        <p:cTn id="18" dur="1" fill="hold">
+                                          <p:stCondLst>
+                                            <p:cond delay="0"/>
+                                          </p:stCondLst>
+                                        </p:cTn>
+                                        <p:tgtEl>
+                                          <p:spTgt spid="6"/>
+                                        </p:tgtEl>
+                                        <p:attrNameLst>
+                                          <p:attrName>style.visibility</p:attrName>
+                                        </p:attrNameLst>
+                                      </p:cBhvr>
+                                      <p:to>
+                                        <p:strVal val="visible"/>
+                                      </p:to>
+                                    </p:set>
+                                    <p:animEffect transition="in" filter="fade">
+                                      <p:cBhvr>
+                                        <p:cTn id="19" dur="500"/>
+                                        <p:tgtEl>
+                                          <p:spTgt spid="6"/>
+                                        </p:tgtEl>
+                                      </p:cBhvr>
+                                    </p:animEffect>
+                                  </p:childTnLst>
+                                </p:cTn>
+                              </p:par>
+                            </p:childTnLst>
+                          </p:cTn>
+                        </p:par>
+                      </p:childTnLst>
+                    </p:cTn>
+                  </p:par>
+                </p:childTnLst>
+              </p:cTn>
+              <p:prevCondLst>
+                <p:cond evt="onPrev" delay="0">
+                  <p:tgtEl>
+                    <p:sldTgt/>
+                  </p:tgtEl>
+                </p:cond>
+              </p:prevCondLst>
+              <p:nextCondLst>
+                <p:cond evt="onNext" delay="0">
+                  <p:tgtEl>
+                    <p:sldTgt/>
+                  </p:tgtEl>
+                </p:cond>
+              </p:nextCondLst>
+            </p:seq>
+          </p:childTnLst>
+        </p:cTn>
+      </p:par>
+    </p:tnLst>
+    <p:bldLst>
+      <p:bldGraphic spid="6" grpId="0">
+        <p:bldAsOne/>
+      </p:bldGraphic>
+      <p:bldP spid="4" grpId="0" uiExpand="1" build="p"/>
+    </p:bldLst>
+  </p:timing>
 </p:sld>
 </file>
 
@@ -24398,6 +29139,159 @@
   <p:clrMapOvr>
     <a:masterClrMapping/>
   </p:clrMapOvr>
+  <mc:AlternateContent xmlns:mc="http://schemas.openxmlformats.org/markup-compatibility/2006">
+    <mc:Choice xmlns:p14="http://schemas.microsoft.com/office/powerpoint/2010/main" Requires="p14">
+      <p:transition p14:dur="100" advTm="34000">
+        <p:cut/>
+      </p:transition>
+    </mc:Choice>
+    <mc:Fallback>
+      <p:transition advTm="34000">
+        <p:cut/>
+      </p:transition>
+    </mc:Fallback>
+  </mc:AlternateContent>
+  <p:timing>
+    <p:tnLst>
+      <p:par>
+        <p:cTn id="1" dur="indefinite" restart="never" nodeType="tmRoot">
+          <p:childTnLst>
+            <p:seq concurrent="1" nextAc="seek">
+              <p:cTn id="2" dur="indefinite" nodeType="mainSeq">
+                <p:childTnLst>
+                  <p:par>
+                    <p:cTn id="3" fill="hold">
+                      <p:stCondLst>
+                        <p:cond delay="indefinite"/>
+                      </p:stCondLst>
+                      <p:childTnLst>
+                        <p:par>
+                          <p:cTn id="4" fill="hold">
+                            <p:stCondLst>
+                              <p:cond delay="0"/>
+                            </p:stCondLst>
+                            <p:childTnLst>
+                              <p:par>
+                                <p:cTn id="5" presetID="10" presetClass="entr" presetSubtype="0" fill="hold" grpId="0" nodeType="clickEffect">
+                                  <p:stCondLst>
+                                    <p:cond delay="0"/>
+                                  </p:stCondLst>
+                                  <p:childTnLst>
+                                    <p:set>
+                                      <p:cBhvr>
+                                        <p:cTn id="6" dur="1" fill="hold">
+                                          <p:stCondLst>
+                                            <p:cond delay="0"/>
+                                          </p:stCondLst>
+                                        </p:cTn>
+                                        <p:tgtEl>
+                                          <p:spTgt spid="4">
+                                            <p:txEl>
+                                              <p:pRg st="0" end="0"/>
+                                            </p:txEl>
+                                          </p:spTgt>
+                                        </p:tgtEl>
+                                        <p:attrNameLst>
+                                          <p:attrName>style.visibility</p:attrName>
+                                        </p:attrNameLst>
+                                      </p:cBhvr>
+                                      <p:to>
+                                        <p:strVal val="visible"/>
+                                      </p:to>
+                                    </p:set>
+                                    <p:animEffect transition="in" filter="fade">
+                                      <p:cBhvr>
+                                        <p:cTn id="7" dur="500"/>
+                                        <p:tgtEl>
+                                          <p:spTgt spid="4">
+                                            <p:txEl>
+                                              <p:pRg st="0" end="0"/>
+                                            </p:txEl>
+                                          </p:spTgt>
+                                        </p:tgtEl>
+                                      </p:cBhvr>
+                                    </p:animEffect>
+                                  </p:childTnLst>
+                                </p:cTn>
+                              </p:par>
+                            </p:childTnLst>
+                          </p:cTn>
+                        </p:par>
+                        <p:par>
+                          <p:cTn id="8" fill="hold">
+                            <p:stCondLst>
+                              <p:cond delay="500"/>
+                            </p:stCondLst>
+                            <p:childTnLst>
+                              <p:par>
+                                <p:cTn id="9" presetID="10" presetClass="entr" presetSubtype="0" fill="hold" grpId="0" nodeType="afterEffect">
+                                  <p:stCondLst>
+                                    <p:cond delay="0"/>
+                                  </p:stCondLst>
+                                  <p:childTnLst>
+                                    <p:set>
+                                      <p:cBhvr>
+                                        <p:cTn id="10" dur="1" fill="hold">
+                                          <p:stCondLst>
+                                            <p:cond delay="0"/>
+                                          </p:stCondLst>
+                                        </p:cTn>
+                                        <p:tgtEl>
+                                          <p:spTgt spid="6"/>
+                                        </p:tgtEl>
+                                        <p:attrNameLst>
+                                          <p:attrName>style.visibility</p:attrName>
+                                        </p:attrNameLst>
+                                      </p:cBhvr>
+                                      <p:to>
+                                        <p:strVal val="visible"/>
+                                      </p:to>
+                                    </p:set>
+                                    <p:animEffect transition="in" filter="fade">
+                                      <p:cBhvr>
+                                        <p:cTn id="11" dur="500"/>
+                                        <p:tgtEl>
+                                          <p:spTgt spid="6"/>
+                                        </p:tgtEl>
+                                      </p:cBhvr>
+                                    </p:animEffect>
+                                  </p:childTnLst>
+                                </p:cTn>
+                              </p:par>
+                            </p:childTnLst>
+                          </p:cTn>
+                        </p:par>
+                      </p:childTnLst>
+                    </p:cTn>
+                  </p:par>
+                </p:childTnLst>
+              </p:cTn>
+              <p:prevCondLst>
+                <p:cond evt="onPrev" delay="0">
+                  <p:tgtEl>
+                    <p:sldTgt/>
+                  </p:tgtEl>
+                </p:cond>
+              </p:prevCondLst>
+              <p:nextCondLst>
+                <p:cond evt="onNext" delay="0">
+                  <p:tgtEl>
+                    <p:sldTgt/>
+                  </p:tgtEl>
+                </p:cond>
+              </p:nextCondLst>
+            </p:seq>
+          </p:childTnLst>
+        </p:cTn>
+      </p:par>
+    </p:tnLst>
+    <p:bldLst>
+      <p:bldGraphic spid="6" grpId="0">
+        <p:bldAsOne/>
+      </p:bldGraphic>
+      <p:bldP spid="4" grpId="0" build="p"/>
+    </p:bldLst>
+  </p:timing>
 </p:sld>
 </file>
 
@@ -24483,6 +29377,100 @@
   <p:clrMapOvr>
     <a:masterClrMapping/>
   </p:clrMapOvr>
+  <p:transition spd="slow" advTm="27000">
+    <p:wipe/>
+  </p:transition>
+  <p:timing>
+    <p:tnLst>
+      <p:par>
+        <p:cTn id="1" dur="indefinite" restart="never" nodeType="tmRoot">
+          <p:childTnLst>
+            <p:seq concurrent="1" nextAc="seek">
+              <p:cTn id="2" dur="indefinite" nodeType="mainSeq">
+                <p:childTnLst>
+                  <p:par>
+                    <p:cTn id="3" fill="hold">
+                      <p:stCondLst>
+                        <p:cond delay="indefinite"/>
+                        <p:cond evt="onBegin" delay="0">
+                          <p:tn val="2"/>
+                        </p:cond>
+                      </p:stCondLst>
+                      <p:childTnLst>
+                        <p:par>
+                          <p:cTn id="4" fill="hold">
+                            <p:stCondLst>
+                              <p:cond delay="0"/>
+                            </p:stCondLst>
+                            <p:childTnLst>
+                              <p:par>
+                                <p:cTn id="5" presetID="10" presetClass="entr" presetSubtype="0" fill="hold" grpId="0" nodeType="afterEffect">
+                                  <p:stCondLst>
+                                    <p:cond delay="0"/>
+                                  </p:stCondLst>
+                                  <p:childTnLst>
+                                    <p:set>
+                                      <p:cBhvr>
+                                        <p:cTn id="6" dur="1" fill="hold">
+                                          <p:stCondLst>
+                                            <p:cond delay="0"/>
+                                          </p:stCondLst>
+                                        </p:cTn>
+                                        <p:tgtEl>
+                                          <p:spTgt spid="7"/>
+                                        </p:tgtEl>
+                                        <p:attrNameLst>
+                                          <p:attrName>style.visibility</p:attrName>
+                                        </p:attrNameLst>
+                                      </p:cBhvr>
+                                      <p:to>
+                                        <p:strVal val="visible"/>
+                                      </p:to>
+                                    </p:set>
+                                    <p:animEffect transition="in" filter="fade">
+                                      <p:cBhvr>
+                                        <p:cTn id="7" dur="500"/>
+                                        <p:tgtEl>
+                                          <p:spTgt spid="7"/>
+                                        </p:tgtEl>
+                                      </p:cBhvr>
+                                    </p:animEffect>
+                                  </p:childTnLst>
+                                </p:cTn>
+                              </p:par>
+                            </p:childTnLst>
+                          </p:cTn>
+                        </p:par>
+                      </p:childTnLst>
+                    </p:cTn>
+                  </p:par>
+                </p:childTnLst>
+              </p:cTn>
+              <p:prevCondLst>
+                <p:cond evt="onPrev" delay="0">
+                  <p:tgtEl>
+                    <p:sldTgt/>
+                  </p:tgtEl>
+                </p:cond>
+              </p:prevCondLst>
+              <p:nextCondLst>
+                <p:cond evt="onNext" delay="0">
+                  <p:tgtEl>
+                    <p:sldTgt/>
+                  </p:tgtEl>
+                </p:cond>
+              </p:nextCondLst>
+            </p:seq>
+          </p:childTnLst>
+        </p:cTn>
+      </p:par>
+    </p:tnLst>
+    <p:bldLst>
+      <p:bldGraphic spid="7" grpId="0">
+        <p:bldAsOne/>
+      </p:bldGraphic>
+    </p:bldLst>
+  </p:timing>
 </p:sld>
 </file>
 
@@ -25655,8 +30643,16 @@
               <a:buChar char="•"/>
             </a:pPr>
             <a:r>
-              <a:rPr lang="en-US" sz="1700"/>
-              <a:t>Header - #include &lt;stdio.h&gt;</a:t>
+              <a:rPr lang="en-US" sz="1700" dirty="0"/>
+              <a:t>Header - #include &lt;</a:t>
+            </a:r>
+            <a:r>
+              <a:rPr lang="en-US" sz="1700" dirty="0" err="1"/>
+              <a:t>stdio.h</a:t>
+            </a:r>
+            <a:r>
+              <a:rPr lang="en-US" sz="1700" dirty="0"/>
+              <a:t>&gt;</a:t>
             </a:r>
           </a:p>
           <a:p>
@@ -25668,7 +30664,7 @@
               <a:buChar char="•"/>
             </a:pPr>
             <a:r>
-              <a:rPr lang="en-US" sz="1700"/>
+              <a:rPr lang="en-US" sz="1700" dirty="0"/>
               <a:t>main() – int main () {</a:t>
             </a:r>
           </a:p>
@@ -25681,8 +30677,20 @@
               <a:buChar char="•"/>
             </a:pPr>
             <a:r>
-              <a:rPr lang="en-US" sz="1700"/>
-              <a:t>deklarace variable – int cislo = 67 </a:t>
+              <a:rPr lang="en-US" sz="1700" dirty="0" err="1"/>
+              <a:t>deklarace</a:t>
+            </a:r>
+            <a:r>
+              <a:rPr lang="en-US" sz="1700" dirty="0"/>
+              <a:t> variable – int </a:t>
+            </a:r>
+            <a:r>
+              <a:rPr lang="en-US" sz="1700" dirty="0" err="1"/>
+              <a:t>cislo</a:t>
+            </a:r>
+            <a:r>
+              <a:rPr lang="en-US" sz="1700" dirty="0"/>
+              <a:t> = 67 </a:t>
             </a:r>
           </a:p>
           <a:p>
@@ -25694,8 +30702,16 @@
               <a:buChar char="•"/>
             </a:pPr>
             <a:r>
-              <a:rPr lang="en-US" sz="1700"/>
-              <a:t>body – printf ()</a:t>
+              <a:rPr lang="en-US" sz="1700" dirty="0"/>
+              <a:t>body – </a:t>
+            </a:r>
+            <a:r>
+              <a:rPr lang="en-US" sz="1700" dirty="0" err="1"/>
+              <a:t>printf</a:t>
+            </a:r>
+            <a:r>
+              <a:rPr lang="en-US" sz="1700" dirty="0"/>
+              <a:t> ()</a:t>
             </a:r>
           </a:p>
           <a:p>
@@ -25707,7 +30723,7 @@
               <a:buChar char="•"/>
             </a:pPr>
             <a:r>
-              <a:rPr lang="en-US" sz="1700"/>
+              <a:rPr lang="en-US" sz="1700" dirty="0"/>
               <a:t>return -  return 0;</a:t>
             </a:r>
           </a:p>
@@ -25720,7 +30736,7 @@
               <a:buChar char="•"/>
             </a:pPr>
             <a:r>
-              <a:rPr lang="en-US" sz="1700"/>
+              <a:rPr lang="en-US" sz="1700" dirty="0"/>
               <a:t>}</a:t>
             </a:r>
           </a:p>
@@ -26218,6 +31234,399 @@
   <p:clrMapOvr>
     <a:masterClrMapping/>
   </p:clrMapOvr>
+  <p:transition spd="slow" advTm="51000">
+    <p:wipe/>
+  </p:transition>
+  <p:timing>
+    <p:tnLst>
+      <p:par>
+        <p:cTn id="1" dur="indefinite" restart="never" nodeType="tmRoot">
+          <p:childTnLst>
+            <p:seq concurrent="1" nextAc="seek">
+              <p:cTn id="2" dur="indefinite" nodeType="mainSeq">
+                <p:childTnLst>
+                  <p:par>
+                    <p:cTn id="3" fill="hold">
+                      <p:stCondLst>
+                        <p:cond delay="indefinite"/>
+                      </p:stCondLst>
+                      <p:childTnLst>
+                        <p:par>
+                          <p:cTn id="4" fill="hold">
+                            <p:stCondLst>
+                              <p:cond delay="0"/>
+                            </p:stCondLst>
+                            <p:childTnLst>
+                              <p:par>
+                                <p:cTn id="5" presetID="10" presetClass="entr" presetSubtype="0" fill="hold" grpId="0" nodeType="clickEffect">
+                                  <p:stCondLst>
+                                    <p:cond delay="0"/>
+                                  </p:stCondLst>
+                                  <p:childTnLst>
+                                    <p:set>
+                                      <p:cBhvr>
+                                        <p:cTn id="6" dur="1" fill="hold">
+                                          <p:stCondLst>
+                                            <p:cond delay="0"/>
+                                          </p:stCondLst>
+                                        </p:cTn>
+                                        <p:tgtEl>
+                                          <p:spTgt spid="4">
+                                            <p:txEl>
+                                              <p:pRg st="0" end="0"/>
+                                            </p:txEl>
+                                          </p:spTgt>
+                                        </p:tgtEl>
+                                        <p:attrNameLst>
+                                          <p:attrName>style.visibility</p:attrName>
+                                        </p:attrNameLst>
+                                      </p:cBhvr>
+                                      <p:to>
+                                        <p:strVal val="visible"/>
+                                      </p:to>
+                                    </p:set>
+                                    <p:animEffect transition="in" filter="fade">
+                                      <p:cBhvr>
+                                        <p:cTn id="7" dur="500"/>
+                                        <p:tgtEl>
+                                          <p:spTgt spid="4">
+                                            <p:txEl>
+                                              <p:pRg st="0" end="0"/>
+                                            </p:txEl>
+                                          </p:spTgt>
+                                        </p:tgtEl>
+                                      </p:cBhvr>
+                                    </p:animEffect>
+                                  </p:childTnLst>
+                                </p:cTn>
+                              </p:par>
+                            </p:childTnLst>
+                          </p:cTn>
+                        </p:par>
+                      </p:childTnLst>
+                    </p:cTn>
+                  </p:par>
+                  <p:par>
+                    <p:cTn id="8" fill="hold">
+                      <p:stCondLst>
+                        <p:cond delay="indefinite"/>
+                      </p:stCondLst>
+                      <p:childTnLst>
+                        <p:par>
+                          <p:cTn id="9" fill="hold">
+                            <p:stCondLst>
+                              <p:cond delay="0"/>
+                            </p:stCondLst>
+                            <p:childTnLst>
+                              <p:par>
+                                <p:cTn id="10" presetID="10" presetClass="entr" presetSubtype="0" fill="hold" grpId="0" nodeType="clickEffect">
+                                  <p:stCondLst>
+                                    <p:cond delay="0"/>
+                                  </p:stCondLst>
+                                  <p:childTnLst>
+                                    <p:set>
+                                      <p:cBhvr>
+                                        <p:cTn id="11" dur="1" fill="hold">
+                                          <p:stCondLst>
+                                            <p:cond delay="0"/>
+                                          </p:stCondLst>
+                                        </p:cTn>
+                                        <p:tgtEl>
+                                          <p:spTgt spid="4">
+                                            <p:txEl>
+                                              <p:pRg st="1" end="1"/>
+                                            </p:txEl>
+                                          </p:spTgt>
+                                        </p:tgtEl>
+                                        <p:attrNameLst>
+                                          <p:attrName>style.visibility</p:attrName>
+                                        </p:attrNameLst>
+                                      </p:cBhvr>
+                                      <p:to>
+                                        <p:strVal val="visible"/>
+                                      </p:to>
+                                    </p:set>
+                                    <p:animEffect transition="in" filter="fade">
+                                      <p:cBhvr>
+                                        <p:cTn id="12" dur="500"/>
+                                        <p:tgtEl>
+                                          <p:spTgt spid="4">
+                                            <p:txEl>
+                                              <p:pRg st="1" end="1"/>
+                                            </p:txEl>
+                                          </p:spTgt>
+                                        </p:tgtEl>
+                                      </p:cBhvr>
+                                    </p:animEffect>
+                                  </p:childTnLst>
+                                </p:cTn>
+                              </p:par>
+                            </p:childTnLst>
+                          </p:cTn>
+                        </p:par>
+                      </p:childTnLst>
+                    </p:cTn>
+                  </p:par>
+                  <p:par>
+                    <p:cTn id="13" fill="hold">
+                      <p:stCondLst>
+                        <p:cond delay="indefinite"/>
+                      </p:stCondLst>
+                      <p:childTnLst>
+                        <p:par>
+                          <p:cTn id="14" fill="hold">
+                            <p:stCondLst>
+                              <p:cond delay="0"/>
+                            </p:stCondLst>
+                            <p:childTnLst>
+                              <p:par>
+                                <p:cTn id="15" presetID="10" presetClass="entr" presetSubtype="0" fill="hold" grpId="0" nodeType="clickEffect">
+                                  <p:stCondLst>
+                                    <p:cond delay="0"/>
+                                  </p:stCondLst>
+                                  <p:childTnLst>
+                                    <p:set>
+                                      <p:cBhvr>
+                                        <p:cTn id="16" dur="1" fill="hold">
+                                          <p:stCondLst>
+                                            <p:cond delay="0"/>
+                                          </p:stCondLst>
+                                        </p:cTn>
+                                        <p:tgtEl>
+                                          <p:spTgt spid="4">
+                                            <p:txEl>
+                                              <p:pRg st="2" end="2"/>
+                                            </p:txEl>
+                                          </p:spTgt>
+                                        </p:tgtEl>
+                                        <p:attrNameLst>
+                                          <p:attrName>style.visibility</p:attrName>
+                                        </p:attrNameLst>
+                                      </p:cBhvr>
+                                      <p:to>
+                                        <p:strVal val="visible"/>
+                                      </p:to>
+                                    </p:set>
+                                    <p:animEffect transition="in" filter="fade">
+                                      <p:cBhvr>
+                                        <p:cTn id="17" dur="500"/>
+                                        <p:tgtEl>
+                                          <p:spTgt spid="4">
+                                            <p:txEl>
+                                              <p:pRg st="2" end="2"/>
+                                            </p:txEl>
+                                          </p:spTgt>
+                                        </p:tgtEl>
+                                      </p:cBhvr>
+                                    </p:animEffect>
+                                  </p:childTnLst>
+                                </p:cTn>
+                              </p:par>
+                            </p:childTnLst>
+                          </p:cTn>
+                        </p:par>
+                      </p:childTnLst>
+                    </p:cTn>
+                  </p:par>
+                  <p:par>
+                    <p:cTn id="18" fill="hold">
+                      <p:stCondLst>
+                        <p:cond delay="indefinite"/>
+                      </p:stCondLst>
+                      <p:childTnLst>
+                        <p:par>
+                          <p:cTn id="19" fill="hold">
+                            <p:stCondLst>
+                              <p:cond delay="0"/>
+                            </p:stCondLst>
+                            <p:childTnLst>
+                              <p:par>
+                                <p:cTn id="20" presetID="10" presetClass="entr" presetSubtype="0" fill="hold" grpId="0" nodeType="clickEffect">
+                                  <p:stCondLst>
+                                    <p:cond delay="0"/>
+                                  </p:stCondLst>
+                                  <p:childTnLst>
+                                    <p:set>
+                                      <p:cBhvr>
+                                        <p:cTn id="21" dur="1" fill="hold">
+                                          <p:stCondLst>
+                                            <p:cond delay="0"/>
+                                          </p:stCondLst>
+                                        </p:cTn>
+                                        <p:tgtEl>
+                                          <p:spTgt spid="4">
+                                            <p:txEl>
+                                              <p:pRg st="3" end="3"/>
+                                            </p:txEl>
+                                          </p:spTgt>
+                                        </p:tgtEl>
+                                        <p:attrNameLst>
+                                          <p:attrName>style.visibility</p:attrName>
+                                        </p:attrNameLst>
+                                      </p:cBhvr>
+                                      <p:to>
+                                        <p:strVal val="visible"/>
+                                      </p:to>
+                                    </p:set>
+                                    <p:animEffect transition="in" filter="fade">
+                                      <p:cBhvr>
+                                        <p:cTn id="22" dur="500"/>
+                                        <p:tgtEl>
+                                          <p:spTgt spid="4">
+                                            <p:txEl>
+                                              <p:pRg st="3" end="3"/>
+                                            </p:txEl>
+                                          </p:spTgt>
+                                        </p:tgtEl>
+                                      </p:cBhvr>
+                                    </p:animEffect>
+                                  </p:childTnLst>
+                                </p:cTn>
+                              </p:par>
+                            </p:childTnLst>
+                          </p:cTn>
+                        </p:par>
+                      </p:childTnLst>
+                    </p:cTn>
+                  </p:par>
+                  <p:par>
+                    <p:cTn id="23" fill="hold">
+                      <p:stCondLst>
+                        <p:cond delay="indefinite"/>
+                      </p:stCondLst>
+                      <p:childTnLst>
+                        <p:par>
+                          <p:cTn id="24" fill="hold">
+                            <p:stCondLst>
+                              <p:cond delay="0"/>
+                            </p:stCondLst>
+                            <p:childTnLst>
+                              <p:par>
+                                <p:cTn id="25" presetID="10" presetClass="entr" presetSubtype="0" fill="hold" grpId="0" nodeType="clickEffect">
+                                  <p:stCondLst>
+                                    <p:cond delay="0"/>
+                                  </p:stCondLst>
+                                  <p:childTnLst>
+                                    <p:set>
+                                      <p:cBhvr>
+                                        <p:cTn id="26" dur="1" fill="hold">
+                                          <p:stCondLst>
+                                            <p:cond delay="0"/>
+                                          </p:stCondLst>
+                                        </p:cTn>
+                                        <p:tgtEl>
+                                          <p:spTgt spid="4">
+                                            <p:txEl>
+                                              <p:pRg st="4" end="4"/>
+                                            </p:txEl>
+                                          </p:spTgt>
+                                        </p:tgtEl>
+                                        <p:attrNameLst>
+                                          <p:attrName>style.visibility</p:attrName>
+                                        </p:attrNameLst>
+                                      </p:cBhvr>
+                                      <p:to>
+                                        <p:strVal val="visible"/>
+                                      </p:to>
+                                    </p:set>
+                                    <p:animEffect transition="in" filter="fade">
+                                      <p:cBhvr>
+                                        <p:cTn id="27" dur="500"/>
+                                        <p:tgtEl>
+                                          <p:spTgt spid="4">
+                                            <p:txEl>
+                                              <p:pRg st="4" end="4"/>
+                                            </p:txEl>
+                                          </p:spTgt>
+                                        </p:tgtEl>
+                                      </p:cBhvr>
+                                    </p:animEffect>
+                                  </p:childTnLst>
+                                </p:cTn>
+                              </p:par>
+                            </p:childTnLst>
+                          </p:cTn>
+                        </p:par>
+                        <p:par>
+                          <p:cTn id="28" fill="hold">
+                            <p:stCondLst>
+                              <p:cond delay="500"/>
+                            </p:stCondLst>
+                            <p:childTnLst>
+                              <p:par>
+                                <p:cTn id="29" presetID="10" presetClass="entr" presetSubtype="0" fill="hold" grpId="0" nodeType="afterEffect">
+                                  <p:stCondLst>
+                                    <p:cond delay="0"/>
+                                  </p:stCondLst>
+                                  <p:childTnLst>
+                                    <p:set>
+                                      <p:cBhvr>
+                                        <p:cTn id="30" dur="1" fill="hold">
+                                          <p:stCondLst>
+                                            <p:cond delay="0"/>
+                                          </p:stCondLst>
+                                        </p:cTn>
+                                        <p:tgtEl>
+                                          <p:spTgt spid="4">
+                                            <p:txEl>
+                                              <p:pRg st="5" end="5"/>
+                                            </p:txEl>
+                                          </p:spTgt>
+                                        </p:tgtEl>
+                                        <p:attrNameLst>
+                                          <p:attrName>style.visibility</p:attrName>
+                                        </p:attrNameLst>
+                                      </p:cBhvr>
+                                      <p:to>
+                                        <p:strVal val="visible"/>
+                                      </p:to>
+                                    </p:set>
+                                    <p:animEffect transition="in" filter="fade">
+                                      <p:cBhvr>
+                                        <p:cTn id="31" dur="500"/>
+                                        <p:tgtEl>
+                                          <p:spTgt spid="4">
+                                            <p:txEl>
+                                              <p:pRg st="5" end="5"/>
+                                            </p:txEl>
+                                          </p:spTgt>
+                                        </p:tgtEl>
+                                      </p:cBhvr>
+                                    </p:animEffect>
+                                  </p:childTnLst>
+                                </p:cTn>
+                              </p:par>
+                            </p:childTnLst>
+                          </p:cTn>
+                        </p:par>
+                      </p:childTnLst>
+                    </p:cTn>
+                  </p:par>
+                </p:childTnLst>
+              </p:cTn>
+              <p:prevCondLst>
+                <p:cond evt="onPrev" delay="0">
+                  <p:tgtEl>
+                    <p:sldTgt/>
+                  </p:tgtEl>
+                </p:cond>
+              </p:prevCondLst>
+              <p:nextCondLst>
+                <p:cond evt="onNext" delay="0">
+                  <p:tgtEl>
+                    <p:sldTgt/>
+                  </p:tgtEl>
+                </p:cond>
+              </p:nextCondLst>
+            </p:seq>
+          </p:childTnLst>
+        </p:cTn>
+      </p:par>
+    </p:tnLst>
+    <p:bldLst>
+      <p:bldP spid="4" grpId="0" build="p"/>
+    </p:bldLst>
+  </p:timing>
 </p:sld>
 </file>
 
@@ -26388,23 +31797,31 @@
             <a:pPr marL="0" indent="0">
               <a:buNone/>
             </a:pPr>
-            <a:endParaRPr lang="cs-CZ" sz="1600"/>
+            <a:endParaRPr lang="cs-CZ" sz="1600" dirty="0"/>
           </a:p>
           <a:p>
             <a:r>
-              <a:rPr lang="cs-CZ" sz="1600"/>
+              <a:rPr lang="cs-CZ" sz="1600" dirty="0"/>
               <a:t>V takzvaných IDE se programuje </a:t>
             </a:r>
           </a:p>
           <a:p>
             <a:r>
-              <a:rPr lang="cs-CZ" sz="1600"/>
-              <a:t>Jeden z nejpopulárnějších IDE je Visual Studio od Microsoftu</a:t>
+              <a:rPr lang="cs-CZ" sz="1600" dirty="0"/>
+              <a:t>Jeden z nejpopulárnějších IDE je </a:t>
+            </a:r>
+            <a:r>
+              <a:rPr lang="cs-CZ" sz="1600" dirty="0" err="1"/>
+              <a:t>Visual</a:t>
+            </a:r>
+            <a:r>
+              <a:rPr lang="cs-CZ" sz="1600" dirty="0"/>
+              <a:t> Studio od Microsoftu</a:t>
             </a:r>
           </a:p>
           <a:p>
             <a:r>
-              <a:rPr lang="cs-CZ" sz="1600"/>
+              <a:rPr lang="cs-CZ" sz="1600" dirty="0"/>
               <a:t>Je několik set IDE pro hodně jazyků</a:t>
             </a:r>
           </a:p>
@@ -27072,6 +32489,210 @@
   <p:clrMapOvr>
     <a:masterClrMapping/>
   </p:clrMapOvr>
+  <p:transition spd="slow" advTm="29000">
+    <p:cover/>
+  </p:transition>
+  <p:timing>
+    <p:tnLst>
+      <p:par>
+        <p:cTn id="1" dur="indefinite" restart="never" nodeType="tmRoot">
+          <p:childTnLst>
+            <p:seq concurrent="1" nextAc="seek">
+              <p:cTn id="2" dur="indefinite" nodeType="mainSeq">
+                <p:childTnLst>
+                  <p:par>
+                    <p:cTn id="3" fill="hold">
+                      <p:stCondLst>
+                        <p:cond delay="indefinite"/>
+                        <p:cond evt="onBegin" delay="0">
+                          <p:tn val="2"/>
+                        </p:cond>
+                      </p:stCondLst>
+                      <p:childTnLst>
+                        <p:par>
+                          <p:cTn id="4" fill="hold">
+                            <p:stCondLst>
+                              <p:cond delay="0"/>
+                            </p:stCondLst>
+                            <p:childTnLst>
+                              <p:par>
+                                <p:cTn id="5" presetID="10" presetClass="entr" presetSubtype="0" fill="hold" grpId="0" nodeType="afterEffect">
+                                  <p:stCondLst>
+                                    <p:cond delay="0"/>
+                                  </p:stCondLst>
+                                  <p:childTnLst>
+                                    <p:set>
+                                      <p:cBhvr>
+                                        <p:cTn id="6" dur="1" fill="hold">
+                                          <p:stCondLst>
+                                            <p:cond delay="0"/>
+                                          </p:stCondLst>
+                                        </p:cTn>
+                                        <p:tgtEl>
+                                          <p:spTgt spid="3">
+                                            <p:txEl>
+                                              <p:pRg st="1" end="1"/>
+                                            </p:txEl>
+                                          </p:spTgt>
+                                        </p:tgtEl>
+                                        <p:attrNameLst>
+                                          <p:attrName>style.visibility</p:attrName>
+                                        </p:attrNameLst>
+                                      </p:cBhvr>
+                                      <p:to>
+                                        <p:strVal val="visible"/>
+                                      </p:to>
+                                    </p:set>
+                                    <p:animEffect transition="in" filter="fade">
+                                      <p:cBhvr>
+                                        <p:cTn id="7" dur="500"/>
+                                        <p:tgtEl>
+                                          <p:spTgt spid="3">
+                                            <p:txEl>
+                                              <p:pRg st="1" end="1"/>
+                                            </p:txEl>
+                                          </p:spTgt>
+                                        </p:tgtEl>
+                                      </p:cBhvr>
+                                    </p:animEffect>
+                                  </p:childTnLst>
+                                </p:cTn>
+                              </p:par>
+                            </p:childTnLst>
+                          </p:cTn>
+                        </p:par>
+                        <p:par>
+                          <p:cTn id="8" fill="hold">
+                            <p:stCondLst>
+                              <p:cond delay="500"/>
+                            </p:stCondLst>
+                            <p:childTnLst>
+                              <p:par>
+                                <p:cTn id="9" presetID="10" presetClass="entr" presetSubtype="0" fill="hold" grpId="0" nodeType="afterEffect">
+                                  <p:stCondLst>
+                                    <p:cond delay="0"/>
+                                  </p:stCondLst>
+                                  <p:childTnLst>
+                                    <p:set>
+                                      <p:cBhvr>
+                                        <p:cTn id="10" dur="1" fill="hold">
+                                          <p:stCondLst>
+                                            <p:cond delay="0"/>
+                                          </p:stCondLst>
+                                        </p:cTn>
+                                        <p:tgtEl>
+                                          <p:spTgt spid="3">
+                                            <p:txEl>
+                                              <p:pRg st="2" end="2"/>
+                                            </p:txEl>
+                                          </p:spTgt>
+                                        </p:tgtEl>
+                                        <p:attrNameLst>
+                                          <p:attrName>style.visibility</p:attrName>
+                                        </p:attrNameLst>
+                                      </p:cBhvr>
+                                      <p:to>
+                                        <p:strVal val="visible"/>
+                                      </p:to>
+                                    </p:set>
+                                    <p:animEffect transition="in" filter="fade">
+                                      <p:cBhvr>
+                                        <p:cTn id="11" dur="500"/>
+                                        <p:tgtEl>
+                                          <p:spTgt spid="3">
+                                            <p:txEl>
+                                              <p:pRg st="2" end="2"/>
+                                            </p:txEl>
+                                          </p:spTgt>
+                                        </p:tgtEl>
+                                      </p:cBhvr>
+                                    </p:animEffect>
+                                  </p:childTnLst>
+                                </p:cTn>
+                              </p:par>
+                            </p:childTnLst>
+                          </p:cTn>
+                        </p:par>
+                        <p:par>
+                          <p:cTn id="12" fill="hold">
+                            <p:stCondLst>
+                              <p:cond delay="1000"/>
+                            </p:stCondLst>
+                            <p:childTnLst>
+                              <p:par>
+                                <p:cTn id="13" presetID="10" presetClass="entr" presetSubtype="0" fill="hold" grpId="0" nodeType="afterEffect">
+                                  <p:stCondLst>
+                                    <p:cond delay="0"/>
+                                  </p:stCondLst>
+                                  <p:childTnLst>
+                                    <p:set>
+                                      <p:cBhvr>
+                                        <p:cTn id="14" dur="1" fill="hold">
+                                          <p:stCondLst>
+                                            <p:cond delay="0"/>
+                                          </p:stCondLst>
+                                        </p:cTn>
+                                        <p:tgtEl>
+                                          <p:spTgt spid="3">
+                                            <p:txEl>
+                                              <p:pRg st="3" end="3"/>
+                                            </p:txEl>
+                                          </p:spTgt>
+                                        </p:tgtEl>
+                                        <p:attrNameLst>
+                                          <p:attrName>style.visibility</p:attrName>
+                                        </p:attrNameLst>
+                                      </p:cBhvr>
+                                      <p:to>
+                                        <p:strVal val="visible"/>
+                                      </p:to>
+                                    </p:set>
+                                    <p:animEffect transition="in" filter="fade">
+                                      <p:cBhvr>
+                                        <p:cTn id="15" dur="500"/>
+                                        <p:tgtEl>
+                                          <p:spTgt spid="3">
+                                            <p:txEl>
+                                              <p:pRg st="3" end="3"/>
+                                            </p:txEl>
+                                          </p:spTgt>
+                                        </p:tgtEl>
+                                      </p:cBhvr>
+                                    </p:animEffect>
+                                  </p:childTnLst>
+                                </p:cTn>
+                              </p:par>
+                            </p:childTnLst>
+                          </p:cTn>
+                        </p:par>
+                      </p:childTnLst>
+                    </p:cTn>
+                  </p:par>
+                </p:childTnLst>
+              </p:cTn>
+              <p:prevCondLst>
+                <p:cond evt="onPrev" delay="0">
+                  <p:tgtEl>
+                    <p:sldTgt/>
+                  </p:tgtEl>
+                </p:cond>
+              </p:prevCondLst>
+              <p:nextCondLst>
+                <p:cond evt="onNext" delay="0">
+                  <p:tgtEl>
+                    <p:sldTgt/>
+                  </p:tgtEl>
+                </p:cond>
+              </p:nextCondLst>
+            </p:seq>
+          </p:childTnLst>
+        </p:cTn>
+      </p:par>
+    </p:tnLst>
+    <p:bldLst>
+      <p:bldP spid="3" grpId="0" build="p"/>
+    </p:bldLst>
+  </p:timing>
 </p:sld>
 </file>
 
@@ -27831,6 +33452,9 @@
   <p:clrMapOvr>
     <a:masterClrMapping/>
   </p:clrMapOvr>
+  <p:transition spd="slow" advTm="17000">
+    <p:cover/>
+  </p:transition>
 </p:sld>
 </file>
 
@@ -27999,43 +33623,43 @@
           <a:lstStyle/>
           <a:p>
             <a:r>
-              <a:rPr lang="cs-CZ" sz="1600"/>
+              <a:rPr lang="cs-CZ" sz="1600" dirty="0"/>
               <a:t>+  (sčítání)</a:t>
             </a:r>
           </a:p>
           <a:p>
             <a:r>
-              <a:rPr lang="cs-CZ" sz="1600"/>
+              <a:rPr lang="cs-CZ" sz="1600" dirty="0"/>
               <a:t>++ (zvýší hodnotu o jedna)</a:t>
             </a:r>
           </a:p>
           <a:p>
             <a:r>
-              <a:rPr lang="cs-CZ" sz="1600"/>
+              <a:rPr lang="cs-CZ" sz="1600" dirty="0"/>
               <a:t>- (odčítání)</a:t>
             </a:r>
           </a:p>
           <a:p>
             <a:r>
-              <a:rPr lang="cs-CZ" sz="1600"/>
+              <a:rPr lang="cs-CZ" sz="1600" dirty="0"/>
               <a:t>-- (zmenší hodnotu o jedna)</a:t>
             </a:r>
           </a:p>
           <a:p>
             <a:r>
-              <a:rPr lang="cs-CZ" sz="1600"/>
+              <a:rPr lang="cs-CZ" sz="1600" dirty="0"/>
               <a:t>* (násobení)</a:t>
             </a:r>
           </a:p>
           <a:p>
             <a:r>
-              <a:rPr lang="cs-CZ" sz="1600"/>
+              <a:rPr lang="cs-CZ" sz="1600" dirty="0"/>
               <a:t>/ (dělení)</a:t>
             </a:r>
           </a:p>
           <a:p>
             <a:r>
-              <a:rPr lang="cs-CZ" sz="1600"/>
+              <a:rPr lang="cs-CZ" sz="1600" dirty="0"/>
               <a:t>% (zbytek po celočíselném dělení)</a:t>
             </a:r>
           </a:p>
@@ -28177,6 +33801,427 @@
   <p:clrMapOvr>
     <a:masterClrMapping/>
   </p:clrMapOvr>
+  <mc:AlternateContent xmlns:mc="http://schemas.openxmlformats.org/markup-compatibility/2006">
+    <mc:Choice xmlns:p159="http://schemas.microsoft.com/office/powerpoint/2015/09/main" Requires="p159">
+      <p:transition xmlns:p14="http://schemas.microsoft.com/office/powerpoint/2010/main" spd="slow" p14:dur="2000" advTm="33000">
+        <p159:morph option="byObject"/>
+      </p:transition>
+    </mc:Choice>
+    <mc:Fallback>
+      <p:transition spd="slow" advTm="33000">
+        <p:fade/>
+      </p:transition>
+    </mc:Fallback>
+  </mc:AlternateContent>
+  <p:timing>
+    <p:tnLst>
+      <p:par>
+        <p:cTn id="1" dur="indefinite" restart="never" nodeType="tmRoot">
+          <p:childTnLst>
+            <p:seq concurrent="1" nextAc="seek">
+              <p:cTn id="2" dur="indefinite" nodeType="mainSeq">
+                <p:childTnLst>
+                  <p:par>
+                    <p:cTn id="3" fill="hold">
+                      <p:stCondLst>
+                        <p:cond delay="indefinite"/>
+                        <p:cond evt="onBegin" delay="0">
+                          <p:tn val="2"/>
+                        </p:cond>
+                      </p:stCondLst>
+                      <p:childTnLst>
+                        <p:par>
+                          <p:cTn id="4" fill="hold">
+                            <p:stCondLst>
+                              <p:cond delay="0"/>
+                            </p:stCondLst>
+                            <p:childTnLst>
+                              <p:par>
+                                <p:cTn id="5" presetID="10" presetClass="entr" presetSubtype="0" fill="hold" grpId="0" nodeType="afterEffect">
+                                  <p:stCondLst>
+                                    <p:cond delay="0"/>
+                                  </p:stCondLst>
+                                  <p:childTnLst>
+                                    <p:set>
+                                      <p:cBhvr>
+                                        <p:cTn id="6" dur="1" fill="hold">
+                                          <p:stCondLst>
+                                            <p:cond delay="0"/>
+                                          </p:stCondLst>
+                                        </p:cTn>
+                                        <p:tgtEl>
+                                          <p:spTgt spid="3">
+                                            <p:txEl>
+                                              <p:pRg st="0" end="0"/>
+                                            </p:txEl>
+                                          </p:spTgt>
+                                        </p:tgtEl>
+                                        <p:attrNameLst>
+                                          <p:attrName>style.visibility</p:attrName>
+                                        </p:attrNameLst>
+                                      </p:cBhvr>
+                                      <p:to>
+                                        <p:strVal val="visible"/>
+                                      </p:to>
+                                    </p:set>
+                                    <p:animEffect transition="in" filter="fade">
+                                      <p:cBhvr>
+                                        <p:cTn id="7" dur="500"/>
+                                        <p:tgtEl>
+                                          <p:spTgt spid="3">
+                                            <p:txEl>
+                                              <p:pRg st="0" end="0"/>
+                                            </p:txEl>
+                                          </p:spTgt>
+                                        </p:tgtEl>
+                                      </p:cBhvr>
+                                    </p:animEffect>
+                                  </p:childTnLst>
+                                </p:cTn>
+                              </p:par>
+                            </p:childTnLst>
+                          </p:cTn>
+                        </p:par>
+                        <p:par>
+                          <p:cTn id="8" fill="hold">
+                            <p:stCondLst>
+                              <p:cond delay="500"/>
+                            </p:stCondLst>
+                            <p:childTnLst>
+                              <p:par>
+                                <p:cTn id="9" presetID="10" presetClass="entr" presetSubtype="0" fill="hold" grpId="0" nodeType="afterEffect">
+                                  <p:stCondLst>
+                                    <p:cond delay="0"/>
+                                  </p:stCondLst>
+                                  <p:childTnLst>
+                                    <p:set>
+                                      <p:cBhvr>
+                                        <p:cTn id="10" dur="1" fill="hold">
+                                          <p:stCondLst>
+                                            <p:cond delay="0"/>
+                                          </p:stCondLst>
+                                        </p:cTn>
+                                        <p:tgtEl>
+                                          <p:spTgt spid="3">
+                                            <p:txEl>
+                                              <p:pRg st="1" end="1"/>
+                                            </p:txEl>
+                                          </p:spTgt>
+                                        </p:tgtEl>
+                                        <p:attrNameLst>
+                                          <p:attrName>style.visibility</p:attrName>
+                                        </p:attrNameLst>
+                                      </p:cBhvr>
+                                      <p:to>
+                                        <p:strVal val="visible"/>
+                                      </p:to>
+                                    </p:set>
+                                    <p:animEffect transition="in" filter="fade">
+                                      <p:cBhvr>
+                                        <p:cTn id="11" dur="500"/>
+                                        <p:tgtEl>
+                                          <p:spTgt spid="3">
+                                            <p:txEl>
+                                              <p:pRg st="1" end="1"/>
+                                            </p:txEl>
+                                          </p:spTgt>
+                                        </p:tgtEl>
+                                      </p:cBhvr>
+                                    </p:animEffect>
+                                  </p:childTnLst>
+                                </p:cTn>
+                              </p:par>
+                            </p:childTnLst>
+                          </p:cTn>
+                        </p:par>
+                        <p:par>
+                          <p:cTn id="12" fill="hold">
+                            <p:stCondLst>
+                              <p:cond delay="1000"/>
+                            </p:stCondLst>
+                            <p:childTnLst>
+                              <p:par>
+                                <p:cTn id="13" presetID="10" presetClass="entr" presetSubtype="0" fill="hold" grpId="0" nodeType="afterEffect">
+                                  <p:stCondLst>
+                                    <p:cond delay="0"/>
+                                  </p:stCondLst>
+                                  <p:childTnLst>
+                                    <p:set>
+                                      <p:cBhvr>
+                                        <p:cTn id="14" dur="1" fill="hold">
+                                          <p:stCondLst>
+                                            <p:cond delay="0"/>
+                                          </p:stCondLst>
+                                        </p:cTn>
+                                        <p:tgtEl>
+                                          <p:spTgt spid="3">
+                                            <p:txEl>
+                                              <p:pRg st="2" end="2"/>
+                                            </p:txEl>
+                                          </p:spTgt>
+                                        </p:tgtEl>
+                                        <p:attrNameLst>
+                                          <p:attrName>style.visibility</p:attrName>
+                                        </p:attrNameLst>
+                                      </p:cBhvr>
+                                      <p:to>
+                                        <p:strVal val="visible"/>
+                                      </p:to>
+                                    </p:set>
+                                    <p:animEffect transition="in" filter="fade">
+                                      <p:cBhvr>
+                                        <p:cTn id="15" dur="500"/>
+                                        <p:tgtEl>
+                                          <p:spTgt spid="3">
+                                            <p:txEl>
+                                              <p:pRg st="2" end="2"/>
+                                            </p:txEl>
+                                          </p:spTgt>
+                                        </p:tgtEl>
+                                      </p:cBhvr>
+                                    </p:animEffect>
+                                  </p:childTnLst>
+                                </p:cTn>
+                              </p:par>
+                            </p:childTnLst>
+                          </p:cTn>
+                        </p:par>
+                        <p:par>
+                          <p:cTn id="16" fill="hold">
+                            <p:stCondLst>
+                              <p:cond delay="1500"/>
+                            </p:stCondLst>
+                            <p:childTnLst>
+                              <p:par>
+                                <p:cTn id="17" presetID="10" presetClass="entr" presetSubtype="0" fill="hold" grpId="0" nodeType="afterEffect">
+                                  <p:stCondLst>
+                                    <p:cond delay="0"/>
+                                  </p:stCondLst>
+                                  <p:childTnLst>
+                                    <p:set>
+                                      <p:cBhvr>
+                                        <p:cTn id="18" dur="1" fill="hold">
+                                          <p:stCondLst>
+                                            <p:cond delay="0"/>
+                                          </p:stCondLst>
+                                        </p:cTn>
+                                        <p:tgtEl>
+                                          <p:spTgt spid="3">
+                                            <p:txEl>
+                                              <p:pRg st="3" end="3"/>
+                                            </p:txEl>
+                                          </p:spTgt>
+                                        </p:tgtEl>
+                                        <p:attrNameLst>
+                                          <p:attrName>style.visibility</p:attrName>
+                                        </p:attrNameLst>
+                                      </p:cBhvr>
+                                      <p:to>
+                                        <p:strVal val="visible"/>
+                                      </p:to>
+                                    </p:set>
+                                    <p:animEffect transition="in" filter="fade">
+                                      <p:cBhvr>
+                                        <p:cTn id="19" dur="500"/>
+                                        <p:tgtEl>
+                                          <p:spTgt spid="3">
+                                            <p:txEl>
+                                              <p:pRg st="3" end="3"/>
+                                            </p:txEl>
+                                          </p:spTgt>
+                                        </p:tgtEl>
+                                      </p:cBhvr>
+                                    </p:animEffect>
+                                  </p:childTnLst>
+                                </p:cTn>
+                              </p:par>
+                            </p:childTnLst>
+                          </p:cTn>
+                        </p:par>
+                        <p:par>
+                          <p:cTn id="20" fill="hold">
+                            <p:stCondLst>
+                              <p:cond delay="2000"/>
+                            </p:stCondLst>
+                            <p:childTnLst>
+                              <p:par>
+                                <p:cTn id="21" presetID="10" presetClass="entr" presetSubtype="0" fill="hold" grpId="0" nodeType="afterEffect">
+                                  <p:stCondLst>
+                                    <p:cond delay="0"/>
+                                  </p:stCondLst>
+                                  <p:childTnLst>
+                                    <p:set>
+                                      <p:cBhvr>
+                                        <p:cTn id="22" dur="1" fill="hold">
+                                          <p:stCondLst>
+                                            <p:cond delay="0"/>
+                                          </p:stCondLst>
+                                        </p:cTn>
+                                        <p:tgtEl>
+                                          <p:spTgt spid="3">
+                                            <p:txEl>
+                                              <p:pRg st="4" end="4"/>
+                                            </p:txEl>
+                                          </p:spTgt>
+                                        </p:tgtEl>
+                                        <p:attrNameLst>
+                                          <p:attrName>style.visibility</p:attrName>
+                                        </p:attrNameLst>
+                                      </p:cBhvr>
+                                      <p:to>
+                                        <p:strVal val="visible"/>
+                                      </p:to>
+                                    </p:set>
+                                    <p:animEffect transition="in" filter="fade">
+                                      <p:cBhvr>
+                                        <p:cTn id="23" dur="500"/>
+                                        <p:tgtEl>
+                                          <p:spTgt spid="3">
+                                            <p:txEl>
+                                              <p:pRg st="4" end="4"/>
+                                            </p:txEl>
+                                          </p:spTgt>
+                                        </p:tgtEl>
+                                      </p:cBhvr>
+                                    </p:animEffect>
+                                  </p:childTnLst>
+                                </p:cTn>
+                              </p:par>
+                            </p:childTnLst>
+                          </p:cTn>
+                        </p:par>
+                        <p:par>
+                          <p:cTn id="24" fill="hold">
+                            <p:stCondLst>
+                              <p:cond delay="2500"/>
+                            </p:stCondLst>
+                            <p:childTnLst>
+                              <p:par>
+                                <p:cTn id="25" presetID="10" presetClass="entr" presetSubtype="0" fill="hold" grpId="0" nodeType="afterEffect">
+                                  <p:stCondLst>
+                                    <p:cond delay="0"/>
+                                  </p:stCondLst>
+                                  <p:childTnLst>
+                                    <p:set>
+                                      <p:cBhvr>
+                                        <p:cTn id="26" dur="1" fill="hold">
+                                          <p:stCondLst>
+                                            <p:cond delay="0"/>
+                                          </p:stCondLst>
+                                        </p:cTn>
+                                        <p:tgtEl>
+                                          <p:spTgt spid="3">
+                                            <p:txEl>
+                                              <p:pRg st="5" end="5"/>
+                                            </p:txEl>
+                                          </p:spTgt>
+                                        </p:tgtEl>
+                                        <p:attrNameLst>
+                                          <p:attrName>style.visibility</p:attrName>
+                                        </p:attrNameLst>
+                                      </p:cBhvr>
+                                      <p:to>
+                                        <p:strVal val="visible"/>
+                                      </p:to>
+                                    </p:set>
+                                    <p:animEffect transition="in" filter="fade">
+                                      <p:cBhvr>
+                                        <p:cTn id="27" dur="500"/>
+                                        <p:tgtEl>
+                                          <p:spTgt spid="3">
+                                            <p:txEl>
+                                              <p:pRg st="5" end="5"/>
+                                            </p:txEl>
+                                          </p:spTgt>
+                                        </p:tgtEl>
+                                      </p:cBhvr>
+                                    </p:animEffect>
+                                  </p:childTnLst>
+                                </p:cTn>
+                              </p:par>
+                            </p:childTnLst>
+                          </p:cTn>
+                        </p:par>
+                        <p:par>
+                          <p:cTn id="28" fill="hold">
+                            <p:stCondLst>
+                              <p:cond delay="3000"/>
+                            </p:stCondLst>
+                            <p:childTnLst>
+                              <p:par>
+                                <p:cTn id="29" presetID="10" presetClass="entr" presetSubtype="0" fill="hold" grpId="0" nodeType="afterEffect">
+                                  <p:stCondLst>
+                                    <p:cond delay="0"/>
+                                  </p:stCondLst>
+                                  <p:childTnLst>
+                                    <p:set>
+                                      <p:cBhvr>
+                                        <p:cTn id="30" dur="1" fill="hold">
+                                          <p:stCondLst>
+                                            <p:cond delay="0"/>
+                                          </p:stCondLst>
+                                        </p:cTn>
+                                        <p:tgtEl>
+                                          <p:spTgt spid="3">
+                                            <p:txEl>
+                                              <p:pRg st="6" end="6"/>
+                                            </p:txEl>
+                                          </p:spTgt>
+                                        </p:tgtEl>
+                                        <p:attrNameLst>
+                                          <p:attrName>style.visibility</p:attrName>
+                                        </p:attrNameLst>
+                                      </p:cBhvr>
+                                      <p:to>
+                                        <p:strVal val="visible"/>
+                                      </p:to>
+                                    </p:set>
+                                    <p:animEffect transition="in" filter="fade">
+                                      <p:cBhvr>
+                                        <p:cTn id="31" dur="500"/>
+                                        <p:tgtEl>
+                                          <p:spTgt spid="3">
+                                            <p:txEl>
+                                              <p:pRg st="6" end="6"/>
+                                            </p:txEl>
+                                          </p:spTgt>
+                                        </p:tgtEl>
+                                      </p:cBhvr>
+                                    </p:animEffect>
+                                  </p:childTnLst>
+                                </p:cTn>
+                              </p:par>
+                            </p:childTnLst>
+                          </p:cTn>
+                        </p:par>
+                      </p:childTnLst>
+                    </p:cTn>
+                  </p:par>
+                </p:childTnLst>
+              </p:cTn>
+              <p:prevCondLst>
+                <p:cond evt="onPrev" delay="0">
+                  <p:tgtEl>
+                    <p:sldTgt/>
+                  </p:tgtEl>
+                </p:cond>
+              </p:prevCondLst>
+              <p:nextCondLst>
+                <p:cond evt="onNext" delay="0">
+                  <p:tgtEl>
+                    <p:sldTgt/>
+                  </p:tgtEl>
+                </p:cond>
+              </p:nextCondLst>
+            </p:seq>
+          </p:childTnLst>
+        </p:cTn>
+      </p:par>
+    </p:tnLst>
+    <p:bldLst>
+      <p:bldP spid="3" grpId="0" build="p"/>
+    </p:bldLst>
+  </p:timing>
 </p:sld>
 </file>
 
